--- a/Intro_Github.pptx
+++ b/Intro_Github.pptx
@@ -5,36 +5,37 @@
     <p:sldMasterId id="2147483648" r:id="rId1"/>
   </p:sldMasterIdLst>
   <p:notesMasterIdLst>
-    <p:notesMasterId r:id="rId29"/>
+    <p:notesMasterId r:id="rId30"/>
   </p:notesMasterIdLst>
   <p:sldIdLst>
     <p:sldId id="256" r:id="rId2"/>
     <p:sldId id="257" r:id="rId3"/>
-    <p:sldId id="275" r:id="rId4"/>
-    <p:sldId id="258" r:id="rId5"/>
-    <p:sldId id="259" r:id="rId6"/>
-    <p:sldId id="260" r:id="rId7"/>
-    <p:sldId id="264" r:id="rId8"/>
-    <p:sldId id="261" r:id="rId9"/>
-    <p:sldId id="276" r:id="rId10"/>
-    <p:sldId id="262" r:id="rId11"/>
-    <p:sldId id="277" r:id="rId12"/>
-    <p:sldId id="265" r:id="rId13"/>
-    <p:sldId id="263" r:id="rId14"/>
-    <p:sldId id="278" r:id="rId15"/>
-    <p:sldId id="279" r:id="rId16"/>
-    <p:sldId id="266" r:id="rId17"/>
-    <p:sldId id="281" r:id="rId18"/>
-    <p:sldId id="267" r:id="rId19"/>
-    <p:sldId id="268" r:id="rId20"/>
-    <p:sldId id="270" r:id="rId21"/>
-    <p:sldId id="274" r:id="rId22"/>
-    <p:sldId id="282" r:id="rId23"/>
-    <p:sldId id="271" r:id="rId24"/>
-    <p:sldId id="272" r:id="rId25"/>
-    <p:sldId id="280" r:id="rId26"/>
-    <p:sldId id="273" r:id="rId27"/>
-    <p:sldId id="283" r:id="rId28"/>
+    <p:sldId id="284" r:id="rId4"/>
+    <p:sldId id="275" r:id="rId5"/>
+    <p:sldId id="258" r:id="rId6"/>
+    <p:sldId id="259" r:id="rId7"/>
+    <p:sldId id="260" r:id="rId8"/>
+    <p:sldId id="264" r:id="rId9"/>
+    <p:sldId id="261" r:id="rId10"/>
+    <p:sldId id="276" r:id="rId11"/>
+    <p:sldId id="262" r:id="rId12"/>
+    <p:sldId id="277" r:id="rId13"/>
+    <p:sldId id="265" r:id="rId14"/>
+    <p:sldId id="263" r:id="rId15"/>
+    <p:sldId id="278" r:id="rId16"/>
+    <p:sldId id="279" r:id="rId17"/>
+    <p:sldId id="266" r:id="rId18"/>
+    <p:sldId id="281" r:id="rId19"/>
+    <p:sldId id="267" r:id="rId20"/>
+    <p:sldId id="268" r:id="rId21"/>
+    <p:sldId id="270" r:id="rId22"/>
+    <p:sldId id="274" r:id="rId23"/>
+    <p:sldId id="282" r:id="rId24"/>
+    <p:sldId id="271" r:id="rId25"/>
+    <p:sldId id="272" r:id="rId26"/>
+    <p:sldId id="280" r:id="rId27"/>
+    <p:sldId id="273" r:id="rId28"/>
+    <p:sldId id="283" r:id="rId29"/>
   </p:sldIdLst>
   <p:sldSz cx="12192000" cy="6858000"/>
   <p:notesSz cx="6858000" cy="9144000"/>
@@ -223,7 +224,7 @@
           <a:p>
             <a:fld id="{DE24B45D-B38B-5348-97F2-91F5A5915D4C}" type="datetimeFigureOut">
               <a:rPr lang="en-AU" smtClean="0"/>
-              <a:t>30/1/19</a:t>
+              <a:t>12/3/19</a:t>
             </a:fld>
             <a:endParaRPr lang="en-AU"/>
           </a:p>
@@ -556,7 +557,7 @@
           <a:p>
             <a:fld id="{3C97A14E-500E-A148-99C8-B80307C7DE72}" type="slidenum">
               <a:rPr lang="en-AU" smtClean="0"/>
-              <a:t>27</a:t>
+              <a:t>28</a:t>
             </a:fld>
             <a:endParaRPr lang="en-AU"/>
           </a:p>
@@ -706,7 +707,7 @@
           <a:p>
             <a:fld id="{95F34277-3EED-7A4D-A803-67027078CA3E}" type="datetimeFigureOut">
               <a:rPr lang="fr-FR" smtClean="0"/>
-              <a:t>30/01/2019</a:t>
+              <a:t>12/03/2019</a:t>
             </a:fld>
             <a:endParaRPr lang="fr-FR"/>
           </a:p>
@@ -876,7 +877,7 @@
           <a:p>
             <a:fld id="{95F34277-3EED-7A4D-A803-67027078CA3E}" type="datetimeFigureOut">
               <a:rPr lang="fr-FR" smtClean="0"/>
-              <a:t>30/01/2019</a:t>
+              <a:t>12/03/2019</a:t>
             </a:fld>
             <a:endParaRPr lang="fr-FR"/>
           </a:p>
@@ -1056,7 +1057,7 @@
           <a:p>
             <a:fld id="{95F34277-3EED-7A4D-A803-67027078CA3E}" type="datetimeFigureOut">
               <a:rPr lang="fr-FR" smtClean="0"/>
-              <a:t>30/01/2019</a:t>
+              <a:t>12/03/2019</a:t>
             </a:fld>
             <a:endParaRPr lang="fr-FR"/>
           </a:p>
@@ -1226,7 +1227,7 @@
           <a:p>
             <a:fld id="{95F34277-3EED-7A4D-A803-67027078CA3E}" type="datetimeFigureOut">
               <a:rPr lang="fr-FR" smtClean="0"/>
-              <a:t>30/01/2019</a:t>
+              <a:t>12/03/2019</a:t>
             </a:fld>
             <a:endParaRPr lang="fr-FR"/>
           </a:p>
@@ -1472,7 +1473,7 @@
           <a:p>
             <a:fld id="{95F34277-3EED-7A4D-A803-67027078CA3E}" type="datetimeFigureOut">
               <a:rPr lang="fr-FR" smtClean="0"/>
-              <a:t>30/01/2019</a:t>
+              <a:t>12/03/2019</a:t>
             </a:fld>
             <a:endParaRPr lang="fr-FR"/>
           </a:p>
@@ -1704,7 +1705,7 @@
           <a:p>
             <a:fld id="{95F34277-3EED-7A4D-A803-67027078CA3E}" type="datetimeFigureOut">
               <a:rPr lang="fr-FR" smtClean="0"/>
-              <a:t>30/01/2019</a:t>
+              <a:t>12/03/2019</a:t>
             </a:fld>
             <a:endParaRPr lang="fr-FR"/>
           </a:p>
@@ -2071,7 +2072,7 @@
           <a:p>
             <a:fld id="{95F34277-3EED-7A4D-A803-67027078CA3E}" type="datetimeFigureOut">
               <a:rPr lang="fr-FR" smtClean="0"/>
-              <a:t>30/01/2019</a:t>
+              <a:t>12/03/2019</a:t>
             </a:fld>
             <a:endParaRPr lang="fr-FR"/>
           </a:p>
@@ -2189,7 +2190,7 @@
           <a:p>
             <a:fld id="{95F34277-3EED-7A4D-A803-67027078CA3E}" type="datetimeFigureOut">
               <a:rPr lang="fr-FR" smtClean="0"/>
-              <a:t>30/01/2019</a:t>
+              <a:t>12/03/2019</a:t>
             </a:fld>
             <a:endParaRPr lang="fr-FR"/>
           </a:p>
@@ -2284,7 +2285,7 @@
           <a:p>
             <a:fld id="{95F34277-3EED-7A4D-A803-67027078CA3E}" type="datetimeFigureOut">
               <a:rPr lang="fr-FR" smtClean="0"/>
-              <a:t>30/01/2019</a:t>
+              <a:t>12/03/2019</a:t>
             </a:fld>
             <a:endParaRPr lang="fr-FR"/>
           </a:p>
@@ -2561,7 +2562,7 @@
           <a:p>
             <a:fld id="{95F34277-3EED-7A4D-A803-67027078CA3E}" type="datetimeFigureOut">
               <a:rPr lang="fr-FR" smtClean="0"/>
-              <a:t>30/01/2019</a:t>
+              <a:t>12/03/2019</a:t>
             </a:fld>
             <a:endParaRPr lang="fr-FR"/>
           </a:p>
@@ -2814,7 +2815,7 @@
           <a:p>
             <a:fld id="{95F34277-3EED-7A4D-A803-67027078CA3E}" type="datetimeFigureOut">
               <a:rPr lang="fr-FR" smtClean="0"/>
-              <a:t>30/01/2019</a:t>
+              <a:t>12/03/2019</a:t>
             </a:fld>
             <a:endParaRPr lang="fr-FR"/>
           </a:p>
@@ -3027,7 +3028,7 @@
           <a:p>
             <a:fld id="{95F34277-3EED-7A4D-A803-67027078CA3E}" type="datetimeFigureOut">
               <a:rPr lang="fr-FR" smtClean="0"/>
-              <a:t>30/01/2019</a:t>
+              <a:t>12/03/2019</a:t>
             </a:fld>
             <a:endParaRPr lang="fr-FR"/>
           </a:p>
@@ -3490,7 +3491,6 @@
               <a:rPr lang="en-CA" i="1" dirty="0" smtClean="0"/>
               <a:t>Building interactive and reproducible reports in minutes</a:t>
             </a:r>
-            <a:endParaRPr lang="en-CA" i="1" dirty="0" smtClean="0"/>
           </a:p>
         </p:txBody>
       </p:sp>
@@ -3539,7 +3539,7 @@
         </p:nvSpPr>
         <p:spPr>
           <a:xfrm>
-            <a:off x="3241268" y="2181733"/>
+            <a:off x="3633154" y="2164284"/>
             <a:ext cx="5783235" cy="646331"/>
           </a:xfrm>
           <a:prstGeom prst="rect">
@@ -3554,8 +3554,16 @@
           <a:lstStyle/>
           <a:p>
             <a:r>
+              <a:rPr lang="fr-FR" sz="3600" dirty="0" smtClean="0"/>
+              <a:t>Introduction </a:t>
+            </a:r>
+            <a:r>
               <a:rPr lang="fr-FR" sz="3600" smtClean="0"/>
-              <a:t>Introduction to R Markdown</a:t>
+              <a:t>to </a:t>
+            </a:r>
+            <a:r>
+              <a:rPr lang="fr-FR" sz="3600" smtClean="0"/>
+              <a:t>Github</a:t>
             </a:r>
             <a:endParaRPr lang="fr-FR" sz="3600" dirty="0"/>
           </a:p>
@@ -3666,79 +3674,84 @@
           <a:chExt cx="0" cy="0"/>
         </a:xfrm>
       </p:grpSpPr>
-      <p:sp>
-        <p:nvSpPr>
-          <p:cNvPr id="2" name="Rectangle 1"/>
-          <p:cNvSpPr/>
-          <p:nvPr/>
-        </p:nvSpPr>
-        <p:spPr>
-          <a:xfrm>
-            <a:off x="330105" y="1424701"/>
-            <a:ext cx="4069063" cy="707886"/>
-          </a:xfrm>
-          <a:prstGeom prst="rect">
-            <a:avLst/>
-          </a:prstGeom>
-        </p:spPr>
-        <p:txBody>
-          <a:bodyPr wrap="none">
-            <a:spAutoFit/>
-          </a:bodyPr>
-          <a:lstStyle/>
-          <a:p>
-            <a:r>
-              <a:rPr lang="en-CA" sz="4000" dirty="0" smtClean="0">
-                <a:solidFill>
-                  <a:schemeClr val="accent2">
-                    <a:lumMod val="75000"/>
-                  </a:schemeClr>
-                </a:solidFill>
-              </a:rPr>
-              <a:t>Customize the text</a:t>
-            </a:r>
-          </a:p>
-        </p:txBody>
-      </p:sp>
       <p:pic>
         <p:nvPicPr>
-          <p:cNvPr id="3" name="Image 2"/>
+          <p:cNvPr id="8" name="Image 7"/>
           <p:cNvPicPr>
             <a:picLocks noChangeAspect="1"/>
           </p:cNvPicPr>
           <p:nvPr/>
         </p:nvPicPr>
         <p:blipFill>
-          <a:blip r:embed="rId2"/>
+          <a:blip r:embed="rId2">
+            <a:alphaModFix amt="24000"/>
+            <a:extLst>
+              <a:ext uri="{28A0092B-C50C-407E-A947-70E740481C1C}">
+                <a14:useLocalDpi xmlns:a14="http://schemas.microsoft.com/office/drawing/2010/main" val="0"/>
+              </a:ext>
+            </a:extLst>
+          </a:blip>
           <a:stretch>
             <a:fillRect/>
           </a:stretch>
         </p:blipFill>
         <p:spPr>
           <a:xfrm>
-            <a:off x="5017762" y="160420"/>
-            <a:ext cx="7047281" cy="6633411"/>
-          </a:xfrm>
-          <a:prstGeom prst="rect">
-            <a:avLst/>
-          </a:prstGeom>
-          <a:ln w="34925">
+            <a:off x="-2411662" y="16042"/>
+            <a:ext cx="17808514" cy="6858000"/>
+          </a:xfrm>
+          <a:prstGeom prst="rect">
+            <a:avLst/>
+          </a:prstGeom>
+        </p:spPr>
+      </p:pic>
+      <p:cxnSp>
+        <p:nvCxnSpPr>
+          <p:cNvPr id="9" name="Connecteur droit 8"/>
+          <p:cNvCxnSpPr/>
+          <p:nvPr/>
+        </p:nvCxnSpPr>
+        <p:spPr>
+          <a:xfrm>
+            <a:off x="3676696" y="3686627"/>
+            <a:ext cx="4702626" cy="0"/>
+          </a:xfrm>
+          <a:prstGeom prst="line">
+            <a:avLst/>
+          </a:prstGeom>
+          <a:ln>
             <a:solidFill>
-              <a:schemeClr val="tx1"/>
+              <a:schemeClr val="bg2">
+                <a:lumMod val="50000"/>
+              </a:schemeClr>
             </a:solidFill>
           </a:ln>
         </p:spPr>
-      </p:pic>
-      <p:sp>
-        <p:nvSpPr>
-          <p:cNvPr id="4" name="ZoneTexte 3"/>
+        <p:style>
+          <a:lnRef idx="1">
+            <a:schemeClr val="accent1"/>
+          </a:lnRef>
+          <a:fillRef idx="0">
+            <a:schemeClr val="accent1"/>
+          </a:fillRef>
+          <a:effectRef idx="0">
+            <a:schemeClr val="accent1"/>
+          </a:effectRef>
+          <a:fontRef idx="minor">
+            <a:schemeClr val="tx1"/>
+          </a:fontRef>
+        </p:style>
+      </p:cxnSp>
+      <p:sp>
+        <p:nvSpPr>
+          <p:cNvPr id="10" name="ZoneTexte 9"/>
           <p:cNvSpPr txBox="1"/>
           <p:nvPr/>
         </p:nvSpPr>
         <p:spPr>
           <a:xfrm>
-            <a:off x="416762" y="4150895"/>
-            <a:ext cx="3449053" cy="461665"/>
+            <a:off x="4605609" y="2831940"/>
+            <a:ext cx="4814161" cy="646331"/>
           </a:xfrm>
           <a:prstGeom prst="rect">
             <a:avLst/>
@@ -3752,67 +3765,25 @@
           <a:lstStyle/>
           <a:p>
             <a:r>
-              <a:rPr lang="fr-FR" sz="2400" dirty="0" smtClean="0"/>
-              <a:t>R Markdown cheat sheet</a:t>
-            </a:r>
-          </a:p>
-        </p:txBody>
-      </p:sp>
-      <p:sp>
-        <p:nvSpPr>
-          <p:cNvPr id="5" name="Rectangle 4">
-            <a:hlinkClick r:id="rId3"/>
-          </p:cNvPr>
-          <p:cNvSpPr/>
-          <p:nvPr/>
-        </p:nvSpPr>
-        <p:spPr>
-          <a:xfrm>
-            <a:off x="937642" y="4855646"/>
-            <a:ext cx="1565365" cy="369332"/>
-          </a:xfrm>
-          <a:prstGeom prst="rect">
-            <a:avLst/>
-          </a:prstGeom>
-          <a:ln>
-            <a:solidFill>
-              <a:schemeClr val="accent1"/>
-            </a:solidFill>
-          </a:ln>
-        </p:spPr>
-        <p:txBody>
-          <a:bodyPr wrap="none">
-            <a:spAutoFit/>
-          </a:bodyPr>
-          <a:lstStyle/>
-          <a:p>
-            <a:r>
-              <a:rPr lang="fr-FR" dirty="0" err="1">
-                <a:solidFill>
-                  <a:schemeClr val="accent1">
-                    <a:lumMod val="75000"/>
-                  </a:schemeClr>
-                </a:solidFill>
-              </a:rPr>
-              <a:t>bit.ly</a:t>
-            </a:r>
-            <a:r>
-              <a:rPr lang="fr-FR" dirty="0">
-                <a:solidFill>
-                  <a:schemeClr val="accent1">
-                    <a:lumMod val="75000"/>
-                  </a:schemeClr>
-                </a:solidFill>
-              </a:rPr>
-              <a:t>/1SuNTo9</a:t>
-            </a:r>
+              <a:rPr lang="fr-FR" sz="3600" dirty="0" err="1" smtClean="0"/>
+              <a:t>Customize</a:t>
+            </a:r>
+            <a:r>
+              <a:rPr lang="fr-FR" sz="3600" dirty="0" smtClean="0"/>
+              <a:t> </a:t>
+            </a:r>
+            <a:r>
+              <a:rPr lang="fr-FR" sz="3600" dirty="0" err="1" smtClean="0"/>
+              <a:t>text</a:t>
+            </a:r>
+            <a:endParaRPr lang="fr-FR" sz="3600" dirty="0"/>
           </a:p>
         </p:txBody>
       </p:sp>
     </p:spTree>
     <p:extLst>
       <p:ext uri="{BB962C8B-B14F-4D97-AF65-F5344CB8AC3E}">
-        <p14:creationId xmlns:p14="http://schemas.microsoft.com/office/powerpoint/2010/main" val="1371178239"/>
+        <p14:creationId xmlns:p14="http://schemas.microsoft.com/office/powerpoint/2010/main" val="734081744"/>
       </p:ext>
     </p:extLst>
   </p:cSld>
@@ -3846,84 +3817,79 @@
           <a:chExt cx="0" cy="0"/>
         </a:xfrm>
       </p:grpSpPr>
+      <p:sp>
+        <p:nvSpPr>
+          <p:cNvPr id="2" name="Rectangle 1"/>
+          <p:cNvSpPr/>
+          <p:nvPr/>
+        </p:nvSpPr>
+        <p:spPr>
+          <a:xfrm>
+            <a:off x="330105" y="1424701"/>
+            <a:ext cx="4069063" cy="707886"/>
+          </a:xfrm>
+          <a:prstGeom prst="rect">
+            <a:avLst/>
+          </a:prstGeom>
+        </p:spPr>
+        <p:txBody>
+          <a:bodyPr wrap="none">
+            <a:spAutoFit/>
+          </a:bodyPr>
+          <a:lstStyle/>
+          <a:p>
+            <a:r>
+              <a:rPr lang="en-CA" sz="4000" dirty="0" smtClean="0">
+                <a:solidFill>
+                  <a:schemeClr val="accent2">
+                    <a:lumMod val="75000"/>
+                  </a:schemeClr>
+                </a:solidFill>
+              </a:rPr>
+              <a:t>Customize the text</a:t>
+            </a:r>
+          </a:p>
+        </p:txBody>
+      </p:sp>
       <p:pic>
         <p:nvPicPr>
-          <p:cNvPr id="8" name="Image 7"/>
+          <p:cNvPr id="3" name="Image 2"/>
           <p:cNvPicPr>
             <a:picLocks noChangeAspect="1"/>
           </p:cNvPicPr>
           <p:nvPr/>
         </p:nvPicPr>
         <p:blipFill>
-          <a:blip r:embed="rId2">
-            <a:alphaModFix amt="24000"/>
-            <a:extLst>
-              <a:ext uri="{28A0092B-C50C-407E-A947-70E740481C1C}">
-                <a14:useLocalDpi xmlns:a14="http://schemas.microsoft.com/office/drawing/2010/main" val="0"/>
-              </a:ext>
-            </a:extLst>
-          </a:blip>
+          <a:blip r:embed="rId2"/>
           <a:stretch>
             <a:fillRect/>
           </a:stretch>
         </p:blipFill>
         <p:spPr>
           <a:xfrm>
-            <a:off x="-2411662" y="16042"/>
-            <a:ext cx="17808514" cy="6858000"/>
-          </a:xfrm>
-          <a:prstGeom prst="rect">
-            <a:avLst/>
-          </a:prstGeom>
-        </p:spPr>
-      </p:pic>
-      <p:cxnSp>
-        <p:nvCxnSpPr>
-          <p:cNvPr id="9" name="Connecteur droit 8"/>
-          <p:cNvCxnSpPr/>
-          <p:nvPr/>
-        </p:nvCxnSpPr>
-        <p:spPr>
-          <a:xfrm>
-            <a:off x="3676696" y="3686627"/>
-            <a:ext cx="4702626" cy="0"/>
-          </a:xfrm>
-          <a:prstGeom prst="line">
-            <a:avLst/>
-          </a:prstGeom>
-          <a:ln>
+            <a:off x="5017762" y="160420"/>
+            <a:ext cx="7047281" cy="6633411"/>
+          </a:xfrm>
+          <a:prstGeom prst="rect">
+            <a:avLst/>
+          </a:prstGeom>
+          <a:ln w="34925">
             <a:solidFill>
-              <a:schemeClr val="bg2">
-                <a:lumMod val="50000"/>
-              </a:schemeClr>
+              <a:schemeClr val="tx1"/>
             </a:solidFill>
           </a:ln>
         </p:spPr>
-        <p:style>
-          <a:lnRef idx="1">
-            <a:schemeClr val="accent1"/>
-          </a:lnRef>
-          <a:fillRef idx="0">
-            <a:schemeClr val="accent1"/>
-          </a:fillRef>
-          <a:effectRef idx="0">
-            <a:schemeClr val="accent1"/>
-          </a:effectRef>
-          <a:fontRef idx="minor">
-            <a:schemeClr val="tx1"/>
-          </a:fontRef>
-        </p:style>
-      </p:cxnSp>
-      <p:sp>
-        <p:nvSpPr>
-          <p:cNvPr id="10" name="ZoneTexte 9"/>
+      </p:pic>
+      <p:sp>
+        <p:nvSpPr>
+          <p:cNvPr id="4" name="ZoneTexte 3"/>
           <p:cNvSpPr txBox="1"/>
           <p:nvPr/>
         </p:nvSpPr>
         <p:spPr>
           <a:xfrm>
-            <a:off x="3850867" y="2831940"/>
-            <a:ext cx="4814161" cy="646331"/>
+            <a:off x="416762" y="4150895"/>
+            <a:ext cx="3449053" cy="461665"/>
           </a:xfrm>
           <a:prstGeom prst="rect">
             <a:avLst/>
@@ -3937,25 +3903,67 @@
           <a:lstStyle/>
           <a:p>
             <a:r>
-              <a:rPr lang="fr-FR" sz="3600" dirty="0" smtClean="0"/>
-              <a:t>Code </a:t>
-            </a:r>
-            <a:r>
-              <a:rPr lang="fr-FR" sz="3600" dirty="0" err="1" smtClean="0"/>
-              <a:t>chunk</a:t>
-            </a:r>
-            <a:r>
-              <a:rPr lang="fr-FR" sz="3600" dirty="0" smtClean="0"/>
-              <a:t> options</a:t>
-            </a:r>
-            <a:endParaRPr lang="fr-FR" sz="3600" dirty="0"/>
+              <a:rPr lang="fr-FR" sz="2400" dirty="0" smtClean="0"/>
+              <a:t>R Markdown cheat sheet</a:t>
+            </a:r>
+          </a:p>
+        </p:txBody>
+      </p:sp>
+      <p:sp>
+        <p:nvSpPr>
+          <p:cNvPr id="5" name="Rectangle 4">
+            <a:hlinkClick r:id="rId3"/>
+          </p:cNvPr>
+          <p:cNvSpPr/>
+          <p:nvPr/>
+        </p:nvSpPr>
+        <p:spPr>
+          <a:xfrm>
+            <a:off x="937642" y="4855646"/>
+            <a:ext cx="1565365" cy="369332"/>
+          </a:xfrm>
+          <a:prstGeom prst="rect">
+            <a:avLst/>
+          </a:prstGeom>
+          <a:ln>
+            <a:solidFill>
+              <a:schemeClr val="accent1"/>
+            </a:solidFill>
+          </a:ln>
+        </p:spPr>
+        <p:txBody>
+          <a:bodyPr wrap="none">
+            <a:spAutoFit/>
+          </a:bodyPr>
+          <a:lstStyle/>
+          <a:p>
+            <a:r>
+              <a:rPr lang="fr-FR" dirty="0" err="1">
+                <a:solidFill>
+                  <a:schemeClr val="accent1">
+                    <a:lumMod val="75000"/>
+                  </a:schemeClr>
+                </a:solidFill>
+              </a:rPr>
+              <a:t>bit.ly</a:t>
+            </a:r>
+            <a:r>
+              <a:rPr lang="fr-FR" dirty="0">
+                <a:solidFill>
+                  <a:schemeClr val="accent1">
+                    <a:lumMod val="75000"/>
+                  </a:schemeClr>
+                </a:solidFill>
+              </a:rPr>
+              <a:t>/1SuNTo9</a:t>
+            </a:r>
           </a:p>
         </p:txBody>
       </p:sp>
     </p:spTree>
     <p:extLst>
       <p:ext uri="{BB962C8B-B14F-4D97-AF65-F5344CB8AC3E}">
-        <p14:creationId xmlns:p14="http://schemas.microsoft.com/office/powerpoint/2010/main" val="689489263"/>
+        <p14:creationId xmlns:p14="http://schemas.microsoft.com/office/powerpoint/2010/main" val="1371178239"/>
       </p:ext>
     </p:extLst>
   </p:cSld>
@@ -3991,89 +3999,55 @@
       </p:grpSpPr>
       <p:pic>
         <p:nvPicPr>
-          <p:cNvPr id="4" name="Image 3"/>
+          <p:cNvPr id="8" name="Image 7"/>
           <p:cNvPicPr>
             <a:picLocks noChangeAspect="1"/>
           </p:cNvPicPr>
           <p:nvPr/>
         </p:nvPicPr>
         <p:blipFill>
-          <a:blip r:embed="rId2"/>
+          <a:blip r:embed="rId2">
+            <a:alphaModFix amt="24000"/>
+            <a:extLst>
+              <a:ext uri="{28A0092B-C50C-407E-A947-70E740481C1C}">
+                <a14:useLocalDpi xmlns:a14="http://schemas.microsoft.com/office/drawing/2010/main" val="0"/>
+              </a:ext>
+            </a:extLst>
+          </a:blip>
           <a:stretch>
             <a:fillRect/>
           </a:stretch>
         </p:blipFill>
         <p:spPr>
           <a:xfrm>
-            <a:off x="410409" y="2422358"/>
-            <a:ext cx="10067886" cy="3545306"/>
+            <a:off x="-2411662" y="16042"/>
+            <a:ext cx="17808514" cy="6858000"/>
           </a:xfrm>
           <a:prstGeom prst="rect">
             <a:avLst/>
           </a:prstGeom>
         </p:spPr>
       </p:pic>
-      <p:sp>
-        <p:nvSpPr>
-          <p:cNvPr id="3" name="ZoneTexte 2"/>
-          <p:cNvSpPr txBox="1"/>
-          <p:nvPr/>
-        </p:nvSpPr>
-        <p:spPr>
-          <a:xfrm>
-            <a:off x="145140" y="109331"/>
-            <a:ext cx="9506859" cy="769441"/>
-          </a:xfrm>
-          <a:prstGeom prst="rect">
-            <a:avLst/>
-          </a:prstGeom>
-          <a:noFill/>
-        </p:spPr>
-        <p:txBody>
-          <a:bodyPr wrap="square" rtlCol="0">
-            <a:spAutoFit/>
-          </a:bodyPr>
-          <a:lstStyle/>
-          <a:p>
-            <a:r>
-              <a:rPr lang="en-CA" sz="4400" dirty="0" smtClean="0">
-                <a:solidFill>
-                  <a:schemeClr val="accent2">
-                    <a:lumMod val="75000"/>
-                  </a:schemeClr>
-                </a:solidFill>
-              </a:rPr>
-              <a:t>Anatomy of a Code chunk:</a:t>
-            </a:r>
-            <a:endParaRPr lang="en-CA" sz="4400" dirty="0">
-              <a:solidFill>
-                <a:schemeClr val="accent2">
-                  <a:lumMod val="75000"/>
-                </a:schemeClr>
-              </a:solidFill>
-            </a:endParaRPr>
-          </a:p>
-        </p:txBody>
-      </p:sp>
       <p:cxnSp>
         <p:nvCxnSpPr>
-          <p:cNvPr id="9" name="Connecteur droit avec flèche 8"/>
+          <p:cNvPr id="9" name="Connecteur droit 8"/>
           <p:cNvCxnSpPr/>
           <p:nvPr/>
         </p:nvCxnSpPr>
         <p:spPr>
           <a:xfrm>
-            <a:off x="1320414" y="2171996"/>
-            <a:ext cx="682362" cy="597772"/>
-          </a:xfrm>
-          <a:prstGeom prst="straightConnector1">
-            <a:avLst/>
-          </a:prstGeom>
-          <a:ln w="50800">
+            <a:off x="3676696" y="3686627"/>
+            <a:ext cx="4702626" cy="0"/>
+          </a:xfrm>
+          <a:prstGeom prst="line">
+            <a:avLst/>
+          </a:prstGeom>
+          <a:ln>
             <a:solidFill>
-              <a:srgbClr val="FF0000"/>
+              <a:schemeClr val="bg2">
+                <a:lumMod val="50000"/>
+              </a:schemeClr>
             </a:solidFill>
-            <a:tailEnd type="triangle"/>
           </a:ln>
         </p:spPr>
         <p:style>
@@ -4093,14 +4067,14 @@
       </p:cxnSp>
       <p:sp>
         <p:nvSpPr>
-          <p:cNvPr id="13" name="ZoneTexte 12"/>
+          <p:cNvPr id="10" name="ZoneTexte 9"/>
           <p:cNvSpPr txBox="1"/>
           <p:nvPr/>
         </p:nvSpPr>
         <p:spPr>
           <a:xfrm>
-            <a:off x="1757371" y="1353996"/>
-            <a:ext cx="1675257" cy="707886"/>
+            <a:off x="3850867" y="2831940"/>
+            <a:ext cx="4814161" cy="646331"/>
           </a:xfrm>
           <a:prstGeom prst="rect">
             <a:avLst/>
@@ -4114,516 +4088,25 @@
           <a:lstStyle/>
           <a:p>
             <a:r>
-              <a:rPr lang="fr-FR" sz="2000" b="1" dirty="0" err="1" smtClean="0">
-                <a:solidFill>
-                  <a:srgbClr val="FF0000"/>
-                </a:solidFill>
-              </a:rPr>
-              <a:t>Optional</a:t>
-            </a:r>
-            <a:r>
-              <a:rPr lang="fr-FR" sz="2000" b="1" dirty="0" smtClean="0">
-                <a:solidFill>
-                  <a:srgbClr val="FF0000"/>
-                </a:solidFill>
-              </a:rPr>
-              <a:t>: </a:t>
-            </a:r>
-            <a:r>
-              <a:rPr lang="fr-FR" sz="2000" b="1" dirty="0" err="1" smtClean="0">
-                <a:solidFill>
-                  <a:srgbClr val="FF0000"/>
-                </a:solidFill>
-              </a:rPr>
+              <a:rPr lang="fr-FR" sz="3600" dirty="0" smtClean="0"/>
+              <a:t>Code </a:t>
+            </a:r>
+            <a:r>
+              <a:rPr lang="fr-FR" sz="3600" dirty="0" err="1" smtClean="0"/>
               <a:t>chunk</a:t>
             </a:r>
             <a:r>
-              <a:rPr lang="fr-FR" sz="2000" b="1" dirty="0" smtClean="0">
-                <a:solidFill>
-                  <a:srgbClr val="FF0000"/>
-                </a:solidFill>
-              </a:rPr>
-              <a:t> </a:t>
-            </a:r>
-            <a:r>
-              <a:rPr lang="fr-FR" sz="2000" b="1" dirty="0" err="1" smtClean="0">
-                <a:solidFill>
-                  <a:srgbClr val="FF0000"/>
-                </a:solidFill>
-              </a:rPr>
-              <a:t>name</a:t>
-            </a:r>
-            <a:endParaRPr lang="fr-FR" sz="2000" b="1" dirty="0" smtClean="0">
-              <a:solidFill>
-                <a:srgbClr val="FF0000"/>
-              </a:solidFill>
-            </a:endParaRPr>
-          </a:p>
-        </p:txBody>
-      </p:sp>
-      <p:sp>
-        <p:nvSpPr>
-          <p:cNvPr id="16" name="ZoneTexte 15"/>
-          <p:cNvSpPr txBox="1"/>
-          <p:nvPr/>
-        </p:nvSpPr>
-        <p:spPr>
-          <a:xfrm>
-            <a:off x="270229" y="1701406"/>
-            <a:ext cx="1171074" cy="707886"/>
-          </a:xfrm>
-          <a:prstGeom prst="rect">
-            <a:avLst/>
-          </a:prstGeom>
-          <a:noFill/>
-        </p:spPr>
-        <p:txBody>
-          <a:bodyPr wrap="square" rtlCol="0">
-            <a:spAutoFit/>
-          </a:bodyPr>
-          <a:lstStyle/>
-          <a:p>
-            <a:r>
-              <a:rPr lang="fr-FR" sz="2000" b="1" dirty="0" smtClean="0">
-                <a:solidFill>
-                  <a:srgbClr val="FF0000"/>
-                </a:solidFill>
-              </a:rPr>
-              <a:t>R, </a:t>
-            </a:r>
-            <a:r>
-              <a:rPr lang="fr-FR" sz="2000" b="1" dirty="0" err="1" smtClean="0">
-                <a:solidFill>
-                  <a:srgbClr val="FF0000"/>
-                </a:solidFill>
-              </a:rPr>
-              <a:t>bash</a:t>
-            </a:r>
-            <a:r>
-              <a:rPr lang="fr-FR" sz="2000" b="1" dirty="0" smtClean="0">
-                <a:solidFill>
-                  <a:srgbClr val="FF0000"/>
-                </a:solidFill>
-              </a:rPr>
-              <a:t>, python?</a:t>
-            </a:r>
-          </a:p>
-        </p:txBody>
-      </p:sp>
-      <p:cxnSp>
-        <p:nvCxnSpPr>
-          <p:cNvPr id="17" name="Connecteur droit avec flèche 16"/>
-          <p:cNvCxnSpPr/>
-          <p:nvPr/>
-        </p:nvCxnSpPr>
-        <p:spPr>
-          <a:xfrm>
-            <a:off x="2351308" y="2221001"/>
-            <a:ext cx="6676" cy="519136"/>
-          </a:xfrm>
-          <a:prstGeom prst="straightConnector1">
-            <a:avLst/>
-          </a:prstGeom>
-          <a:ln w="50800">
-            <a:solidFill>
-              <a:srgbClr val="FF0000"/>
-            </a:solidFill>
-            <a:tailEnd type="triangle"/>
-          </a:ln>
-        </p:spPr>
-        <p:style>
-          <a:lnRef idx="1">
-            <a:schemeClr val="accent1"/>
-          </a:lnRef>
-          <a:fillRef idx="0">
-            <a:schemeClr val="accent1"/>
-          </a:fillRef>
-          <a:effectRef idx="0">
-            <a:schemeClr val="accent1"/>
-          </a:effectRef>
-          <a:fontRef idx="minor">
-            <a:schemeClr val="tx1"/>
-          </a:fontRef>
-        </p:style>
-      </p:cxnSp>
-      <p:sp>
-        <p:nvSpPr>
-          <p:cNvPr id="19" name="ZoneTexte 18"/>
-          <p:cNvSpPr txBox="1"/>
-          <p:nvPr/>
-        </p:nvSpPr>
-        <p:spPr>
-          <a:xfrm>
-            <a:off x="3769095" y="1347463"/>
-            <a:ext cx="1675257" cy="707886"/>
-          </a:xfrm>
-          <a:prstGeom prst="rect">
-            <a:avLst/>
-          </a:prstGeom>
-          <a:noFill/>
-        </p:spPr>
-        <p:txBody>
-          <a:bodyPr wrap="square" rtlCol="0">
-            <a:spAutoFit/>
-          </a:bodyPr>
-          <a:lstStyle/>
-          <a:p>
-            <a:r>
-              <a:rPr lang="fr-FR" sz="2000" b="1" dirty="0" err="1" smtClean="0">
-                <a:solidFill>
-                  <a:srgbClr val="FF0000"/>
-                </a:solidFill>
-              </a:rPr>
-              <a:t>Chunk</a:t>
-            </a:r>
-            <a:r>
-              <a:rPr lang="fr-FR" sz="2000" b="1" dirty="0" smtClean="0">
-                <a:solidFill>
-                  <a:srgbClr val="FF0000"/>
-                </a:solidFill>
-              </a:rPr>
+              <a:rPr lang="fr-FR" sz="3600" dirty="0" smtClean="0"/>
               <a:t> options</a:t>
             </a:r>
-          </a:p>
-        </p:txBody>
-      </p:sp>
-      <p:cxnSp>
-        <p:nvCxnSpPr>
-          <p:cNvPr id="20" name="Connecteur droit avec flèche 19"/>
-          <p:cNvCxnSpPr/>
-          <p:nvPr/>
-        </p:nvCxnSpPr>
-        <p:spPr>
-          <a:xfrm>
-            <a:off x="4252297" y="2104418"/>
-            <a:ext cx="6676" cy="519136"/>
-          </a:xfrm>
-          <a:prstGeom prst="straightConnector1">
-            <a:avLst/>
-          </a:prstGeom>
-          <a:ln w="50800">
-            <a:solidFill>
-              <a:srgbClr val="FF0000"/>
-            </a:solidFill>
-            <a:tailEnd type="triangle"/>
-          </a:ln>
-        </p:spPr>
-        <p:style>
-          <a:lnRef idx="1">
-            <a:schemeClr val="accent1"/>
-          </a:lnRef>
-          <a:fillRef idx="0">
-            <a:schemeClr val="accent1"/>
-          </a:fillRef>
-          <a:effectRef idx="0">
-            <a:schemeClr val="accent1"/>
-          </a:effectRef>
-          <a:fontRef idx="minor">
-            <a:schemeClr val="tx1"/>
-          </a:fontRef>
-        </p:style>
-      </p:cxnSp>
-      <p:cxnSp>
-        <p:nvCxnSpPr>
-          <p:cNvPr id="21" name="Connecteur droit avec flèche 20"/>
-          <p:cNvCxnSpPr/>
-          <p:nvPr/>
-        </p:nvCxnSpPr>
-        <p:spPr>
-          <a:xfrm>
-            <a:off x="9645323" y="2051269"/>
-            <a:ext cx="6676" cy="519136"/>
-          </a:xfrm>
-          <a:prstGeom prst="straightConnector1">
-            <a:avLst/>
-          </a:prstGeom>
-          <a:ln w="50800">
-            <a:solidFill>
-              <a:srgbClr val="FF0000"/>
-            </a:solidFill>
-            <a:tailEnd type="triangle"/>
-          </a:ln>
-        </p:spPr>
-        <p:style>
-          <a:lnRef idx="1">
-            <a:schemeClr val="accent1"/>
-          </a:lnRef>
-          <a:fillRef idx="0">
-            <a:schemeClr val="accent1"/>
-          </a:fillRef>
-          <a:effectRef idx="0">
-            <a:schemeClr val="accent1"/>
-          </a:effectRef>
-          <a:fontRef idx="minor">
-            <a:schemeClr val="tx1"/>
-          </a:fontRef>
-        </p:style>
-      </p:cxnSp>
-      <p:cxnSp>
-        <p:nvCxnSpPr>
-          <p:cNvPr id="22" name="Connecteur droit avec flèche 21"/>
-          <p:cNvCxnSpPr/>
-          <p:nvPr/>
-        </p:nvCxnSpPr>
-        <p:spPr>
-          <a:xfrm flipH="1">
-            <a:off x="10213472" y="2112336"/>
-            <a:ext cx="548873" cy="511218"/>
-          </a:xfrm>
-          <a:prstGeom prst="straightConnector1">
-            <a:avLst/>
-          </a:prstGeom>
-          <a:ln w="50800">
-            <a:solidFill>
-              <a:srgbClr val="FF0000"/>
-            </a:solidFill>
-            <a:tailEnd type="triangle"/>
-          </a:ln>
-        </p:spPr>
-        <p:style>
-          <a:lnRef idx="1">
-            <a:schemeClr val="accent1"/>
-          </a:lnRef>
-          <a:fillRef idx="0">
-            <a:schemeClr val="accent1"/>
-          </a:fillRef>
-          <a:effectRef idx="0">
-            <a:schemeClr val="accent1"/>
-          </a:effectRef>
-          <a:fontRef idx="minor">
-            <a:schemeClr val="tx1"/>
-          </a:fontRef>
-        </p:style>
-      </p:cxnSp>
-      <p:sp>
-        <p:nvSpPr>
-          <p:cNvPr id="25" name="ZoneTexte 24"/>
-          <p:cNvSpPr txBox="1"/>
-          <p:nvPr/>
-        </p:nvSpPr>
-        <p:spPr>
-          <a:xfrm>
-            <a:off x="8974791" y="901167"/>
-            <a:ext cx="1179862" cy="1015663"/>
-          </a:xfrm>
-          <a:prstGeom prst="rect">
-            <a:avLst/>
-          </a:prstGeom>
-          <a:noFill/>
-        </p:spPr>
-        <p:txBody>
-          <a:bodyPr wrap="square" rtlCol="0">
-            <a:spAutoFit/>
-          </a:bodyPr>
-          <a:lstStyle/>
-          <a:p>
-            <a:r>
-              <a:rPr lang="fr-FR" sz="2000" b="1" dirty="0" err="1" smtClean="0">
-                <a:solidFill>
-                  <a:srgbClr val="FF0000"/>
-                </a:solidFill>
-              </a:rPr>
-              <a:t>Run</a:t>
-            </a:r>
-            <a:r>
-              <a:rPr lang="fr-FR" sz="2000" b="1" dirty="0" smtClean="0">
-                <a:solidFill>
-                  <a:srgbClr val="FF0000"/>
-                </a:solidFill>
-              </a:rPr>
-              <a:t> all </a:t>
-            </a:r>
-            <a:r>
-              <a:rPr lang="fr-FR" sz="2000" b="1" dirty="0" err="1" smtClean="0">
-                <a:solidFill>
-                  <a:srgbClr val="FF0000"/>
-                </a:solidFill>
-              </a:rPr>
-              <a:t>previous</a:t>
-            </a:r>
-            <a:r>
-              <a:rPr lang="fr-FR" sz="2000" b="1" dirty="0" smtClean="0">
-                <a:solidFill>
-                  <a:srgbClr val="FF0000"/>
-                </a:solidFill>
-              </a:rPr>
-              <a:t> </a:t>
-            </a:r>
-            <a:r>
-              <a:rPr lang="fr-FR" sz="2000" b="1" dirty="0" err="1" smtClean="0">
-                <a:solidFill>
-                  <a:srgbClr val="FF0000"/>
-                </a:solidFill>
-              </a:rPr>
-              <a:t>chunks</a:t>
-            </a:r>
-            <a:endParaRPr lang="fr-FR" sz="2000" b="1" dirty="0" smtClean="0">
-              <a:solidFill>
-                <a:srgbClr val="FF0000"/>
-              </a:solidFill>
-            </a:endParaRPr>
-          </a:p>
-        </p:txBody>
-      </p:sp>
-      <p:sp>
-        <p:nvSpPr>
-          <p:cNvPr id="26" name="ZoneTexte 25"/>
-          <p:cNvSpPr txBox="1"/>
-          <p:nvPr/>
-        </p:nvSpPr>
-        <p:spPr>
-          <a:xfrm>
-            <a:off x="10762345" y="1065164"/>
-            <a:ext cx="1179862" cy="707886"/>
-          </a:xfrm>
-          <a:prstGeom prst="rect">
-            <a:avLst/>
-          </a:prstGeom>
-          <a:noFill/>
-        </p:spPr>
-        <p:txBody>
-          <a:bodyPr wrap="square" rtlCol="0">
-            <a:spAutoFit/>
-          </a:bodyPr>
-          <a:lstStyle/>
-          <a:p>
-            <a:r>
-              <a:rPr lang="fr-FR" sz="2000" b="1" dirty="0" err="1" smtClean="0">
-                <a:solidFill>
-                  <a:srgbClr val="FF0000"/>
-                </a:solidFill>
-              </a:rPr>
-              <a:t>Run</a:t>
-            </a:r>
-            <a:r>
-              <a:rPr lang="fr-FR" sz="2000" b="1" dirty="0" smtClean="0">
-                <a:solidFill>
-                  <a:srgbClr val="FF0000"/>
-                </a:solidFill>
-              </a:rPr>
-              <a:t> </a:t>
-            </a:r>
-            <a:r>
-              <a:rPr lang="fr-FR" sz="2000" b="1" dirty="0" err="1" smtClean="0">
-                <a:solidFill>
-                  <a:srgbClr val="FF0000"/>
-                </a:solidFill>
-              </a:rPr>
-              <a:t>this</a:t>
-            </a:r>
-            <a:r>
-              <a:rPr lang="fr-FR" sz="2000" b="1" dirty="0" smtClean="0">
-                <a:solidFill>
-                  <a:srgbClr val="FF0000"/>
-                </a:solidFill>
-              </a:rPr>
-              <a:t> </a:t>
-            </a:r>
-            <a:r>
-              <a:rPr lang="fr-FR" sz="2000" b="1" dirty="0" err="1" smtClean="0">
-                <a:solidFill>
-                  <a:srgbClr val="FF0000"/>
-                </a:solidFill>
-              </a:rPr>
-              <a:t>chunk</a:t>
-            </a:r>
-            <a:endParaRPr lang="fr-FR" sz="2000" b="1" dirty="0" smtClean="0">
-              <a:solidFill>
-                <a:srgbClr val="FF0000"/>
-              </a:solidFill>
-            </a:endParaRPr>
-          </a:p>
-        </p:txBody>
-      </p:sp>
-      <p:cxnSp>
-        <p:nvCxnSpPr>
-          <p:cNvPr id="27" name="Connecteur droit avec flèche 26"/>
-          <p:cNvCxnSpPr/>
-          <p:nvPr/>
-        </p:nvCxnSpPr>
-        <p:spPr>
-          <a:xfrm flipH="1" flipV="1">
-            <a:off x="3915429" y="3419240"/>
-            <a:ext cx="673735" cy="179695"/>
-          </a:xfrm>
-          <a:prstGeom prst="straightConnector1">
-            <a:avLst/>
-          </a:prstGeom>
-          <a:ln w="50800">
-            <a:solidFill>
-              <a:srgbClr val="FF0000"/>
-            </a:solidFill>
-            <a:tailEnd type="triangle"/>
-          </a:ln>
-        </p:spPr>
-        <p:style>
-          <a:lnRef idx="1">
-            <a:schemeClr val="accent1"/>
-          </a:lnRef>
-          <a:fillRef idx="0">
-            <a:schemeClr val="accent1"/>
-          </a:fillRef>
-          <a:effectRef idx="0">
-            <a:schemeClr val="accent1"/>
-          </a:effectRef>
-          <a:fontRef idx="minor">
-            <a:schemeClr val="tx1"/>
-          </a:fontRef>
-        </p:style>
-      </p:cxnSp>
-      <p:sp>
-        <p:nvSpPr>
-          <p:cNvPr id="29" name="ZoneTexte 28"/>
-          <p:cNvSpPr txBox="1"/>
-          <p:nvPr/>
-        </p:nvSpPr>
-        <p:spPr>
-          <a:xfrm>
-            <a:off x="5001702" y="3487125"/>
-            <a:ext cx="2345582" cy="400110"/>
-          </a:xfrm>
-          <a:prstGeom prst="rect">
-            <a:avLst/>
-          </a:prstGeom>
-          <a:noFill/>
-        </p:spPr>
-        <p:txBody>
-          <a:bodyPr wrap="square" rtlCol="0">
-            <a:spAutoFit/>
-          </a:bodyPr>
-          <a:lstStyle/>
-          <a:p>
-            <a:r>
-              <a:rPr lang="fr-FR" sz="2000" b="1" dirty="0" smtClean="0">
-                <a:solidFill>
-                  <a:srgbClr val="FF0000"/>
-                </a:solidFill>
-              </a:rPr>
-              <a:t>Comment </a:t>
-            </a:r>
-            <a:r>
-              <a:rPr lang="fr-FR" sz="2000" b="1" dirty="0" err="1" smtClean="0">
-                <a:solidFill>
-                  <a:srgbClr val="FF0000"/>
-                </a:solidFill>
-              </a:rPr>
-              <a:t>your</a:t>
-            </a:r>
-            <a:r>
-              <a:rPr lang="fr-FR" sz="2000" b="1" dirty="0" smtClean="0">
-                <a:solidFill>
-                  <a:srgbClr val="FF0000"/>
-                </a:solidFill>
-              </a:rPr>
-              <a:t> code</a:t>
-            </a:r>
+            <a:endParaRPr lang="fr-FR" sz="3600" dirty="0"/>
           </a:p>
         </p:txBody>
       </p:sp>
     </p:spTree>
     <p:extLst>
       <p:ext uri="{BB962C8B-B14F-4D97-AF65-F5344CB8AC3E}">
-        <p14:creationId xmlns:p14="http://schemas.microsoft.com/office/powerpoint/2010/main" val="33611226"/>
+        <p14:creationId xmlns:p14="http://schemas.microsoft.com/office/powerpoint/2010/main" val="689489263"/>
       </p:ext>
     </p:extLst>
   </p:cSld>
@@ -4657,9 +4140,33 @@
           <a:chExt cx="0" cy="0"/>
         </a:xfrm>
       </p:grpSpPr>
-      <p:sp>
-        <p:nvSpPr>
-          <p:cNvPr id="2" name="ZoneTexte 1"/>
+      <p:pic>
+        <p:nvPicPr>
+          <p:cNvPr id="4" name="Image 3"/>
+          <p:cNvPicPr>
+            <a:picLocks noChangeAspect="1"/>
+          </p:cNvPicPr>
+          <p:nvPr/>
+        </p:nvPicPr>
+        <p:blipFill>
+          <a:blip r:embed="rId2"/>
+          <a:stretch>
+            <a:fillRect/>
+          </a:stretch>
+        </p:blipFill>
+        <p:spPr>
+          <a:xfrm>
+            <a:off x="410409" y="2422358"/>
+            <a:ext cx="10067886" cy="3545306"/>
+          </a:xfrm>
+          <a:prstGeom prst="rect">
+            <a:avLst/>
+          </a:prstGeom>
+        </p:spPr>
+      </p:pic>
+      <p:sp>
+        <p:nvSpPr>
+          <p:cNvPr id="3" name="ZoneTexte 2"/>
           <p:cNvSpPr txBox="1"/>
           <p:nvPr/>
         </p:nvSpPr>
@@ -4687,7 +4194,7 @@
                   </a:schemeClr>
                 </a:solidFill>
               </a:rPr>
-              <a:t>Code chunk options:</a:t>
+              <a:t>Anatomy of a Code chunk:</a:t>
             </a:r>
             <a:endParaRPr lang="en-CA" sz="4400" dirty="0">
               <a:solidFill>
@@ -4699,34 +4206,575 @@
           </a:p>
         </p:txBody>
       </p:sp>
-      <p:pic>
-        <p:nvPicPr>
-          <p:cNvPr id="3" name="Image 2"/>
-          <p:cNvPicPr>
-            <a:picLocks noChangeAspect="1"/>
-          </p:cNvPicPr>
-          <p:nvPr/>
-        </p:nvPicPr>
-        <p:blipFill>
-          <a:blip r:embed="rId2"/>
-          <a:stretch>
-            <a:fillRect/>
-          </a:stretch>
-        </p:blipFill>
-        <p:spPr>
-          <a:xfrm>
-            <a:off x="1597192" y="1252954"/>
-            <a:ext cx="9164324" cy="4891171"/>
-          </a:xfrm>
-          <a:prstGeom prst="rect">
-            <a:avLst/>
-          </a:prstGeom>
-        </p:spPr>
-      </p:pic>
+      <p:cxnSp>
+        <p:nvCxnSpPr>
+          <p:cNvPr id="9" name="Connecteur droit avec flèche 8"/>
+          <p:cNvCxnSpPr/>
+          <p:nvPr/>
+        </p:nvCxnSpPr>
+        <p:spPr>
+          <a:xfrm>
+            <a:off x="1320414" y="2171996"/>
+            <a:ext cx="682362" cy="597772"/>
+          </a:xfrm>
+          <a:prstGeom prst="straightConnector1">
+            <a:avLst/>
+          </a:prstGeom>
+          <a:ln w="50800">
+            <a:solidFill>
+              <a:srgbClr val="FF0000"/>
+            </a:solidFill>
+            <a:tailEnd type="triangle"/>
+          </a:ln>
+        </p:spPr>
+        <p:style>
+          <a:lnRef idx="1">
+            <a:schemeClr val="accent1"/>
+          </a:lnRef>
+          <a:fillRef idx="0">
+            <a:schemeClr val="accent1"/>
+          </a:fillRef>
+          <a:effectRef idx="0">
+            <a:schemeClr val="accent1"/>
+          </a:effectRef>
+          <a:fontRef idx="minor">
+            <a:schemeClr val="tx1"/>
+          </a:fontRef>
+        </p:style>
+      </p:cxnSp>
+      <p:sp>
+        <p:nvSpPr>
+          <p:cNvPr id="13" name="ZoneTexte 12"/>
+          <p:cNvSpPr txBox="1"/>
+          <p:nvPr/>
+        </p:nvSpPr>
+        <p:spPr>
+          <a:xfrm>
+            <a:off x="1757371" y="1353996"/>
+            <a:ext cx="1675257" cy="707886"/>
+          </a:xfrm>
+          <a:prstGeom prst="rect">
+            <a:avLst/>
+          </a:prstGeom>
+          <a:noFill/>
+        </p:spPr>
+        <p:txBody>
+          <a:bodyPr wrap="square" rtlCol="0">
+            <a:spAutoFit/>
+          </a:bodyPr>
+          <a:lstStyle/>
+          <a:p>
+            <a:r>
+              <a:rPr lang="fr-FR" sz="2000" b="1" dirty="0" err="1" smtClean="0">
+                <a:solidFill>
+                  <a:srgbClr val="FF0000"/>
+                </a:solidFill>
+              </a:rPr>
+              <a:t>Optional</a:t>
+            </a:r>
+            <a:r>
+              <a:rPr lang="fr-FR" sz="2000" b="1" dirty="0" smtClean="0">
+                <a:solidFill>
+                  <a:srgbClr val="FF0000"/>
+                </a:solidFill>
+              </a:rPr>
+              <a:t>: </a:t>
+            </a:r>
+            <a:r>
+              <a:rPr lang="fr-FR" sz="2000" b="1" dirty="0" err="1" smtClean="0">
+                <a:solidFill>
+                  <a:srgbClr val="FF0000"/>
+                </a:solidFill>
+              </a:rPr>
+              <a:t>chunk</a:t>
+            </a:r>
+            <a:r>
+              <a:rPr lang="fr-FR" sz="2000" b="1" dirty="0" smtClean="0">
+                <a:solidFill>
+                  <a:srgbClr val="FF0000"/>
+                </a:solidFill>
+              </a:rPr>
+              <a:t> </a:t>
+            </a:r>
+            <a:r>
+              <a:rPr lang="fr-FR" sz="2000" b="1" dirty="0" err="1" smtClean="0">
+                <a:solidFill>
+                  <a:srgbClr val="FF0000"/>
+                </a:solidFill>
+              </a:rPr>
+              <a:t>name</a:t>
+            </a:r>
+            <a:endParaRPr lang="fr-FR" sz="2000" b="1" dirty="0" smtClean="0">
+              <a:solidFill>
+                <a:srgbClr val="FF0000"/>
+              </a:solidFill>
+            </a:endParaRPr>
+          </a:p>
+        </p:txBody>
+      </p:sp>
+      <p:sp>
+        <p:nvSpPr>
+          <p:cNvPr id="16" name="ZoneTexte 15"/>
+          <p:cNvSpPr txBox="1"/>
+          <p:nvPr/>
+        </p:nvSpPr>
+        <p:spPr>
+          <a:xfrm>
+            <a:off x="270229" y="1701406"/>
+            <a:ext cx="1171074" cy="707886"/>
+          </a:xfrm>
+          <a:prstGeom prst="rect">
+            <a:avLst/>
+          </a:prstGeom>
+          <a:noFill/>
+        </p:spPr>
+        <p:txBody>
+          <a:bodyPr wrap="square" rtlCol="0">
+            <a:spAutoFit/>
+          </a:bodyPr>
+          <a:lstStyle/>
+          <a:p>
+            <a:r>
+              <a:rPr lang="fr-FR" sz="2000" b="1" dirty="0" smtClean="0">
+                <a:solidFill>
+                  <a:srgbClr val="FF0000"/>
+                </a:solidFill>
+              </a:rPr>
+              <a:t>R, </a:t>
+            </a:r>
+            <a:r>
+              <a:rPr lang="fr-FR" sz="2000" b="1" dirty="0" err="1" smtClean="0">
+                <a:solidFill>
+                  <a:srgbClr val="FF0000"/>
+                </a:solidFill>
+              </a:rPr>
+              <a:t>bash</a:t>
+            </a:r>
+            <a:r>
+              <a:rPr lang="fr-FR" sz="2000" b="1" dirty="0" smtClean="0">
+                <a:solidFill>
+                  <a:srgbClr val="FF0000"/>
+                </a:solidFill>
+              </a:rPr>
+              <a:t>, python?</a:t>
+            </a:r>
+          </a:p>
+        </p:txBody>
+      </p:sp>
+      <p:cxnSp>
+        <p:nvCxnSpPr>
+          <p:cNvPr id="17" name="Connecteur droit avec flèche 16"/>
+          <p:cNvCxnSpPr/>
+          <p:nvPr/>
+        </p:nvCxnSpPr>
+        <p:spPr>
+          <a:xfrm>
+            <a:off x="2351308" y="2221001"/>
+            <a:ext cx="6676" cy="519136"/>
+          </a:xfrm>
+          <a:prstGeom prst="straightConnector1">
+            <a:avLst/>
+          </a:prstGeom>
+          <a:ln w="50800">
+            <a:solidFill>
+              <a:srgbClr val="FF0000"/>
+            </a:solidFill>
+            <a:tailEnd type="triangle"/>
+          </a:ln>
+        </p:spPr>
+        <p:style>
+          <a:lnRef idx="1">
+            <a:schemeClr val="accent1"/>
+          </a:lnRef>
+          <a:fillRef idx="0">
+            <a:schemeClr val="accent1"/>
+          </a:fillRef>
+          <a:effectRef idx="0">
+            <a:schemeClr val="accent1"/>
+          </a:effectRef>
+          <a:fontRef idx="minor">
+            <a:schemeClr val="tx1"/>
+          </a:fontRef>
+        </p:style>
+      </p:cxnSp>
+      <p:sp>
+        <p:nvSpPr>
+          <p:cNvPr id="19" name="ZoneTexte 18"/>
+          <p:cNvSpPr txBox="1"/>
+          <p:nvPr/>
+        </p:nvSpPr>
+        <p:spPr>
+          <a:xfrm>
+            <a:off x="3769095" y="1347463"/>
+            <a:ext cx="1675257" cy="707886"/>
+          </a:xfrm>
+          <a:prstGeom prst="rect">
+            <a:avLst/>
+          </a:prstGeom>
+          <a:noFill/>
+        </p:spPr>
+        <p:txBody>
+          <a:bodyPr wrap="square" rtlCol="0">
+            <a:spAutoFit/>
+          </a:bodyPr>
+          <a:lstStyle/>
+          <a:p>
+            <a:r>
+              <a:rPr lang="fr-FR" sz="2000" b="1" dirty="0" err="1" smtClean="0">
+                <a:solidFill>
+                  <a:srgbClr val="FF0000"/>
+                </a:solidFill>
+              </a:rPr>
+              <a:t>Chunk</a:t>
+            </a:r>
+            <a:r>
+              <a:rPr lang="fr-FR" sz="2000" b="1" dirty="0" smtClean="0">
+                <a:solidFill>
+                  <a:srgbClr val="FF0000"/>
+                </a:solidFill>
+              </a:rPr>
+              <a:t> options</a:t>
+            </a:r>
+          </a:p>
+        </p:txBody>
+      </p:sp>
+      <p:cxnSp>
+        <p:nvCxnSpPr>
+          <p:cNvPr id="20" name="Connecteur droit avec flèche 19"/>
+          <p:cNvCxnSpPr/>
+          <p:nvPr/>
+        </p:nvCxnSpPr>
+        <p:spPr>
+          <a:xfrm>
+            <a:off x="4252297" y="2104418"/>
+            <a:ext cx="6676" cy="519136"/>
+          </a:xfrm>
+          <a:prstGeom prst="straightConnector1">
+            <a:avLst/>
+          </a:prstGeom>
+          <a:ln w="50800">
+            <a:solidFill>
+              <a:srgbClr val="FF0000"/>
+            </a:solidFill>
+            <a:tailEnd type="triangle"/>
+          </a:ln>
+        </p:spPr>
+        <p:style>
+          <a:lnRef idx="1">
+            <a:schemeClr val="accent1"/>
+          </a:lnRef>
+          <a:fillRef idx="0">
+            <a:schemeClr val="accent1"/>
+          </a:fillRef>
+          <a:effectRef idx="0">
+            <a:schemeClr val="accent1"/>
+          </a:effectRef>
+          <a:fontRef idx="minor">
+            <a:schemeClr val="tx1"/>
+          </a:fontRef>
+        </p:style>
+      </p:cxnSp>
+      <p:cxnSp>
+        <p:nvCxnSpPr>
+          <p:cNvPr id="21" name="Connecteur droit avec flèche 20"/>
+          <p:cNvCxnSpPr/>
+          <p:nvPr/>
+        </p:nvCxnSpPr>
+        <p:spPr>
+          <a:xfrm>
+            <a:off x="9645323" y="2051269"/>
+            <a:ext cx="6676" cy="519136"/>
+          </a:xfrm>
+          <a:prstGeom prst="straightConnector1">
+            <a:avLst/>
+          </a:prstGeom>
+          <a:ln w="50800">
+            <a:solidFill>
+              <a:srgbClr val="FF0000"/>
+            </a:solidFill>
+            <a:tailEnd type="triangle"/>
+          </a:ln>
+        </p:spPr>
+        <p:style>
+          <a:lnRef idx="1">
+            <a:schemeClr val="accent1"/>
+          </a:lnRef>
+          <a:fillRef idx="0">
+            <a:schemeClr val="accent1"/>
+          </a:fillRef>
+          <a:effectRef idx="0">
+            <a:schemeClr val="accent1"/>
+          </a:effectRef>
+          <a:fontRef idx="minor">
+            <a:schemeClr val="tx1"/>
+          </a:fontRef>
+        </p:style>
+      </p:cxnSp>
+      <p:cxnSp>
+        <p:nvCxnSpPr>
+          <p:cNvPr id="22" name="Connecteur droit avec flèche 21"/>
+          <p:cNvCxnSpPr/>
+          <p:nvPr/>
+        </p:nvCxnSpPr>
+        <p:spPr>
+          <a:xfrm flipH="1">
+            <a:off x="10213472" y="2112336"/>
+            <a:ext cx="548873" cy="511218"/>
+          </a:xfrm>
+          <a:prstGeom prst="straightConnector1">
+            <a:avLst/>
+          </a:prstGeom>
+          <a:ln w="50800">
+            <a:solidFill>
+              <a:srgbClr val="FF0000"/>
+            </a:solidFill>
+            <a:tailEnd type="triangle"/>
+          </a:ln>
+        </p:spPr>
+        <p:style>
+          <a:lnRef idx="1">
+            <a:schemeClr val="accent1"/>
+          </a:lnRef>
+          <a:fillRef idx="0">
+            <a:schemeClr val="accent1"/>
+          </a:fillRef>
+          <a:effectRef idx="0">
+            <a:schemeClr val="accent1"/>
+          </a:effectRef>
+          <a:fontRef idx="minor">
+            <a:schemeClr val="tx1"/>
+          </a:fontRef>
+        </p:style>
+      </p:cxnSp>
+      <p:sp>
+        <p:nvSpPr>
+          <p:cNvPr id="25" name="ZoneTexte 24"/>
+          <p:cNvSpPr txBox="1"/>
+          <p:nvPr/>
+        </p:nvSpPr>
+        <p:spPr>
+          <a:xfrm>
+            <a:off x="8974791" y="901167"/>
+            <a:ext cx="1179862" cy="1015663"/>
+          </a:xfrm>
+          <a:prstGeom prst="rect">
+            <a:avLst/>
+          </a:prstGeom>
+          <a:noFill/>
+        </p:spPr>
+        <p:txBody>
+          <a:bodyPr wrap="square" rtlCol="0">
+            <a:spAutoFit/>
+          </a:bodyPr>
+          <a:lstStyle/>
+          <a:p>
+            <a:r>
+              <a:rPr lang="fr-FR" sz="2000" b="1" dirty="0" err="1" smtClean="0">
+                <a:solidFill>
+                  <a:srgbClr val="FF0000"/>
+                </a:solidFill>
+              </a:rPr>
+              <a:t>Run</a:t>
+            </a:r>
+            <a:r>
+              <a:rPr lang="fr-FR" sz="2000" b="1" dirty="0" smtClean="0">
+                <a:solidFill>
+                  <a:srgbClr val="FF0000"/>
+                </a:solidFill>
+              </a:rPr>
+              <a:t> all </a:t>
+            </a:r>
+            <a:r>
+              <a:rPr lang="fr-FR" sz="2000" b="1" dirty="0" err="1" smtClean="0">
+                <a:solidFill>
+                  <a:srgbClr val="FF0000"/>
+                </a:solidFill>
+              </a:rPr>
+              <a:t>previous</a:t>
+            </a:r>
+            <a:r>
+              <a:rPr lang="fr-FR" sz="2000" b="1" dirty="0" smtClean="0">
+                <a:solidFill>
+                  <a:srgbClr val="FF0000"/>
+                </a:solidFill>
+              </a:rPr>
+              <a:t> </a:t>
+            </a:r>
+            <a:r>
+              <a:rPr lang="fr-FR" sz="2000" b="1" dirty="0" err="1" smtClean="0">
+                <a:solidFill>
+                  <a:srgbClr val="FF0000"/>
+                </a:solidFill>
+              </a:rPr>
+              <a:t>chunks</a:t>
+            </a:r>
+            <a:endParaRPr lang="fr-FR" sz="2000" b="1" dirty="0" smtClean="0">
+              <a:solidFill>
+                <a:srgbClr val="FF0000"/>
+              </a:solidFill>
+            </a:endParaRPr>
+          </a:p>
+        </p:txBody>
+      </p:sp>
+      <p:sp>
+        <p:nvSpPr>
+          <p:cNvPr id="26" name="ZoneTexte 25"/>
+          <p:cNvSpPr txBox="1"/>
+          <p:nvPr/>
+        </p:nvSpPr>
+        <p:spPr>
+          <a:xfrm>
+            <a:off x="10762345" y="1065164"/>
+            <a:ext cx="1179862" cy="707886"/>
+          </a:xfrm>
+          <a:prstGeom prst="rect">
+            <a:avLst/>
+          </a:prstGeom>
+          <a:noFill/>
+        </p:spPr>
+        <p:txBody>
+          <a:bodyPr wrap="square" rtlCol="0">
+            <a:spAutoFit/>
+          </a:bodyPr>
+          <a:lstStyle/>
+          <a:p>
+            <a:r>
+              <a:rPr lang="fr-FR" sz="2000" b="1" dirty="0" err="1" smtClean="0">
+                <a:solidFill>
+                  <a:srgbClr val="FF0000"/>
+                </a:solidFill>
+              </a:rPr>
+              <a:t>Run</a:t>
+            </a:r>
+            <a:r>
+              <a:rPr lang="fr-FR" sz="2000" b="1" dirty="0" smtClean="0">
+                <a:solidFill>
+                  <a:srgbClr val="FF0000"/>
+                </a:solidFill>
+              </a:rPr>
+              <a:t> </a:t>
+            </a:r>
+            <a:r>
+              <a:rPr lang="fr-FR" sz="2000" b="1" dirty="0" err="1" smtClean="0">
+                <a:solidFill>
+                  <a:srgbClr val="FF0000"/>
+                </a:solidFill>
+              </a:rPr>
+              <a:t>this</a:t>
+            </a:r>
+            <a:r>
+              <a:rPr lang="fr-FR" sz="2000" b="1" dirty="0" smtClean="0">
+                <a:solidFill>
+                  <a:srgbClr val="FF0000"/>
+                </a:solidFill>
+              </a:rPr>
+              <a:t> </a:t>
+            </a:r>
+            <a:r>
+              <a:rPr lang="fr-FR" sz="2000" b="1" dirty="0" err="1" smtClean="0">
+                <a:solidFill>
+                  <a:srgbClr val="FF0000"/>
+                </a:solidFill>
+              </a:rPr>
+              <a:t>chunk</a:t>
+            </a:r>
+            <a:endParaRPr lang="fr-FR" sz="2000" b="1" dirty="0" smtClean="0">
+              <a:solidFill>
+                <a:srgbClr val="FF0000"/>
+              </a:solidFill>
+            </a:endParaRPr>
+          </a:p>
+        </p:txBody>
+      </p:sp>
+      <p:cxnSp>
+        <p:nvCxnSpPr>
+          <p:cNvPr id="27" name="Connecteur droit avec flèche 26"/>
+          <p:cNvCxnSpPr/>
+          <p:nvPr/>
+        </p:nvCxnSpPr>
+        <p:spPr>
+          <a:xfrm flipH="1" flipV="1">
+            <a:off x="3915429" y="3419240"/>
+            <a:ext cx="673735" cy="179695"/>
+          </a:xfrm>
+          <a:prstGeom prst="straightConnector1">
+            <a:avLst/>
+          </a:prstGeom>
+          <a:ln w="50800">
+            <a:solidFill>
+              <a:srgbClr val="FF0000"/>
+            </a:solidFill>
+            <a:tailEnd type="triangle"/>
+          </a:ln>
+        </p:spPr>
+        <p:style>
+          <a:lnRef idx="1">
+            <a:schemeClr val="accent1"/>
+          </a:lnRef>
+          <a:fillRef idx="0">
+            <a:schemeClr val="accent1"/>
+          </a:fillRef>
+          <a:effectRef idx="0">
+            <a:schemeClr val="accent1"/>
+          </a:effectRef>
+          <a:fontRef idx="minor">
+            <a:schemeClr val="tx1"/>
+          </a:fontRef>
+        </p:style>
+      </p:cxnSp>
+      <p:sp>
+        <p:nvSpPr>
+          <p:cNvPr id="29" name="ZoneTexte 28"/>
+          <p:cNvSpPr txBox="1"/>
+          <p:nvPr/>
+        </p:nvSpPr>
+        <p:spPr>
+          <a:xfrm>
+            <a:off x="5001702" y="3487125"/>
+            <a:ext cx="2345582" cy="400110"/>
+          </a:xfrm>
+          <a:prstGeom prst="rect">
+            <a:avLst/>
+          </a:prstGeom>
+          <a:noFill/>
+        </p:spPr>
+        <p:txBody>
+          <a:bodyPr wrap="square" rtlCol="0">
+            <a:spAutoFit/>
+          </a:bodyPr>
+          <a:lstStyle/>
+          <a:p>
+            <a:r>
+              <a:rPr lang="fr-FR" sz="2000" b="1" dirty="0" smtClean="0">
+                <a:solidFill>
+                  <a:srgbClr val="FF0000"/>
+                </a:solidFill>
+              </a:rPr>
+              <a:t>Comment </a:t>
+            </a:r>
+            <a:r>
+              <a:rPr lang="fr-FR" sz="2000" b="1" dirty="0" err="1" smtClean="0">
+                <a:solidFill>
+                  <a:srgbClr val="FF0000"/>
+                </a:solidFill>
+              </a:rPr>
+              <a:t>your</a:t>
+            </a:r>
+            <a:r>
+              <a:rPr lang="fr-FR" sz="2000" b="1" dirty="0" smtClean="0">
+                <a:solidFill>
+                  <a:srgbClr val="FF0000"/>
+                </a:solidFill>
+              </a:rPr>
+              <a:t> code</a:t>
+            </a:r>
+          </a:p>
+        </p:txBody>
+      </p:sp>
     </p:spTree>
     <p:extLst>
       <p:ext uri="{BB962C8B-B14F-4D97-AF65-F5344CB8AC3E}">
-        <p14:creationId xmlns:p14="http://schemas.microsoft.com/office/powerpoint/2010/main" val="745646916"/>
+        <p14:creationId xmlns:p14="http://schemas.microsoft.com/office/powerpoint/2010/main" val="33611226"/>
       </p:ext>
     </p:extLst>
   </p:cSld>
@@ -4768,7 +4816,7 @@
         </p:nvSpPr>
         <p:spPr>
           <a:xfrm>
-            <a:off x="1432328" y="1654720"/>
+            <a:off x="145140" y="109331"/>
             <a:ext cx="9506859" cy="769441"/>
           </a:xfrm>
           <a:prstGeom prst="rect">
@@ -4790,17 +4838,7 @@
                   </a:schemeClr>
                 </a:solidFill>
               </a:rPr>
-              <a:t>Do not always run the </a:t>
-            </a:r>
-            <a:r>
-              <a:rPr lang="en-CA" sz="4400" smtClean="0">
-                <a:solidFill>
-                  <a:schemeClr val="accent2">
-                    <a:lumMod val="75000"/>
-                  </a:schemeClr>
-                </a:solidFill>
-              </a:rPr>
-              <a:t>whole document</a:t>
+              <a:t>Code chunk options:</a:t>
             </a:r>
             <a:endParaRPr lang="en-CA" sz="4400" dirty="0">
               <a:solidFill>
@@ -4812,53 +4850,34 @@
           </a:p>
         </p:txBody>
       </p:sp>
-      <p:sp>
-        <p:nvSpPr>
-          <p:cNvPr id="4" name="Rectangle 3"/>
-          <p:cNvSpPr/>
-          <p:nvPr/>
-        </p:nvSpPr>
-        <p:spPr>
-          <a:xfrm>
-            <a:off x="2278988" y="3966229"/>
-            <a:ext cx="7344383" cy="584775"/>
-          </a:xfrm>
-          <a:prstGeom prst="rect">
-            <a:avLst/>
-          </a:prstGeom>
-        </p:spPr>
-        <p:txBody>
-          <a:bodyPr wrap="none">
-            <a:spAutoFit/>
-          </a:bodyPr>
-          <a:lstStyle/>
-          <a:p>
-            <a:r>
-              <a:rPr lang="fr-FR" sz="3200" dirty="0" smtClean="0">
-                <a:sym typeface="Wingdings"/>
-              </a:rPr>
-              <a:t> </a:t>
-            </a:r>
-            <a:r>
-              <a:rPr lang="fr-FR" sz="3200" dirty="0" smtClean="0"/>
-              <a:t>R Markdown document </a:t>
-            </a:r>
-            <a:r>
-              <a:rPr lang="fr-FR" sz="3200" dirty="0" err="1" smtClean="0"/>
-              <a:t>is</a:t>
-            </a:r>
-            <a:r>
-              <a:rPr lang="fr-FR" sz="3200" dirty="0" smtClean="0"/>
-              <a:t> a Notebook !!</a:t>
-            </a:r>
-            <a:endParaRPr lang="en-AU" sz="3200" dirty="0"/>
-          </a:p>
-        </p:txBody>
-      </p:sp>
+      <p:pic>
+        <p:nvPicPr>
+          <p:cNvPr id="3" name="Image 2"/>
+          <p:cNvPicPr>
+            <a:picLocks noChangeAspect="1"/>
+          </p:cNvPicPr>
+          <p:nvPr/>
+        </p:nvPicPr>
+        <p:blipFill>
+          <a:blip r:embed="rId2"/>
+          <a:stretch>
+            <a:fillRect/>
+          </a:stretch>
+        </p:blipFill>
+        <p:spPr>
+          <a:xfrm>
+            <a:off x="1597192" y="1252954"/>
+            <a:ext cx="9164324" cy="4891171"/>
+          </a:xfrm>
+          <a:prstGeom prst="rect">
+            <a:avLst/>
+          </a:prstGeom>
+        </p:spPr>
+      </p:pic>
     </p:spTree>
     <p:extLst>
       <p:ext uri="{BB962C8B-B14F-4D97-AF65-F5344CB8AC3E}">
-        <p14:creationId xmlns:p14="http://schemas.microsoft.com/office/powerpoint/2010/main" val="1178945459"/>
+        <p14:creationId xmlns:p14="http://schemas.microsoft.com/office/powerpoint/2010/main" val="745646916"/>
       </p:ext>
     </p:extLst>
   </p:cSld>
@@ -4892,84 +4911,16 @@
           <a:chExt cx="0" cy="0"/>
         </a:xfrm>
       </p:grpSpPr>
-      <p:pic>
-        <p:nvPicPr>
-          <p:cNvPr id="8" name="Image 7"/>
-          <p:cNvPicPr>
-            <a:picLocks noChangeAspect="1"/>
-          </p:cNvPicPr>
-          <p:nvPr/>
-        </p:nvPicPr>
-        <p:blipFill>
-          <a:blip r:embed="rId2">
-            <a:alphaModFix amt="24000"/>
-            <a:extLst>
-              <a:ext uri="{28A0092B-C50C-407E-A947-70E740481C1C}">
-                <a14:useLocalDpi xmlns:a14="http://schemas.microsoft.com/office/drawing/2010/main" val="0"/>
-              </a:ext>
-            </a:extLst>
-          </a:blip>
-          <a:stretch>
-            <a:fillRect/>
-          </a:stretch>
-        </p:blipFill>
-        <p:spPr>
-          <a:xfrm>
-            <a:off x="-2411662" y="16042"/>
-            <a:ext cx="17808514" cy="6858000"/>
-          </a:xfrm>
-          <a:prstGeom prst="rect">
-            <a:avLst/>
-          </a:prstGeom>
-        </p:spPr>
-      </p:pic>
-      <p:cxnSp>
-        <p:nvCxnSpPr>
-          <p:cNvPr id="9" name="Connecteur droit 8"/>
-          <p:cNvCxnSpPr/>
-          <p:nvPr/>
-        </p:nvCxnSpPr>
-        <p:spPr>
-          <a:xfrm>
-            <a:off x="3676696" y="3686627"/>
-            <a:ext cx="4702626" cy="0"/>
-          </a:xfrm>
-          <a:prstGeom prst="line">
-            <a:avLst/>
-          </a:prstGeom>
-          <a:ln>
-            <a:solidFill>
-              <a:schemeClr val="bg2">
-                <a:lumMod val="50000"/>
-              </a:schemeClr>
-            </a:solidFill>
-          </a:ln>
-        </p:spPr>
-        <p:style>
-          <a:lnRef idx="1">
-            <a:schemeClr val="accent1"/>
-          </a:lnRef>
-          <a:fillRef idx="0">
-            <a:schemeClr val="accent1"/>
-          </a:fillRef>
-          <a:effectRef idx="0">
-            <a:schemeClr val="accent1"/>
-          </a:effectRef>
-          <a:fontRef idx="minor">
-            <a:schemeClr val="tx1"/>
-          </a:fontRef>
-        </p:style>
-      </p:cxnSp>
-      <p:sp>
-        <p:nvSpPr>
-          <p:cNvPr id="10" name="ZoneTexte 9"/>
+      <p:sp>
+        <p:nvSpPr>
+          <p:cNvPr id="2" name="ZoneTexte 1"/>
           <p:cNvSpPr txBox="1"/>
           <p:nvPr/>
         </p:nvSpPr>
         <p:spPr>
           <a:xfrm>
-            <a:off x="5273267" y="2798711"/>
-            <a:ext cx="4814161" cy="646331"/>
+            <a:off x="1432328" y="1654720"/>
+            <a:ext cx="9506859" cy="769441"/>
           </a:xfrm>
           <a:prstGeom prst="rect">
             <a:avLst/>
@@ -4983,17 +4934,82 @@
           <a:lstStyle/>
           <a:p>
             <a:r>
-              <a:rPr lang="fr-FR" sz="3600" smtClean="0"/>
-              <a:t>Header</a:t>
-            </a:r>
-            <a:endParaRPr lang="fr-FR" sz="3600" dirty="0"/>
+              <a:rPr lang="en-CA" sz="4400" dirty="0" smtClean="0">
+                <a:solidFill>
+                  <a:schemeClr val="accent2">
+                    <a:lumMod val="75000"/>
+                  </a:schemeClr>
+                </a:solidFill>
+              </a:rPr>
+              <a:t>Do not always run the </a:t>
+            </a:r>
+            <a:r>
+              <a:rPr lang="en-CA" sz="4400" smtClean="0">
+                <a:solidFill>
+                  <a:schemeClr val="accent2">
+                    <a:lumMod val="75000"/>
+                  </a:schemeClr>
+                </a:solidFill>
+              </a:rPr>
+              <a:t>whole document</a:t>
+            </a:r>
+            <a:endParaRPr lang="en-CA" sz="4400" dirty="0">
+              <a:solidFill>
+                <a:schemeClr val="accent2">
+                  <a:lumMod val="75000"/>
+                </a:schemeClr>
+              </a:solidFill>
+            </a:endParaRPr>
+          </a:p>
+        </p:txBody>
+      </p:sp>
+      <p:sp>
+        <p:nvSpPr>
+          <p:cNvPr id="4" name="Rectangle 3"/>
+          <p:cNvSpPr/>
+          <p:nvPr/>
+        </p:nvSpPr>
+        <p:spPr>
+          <a:xfrm>
+            <a:off x="2278988" y="3966229"/>
+            <a:ext cx="7344383" cy="584775"/>
+          </a:xfrm>
+          <a:prstGeom prst="rect">
+            <a:avLst/>
+          </a:prstGeom>
+        </p:spPr>
+        <p:txBody>
+          <a:bodyPr wrap="none">
+            <a:spAutoFit/>
+          </a:bodyPr>
+          <a:lstStyle/>
+          <a:p>
+            <a:r>
+              <a:rPr lang="fr-FR" sz="3200" dirty="0" smtClean="0">
+                <a:sym typeface="Wingdings"/>
+              </a:rPr>
+              <a:t> </a:t>
+            </a:r>
+            <a:r>
+              <a:rPr lang="fr-FR" sz="3200" dirty="0" smtClean="0"/>
+              <a:t>R Markdown document </a:t>
+            </a:r>
+            <a:r>
+              <a:rPr lang="fr-FR" sz="3200" dirty="0" err="1" smtClean="0"/>
+              <a:t>is</a:t>
+            </a:r>
+            <a:r>
+              <a:rPr lang="fr-FR" sz="3200" dirty="0" smtClean="0"/>
+              <a:t> a Notebook !!</a:t>
+            </a:r>
+            <a:endParaRPr lang="en-AU" sz="3200" dirty="0"/>
           </a:p>
         </p:txBody>
       </p:sp>
     </p:spTree>
     <p:extLst>
       <p:ext uri="{BB962C8B-B14F-4D97-AF65-F5344CB8AC3E}">
-        <p14:creationId xmlns:p14="http://schemas.microsoft.com/office/powerpoint/2010/main" val="1415638840"/>
+        <p14:creationId xmlns:p14="http://schemas.microsoft.com/office/powerpoint/2010/main" val="1178945459"/>
       </p:ext>
     </p:extLst>
   </p:cSld>
@@ -5029,6 +5045,141 @@
       </p:grpSpPr>
       <p:pic>
         <p:nvPicPr>
+          <p:cNvPr id="8" name="Image 7"/>
+          <p:cNvPicPr>
+            <a:picLocks noChangeAspect="1"/>
+          </p:cNvPicPr>
+          <p:nvPr/>
+        </p:nvPicPr>
+        <p:blipFill>
+          <a:blip r:embed="rId2">
+            <a:alphaModFix amt="24000"/>
+            <a:extLst>
+              <a:ext uri="{28A0092B-C50C-407E-A947-70E740481C1C}">
+                <a14:useLocalDpi xmlns:a14="http://schemas.microsoft.com/office/drawing/2010/main" val="0"/>
+              </a:ext>
+            </a:extLst>
+          </a:blip>
+          <a:stretch>
+            <a:fillRect/>
+          </a:stretch>
+        </p:blipFill>
+        <p:spPr>
+          <a:xfrm>
+            <a:off x="-2411662" y="16042"/>
+            <a:ext cx="17808514" cy="6858000"/>
+          </a:xfrm>
+          <a:prstGeom prst="rect">
+            <a:avLst/>
+          </a:prstGeom>
+        </p:spPr>
+      </p:pic>
+      <p:cxnSp>
+        <p:nvCxnSpPr>
+          <p:cNvPr id="9" name="Connecteur droit 8"/>
+          <p:cNvCxnSpPr/>
+          <p:nvPr/>
+        </p:nvCxnSpPr>
+        <p:spPr>
+          <a:xfrm>
+            <a:off x="3676696" y="3686627"/>
+            <a:ext cx="4702626" cy="0"/>
+          </a:xfrm>
+          <a:prstGeom prst="line">
+            <a:avLst/>
+          </a:prstGeom>
+          <a:ln>
+            <a:solidFill>
+              <a:schemeClr val="bg2">
+                <a:lumMod val="50000"/>
+              </a:schemeClr>
+            </a:solidFill>
+          </a:ln>
+        </p:spPr>
+        <p:style>
+          <a:lnRef idx="1">
+            <a:schemeClr val="accent1"/>
+          </a:lnRef>
+          <a:fillRef idx="0">
+            <a:schemeClr val="accent1"/>
+          </a:fillRef>
+          <a:effectRef idx="0">
+            <a:schemeClr val="accent1"/>
+          </a:effectRef>
+          <a:fontRef idx="minor">
+            <a:schemeClr val="tx1"/>
+          </a:fontRef>
+        </p:style>
+      </p:cxnSp>
+      <p:sp>
+        <p:nvSpPr>
+          <p:cNvPr id="10" name="ZoneTexte 9"/>
+          <p:cNvSpPr txBox="1"/>
+          <p:nvPr/>
+        </p:nvSpPr>
+        <p:spPr>
+          <a:xfrm>
+            <a:off x="5273267" y="2798711"/>
+            <a:ext cx="4814161" cy="646331"/>
+          </a:xfrm>
+          <a:prstGeom prst="rect">
+            <a:avLst/>
+          </a:prstGeom>
+          <a:noFill/>
+        </p:spPr>
+        <p:txBody>
+          <a:bodyPr wrap="square" rtlCol="0">
+            <a:spAutoFit/>
+          </a:bodyPr>
+          <a:lstStyle/>
+          <a:p>
+            <a:r>
+              <a:rPr lang="fr-FR" sz="3600" smtClean="0"/>
+              <a:t>Header</a:t>
+            </a:r>
+            <a:endParaRPr lang="fr-FR" sz="3600" dirty="0"/>
+          </a:p>
+        </p:txBody>
+      </p:sp>
+    </p:spTree>
+    <p:extLst>
+      <p:ext uri="{BB962C8B-B14F-4D97-AF65-F5344CB8AC3E}">
+        <p14:creationId xmlns:p14="http://schemas.microsoft.com/office/powerpoint/2010/main" val="1415638840"/>
+      </p:ext>
+    </p:extLst>
+  </p:cSld>
+  <p:clrMapOvr>
+    <a:masterClrMapping/>
+  </p:clrMapOvr>
+  <p:timing>
+    <p:tnLst>
+      <p:par>
+        <p:cTn id="1" dur="indefinite" restart="never" nodeType="tmRoot"/>
+      </p:par>
+    </p:tnLst>
+  </p:timing>
+</p:sld>
+</file>
+
+<file path=ppt/slides/slide17.xml><?xml version="1.0" encoding="utf-8"?>
+<p:sld xmlns:a="http://schemas.openxmlformats.org/drawingml/2006/main" xmlns:r="http://schemas.openxmlformats.org/officeDocument/2006/relationships" xmlns:p="http://schemas.openxmlformats.org/presentationml/2006/main">
+  <p:cSld>
+    <p:spTree>
+      <p:nvGrpSpPr>
+        <p:cNvPr id="1" name=""/>
+        <p:cNvGrpSpPr/>
+        <p:nvPr/>
+      </p:nvGrpSpPr>
+      <p:grpSpPr>
+        <a:xfrm>
+          <a:off x="0" y="0"/>
+          <a:ext cx="0" cy="0"/>
+          <a:chOff x="0" y="0"/>
+          <a:chExt cx="0" cy="0"/>
+        </a:xfrm>
+      </p:grpSpPr>
+      <p:pic>
+        <p:nvPicPr>
           <p:cNvPr id="5" name="Image 4"/>
           <p:cNvPicPr>
             <a:picLocks noChangeAspect="1"/>
@@ -5255,7 +5406,7 @@
 </p:sld>
 </file>
 
-<file path=ppt/slides/slide17.xml><?xml version="1.0" encoding="utf-8"?>
+<file path=ppt/slides/slide18.xml><?xml version="1.0" encoding="utf-8"?>
 <p:sld xmlns:a="http://schemas.openxmlformats.org/drawingml/2006/main" xmlns:r="http://schemas.openxmlformats.org/officeDocument/2006/relationships" xmlns:p="http://schemas.openxmlformats.org/presentationml/2006/main">
   <p:cSld>
     <p:spTree>
@@ -5398,7 +5549,7 @@
 </p:sld>
 </file>
 
-<file path=ppt/slides/slide18.xml><?xml version="1.0" encoding="utf-8"?>
+<file path=ppt/slides/slide19.xml><?xml version="1.0" encoding="utf-8"?>
 <p:sld xmlns:a="http://schemas.openxmlformats.org/drawingml/2006/main" xmlns:r="http://schemas.openxmlformats.org/officeDocument/2006/relationships" xmlns:p="http://schemas.openxmlformats.org/presentationml/2006/main">
   <p:cSld>
     <p:spTree>
@@ -5630,490 +5781,6 @@
 </p:sld>
 </file>
 
-<file path=ppt/slides/slide19.xml><?xml version="1.0" encoding="utf-8"?>
-<p:sld xmlns:a="http://schemas.openxmlformats.org/drawingml/2006/main" xmlns:r="http://schemas.openxmlformats.org/officeDocument/2006/relationships" xmlns:p="http://schemas.openxmlformats.org/presentationml/2006/main">
-  <p:cSld>
-    <p:spTree>
-      <p:nvGrpSpPr>
-        <p:cNvPr id="1" name=""/>
-        <p:cNvGrpSpPr/>
-        <p:nvPr/>
-      </p:nvGrpSpPr>
-      <p:grpSpPr>
-        <a:xfrm>
-          <a:off x="0" y="0"/>
-          <a:ext cx="0" cy="0"/>
-          <a:chOff x="0" y="0"/>
-          <a:chExt cx="0" cy="0"/>
-        </a:xfrm>
-      </p:grpSpPr>
-      <p:pic>
-        <p:nvPicPr>
-          <p:cNvPr id="2" name="Image 1"/>
-          <p:cNvPicPr>
-            <a:picLocks noChangeAspect="1"/>
-          </p:cNvPicPr>
-          <p:nvPr/>
-        </p:nvPicPr>
-        <p:blipFill>
-          <a:blip r:embed="rId2"/>
-          <a:stretch>
-            <a:fillRect/>
-          </a:stretch>
-        </p:blipFill>
-        <p:spPr>
-          <a:xfrm>
-            <a:off x="145140" y="1208504"/>
-            <a:ext cx="7100762" cy="4871453"/>
-          </a:xfrm>
-          <a:prstGeom prst="rect">
-            <a:avLst/>
-          </a:prstGeom>
-        </p:spPr>
-      </p:pic>
-      <p:pic>
-        <p:nvPicPr>
-          <p:cNvPr id="5" name="Image 4"/>
-          <p:cNvPicPr>
-            <a:picLocks noChangeAspect="1"/>
-          </p:cNvPicPr>
-          <p:nvPr/>
-        </p:nvPicPr>
-        <p:blipFill>
-          <a:blip r:embed="rId3"/>
-          <a:stretch>
-            <a:fillRect/>
-          </a:stretch>
-        </p:blipFill>
-        <p:spPr>
-          <a:xfrm>
-            <a:off x="7658084" y="2085472"/>
-            <a:ext cx="4524520" cy="2775286"/>
-          </a:xfrm>
-          <a:prstGeom prst="rect">
-            <a:avLst/>
-          </a:prstGeom>
-        </p:spPr>
-      </p:pic>
-      <p:sp>
-        <p:nvSpPr>
-          <p:cNvPr id="3" name="ZoneTexte 2"/>
-          <p:cNvSpPr txBox="1"/>
-          <p:nvPr/>
-        </p:nvSpPr>
-        <p:spPr>
-          <a:xfrm>
-            <a:off x="145140" y="109331"/>
-            <a:ext cx="9506859" cy="769441"/>
-          </a:xfrm>
-          <a:prstGeom prst="rect">
-            <a:avLst/>
-          </a:prstGeom>
-          <a:noFill/>
-        </p:spPr>
-        <p:txBody>
-          <a:bodyPr wrap="square" rtlCol="0">
-            <a:spAutoFit/>
-          </a:bodyPr>
-          <a:lstStyle/>
-          <a:p>
-            <a:r>
-              <a:rPr lang="en-CA" sz="4400" dirty="0" smtClean="0">
-                <a:solidFill>
-                  <a:schemeClr val="accent2">
-                    <a:lumMod val="75000"/>
-                  </a:schemeClr>
-                </a:solidFill>
-              </a:rPr>
-              <a:t>Use Interactive charts</a:t>
-            </a:r>
-            <a:endParaRPr lang="en-CA" sz="4400" dirty="0">
-              <a:solidFill>
-                <a:schemeClr val="accent2">
-                  <a:lumMod val="75000"/>
-                </a:schemeClr>
-              </a:solidFill>
-            </a:endParaRPr>
-          </a:p>
-        </p:txBody>
-      </p:sp>
-      <p:sp>
-        <p:nvSpPr>
-          <p:cNvPr id="12" name="ZoneTexte 11"/>
-          <p:cNvSpPr txBox="1"/>
-          <p:nvPr/>
-        </p:nvSpPr>
-        <p:spPr>
-          <a:xfrm>
-            <a:off x="3462638" y="2270048"/>
-            <a:ext cx="3989355" cy="400110"/>
-          </a:xfrm>
-          <a:prstGeom prst="rect">
-            <a:avLst/>
-          </a:prstGeom>
-          <a:noFill/>
-        </p:spPr>
-        <p:txBody>
-          <a:bodyPr wrap="square" rtlCol="0">
-            <a:spAutoFit/>
-          </a:bodyPr>
-          <a:lstStyle/>
-          <a:p>
-            <a:r>
-              <a:rPr lang="fr-FR" sz="2000" b="1" dirty="0" err="1" smtClean="0">
-                <a:solidFill>
-                  <a:srgbClr val="FF0000"/>
-                </a:solidFill>
-              </a:rPr>
-              <a:t>Plotly</a:t>
-            </a:r>
-            <a:r>
-              <a:rPr lang="fr-FR" sz="2000" b="1" dirty="0" smtClean="0">
-                <a:solidFill>
-                  <a:srgbClr val="FF0000"/>
-                </a:solidFill>
-              </a:rPr>
-              <a:t> </a:t>
-            </a:r>
-            <a:r>
-              <a:rPr lang="fr-FR" sz="2000" b="1" dirty="0" err="1" smtClean="0">
-                <a:solidFill>
-                  <a:srgbClr val="FF0000"/>
-                </a:solidFill>
-              </a:rPr>
-              <a:t>library</a:t>
-            </a:r>
-            <a:endParaRPr lang="fr-FR" sz="2000" b="1" dirty="0" smtClean="0">
-              <a:solidFill>
-                <a:srgbClr val="FF0000"/>
-              </a:solidFill>
-            </a:endParaRPr>
-          </a:p>
-        </p:txBody>
-      </p:sp>
-      <p:cxnSp>
-        <p:nvCxnSpPr>
-          <p:cNvPr id="13" name="Connecteur droit avec flèche 12"/>
-          <p:cNvCxnSpPr/>
-          <p:nvPr/>
-        </p:nvCxnSpPr>
-        <p:spPr>
-          <a:xfrm flipH="1">
-            <a:off x="2630905" y="2510908"/>
-            <a:ext cx="609600" cy="0"/>
-          </a:xfrm>
-          <a:prstGeom prst="straightConnector1">
-            <a:avLst/>
-          </a:prstGeom>
-          <a:ln w="50800">
-            <a:solidFill>
-              <a:srgbClr val="FF0000"/>
-            </a:solidFill>
-            <a:tailEnd type="triangle"/>
-          </a:ln>
-        </p:spPr>
-        <p:style>
-          <a:lnRef idx="1">
-            <a:schemeClr val="accent1"/>
-          </a:lnRef>
-          <a:fillRef idx="0">
-            <a:schemeClr val="accent1"/>
-          </a:fillRef>
-          <a:effectRef idx="0">
-            <a:schemeClr val="accent1"/>
-          </a:effectRef>
-          <a:fontRef idx="minor">
-            <a:schemeClr val="tx1"/>
-          </a:fontRef>
-        </p:style>
-      </p:cxnSp>
-      <p:cxnSp>
-        <p:nvCxnSpPr>
-          <p:cNvPr id="16" name="Connecteur droit avec flèche 15"/>
-          <p:cNvCxnSpPr/>
-          <p:nvPr/>
-        </p:nvCxnSpPr>
-        <p:spPr>
-          <a:xfrm flipH="1">
-            <a:off x="2853038" y="4331687"/>
-            <a:ext cx="609600" cy="0"/>
-          </a:xfrm>
-          <a:prstGeom prst="straightConnector1">
-            <a:avLst/>
-          </a:prstGeom>
-          <a:ln w="50800">
-            <a:solidFill>
-              <a:srgbClr val="FF0000"/>
-            </a:solidFill>
-            <a:tailEnd type="triangle"/>
-          </a:ln>
-        </p:spPr>
-        <p:style>
-          <a:lnRef idx="1">
-            <a:schemeClr val="accent1"/>
-          </a:lnRef>
-          <a:fillRef idx="0">
-            <a:schemeClr val="accent1"/>
-          </a:fillRef>
-          <a:effectRef idx="0">
-            <a:schemeClr val="accent1"/>
-          </a:effectRef>
-          <a:fontRef idx="minor">
-            <a:schemeClr val="tx1"/>
-          </a:fontRef>
-        </p:style>
-      </p:cxnSp>
-      <p:sp>
-        <p:nvSpPr>
-          <p:cNvPr id="18" name="ZoneTexte 17"/>
-          <p:cNvSpPr txBox="1"/>
-          <p:nvPr/>
-        </p:nvSpPr>
-        <p:spPr>
-          <a:xfrm>
-            <a:off x="3695521" y="4019184"/>
-            <a:ext cx="3989355" cy="400110"/>
-          </a:xfrm>
-          <a:prstGeom prst="rect">
-            <a:avLst/>
-          </a:prstGeom>
-          <a:noFill/>
-        </p:spPr>
-        <p:txBody>
-          <a:bodyPr wrap="square" rtlCol="0">
-            <a:spAutoFit/>
-          </a:bodyPr>
-          <a:lstStyle/>
-          <a:p>
-            <a:r>
-              <a:rPr lang="fr-FR" sz="2000" b="1" dirty="0" smtClean="0">
-                <a:solidFill>
-                  <a:srgbClr val="FF0000"/>
-                </a:solidFill>
-              </a:rPr>
-              <a:t>Basic ggplot2 </a:t>
-            </a:r>
-            <a:r>
-              <a:rPr lang="fr-FR" sz="2000" b="1" dirty="0" err="1" smtClean="0">
-                <a:solidFill>
-                  <a:srgbClr val="FF0000"/>
-                </a:solidFill>
-              </a:rPr>
-              <a:t>graphic</a:t>
-            </a:r>
-            <a:endParaRPr lang="fr-FR" sz="2000" b="1" dirty="0" smtClean="0">
-              <a:solidFill>
-                <a:srgbClr val="FF0000"/>
-              </a:solidFill>
-            </a:endParaRPr>
-          </a:p>
-        </p:txBody>
-      </p:sp>
-      <p:sp>
-        <p:nvSpPr>
-          <p:cNvPr id="19" name="ZoneTexte 18"/>
-          <p:cNvSpPr txBox="1"/>
-          <p:nvPr/>
-        </p:nvSpPr>
-        <p:spPr>
-          <a:xfrm>
-            <a:off x="2853038" y="5125243"/>
-            <a:ext cx="3989355" cy="400110"/>
-          </a:xfrm>
-          <a:prstGeom prst="rect">
-            <a:avLst/>
-          </a:prstGeom>
-          <a:noFill/>
-        </p:spPr>
-        <p:txBody>
-          <a:bodyPr wrap="square" rtlCol="0">
-            <a:spAutoFit/>
-          </a:bodyPr>
-          <a:lstStyle/>
-          <a:p>
-            <a:r>
-              <a:rPr lang="fr-FR" sz="2000" b="1" dirty="0" err="1" smtClean="0">
-                <a:solidFill>
-                  <a:srgbClr val="FF0000"/>
-                </a:solidFill>
-              </a:rPr>
-              <a:t>Ggplotly</a:t>
-            </a:r>
-            <a:r>
-              <a:rPr lang="fr-FR" sz="2000" b="1" dirty="0" smtClean="0">
-                <a:solidFill>
-                  <a:srgbClr val="FF0000"/>
-                </a:solidFill>
-              </a:rPr>
-              <a:t> </a:t>
-            </a:r>
-            <a:r>
-              <a:rPr lang="fr-FR" sz="2000" b="1" dirty="0" err="1" smtClean="0">
-                <a:solidFill>
-                  <a:srgbClr val="FF0000"/>
-                </a:solidFill>
-              </a:rPr>
-              <a:t>turn</a:t>
-            </a:r>
-            <a:r>
-              <a:rPr lang="fr-FR" sz="2000" b="1" dirty="0" smtClean="0">
-                <a:solidFill>
-                  <a:srgbClr val="FF0000"/>
-                </a:solidFill>
-              </a:rPr>
-              <a:t> the plot interactive</a:t>
-            </a:r>
-          </a:p>
-        </p:txBody>
-      </p:sp>
-      <p:cxnSp>
-        <p:nvCxnSpPr>
-          <p:cNvPr id="20" name="Connecteur droit avec flèche 19"/>
-          <p:cNvCxnSpPr/>
-          <p:nvPr/>
-        </p:nvCxnSpPr>
-        <p:spPr>
-          <a:xfrm flipH="1">
-            <a:off x="2021305" y="5341340"/>
-            <a:ext cx="609600" cy="0"/>
-          </a:xfrm>
-          <a:prstGeom prst="straightConnector1">
-            <a:avLst/>
-          </a:prstGeom>
-          <a:ln w="50800">
-            <a:solidFill>
-              <a:srgbClr val="FF0000"/>
-            </a:solidFill>
-            <a:tailEnd type="triangle"/>
-          </a:ln>
-        </p:spPr>
-        <p:style>
-          <a:lnRef idx="1">
-            <a:schemeClr val="accent1"/>
-          </a:lnRef>
-          <a:fillRef idx="0">
-            <a:schemeClr val="accent1"/>
-          </a:fillRef>
-          <a:effectRef idx="0">
-            <a:schemeClr val="accent1"/>
-          </a:effectRef>
-          <a:fontRef idx="minor">
-            <a:schemeClr val="tx1"/>
-          </a:fontRef>
-        </p:style>
-      </p:cxnSp>
-      <p:sp>
-        <p:nvSpPr>
-          <p:cNvPr id="21" name="ZoneTexte 20"/>
-          <p:cNvSpPr txBox="1"/>
-          <p:nvPr/>
-        </p:nvSpPr>
-        <p:spPr>
-          <a:xfrm>
-            <a:off x="8165432" y="1507749"/>
-            <a:ext cx="4017172" cy="707886"/>
-          </a:xfrm>
-          <a:prstGeom prst="rect">
-            <a:avLst/>
-          </a:prstGeom>
-          <a:noFill/>
-        </p:spPr>
-        <p:txBody>
-          <a:bodyPr wrap="square" rtlCol="0">
-            <a:spAutoFit/>
-          </a:bodyPr>
-          <a:lstStyle/>
-          <a:p>
-            <a:r>
-              <a:rPr lang="fr-FR" sz="2000" b="1" dirty="0" err="1" smtClean="0">
-                <a:solidFill>
-                  <a:srgbClr val="FF0000"/>
-                </a:solidFill>
-              </a:rPr>
-              <a:t>Result</a:t>
-            </a:r>
-            <a:r>
-              <a:rPr lang="fr-FR" sz="2000" b="1" dirty="0" smtClean="0">
-                <a:solidFill>
-                  <a:srgbClr val="FF0000"/>
-                </a:solidFill>
-              </a:rPr>
-              <a:t>: zoom / </a:t>
-            </a:r>
-            <a:r>
-              <a:rPr lang="fr-FR" sz="2000" b="1" dirty="0" err="1" smtClean="0">
-                <a:solidFill>
-                  <a:srgbClr val="FF0000"/>
-                </a:solidFill>
-              </a:rPr>
-              <a:t>hover</a:t>
-            </a:r>
-            <a:r>
-              <a:rPr lang="fr-FR" sz="2000" b="1" dirty="0" smtClean="0">
-                <a:solidFill>
-                  <a:srgbClr val="FF0000"/>
-                </a:solidFill>
-              </a:rPr>
-              <a:t> / export .. And more</a:t>
-            </a:r>
-          </a:p>
-        </p:txBody>
-      </p:sp>
-      <p:sp>
-        <p:nvSpPr>
-          <p:cNvPr id="4" name="Rectangle 3"/>
-          <p:cNvSpPr/>
-          <p:nvPr/>
-        </p:nvSpPr>
-        <p:spPr>
-          <a:xfrm>
-            <a:off x="9125731" y="6379420"/>
-            <a:ext cx="2939394" cy="369332"/>
-          </a:xfrm>
-          <a:prstGeom prst="rect">
-            <a:avLst/>
-          </a:prstGeom>
-        </p:spPr>
-        <p:txBody>
-          <a:bodyPr wrap="none">
-            <a:spAutoFit/>
-          </a:bodyPr>
-          <a:lstStyle/>
-          <a:p>
-            <a:r>
-              <a:rPr lang="fr-FR" dirty="0">
-                <a:hlinkClick r:id="rId4"/>
-              </a:rPr>
-              <a:t>http://www.htmlwidgets.org</a:t>
-            </a:r>
-            <a:r>
-              <a:rPr lang="fr-FR" dirty="0"/>
-              <a:t> </a:t>
-            </a:r>
-            <a:endParaRPr lang="en-AU" dirty="0"/>
-          </a:p>
-        </p:txBody>
-      </p:sp>
-    </p:spTree>
-    <p:extLst>
-      <p:ext uri="{BB962C8B-B14F-4D97-AF65-F5344CB8AC3E}">
-        <p14:creationId xmlns:p14="http://schemas.microsoft.com/office/powerpoint/2010/main" val="968261103"/>
-      </p:ext>
-    </p:extLst>
-  </p:cSld>
-  <p:clrMapOvr>
-    <a:masterClrMapping/>
-  </p:clrMapOvr>
-  <p:timing>
-    <p:tnLst>
-      <p:par>
-        <p:cTn id="1" dur="indefinite" restart="never" nodeType="tmRoot"/>
-      </p:par>
-    </p:tnLst>
-  </p:timing>
-</p:sld>
-</file>
-
 <file path=ppt/slides/slide2.xml><?xml version="1.0" encoding="utf-8"?>
 <p:sld xmlns:a="http://schemas.openxmlformats.org/drawingml/2006/main" xmlns:r="http://schemas.openxmlformats.org/officeDocument/2006/relationships" xmlns:p="http://schemas.openxmlformats.org/presentationml/2006/main">
   <p:cSld>
@@ -6139,8 +5806,8 @@
         </p:nvSpPr>
         <p:spPr>
           <a:xfrm>
-            <a:off x="421675" y="699740"/>
-            <a:ext cx="4952430" cy="5693866"/>
+            <a:off x="808138" y="930746"/>
+            <a:ext cx="10194990" cy="2062103"/>
           </a:xfrm>
           <a:prstGeom prst="rect">
             <a:avLst/>
@@ -6153,179 +5820,174 @@
           </a:bodyPr>
           <a:lstStyle/>
           <a:p>
-            <a:r>
-              <a:rPr lang="en-CA" sz="4400" dirty="0" smtClean="0">
-                <a:solidFill>
-                  <a:schemeClr val="accent2">
-                    <a:lumMod val="75000"/>
-                  </a:schemeClr>
-                </a:solidFill>
-              </a:rPr>
-              <a:t>What</a:t>
-            </a:r>
-          </a:p>
-          <a:p>
+            <a:pPr algn="ctr"/>
+            <a:r>
+              <a:rPr lang="fr-FR" sz="3200" dirty="0" smtClean="0"/>
+              <a:t>«  </a:t>
+            </a:r>
+            <a:r>
+              <a:rPr lang="fr-FR" sz="3200" dirty="0" err="1" smtClean="0"/>
+              <a:t>GitHub</a:t>
+            </a:r>
+            <a:r>
+              <a:rPr lang="fr-FR" sz="3200" dirty="0" smtClean="0"/>
+              <a:t> </a:t>
+            </a:r>
+            <a:r>
+              <a:rPr lang="fr-FR" sz="3200" dirty="0" err="1"/>
+              <a:t>is</a:t>
+            </a:r>
+            <a:r>
+              <a:rPr lang="fr-FR" sz="3200" dirty="0"/>
+              <a:t> a code </a:t>
+            </a:r>
+            <a:r>
+              <a:rPr lang="fr-FR" sz="3200" dirty="0" err="1"/>
+              <a:t>hosting</a:t>
+            </a:r>
+            <a:r>
+              <a:rPr lang="fr-FR" sz="3200" dirty="0"/>
+              <a:t> </a:t>
+            </a:r>
+            <a:r>
+              <a:rPr lang="fr-FR" sz="3200" dirty="0" err="1"/>
+              <a:t>platform</a:t>
+            </a:r>
+            <a:r>
+              <a:rPr lang="fr-FR" sz="3200" dirty="0"/>
+              <a:t> for version control and collaboration. It </a:t>
+            </a:r>
+            <a:r>
+              <a:rPr lang="fr-FR" sz="3200" dirty="0" err="1"/>
+              <a:t>lets</a:t>
+            </a:r>
+            <a:r>
+              <a:rPr lang="fr-FR" sz="3200" dirty="0"/>
+              <a:t> </a:t>
+            </a:r>
+            <a:r>
+              <a:rPr lang="fr-FR" sz="3200" dirty="0" err="1"/>
+              <a:t>you</a:t>
+            </a:r>
+            <a:r>
+              <a:rPr lang="fr-FR" sz="3200" dirty="0"/>
+              <a:t> and </a:t>
+            </a:r>
+            <a:r>
+              <a:rPr lang="fr-FR" sz="3200" dirty="0" err="1"/>
+              <a:t>others</a:t>
+            </a:r>
+            <a:r>
+              <a:rPr lang="fr-FR" sz="3200" dirty="0"/>
+              <a:t> </a:t>
+            </a:r>
+            <a:r>
+              <a:rPr lang="fr-FR" sz="3200" dirty="0" err="1"/>
+              <a:t>work</a:t>
+            </a:r>
+            <a:r>
+              <a:rPr lang="fr-FR" sz="3200" dirty="0"/>
+              <a:t> </a:t>
+            </a:r>
+            <a:r>
+              <a:rPr lang="fr-FR" sz="3200" dirty="0" err="1"/>
+              <a:t>together</a:t>
+            </a:r>
+            <a:r>
+              <a:rPr lang="fr-FR" sz="3200" dirty="0"/>
+              <a:t> on </a:t>
+            </a:r>
+            <a:r>
+              <a:rPr lang="fr-FR" sz="3200" dirty="0" err="1"/>
+              <a:t>projects</a:t>
+            </a:r>
+            <a:r>
+              <a:rPr lang="fr-FR" sz="3200" dirty="0"/>
+              <a:t> </a:t>
+            </a:r>
+            <a:r>
+              <a:rPr lang="fr-FR" sz="3200" dirty="0" err="1"/>
+              <a:t>from</a:t>
+            </a:r>
+            <a:r>
+              <a:rPr lang="fr-FR" sz="3200" dirty="0"/>
+              <a:t> </a:t>
+            </a:r>
+            <a:r>
+              <a:rPr lang="fr-FR" sz="3200" dirty="0" err="1" smtClean="0"/>
+              <a:t>anywhere</a:t>
+            </a:r>
+            <a:r>
+              <a:rPr lang="fr-FR" sz="3200" dirty="0" smtClean="0"/>
+              <a:t>  »</a:t>
+            </a:r>
             <a:endParaRPr lang="en-CA" sz="3200" dirty="0" smtClean="0"/>
           </a:p>
           <a:p>
-            <a:pPr algn="ctr"/>
-            <a:r>
-              <a:rPr lang="en-CA" sz="3200" dirty="0" smtClean="0"/>
-              <a:t>“ An </a:t>
-            </a:r>
-            <a:r>
-              <a:rPr lang="en-CA" sz="3200" dirty="0"/>
-              <a:t>R Markdown (.</a:t>
-            </a:r>
-            <a:r>
-              <a:rPr lang="en-CA" sz="3200" dirty="0" err="1"/>
-              <a:t>Rmd</a:t>
-            </a:r>
-            <a:r>
-              <a:rPr lang="en-CA" sz="3200" dirty="0"/>
-              <a:t>) file is a record of your research. It contains the </a:t>
-            </a:r>
-            <a:r>
-              <a:rPr lang="en-CA" sz="3200" b="1" dirty="0">
-                <a:solidFill>
-                  <a:schemeClr val="accent2">
-                    <a:lumMod val="75000"/>
-                  </a:schemeClr>
-                </a:solidFill>
-              </a:rPr>
-              <a:t>code</a:t>
-            </a:r>
-            <a:r>
-              <a:rPr lang="en-CA" sz="3200" dirty="0"/>
-              <a:t> that a scientist needs to reproduce your work along with the </a:t>
-            </a:r>
-            <a:r>
-              <a:rPr lang="en-CA" sz="3200" b="1" dirty="0">
-                <a:solidFill>
-                  <a:schemeClr val="accent2">
-                    <a:lumMod val="75000"/>
-                  </a:schemeClr>
-                </a:solidFill>
-              </a:rPr>
-              <a:t>narration</a:t>
-            </a:r>
-            <a:r>
-              <a:rPr lang="en-CA" sz="3200" dirty="0"/>
-              <a:t> that a reader needs to understand your work. </a:t>
-            </a:r>
-            <a:r>
-              <a:rPr lang="en-CA" sz="3200" dirty="0" smtClean="0"/>
-              <a:t>“</a:t>
-            </a:r>
-            <a:endParaRPr lang="en-CA" sz="3200" dirty="0"/>
-          </a:p>
-          <a:p>
-            <a:endParaRPr lang="en-CA" sz="3200" dirty="0" smtClean="0"/>
-          </a:p>
-        </p:txBody>
-      </p:sp>
-      <p:sp>
-        <p:nvSpPr>
-          <p:cNvPr id="3" name="ZoneTexte 2"/>
-          <p:cNvSpPr txBox="1"/>
-          <p:nvPr/>
-        </p:nvSpPr>
-        <p:spPr>
-          <a:xfrm>
-            <a:off x="6573823" y="699740"/>
-            <a:ext cx="4952430" cy="4708981"/>
-          </a:xfrm>
-          <a:prstGeom prst="rect">
-            <a:avLst/>
-          </a:prstGeom>
-          <a:noFill/>
-        </p:spPr>
-        <p:txBody>
-          <a:bodyPr wrap="square" rtlCol="0">
-            <a:spAutoFit/>
-          </a:bodyPr>
-          <a:lstStyle/>
-          <a:p>
-            <a:r>
-              <a:rPr lang="en-CA" sz="4400" dirty="0" smtClean="0">
-                <a:solidFill>
-                  <a:schemeClr val="accent2">
-                    <a:lumMod val="75000"/>
-                  </a:schemeClr>
-                </a:solidFill>
-              </a:rPr>
-              <a:t>Why</a:t>
-            </a:r>
-          </a:p>
-          <a:p>
-            <a:endParaRPr lang="en-CA" sz="3200" dirty="0" smtClean="0"/>
-          </a:p>
-          <a:p>
-            <a:pPr marL="914400" lvl="1" indent="-457200">
+            <a:pPr marL="457200" indent="-457200" algn="ctr">
               <a:buFont typeface="Arial" charset="0"/>
               <a:buChar char="•"/>
             </a:pPr>
-            <a:r>
-              <a:rPr lang="en-CA" sz="3200" dirty="0" smtClean="0"/>
-              <a:t>Efficiency</a:t>
-            </a:r>
-          </a:p>
-          <a:p>
-            <a:pPr marL="914400" lvl="1" indent="-457200">
-              <a:buFont typeface="Arial" charset="0"/>
-              <a:buChar char="•"/>
-            </a:pPr>
-            <a:r>
-              <a:rPr lang="en-CA" sz="3200" dirty="0" smtClean="0"/>
-              <a:t>Reproducibility</a:t>
-            </a:r>
-          </a:p>
-          <a:p>
-            <a:pPr marL="914400" lvl="1" indent="-457200">
-              <a:buFont typeface="Arial" charset="0"/>
-              <a:buChar char="•"/>
-            </a:pPr>
-            <a:r>
-              <a:rPr lang="en-CA" sz="3200" dirty="0" smtClean="0"/>
-              <a:t>Interactivity</a:t>
-            </a:r>
-          </a:p>
-          <a:p>
-            <a:pPr marL="914400" lvl="1" indent="-457200">
-              <a:buFont typeface="Arial" charset="0"/>
-              <a:buChar char="•"/>
-            </a:pPr>
-            <a:r>
-              <a:rPr lang="en-CA" sz="3200" dirty="0" smtClean="0"/>
-              <a:t>Automation</a:t>
-            </a:r>
-            <a:endParaRPr lang="en-CA" sz="3200" dirty="0"/>
-          </a:p>
-          <a:p>
-            <a:pPr marL="914400" lvl="1" indent="-457200">
-              <a:buFont typeface="Arial" charset="0"/>
-              <a:buChar char="•"/>
-            </a:pPr>
-            <a:r>
-              <a:rPr lang="en-CA" sz="3200" dirty="0" smtClean="0"/>
-              <a:t>Notebook</a:t>
-            </a:r>
-            <a:endParaRPr lang="en-CA" sz="3200" dirty="0"/>
-          </a:p>
-          <a:p>
-            <a:pPr marL="914400" lvl="1" indent="-457200">
-              <a:buFont typeface="Arial" charset="0"/>
-              <a:buChar char="•"/>
-            </a:pPr>
-            <a:endParaRPr lang="en-CA" sz="3200" dirty="0"/>
-          </a:p>
-          <a:p>
-            <a:pPr lvl="1"/>
-            <a:r>
-              <a:rPr lang="en-CA" sz="3200" i="1" dirty="0" smtClean="0"/>
-              <a:t>And much more..</a:t>
-            </a:r>
-            <a:endParaRPr lang="en-CA" sz="3200" i="1" dirty="0"/>
+            <a:endParaRPr lang="en-CA" sz="3200" dirty="0" smtClean="0"/>
+          </a:p>
+        </p:txBody>
+      </p:sp>
+      <p:pic>
+        <p:nvPicPr>
+          <p:cNvPr id="6" name="Image 5"/>
+          <p:cNvPicPr>
+            <a:picLocks noChangeAspect="1"/>
+          </p:cNvPicPr>
+          <p:nvPr/>
+        </p:nvPicPr>
+        <p:blipFill>
+          <a:blip r:embed="rId2">
+            <a:extLst>
+              <a:ext uri="{28A0092B-C50C-407E-A947-70E740481C1C}">
+                <a14:useLocalDpi xmlns:a14="http://schemas.microsoft.com/office/drawing/2010/main" val="0"/>
+              </a:ext>
+            </a:extLst>
+          </a:blip>
+          <a:stretch>
+            <a:fillRect/>
+          </a:stretch>
+        </p:blipFill>
+        <p:spPr>
+          <a:xfrm>
+            <a:off x="4822257" y="3243106"/>
+            <a:ext cx="1656615" cy="1656615"/>
+          </a:xfrm>
+          <a:prstGeom prst="rect">
+            <a:avLst/>
+          </a:prstGeom>
+        </p:spPr>
+      </p:pic>
+      <p:sp>
+        <p:nvSpPr>
+          <p:cNvPr id="7" name="Rectangle 6"/>
+          <p:cNvSpPr/>
+          <p:nvPr/>
+        </p:nvSpPr>
+        <p:spPr>
+          <a:xfrm>
+            <a:off x="5007727" y="5149978"/>
+            <a:ext cx="1285673" cy="369332"/>
+          </a:xfrm>
+          <a:prstGeom prst="rect">
+            <a:avLst/>
+          </a:prstGeom>
+        </p:spPr>
+        <p:txBody>
+          <a:bodyPr wrap="none">
+            <a:spAutoFit/>
+          </a:bodyPr>
+          <a:lstStyle/>
+          <a:p>
+            <a:r>
+              <a:rPr lang="fr-FR" smtClean="0"/>
+              <a:t>Github.com</a:t>
+            </a:r>
+            <a:endParaRPr lang="en-AU" dirty="0"/>
           </a:p>
         </p:txBody>
       </p:sp>
@@ -6366,6 +6028,54 @@
           <a:chExt cx="0" cy="0"/>
         </a:xfrm>
       </p:grpSpPr>
+      <p:pic>
+        <p:nvPicPr>
+          <p:cNvPr id="2" name="Image 1"/>
+          <p:cNvPicPr>
+            <a:picLocks noChangeAspect="1"/>
+          </p:cNvPicPr>
+          <p:nvPr/>
+        </p:nvPicPr>
+        <p:blipFill>
+          <a:blip r:embed="rId2"/>
+          <a:stretch>
+            <a:fillRect/>
+          </a:stretch>
+        </p:blipFill>
+        <p:spPr>
+          <a:xfrm>
+            <a:off x="145140" y="1208504"/>
+            <a:ext cx="7100762" cy="4871453"/>
+          </a:xfrm>
+          <a:prstGeom prst="rect">
+            <a:avLst/>
+          </a:prstGeom>
+        </p:spPr>
+      </p:pic>
+      <p:pic>
+        <p:nvPicPr>
+          <p:cNvPr id="5" name="Image 4"/>
+          <p:cNvPicPr>
+            <a:picLocks noChangeAspect="1"/>
+          </p:cNvPicPr>
+          <p:nvPr/>
+        </p:nvPicPr>
+        <p:blipFill>
+          <a:blip r:embed="rId3"/>
+          <a:stretch>
+            <a:fillRect/>
+          </a:stretch>
+        </p:blipFill>
+        <p:spPr>
+          <a:xfrm>
+            <a:off x="7658084" y="2085472"/>
+            <a:ext cx="4524520" cy="2775286"/>
+          </a:xfrm>
+          <a:prstGeom prst="rect">
+            <a:avLst/>
+          </a:prstGeom>
+        </p:spPr>
+      </p:pic>
       <p:sp>
         <p:nvSpPr>
           <p:cNvPr id="3" name="ZoneTexte 2"/>
@@ -6374,7 +6084,7 @@
         </p:nvSpPr>
         <p:spPr>
           <a:xfrm>
-            <a:off x="16804" y="-2963"/>
+            <a:off x="145140" y="109331"/>
             <a:ext cx="9506859" cy="769441"/>
           </a:xfrm>
           <a:prstGeom prst="rect">
@@ -6396,7 +6106,7 @@
                   </a:schemeClr>
                 </a:solidFill>
               </a:rPr>
-              <a:t>Use a template</a:t>
+              <a:t>Use Interactive charts</a:t>
             </a:r>
             <a:endParaRPr lang="en-CA" sz="4400" dirty="0">
               <a:solidFill>
@@ -6410,14 +6120,14 @@
       </p:sp>
       <p:sp>
         <p:nvSpPr>
-          <p:cNvPr id="5" name="ZoneTexte 4"/>
+          <p:cNvPr id="12" name="ZoneTexte 11"/>
           <p:cNvSpPr txBox="1"/>
           <p:nvPr/>
         </p:nvSpPr>
         <p:spPr>
           <a:xfrm>
-            <a:off x="1122946" y="866275"/>
-            <a:ext cx="8293769" cy="523220"/>
+            <a:off x="3462638" y="2270048"/>
+            <a:ext cx="3989355" cy="400110"/>
           </a:xfrm>
           <a:prstGeom prst="rect">
             <a:avLst/>
@@ -6430,135 +6140,345 @@
           </a:bodyPr>
           <a:lstStyle/>
           <a:p>
-            <a:pPr marL="285750" indent="-285750">
-              <a:buFont typeface="Arial" charset="0"/>
-              <a:buChar char="•"/>
-            </a:pPr>
-            <a:r>
-              <a:rPr lang="fr-FR" sz="2800" dirty="0" smtClean="0"/>
-              <a:t>The PCTG </a:t>
-            </a:r>
-            <a:r>
-              <a:rPr lang="fr-FR" sz="2800" dirty="0" err="1" smtClean="0"/>
-              <a:t>template</a:t>
-            </a:r>
-            <a:r>
-              <a:rPr lang="fr-FR" sz="2800" dirty="0" smtClean="0"/>
-              <a:t>: </a:t>
-            </a:r>
-            <a:r>
-              <a:rPr lang="fr-FR" sz="2800" dirty="0" smtClean="0">
-                <a:hlinkClick r:id="rId2"/>
-              </a:rPr>
-              <a:t>www.github.com/holtzy/epuRate</a:t>
-            </a:r>
-            <a:r>
-              <a:rPr lang="fr-FR" sz="2800" dirty="0" smtClean="0"/>
-              <a:t>  </a:t>
-            </a:r>
-          </a:p>
-        </p:txBody>
-      </p:sp>
-      <p:pic>
-        <p:nvPicPr>
-          <p:cNvPr id="2" name="Image 1"/>
-          <p:cNvPicPr>
-            <a:picLocks noChangeAspect="1"/>
-          </p:cNvPicPr>
-          <p:nvPr/>
-        </p:nvPicPr>
-        <p:blipFill>
-          <a:blip r:embed="rId3"/>
-          <a:stretch>
-            <a:fillRect/>
-          </a:stretch>
-        </p:blipFill>
-        <p:spPr>
-          <a:xfrm>
-            <a:off x="1536030" y="1837157"/>
-            <a:ext cx="5006734" cy="1515644"/>
-          </a:xfrm>
-          <a:prstGeom prst="rect">
-            <a:avLst/>
-          </a:prstGeom>
-        </p:spPr>
-      </p:pic>
-      <p:pic>
-        <p:nvPicPr>
-          <p:cNvPr id="6" name="Image 5"/>
-          <p:cNvPicPr>
-            <a:picLocks noChangeAspect="1"/>
-          </p:cNvPicPr>
-          <p:nvPr/>
-        </p:nvPicPr>
-        <p:blipFill>
-          <a:blip r:embed="rId4"/>
-          <a:stretch>
-            <a:fillRect/>
-          </a:stretch>
-        </p:blipFill>
-        <p:spPr>
-          <a:xfrm>
-            <a:off x="1171072" y="5227100"/>
-            <a:ext cx="292100" cy="241300"/>
-          </a:xfrm>
-          <a:prstGeom prst="rect">
-            <a:avLst/>
-          </a:prstGeom>
-        </p:spPr>
-      </p:pic>
-      <p:pic>
-        <p:nvPicPr>
-          <p:cNvPr id="7" name="Image 6"/>
-          <p:cNvPicPr>
-            <a:picLocks noChangeAspect="1"/>
-          </p:cNvPicPr>
-          <p:nvPr/>
-        </p:nvPicPr>
-        <p:blipFill>
-          <a:blip r:embed="rId5"/>
-          <a:stretch>
-            <a:fillRect/>
-          </a:stretch>
-        </p:blipFill>
-        <p:spPr>
-          <a:xfrm>
-            <a:off x="1681747" y="3739147"/>
-            <a:ext cx="6807200" cy="2844800"/>
-          </a:xfrm>
-          <a:prstGeom prst="rect">
-            <a:avLst/>
-          </a:prstGeom>
-        </p:spPr>
-      </p:pic>
-      <p:pic>
-        <p:nvPicPr>
-          <p:cNvPr id="8" name="Image 7"/>
-          <p:cNvPicPr>
-            <a:picLocks noChangeAspect="1"/>
-          </p:cNvPicPr>
-          <p:nvPr/>
-        </p:nvPicPr>
-        <p:blipFill>
-          <a:blip r:embed="rId4"/>
-          <a:stretch>
-            <a:fillRect/>
-          </a:stretch>
-        </p:blipFill>
-        <p:spPr>
-          <a:xfrm>
-            <a:off x="1130968" y="2620258"/>
-            <a:ext cx="292100" cy="241300"/>
-          </a:xfrm>
-          <a:prstGeom prst="rect">
-            <a:avLst/>
-          </a:prstGeom>
-        </p:spPr>
-      </p:pic>
+            <a:r>
+              <a:rPr lang="fr-FR" sz="2000" b="1" dirty="0" err="1" smtClean="0">
+                <a:solidFill>
+                  <a:srgbClr val="FF0000"/>
+                </a:solidFill>
+              </a:rPr>
+              <a:t>Plotly</a:t>
+            </a:r>
+            <a:r>
+              <a:rPr lang="fr-FR" sz="2000" b="1" dirty="0" smtClean="0">
+                <a:solidFill>
+                  <a:srgbClr val="FF0000"/>
+                </a:solidFill>
+              </a:rPr>
+              <a:t> </a:t>
+            </a:r>
+            <a:r>
+              <a:rPr lang="fr-FR" sz="2000" b="1" dirty="0" err="1" smtClean="0">
+                <a:solidFill>
+                  <a:srgbClr val="FF0000"/>
+                </a:solidFill>
+              </a:rPr>
+              <a:t>library</a:t>
+            </a:r>
+            <a:endParaRPr lang="fr-FR" sz="2000" b="1" dirty="0" smtClean="0">
+              <a:solidFill>
+                <a:srgbClr val="FF0000"/>
+              </a:solidFill>
+            </a:endParaRPr>
+          </a:p>
+        </p:txBody>
+      </p:sp>
+      <p:cxnSp>
+        <p:nvCxnSpPr>
+          <p:cNvPr id="13" name="Connecteur droit avec flèche 12"/>
+          <p:cNvCxnSpPr/>
+          <p:nvPr/>
+        </p:nvCxnSpPr>
+        <p:spPr>
+          <a:xfrm flipH="1">
+            <a:off x="2630905" y="2510908"/>
+            <a:ext cx="609600" cy="0"/>
+          </a:xfrm>
+          <a:prstGeom prst="straightConnector1">
+            <a:avLst/>
+          </a:prstGeom>
+          <a:ln w="50800">
+            <a:solidFill>
+              <a:srgbClr val="FF0000"/>
+            </a:solidFill>
+            <a:tailEnd type="triangle"/>
+          </a:ln>
+        </p:spPr>
+        <p:style>
+          <a:lnRef idx="1">
+            <a:schemeClr val="accent1"/>
+          </a:lnRef>
+          <a:fillRef idx="0">
+            <a:schemeClr val="accent1"/>
+          </a:fillRef>
+          <a:effectRef idx="0">
+            <a:schemeClr val="accent1"/>
+          </a:effectRef>
+          <a:fontRef idx="minor">
+            <a:schemeClr val="tx1"/>
+          </a:fontRef>
+        </p:style>
+      </p:cxnSp>
+      <p:cxnSp>
+        <p:nvCxnSpPr>
+          <p:cNvPr id="16" name="Connecteur droit avec flèche 15"/>
+          <p:cNvCxnSpPr/>
+          <p:nvPr/>
+        </p:nvCxnSpPr>
+        <p:spPr>
+          <a:xfrm flipH="1">
+            <a:off x="2853038" y="4331687"/>
+            <a:ext cx="609600" cy="0"/>
+          </a:xfrm>
+          <a:prstGeom prst="straightConnector1">
+            <a:avLst/>
+          </a:prstGeom>
+          <a:ln w="50800">
+            <a:solidFill>
+              <a:srgbClr val="FF0000"/>
+            </a:solidFill>
+            <a:tailEnd type="triangle"/>
+          </a:ln>
+        </p:spPr>
+        <p:style>
+          <a:lnRef idx="1">
+            <a:schemeClr val="accent1"/>
+          </a:lnRef>
+          <a:fillRef idx="0">
+            <a:schemeClr val="accent1"/>
+          </a:fillRef>
+          <a:effectRef idx="0">
+            <a:schemeClr val="accent1"/>
+          </a:effectRef>
+          <a:fontRef idx="minor">
+            <a:schemeClr val="tx1"/>
+          </a:fontRef>
+        </p:style>
+      </p:cxnSp>
+      <p:sp>
+        <p:nvSpPr>
+          <p:cNvPr id="18" name="ZoneTexte 17"/>
+          <p:cNvSpPr txBox="1"/>
+          <p:nvPr/>
+        </p:nvSpPr>
+        <p:spPr>
+          <a:xfrm>
+            <a:off x="3695521" y="4019184"/>
+            <a:ext cx="3989355" cy="400110"/>
+          </a:xfrm>
+          <a:prstGeom prst="rect">
+            <a:avLst/>
+          </a:prstGeom>
+          <a:noFill/>
+        </p:spPr>
+        <p:txBody>
+          <a:bodyPr wrap="square" rtlCol="0">
+            <a:spAutoFit/>
+          </a:bodyPr>
+          <a:lstStyle/>
+          <a:p>
+            <a:r>
+              <a:rPr lang="fr-FR" sz="2000" b="1" dirty="0" smtClean="0">
+                <a:solidFill>
+                  <a:srgbClr val="FF0000"/>
+                </a:solidFill>
+              </a:rPr>
+              <a:t>Basic ggplot2 </a:t>
+            </a:r>
+            <a:r>
+              <a:rPr lang="fr-FR" sz="2000" b="1" dirty="0" err="1" smtClean="0">
+                <a:solidFill>
+                  <a:srgbClr val="FF0000"/>
+                </a:solidFill>
+              </a:rPr>
+              <a:t>graphic</a:t>
+            </a:r>
+            <a:endParaRPr lang="fr-FR" sz="2000" b="1" dirty="0" smtClean="0">
+              <a:solidFill>
+                <a:srgbClr val="FF0000"/>
+              </a:solidFill>
+            </a:endParaRPr>
+          </a:p>
+        </p:txBody>
+      </p:sp>
+      <p:sp>
+        <p:nvSpPr>
+          <p:cNvPr id="19" name="ZoneTexte 18"/>
+          <p:cNvSpPr txBox="1"/>
+          <p:nvPr/>
+        </p:nvSpPr>
+        <p:spPr>
+          <a:xfrm>
+            <a:off x="2853038" y="5125243"/>
+            <a:ext cx="3989355" cy="400110"/>
+          </a:xfrm>
+          <a:prstGeom prst="rect">
+            <a:avLst/>
+          </a:prstGeom>
+          <a:noFill/>
+        </p:spPr>
+        <p:txBody>
+          <a:bodyPr wrap="square" rtlCol="0">
+            <a:spAutoFit/>
+          </a:bodyPr>
+          <a:lstStyle/>
+          <a:p>
+            <a:r>
+              <a:rPr lang="fr-FR" sz="2000" b="1" dirty="0" err="1" smtClean="0">
+                <a:solidFill>
+                  <a:srgbClr val="FF0000"/>
+                </a:solidFill>
+              </a:rPr>
+              <a:t>Ggplotly</a:t>
+            </a:r>
+            <a:r>
+              <a:rPr lang="fr-FR" sz="2000" b="1" dirty="0" smtClean="0">
+                <a:solidFill>
+                  <a:srgbClr val="FF0000"/>
+                </a:solidFill>
+              </a:rPr>
+              <a:t> </a:t>
+            </a:r>
+            <a:r>
+              <a:rPr lang="fr-FR" sz="2000" b="1" dirty="0" err="1" smtClean="0">
+                <a:solidFill>
+                  <a:srgbClr val="FF0000"/>
+                </a:solidFill>
+              </a:rPr>
+              <a:t>turn</a:t>
+            </a:r>
+            <a:r>
+              <a:rPr lang="fr-FR" sz="2000" b="1" dirty="0" smtClean="0">
+                <a:solidFill>
+                  <a:srgbClr val="FF0000"/>
+                </a:solidFill>
+              </a:rPr>
+              <a:t> the plot interactive</a:t>
+            </a:r>
+          </a:p>
+        </p:txBody>
+      </p:sp>
+      <p:cxnSp>
+        <p:nvCxnSpPr>
+          <p:cNvPr id="20" name="Connecteur droit avec flèche 19"/>
+          <p:cNvCxnSpPr/>
+          <p:nvPr/>
+        </p:nvCxnSpPr>
+        <p:spPr>
+          <a:xfrm flipH="1">
+            <a:off x="2021305" y="5341340"/>
+            <a:ext cx="609600" cy="0"/>
+          </a:xfrm>
+          <a:prstGeom prst="straightConnector1">
+            <a:avLst/>
+          </a:prstGeom>
+          <a:ln w="50800">
+            <a:solidFill>
+              <a:srgbClr val="FF0000"/>
+            </a:solidFill>
+            <a:tailEnd type="triangle"/>
+          </a:ln>
+        </p:spPr>
+        <p:style>
+          <a:lnRef idx="1">
+            <a:schemeClr val="accent1"/>
+          </a:lnRef>
+          <a:fillRef idx="0">
+            <a:schemeClr val="accent1"/>
+          </a:fillRef>
+          <a:effectRef idx="0">
+            <a:schemeClr val="accent1"/>
+          </a:effectRef>
+          <a:fontRef idx="minor">
+            <a:schemeClr val="tx1"/>
+          </a:fontRef>
+        </p:style>
+      </p:cxnSp>
+      <p:sp>
+        <p:nvSpPr>
+          <p:cNvPr id="21" name="ZoneTexte 20"/>
+          <p:cNvSpPr txBox="1"/>
+          <p:nvPr/>
+        </p:nvSpPr>
+        <p:spPr>
+          <a:xfrm>
+            <a:off x="8165432" y="1507749"/>
+            <a:ext cx="4017172" cy="707886"/>
+          </a:xfrm>
+          <a:prstGeom prst="rect">
+            <a:avLst/>
+          </a:prstGeom>
+          <a:noFill/>
+        </p:spPr>
+        <p:txBody>
+          <a:bodyPr wrap="square" rtlCol="0">
+            <a:spAutoFit/>
+          </a:bodyPr>
+          <a:lstStyle/>
+          <a:p>
+            <a:r>
+              <a:rPr lang="fr-FR" sz="2000" b="1" dirty="0" err="1" smtClean="0">
+                <a:solidFill>
+                  <a:srgbClr val="FF0000"/>
+                </a:solidFill>
+              </a:rPr>
+              <a:t>Result</a:t>
+            </a:r>
+            <a:r>
+              <a:rPr lang="fr-FR" sz="2000" b="1" dirty="0" smtClean="0">
+                <a:solidFill>
+                  <a:srgbClr val="FF0000"/>
+                </a:solidFill>
+              </a:rPr>
+              <a:t>: zoom / </a:t>
+            </a:r>
+            <a:r>
+              <a:rPr lang="fr-FR" sz="2000" b="1" dirty="0" err="1" smtClean="0">
+                <a:solidFill>
+                  <a:srgbClr val="FF0000"/>
+                </a:solidFill>
+              </a:rPr>
+              <a:t>hover</a:t>
+            </a:r>
+            <a:r>
+              <a:rPr lang="fr-FR" sz="2000" b="1" dirty="0" smtClean="0">
+                <a:solidFill>
+                  <a:srgbClr val="FF0000"/>
+                </a:solidFill>
+              </a:rPr>
+              <a:t> / export .. And more</a:t>
+            </a:r>
+          </a:p>
+        </p:txBody>
+      </p:sp>
+      <p:sp>
+        <p:nvSpPr>
+          <p:cNvPr id="4" name="Rectangle 3"/>
+          <p:cNvSpPr/>
+          <p:nvPr/>
+        </p:nvSpPr>
+        <p:spPr>
+          <a:xfrm>
+            <a:off x="9125731" y="6379420"/>
+            <a:ext cx="2939394" cy="369332"/>
+          </a:xfrm>
+          <a:prstGeom prst="rect">
+            <a:avLst/>
+          </a:prstGeom>
+        </p:spPr>
+        <p:txBody>
+          <a:bodyPr wrap="none">
+            <a:spAutoFit/>
+          </a:bodyPr>
+          <a:lstStyle/>
+          <a:p>
+            <a:r>
+              <a:rPr lang="fr-FR" dirty="0">
+                <a:hlinkClick r:id="rId4"/>
+              </a:rPr>
+              <a:t>http://www.htmlwidgets.org</a:t>
+            </a:r>
+            <a:r>
+              <a:rPr lang="fr-FR" dirty="0"/>
+              <a:t> </a:t>
+            </a:r>
+            <a:endParaRPr lang="en-AU" dirty="0"/>
+          </a:p>
+        </p:txBody>
+      </p:sp>
     </p:spTree>
     <p:extLst>
       <p:ext uri="{BB962C8B-B14F-4D97-AF65-F5344CB8AC3E}">
-        <p14:creationId xmlns:p14="http://schemas.microsoft.com/office/powerpoint/2010/main" val="26843591"/>
+        <p14:creationId xmlns:p14="http://schemas.microsoft.com/office/powerpoint/2010/main" val="968261103"/>
       </p:ext>
     </p:extLst>
   </p:cSld>
@@ -6622,17 +6542,7 @@
                   </a:schemeClr>
                 </a:solidFill>
               </a:rPr>
-              <a:t>Pimp my .</a:t>
-            </a:r>
-            <a:r>
-              <a:rPr lang="en-CA" sz="4400" dirty="0" err="1" smtClean="0">
-                <a:solidFill>
-                  <a:schemeClr val="accent2">
-                    <a:lumMod val="75000"/>
-                  </a:schemeClr>
-                </a:solidFill>
-              </a:rPr>
-              <a:t>Rmd</a:t>
+              <a:t>Use a template</a:t>
             </a:r>
             <a:endParaRPr lang="en-CA" sz="4400" dirty="0">
               <a:solidFill>
@@ -6646,14 +6556,14 @@
       </p:sp>
       <p:sp>
         <p:nvSpPr>
-          <p:cNvPr id="4" name="ZoneTexte 3"/>
+          <p:cNvPr id="5" name="ZoneTexte 4"/>
           <p:cNvSpPr txBox="1"/>
           <p:nvPr/>
         </p:nvSpPr>
         <p:spPr>
           <a:xfrm>
-            <a:off x="2614863" y="1507958"/>
-            <a:ext cx="5261810" cy="3970318"/>
+            <a:off x="1122946" y="866275"/>
+            <a:ext cx="8293769" cy="523220"/>
           </a:xfrm>
           <a:prstGeom prst="rect">
             <a:avLst/>
@@ -6671,115 +6581,130 @@
               <a:buChar char="•"/>
             </a:pPr>
             <a:r>
-              <a:rPr lang="fr-FR" sz="2800" dirty="0">
-                <a:hlinkClick r:id="rId2"/>
-              </a:rPr>
-              <a:t>holtzy.github.io/Pimp-my-rmd</a:t>
+              <a:rPr lang="fr-FR" sz="2800" dirty="0" smtClean="0"/>
+              <a:t>The PCTG </a:t>
+            </a:r>
+            <a:r>
+              <a:rPr lang="fr-FR" sz="2800" dirty="0" err="1" smtClean="0"/>
+              <a:t>template</a:t>
+            </a:r>
+            <a:r>
+              <a:rPr lang="fr-FR" sz="2800" dirty="0" smtClean="0"/>
+              <a:t>: </a:t>
             </a:r>
             <a:r>
               <a:rPr lang="fr-FR" sz="2800" dirty="0" smtClean="0">
                 <a:hlinkClick r:id="rId2"/>
               </a:rPr>
-              <a:t>/</a:t>
-            </a:r>
-            <a:endParaRPr lang="fr-FR" sz="2800" dirty="0" smtClean="0"/>
-          </a:p>
-          <a:p>
-            <a:pPr marL="285750" indent="-285750">
-              <a:buFont typeface="Arial" charset="0"/>
-              <a:buChar char="•"/>
-            </a:pPr>
-            <a:endParaRPr lang="fr-FR" sz="2800" dirty="0"/>
-          </a:p>
-          <a:p>
-            <a:pPr marL="285750" indent="-285750">
-              <a:buFont typeface="Arial" charset="0"/>
-              <a:buChar char="•"/>
-            </a:pPr>
-            <a:r>
-              <a:rPr lang="fr-FR" sz="2800" dirty="0" err="1" smtClean="0"/>
-              <a:t>Everything</a:t>
+              <a:t>www.github.com/holtzy/epuRate</a:t>
             </a:r>
             <a:r>
               <a:rPr lang="fr-FR" sz="2800" dirty="0" smtClean="0"/>
-              <a:t> </a:t>
-            </a:r>
-            <a:r>
-              <a:rPr lang="fr-FR" sz="2800" dirty="0" err="1" smtClean="0"/>
-              <a:t>is</a:t>
-            </a:r>
-            <a:r>
-              <a:rPr lang="fr-FR" sz="2800" dirty="0" smtClean="0"/>
-              <a:t> possible</a:t>
-            </a:r>
-          </a:p>
-          <a:p>
-            <a:pPr marL="285750" indent="-285750">
-              <a:buFont typeface="Arial" charset="0"/>
-              <a:buChar char="•"/>
-            </a:pPr>
-            <a:endParaRPr lang="fr-FR" sz="2800" dirty="0"/>
-          </a:p>
-          <a:p>
-            <a:pPr marL="285750" indent="-285750">
-              <a:buFont typeface="Arial" charset="0"/>
-              <a:buChar char="•"/>
-            </a:pPr>
-            <a:r>
-              <a:rPr lang="fr-FR" sz="2800" dirty="0" smtClean="0"/>
-              <a:t>Use CSS and HTML code</a:t>
-            </a:r>
-          </a:p>
-          <a:p>
-            <a:pPr marL="285750" indent="-285750">
-              <a:buFont typeface="Arial" charset="0"/>
-              <a:buChar char="•"/>
-            </a:pPr>
-            <a:endParaRPr lang="fr-FR" sz="2800" dirty="0"/>
-          </a:p>
-          <a:p>
-            <a:pPr marL="285750" indent="-285750">
-              <a:buFont typeface="Arial" charset="0"/>
-              <a:buChar char="•"/>
-            </a:pPr>
-            <a:r>
-              <a:rPr lang="fr-FR" sz="2800" dirty="0" err="1" smtClean="0"/>
-              <a:t>Add</a:t>
-            </a:r>
-            <a:r>
-              <a:rPr lang="fr-FR" sz="2800" dirty="0" smtClean="0"/>
-              <a:t> header and </a:t>
-            </a:r>
-            <a:r>
-              <a:rPr lang="fr-FR" sz="2800" dirty="0" err="1" smtClean="0"/>
-              <a:t>footer</a:t>
-            </a:r>
-            <a:endParaRPr lang="fr-FR" sz="2800" dirty="0" smtClean="0"/>
-          </a:p>
-          <a:p>
-            <a:pPr marL="285750" indent="-285750">
-              <a:buFont typeface="Arial" charset="0"/>
-              <a:buChar char="•"/>
-            </a:pPr>
-            <a:endParaRPr lang="fr-FR" sz="2800" dirty="0"/>
-          </a:p>
-          <a:p>
-            <a:pPr marL="285750" indent="-285750">
-              <a:buFont typeface="Arial" charset="0"/>
-              <a:buChar char="•"/>
-            </a:pPr>
-            <a:r>
-              <a:rPr lang="fr-FR" sz="2800" dirty="0" smtClean="0"/>
-              <a:t>More</a:t>
-            </a:r>
-            <a:endParaRPr lang="fr-FR" sz="2800" dirty="0"/>
-          </a:p>
-        </p:txBody>
-      </p:sp>
+              <a:t>  </a:t>
+            </a:r>
+          </a:p>
+        </p:txBody>
+      </p:sp>
+      <p:pic>
+        <p:nvPicPr>
+          <p:cNvPr id="2" name="Image 1"/>
+          <p:cNvPicPr>
+            <a:picLocks noChangeAspect="1"/>
+          </p:cNvPicPr>
+          <p:nvPr/>
+        </p:nvPicPr>
+        <p:blipFill>
+          <a:blip r:embed="rId3"/>
+          <a:stretch>
+            <a:fillRect/>
+          </a:stretch>
+        </p:blipFill>
+        <p:spPr>
+          <a:xfrm>
+            <a:off x="1536030" y="1837157"/>
+            <a:ext cx="5006734" cy="1515644"/>
+          </a:xfrm>
+          <a:prstGeom prst="rect">
+            <a:avLst/>
+          </a:prstGeom>
+        </p:spPr>
+      </p:pic>
+      <p:pic>
+        <p:nvPicPr>
+          <p:cNvPr id="6" name="Image 5"/>
+          <p:cNvPicPr>
+            <a:picLocks noChangeAspect="1"/>
+          </p:cNvPicPr>
+          <p:nvPr/>
+        </p:nvPicPr>
+        <p:blipFill>
+          <a:blip r:embed="rId4"/>
+          <a:stretch>
+            <a:fillRect/>
+          </a:stretch>
+        </p:blipFill>
+        <p:spPr>
+          <a:xfrm>
+            <a:off x="1171072" y="5227100"/>
+            <a:ext cx="292100" cy="241300"/>
+          </a:xfrm>
+          <a:prstGeom prst="rect">
+            <a:avLst/>
+          </a:prstGeom>
+        </p:spPr>
+      </p:pic>
+      <p:pic>
+        <p:nvPicPr>
+          <p:cNvPr id="7" name="Image 6"/>
+          <p:cNvPicPr>
+            <a:picLocks noChangeAspect="1"/>
+          </p:cNvPicPr>
+          <p:nvPr/>
+        </p:nvPicPr>
+        <p:blipFill>
+          <a:blip r:embed="rId5"/>
+          <a:stretch>
+            <a:fillRect/>
+          </a:stretch>
+        </p:blipFill>
+        <p:spPr>
+          <a:xfrm>
+            <a:off x="1681747" y="3739147"/>
+            <a:ext cx="6807200" cy="2844800"/>
+          </a:xfrm>
+          <a:prstGeom prst="rect">
+            <a:avLst/>
+          </a:prstGeom>
+        </p:spPr>
+      </p:pic>
+      <p:pic>
+        <p:nvPicPr>
+          <p:cNvPr id="8" name="Image 7"/>
+          <p:cNvPicPr>
+            <a:picLocks noChangeAspect="1"/>
+          </p:cNvPicPr>
+          <p:nvPr/>
+        </p:nvPicPr>
+        <p:blipFill>
+          <a:blip r:embed="rId4"/>
+          <a:stretch>
+            <a:fillRect/>
+          </a:stretch>
+        </p:blipFill>
+        <p:spPr>
+          <a:xfrm>
+            <a:off x="1130968" y="2620258"/>
+            <a:ext cx="292100" cy="241300"/>
+          </a:xfrm>
+          <a:prstGeom prst="rect">
+            <a:avLst/>
+          </a:prstGeom>
+        </p:spPr>
+      </p:pic>
     </p:spTree>
     <p:extLst>
       <p:ext uri="{BB962C8B-B14F-4D97-AF65-F5344CB8AC3E}">
-        <p14:creationId xmlns:p14="http://schemas.microsoft.com/office/powerpoint/2010/main" val="712497051"/>
+        <p14:creationId xmlns:p14="http://schemas.microsoft.com/office/powerpoint/2010/main" val="26843591"/>
       </p:ext>
     </p:extLst>
   </p:cSld>
@@ -6813,84 +6738,16 @@
           <a:chExt cx="0" cy="0"/>
         </a:xfrm>
       </p:grpSpPr>
-      <p:pic>
-        <p:nvPicPr>
-          <p:cNvPr id="8" name="Image 7"/>
-          <p:cNvPicPr>
-            <a:picLocks noChangeAspect="1"/>
-          </p:cNvPicPr>
-          <p:nvPr/>
-        </p:nvPicPr>
-        <p:blipFill>
-          <a:blip r:embed="rId2">
-            <a:alphaModFix amt="24000"/>
-            <a:extLst>
-              <a:ext uri="{28A0092B-C50C-407E-A947-70E740481C1C}">
-                <a14:useLocalDpi xmlns:a14="http://schemas.microsoft.com/office/drawing/2010/main" val="0"/>
-              </a:ext>
-            </a:extLst>
-          </a:blip>
-          <a:stretch>
-            <a:fillRect/>
-          </a:stretch>
-        </p:blipFill>
-        <p:spPr>
-          <a:xfrm>
-            <a:off x="-2411662" y="16042"/>
-            <a:ext cx="17808514" cy="6858000"/>
-          </a:xfrm>
-          <a:prstGeom prst="rect">
-            <a:avLst/>
-          </a:prstGeom>
-        </p:spPr>
-      </p:pic>
-      <p:cxnSp>
-        <p:nvCxnSpPr>
-          <p:cNvPr id="9" name="Connecteur droit 8"/>
-          <p:cNvCxnSpPr/>
-          <p:nvPr/>
-        </p:nvCxnSpPr>
-        <p:spPr>
-          <a:xfrm>
-            <a:off x="3676696" y="3686627"/>
-            <a:ext cx="4702626" cy="0"/>
-          </a:xfrm>
-          <a:prstGeom prst="line">
-            <a:avLst/>
-          </a:prstGeom>
-          <a:ln>
-            <a:solidFill>
-              <a:schemeClr val="bg2">
-                <a:lumMod val="50000"/>
-              </a:schemeClr>
-            </a:solidFill>
-          </a:ln>
-        </p:spPr>
-        <p:style>
-          <a:lnRef idx="1">
-            <a:schemeClr val="accent1"/>
-          </a:lnRef>
-          <a:fillRef idx="0">
-            <a:schemeClr val="accent1"/>
-          </a:fillRef>
-          <a:effectRef idx="0">
-            <a:schemeClr val="accent1"/>
-          </a:effectRef>
-          <a:fontRef idx="minor">
-            <a:schemeClr val="tx1"/>
-          </a:fontRef>
-        </p:style>
-      </p:cxnSp>
-      <p:sp>
-        <p:nvSpPr>
-          <p:cNvPr id="10" name="ZoneTexte 9"/>
+      <p:sp>
+        <p:nvSpPr>
+          <p:cNvPr id="3" name="ZoneTexte 2"/>
           <p:cNvSpPr txBox="1"/>
           <p:nvPr/>
         </p:nvSpPr>
         <p:spPr>
           <a:xfrm>
-            <a:off x="4997495" y="2798711"/>
-            <a:ext cx="4814161" cy="646331"/>
+            <a:off x="16804" y="-2963"/>
+            <a:ext cx="9506859" cy="769441"/>
           </a:xfrm>
           <a:prstGeom prst="rect">
             <a:avLst/>
@@ -6904,17 +6761,171 @@
           <a:lstStyle/>
           <a:p>
             <a:r>
-              <a:rPr lang="fr-FR" sz="3600" dirty="0" smtClean="0"/>
-              <a:t>Sharing</a:t>
-            </a:r>
-            <a:endParaRPr lang="fr-FR" sz="3600" dirty="0"/>
+              <a:rPr lang="en-CA" sz="4400" dirty="0" smtClean="0">
+                <a:solidFill>
+                  <a:schemeClr val="accent2">
+                    <a:lumMod val="75000"/>
+                  </a:schemeClr>
+                </a:solidFill>
+              </a:rPr>
+              <a:t>Pimp my .</a:t>
+            </a:r>
+            <a:r>
+              <a:rPr lang="en-CA" sz="4400" dirty="0" err="1" smtClean="0">
+                <a:solidFill>
+                  <a:schemeClr val="accent2">
+                    <a:lumMod val="75000"/>
+                  </a:schemeClr>
+                </a:solidFill>
+              </a:rPr>
+              <a:t>Rmd</a:t>
+            </a:r>
+            <a:endParaRPr lang="en-CA" sz="4400" dirty="0">
+              <a:solidFill>
+                <a:schemeClr val="accent2">
+                  <a:lumMod val="75000"/>
+                </a:schemeClr>
+              </a:solidFill>
+            </a:endParaRPr>
+          </a:p>
+        </p:txBody>
+      </p:sp>
+      <p:sp>
+        <p:nvSpPr>
+          <p:cNvPr id="4" name="ZoneTexte 3"/>
+          <p:cNvSpPr txBox="1"/>
+          <p:nvPr/>
+        </p:nvSpPr>
+        <p:spPr>
+          <a:xfrm>
+            <a:off x="2614863" y="1507958"/>
+            <a:ext cx="5261810" cy="3970318"/>
+          </a:xfrm>
+          <a:prstGeom prst="rect">
+            <a:avLst/>
+          </a:prstGeom>
+          <a:noFill/>
+        </p:spPr>
+        <p:txBody>
+          <a:bodyPr wrap="square" rtlCol="0">
+            <a:spAutoFit/>
+          </a:bodyPr>
+          <a:lstStyle/>
+          <a:p>
+            <a:pPr marL="285750" indent="-285750">
+              <a:buFont typeface="Arial" charset="0"/>
+              <a:buChar char="•"/>
+            </a:pPr>
+            <a:r>
+              <a:rPr lang="fr-FR" sz="2800" dirty="0">
+                <a:hlinkClick r:id="rId2"/>
+              </a:rPr>
+              <a:t>holtzy.github.io/Pimp-my-rmd</a:t>
+            </a:r>
+            <a:r>
+              <a:rPr lang="fr-FR" sz="2800" dirty="0" smtClean="0">
+                <a:hlinkClick r:id="rId2"/>
+              </a:rPr>
+              <a:t>/</a:t>
+            </a:r>
+            <a:endParaRPr lang="fr-FR" sz="2800" dirty="0" smtClean="0"/>
+          </a:p>
+          <a:p>
+            <a:pPr marL="285750" indent="-285750">
+              <a:buFont typeface="Arial" charset="0"/>
+              <a:buChar char="•"/>
+            </a:pPr>
+            <a:endParaRPr lang="fr-FR" sz="2800" dirty="0"/>
+          </a:p>
+          <a:p>
+            <a:pPr marL="285750" indent="-285750">
+              <a:buFont typeface="Arial" charset="0"/>
+              <a:buChar char="•"/>
+            </a:pPr>
+            <a:r>
+              <a:rPr lang="fr-FR" sz="2800" dirty="0" err="1" smtClean="0"/>
+              <a:t>Everything</a:t>
+            </a:r>
+            <a:r>
+              <a:rPr lang="fr-FR" sz="2800" dirty="0" smtClean="0"/>
+              <a:t> </a:t>
+            </a:r>
+            <a:r>
+              <a:rPr lang="fr-FR" sz="2800" dirty="0" err="1" smtClean="0"/>
+              <a:t>is</a:t>
+            </a:r>
+            <a:r>
+              <a:rPr lang="fr-FR" sz="2800" dirty="0" smtClean="0"/>
+              <a:t> possible</a:t>
+            </a:r>
+          </a:p>
+          <a:p>
+            <a:pPr marL="285750" indent="-285750">
+              <a:buFont typeface="Arial" charset="0"/>
+              <a:buChar char="•"/>
+            </a:pPr>
+            <a:endParaRPr lang="fr-FR" sz="2800" dirty="0"/>
+          </a:p>
+          <a:p>
+            <a:pPr marL="285750" indent="-285750">
+              <a:buFont typeface="Arial" charset="0"/>
+              <a:buChar char="•"/>
+            </a:pPr>
+            <a:r>
+              <a:rPr lang="fr-FR" sz="2800" dirty="0" smtClean="0"/>
+              <a:t>Use CSS and HTML code</a:t>
+            </a:r>
+          </a:p>
+          <a:p>
+            <a:pPr marL="285750" indent="-285750">
+              <a:buFont typeface="Arial" charset="0"/>
+              <a:buChar char="•"/>
+            </a:pPr>
+            <a:endParaRPr lang="fr-FR" sz="2800" dirty="0"/>
+          </a:p>
+          <a:p>
+            <a:pPr marL="285750" indent="-285750">
+              <a:buFont typeface="Arial" charset="0"/>
+              <a:buChar char="•"/>
+            </a:pPr>
+            <a:r>
+              <a:rPr lang="fr-FR" sz="2800" dirty="0" err="1" smtClean="0"/>
+              <a:t>Add</a:t>
+            </a:r>
+            <a:r>
+              <a:rPr lang="fr-FR" sz="2800" dirty="0" smtClean="0"/>
+              <a:t> header and </a:t>
+            </a:r>
+            <a:r>
+              <a:rPr lang="fr-FR" sz="2800" dirty="0" err="1" smtClean="0"/>
+              <a:t>footer</a:t>
+            </a:r>
+            <a:endParaRPr lang="fr-FR" sz="2800" dirty="0" smtClean="0"/>
+          </a:p>
+          <a:p>
+            <a:pPr marL="285750" indent="-285750">
+              <a:buFont typeface="Arial" charset="0"/>
+              <a:buChar char="•"/>
+            </a:pPr>
+            <a:endParaRPr lang="fr-FR" sz="2800" dirty="0"/>
+          </a:p>
+          <a:p>
+            <a:pPr marL="285750" indent="-285750">
+              <a:buFont typeface="Arial" charset="0"/>
+              <a:buChar char="•"/>
+            </a:pPr>
+            <a:r>
+              <a:rPr lang="fr-FR" sz="2800" dirty="0" smtClean="0"/>
+              <a:t>More</a:t>
+            </a:r>
+            <a:endParaRPr lang="fr-FR" sz="2800" dirty="0"/>
           </a:p>
         </p:txBody>
       </p:sp>
     </p:spTree>
     <p:extLst>
       <p:ext uri="{BB962C8B-B14F-4D97-AF65-F5344CB8AC3E}">
-        <p14:creationId xmlns:p14="http://schemas.microsoft.com/office/powerpoint/2010/main" val="481190062"/>
+        <p14:creationId xmlns:p14="http://schemas.microsoft.com/office/powerpoint/2010/main" val="712497051"/>
       </p:ext>
     </p:extLst>
   </p:cSld>
@@ -6948,82 +6959,84 @@
           <a:chExt cx="0" cy="0"/>
         </a:xfrm>
       </p:grpSpPr>
-      <p:sp>
-        <p:nvSpPr>
-          <p:cNvPr id="3" name="ZoneTexte 2"/>
-          <p:cNvSpPr txBox="1"/>
-          <p:nvPr/>
-        </p:nvSpPr>
-        <p:spPr>
-          <a:xfrm>
-            <a:off x="16804" y="-2963"/>
-            <a:ext cx="9506859" cy="769441"/>
-          </a:xfrm>
-          <a:prstGeom prst="rect">
-            <a:avLst/>
-          </a:prstGeom>
-          <a:noFill/>
-        </p:spPr>
-        <p:txBody>
-          <a:bodyPr wrap="square" rtlCol="0">
-            <a:spAutoFit/>
-          </a:bodyPr>
-          <a:lstStyle/>
-          <a:p>
-            <a:r>
-              <a:rPr lang="en-CA" sz="4400" dirty="0" smtClean="0">
-                <a:solidFill>
-                  <a:schemeClr val="accent2">
-                    <a:lumMod val="75000"/>
-                  </a:schemeClr>
-                </a:solidFill>
-              </a:rPr>
-              <a:t>Output format?</a:t>
-            </a:r>
-            <a:endParaRPr lang="en-CA" sz="4400" dirty="0">
-              <a:solidFill>
-                <a:schemeClr val="accent2">
-                  <a:lumMod val="75000"/>
-                </a:schemeClr>
-              </a:solidFill>
-            </a:endParaRPr>
-          </a:p>
-        </p:txBody>
-      </p:sp>
       <p:pic>
         <p:nvPicPr>
-          <p:cNvPr id="4" name="Image 3"/>
+          <p:cNvPr id="8" name="Image 7"/>
           <p:cNvPicPr>
             <a:picLocks noChangeAspect="1"/>
           </p:cNvPicPr>
           <p:nvPr/>
         </p:nvPicPr>
         <p:blipFill>
-          <a:blip r:embed="rId2"/>
+          <a:blip r:embed="rId2">
+            <a:alphaModFix amt="24000"/>
+            <a:extLst>
+              <a:ext uri="{28A0092B-C50C-407E-A947-70E740481C1C}">
+                <a14:useLocalDpi xmlns:a14="http://schemas.microsoft.com/office/drawing/2010/main" val="0"/>
+              </a:ext>
+            </a:extLst>
+          </a:blip>
           <a:stretch>
             <a:fillRect/>
           </a:stretch>
         </p:blipFill>
         <p:spPr>
           <a:xfrm>
-            <a:off x="2273968" y="590015"/>
-            <a:ext cx="7126706" cy="6111342"/>
+            <a:off x="-2411662" y="16042"/>
+            <a:ext cx="17808514" cy="6858000"/>
           </a:xfrm>
           <a:prstGeom prst="rect">
             <a:avLst/>
           </a:prstGeom>
         </p:spPr>
       </p:pic>
-      <p:sp>
-        <p:nvSpPr>
-          <p:cNvPr id="9" name="ZoneTexte 8"/>
+      <p:cxnSp>
+        <p:nvCxnSpPr>
+          <p:cNvPr id="9" name="Connecteur droit 8"/>
+          <p:cNvCxnSpPr/>
+          <p:nvPr/>
+        </p:nvCxnSpPr>
+        <p:spPr>
+          <a:xfrm>
+            <a:off x="3676696" y="3686627"/>
+            <a:ext cx="4702626" cy="0"/>
+          </a:xfrm>
+          <a:prstGeom prst="line">
+            <a:avLst/>
+          </a:prstGeom>
+          <a:ln>
+            <a:solidFill>
+              <a:schemeClr val="bg2">
+                <a:lumMod val="50000"/>
+              </a:schemeClr>
+            </a:solidFill>
+          </a:ln>
+        </p:spPr>
+        <p:style>
+          <a:lnRef idx="1">
+            <a:schemeClr val="accent1"/>
+          </a:lnRef>
+          <a:fillRef idx="0">
+            <a:schemeClr val="accent1"/>
+          </a:fillRef>
+          <a:effectRef idx="0">
+            <a:schemeClr val="accent1"/>
+          </a:effectRef>
+          <a:fontRef idx="minor">
+            <a:schemeClr val="tx1"/>
+          </a:fontRef>
+        </p:style>
+      </p:cxnSp>
+      <p:sp>
+        <p:nvSpPr>
+          <p:cNvPr id="10" name="ZoneTexte 9"/>
           <p:cNvSpPr txBox="1"/>
           <p:nvPr/>
         </p:nvSpPr>
         <p:spPr>
           <a:xfrm>
-            <a:off x="1862221" y="1917121"/>
-            <a:ext cx="1779337" cy="400110"/>
+            <a:off x="4997495" y="2798711"/>
+            <a:ext cx="4814161" cy="646331"/>
           </a:xfrm>
           <a:prstGeom prst="rect">
             <a:avLst/>
@@ -7037,241 +7050,17 @@
           <a:lstStyle/>
           <a:p>
             <a:r>
-              <a:rPr lang="fr-FR" sz="2000" b="1" dirty="0" smtClean="0">
-                <a:solidFill>
-                  <a:srgbClr val="FF0000"/>
-                </a:solidFill>
-              </a:rPr>
-              <a:t>Word .doc</a:t>
-            </a:r>
-          </a:p>
-        </p:txBody>
-      </p:sp>
-      <p:sp>
-        <p:nvSpPr>
-          <p:cNvPr id="10" name="ZoneTexte 9"/>
-          <p:cNvSpPr txBox="1"/>
-          <p:nvPr/>
-        </p:nvSpPr>
-        <p:spPr>
-          <a:xfrm>
-            <a:off x="8200860" y="1717066"/>
-            <a:ext cx="814803" cy="400110"/>
-          </a:xfrm>
-          <a:prstGeom prst="rect">
-            <a:avLst/>
-          </a:prstGeom>
-          <a:noFill/>
-        </p:spPr>
-        <p:txBody>
-          <a:bodyPr wrap="square" rtlCol="0">
-            <a:spAutoFit/>
-          </a:bodyPr>
-          <a:lstStyle/>
-          <a:p>
-            <a:r>
-              <a:rPr lang="fr-FR" sz="2000" b="1" dirty="0" smtClean="0">
-                <a:solidFill>
-                  <a:srgbClr val="FF0000"/>
-                </a:solidFill>
-              </a:rPr>
-              <a:t>.</a:t>
-            </a:r>
-            <a:r>
-              <a:rPr lang="fr-FR" sz="2000" b="1" dirty="0" err="1" smtClean="0">
-                <a:solidFill>
-                  <a:srgbClr val="FF0000"/>
-                </a:solidFill>
-              </a:rPr>
-              <a:t>pdf</a:t>
-            </a:r>
-            <a:endParaRPr lang="fr-FR" sz="2000" b="1" dirty="0" smtClean="0">
-              <a:solidFill>
-                <a:srgbClr val="FF0000"/>
-              </a:solidFill>
-            </a:endParaRPr>
-          </a:p>
-        </p:txBody>
-      </p:sp>
-      <p:sp>
-        <p:nvSpPr>
-          <p:cNvPr id="11" name="ZoneTexte 10"/>
-          <p:cNvSpPr txBox="1"/>
-          <p:nvPr/>
-        </p:nvSpPr>
-        <p:spPr>
-          <a:xfrm>
-            <a:off x="5273176" y="93471"/>
-            <a:ext cx="814803" cy="400110"/>
-          </a:xfrm>
-          <a:prstGeom prst="rect">
-            <a:avLst/>
-          </a:prstGeom>
-          <a:noFill/>
-        </p:spPr>
-        <p:txBody>
-          <a:bodyPr wrap="square" rtlCol="0">
-            <a:spAutoFit/>
-          </a:bodyPr>
-          <a:lstStyle/>
-          <a:p>
-            <a:r>
-              <a:rPr lang="fr-FR" sz="2000" b="1" dirty="0" smtClean="0">
-                <a:solidFill>
-                  <a:srgbClr val="FF0000"/>
-                </a:solidFill>
-              </a:rPr>
-              <a:t>Book</a:t>
-            </a:r>
-          </a:p>
-        </p:txBody>
-      </p:sp>
-      <p:sp>
-        <p:nvSpPr>
-          <p:cNvPr id="12" name="ZoneTexte 11"/>
-          <p:cNvSpPr txBox="1"/>
-          <p:nvPr/>
-        </p:nvSpPr>
-        <p:spPr>
-          <a:xfrm>
-            <a:off x="8993272" y="3333807"/>
-            <a:ext cx="1161381" cy="400110"/>
-          </a:xfrm>
-          <a:prstGeom prst="rect">
-            <a:avLst/>
-          </a:prstGeom>
-          <a:noFill/>
-        </p:spPr>
-        <p:txBody>
-          <a:bodyPr wrap="square" rtlCol="0">
-            <a:spAutoFit/>
-          </a:bodyPr>
-          <a:lstStyle/>
-          <a:p>
-            <a:r>
-              <a:rPr lang="fr-FR" sz="2000" b="1" dirty="0" smtClean="0">
-                <a:solidFill>
-                  <a:srgbClr val="FF0000"/>
-                </a:solidFill>
-              </a:rPr>
-              <a:t>Template</a:t>
-            </a:r>
-          </a:p>
-        </p:txBody>
-      </p:sp>
-      <p:sp>
-        <p:nvSpPr>
-          <p:cNvPr id="13" name="ZoneTexte 12"/>
-          <p:cNvSpPr txBox="1"/>
-          <p:nvPr/>
-        </p:nvSpPr>
-        <p:spPr>
-          <a:xfrm>
-            <a:off x="1299411" y="3333807"/>
-            <a:ext cx="1452479" cy="400110"/>
-          </a:xfrm>
-          <a:prstGeom prst="rect">
-            <a:avLst/>
-          </a:prstGeom>
-          <a:noFill/>
-        </p:spPr>
-        <p:txBody>
-          <a:bodyPr wrap="square" rtlCol="0">
-            <a:spAutoFit/>
-          </a:bodyPr>
-          <a:lstStyle/>
-          <a:p>
-            <a:r>
-              <a:rPr lang="fr-FR" sz="2000" b="1" smtClean="0">
-                <a:solidFill>
-                  <a:srgbClr val="FF0000"/>
-                </a:solidFill>
-              </a:rPr>
-              <a:t>Dashboard</a:t>
-            </a:r>
-            <a:endParaRPr lang="fr-FR" sz="2000" b="1" dirty="0" smtClean="0">
-              <a:solidFill>
-                <a:srgbClr val="FF0000"/>
-              </a:solidFill>
-            </a:endParaRPr>
-          </a:p>
-        </p:txBody>
-      </p:sp>
-      <p:sp>
-        <p:nvSpPr>
-          <p:cNvPr id="14" name="ZoneTexte 13"/>
-          <p:cNvSpPr txBox="1"/>
-          <p:nvPr/>
-        </p:nvSpPr>
-        <p:spPr>
-          <a:xfrm>
-            <a:off x="2150979" y="4817527"/>
-            <a:ext cx="1452479" cy="400110"/>
-          </a:xfrm>
-          <a:prstGeom prst="rect">
-            <a:avLst/>
-          </a:prstGeom>
-          <a:noFill/>
-        </p:spPr>
-        <p:txBody>
-          <a:bodyPr wrap="square" rtlCol="0">
-            <a:spAutoFit/>
-          </a:bodyPr>
-          <a:lstStyle/>
-          <a:p>
-            <a:r>
-              <a:rPr lang="fr-FR" sz="2000" b="1" dirty="0" smtClean="0">
-                <a:solidFill>
-                  <a:srgbClr val="FF0000"/>
-                </a:solidFill>
-              </a:rPr>
-              <a:t>Slides</a:t>
-            </a:r>
-          </a:p>
-        </p:txBody>
-      </p:sp>
-      <p:sp>
-        <p:nvSpPr>
-          <p:cNvPr id="15" name="ZoneTexte 14"/>
-          <p:cNvSpPr txBox="1"/>
-          <p:nvPr/>
-        </p:nvSpPr>
-        <p:spPr>
-          <a:xfrm>
-            <a:off x="5507288" y="6397681"/>
-            <a:ext cx="1161381" cy="400110"/>
-          </a:xfrm>
-          <a:prstGeom prst="rect">
-            <a:avLst/>
-          </a:prstGeom>
-          <a:noFill/>
-        </p:spPr>
-        <p:txBody>
-          <a:bodyPr wrap="square" rtlCol="0">
-            <a:spAutoFit/>
-          </a:bodyPr>
-          <a:lstStyle/>
-          <a:p>
-            <a:r>
-              <a:rPr lang="fr-FR" sz="2000" b="1" smtClean="0">
-                <a:solidFill>
-                  <a:srgbClr val="FF0000"/>
-                </a:solidFill>
-              </a:rPr>
-              <a:t>Blog</a:t>
-            </a:r>
-            <a:endParaRPr lang="fr-FR" sz="2000" b="1" dirty="0" smtClean="0">
-              <a:solidFill>
-                <a:srgbClr val="FF0000"/>
-              </a:solidFill>
-            </a:endParaRPr>
+              <a:rPr lang="fr-FR" sz="3600" dirty="0" smtClean="0"/>
+              <a:t>Sharing</a:t>
+            </a:r>
+            <a:endParaRPr lang="fr-FR" sz="3600" dirty="0"/>
           </a:p>
         </p:txBody>
       </p:sp>
     </p:spTree>
     <p:extLst>
       <p:ext uri="{BB962C8B-B14F-4D97-AF65-F5344CB8AC3E}">
-        <p14:creationId xmlns:p14="http://schemas.microsoft.com/office/powerpoint/2010/main" val="341273363"/>
+        <p14:creationId xmlns:p14="http://schemas.microsoft.com/office/powerpoint/2010/main" val="481190062"/>
       </p:ext>
     </p:extLst>
   </p:cSld>
@@ -7313,7 +7102,7 @@
         </p:nvSpPr>
         <p:spPr>
           <a:xfrm>
-            <a:off x="145140" y="109331"/>
+            <a:off x="16804" y="-2963"/>
             <a:ext cx="9506859" cy="769441"/>
           </a:xfrm>
           <a:prstGeom prst="rect">
@@ -7335,7 +7124,7 @@
                   </a:schemeClr>
                 </a:solidFill>
               </a:rPr>
-              <a:t>Share your analysis</a:t>
+              <a:t>Output format?</a:t>
             </a:r>
             <a:endParaRPr lang="en-CA" sz="4400" dirty="0">
               <a:solidFill>
@@ -7347,149 +7136,288 @@
           </a:p>
         </p:txBody>
       </p:sp>
-      <p:sp>
-        <p:nvSpPr>
-          <p:cNvPr id="4" name="ZoneTexte 3"/>
-          <p:cNvSpPr txBox="1"/>
-          <p:nvPr/>
-        </p:nvSpPr>
-        <p:spPr>
-          <a:xfrm>
-            <a:off x="3329882" y="1951789"/>
-            <a:ext cx="6978316" cy="3108543"/>
-          </a:xfrm>
-          <a:prstGeom prst="rect">
-            <a:avLst/>
-          </a:prstGeom>
-          <a:noFill/>
-        </p:spPr>
-        <p:txBody>
-          <a:bodyPr wrap="square" rtlCol="0">
-            <a:spAutoFit/>
-          </a:bodyPr>
-          <a:lstStyle/>
-          <a:p>
-            <a:pPr marL="285750" indent="-285750">
-              <a:buFont typeface="Arial" charset="0"/>
-              <a:buChar char="•"/>
-            </a:pPr>
-            <a:r>
-              <a:rPr lang="en-CA" sz="2800" dirty="0" smtClean="0"/>
-              <a:t>Mail with colleagues, supervisor</a:t>
-            </a:r>
-          </a:p>
-          <a:p>
-            <a:endParaRPr lang="en-CA" sz="2800" dirty="0" smtClean="0"/>
-          </a:p>
-          <a:p>
-            <a:pPr marL="285750" indent="-285750">
-              <a:buFont typeface="Arial" charset="0"/>
-              <a:buChar char="•"/>
-            </a:pPr>
-            <a:r>
-              <a:rPr lang="en-CA" sz="2800" dirty="0" smtClean="0"/>
-              <a:t>Publication as a supplementary material</a:t>
-            </a:r>
-          </a:p>
-          <a:p>
-            <a:pPr marL="285750" indent="-285750">
-              <a:buFont typeface="Arial" charset="0"/>
-              <a:buChar char="•"/>
-            </a:pPr>
-            <a:endParaRPr lang="en-CA" sz="2800" dirty="0" smtClean="0"/>
-          </a:p>
-          <a:p>
-            <a:pPr marL="285750" indent="-285750">
-              <a:buFont typeface="Arial" charset="0"/>
-              <a:buChar char="•"/>
-            </a:pPr>
-            <a:r>
-              <a:rPr lang="en-CA" sz="2800" dirty="0" err="1" smtClean="0"/>
-              <a:t>Github</a:t>
-            </a:r>
-            <a:r>
-              <a:rPr lang="en-CA" sz="2800" dirty="0" smtClean="0"/>
-              <a:t>: </a:t>
-            </a:r>
-            <a:r>
-              <a:rPr lang="en-CA" sz="2800" dirty="0" smtClean="0">
-                <a:hlinkClick r:id="rId2"/>
-              </a:rPr>
-              <a:t>www.github.com</a:t>
-            </a:r>
-            <a:r>
-              <a:rPr lang="en-CA" sz="2800" dirty="0" smtClean="0"/>
-              <a:t> </a:t>
-            </a:r>
-          </a:p>
-          <a:p>
-            <a:endParaRPr lang="en-CA" sz="2800" dirty="0" smtClean="0"/>
-          </a:p>
-          <a:p>
-            <a:pPr marL="285750" indent="-285750">
-              <a:buFont typeface="Arial" charset="0"/>
-              <a:buChar char="•"/>
-            </a:pPr>
-            <a:r>
-              <a:rPr lang="en-CA" sz="2800" dirty="0" smtClean="0"/>
-              <a:t>Website</a:t>
-            </a:r>
-            <a:endParaRPr lang="en-CA" sz="2800" dirty="0"/>
-          </a:p>
-        </p:txBody>
-      </p:sp>
       <p:pic>
         <p:nvPicPr>
-          <p:cNvPr id="2" name="Image 1"/>
+          <p:cNvPr id="4" name="Image 3"/>
           <p:cNvPicPr>
             <a:picLocks noChangeAspect="1"/>
           </p:cNvPicPr>
           <p:nvPr/>
         </p:nvPicPr>
         <p:blipFill>
-          <a:blip r:embed="rId3"/>
+          <a:blip r:embed="rId2"/>
           <a:stretch>
             <a:fillRect/>
           </a:stretch>
         </p:blipFill>
         <p:spPr>
           <a:xfrm>
-            <a:off x="2206935" y="3506060"/>
-            <a:ext cx="962526" cy="886822"/>
+            <a:off x="2273968" y="590015"/>
+            <a:ext cx="7126706" cy="6111342"/>
           </a:xfrm>
           <a:prstGeom prst="rect">
             <a:avLst/>
           </a:prstGeom>
         </p:spPr>
       </p:pic>
-      <p:pic>
-        <p:nvPicPr>
-          <p:cNvPr id="5" name="Image 4"/>
-          <p:cNvPicPr>
-            <a:picLocks noChangeAspect="1"/>
-          </p:cNvPicPr>
-          <p:nvPr/>
-        </p:nvPicPr>
-        <p:blipFill>
-          <a:blip r:embed="rId3"/>
-          <a:stretch>
-            <a:fillRect/>
-          </a:stretch>
-        </p:blipFill>
-        <p:spPr>
-          <a:xfrm>
-            <a:off x="7605104" y="3492710"/>
-            <a:ext cx="962526" cy="886822"/>
-          </a:xfrm>
-          <a:prstGeom prst="rect">
-            <a:avLst/>
-          </a:prstGeom>
-        </p:spPr>
-      </p:pic>
+      <p:sp>
+        <p:nvSpPr>
+          <p:cNvPr id="9" name="ZoneTexte 8"/>
+          <p:cNvSpPr txBox="1"/>
+          <p:nvPr/>
+        </p:nvSpPr>
+        <p:spPr>
+          <a:xfrm>
+            <a:off x="1862221" y="1917121"/>
+            <a:ext cx="1779337" cy="400110"/>
+          </a:xfrm>
+          <a:prstGeom prst="rect">
+            <a:avLst/>
+          </a:prstGeom>
+          <a:noFill/>
+        </p:spPr>
+        <p:txBody>
+          <a:bodyPr wrap="square" rtlCol="0">
+            <a:spAutoFit/>
+          </a:bodyPr>
+          <a:lstStyle/>
+          <a:p>
+            <a:r>
+              <a:rPr lang="fr-FR" sz="2000" b="1" dirty="0" smtClean="0">
+                <a:solidFill>
+                  <a:srgbClr val="FF0000"/>
+                </a:solidFill>
+              </a:rPr>
+              <a:t>Word .doc</a:t>
+            </a:r>
+          </a:p>
+        </p:txBody>
+      </p:sp>
+      <p:sp>
+        <p:nvSpPr>
+          <p:cNvPr id="10" name="ZoneTexte 9"/>
+          <p:cNvSpPr txBox="1"/>
+          <p:nvPr/>
+        </p:nvSpPr>
+        <p:spPr>
+          <a:xfrm>
+            <a:off x="8200860" y="1717066"/>
+            <a:ext cx="814803" cy="400110"/>
+          </a:xfrm>
+          <a:prstGeom prst="rect">
+            <a:avLst/>
+          </a:prstGeom>
+          <a:noFill/>
+        </p:spPr>
+        <p:txBody>
+          <a:bodyPr wrap="square" rtlCol="0">
+            <a:spAutoFit/>
+          </a:bodyPr>
+          <a:lstStyle/>
+          <a:p>
+            <a:r>
+              <a:rPr lang="fr-FR" sz="2000" b="1" dirty="0" smtClean="0">
+                <a:solidFill>
+                  <a:srgbClr val="FF0000"/>
+                </a:solidFill>
+              </a:rPr>
+              <a:t>.</a:t>
+            </a:r>
+            <a:r>
+              <a:rPr lang="fr-FR" sz="2000" b="1" dirty="0" err="1" smtClean="0">
+                <a:solidFill>
+                  <a:srgbClr val="FF0000"/>
+                </a:solidFill>
+              </a:rPr>
+              <a:t>pdf</a:t>
+            </a:r>
+            <a:endParaRPr lang="fr-FR" sz="2000" b="1" dirty="0" smtClean="0">
+              <a:solidFill>
+                <a:srgbClr val="FF0000"/>
+              </a:solidFill>
+            </a:endParaRPr>
+          </a:p>
+        </p:txBody>
+      </p:sp>
+      <p:sp>
+        <p:nvSpPr>
+          <p:cNvPr id="11" name="ZoneTexte 10"/>
+          <p:cNvSpPr txBox="1"/>
+          <p:nvPr/>
+        </p:nvSpPr>
+        <p:spPr>
+          <a:xfrm>
+            <a:off x="5273176" y="93471"/>
+            <a:ext cx="814803" cy="400110"/>
+          </a:xfrm>
+          <a:prstGeom prst="rect">
+            <a:avLst/>
+          </a:prstGeom>
+          <a:noFill/>
+        </p:spPr>
+        <p:txBody>
+          <a:bodyPr wrap="square" rtlCol="0">
+            <a:spAutoFit/>
+          </a:bodyPr>
+          <a:lstStyle/>
+          <a:p>
+            <a:r>
+              <a:rPr lang="fr-FR" sz="2000" b="1" dirty="0" smtClean="0">
+                <a:solidFill>
+                  <a:srgbClr val="FF0000"/>
+                </a:solidFill>
+              </a:rPr>
+              <a:t>Book</a:t>
+            </a:r>
+          </a:p>
+        </p:txBody>
+      </p:sp>
+      <p:sp>
+        <p:nvSpPr>
+          <p:cNvPr id="12" name="ZoneTexte 11"/>
+          <p:cNvSpPr txBox="1"/>
+          <p:nvPr/>
+        </p:nvSpPr>
+        <p:spPr>
+          <a:xfrm>
+            <a:off x="8993272" y="3333807"/>
+            <a:ext cx="1161381" cy="400110"/>
+          </a:xfrm>
+          <a:prstGeom prst="rect">
+            <a:avLst/>
+          </a:prstGeom>
+          <a:noFill/>
+        </p:spPr>
+        <p:txBody>
+          <a:bodyPr wrap="square" rtlCol="0">
+            <a:spAutoFit/>
+          </a:bodyPr>
+          <a:lstStyle/>
+          <a:p>
+            <a:r>
+              <a:rPr lang="fr-FR" sz="2000" b="1" dirty="0" smtClean="0">
+                <a:solidFill>
+                  <a:srgbClr val="FF0000"/>
+                </a:solidFill>
+              </a:rPr>
+              <a:t>Template</a:t>
+            </a:r>
+          </a:p>
+        </p:txBody>
+      </p:sp>
+      <p:sp>
+        <p:nvSpPr>
+          <p:cNvPr id="13" name="ZoneTexte 12"/>
+          <p:cNvSpPr txBox="1"/>
+          <p:nvPr/>
+        </p:nvSpPr>
+        <p:spPr>
+          <a:xfrm>
+            <a:off x="1299411" y="3333807"/>
+            <a:ext cx="1452479" cy="400110"/>
+          </a:xfrm>
+          <a:prstGeom prst="rect">
+            <a:avLst/>
+          </a:prstGeom>
+          <a:noFill/>
+        </p:spPr>
+        <p:txBody>
+          <a:bodyPr wrap="square" rtlCol="0">
+            <a:spAutoFit/>
+          </a:bodyPr>
+          <a:lstStyle/>
+          <a:p>
+            <a:r>
+              <a:rPr lang="fr-FR" sz="2000" b="1" smtClean="0">
+                <a:solidFill>
+                  <a:srgbClr val="FF0000"/>
+                </a:solidFill>
+              </a:rPr>
+              <a:t>Dashboard</a:t>
+            </a:r>
+            <a:endParaRPr lang="fr-FR" sz="2000" b="1" dirty="0" smtClean="0">
+              <a:solidFill>
+                <a:srgbClr val="FF0000"/>
+              </a:solidFill>
+            </a:endParaRPr>
+          </a:p>
+        </p:txBody>
+      </p:sp>
+      <p:sp>
+        <p:nvSpPr>
+          <p:cNvPr id="14" name="ZoneTexte 13"/>
+          <p:cNvSpPr txBox="1"/>
+          <p:nvPr/>
+        </p:nvSpPr>
+        <p:spPr>
+          <a:xfrm>
+            <a:off x="2150979" y="4817527"/>
+            <a:ext cx="1452479" cy="400110"/>
+          </a:xfrm>
+          <a:prstGeom prst="rect">
+            <a:avLst/>
+          </a:prstGeom>
+          <a:noFill/>
+        </p:spPr>
+        <p:txBody>
+          <a:bodyPr wrap="square" rtlCol="0">
+            <a:spAutoFit/>
+          </a:bodyPr>
+          <a:lstStyle/>
+          <a:p>
+            <a:r>
+              <a:rPr lang="fr-FR" sz="2000" b="1" dirty="0" smtClean="0">
+                <a:solidFill>
+                  <a:srgbClr val="FF0000"/>
+                </a:solidFill>
+              </a:rPr>
+              <a:t>Slides</a:t>
+            </a:r>
+          </a:p>
+        </p:txBody>
+      </p:sp>
+      <p:sp>
+        <p:nvSpPr>
+          <p:cNvPr id="15" name="ZoneTexte 14"/>
+          <p:cNvSpPr txBox="1"/>
+          <p:nvPr/>
+        </p:nvSpPr>
+        <p:spPr>
+          <a:xfrm>
+            <a:off x="5507288" y="6397681"/>
+            <a:ext cx="1161381" cy="400110"/>
+          </a:xfrm>
+          <a:prstGeom prst="rect">
+            <a:avLst/>
+          </a:prstGeom>
+          <a:noFill/>
+        </p:spPr>
+        <p:txBody>
+          <a:bodyPr wrap="square" rtlCol="0">
+            <a:spAutoFit/>
+          </a:bodyPr>
+          <a:lstStyle/>
+          <a:p>
+            <a:r>
+              <a:rPr lang="fr-FR" sz="2000" b="1" smtClean="0">
+                <a:solidFill>
+                  <a:srgbClr val="FF0000"/>
+                </a:solidFill>
+              </a:rPr>
+              <a:t>Blog</a:t>
+            </a:r>
+            <a:endParaRPr lang="fr-FR" sz="2000" b="1" dirty="0" smtClean="0">
+              <a:solidFill>
+                <a:srgbClr val="FF0000"/>
+              </a:solidFill>
+            </a:endParaRPr>
+          </a:p>
+        </p:txBody>
+      </p:sp>
     </p:spTree>
     <p:extLst>
       <p:ext uri="{BB962C8B-B14F-4D97-AF65-F5344CB8AC3E}">
-        <p14:creationId xmlns:p14="http://schemas.microsoft.com/office/powerpoint/2010/main" val="2015079022"/>
+        <p14:creationId xmlns:p14="http://schemas.microsoft.com/office/powerpoint/2010/main" val="341273363"/>
       </p:ext>
     </p:extLst>
   </p:cSld>
@@ -7523,108 +7451,191 @@
           <a:chExt cx="0" cy="0"/>
         </a:xfrm>
       </p:grpSpPr>
+      <p:sp>
+        <p:nvSpPr>
+          <p:cNvPr id="3" name="ZoneTexte 2"/>
+          <p:cNvSpPr txBox="1"/>
+          <p:nvPr/>
+        </p:nvSpPr>
+        <p:spPr>
+          <a:xfrm>
+            <a:off x="145140" y="109331"/>
+            <a:ext cx="9506859" cy="769441"/>
+          </a:xfrm>
+          <a:prstGeom prst="rect">
+            <a:avLst/>
+          </a:prstGeom>
+          <a:noFill/>
+        </p:spPr>
+        <p:txBody>
+          <a:bodyPr wrap="square" rtlCol="0">
+            <a:spAutoFit/>
+          </a:bodyPr>
+          <a:lstStyle/>
+          <a:p>
+            <a:r>
+              <a:rPr lang="en-CA" sz="4400" dirty="0" smtClean="0">
+                <a:solidFill>
+                  <a:schemeClr val="accent2">
+                    <a:lumMod val="75000"/>
+                  </a:schemeClr>
+                </a:solidFill>
+              </a:rPr>
+              <a:t>Share your analysis</a:t>
+            </a:r>
+            <a:endParaRPr lang="en-CA" sz="4400" dirty="0">
+              <a:solidFill>
+                <a:schemeClr val="accent2">
+                  <a:lumMod val="75000"/>
+                </a:schemeClr>
+              </a:solidFill>
+            </a:endParaRPr>
+          </a:p>
+        </p:txBody>
+      </p:sp>
+      <p:sp>
+        <p:nvSpPr>
+          <p:cNvPr id="4" name="ZoneTexte 3"/>
+          <p:cNvSpPr txBox="1"/>
+          <p:nvPr/>
+        </p:nvSpPr>
+        <p:spPr>
+          <a:xfrm>
+            <a:off x="3329882" y="1951789"/>
+            <a:ext cx="6978316" cy="3108543"/>
+          </a:xfrm>
+          <a:prstGeom prst="rect">
+            <a:avLst/>
+          </a:prstGeom>
+          <a:noFill/>
+        </p:spPr>
+        <p:txBody>
+          <a:bodyPr wrap="square" rtlCol="0">
+            <a:spAutoFit/>
+          </a:bodyPr>
+          <a:lstStyle/>
+          <a:p>
+            <a:pPr marL="285750" indent="-285750">
+              <a:buFont typeface="Arial" charset="0"/>
+              <a:buChar char="•"/>
+            </a:pPr>
+            <a:r>
+              <a:rPr lang="en-CA" sz="2800" dirty="0" smtClean="0"/>
+              <a:t>Mail with colleagues, supervisor</a:t>
+            </a:r>
+          </a:p>
+          <a:p>
+            <a:endParaRPr lang="en-CA" sz="2800" dirty="0" smtClean="0"/>
+          </a:p>
+          <a:p>
+            <a:pPr marL="285750" indent="-285750">
+              <a:buFont typeface="Arial" charset="0"/>
+              <a:buChar char="•"/>
+            </a:pPr>
+            <a:r>
+              <a:rPr lang="en-CA" sz="2800" dirty="0" smtClean="0"/>
+              <a:t>Publication as a supplementary material</a:t>
+            </a:r>
+          </a:p>
+          <a:p>
+            <a:pPr marL="285750" indent="-285750">
+              <a:buFont typeface="Arial" charset="0"/>
+              <a:buChar char="•"/>
+            </a:pPr>
+            <a:endParaRPr lang="en-CA" sz="2800" dirty="0" smtClean="0"/>
+          </a:p>
+          <a:p>
+            <a:pPr marL="285750" indent="-285750">
+              <a:buFont typeface="Arial" charset="0"/>
+              <a:buChar char="•"/>
+            </a:pPr>
+            <a:r>
+              <a:rPr lang="en-CA" sz="2800" dirty="0" err="1" smtClean="0"/>
+              <a:t>Github</a:t>
+            </a:r>
+            <a:r>
+              <a:rPr lang="en-CA" sz="2800" dirty="0" smtClean="0"/>
+              <a:t>: </a:t>
+            </a:r>
+            <a:r>
+              <a:rPr lang="en-CA" sz="2800" dirty="0" smtClean="0">
+                <a:hlinkClick r:id="rId2"/>
+              </a:rPr>
+              <a:t>www.github.com</a:t>
+            </a:r>
+            <a:r>
+              <a:rPr lang="en-CA" sz="2800" dirty="0" smtClean="0"/>
+              <a:t> </a:t>
+            </a:r>
+          </a:p>
+          <a:p>
+            <a:endParaRPr lang="en-CA" sz="2800" dirty="0" smtClean="0"/>
+          </a:p>
+          <a:p>
+            <a:pPr marL="285750" indent="-285750">
+              <a:buFont typeface="Arial" charset="0"/>
+              <a:buChar char="•"/>
+            </a:pPr>
+            <a:r>
+              <a:rPr lang="en-CA" sz="2800" dirty="0" smtClean="0"/>
+              <a:t>Website</a:t>
+            </a:r>
+            <a:endParaRPr lang="en-CA" sz="2800" dirty="0"/>
+          </a:p>
+        </p:txBody>
+      </p:sp>
       <p:pic>
         <p:nvPicPr>
-          <p:cNvPr id="8" name="Image 7"/>
+          <p:cNvPr id="2" name="Image 1"/>
           <p:cNvPicPr>
             <a:picLocks noChangeAspect="1"/>
           </p:cNvPicPr>
           <p:nvPr/>
         </p:nvPicPr>
         <p:blipFill>
-          <a:blip r:embed="rId2">
-            <a:alphaModFix amt="24000"/>
-            <a:extLst>
-              <a:ext uri="{28A0092B-C50C-407E-A947-70E740481C1C}">
-                <a14:useLocalDpi xmlns:a14="http://schemas.microsoft.com/office/drawing/2010/main" val="0"/>
-              </a:ext>
-            </a:extLst>
-          </a:blip>
+          <a:blip r:embed="rId3"/>
           <a:stretch>
             <a:fillRect/>
           </a:stretch>
         </p:blipFill>
         <p:spPr>
           <a:xfrm>
-            <a:off x="-2411662" y="16042"/>
-            <a:ext cx="17808514" cy="6858000"/>
+            <a:off x="2206935" y="3506060"/>
+            <a:ext cx="962526" cy="886822"/>
           </a:xfrm>
           <a:prstGeom prst="rect">
             <a:avLst/>
           </a:prstGeom>
         </p:spPr>
       </p:pic>
-      <p:cxnSp>
-        <p:nvCxnSpPr>
-          <p:cNvPr id="9" name="Connecteur droit 8"/>
-          <p:cNvCxnSpPr/>
-          <p:nvPr/>
-        </p:nvCxnSpPr>
-        <p:spPr>
-          <a:xfrm>
-            <a:off x="3676696" y="3686627"/>
-            <a:ext cx="4702626" cy="0"/>
-          </a:xfrm>
-          <a:prstGeom prst="line">
-            <a:avLst/>
-          </a:prstGeom>
-          <a:ln>
-            <a:solidFill>
-              <a:schemeClr val="bg2">
-                <a:lumMod val="50000"/>
-              </a:schemeClr>
-            </a:solidFill>
-          </a:ln>
-        </p:spPr>
-        <p:style>
-          <a:lnRef idx="1">
-            <a:schemeClr val="accent1"/>
-          </a:lnRef>
-          <a:fillRef idx="0">
-            <a:schemeClr val="accent1"/>
-          </a:fillRef>
-          <a:effectRef idx="0">
-            <a:schemeClr val="accent1"/>
-          </a:effectRef>
-          <a:fontRef idx="minor">
-            <a:schemeClr val="tx1"/>
-          </a:fontRef>
-        </p:style>
-      </p:cxnSp>
-      <p:sp>
-        <p:nvSpPr>
-          <p:cNvPr id="10" name="ZoneTexte 9"/>
-          <p:cNvSpPr txBox="1"/>
-          <p:nvPr/>
-        </p:nvSpPr>
-        <p:spPr>
-          <a:xfrm>
-            <a:off x="4808810" y="2798711"/>
-            <a:ext cx="4814161" cy="646331"/>
-          </a:xfrm>
-          <a:prstGeom prst="rect">
-            <a:avLst/>
-          </a:prstGeom>
-          <a:noFill/>
-        </p:spPr>
-        <p:txBody>
-          <a:bodyPr wrap="square" rtlCol="0">
-            <a:spAutoFit/>
-          </a:bodyPr>
-          <a:lstStyle/>
-          <a:p>
-            <a:r>
-              <a:rPr lang="fr-FR" sz="3600" smtClean="0"/>
-              <a:t>Example</a:t>
-            </a:r>
-            <a:endParaRPr lang="fr-FR" sz="3600" dirty="0"/>
-          </a:p>
-        </p:txBody>
-      </p:sp>
+      <p:pic>
+        <p:nvPicPr>
+          <p:cNvPr id="5" name="Image 4"/>
+          <p:cNvPicPr>
+            <a:picLocks noChangeAspect="1"/>
+          </p:cNvPicPr>
+          <p:nvPr/>
+        </p:nvPicPr>
+        <p:blipFill>
+          <a:blip r:embed="rId3"/>
+          <a:stretch>
+            <a:fillRect/>
+          </a:stretch>
+        </p:blipFill>
+        <p:spPr>
+          <a:xfrm>
+            <a:off x="7605104" y="3492710"/>
+            <a:ext cx="962526" cy="886822"/>
+          </a:xfrm>
+          <a:prstGeom prst="rect">
+            <a:avLst/>
+          </a:prstGeom>
+        </p:spPr>
+      </p:pic>
     </p:spTree>
     <p:extLst>
       <p:ext uri="{BB962C8B-B14F-4D97-AF65-F5344CB8AC3E}">
-        <p14:creationId xmlns:p14="http://schemas.microsoft.com/office/powerpoint/2010/main" val="1085065883"/>
+        <p14:creationId xmlns:p14="http://schemas.microsoft.com/office/powerpoint/2010/main" val="2015079022"/>
       </p:ext>
     </p:extLst>
   </p:cSld>
@@ -7658,6 +7669,141 @@
           <a:chExt cx="0" cy="0"/>
         </a:xfrm>
       </p:grpSpPr>
+      <p:pic>
+        <p:nvPicPr>
+          <p:cNvPr id="8" name="Image 7"/>
+          <p:cNvPicPr>
+            <a:picLocks noChangeAspect="1"/>
+          </p:cNvPicPr>
+          <p:nvPr/>
+        </p:nvPicPr>
+        <p:blipFill>
+          <a:blip r:embed="rId2">
+            <a:alphaModFix amt="24000"/>
+            <a:extLst>
+              <a:ext uri="{28A0092B-C50C-407E-A947-70E740481C1C}">
+                <a14:useLocalDpi xmlns:a14="http://schemas.microsoft.com/office/drawing/2010/main" val="0"/>
+              </a:ext>
+            </a:extLst>
+          </a:blip>
+          <a:stretch>
+            <a:fillRect/>
+          </a:stretch>
+        </p:blipFill>
+        <p:spPr>
+          <a:xfrm>
+            <a:off x="-2411662" y="16042"/>
+            <a:ext cx="17808514" cy="6858000"/>
+          </a:xfrm>
+          <a:prstGeom prst="rect">
+            <a:avLst/>
+          </a:prstGeom>
+        </p:spPr>
+      </p:pic>
+      <p:cxnSp>
+        <p:nvCxnSpPr>
+          <p:cNvPr id="9" name="Connecteur droit 8"/>
+          <p:cNvCxnSpPr/>
+          <p:nvPr/>
+        </p:nvCxnSpPr>
+        <p:spPr>
+          <a:xfrm>
+            <a:off x="3676696" y="3686627"/>
+            <a:ext cx="4702626" cy="0"/>
+          </a:xfrm>
+          <a:prstGeom prst="line">
+            <a:avLst/>
+          </a:prstGeom>
+          <a:ln>
+            <a:solidFill>
+              <a:schemeClr val="bg2">
+                <a:lumMod val="50000"/>
+              </a:schemeClr>
+            </a:solidFill>
+          </a:ln>
+        </p:spPr>
+        <p:style>
+          <a:lnRef idx="1">
+            <a:schemeClr val="accent1"/>
+          </a:lnRef>
+          <a:fillRef idx="0">
+            <a:schemeClr val="accent1"/>
+          </a:fillRef>
+          <a:effectRef idx="0">
+            <a:schemeClr val="accent1"/>
+          </a:effectRef>
+          <a:fontRef idx="minor">
+            <a:schemeClr val="tx1"/>
+          </a:fontRef>
+        </p:style>
+      </p:cxnSp>
+      <p:sp>
+        <p:nvSpPr>
+          <p:cNvPr id="10" name="ZoneTexte 9"/>
+          <p:cNvSpPr txBox="1"/>
+          <p:nvPr/>
+        </p:nvSpPr>
+        <p:spPr>
+          <a:xfrm>
+            <a:off x="4808810" y="2798711"/>
+            <a:ext cx="4814161" cy="646331"/>
+          </a:xfrm>
+          <a:prstGeom prst="rect">
+            <a:avLst/>
+          </a:prstGeom>
+          <a:noFill/>
+        </p:spPr>
+        <p:txBody>
+          <a:bodyPr wrap="square" rtlCol="0">
+            <a:spAutoFit/>
+          </a:bodyPr>
+          <a:lstStyle/>
+          <a:p>
+            <a:r>
+              <a:rPr lang="fr-FR" sz="3600" smtClean="0"/>
+              <a:t>Example</a:t>
+            </a:r>
+            <a:endParaRPr lang="fr-FR" sz="3600" dirty="0"/>
+          </a:p>
+        </p:txBody>
+      </p:sp>
+    </p:spTree>
+    <p:extLst>
+      <p:ext uri="{BB962C8B-B14F-4D97-AF65-F5344CB8AC3E}">
+        <p14:creationId xmlns:p14="http://schemas.microsoft.com/office/powerpoint/2010/main" val="1085065883"/>
+      </p:ext>
+    </p:extLst>
+  </p:cSld>
+  <p:clrMapOvr>
+    <a:masterClrMapping/>
+  </p:clrMapOvr>
+  <p:timing>
+    <p:tnLst>
+      <p:par>
+        <p:cTn id="1" dur="indefinite" restart="never" nodeType="tmRoot"/>
+      </p:par>
+    </p:tnLst>
+  </p:timing>
+</p:sld>
+</file>
+
+<file path=ppt/slides/slide27.xml><?xml version="1.0" encoding="utf-8"?>
+<p:sld xmlns:a="http://schemas.openxmlformats.org/drawingml/2006/main" xmlns:r="http://schemas.openxmlformats.org/officeDocument/2006/relationships" xmlns:p="http://schemas.openxmlformats.org/presentationml/2006/main">
+  <p:cSld>
+    <p:spTree>
+      <p:nvGrpSpPr>
+        <p:cNvPr id="1" name=""/>
+        <p:cNvGrpSpPr/>
+        <p:nvPr/>
+      </p:nvGrpSpPr>
+      <p:grpSpPr>
+        <a:xfrm>
+          <a:off x="0" y="0"/>
+          <a:ext cx="0" cy="0"/>
+          <a:chOff x="0" y="0"/>
+          <a:chExt cx="0" cy="0"/>
+        </a:xfrm>
+      </p:grpSpPr>
       <p:sp>
         <p:nvSpPr>
           <p:cNvPr id="3" name="ZoneTexte 2"/>
@@ -7865,7 +8011,7 @@
 </p:sld>
 </file>
 
-<file path=ppt/slides/slide27.xml><?xml version="1.0" encoding="utf-8"?>
+<file path=ppt/slides/slide28.xml><?xml version="1.0" encoding="utf-8"?>
 <p:sld xmlns:a="http://schemas.openxmlformats.org/drawingml/2006/main" xmlns:r="http://schemas.openxmlformats.org/officeDocument/2006/relationships" xmlns:p="http://schemas.openxmlformats.org/presentationml/2006/main">
   <p:cSld>
     <p:spTree>
@@ -8511,9 +8657,305 @@
           <a:chExt cx="0" cy="0"/>
         </a:xfrm>
       </p:grpSpPr>
+      <p:sp>
+        <p:nvSpPr>
+          <p:cNvPr id="2" name="ZoneTexte 1"/>
+          <p:cNvSpPr txBox="1"/>
+          <p:nvPr/>
+        </p:nvSpPr>
+        <p:spPr>
+          <a:xfrm>
+            <a:off x="808138" y="930746"/>
+            <a:ext cx="10194990" cy="2062103"/>
+          </a:xfrm>
+          <a:prstGeom prst="rect">
+            <a:avLst/>
+          </a:prstGeom>
+          <a:noFill/>
+        </p:spPr>
+        <p:txBody>
+          <a:bodyPr wrap="square" rtlCol="0">
+            <a:spAutoFit/>
+          </a:bodyPr>
+          <a:lstStyle/>
+          <a:p>
+            <a:pPr algn="ctr"/>
+            <a:r>
+              <a:rPr lang="fr-FR" sz="3200" dirty="0" smtClean="0">
+                <a:solidFill>
+                  <a:schemeClr val="tx1">
+                    <a:alpha val="14000"/>
+                  </a:schemeClr>
+                </a:solidFill>
+              </a:rPr>
+              <a:t>«  </a:t>
+            </a:r>
+            <a:r>
+              <a:rPr lang="fr-FR" sz="3200" dirty="0" err="1" smtClean="0">
+                <a:solidFill>
+                  <a:schemeClr val="tx1">
+                    <a:alpha val="14000"/>
+                  </a:schemeClr>
+                </a:solidFill>
+              </a:rPr>
+              <a:t>GitHub</a:t>
+            </a:r>
+            <a:r>
+              <a:rPr lang="fr-FR" sz="3200" dirty="0" smtClean="0">
+                <a:solidFill>
+                  <a:schemeClr val="tx1">
+                    <a:alpha val="14000"/>
+                  </a:schemeClr>
+                </a:solidFill>
+              </a:rPr>
+              <a:t> </a:t>
+            </a:r>
+            <a:r>
+              <a:rPr lang="fr-FR" sz="3200" dirty="0" err="1">
+                <a:solidFill>
+                  <a:schemeClr val="tx1">
+                    <a:alpha val="14000"/>
+                  </a:schemeClr>
+                </a:solidFill>
+              </a:rPr>
+              <a:t>is</a:t>
+            </a:r>
+            <a:r>
+              <a:rPr lang="fr-FR" sz="3200" dirty="0">
+                <a:solidFill>
+                  <a:schemeClr val="tx1">
+                    <a:alpha val="14000"/>
+                  </a:schemeClr>
+                </a:solidFill>
+              </a:rPr>
+              <a:t> a code </a:t>
+            </a:r>
+            <a:r>
+              <a:rPr lang="fr-FR" sz="3200" dirty="0" err="1">
+                <a:solidFill>
+                  <a:schemeClr val="tx1">
+                    <a:alpha val="14000"/>
+                  </a:schemeClr>
+                </a:solidFill>
+              </a:rPr>
+              <a:t>hosting</a:t>
+            </a:r>
+            <a:r>
+              <a:rPr lang="fr-FR" sz="3200" dirty="0">
+                <a:solidFill>
+                  <a:schemeClr val="tx1">
+                    <a:alpha val="14000"/>
+                  </a:schemeClr>
+                </a:solidFill>
+              </a:rPr>
+              <a:t> </a:t>
+            </a:r>
+            <a:r>
+              <a:rPr lang="fr-FR" sz="3200" dirty="0" err="1">
+                <a:solidFill>
+                  <a:schemeClr val="tx1">
+                    <a:alpha val="14000"/>
+                  </a:schemeClr>
+                </a:solidFill>
+              </a:rPr>
+              <a:t>platform</a:t>
+            </a:r>
+            <a:r>
+              <a:rPr lang="fr-FR" sz="3200" dirty="0">
+                <a:solidFill>
+                  <a:schemeClr val="tx1">
+                    <a:alpha val="14000"/>
+                  </a:schemeClr>
+                </a:solidFill>
+              </a:rPr>
+              <a:t> for version control and collaboration. It </a:t>
+            </a:r>
+            <a:r>
+              <a:rPr lang="fr-FR" sz="3200" dirty="0" err="1">
+                <a:solidFill>
+                  <a:schemeClr val="tx1">
+                    <a:alpha val="14000"/>
+                  </a:schemeClr>
+                </a:solidFill>
+              </a:rPr>
+              <a:t>lets</a:t>
+            </a:r>
+            <a:r>
+              <a:rPr lang="fr-FR" sz="3200" dirty="0">
+                <a:solidFill>
+                  <a:schemeClr val="tx1">
+                    <a:alpha val="14000"/>
+                  </a:schemeClr>
+                </a:solidFill>
+              </a:rPr>
+              <a:t> </a:t>
+            </a:r>
+            <a:r>
+              <a:rPr lang="fr-FR" sz="3200" dirty="0" err="1">
+                <a:solidFill>
+                  <a:schemeClr val="tx1">
+                    <a:alpha val="14000"/>
+                  </a:schemeClr>
+                </a:solidFill>
+              </a:rPr>
+              <a:t>you</a:t>
+            </a:r>
+            <a:r>
+              <a:rPr lang="fr-FR" sz="3200" dirty="0">
+                <a:solidFill>
+                  <a:schemeClr val="tx1">
+                    <a:alpha val="14000"/>
+                  </a:schemeClr>
+                </a:solidFill>
+              </a:rPr>
+              <a:t> and </a:t>
+            </a:r>
+            <a:r>
+              <a:rPr lang="fr-FR" sz="3200" dirty="0" err="1">
+                <a:solidFill>
+                  <a:schemeClr val="tx1">
+                    <a:alpha val="14000"/>
+                  </a:schemeClr>
+                </a:solidFill>
+              </a:rPr>
+              <a:t>others</a:t>
+            </a:r>
+            <a:r>
+              <a:rPr lang="fr-FR" sz="3200" dirty="0">
+                <a:solidFill>
+                  <a:schemeClr val="tx1">
+                    <a:alpha val="14000"/>
+                  </a:schemeClr>
+                </a:solidFill>
+              </a:rPr>
+              <a:t> </a:t>
+            </a:r>
+            <a:r>
+              <a:rPr lang="fr-FR" sz="3200" dirty="0" err="1">
+                <a:solidFill>
+                  <a:schemeClr val="tx1">
+                    <a:alpha val="14000"/>
+                  </a:schemeClr>
+                </a:solidFill>
+              </a:rPr>
+              <a:t>work</a:t>
+            </a:r>
+            <a:r>
+              <a:rPr lang="fr-FR" sz="3200" dirty="0">
+                <a:solidFill>
+                  <a:schemeClr val="tx1">
+                    <a:alpha val="14000"/>
+                  </a:schemeClr>
+                </a:solidFill>
+              </a:rPr>
+              <a:t> </a:t>
+            </a:r>
+            <a:r>
+              <a:rPr lang="fr-FR" sz="3200" dirty="0" err="1">
+                <a:solidFill>
+                  <a:schemeClr val="tx1">
+                    <a:alpha val="14000"/>
+                  </a:schemeClr>
+                </a:solidFill>
+              </a:rPr>
+              <a:t>together</a:t>
+            </a:r>
+            <a:r>
+              <a:rPr lang="fr-FR" sz="3200" dirty="0">
+                <a:solidFill>
+                  <a:schemeClr val="tx1">
+                    <a:alpha val="14000"/>
+                  </a:schemeClr>
+                </a:solidFill>
+              </a:rPr>
+              <a:t> on </a:t>
+            </a:r>
+            <a:r>
+              <a:rPr lang="fr-FR" sz="3200" dirty="0" err="1">
+                <a:solidFill>
+                  <a:schemeClr val="tx1">
+                    <a:alpha val="14000"/>
+                  </a:schemeClr>
+                </a:solidFill>
+              </a:rPr>
+              <a:t>projects</a:t>
+            </a:r>
+            <a:r>
+              <a:rPr lang="fr-FR" sz="3200" dirty="0">
+                <a:solidFill>
+                  <a:schemeClr val="tx1">
+                    <a:alpha val="14000"/>
+                  </a:schemeClr>
+                </a:solidFill>
+              </a:rPr>
+              <a:t> </a:t>
+            </a:r>
+            <a:r>
+              <a:rPr lang="fr-FR" sz="3200" dirty="0" err="1">
+                <a:solidFill>
+                  <a:schemeClr val="tx1">
+                    <a:alpha val="14000"/>
+                  </a:schemeClr>
+                </a:solidFill>
+              </a:rPr>
+              <a:t>from</a:t>
+            </a:r>
+            <a:r>
+              <a:rPr lang="fr-FR" sz="3200" dirty="0">
+                <a:solidFill>
+                  <a:schemeClr val="tx1">
+                    <a:alpha val="14000"/>
+                  </a:schemeClr>
+                </a:solidFill>
+              </a:rPr>
+              <a:t> </a:t>
+            </a:r>
+            <a:r>
+              <a:rPr lang="fr-FR" sz="3200" dirty="0" err="1" smtClean="0">
+                <a:solidFill>
+                  <a:schemeClr val="tx1">
+                    <a:alpha val="14000"/>
+                  </a:schemeClr>
+                </a:solidFill>
+              </a:rPr>
+              <a:t>anywhere</a:t>
+            </a:r>
+            <a:r>
+              <a:rPr lang="fr-FR" sz="3200" dirty="0" smtClean="0">
+                <a:solidFill>
+                  <a:schemeClr val="tx1">
+                    <a:alpha val="14000"/>
+                  </a:schemeClr>
+                </a:solidFill>
+              </a:rPr>
+              <a:t>  »</a:t>
+            </a:r>
+            <a:endParaRPr lang="en-CA" sz="3200" dirty="0" smtClean="0">
+              <a:solidFill>
+                <a:schemeClr val="tx1">
+                  <a:alpha val="14000"/>
+                </a:schemeClr>
+              </a:solidFill>
+            </a:endParaRPr>
+          </a:p>
+          <a:p>
+            <a:pPr marL="457200" indent="-457200" algn="ctr">
+              <a:buFont typeface="Arial" charset="0"/>
+              <a:buChar char="•"/>
+            </a:pPr>
+            <a:endParaRPr lang="en-CA" sz="3200" dirty="0" smtClean="0">
+              <a:solidFill>
+                <a:schemeClr val="tx1">
+                  <a:alpha val="14000"/>
+                </a:schemeClr>
+              </a:solidFill>
+            </a:endParaRPr>
+          </a:p>
+        </p:txBody>
+      </p:sp>
       <p:pic>
         <p:nvPicPr>
-          <p:cNvPr id="8" name="Image 7"/>
+          <p:cNvPr id="6" name="Image 5"/>
           <p:cNvPicPr>
             <a:picLocks noChangeAspect="1"/>
           </p:cNvPicPr>
@@ -8521,7 +8963,6 @@
         </p:nvPicPr>
         <p:blipFill>
           <a:blip r:embed="rId2">
-            <a:alphaModFix amt="24000"/>
             <a:extLst>
               <a:ext uri="{28A0092B-C50C-407E-A947-70E740481C1C}">
                 <a14:useLocalDpi xmlns:a14="http://schemas.microsoft.com/office/drawing/2010/main" val="0"/>
@@ -8534,34 +8975,74 @@
         </p:blipFill>
         <p:spPr>
           <a:xfrm>
-            <a:off x="-2411662" y="16042"/>
-            <a:ext cx="17808514" cy="6858000"/>
+            <a:off x="4822257" y="3243106"/>
+            <a:ext cx="1656615" cy="1656615"/>
           </a:xfrm>
           <a:prstGeom prst="rect">
             <a:avLst/>
           </a:prstGeom>
         </p:spPr>
       </p:pic>
+      <p:sp>
+        <p:nvSpPr>
+          <p:cNvPr id="7" name="Rectangle 6"/>
+          <p:cNvSpPr/>
+          <p:nvPr/>
+        </p:nvSpPr>
+        <p:spPr>
+          <a:xfrm>
+            <a:off x="5007727" y="5149978"/>
+            <a:ext cx="1285673" cy="369332"/>
+          </a:xfrm>
+          <a:prstGeom prst="rect">
+            <a:avLst/>
+          </a:prstGeom>
+        </p:spPr>
+        <p:txBody>
+          <a:bodyPr wrap="none">
+            <a:spAutoFit/>
+          </a:bodyPr>
+          <a:lstStyle/>
+          <a:p>
+            <a:r>
+              <a:rPr lang="fr-FR" smtClean="0">
+                <a:solidFill>
+                  <a:schemeClr val="tx1">
+                    <a:alpha val="24000"/>
+                  </a:schemeClr>
+                </a:solidFill>
+              </a:rPr>
+              <a:t>Github.com</a:t>
+            </a:r>
+            <a:endParaRPr lang="en-AU" dirty="0">
+              <a:solidFill>
+                <a:schemeClr val="tx1">
+                  <a:alpha val="24000"/>
+                </a:schemeClr>
+              </a:solidFill>
+            </a:endParaRPr>
+          </a:p>
+        </p:txBody>
+      </p:sp>
       <p:cxnSp>
         <p:nvCxnSpPr>
-          <p:cNvPr id="9" name="Connecteur droit 8"/>
+          <p:cNvPr id="5" name="Connecteur droit avec flèche 4"/>
           <p:cNvCxnSpPr/>
           <p:nvPr/>
         </p:nvCxnSpPr>
         <p:spPr>
-          <a:xfrm>
-            <a:off x="3676696" y="3686627"/>
-            <a:ext cx="4702626" cy="0"/>
-          </a:xfrm>
-          <a:prstGeom prst="line">
-            <a:avLst/>
-          </a:prstGeom>
-          <a:ln>
+          <a:xfrm flipH="1">
+            <a:off x="3321621" y="4045611"/>
+            <a:ext cx="775594" cy="0"/>
+          </a:xfrm>
+          <a:prstGeom prst="straightConnector1">
+            <a:avLst/>
+          </a:prstGeom>
+          <a:ln w="34925">
             <a:solidFill>
-              <a:schemeClr val="bg2">
-                <a:lumMod val="50000"/>
-              </a:schemeClr>
+              <a:srgbClr val="FF0000"/>
             </a:solidFill>
+            <a:tailEnd type="triangle"/>
           </a:ln>
         </p:spPr>
         <p:style>
@@ -8581,42 +9062,118 @@
       </p:cxnSp>
       <p:sp>
         <p:nvSpPr>
-          <p:cNvPr id="10" name="ZoneTexte 9"/>
-          <p:cNvSpPr txBox="1"/>
-          <p:nvPr/>
-        </p:nvSpPr>
-        <p:spPr>
-          <a:xfrm>
-            <a:off x="3850867" y="2831940"/>
-            <a:ext cx="4814161" cy="646331"/>
-          </a:xfrm>
-          <a:prstGeom prst="rect">
-            <a:avLst/>
-          </a:prstGeom>
-          <a:noFill/>
-        </p:spPr>
-        <p:txBody>
-          <a:bodyPr wrap="square" rtlCol="0">
+          <p:cNvPr id="8" name="Rectangle 7"/>
+          <p:cNvSpPr/>
+          <p:nvPr/>
+        </p:nvSpPr>
+        <p:spPr>
+          <a:xfrm>
+            <a:off x="1077195" y="3779608"/>
+            <a:ext cx="2068580" cy="461665"/>
+          </a:xfrm>
+          <a:prstGeom prst="rect">
+            <a:avLst/>
+          </a:prstGeom>
+        </p:spPr>
+        <p:txBody>
+          <a:bodyPr wrap="none">
             <a:spAutoFit/>
           </a:bodyPr>
           <a:lstStyle/>
           <a:p>
             <a:r>
-              <a:rPr lang="fr-FR" sz="3600" dirty="0" smtClean="0"/>
-              <a:t>Most </a:t>
-            </a:r>
-            <a:r>
-              <a:rPr lang="fr-FR" sz="3600" smtClean="0"/>
-              <a:t>Basic Document</a:t>
-            </a:r>
-            <a:endParaRPr lang="fr-FR" sz="3600" dirty="0"/>
+              <a:rPr lang="fr-FR" sz="2400" dirty="0" smtClean="0"/>
+              <a:t>Host </a:t>
+            </a:r>
+            <a:r>
+              <a:rPr lang="fr-FR" sz="2400" dirty="0" err="1" smtClean="0"/>
+              <a:t>your</a:t>
+            </a:r>
+            <a:r>
+              <a:rPr lang="fr-FR" sz="2400" dirty="0" smtClean="0"/>
+              <a:t> code</a:t>
+            </a:r>
+            <a:endParaRPr lang="en-AU" sz="2400" dirty="0"/>
+          </a:p>
+        </p:txBody>
+      </p:sp>
+      <p:cxnSp>
+        <p:nvCxnSpPr>
+          <p:cNvPr id="9" name="Connecteur droit avec flèche 8"/>
+          <p:cNvCxnSpPr/>
+          <p:nvPr/>
+        </p:nvCxnSpPr>
+        <p:spPr>
+          <a:xfrm flipH="1">
+            <a:off x="3818324" y="4613656"/>
+            <a:ext cx="557782" cy="402771"/>
+          </a:xfrm>
+          <a:prstGeom prst="straightConnector1">
+            <a:avLst/>
+          </a:prstGeom>
+          <a:ln w="34925">
+            <a:solidFill>
+              <a:srgbClr val="FF0000"/>
+            </a:solidFill>
+            <a:tailEnd type="triangle"/>
+          </a:ln>
+        </p:spPr>
+        <p:style>
+          <a:lnRef idx="1">
+            <a:schemeClr val="accent1"/>
+          </a:lnRef>
+          <a:fillRef idx="0">
+            <a:schemeClr val="accent1"/>
+          </a:fillRef>
+          <a:effectRef idx="0">
+            <a:schemeClr val="accent1"/>
+          </a:effectRef>
+          <a:fontRef idx="minor">
+            <a:schemeClr val="tx1"/>
+          </a:fontRef>
+        </p:style>
+      </p:cxnSp>
+      <p:sp>
+        <p:nvSpPr>
+          <p:cNvPr id="10" name="Rectangle 9"/>
+          <p:cNvSpPr/>
+          <p:nvPr/>
+        </p:nvSpPr>
+        <p:spPr>
+          <a:xfrm>
+            <a:off x="1356866" y="4832370"/>
+            <a:ext cx="2202654" cy="461665"/>
+          </a:xfrm>
+          <a:prstGeom prst="rect">
+            <a:avLst/>
+          </a:prstGeom>
+        </p:spPr>
+        <p:txBody>
+          <a:bodyPr wrap="none">
+            <a:spAutoFit/>
+          </a:bodyPr>
+          <a:lstStyle/>
+          <a:p>
+            <a:r>
+              <a:rPr lang="fr-FR" sz="2400" dirty="0" smtClean="0"/>
+              <a:t>Share </a:t>
+            </a:r>
+            <a:r>
+              <a:rPr lang="fr-FR" sz="2400" dirty="0" err="1" smtClean="0"/>
+              <a:t>your</a:t>
+            </a:r>
+            <a:r>
+              <a:rPr lang="fr-FR" sz="2400" smtClean="0"/>
+              <a:t> code</a:t>
+            </a:r>
+            <a:endParaRPr lang="en-AU" sz="2400" dirty="0"/>
           </a:p>
         </p:txBody>
       </p:sp>
     </p:spTree>
     <p:extLst>
       <p:ext uri="{BB962C8B-B14F-4D97-AF65-F5344CB8AC3E}">
-        <p14:creationId xmlns:p14="http://schemas.microsoft.com/office/powerpoint/2010/main" val="1611368735"/>
+        <p14:creationId xmlns:p14="http://schemas.microsoft.com/office/powerpoint/2010/main" val="1080794389"/>
       </p:ext>
     </p:extLst>
   </p:cSld>
@@ -8652,38 +9209,82 @@
       </p:grpSpPr>
       <p:pic>
         <p:nvPicPr>
-          <p:cNvPr id="2" name="Image 1"/>
+          <p:cNvPr id="8" name="Image 7"/>
           <p:cNvPicPr>
             <a:picLocks noChangeAspect="1"/>
           </p:cNvPicPr>
           <p:nvPr/>
         </p:nvPicPr>
         <p:blipFill>
-          <a:blip r:embed="rId2"/>
+          <a:blip r:embed="rId2">
+            <a:alphaModFix amt="24000"/>
+            <a:extLst>
+              <a:ext uri="{28A0092B-C50C-407E-A947-70E740481C1C}">
+                <a14:useLocalDpi xmlns:a14="http://schemas.microsoft.com/office/drawing/2010/main" val="0"/>
+              </a:ext>
+            </a:extLst>
+          </a:blip>
           <a:stretch>
             <a:fillRect/>
           </a:stretch>
         </p:blipFill>
         <p:spPr>
           <a:xfrm>
-            <a:off x="3222171" y="3130559"/>
-            <a:ext cx="5863771" cy="3350070"/>
+            <a:off x="-2411662" y="16042"/>
+            <a:ext cx="17808514" cy="6858000"/>
           </a:xfrm>
           <a:prstGeom prst="rect">
             <a:avLst/>
           </a:prstGeom>
         </p:spPr>
       </p:pic>
-      <p:sp>
-        <p:nvSpPr>
-          <p:cNvPr id="3" name="ZoneTexte 2"/>
+      <p:cxnSp>
+        <p:nvCxnSpPr>
+          <p:cNvPr id="9" name="Connecteur droit 8"/>
+          <p:cNvCxnSpPr/>
+          <p:nvPr/>
+        </p:nvCxnSpPr>
+        <p:spPr>
+          <a:xfrm>
+            <a:off x="3676696" y="3686627"/>
+            <a:ext cx="4702626" cy="0"/>
+          </a:xfrm>
+          <a:prstGeom prst="line">
+            <a:avLst/>
+          </a:prstGeom>
+          <a:ln>
+            <a:solidFill>
+              <a:schemeClr val="bg2">
+                <a:lumMod val="50000"/>
+              </a:schemeClr>
+            </a:solidFill>
+          </a:ln>
+        </p:spPr>
+        <p:style>
+          <a:lnRef idx="1">
+            <a:schemeClr val="accent1"/>
+          </a:lnRef>
+          <a:fillRef idx="0">
+            <a:schemeClr val="accent1"/>
+          </a:fillRef>
+          <a:effectRef idx="0">
+            <a:schemeClr val="accent1"/>
+          </a:effectRef>
+          <a:fontRef idx="minor">
+            <a:schemeClr val="tx1"/>
+          </a:fontRef>
+        </p:style>
+      </p:cxnSp>
+      <p:sp>
+        <p:nvSpPr>
+          <p:cNvPr id="10" name="ZoneTexte 9"/>
           <p:cNvSpPr txBox="1"/>
           <p:nvPr/>
         </p:nvSpPr>
         <p:spPr>
           <a:xfrm>
-            <a:off x="145140" y="109331"/>
-            <a:ext cx="9506859" cy="2739211"/>
+            <a:off x="4187751" y="2798711"/>
+            <a:ext cx="4814161" cy="646331"/>
           </a:xfrm>
           <a:prstGeom prst="rect">
             <a:avLst/>
@@ -8697,73 +9298,25 @@
           <a:lstStyle/>
           <a:p>
             <a:r>
-              <a:rPr lang="en-CA" sz="4400" dirty="0" smtClean="0">
-                <a:solidFill>
-                  <a:schemeClr val="accent2">
-                    <a:lumMod val="75000"/>
-                  </a:schemeClr>
-                </a:solidFill>
-              </a:rPr>
-              <a:t>1 - Open </a:t>
-            </a:r>
-            <a:r>
-              <a:rPr lang="en-CA" sz="4400" dirty="0">
-                <a:solidFill>
-                  <a:schemeClr val="accent2">
-                    <a:lumMod val="75000"/>
-                  </a:schemeClr>
-                </a:solidFill>
-              </a:rPr>
-              <a:t>R studio:</a:t>
-            </a:r>
-          </a:p>
-          <a:p>
-            <a:endParaRPr lang="en-CA" sz="3200" dirty="0" smtClean="0"/>
-          </a:p>
-          <a:p>
-            <a:pPr marL="914400" lvl="1" indent="-457200">
-              <a:buFont typeface="Arial" charset="0"/>
-              <a:buChar char="•"/>
-            </a:pPr>
-            <a:r>
-              <a:rPr lang="en-CA" sz="3200" dirty="0" smtClean="0"/>
-              <a:t>User Friendly environment</a:t>
-            </a:r>
-          </a:p>
-          <a:p>
-            <a:pPr marL="914400" lvl="1" indent="-457200">
-              <a:buFont typeface="Arial" charset="0"/>
-              <a:buChar char="•"/>
-            </a:pPr>
-            <a:r>
-              <a:rPr lang="en-CA" sz="3200" dirty="0" smtClean="0"/>
-              <a:t>Auto completion</a:t>
-            </a:r>
-          </a:p>
-          <a:p>
-            <a:pPr marL="914400" lvl="1" indent="-457200">
-              <a:buFont typeface="Arial" charset="0"/>
-              <a:buChar char="•"/>
-            </a:pPr>
-            <a:r>
-              <a:rPr lang="en-CA" sz="3200" dirty="0" smtClean="0"/>
-              <a:t>Run a line of code with </a:t>
-            </a:r>
-            <a:r>
-              <a:rPr lang="en-CA" sz="3200" dirty="0" err="1" smtClean="0"/>
-              <a:t>Cmd</a:t>
-            </a:r>
-            <a:r>
-              <a:rPr lang="en-CA" sz="3200" dirty="0" smtClean="0"/>
-              <a:t> + Enter</a:t>
-            </a:r>
+              <a:rPr lang="fr-FR" sz="3600" dirty="0" err="1" smtClean="0"/>
+              <a:t>Create</a:t>
+            </a:r>
+            <a:r>
+              <a:rPr lang="fr-FR" sz="3600" dirty="0" smtClean="0"/>
+              <a:t> an </a:t>
+            </a:r>
+            <a:r>
+              <a:rPr lang="fr-FR" sz="3600" dirty="0" err="1" smtClean="0"/>
+              <a:t>account</a:t>
+            </a:r>
+            <a:endParaRPr lang="fr-FR" sz="3600" dirty="0"/>
           </a:p>
         </p:txBody>
       </p:sp>
     </p:spTree>
     <p:extLst>
       <p:ext uri="{BB962C8B-B14F-4D97-AF65-F5344CB8AC3E}">
-        <p14:creationId xmlns:p14="http://schemas.microsoft.com/office/powerpoint/2010/main" val="2078475957"/>
+        <p14:creationId xmlns:p14="http://schemas.microsoft.com/office/powerpoint/2010/main" val="1611368735"/>
       </p:ext>
     </p:extLst>
   </p:cSld>
@@ -8797,91 +9350,9 @@
           <a:chExt cx="0" cy="0"/>
         </a:xfrm>
       </p:grpSpPr>
-      <p:sp>
-        <p:nvSpPr>
-          <p:cNvPr id="2" name="ZoneTexte 1"/>
-          <p:cNvSpPr txBox="1"/>
-          <p:nvPr/>
-        </p:nvSpPr>
-        <p:spPr>
-          <a:xfrm>
-            <a:off x="145140" y="109331"/>
-            <a:ext cx="9506859" cy="769441"/>
-          </a:xfrm>
-          <a:prstGeom prst="rect">
-            <a:avLst/>
-          </a:prstGeom>
-          <a:noFill/>
-        </p:spPr>
-        <p:txBody>
-          <a:bodyPr wrap="square" rtlCol="0">
-            <a:spAutoFit/>
-          </a:bodyPr>
-          <a:lstStyle/>
-          <a:p>
-            <a:r>
-              <a:rPr lang="en-CA" sz="4400" dirty="0" smtClean="0">
-                <a:solidFill>
-                  <a:schemeClr val="accent2">
-                    <a:lumMod val="75000"/>
-                  </a:schemeClr>
-                </a:solidFill>
-              </a:rPr>
-              <a:t>2 - Open </a:t>
-            </a:r>
-            <a:r>
-              <a:rPr lang="en-CA" sz="4400" dirty="0">
-                <a:solidFill>
-                  <a:schemeClr val="accent2">
-                    <a:lumMod val="75000"/>
-                  </a:schemeClr>
-                </a:solidFill>
-              </a:rPr>
-              <a:t>a .</a:t>
-            </a:r>
-            <a:r>
-              <a:rPr lang="en-CA" sz="4400" dirty="0" err="1">
-                <a:solidFill>
-                  <a:schemeClr val="accent2">
-                    <a:lumMod val="75000"/>
-                  </a:schemeClr>
-                </a:solidFill>
-              </a:rPr>
-              <a:t>Rmd</a:t>
-            </a:r>
-            <a:r>
-              <a:rPr lang="en-CA" sz="4400" dirty="0">
-                <a:solidFill>
-                  <a:schemeClr val="accent2">
-                    <a:lumMod val="75000"/>
-                  </a:schemeClr>
-                </a:solidFill>
-              </a:rPr>
-              <a:t> </a:t>
-            </a:r>
-            <a:r>
-              <a:rPr lang="en-CA" sz="4400" dirty="0" smtClean="0">
-                <a:solidFill>
-                  <a:schemeClr val="accent2">
-                    <a:lumMod val="75000"/>
-                  </a:schemeClr>
-                </a:solidFill>
-              </a:rPr>
-              <a:t>file:</a:t>
-            </a:r>
-            <a:endParaRPr lang="en-CA" sz="4400" dirty="0">
-              <a:solidFill>
-                <a:schemeClr val="accent2">
-                  <a:lumMod val="75000"/>
-                </a:schemeClr>
-              </a:solidFill>
-            </a:endParaRPr>
-          </a:p>
-        </p:txBody>
-      </p:sp>
       <p:pic>
         <p:nvPicPr>
-          <p:cNvPr id="3" name="Image 2"/>
+          <p:cNvPr id="2" name="Image 1"/>
           <p:cNvPicPr>
             <a:picLocks noChangeAspect="1"/>
           </p:cNvPicPr>
@@ -8895,52 +9366,104 @@
         </p:blipFill>
         <p:spPr>
           <a:xfrm>
-            <a:off x="145140" y="1052759"/>
-            <a:ext cx="7520151" cy="3461657"/>
-          </a:xfrm>
-          <a:prstGeom prst="rect">
-            <a:avLst/>
-          </a:prstGeom>
-          <a:ln w="34925">
-            <a:solidFill>
-              <a:schemeClr val="tx1"/>
-            </a:solidFill>
-          </a:ln>
+            <a:off x="3222171" y="3130559"/>
+            <a:ext cx="5863771" cy="3350070"/>
+          </a:xfrm>
+          <a:prstGeom prst="rect">
+            <a:avLst/>
+          </a:prstGeom>
         </p:spPr>
       </p:pic>
-      <p:pic>
-        <p:nvPicPr>
-          <p:cNvPr id="4" name="Image 3"/>
-          <p:cNvPicPr>
-            <a:picLocks noChangeAspect="1"/>
-          </p:cNvPicPr>
-          <p:nvPr/>
-        </p:nvPicPr>
-        <p:blipFill>
-          <a:blip r:embed="rId3"/>
-          <a:stretch>
-            <a:fillRect/>
-          </a:stretch>
-        </p:blipFill>
-        <p:spPr>
-          <a:xfrm>
-            <a:off x="6792685" y="2776138"/>
-            <a:ext cx="5277757" cy="4081861"/>
-          </a:xfrm>
-          <a:prstGeom prst="rect">
-            <a:avLst/>
-          </a:prstGeom>
-          <a:ln w="34925">
-            <a:solidFill>
-              <a:schemeClr val="tx1"/>
-            </a:solidFill>
-          </a:ln>
-        </p:spPr>
-      </p:pic>
+      <p:sp>
+        <p:nvSpPr>
+          <p:cNvPr id="3" name="ZoneTexte 2"/>
+          <p:cNvSpPr txBox="1"/>
+          <p:nvPr/>
+        </p:nvSpPr>
+        <p:spPr>
+          <a:xfrm>
+            <a:off x="145140" y="109331"/>
+            <a:ext cx="9506859" cy="2739211"/>
+          </a:xfrm>
+          <a:prstGeom prst="rect">
+            <a:avLst/>
+          </a:prstGeom>
+          <a:noFill/>
+        </p:spPr>
+        <p:txBody>
+          <a:bodyPr wrap="square" rtlCol="0">
+            <a:spAutoFit/>
+          </a:bodyPr>
+          <a:lstStyle/>
+          <a:p>
+            <a:r>
+              <a:rPr lang="en-CA" sz="4400" dirty="0" smtClean="0">
+                <a:solidFill>
+                  <a:schemeClr val="accent2">
+                    <a:lumMod val="75000"/>
+                  </a:schemeClr>
+                </a:solidFill>
+              </a:rPr>
+              <a:t>1 - Open </a:t>
+            </a:r>
+            <a:r>
+              <a:rPr lang="en-CA" sz="4400" dirty="0">
+                <a:solidFill>
+                  <a:schemeClr val="accent2">
+                    <a:lumMod val="75000"/>
+                  </a:schemeClr>
+                </a:solidFill>
+              </a:rPr>
+              <a:t>R studio:</a:t>
+            </a:r>
+          </a:p>
+          <a:p>
+            <a:endParaRPr lang="en-CA" sz="3200" dirty="0" smtClean="0"/>
+          </a:p>
+          <a:p>
+            <a:pPr marL="914400" lvl="1" indent="-457200">
+              <a:buFont typeface="Arial" charset="0"/>
+              <a:buChar char="•"/>
+            </a:pPr>
+            <a:r>
+              <a:rPr lang="en-CA" sz="3200" dirty="0" smtClean="0"/>
+              <a:t>User Friendly environment</a:t>
+            </a:r>
+          </a:p>
+          <a:p>
+            <a:pPr marL="914400" lvl="1" indent="-457200">
+              <a:buFont typeface="Arial" charset="0"/>
+              <a:buChar char="•"/>
+            </a:pPr>
+            <a:r>
+              <a:rPr lang="en-CA" sz="3200" dirty="0" smtClean="0"/>
+              <a:t>Auto completion</a:t>
+            </a:r>
+          </a:p>
+          <a:p>
+            <a:pPr marL="914400" lvl="1" indent="-457200">
+              <a:buFont typeface="Arial" charset="0"/>
+              <a:buChar char="•"/>
+            </a:pPr>
+            <a:r>
+              <a:rPr lang="en-CA" sz="3200" dirty="0" smtClean="0"/>
+              <a:t>Run a line of code with </a:t>
+            </a:r>
+            <a:r>
+              <a:rPr lang="en-CA" sz="3200" dirty="0" err="1" smtClean="0"/>
+              <a:t>Cmd</a:t>
+            </a:r>
+            <a:r>
+              <a:rPr lang="en-CA" sz="3200" dirty="0" smtClean="0"/>
+              <a:t> + Enter</a:t>
+            </a:r>
+          </a:p>
+        </p:txBody>
+      </p:sp>
     </p:spTree>
     <p:extLst>
       <p:ext uri="{BB962C8B-B14F-4D97-AF65-F5344CB8AC3E}">
-        <p14:creationId xmlns:p14="http://schemas.microsoft.com/office/powerpoint/2010/main" val="198708183"/>
+        <p14:creationId xmlns:p14="http://schemas.microsoft.com/office/powerpoint/2010/main" val="2078475957"/>
       </p:ext>
     </p:extLst>
   </p:cSld>
@@ -8974,9 +9497,91 @@
           <a:chExt cx="0" cy="0"/>
         </a:xfrm>
       </p:grpSpPr>
+      <p:sp>
+        <p:nvSpPr>
+          <p:cNvPr id="2" name="ZoneTexte 1"/>
+          <p:cNvSpPr txBox="1"/>
+          <p:nvPr/>
+        </p:nvSpPr>
+        <p:spPr>
+          <a:xfrm>
+            <a:off x="145140" y="109331"/>
+            <a:ext cx="9506859" cy="769441"/>
+          </a:xfrm>
+          <a:prstGeom prst="rect">
+            <a:avLst/>
+          </a:prstGeom>
+          <a:noFill/>
+        </p:spPr>
+        <p:txBody>
+          <a:bodyPr wrap="square" rtlCol="0">
+            <a:spAutoFit/>
+          </a:bodyPr>
+          <a:lstStyle/>
+          <a:p>
+            <a:r>
+              <a:rPr lang="en-CA" sz="4400" dirty="0" smtClean="0">
+                <a:solidFill>
+                  <a:schemeClr val="accent2">
+                    <a:lumMod val="75000"/>
+                  </a:schemeClr>
+                </a:solidFill>
+              </a:rPr>
+              <a:t>2 - Open </a:t>
+            </a:r>
+            <a:r>
+              <a:rPr lang="en-CA" sz="4400" dirty="0">
+                <a:solidFill>
+                  <a:schemeClr val="accent2">
+                    <a:lumMod val="75000"/>
+                  </a:schemeClr>
+                </a:solidFill>
+              </a:rPr>
+              <a:t>a .</a:t>
+            </a:r>
+            <a:r>
+              <a:rPr lang="en-CA" sz="4400" dirty="0" err="1">
+                <a:solidFill>
+                  <a:schemeClr val="accent2">
+                    <a:lumMod val="75000"/>
+                  </a:schemeClr>
+                </a:solidFill>
+              </a:rPr>
+              <a:t>Rmd</a:t>
+            </a:r>
+            <a:r>
+              <a:rPr lang="en-CA" sz="4400" dirty="0">
+                <a:solidFill>
+                  <a:schemeClr val="accent2">
+                    <a:lumMod val="75000"/>
+                  </a:schemeClr>
+                </a:solidFill>
+              </a:rPr>
+              <a:t> </a:t>
+            </a:r>
+            <a:r>
+              <a:rPr lang="en-CA" sz="4400" dirty="0" smtClean="0">
+                <a:solidFill>
+                  <a:schemeClr val="accent2">
+                    <a:lumMod val="75000"/>
+                  </a:schemeClr>
+                </a:solidFill>
+              </a:rPr>
+              <a:t>file:</a:t>
+            </a:r>
+            <a:endParaRPr lang="en-CA" sz="4400" dirty="0">
+              <a:solidFill>
+                <a:schemeClr val="accent2">
+                  <a:lumMod val="75000"/>
+                </a:schemeClr>
+              </a:solidFill>
+            </a:endParaRPr>
+          </a:p>
+        </p:txBody>
+      </p:sp>
       <p:pic>
         <p:nvPicPr>
-          <p:cNvPr id="2" name="Image 1"/>
+          <p:cNvPr id="3" name="Image 2"/>
           <p:cNvPicPr>
             <a:picLocks noChangeAspect="1"/>
           </p:cNvPicPr>
@@ -8990,8 +9595,8 @@
         </p:blipFill>
         <p:spPr>
           <a:xfrm>
-            <a:off x="812800" y="1262742"/>
-            <a:ext cx="10160000" cy="4818039"/>
+            <a:off x="145140" y="1052759"/>
+            <a:ext cx="7520151" cy="3461657"/>
           </a:xfrm>
           <a:prstGeom prst="rect">
             <a:avLst/>
@@ -9003,417 +9608,39 @@
           </a:ln>
         </p:spPr>
       </p:pic>
-      <p:sp>
-        <p:nvSpPr>
-          <p:cNvPr id="3" name="ZoneTexte 2"/>
-          <p:cNvSpPr txBox="1"/>
-          <p:nvPr/>
-        </p:nvSpPr>
-        <p:spPr>
-          <a:xfrm>
-            <a:off x="145140" y="109331"/>
-            <a:ext cx="9506859" cy="769441"/>
-          </a:xfrm>
-          <a:prstGeom prst="rect">
-            <a:avLst/>
-          </a:prstGeom>
-          <a:noFill/>
-        </p:spPr>
-        <p:txBody>
-          <a:bodyPr wrap="square" rtlCol="0">
-            <a:spAutoFit/>
-          </a:bodyPr>
-          <a:lstStyle/>
-          <a:p>
-            <a:r>
-              <a:rPr lang="en-CA" sz="4400" dirty="0" smtClean="0">
-                <a:solidFill>
-                  <a:schemeClr val="accent2">
-                    <a:lumMod val="75000"/>
-                  </a:schemeClr>
-                </a:solidFill>
-              </a:rPr>
-              <a:t>Anatomy of a .</a:t>
-            </a:r>
-            <a:r>
-              <a:rPr lang="en-CA" sz="4400" dirty="0" err="1" smtClean="0">
-                <a:solidFill>
-                  <a:schemeClr val="accent2">
-                    <a:lumMod val="75000"/>
-                  </a:schemeClr>
-                </a:solidFill>
-              </a:rPr>
-              <a:t>Rmd</a:t>
-            </a:r>
-            <a:r>
-              <a:rPr lang="en-CA" sz="4400" dirty="0" smtClean="0">
-                <a:solidFill>
-                  <a:schemeClr val="accent2">
-                    <a:lumMod val="75000"/>
-                  </a:schemeClr>
-                </a:solidFill>
-              </a:rPr>
-              <a:t> file:</a:t>
-            </a:r>
-            <a:endParaRPr lang="en-CA" sz="4400" dirty="0">
-              <a:solidFill>
-                <a:schemeClr val="accent2">
-                  <a:lumMod val="75000"/>
-                </a:schemeClr>
-              </a:solidFill>
-            </a:endParaRPr>
-          </a:p>
-        </p:txBody>
-      </p:sp>
-      <p:sp>
-        <p:nvSpPr>
-          <p:cNvPr id="5" name="Ellipse 4"/>
-          <p:cNvSpPr/>
-          <p:nvPr/>
-        </p:nvSpPr>
-        <p:spPr>
-          <a:xfrm>
-            <a:off x="672623" y="1546921"/>
-            <a:ext cx="1364723" cy="795226"/>
-          </a:xfrm>
-          <a:prstGeom prst="ellipse">
-            <a:avLst/>
-          </a:prstGeom>
-          <a:noFill/>
-          <a:ln w="47625">
+      <p:pic>
+        <p:nvPicPr>
+          <p:cNvPr id="4" name="Image 3"/>
+          <p:cNvPicPr>
+            <a:picLocks noChangeAspect="1"/>
+          </p:cNvPicPr>
+          <p:nvPr/>
+        </p:nvPicPr>
+        <p:blipFill>
+          <a:blip r:embed="rId3"/>
+          <a:stretch>
+            <a:fillRect/>
+          </a:stretch>
+        </p:blipFill>
+        <p:spPr>
+          <a:xfrm>
+            <a:off x="6792685" y="2776138"/>
+            <a:ext cx="5277757" cy="4081861"/>
+          </a:xfrm>
+          <a:prstGeom prst="rect">
+            <a:avLst/>
+          </a:prstGeom>
+          <a:ln w="34925">
             <a:solidFill>
-              <a:srgbClr val="FF0000"/>
+              <a:schemeClr val="tx1"/>
             </a:solidFill>
           </a:ln>
         </p:spPr>
-        <p:style>
-          <a:lnRef idx="2">
-            <a:schemeClr val="accent1">
-              <a:shade val="50000"/>
-            </a:schemeClr>
-          </a:lnRef>
-          <a:fillRef idx="1">
-            <a:schemeClr val="accent1"/>
-          </a:fillRef>
-          <a:effectRef idx="0">
-            <a:schemeClr val="accent1"/>
-          </a:effectRef>
-          <a:fontRef idx="minor">
-            <a:schemeClr val="lt1"/>
-          </a:fontRef>
-        </p:style>
-        <p:txBody>
-          <a:bodyPr rtlCol="0" anchor="ctr"/>
-          <a:lstStyle/>
-          <a:p>
-            <a:pPr algn="ctr"/>
-            <a:endParaRPr lang="fr-FR"/>
-          </a:p>
-        </p:txBody>
-      </p:sp>
-      <p:cxnSp>
-        <p:nvCxnSpPr>
-          <p:cNvPr id="7" name="Connecteur droit avec flèche 6"/>
-          <p:cNvCxnSpPr/>
-          <p:nvPr/>
-        </p:nvCxnSpPr>
-        <p:spPr>
-          <a:xfrm flipH="1">
-            <a:off x="3481137" y="2903621"/>
-            <a:ext cx="914400" cy="0"/>
-          </a:xfrm>
-          <a:prstGeom prst="straightConnector1">
-            <a:avLst/>
-          </a:prstGeom>
-          <a:ln w="50800">
-            <a:solidFill>
-              <a:srgbClr val="FF0000"/>
-            </a:solidFill>
-            <a:tailEnd type="triangle"/>
-          </a:ln>
-        </p:spPr>
-        <p:style>
-          <a:lnRef idx="1">
-            <a:schemeClr val="accent1"/>
-          </a:lnRef>
-          <a:fillRef idx="0">
-            <a:schemeClr val="accent1"/>
-          </a:fillRef>
-          <a:effectRef idx="0">
-            <a:schemeClr val="accent1"/>
-          </a:effectRef>
-          <a:fontRef idx="minor">
-            <a:schemeClr val="tx1"/>
-          </a:fontRef>
-        </p:style>
-      </p:cxnSp>
-      <p:cxnSp>
-        <p:nvCxnSpPr>
-          <p:cNvPr id="9" name="Connecteur droit avec flèche 8"/>
-          <p:cNvCxnSpPr/>
-          <p:nvPr/>
-        </p:nvCxnSpPr>
-        <p:spPr>
-          <a:xfrm flipH="1">
-            <a:off x="2766119" y="4339389"/>
-            <a:ext cx="914400" cy="0"/>
-          </a:xfrm>
-          <a:prstGeom prst="straightConnector1">
-            <a:avLst/>
-          </a:prstGeom>
-          <a:ln w="50800">
-            <a:solidFill>
-              <a:srgbClr val="FF0000"/>
-            </a:solidFill>
-            <a:tailEnd type="triangle"/>
-          </a:ln>
-        </p:spPr>
-        <p:style>
-          <a:lnRef idx="1">
-            <a:schemeClr val="accent1"/>
-          </a:lnRef>
-          <a:fillRef idx="0">
-            <a:schemeClr val="accent1"/>
-          </a:fillRef>
-          <a:effectRef idx="0">
-            <a:schemeClr val="accent1"/>
-          </a:effectRef>
-          <a:fontRef idx="minor">
-            <a:schemeClr val="tx1"/>
-          </a:fontRef>
-        </p:style>
-      </p:cxnSp>
-      <p:cxnSp>
-        <p:nvCxnSpPr>
-          <p:cNvPr id="10" name="Connecteur droit avec flèche 9"/>
-          <p:cNvCxnSpPr/>
-          <p:nvPr/>
-        </p:nvCxnSpPr>
-        <p:spPr>
-          <a:xfrm flipH="1">
-            <a:off x="7041340" y="4989094"/>
-            <a:ext cx="914400" cy="0"/>
-          </a:xfrm>
-          <a:prstGeom prst="straightConnector1">
-            <a:avLst/>
-          </a:prstGeom>
-          <a:ln w="50800">
-            <a:solidFill>
-              <a:srgbClr val="FF0000"/>
-            </a:solidFill>
-            <a:tailEnd type="triangle"/>
-          </a:ln>
-        </p:spPr>
-        <p:style>
-          <a:lnRef idx="1">
-            <a:schemeClr val="accent1"/>
-          </a:lnRef>
-          <a:fillRef idx="0">
-            <a:schemeClr val="accent1"/>
-          </a:fillRef>
-          <a:effectRef idx="0">
-            <a:schemeClr val="accent1"/>
-          </a:effectRef>
-          <a:fontRef idx="minor">
-            <a:schemeClr val="tx1"/>
-          </a:fontRef>
-        </p:style>
-      </p:cxnSp>
-      <p:cxnSp>
-        <p:nvCxnSpPr>
-          <p:cNvPr id="11" name="Connecteur droit avec flèche 10"/>
-          <p:cNvCxnSpPr/>
-          <p:nvPr/>
-        </p:nvCxnSpPr>
-        <p:spPr>
-          <a:xfrm flipH="1">
-            <a:off x="7401143" y="5895473"/>
-            <a:ext cx="914400" cy="0"/>
-          </a:xfrm>
-          <a:prstGeom prst="straightConnector1">
-            <a:avLst/>
-          </a:prstGeom>
-          <a:ln w="50800">
-            <a:solidFill>
-              <a:srgbClr val="FF0000"/>
-            </a:solidFill>
-            <a:tailEnd type="triangle"/>
-          </a:ln>
-        </p:spPr>
-        <p:style>
-          <a:lnRef idx="1">
-            <a:schemeClr val="accent1"/>
-          </a:lnRef>
-          <a:fillRef idx="0">
-            <a:schemeClr val="accent1"/>
-          </a:fillRef>
-          <a:effectRef idx="0">
-            <a:schemeClr val="accent1"/>
-          </a:effectRef>
-          <a:fontRef idx="minor">
-            <a:schemeClr val="tx1"/>
-          </a:fontRef>
-        </p:style>
-      </p:cxnSp>
-      <p:sp>
-        <p:nvSpPr>
-          <p:cNvPr id="12" name="ZoneTexte 11"/>
-          <p:cNvSpPr txBox="1"/>
-          <p:nvPr/>
-        </p:nvSpPr>
-        <p:spPr>
-          <a:xfrm>
-            <a:off x="4475749" y="2679032"/>
-            <a:ext cx="1171074" cy="400110"/>
-          </a:xfrm>
-          <a:prstGeom prst="rect">
-            <a:avLst/>
-          </a:prstGeom>
-          <a:noFill/>
-        </p:spPr>
-        <p:txBody>
-          <a:bodyPr wrap="square" rtlCol="0">
-            <a:spAutoFit/>
-          </a:bodyPr>
-          <a:lstStyle/>
-          <a:p>
-            <a:r>
-              <a:rPr lang="fr-FR" sz="2000" b="1" dirty="0" smtClean="0">
-                <a:solidFill>
-                  <a:srgbClr val="FF0000"/>
-                </a:solidFill>
-              </a:rPr>
-              <a:t>Header</a:t>
-            </a:r>
-          </a:p>
-        </p:txBody>
-      </p:sp>
-      <p:sp>
-        <p:nvSpPr>
-          <p:cNvPr id="13" name="ZoneTexte 12"/>
-          <p:cNvSpPr txBox="1"/>
-          <p:nvPr/>
-        </p:nvSpPr>
-        <p:spPr>
-          <a:xfrm>
-            <a:off x="3890212" y="4139334"/>
-            <a:ext cx="1171074" cy="400110"/>
-          </a:xfrm>
-          <a:prstGeom prst="rect">
-            <a:avLst/>
-          </a:prstGeom>
-          <a:noFill/>
-        </p:spPr>
-        <p:txBody>
-          <a:bodyPr wrap="square" rtlCol="0">
-            <a:spAutoFit/>
-          </a:bodyPr>
-          <a:lstStyle/>
-          <a:p>
-            <a:r>
-              <a:rPr lang="fr-FR" sz="2000" b="1" dirty="0" err="1" smtClean="0">
-                <a:solidFill>
-                  <a:srgbClr val="FF0000"/>
-                </a:solidFill>
-              </a:rPr>
-              <a:t>Title</a:t>
-            </a:r>
-            <a:endParaRPr lang="fr-FR" sz="2000" b="1" dirty="0" smtClean="0">
-              <a:solidFill>
-                <a:srgbClr val="FF0000"/>
-              </a:solidFill>
-            </a:endParaRPr>
-          </a:p>
-        </p:txBody>
-      </p:sp>
-      <p:sp>
-        <p:nvSpPr>
-          <p:cNvPr id="14" name="ZoneTexte 13"/>
-          <p:cNvSpPr txBox="1"/>
-          <p:nvPr/>
-        </p:nvSpPr>
-        <p:spPr>
-          <a:xfrm>
-            <a:off x="8123039" y="4708829"/>
-            <a:ext cx="1171074" cy="400110"/>
-          </a:xfrm>
-          <a:prstGeom prst="rect">
-            <a:avLst/>
-          </a:prstGeom>
-          <a:noFill/>
-        </p:spPr>
-        <p:txBody>
-          <a:bodyPr wrap="square" rtlCol="0">
-            <a:spAutoFit/>
-          </a:bodyPr>
-          <a:lstStyle/>
-          <a:p>
-            <a:r>
-              <a:rPr lang="fr-FR" sz="2000" b="1" dirty="0" err="1" smtClean="0">
-                <a:solidFill>
-                  <a:srgbClr val="FF0000"/>
-                </a:solidFill>
-              </a:rPr>
-              <a:t>Text</a:t>
-            </a:r>
-            <a:endParaRPr lang="fr-FR" sz="2000" b="1" dirty="0" smtClean="0">
-              <a:solidFill>
-                <a:srgbClr val="FF0000"/>
-              </a:solidFill>
-            </a:endParaRPr>
-          </a:p>
-        </p:txBody>
-      </p:sp>
-      <p:sp>
-        <p:nvSpPr>
-          <p:cNvPr id="15" name="ZoneTexte 14"/>
-          <p:cNvSpPr txBox="1"/>
-          <p:nvPr/>
-        </p:nvSpPr>
-        <p:spPr>
-          <a:xfrm>
-            <a:off x="8480924" y="5669606"/>
-            <a:ext cx="1561433" cy="400110"/>
-          </a:xfrm>
-          <a:prstGeom prst="rect">
-            <a:avLst/>
-          </a:prstGeom>
-          <a:noFill/>
-        </p:spPr>
-        <p:txBody>
-          <a:bodyPr wrap="square" rtlCol="0">
-            <a:spAutoFit/>
-          </a:bodyPr>
-          <a:lstStyle/>
-          <a:p>
-            <a:r>
-              <a:rPr lang="fr-FR" sz="2000" b="1" dirty="0" smtClean="0">
-                <a:solidFill>
-                  <a:srgbClr val="FF0000"/>
-                </a:solidFill>
-              </a:rPr>
-              <a:t>Code </a:t>
-            </a:r>
-            <a:r>
-              <a:rPr lang="fr-FR" sz="2000" b="1" dirty="0" err="1" smtClean="0">
-                <a:solidFill>
-                  <a:srgbClr val="FF0000"/>
-                </a:solidFill>
-              </a:rPr>
-              <a:t>chunk</a:t>
-            </a:r>
-            <a:endParaRPr lang="fr-FR" sz="2000" b="1" dirty="0" smtClean="0">
-              <a:solidFill>
-                <a:srgbClr val="FF0000"/>
-              </a:solidFill>
-            </a:endParaRPr>
-          </a:p>
-        </p:txBody>
-      </p:sp>
+      </p:pic>
     </p:spTree>
     <p:extLst>
       <p:ext uri="{BB962C8B-B14F-4D97-AF65-F5344CB8AC3E}">
-        <p14:creationId xmlns:p14="http://schemas.microsoft.com/office/powerpoint/2010/main" val="351360596"/>
+        <p14:creationId xmlns:p14="http://schemas.microsoft.com/office/powerpoint/2010/main" val="198708183"/>
       </p:ext>
     </p:extLst>
   </p:cSld>
@@ -9506,7 +9733,7 @@
                   </a:schemeClr>
                 </a:solidFill>
               </a:rPr>
-              <a:t>3 - Knit the .</a:t>
+              <a:t>Anatomy of a .</a:t>
             </a:r>
             <a:r>
               <a:rPr lang="en-CA" sz="4400" dirty="0" err="1" smtClean="0">
@@ -9540,14 +9767,14 @@
       </p:sp>
       <p:sp>
         <p:nvSpPr>
-          <p:cNvPr id="4" name="Ellipse 3"/>
+          <p:cNvPr id="5" name="Ellipse 4"/>
           <p:cNvSpPr/>
           <p:nvPr/>
         </p:nvSpPr>
         <p:spPr>
           <a:xfrm>
-            <a:off x="2766119" y="1870818"/>
-            <a:ext cx="955650" cy="647793"/>
+            <a:off x="672623" y="1546921"/>
+            <a:ext cx="1364723" cy="795226"/>
           </a:xfrm>
           <a:prstGeom prst="ellipse">
             <a:avLst/>
@@ -9584,10 +9811,309 @@
           </a:p>
         </p:txBody>
       </p:sp>
+      <p:cxnSp>
+        <p:nvCxnSpPr>
+          <p:cNvPr id="7" name="Connecteur droit avec flèche 6"/>
+          <p:cNvCxnSpPr/>
+          <p:nvPr/>
+        </p:nvCxnSpPr>
+        <p:spPr>
+          <a:xfrm flipH="1">
+            <a:off x="3481137" y="2903621"/>
+            <a:ext cx="914400" cy="0"/>
+          </a:xfrm>
+          <a:prstGeom prst="straightConnector1">
+            <a:avLst/>
+          </a:prstGeom>
+          <a:ln w="50800">
+            <a:solidFill>
+              <a:srgbClr val="FF0000"/>
+            </a:solidFill>
+            <a:tailEnd type="triangle"/>
+          </a:ln>
+        </p:spPr>
+        <p:style>
+          <a:lnRef idx="1">
+            <a:schemeClr val="accent1"/>
+          </a:lnRef>
+          <a:fillRef idx="0">
+            <a:schemeClr val="accent1"/>
+          </a:fillRef>
+          <a:effectRef idx="0">
+            <a:schemeClr val="accent1"/>
+          </a:effectRef>
+          <a:fontRef idx="minor">
+            <a:schemeClr val="tx1"/>
+          </a:fontRef>
+        </p:style>
+      </p:cxnSp>
+      <p:cxnSp>
+        <p:nvCxnSpPr>
+          <p:cNvPr id="9" name="Connecteur droit avec flèche 8"/>
+          <p:cNvCxnSpPr/>
+          <p:nvPr/>
+        </p:nvCxnSpPr>
+        <p:spPr>
+          <a:xfrm flipH="1">
+            <a:off x="2766119" y="4339389"/>
+            <a:ext cx="914400" cy="0"/>
+          </a:xfrm>
+          <a:prstGeom prst="straightConnector1">
+            <a:avLst/>
+          </a:prstGeom>
+          <a:ln w="50800">
+            <a:solidFill>
+              <a:srgbClr val="FF0000"/>
+            </a:solidFill>
+            <a:tailEnd type="triangle"/>
+          </a:ln>
+        </p:spPr>
+        <p:style>
+          <a:lnRef idx="1">
+            <a:schemeClr val="accent1"/>
+          </a:lnRef>
+          <a:fillRef idx="0">
+            <a:schemeClr val="accent1"/>
+          </a:fillRef>
+          <a:effectRef idx="0">
+            <a:schemeClr val="accent1"/>
+          </a:effectRef>
+          <a:fontRef idx="minor">
+            <a:schemeClr val="tx1"/>
+          </a:fontRef>
+        </p:style>
+      </p:cxnSp>
+      <p:cxnSp>
+        <p:nvCxnSpPr>
+          <p:cNvPr id="10" name="Connecteur droit avec flèche 9"/>
+          <p:cNvCxnSpPr/>
+          <p:nvPr/>
+        </p:nvCxnSpPr>
+        <p:spPr>
+          <a:xfrm flipH="1">
+            <a:off x="7041340" y="4989094"/>
+            <a:ext cx="914400" cy="0"/>
+          </a:xfrm>
+          <a:prstGeom prst="straightConnector1">
+            <a:avLst/>
+          </a:prstGeom>
+          <a:ln w="50800">
+            <a:solidFill>
+              <a:srgbClr val="FF0000"/>
+            </a:solidFill>
+            <a:tailEnd type="triangle"/>
+          </a:ln>
+        </p:spPr>
+        <p:style>
+          <a:lnRef idx="1">
+            <a:schemeClr val="accent1"/>
+          </a:lnRef>
+          <a:fillRef idx="0">
+            <a:schemeClr val="accent1"/>
+          </a:fillRef>
+          <a:effectRef idx="0">
+            <a:schemeClr val="accent1"/>
+          </a:effectRef>
+          <a:fontRef idx="minor">
+            <a:schemeClr val="tx1"/>
+          </a:fontRef>
+        </p:style>
+      </p:cxnSp>
+      <p:cxnSp>
+        <p:nvCxnSpPr>
+          <p:cNvPr id="11" name="Connecteur droit avec flèche 10"/>
+          <p:cNvCxnSpPr/>
+          <p:nvPr/>
+        </p:nvCxnSpPr>
+        <p:spPr>
+          <a:xfrm flipH="1">
+            <a:off x="7401143" y="5895473"/>
+            <a:ext cx="914400" cy="0"/>
+          </a:xfrm>
+          <a:prstGeom prst="straightConnector1">
+            <a:avLst/>
+          </a:prstGeom>
+          <a:ln w="50800">
+            <a:solidFill>
+              <a:srgbClr val="FF0000"/>
+            </a:solidFill>
+            <a:tailEnd type="triangle"/>
+          </a:ln>
+        </p:spPr>
+        <p:style>
+          <a:lnRef idx="1">
+            <a:schemeClr val="accent1"/>
+          </a:lnRef>
+          <a:fillRef idx="0">
+            <a:schemeClr val="accent1"/>
+          </a:fillRef>
+          <a:effectRef idx="0">
+            <a:schemeClr val="accent1"/>
+          </a:effectRef>
+          <a:fontRef idx="minor">
+            <a:schemeClr val="tx1"/>
+          </a:fontRef>
+        </p:style>
+      </p:cxnSp>
+      <p:sp>
+        <p:nvSpPr>
+          <p:cNvPr id="12" name="ZoneTexte 11"/>
+          <p:cNvSpPr txBox="1"/>
+          <p:nvPr/>
+        </p:nvSpPr>
+        <p:spPr>
+          <a:xfrm>
+            <a:off x="4475749" y="2679032"/>
+            <a:ext cx="1171074" cy="400110"/>
+          </a:xfrm>
+          <a:prstGeom prst="rect">
+            <a:avLst/>
+          </a:prstGeom>
+          <a:noFill/>
+        </p:spPr>
+        <p:txBody>
+          <a:bodyPr wrap="square" rtlCol="0">
+            <a:spAutoFit/>
+          </a:bodyPr>
+          <a:lstStyle/>
+          <a:p>
+            <a:r>
+              <a:rPr lang="fr-FR" sz="2000" b="1" dirty="0" smtClean="0">
+                <a:solidFill>
+                  <a:srgbClr val="FF0000"/>
+                </a:solidFill>
+              </a:rPr>
+              <a:t>Header</a:t>
+            </a:r>
+          </a:p>
+        </p:txBody>
+      </p:sp>
+      <p:sp>
+        <p:nvSpPr>
+          <p:cNvPr id="13" name="ZoneTexte 12"/>
+          <p:cNvSpPr txBox="1"/>
+          <p:nvPr/>
+        </p:nvSpPr>
+        <p:spPr>
+          <a:xfrm>
+            <a:off x="3890212" y="4139334"/>
+            <a:ext cx="1171074" cy="400110"/>
+          </a:xfrm>
+          <a:prstGeom prst="rect">
+            <a:avLst/>
+          </a:prstGeom>
+          <a:noFill/>
+        </p:spPr>
+        <p:txBody>
+          <a:bodyPr wrap="square" rtlCol="0">
+            <a:spAutoFit/>
+          </a:bodyPr>
+          <a:lstStyle/>
+          <a:p>
+            <a:r>
+              <a:rPr lang="fr-FR" sz="2000" b="1" dirty="0" err="1" smtClean="0">
+                <a:solidFill>
+                  <a:srgbClr val="FF0000"/>
+                </a:solidFill>
+              </a:rPr>
+              <a:t>Title</a:t>
+            </a:r>
+            <a:endParaRPr lang="fr-FR" sz="2000" b="1" dirty="0" smtClean="0">
+              <a:solidFill>
+                <a:srgbClr val="FF0000"/>
+              </a:solidFill>
+            </a:endParaRPr>
+          </a:p>
+        </p:txBody>
+      </p:sp>
+      <p:sp>
+        <p:nvSpPr>
+          <p:cNvPr id="14" name="ZoneTexte 13"/>
+          <p:cNvSpPr txBox="1"/>
+          <p:nvPr/>
+        </p:nvSpPr>
+        <p:spPr>
+          <a:xfrm>
+            <a:off x="8123039" y="4708829"/>
+            <a:ext cx="1171074" cy="400110"/>
+          </a:xfrm>
+          <a:prstGeom prst="rect">
+            <a:avLst/>
+          </a:prstGeom>
+          <a:noFill/>
+        </p:spPr>
+        <p:txBody>
+          <a:bodyPr wrap="square" rtlCol="0">
+            <a:spAutoFit/>
+          </a:bodyPr>
+          <a:lstStyle/>
+          <a:p>
+            <a:r>
+              <a:rPr lang="fr-FR" sz="2000" b="1" dirty="0" err="1" smtClean="0">
+                <a:solidFill>
+                  <a:srgbClr val="FF0000"/>
+                </a:solidFill>
+              </a:rPr>
+              <a:t>Text</a:t>
+            </a:r>
+            <a:endParaRPr lang="fr-FR" sz="2000" b="1" dirty="0" smtClean="0">
+              <a:solidFill>
+                <a:srgbClr val="FF0000"/>
+              </a:solidFill>
+            </a:endParaRPr>
+          </a:p>
+        </p:txBody>
+      </p:sp>
+      <p:sp>
+        <p:nvSpPr>
+          <p:cNvPr id="15" name="ZoneTexte 14"/>
+          <p:cNvSpPr txBox="1"/>
+          <p:nvPr/>
+        </p:nvSpPr>
+        <p:spPr>
+          <a:xfrm>
+            <a:off x="8480924" y="5669606"/>
+            <a:ext cx="1561433" cy="400110"/>
+          </a:xfrm>
+          <a:prstGeom prst="rect">
+            <a:avLst/>
+          </a:prstGeom>
+          <a:noFill/>
+        </p:spPr>
+        <p:txBody>
+          <a:bodyPr wrap="square" rtlCol="0">
+            <a:spAutoFit/>
+          </a:bodyPr>
+          <a:lstStyle/>
+          <a:p>
+            <a:r>
+              <a:rPr lang="fr-FR" sz="2000" b="1" dirty="0" smtClean="0">
+                <a:solidFill>
+                  <a:srgbClr val="FF0000"/>
+                </a:solidFill>
+              </a:rPr>
+              <a:t>Code </a:t>
+            </a:r>
+            <a:r>
+              <a:rPr lang="fr-FR" sz="2000" b="1" dirty="0" err="1" smtClean="0">
+                <a:solidFill>
+                  <a:srgbClr val="FF0000"/>
+                </a:solidFill>
+              </a:rPr>
+              <a:t>chunk</a:t>
+            </a:r>
+            <a:endParaRPr lang="fr-FR" sz="2000" b="1" dirty="0" smtClean="0">
+              <a:solidFill>
+                <a:srgbClr val="FF0000"/>
+              </a:solidFill>
+            </a:endParaRPr>
+          </a:p>
+        </p:txBody>
+      </p:sp>
     </p:spTree>
     <p:extLst>
       <p:ext uri="{BB962C8B-B14F-4D97-AF65-F5344CB8AC3E}">
-        <p14:creationId xmlns:p14="http://schemas.microsoft.com/office/powerpoint/2010/main" val="420362641"/>
+        <p14:creationId xmlns:p14="http://schemas.microsoft.com/office/powerpoint/2010/main" val="351360596"/>
       </p:ext>
     </p:extLst>
   </p:cSld>
@@ -9637,8 +10163,8 @@
         </p:blipFill>
         <p:spPr>
           <a:xfrm>
-            <a:off x="4801115" y="2406314"/>
-            <a:ext cx="6765118" cy="4050632"/>
+            <a:off x="812800" y="1262742"/>
+            <a:ext cx="10160000" cy="4818039"/>
           </a:xfrm>
           <a:prstGeom prst="rect">
             <a:avLst/>
@@ -9650,81 +10176,16 @@
           </a:ln>
         </p:spPr>
       </p:pic>
-      <p:pic>
-        <p:nvPicPr>
-          <p:cNvPr id="3" name="Image 2"/>
-          <p:cNvPicPr>
-            <a:picLocks noChangeAspect="1"/>
-          </p:cNvPicPr>
-          <p:nvPr/>
-        </p:nvPicPr>
-        <p:blipFill>
-          <a:blip r:embed="rId3"/>
-          <a:stretch>
-            <a:fillRect/>
-          </a:stretch>
-        </p:blipFill>
-        <p:spPr>
-          <a:xfrm>
-            <a:off x="5057788" y="705184"/>
-            <a:ext cx="4787900" cy="635000"/>
-          </a:xfrm>
-          <a:prstGeom prst="rect">
-            <a:avLst/>
-          </a:prstGeom>
-          <a:ln w="34925">
-            <a:solidFill>
-              <a:schemeClr val="tx1"/>
-            </a:solidFill>
-          </a:ln>
-        </p:spPr>
-      </p:pic>
-      <p:cxnSp>
-        <p:nvCxnSpPr>
-          <p:cNvPr id="4" name="Connecteur droit avec flèche 3"/>
-          <p:cNvCxnSpPr/>
-          <p:nvPr/>
-        </p:nvCxnSpPr>
-        <p:spPr>
-          <a:xfrm flipH="1">
-            <a:off x="10026314" y="929773"/>
-            <a:ext cx="914400" cy="0"/>
-          </a:xfrm>
-          <a:prstGeom prst="straightConnector1">
-            <a:avLst/>
-          </a:prstGeom>
-          <a:ln w="50800">
-            <a:solidFill>
-              <a:srgbClr val="FF0000"/>
-            </a:solidFill>
-            <a:tailEnd type="triangle"/>
-          </a:ln>
-        </p:spPr>
-        <p:style>
-          <a:lnRef idx="1">
-            <a:schemeClr val="accent1"/>
-          </a:lnRef>
-          <a:fillRef idx="0">
-            <a:schemeClr val="accent1"/>
-          </a:fillRef>
-          <a:effectRef idx="0">
-            <a:schemeClr val="accent1"/>
-          </a:effectRef>
-          <a:fontRef idx="minor">
-            <a:schemeClr val="tx1"/>
-          </a:fontRef>
-        </p:style>
-      </p:cxnSp>
-      <p:sp>
-        <p:nvSpPr>
-          <p:cNvPr id="5" name="ZoneTexte 4"/>
+      <p:sp>
+        <p:nvSpPr>
+          <p:cNvPr id="3" name="ZoneTexte 2"/>
           <p:cNvSpPr txBox="1"/>
           <p:nvPr/>
         </p:nvSpPr>
         <p:spPr>
           <a:xfrm>
-            <a:off x="11020926" y="689142"/>
-            <a:ext cx="1171074" cy="400110"/>
+            <a:off x="145140" y="109331"/>
+            <a:ext cx="9506859" cy="769441"/>
           </a:xfrm>
           <a:prstGeom prst="rect">
             <a:avLst/>
@@ -9738,121 +10199,6 @@
           <a:lstStyle/>
           <a:p>
             <a:r>
-              <a:rPr lang="fr-FR" sz="2000" b="1" dirty="0" smtClean="0">
-                <a:solidFill>
-                  <a:srgbClr val="FF0000"/>
-                </a:solidFill>
-              </a:rPr>
-              <a:t>.html</a:t>
-            </a:r>
-          </a:p>
-        </p:txBody>
-      </p:sp>
-      <p:cxnSp>
-        <p:nvCxnSpPr>
-          <p:cNvPr id="6" name="Connecteur droit avec flèche 5"/>
-          <p:cNvCxnSpPr/>
-          <p:nvPr/>
-        </p:nvCxnSpPr>
-        <p:spPr>
-          <a:xfrm flipH="1">
-            <a:off x="10106526" y="1226944"/>
-            <a:ext cx="914400" cy="0"/>
-          </a:xfrm>
-          <a:prstGeom prst="straightConnector1">
-            <a:avLst/>
-          </a:prstGeom>
-          <a:ln w="50800">
-            <a:solidFill>
-              <a:srgbClr val="FF0000"/>
-            </a:solidFill>
-            <a:tailEnd type="triangle"/>
-          </a:ln>
-        </p:spPr>
-        <p:style>
-          <a:lnRef idx="1">
-            <a:schemeClr val="accent1"/>
-          </a:lnRef>
-          <a:fillRef idx="0">
-            <a:schemeClr val="accent1"/>
-          </a:fillRef>
-          <a:effectRef idx="0">
-            <a:schemeClr val="accent1"/>
-          </a:effectRef>
-          <a:fontRef idx="minor">
-            <a:schemeClr val="tx1"/>
-          </a:fontRef>
-        </p:style>
-      </p:cxnSp>
-      <p:sp>
-        <p:nvSpPr>
-          <p:cNvPr id="7" name="ZoneTexte 6"/>
-          <p:cNvSpPr txBox="1"/>
-          <p:nvPr/>
-        </p:nvSpPr>
-        <p:spPr>
-          <a:xfrm>
-            <a:off x="11101138" y="1002355"/>
-            <a:ext cx="1171074" cy="400110"/>
-          </a:xfrm>
-          <a:prstGeom prst="rect">
-            <a:avLst/>
-          </a:prstGeom>
-          <a:noFill/>
-        </p:spPr>
-        <p:txBody>
-          <a:bodyPr wrap="square" rtlCol="0">
-            <a:spAutoFit/>
-          </a:bodyPr>
-          <a:lstStyle/>
-          <a:p>
-            <a:r>
-              <a:rPr lang="fr-FR" sz="2000" b="1" dirty="0" smtClean="0">
-                <a:solidFill>
-                  <a:srgbClr val="FF0000"/>
-                </a:solidFill>
-              </a:rPr>
-              <a:t>.</a:t>
-            </a:r>
-            <a:r>
-              <a:rPr lang="fr-FR" sz="2000" b="1" dirty="0" err="1" smtClean="0">
-                <a:solidFill>
-                  <a:srgbClr val="FF0000"/>
-                </a:solidFill>
-              </a:rPr>
-              <a:t>rmd</a:t>
-            </a:r>
-            <a:endParaRPr lang="fr-FR" sz="2000" b="1" dirty="0" smtClean="0">
-              <a:solidFill>
-                <a:srgbClr val="FF0000"/>
-              </a:solidFill>
-            </a:endParaRPr>
-          </a:p>
-        </p:txBody>
-      </p:sp>
-      <p:sp>
-        <p:nvSpPr>
-          <p:cNvPr id="8" name="ZoneTexte 7"/>
-          <p:cNvSpPr txBox="1"/>
-          <p:nvPr/>
-        </p:nvSpPr>
-        <p:spPr>
-          <a:xfrm>
-            <a:off x="454064" y="889197"/>
-            <a:ext cx="3726050" cy="5755422"/>
-          </a:xfrm>
-          <a:prstGeom prst="rect">
-            <a:avLst/>
-          </a:prstGeom>
-          <a:noFill/>
-        </p:spPr>
-        <p:txBody>
-          <a:bodyPr wrap="square" rtlCol="0">
-            <a:spAutoFit/>
-          </a:bodyPr>
-          <a:lstStyle/>
-          <a:p>
-            <a:r>
               <a:rPr lang="en-CA" sz="4400" dirty="0" smtClean="0">
                 <a:solidFill>
                   <a:schemeClr val="accent2">
@@ -9860,49 +10206,28 @@
                   </a:schemeClr>
                 </a:solidFill>
               </a:rPr>
-              <a:t>4 - .HTML output is ready </a:t>
-            </a:r>
-          </a:p>
-          <a:p>
-            <a:endParaRPr lang="en-CA" sz="4400" dirty="0" smtClean="0">
-              <a:solidFill>
-                <a:schemeClr val="accent2">
-                  <a:lumMod val="75000"/>
-                </a:schemeClr>
-              </a:solidFill>
-            </a:endParaRPr>
-          </a:p>
-          <a:p>
-            <a:pPr marL="457200" indent="-457200">
-              <a:buFont typeface="Arial" charset="0"/>
-              <a:buChar char="•"/>
-            </a:pPr>
-            <a:r>
-              <a:rPr lang="en-CA" sz="3200" dirty="0" smtClean="0"/>
-              <a:t>Have a look to your current directory</a:t>
-            </a:r>
-          </a:p>
-          <a:p>
-            <a:endParaRPr lang="en-CA" sz="3200" dirty="0" smtClean="0"/>
-          </a:p>
-          <a:p>
-            <a:pPr marL="457200" indent="-457200">
-              <a:buFont typeface="Arial" charset="0"/>
-              <a:buChar char="•"/>
-            </a:pPr>
-            <a:r>
-              <a:rPr lang="en-CA" sz="3200" dirty="0" smtClean="0"/>
-              <a:t>Open the .html in a browser</a:t>
-            </a:r>
-            <a:endParaRPr lang="en-CA" sz="3200" dirty="0" smtClean="0">
-              <a:solidFill>
-                <a:schemeClr val="accent2">
-                  <a:lumMod val="75000"/>
-                </a:schemeClr>
-              </a:solidFill>
-            </a:endParaRPr>
-          </a:p>
-          <a:p>
+              <a:t>3 - Knit the .</a:t>
+            </a:r>
+            <a:r>
+              <a:rPr lang="en-CA" sz="4400" dirty="0" err="1" smtClean="0">
+                <a:solidFill>
+                  <a:schemeClr val="accent2">
+                    <a:lumMod val="75000"/>
+                  </a:schemeClr>
+                </a:solidFill>
+              </a:rPr>
+              <a:t>Rmd</a:t>
+            </a:r>
+            <a:r>
+              <a:rPr lang="en-CA" sz="4400" dirty="0" smtClean="0">
+                <a:solidFill>
+                  <a:schemeClr val="accent2">
+                    <a:lumMod val="75000"/>
+                  </a:schemeClr>
+                </a:solidFill>
+              </a:rPr>
+              <a:t> file:</a:t>
+            </a:r>
             <a:endParaRPr lang="en-CA" sz="4400" dirty="0">
               <a:solidFill>
                 <a:schemeClr val="accent2">
@@ -9913,378 +10238,56 @@
           </a:p>
         </p:txBody>
       </p:sp>
-      <p:cxnSp>
-        <p:nvCxnSpPr>
-          <p:cNvPr id="9" name="Connecteur droit avec flèche 8"/>
-          <p:cNvCxnSpPr/>
-          <p:nvPr/>
-        </p:nvCxnSpPr>
-        <p:spPr>
-          <a:xfrm flipH="1">
-            <a:off x="7018421" y="2887302"/>
-            <a:ext cx="914400" cy="0"/>
-          </a:xfrm>
-          <a:prstGeom prst="straightConnector1">
-            <a:avLst/>
-          </a:prstGeom>
-          <a:ln w="50800">
+      <p:sp>
+        <p:nvSpPr>
+          <p:cNvPr id="4" name="Ellipse 3"/>
+          <p:cNvSpPr/>
+          <p:nvPr/>
+        </p:nvSpPr>
+        <p:spPr>
+          <a:xfrm>
+            <a:off x="2766119" y="1870818"/>
+            <a:ext cx="955650" cy="647793"/>
+          </a:xfrm>
+          <a:prstGeom prst="ellipse">
+            <a:avLst/>
+          </a:prstGeom>
+          <a:noFill/>
+          <a:ln w="47625">
             <a:solidFill>
               <a:srgbClr val="FF0000"/>
             </a:solidFill>
-            <a:tailEnd type="triangle"/>
           </a:ln>
         </p:spPr>
         <p:style>
-          <a:lnRef idx="1">
-            <a:schemeClr val="accent1"/>
+          <a:lnRef idx="2">
+            <a:schemeClr val="accent1">
+              <a:shade val="50000"/>
+            </a:schemeClr>
           </a:lnRef>
-          <a:fillRef idx="0">
+          <a:fillRef idx="1">
             <a:schemeClr val="accent1"/>
           </a:fillRef>
           <a:effectRef idx="0">
             <a:schemeClr val="accent1"/>
           </a:effectRef>
           <a:fontRef idx="minor">
-            <a:schemeClr val="tx1"/>
+            <a:schemeClr val="lt1"/>
           </a:fontRef>
         </p:style>
-      </p:cxnSp>
-      <p:sp>
-        <p:nvSpPr>
-          <p:cNvPr id="10" name="ZoneTexte 9"/>
-          <p:cNvSpPr txBox="1"/>
-          <p:nvPr/>
-        </p:nvSpPr>
-        <p:spPr>
-          <a:xfrm>
-            <a:off x="8023254" y="2664795"/>
-            <a:ext cx="1171074" cy="400110"/>
-          </a:xfrm>
-          <a:prstGeom prst="rect">
-            <a:avLst/>
-          </a:prstGeom>
-          <a:noFill/>
-        </p:spPr>
-        <p:txBody>
-          <a:bodyPr wrap="square" rtlCol="0">
-            <a:spAutoFit/>
-          </a:bodyPr>
-          <a:lstStyle/>
-          <a:p>
-            <a:r>
-              <a:rPr lang="fr-FR" sz="2000" b="1" dirty="0" smtClean="0">
-                <a:solidFill>
-                  <a:srgbClr val="FF0000"/>
-                </a:solidFill>
-              </a:rPr>
-              <a:t>header</a:t>
-            </a:r>
-          </a:p>
-        </p:txBody>
-      </p:sp>
-      <p:sp>
-        <p:nvSpPr>
-          <p:cNvPr id="11" name="ZoneTexte 10"/>
-          <p:cNvSpPr txBox="1"/>
-          <p:nvPr/>
-        </p:nvSpPr>
-        <p:spPr>
-          <a:xfrm>
-            <a:off x="7401776" y="3193909"/>
-            <a:ext cx="1171074" cy="400110"/>
-          </a:xfrm>
-          <a:prstGeom prst="rect">
-            <a:avLst/>
-          </a:prstGeom>
-          <a:noFill/>
-        </p:spPr>
-        <p:txBody>
-          <a:bodyPr wrap="square" rtlCol="0">
-            <a:spAutoFit/>
-          </a:bodyPr>
-          <a:lstStyle/>
-          <a:p>
-            <a:r>
-              <a:rPr lang="fr-FR" sz="2000" b="1" dirty="0" err="1" smtClean="0">
-                <a:solidFill>
-                  <a:srgbClr val="FF0000"/>
-                </a:solidFill>
-              </a:rPr>
-              <a:t>Title</a:t>
-            </a:r>
-            <a:endParaRPr lang="fr-FR" sz="2000" b="1" dirty="0" smtClean="0">
-              <a:solidFill>
-                <a:srgbClr val="FF0000"/>
-              </a:solidFill>
-            </a:endParaRPr>
-          </a:p>
-        </p:txBody>
-      </p:sp>
-      <p:cxnSp>
-        <p:nvCxnSpPr>
-          <p:cNvPr id="12" name="Connecteur droit avec flèche 11"/>
-          <p:cNvCxnSpPr/>
-          <p:nvPr/>
-        </p:nvCxnSpPr>
-        <p:spPr>
-          <a:xfrm flipH="1">
-            <a:off x="6391124" y="3433792"/>
-            <a:ext cx="914400" cy="0"/>
-          </a:xfrm>
-          <a:prstGeom prst="straightConnector1">
-            <a:avLst/>
-          </a:prstGeom>
-          <a:ln w="50800">
-            <a:solidFill>
-              <a:srgbClr val="FF0000"/>
-            </a:solidFill>
-            <a:tailEnd type="triangle"/>
-          </a:ln>
-        </p:spPr>
-        <p:style>
-          <a:lnRef idx="1">
-            <a:schemeClr val="accent1"/>
-          </a:lnRef>
-          <a:fillRef idx="0">
-            <a:schemeClr val="accent1"/>
-          </a:fillRef>
-          <a:effectRef idx="0">
-            <a:schemeClr val="accent1"/>
-          </a:effectRef>
-          <a:fontRef idx="minor">
-            <a:schemeClr val="tx1"/>
-          </a:fontRef>
-        </p:style>
-      </p:cxnSp>
-      <p:sp>
-        <p:nvSpPr>
-          <p:cNvPr id="13" name="ZoneTexte 12"/>
-          <p:cNvSpPr txBox="1"/>
-          <p:nvPr/>
-        </p:nvSpPr>
-        <p:spPr>
-          <a:xfrm>
-            <a:off x="10587974" y="3594019"/>
-            <a:ext cx="1171074" cy="400110"/>
-          </a:xfrm>
-          <a:prstGeom prst="rect">
-            <a:avLst/>
-          </a:prstGeom>
-          <a:noFill/>
-        </p:spPr>
-        <p:txBody>
-          <a:bodyPr wrap="square" rtlCol="0">
-            <a:spAutoFit/>
-          </a:bodyPr>
-          <a:lstStyle/>
-          <a:p>
-            <a:r>
-              <a:rPr lang="fr-FR" sz="2000" b="1" smtClean="0">
-                <a:solidFill>
-                  <a:srgbClr val="FF0000"/>
-                </a:solidFill>
-              </a:rPr>
-              <a:t>Text</a:t>
-            </a:r>
-            <a:endParaRPr lang="fr-FR" sz="2000" b="1" dirty="0" smtClean="0">
-              <a:solidFill>
-                <a:srgbClr val="FF0000"/>
-              </a:solidFill>
-            </a:endParaRPr>
-          </a:p>
-        </p:txBody>
-      </p:sp>
-      <p:cxnSp>
-        <p:nvCxnSpPr>
-          <p:cNvPr id="14" name="Connecteur droit avec flèche 13"/>
-          <p:cNvCxnSpPr/>
-          <p:nvPr/>
-        </p:nvCxnSpPr>
-        <p:spPr>
-          <a:xfrm flipH="1">
-            <a:off x="9388488" y="3809839"/>
-            <a:ext cx="914400" cy="0"/>
-          </a:xfrm>
-          <a:prstGeom prst="straightConnector1">
-            <a:avLst/>
-          </a:prstGeom>
-          <a:ln w="50800">
-            <a:solidFill>
-              <a:srgbClr val="FF0000"/>
-            </a:solidFill>
-            <a:tailEnd type="triangle"/>
-          </a:ln>
-        </p:spPr>
-        <p:style>
-          <a:lnRef idx="1">
-            <a:schemeClr val="accent1"/>
-          </a:lnRef>
-          <a:fillRef idx="0">
-            <a:schemeClr val="accent1"/>
-          </a:fillRef>
-          <a:effectRef idx="0">
-            <a:schemeClr val="accent1"/>
-          </a:effectRef>
-          <a:fontRef idx="minor">
-            <a:schemeClr val="tx1"/>
-          </a:fontRef>
-        </p:style>
-      </p:cxnSp>
-      <p:cxnSp>
-        <p:nvCxnSpPr>
-          <p:cNvPr id="15" name="Connecteur droit avec flèche 14"/>
-          <p:cNvCxnSpPr/>
-          <p:nvPr/>
-        </p:nvCxnSpPr>
-        <p:spPr>
-          <a:xfrm flipH="1">
-            <a:off x="8931288" y="4431630"/>
-            <a:ext cx="914400" cy="0"/>
-          </a:xfrm>
-          <a:prstGeom prst="straightConnector1">
-            <a:avLst/>
-          </a:prstGeom>
-          <a:ln w="50800">
-            <a:solidFill>
-              <a:srgbClr val="FF0000"/>
-            </a:solidFill>
-            <a:tailEnd type="triangle"/>
-          </a:ln>
-        </p:spPr>
-        <p:style>
-          <a:lnRef idx="1">
-            <a:schemeClr val="accent1"/>
-          </a:lnRef>
-          <a:fillRef idx="0">
-            <a:schemeClr val="accent1"/>
-          </a:fillRef>
-          <a:effectRef idx="0">
-            <a:schemeClr val="accent1"/>
-          </a:effectRef>
-          <a:fontRef idx="minor">
-            <a:schemeClr val="tx1"/>
-          </a:fontRef>
-        </p:style>
-      </p:cxnSp>
-      <p:sp>
-        <p:nvSpPr>
-          <p:cNvPr id="16" name="ZoneTexte 15"/>
-          <p:cNvSpPr txBox="1"/>
-          <p:nvPr/>
-        </p:nvSpPr>
-        <p:spPr>
-          <a:xfrm>
-            <a:off x="9954031" y="4231575"/>
-            <a:ext cx="1171074" cy="400110"/>
-          </a:xfrm>
-          <a:prstGeom prst="rect">
-            <a:avLst/>
-          </a:prstGeom>
-          <a:noFill/>
-        </p:spPr>
-        <p:txBody>
-          <a:bodyPr wrap="square" rtlCol="0">
-            <a:spAutoFit/>
-          </a:bodyPr>
-          <a:lstStyle/>
-          <a:p>
-            <a:r>
-              <a:rPr lang="fr-FR" sz="2000" b="1" dirty="0" smtClean="0">
-                <a:solidFill>
-                  <a:srgbClr val="FF0000"/>
-                </a:solidFill>
-              </a:rPr>
-              <a:t>Code</a:t>
-            </a:r>
-          </a:p>
-        </p:txBody>
-      </p:sp>
-      <p:sp>
-        <p:nvSpPr>
-          <p:cNvPr id="17" name="ZoneTexte 16"/>
-          <p:cNvSpPr txBox="1"/>
-          <p:nvPr/>
-        </p:nvSpPr>
-        <p:spPr>
-          <a:xfrm>
-            <a:off x="9897977" y="4944150"/>
-            <a:ext cx="1171074" cy="707886"/>
-          </a:xfrm>
-          <a:prstGeom prst="rect">
-            <a:avLst/>
-          </a:prstGeom>
-          <a:noFill/>
-        </p:spPr>
-        <p:txBody>
-          <a:bodyPr wrap="square" rtlCol="0">
-            <a:spAutoFit/>
-          </a:bodyPr>
-          <a:lstStyle/>
-          <a:p>
-            <a:r>
-              <a:rPr lang="fr-FR" sz="2000" b="1" dirty="0" smtClean="0">
-                <a:solidFill>
-                  <a:srgbClr val="FF0000"/>
-                </a:solidFill>
-              </a:rPr>
-              <a:t>Code </a:t>
-            </a:r>
-            <a:r>
-              <a:rPr lang="fr-FR" sz="2000" b="1" dirty="0" err="1" smtClean="0">
-                <a:solidFill>
-                  <a:srgbClr val="FF0000"/>
-                </a:solidFill>
-              </a:rPr>
-              <a:t>result</a:t>
-            </a:r>
-            <a:endParaRPr lang="fr-FR" sz="2000" b="1" dirty="0" smtClean="0">
-              <a:solidFill>
-                <a:srgbClr val="FF0000"/>
-              </a:solidFill>
-            </a:endParaRPr>
-          </a:p>
-        </p:txBody>
-      </p:sp>
-      <p:cxnSp>
-        <p:nvCxnSpPr>
-          <p:cNvPr id="18" name="Connecteur droit avec flèche 17"/>
-          <p:cNvCxnSpPr/>
-          <p:nvPr/>
-        </p:nvCxnSpPr>
-        <p:spPr>
-          <a:xfrm flipH="1">
-            <a:off x="8737128" y="5144205"/>
-            <a:ext cx="914400" cy="0"/>
-          </a:xfrm>
-          <a:prstGeom prst="straightConnector1">
-            <a:avLst/>
-          </a:prstGeom>
-          <a:ln w="50800">
-            <a:solidFill>
-              <a:srgbClr val="FF0000"/>
-            </a:solidFill>
-            <a:tailEnd type="triangle"/>
-          </a:ln>
-        </p:spPr>
-        <p:style>
-          <a:lnRef idx="1">
-            <a:schemeClr val="accent1"/>
-          </a:lnRef>
-          <a:fillRef idx="0">
-            <a:schemeClr val="accent1"/>
-          </a:fillRef>
-          <a:effectRef idx="0">
-            <a:schemeClr val="accent1"/>
-          </a:effectRef>
-          <a:fontRef idx="minor">
-            <a:schemeClr val="tx1"/>
-          </a:fontRef>
-        </p:style>
-      </p:cxnSp>
+        <p:txBody>
+          <a:bodyPr rtlCol="0" anchor="ctr"/>
+          <a:lstStyle/>
+          <a:p>
+            <a:pPr algn="ctr"/>
+            <a:endParaRPr lang="fr-FR"/>
+          </a:p>
+        </p:txBody>
+      </p:sp>
     </p:spTree>
     <p:extLst>
       <p:ext uri="{BB962C8B-B14F-4D97-AF65-F5344CB8AC3E}">
-        <p14:creationId xmlns:p14="http://schemas.microsoft.com/office/powerpoint/2010/main" val="1884991369"/>
+        <p14:creationId xmlns:p14="http://schemas.microsoft.com/office/powerpoint/2010/main" val="420362641"/>
       </p:ext>
     </p:extLst>
   </p:cSld>
@@ -10320,55 +10323,81 @@
       </p:grpSpPr>
       <p:pic>
         <p:nvPicPr>
-          <p:cNvPr id="8" name="Image 7"/>
+          <p:cNvPr id="2" name="Image 1"/>
           <p:cNvPicPr>
             <a:picLocks noChangeAspect="1"/>
           </p:cNvPicPr>
           <p:nvPr/>
         </p:nvPicPr>
         <p:blipFill>
-          <a:blip r:embed="rId2">
-            <a:alphaModFix amt="24000"/>
-            <a:extLst>
-              <a:ext uri="{28A0092B-C50C-407E-A947-70E740481C1C}">
-                <a14:useLocalDpi xmlns:a14="http://schemas.microsoft.com/office/drawing/2010/main" val="0"/>
-              </a:ext>
-            </a:extLst>
-          </a:blip>
+          <a:blip r:embed="rId2"/>
           <a:stretch>
             <a:fillRect/>
           </a:stretch>
         </p:blipFill>
         <p:spPr>
           <a:xfrm>
-            <a:off x="-2411662" y="16042"/>
-            <a:ext cx="17808514" cy="6858000"/>
-          </a:xfrm>
-          <a:prstGeom prst="rect">
-            <a:avLst/>
-          </a:prstGeom>
+            <a:off x="4801115" y="2406314"/>
+            <a:ext cx="6765118" cy="4050632"/>
+          </a:xfrm>
+          <a:prstGeom prst="rect">
+            <a:avLst/>
+          </a:prstGeom>
+          <a:ln w="34925">
+            <a:solidFill>
+              <a:schemeClr val="tx1"/>
+            </a:solidFill>
+          </a:ln>
+        </p:spPr>
+      </p:pic>
+      <p:pic>
+        <p:nvPicPr>
+          <p:cNvPr id="3" name="Image 2"/>
+          <p:cNvPicPr>
+            <a:picLocks noChangeAspect="1"/>
+          </p:cNvPicPr>
+          <p:nvPr/>
+        </p:nvPicPr>
+        <p:blipFill>
+          <a:blip r:embed="rId3"/>
+          <a:stretch>
+            <a:fillRect/>
+          </a:stretch>
+        </p:blipFill>
+        <p:spPr>
+          <a:xfrm>
+            <a:off x="5057788" y="705184"/>
+            <a:ext cx="4787900" cy="635000"/>
+          </a:xfrm>
+          <a:prstGeom prst="rect">
+            <a:avLst/>
+          </a:prstGeom>
+          <a:ln w="34925">
+            <a:solidFill>
+              <a:schemeClr val="tx1"/>
+            </a:solidFill>
+          </a:ln>
         </p:spPr>
       </p:pic>
       <p:cxnSp>
         <p:nvCxnSpPr>
-          <p:cNvPr id="9" name="Connecteur droit 8"/>
+          <p:cNvPr id="4" name="Connecteur droit avec flèche 3"/>
           <p:cNvCxnSpPr/>
           <p:nvPr/>
         </p:nvCxnSpPr>
         <p:spPr>
-          <a:xfrm>
-            <a:off x="3676696" y="3686627"/>
-            <a:ext cx="4702626" cy="0"/>
-          </a:xfrm>
-          <a:prstGeom prst="line">
-            <a:avLst/>
-          </a:prstGeom>
-          <a:ln>
+          <a:xfrm flipH="1">
+            <a:off x="10026314" y="929773"/>
+            <a:ext cx="914400" cy="0"/>
+          </a:xfrm>
+          <a:prstGeom prst="straightConnector1">
+            <a:avLst/>
+          </a:prstGeom>
+          <a:ln w="50800">
             <a:solidFill>
-              <a:schemeClr val="bg2">
-                <a:lumMod val="50000"/>
-              </a:schemeClr>
+              <a:srgbClr val="FF0000"/>
             </a:solidFill>
+            <a:tailEnd type="triangle"/>
           </a:ln>
         </p:spPr>
         <p:style>
@@ -10388,14 +10417,14 @@
       </p:cxnSp>
       <p:sp>
         <p:nvSpPr>
-          <p:cNvPr id="10" name="ZoneTexte 9"/>
+          <p:cNvPr id="5" name="ZoneTexte 4"/>
           <p:cNvSpPr txBox="1"/>
           <p:nvPr/>
         </p:nvSpPr>
         <p:spPr>
           <a:xfrm>
-            <a:off x="4605609" y="2831940"/>
-            <a:ext cx="4814161" cy="646331"/>
+            <a:off x="11020926" y="689142"/>
+            <a:ext cx="1171074" cy="400110"/>
           </a:xfrm>
           <a:prstGeom prst="rect">
             <a:avLst/>
@@ -10409,25 +10438,553 @@
           <a:lstStyle/>
           <a:p>
             <a:r>
-              <a:rPr lang="fr-FR" sz="3600" dirty="0" err="1" smtClean="0"/>
-              <a:t>Customize</a:t>
-            </a:r>
-            <a:r>
-              <a:rPr lang="fr-FR" sz="3600" dirty="0" smtClean="0"/>
-              <a:t> </a:t>
-            </a:r>
-            <a:r>
-              <a:rPr lang="fr-FR" sz="3600" dirty="0" err="1" smtClean="0"/>
-              <a:t>text</a:t>
-            </a:r>
-            <a:endParaRPr lang="fr-FR" sz="3600" dirty="0"/>
-          </a:p>
-        </p:txBody>
-      </p:sp>
+              <a:rPr lang="fr-FR" sz="2000" b="1" dirty="0" smtClean="0">
+                <a:solidFill>
+                  <a:srgbClr val="FF0000"/>
+                </a:solidFill>
+              </a:rPr>
+              <a:t>.html</a:t>
+            </a:r>
+          </a:p>
+        </p:txBody>
+      </p:sp>
+      <p:cxnSp>
+        <p:nvCxnSpPr>
+          <p:cNvPr id="6" name="Connecteur droit avec flèche 5"/>
+          <p:cNvCxnSpPr/>
+          <p:nvPr/>
+        </p:nvCxnSpPr>
+        <p:spPr>
+          <a:xfrm flipH="1">
+            <a:off x="10106526" y="1226944"/>
+            <a:ext cx="914400" cy="0"/>
+          </a:xfrm>
+          <a:prstGeom prst="straightConnector1">
+            <a:avLst/>
+          </a:prstGeom>
+          <a:ln w="50800">
+            <a:solidFill>
+              <a:srgbClr val="FF0000"/>
+            </a:solidFill>
+            <a:tailEnd type="triangle"/>
+          </a:ln>
+        </p:spPr>
+        <p:style>
+          <a:lnRef idx="1">
+            <a:schemeClr val="accent1"/>
+          </a:lnRef>
+          <a:fillRef idx="0">
+            <a:schemeClr val="accent1"/>
+          </a:fillRef>
+          <a:effectRef idx="0">
+            <a:schemeClr val="accent1"/>
+          </a:effectRef>
+          <a:fontRef idx="minor">
+            <a:schemeClr val="tx1"/>
+          </a:fontRef>
+        </p:style>
+      </p:cxnSp>
+      <p:sp>
+        <p:nvSpPr>
+          <p:cNvPr id="7" name="ZoneTexte 6"/>
+          <p:cNvSpPr txBox="1"/>
+          <p:nvPr/>
+        </p:nvSpPr>
+        <p:spPr>
+          <a:xfrm>
+            <a:off x="11101138" y="1002355"/>
+            <a:ext cx="1171074" cy="400110"/>
+          </a:xfrm>
+          <a:prstGeom prst="rect">
+            <a:avLst/>
+          </a:prstGeom>
+          <a:noFill/>
+        </p:spPr>
+        <p:txBody>
+          <a:bodyPr wrap="square" rtlCol="0">
+            <a:spAutoFit/>
+          </a:bodyPr>
+          <a:lstStyle/>
+          <a:p>
+            <a:r>
+              <a:rPr lang="fr-FR" sz="2000" b="1" dirty="0" smtClean="0">
+                <a:solidFill>
+                  <a:srgbClr val="FF0000"/>
+                </a:solidFill>
+              </a:rPr>
+              <a:t>.</a:t>
+            </a:r>
+            <a:r>
+              <a:rPr lang="fr-FR" sz="2000" b="1" dirty="0" err="1" smtClean="0">
+                <a:solidFill>
+                  <a:srgbClr val="FF0000"/>
+                </a:solidFill>
+              </a:rPr>
+              <a:t>rmd</a:t>
+            </a:r>
+            <a:endParaRPr lang="fr-FR" sz="2000" b="1" dirty="0" smtClean="0">
+              <a:solidFill>
+                <a:srgbClr val="FF0000"/>
+              </a:solidFill>
+            </a:endParaRPr>
+          </a:p>
+        </p:txBody>
+      </p:sp>
+      <p:sp>
+        <p:nvSpPr>
+          <p:cNvPr id="8" name="ZoneTexte 7"/>
+          <p:cNvSpPr txBox="1"/>
+          <p:nvPr/>
+        </p:nvSpPr>
+        <p:spPr>
+          <a:xfrm>
+            <a:off x="454064" y="889197"/>
+            <a:ext cx="3726050" cy="5755422"/>
+          </a:xfrm>
+          <a:prstGeom prst="rect">
+            <a:avLst/>
+          </a:prstGeom>
+          <a:noFill/>
+        </p:spPr>
+        <p:txBody>
+          <a:bodyPr wrap="square" rtlCol="0">
+            <a:spAutoFit/>
+          </a:bodyPr>
+          <a:lstStyle/>
+          <a:p>
+            <a:r>
+              <a:rPr lang="en-CA" sz="4400" dirty="0" smtClean="0">
+                <a:solidFill>
+                  <a:schemeClr val="accent2">
+                    <a:lumMod val="75000"/>
+                  </a:schemeClr>
+                </a:solidFill>
+              </a:rPr>
+              <a:t>4 - .HTML output is ready </a:t>
+            </a:r>
+          </a:p>
+          <a:p>
+            <a:endParaRPr lang="en-CA" sz="4400" dirty="0" smtClean="0">
+              <a:solidFill>
+                <a:schemeClr val="accent2">
+                  <a:lumMod val="75000"/>
+                </a:schemeClr>
+              </a:solidFill>
+            </a:endParaRPr>
+          </a:p>
+          <a:p>
+            <a:pPr marL="457200" indent="-457200">
+              <a:buFont typeface="Arial" charset="0"/>
+              <a:buChar char="•"/>
+            </a:pPr>
+            <a:r>
+              <a:rPr lang="en-CA" sz="3200" dirty="0" smtClean="0"/>
+              <a:t>Have a look to your current directory</a:t>
+            </a:r>
+          </a:p>
+          <a:p>
+            <a:endParaRPr lang="en-CA" sz="3200" dirty="0" smtClean="0"/>
+          </a:p>
+          <a:p>
+            <a:pPr marL="457200" indent="-457200">
+              <a:buFont typeface="Arial" charset="0"/>
+              <a:buChar char="•"/>
+            </a:pPr>
+            <a:r>
+              <a:rPr lang="en-CA" sz="3200" dirty="0" smtClean="0"/>
+              <a:t>Open the .html in a browser</a:t>
+            </a:r>
+            <a:endParaRPr lang="en-CA" sz="3200" dirty="0" smtClean="0">
+              <a:solidFill>
+                <a:schemeClr val="accent2">
+                  <a:lumMod val="75000"/>
+                </a:schemeClr>
+              </a:solidFill>
+            </a:endParaRPr>
+          </a:p>
+          <a:p>
+            <a:endParaRPr lang="en-CA" sz="4400" dirty="0">
+              <a:solidFill>
+                <a:schemeClr val="accent2">
+                  <a:lumMod val="75000"/>
+                </a:schemeClr>
+              </a:solidFill>
+            </a:endParaRPr>
+          </a:p>
+        </p:txBody>
+      </p:sp>
+      <p:cxnSp>
+        <p:nvCxnSpPr>
+          <p:cNvPr id="9" name="Connecteur droit avec flèche 8"/>
+          <p:cNvCxnSpPr/>
+          <p:nvPr/>
+        </p:nvCxnSpPr>
+        <p:spPr>
+          <a:xfrm flipH="1">
+            <a:off x="7018421" y="2887302"/>
+            <a:ext cx="914400" cy="0"/>
+          </a:xfrm>
+          <a:prstGeom prst="straightConnector1">
+            <a:avLst/>
+          </a:prstGeom>
+          <a:ln w="50800">
+            <a:solidFill>
+              <a:srgbClr val="FF0000"/>
+            </a:solidFill>
+            <a:tailEnd type="triangle"/>
+          </a:ln>
+        </p:spPr>
+        <p:style>
+          <a:lnRef idx="1">
+            <a:schemeClr val="accent1"/>
+          </a:lnRef>
+          <a:fillRef idx="0">
+            <a:schemeClr val="accent1"/>
+          </a:fillRef>
+          <a:effectRef idx="0">
+            <a:schemeClr val="accent1"/>
+          </a:effectRef>
+          <a:fontRef idx="minor">
+            <a:schemeClr val="tx1"/>
+          </a:fontRef>
+        </p:style>
+      </p:cxnSp>
+      <p:sp>
+        <p:nvSpPr>
+          <p:cNvPr id="10" name="ZoneTexte 9"/>
+          <p:cNvSpPr txBox="1"/>
+          <p:nvPr/>
+        </p:nvSpPr>
+        <p:spPr>
+          <a:xfrm>
+            <a:off x="8023254" y="2664795"/>
+            <a:ext cx="1171074" cy="400110"/>
+          </a:xfrm>
+          <a:prstGeom prst="rect">
+            <a:avLst/>
+          </a:prstGeom>
+          <a:noFill/>
+        </p:spPr>
+        <p:txBody>
+          <a:bodyPr wrap="square" rtlCol="0">
+            <a:spAutoFit/>
+          </a:bodyPr>
+          <a:lstStyle/>
+          <a:p>
+            <a:r>
+              <a:rPr lang="fr-FR" sz="2000" b="1" dirty="0" smtClean="0">
+                <a:solidFill>
+                  <a:srgbClr val="FF0000"/>
+                </a:solidFill>
+              </a:rPr>
+              <a:t>header</a:t>
+            </a:r>
+          </a:p>
+        </p:txBody>
+      </p:sp>
+      <p:sp>
+        <p:nvSpPr>
+          <p:cNvPr id="11" name="ZoneTexte 10"/>
+          <p:cNvSpPr txBox="1"/>
+          <p:nvPr/>
+        </p:nvSpPr>
+        <p:spPr>
+          <a:xfrm>
+            <a:off x="7401776" y="3193909"/>
+            <a:ext cx="1171074" cy="400110"/>
+          </a:xfrm>
+          <a:prstGeom prst="rect">
+            <a:avLst/>
+          </a:prstGeom>
+          <a:noFill/>
+        </p:spPr>
+        <p:txBody>
+          <a:bodyPr wrap="square" rtlCol="0">
+            <a:spAutoFit/>
+          </a:bodyPr>
+          <a:lstStyle/>
+          <a:p>
+            <a:r>
+              <a:rPr lang="fr-FR" sz="2000" b="1" dirty="0" err="1" smtClean="0">
+                <a:solidFill>
+                  <a:srgbClr val="FF0000"/>
+                </a:solidFill>
+              </a:rPr>
+              <a:t>Title</a:t>
+            </a:r>
+            <a:endParaRPr lang="fr-FR" sz="2000" b="1" dirty="0" smtClean="0">
+              <a:solidFill>
+                <a:srgbClr val="FF0000"/>
+              </a:solidFill>
+            </a:endParaRPr>
+          </a:p>
+        </p:txBody>
+      </p:sp>
+      <p:cxnSp>
+        <p:nvCxnSpPr>
+          <p:cNvPr id="12" name="Connecteur droit avec flèche 11"/>
+          <p:cNvCxnSpPr/>
+          <p:nvPr/>
+        </p:nvCxnSpPr>
+        <p:spPr>
+          <a:xfrm flipH="1">
+            <a:off x="6391124" y="3433792"/>
+            <a:ext cx="914400" cy="0"/>
+          </a:xfrm>
+          <a:prstGeom prst="straightConnector1">
+            <a:avLst/>
+          </a:prstGeom>
+          <a:ln w="50800">
+            <a:solidFill>
+              <a:srgbClr val="FF0000"/>
+            </a:solidFill>
+            <a:tailEnd type="triangle"/>
+          </a:ln>
+        </p:spPr>
+        <p:style>
+          <a:lnRef idx="1">
+            <a:schemeClr val="accent1"/>
+          </a:lnRef>
+          <a:fillRef idx="0">
+            <a:schemeClr val="accent1"/>
+          </a:fillRef>
+          <a:effectRef idx="0">
+            <a:schemeClr val="accent1"/>
+          </a:effectRef>
+          <a:fontRef idx="minor">
+            <a:schemeClr val="tx1"/>
+          </a:fontRef>
+        </p:style>
+      </p:cxnSp>
+      <p:sp>
+        <p:nvSpPr>
+          <p:cNvPr id="13" name="ZoneTexte 12"/>
+          <p:cNvSpPr txBox="1"/>
+          <p:nvPr/>
+        </p:nvSpPr>
+        <p:spPr>
+          <a:xfrm>
+            <a:off x="10587974" y="3594019"/>
+            <a:ext cx="1171074" cy="400110"/>
+          </a:xfrm>
+          <a:prstGeom prst="rect">
+            <a:avLst/>
+          </a:prstGeom>
+          <a:noFill/>
+        </p:spPr>
+        <p:txBody>
+          <a:bodyPr wrap="square" rtlCol="0">
+            <a:spAutoFit/>
+          </a:bodyPr>
+          <a:lstStyle/>
+          <a:p>
+            <a:r>
+              <a:rPr lang="fr-FR" sz="2000" b="1" smtClean="0">
+                <a:solidFill>
+                  <a:srgbClr val="FF0000"/>
+                </a:solidFill>
+              </a:rPr>
+              <a:t>Text</a:t>
+            </a:r>
+            <a:endParaRPr lang="fr-FR" sz="2000" b="1" dirty="0" smtClean="0">
+              <a:solidFill>
+                <a:srgbClr val="FF0000"/>
+              </a:solidFill>
+            </a:endParaRPr>
+          </a:p>
+        </p:txBody>
+      </p:sp>
+      <p:cxnSp>
+        <p:nvCxnSpPr>
+          <p:cNvPr id="14" name="Connecteur droit avec flèche 13"/>
+          <p:cNvCxnSpPr/>
+          <p:nvPr/>
+        </p:nvCxnSpPr>
+        <p:spPr>
+          <a:xfrm flipH="1">
+            <a:off x="9388488" y="3809839"/>
+            <a:ext cx="914400" cy="0"/>
+          </a:xfrm>
+          <a:prstGeom prst="straightConnector1">
+            <a:avLst/>
+          </a:prstGeom>
+          <a:ln w="50800">
+            <a:solidFill>
+              <a:srgbClr val="FF0000"/>
+            </a:solidFill>
+            <a:tailEnd type="triangle"/>
+          </a:ln>
+        </p:spPr>
+        <p:style>
+          <a:lnRef idx="1">
+            <a:schemeClr val="accent1"/>
+          </a:lnRef>
+          <a:fillRef idx="0">
+            <a:schemeClr val="accent1"/>
+          </a:fillRef>
+          <a:effectRef idx="0">
+            <a:schemeClr val="accent1"/>
+          </a:effectRef>
+          <a:fontRef idx="minor">
+            <a:schemeClr val="tx1"/>
+          </a:fontRef>
+        </p:style>
+      </p:cxnSp>
+      <p:cxnSp>
+        <p:nvCxnSpPr>
+          <p:cNvPr id="15" name="Connecteur droit avec flèche 14"/>
+          <p:cNvCxnSpPr/>
+          <p:nvPr/>
+        </p:nvCxnSpPr>
+        <p:spPr>
+          <a:xfrm flipH="1">
+            <a:off x="8931288" y="4431630"/>
+            <a:ext cx="914400" cy="0"/>
+          </a:xfrm>
+          <a:prstGeom prst="straightConnector1">
+            <a:avLst/>
+          </a:prstGeom>
+          <a:ln w="50800">
+            <a:solidFill>
+              <a:srgbClr val="FF0000"/>
+            </a:solidFill>
+            <a:tailEnd type="triangle"/>
+          </a:ln>
+        </p:spPr>
+        <p:style>
+          <a:lnRef idx="1">
+            <a:schemeClr val="accent1"/>
+          </a:lnRef>
+          <a:fillRef idx="0">
+            <a:schemeClr val="accent1"/>
+          </a:fillRef>
+          <a:effectRef idx="0">
+            <a:schemeClr val="accent1"/>
+          </a:effectRef>
+          <a:fontRef idx="minor">
+            <a:schemeClr val="tx1"/>
+          </a:fontRef>
+        </p:style>
+      </p:cxnSp>
+      <p:sp>
+        <p:nvSpPr>
+          <p:cNvPr id="16" name="ZoneTexte 15"/>
+          <p:cNvSpPr txBox="1"/>
+          <p:nvPr/>
+        </p:nvSpPr>
+        <p:spPr>
+          <a:xfrm>
+            <a:off x="9954031" y="4231575"/>
+            <a:ext cx="1171074" cy="400110"/>
+          </a:xfrm>
+          <a:prstGeom prst="rect">
+            <a:avLst/>
+          </a:prstGeom>
+          <a:noFill/>
+        </p:spPr>
+        <p:txBody>
+          <a:bodyPr wrap="square" rtlCol="0">
+            <a:spAutoFit/>
+          </a:bodyPr>
+          <a:lstStyle/>
+          <a:p>
+            <a:r>
+              <a:rPr lang="fr-FR" sz="2000" b="1" dirty="0" smtClean="0">
+                <a:solidFill>
+                  <a:srgbClr val="FF0000"/>
+                </a:solidFill>
+              </a:rPr>
+              <a:t>Code</a:t>
+            </a:r>
+          </a:p>
+        </p:txBody>
+      </p:sp>
+      <p:sp>
+        <p:nvSpPr>
+          <p:cNvPr id="17" name="ZoneTexte 16"/>
+          <p:cNvSpPr txBox="1"/>
+          <p:nvPr/>
+        </p:nvSpPr>
+        <p:spPr>
+          <a:xfrm>
+            <a:off x="9897977" y="4944150"/>
+            <a:ext cx="1171074" cy="707886"/>
+          </a:xfrm>
+          <a:prstGeom prst="rect">
+            <a:avLst/>
+          </a:prstGeom>
+          <a:noFill/>
+        </p:spPr>
+        <p:txBody>
+          <a:bodyPr wrap="square" rtlCol="0">
+            <a:spAutoFit/>
+          </a:bodyPr>
+          <a:lstStyle/>
+          <a:p>
+            <a:r>
+              <a:rPr lang="fr-FR" sz="2000" b="1" dirty="0" smtClean="0">
+                <a:solidFill>
+                  <a:srgbClr val="FF0000"/>
+                </a:solidFill>
+              </a:rPr>
+              <a:t>Code </a:t>
+            </a:r>
+            <a:r>
+              <a:rPr lang="fr-FR" sz="2000" b="1" dirty="0" err="1" smtClean="0">
+                <a:solidFill>
+                  <a:srgbClr val="FF0000"/>
+                </a:solidFill>
+              </a:rPr>
+              <a:t>result</a:t>
+            </a:r>
+            <a:endParaRPr lang="fr-FR" sz="2000" b="1" dirty="0" smtClean="0">
+              <a:solidFill>
+                <a:srgbClr val="FF0000"/>
+              </a:solidFill>
+            </a:endParaRPr>
+          </a:p>
+        </p:txBody>
+      </p:sp>
+      <p:cxnSp>
+        <p:nvCxnSpPr>
+          <p:cNvPr id="18" name="Connecteur droit avec flèche 17"/>
+          <p:cNvCxnSpPr/>
+          <p:nvPr/>
+        </p:nvCxnSpPr>
+        <p:spPr>
+          <a:xfrm flipH="1">
+            <a:off x="8737128" y="5144205"/>
+            <a:ext cx="914400" cy="0"/>
+          </a:xfrm>
+          <a:prstGeom prst="straightConnector1">
+            <a:avLst/>
+          </a:prstGeom>
+          <a:ln w="50800">
+            <a:solidFill>
+              <a:srgbClr val="FF0000"/>
+            </a:solidFill>
+            <a:tailEnd type="triangle"/>
+          </a:ln>
+        </p:spPr>
+        <p:style>
+          <a:lnRef idx="1">
+            <a:schemeClr val="accent1"/>
+          </a:lnRef>
+          <a:fillRef idx="0">
+            <a:schemeClr val="accent1"/>
+          </a:fillRef>
+          <a:effectRef idx="0">
+            <a:schemeClr val="accent1"/>
+          </a:effectRef>
+          <a:fontRef idx="minor">
+            <a:schemeClr val="tx1"/>
+          </a:fontRef>
+        </p:style>
+      </p:cxnSp>
     </p:spTree>
     <p:extLst>
       <p:ext uri="{BB962C8B-B14F-4D97-AF65-F5344CB8AC3E}">
-        <p14:creationId xmlns:p14="http://schemas.microsoft.com/office/powerpoint/2010/main" val="734081744"/>
+        <p14:creationId xmlns:p14="http://schemas.microsoft.com/office/powerpoint/2010/main" val="1884991369"/>
       </p:ext>
     </p:extLst>
   </p:cSld>

--- a/Intro_Github.pptx
+++ b/Intro_Github.pptx
@@ -5,7 +5,7 @@
     <p:sldMasterId id="2147483648" r:id="rId1"/>
   </p:sldMasterIdLst>
   <p:notesMasterIdLst>
-    <p:notesMasterId r:id="rId32"/>
+    <p:notesMasterId r:id="rId34"/>
   </p:notesMasterIdLst>
   <p:sldIdLst>
     <p:sldId id="256" r:id="rId2"/>
@@ -16,28 +16,30 @@
     <p:sldId id="259" r:id="rId7"/>
     <p:sldId id="285" r:id="rId8"/>
     <p:sldId id="286" r:id="rId9"/>
-    <p:sldId id="260" r:id="rId10"/>
-    <p:sldId id="264" r:id="rId11"/>
-    <p:sldId id="261" r:id="rId12"/>
-    <p:sldId id="276" r:id="rId13"/>
-    <p:sldId id="262" r:id="rId14"/>
-    <p:sldId id="277" r:id="rId15"/>
-    <p:sldId id="265" r:id="rId16"/>
-    <p:sldId id="263" r:id="rId17"/>
-    <p:sldId id="278" r:id="rId18"/>
-    <p:sldId id="279" r:id="rId19"/>
-    <p:sldId id="266" r:id="rId20"/>
-    <p:sldId id="281" r:id="rId21"/>
-    <p:sldId id="267" r:id="rId22"/>
-    <p:sldId id="268" r:id="rId23"/>
-    <p:sldId id="270" r:id="rId24"/>
-    <p:sldId id="274" r:id="rId25"/>
-    <p:sldId id="282" r:id="rId26"/>
-    <p:sldId id="271" r:id="rId27"/>
-    <p:sldId id="272" r:id="rId28"/>
-    <p:sldId id="280" r:id="rId29"/>
-    <p:sldId id="273" r:id="rId30"/>
-    <p:sldId id="283" r:id="rId31"/>
+    <p:sldId id="287" r:id="rId10"/>
+    <p:sldId id="288" r:id="rId11"/>
+    <p:sldId id="289" r:id="rId12"/>
+    <p:sldId id="264" r:id="rId13"/>
+    <p:sldId id="261" r:id="rId14"/>
+    <p:sldId id="276" r:id="rId15"/>
+    <p:sldId id="262" r:id="rId16"/>
+    <p:sldId id="277" r:id="rId17"/>
+    <p:sldId id="265" r:id="rId18"/>
+    <p:sldId id="263" r:id="rId19"/>
+    <p:sldId id="278" r:id="rId20"/>
+    <p:sldId id="279" r:id="rId21"/>
+    <p:sldId id="266" r:id="rId22"/>
+    <p:sldId id="281" r:id="rId23"/>
+    <p:sldId id="267" r:id="rId24"/>
+    <p:sldId id="268" r:id="rId25"/>
+    <p:sldId id="270" r:id="rId26"/>
+    <p:sldId id="274" r:id="rId27"/>
+    <p:sldId id="282" r:id="rId28"/>
+    <p:sldId id="271" r:id="rId29"/>
+    <p:sldId id="272" r:id="rId30"/>
+    <p:sldId id="280" r:id="rId31"/>
+    <p:sldId id="273" r:id="rId32"/>
+    <p:sldId id="283" r:id="rId33"/>
   </p:sldIdLst>
   <p:sldSz cx="12192000" cy="6858000"/>
   <p:notesSz cx="6858000" cy="9144000"/>
@@ -559,7 +561,7 @@
           <a:p>
             <a:fld id="{3C97A14E-500E-A148-99C8-B80307C7DE72}" type="slidenum">
               <a:rPr lang="en-AU" smtClean="0"/>
-              <a:t>30</a:t>
+              <a:t>32</a:t>
             </a:fld>
             <a:endParaRPr lang="en-AU"/>
           </a:p>
@@ -3678,43 +3680,313 @@
       </p:grpSpPr>
       <p:pic>
         <p:nvPicPr>
-          <p:cNvPr id="2" name="Image 1"/>
+          <p:cNvPr id="4" name="Image 3"/>
           <p:cNvPicPr>
             <a:picLocks noChangeAspect="1"/>
           </p:cNvPicPr>
           <p:nvPr/>
         </p:nvPicPr>
         <p:blipFill>
-          <a:blip r:embed="rId2"/>
+          <a:blip r:embed="rId2">
+            <a:extLst>
+              <a:ext uri="{28A0092B-C50C-407E-A947-70E740481C1C}">
+                <a14:useLocalDpi xmlns:a14="http://schemas.microsoft.com/office/drawing/2010/main" val="0"/>
+              </a:ext>
+            </a:extLst>
+          </a:blip>
           <a:stretch>
             <a:fillRect/>
           </a:stretch>
         </p:blipFill>
         <p:spPr>
           <a:xfrm>
-            <a:off x="812800" y="1262742"/>
-            <a:ext cx="10160000" cy="4818039"/>
-          </a:xfrm>
-          <a:prstGeom prst="rect">
-            <a:avLst/>
-          </a:prstGeom>
-          <a:ln w="34925">
-            <a:solidFill>
-              <a:schemeClr val="tx1"/>
-            </a:solidFill>
+            <a:off x="2749953" y="3790376"/>
+            <a:ext cx="1633220" cy="1302408"/>
+          </a:xfrm>
+          <a:prstGeom prst="rect">
+            <a:avLst/>
+          </a:prstGeom>
+        </p:spPr>
+      </p:pic>
+      <p:pic>
+        <p:nvPicPr>
+          <p:cNvPr id="16" name="Image 15"/>
+          <p:cNvPicPr>
+            <a:picLocks noChangeAspect="1"/>
+          </p:cNvPicPr>
+          <p:nvPr/>
+        </p:nvPicPr>
+        <p:blipFill>
+          <a:blip r:embed="rId3">
+            <a:extLst>
+              <a:ext uri="{28A0092B-C50C-407E-A947-70E740481C1C}">
+                <a14:useLocalDpi xmlns:a14="http://schemas.microsoft.com/office/drawing/2010/main" val="0"/>
+              </a:ext>
+            </a:extLst>
+          </a:blip>
+          <a:stretch>
+            <a:fillRect/>
+          </a:stretch>
+        </p:blipFill>
+        <p:spPr>
+          <a:xfrm>
+            <a:off x="8182957" y="3764976"/>
+            <a:ext cx="1327808" cy="1327808"/>
+          </a:xfrm>
+          <a:prstGeom prst="rect">
+            <a:avLst/>
+          </a:prstGeom>
+        </p:spPr>
+      </p:pic>
+      <p:cxnSp>
+        <p:nvCxnSpPr>
+          <p:cNvPr id="17" name="Connecteur droit avec flèche 16"/>
+          <p:cNvCxnSpPr/>
+          <p:nvPr/>
+        </p:nvCxnSpPr>
+        <p:spPr>
+          <a:xfrm flipH="1">
+            <a:off x="5358533" y="4114800"/>
+            <a:ext cx="2082801" cy="0"/>
+          </a:xfrm>
+          <a:prstGeom prst="straightConnector1">
+            <a:avLst/>
+          </a:prstGeom>
+          <a:ln w="47625">
+            <a:gradFill>
+              <a:gsLst>
+                <a:gs pos="0">
+                  <a:schemeClr val="accent1">
+                    <a:lumMod val="0"/>
+                    <a:lumOff val="100000"/>
+                  </a:schemeClr>
+                </a:gs>
+                <a:gs pos="74000">
+                  <a:schemeClr val="accent1">
+                    <a:lumMod val="45000"/>
+                    <a:lumOff val="55000"/>
+                  </a:schemeClr>
+                </a:gs>
+                <a:gs pos="83000">
+                  <a:schemeClr val="accent1">
+                    <a:lumMod val="45000"/>
+                    <a:lumOff val="55000"/>
+                  </a:schemeClr>
+                </a:gs>
+                <a:gs pos="100000">
+                  <a:schemeClr val="accent1">
+                    <a:lumMod val="30000"/>
+                    <a:lumOff val="70000"/>
+                  </a:schemeClr>
+                </a:gs>
+              </a:gsLst>
+              <a:lin ang="5400000" scaled="1"/>
+            </a:gradFill>
+            <a:tailEnd type="triangle"/>
           </a:ln>
         </p:spPr>
+        <p:style>
+          <a:lnRef idx="1">
+            <a:schemeClr val="accent1"/>
+          </a:lnRef>
+          <a:fillRef idx="0">
+            <a:schemeClr val="accent1"/>
+          </a:fillRef>
+          <a:effectRef idx="0">
+            <a:schemeClr val="accent1"/>
+          </a:effectRef>
+          <a:fontRef idx="minor">
+            <a:schemeClr val="tx1"/>
+          </a:fontRef>
+        </p:style>
+      </p:cxnSp>
+      <p:cxnSp>
+        <p:nvCxnSpPr>
+          <p:cNvPr id="18" name="Connecteur droit avec flèche 17"/>
+          <p:cNvCxnSpPr/>
+          <p:nvPr/>
+        </p:nvCxnSpPr>
+        <p:spPr>
+          <a:xfrm flipV="1">
+            <a:off x="5439814" y="4693920"/>
+            <a:ext cx="2092959" cy="10160"/>
+          </a:xfrm>
+          <a:prstGeom prst="straightConnector1">
+            <a:avLst/>
+          </a:prstGeom>
+          <a:ln w="47625">
+            <a:gradFill>
+              <a:gsLst>
+                <a:gs pos="0">
+                  <a:schemeClr val="accent1">
+                    <a:lumMod val="0"/>
+                    <a:lumOff val="100000"/>
+                  </a:schemeClr>
+                </a:gs>
+                <a:gs pos="74000">
+                  <a:schemeClr val="accent1">
+                    <a:lumMod val="45000"/>
+                    <a:lumOff val="55000"/>
+                  </a:schemeClr>
+                </a:gs>
+                <a:gs pos="83000">
+                  <a:schemeClr val="accent1">
+                    <a:lumMod val="45000"/>
+                    <a:lumOff val="55000"/>
+                  </a:schemeClr>
+                </a:gs>
+                <a:gs pos="100000">
+                  <a:schemeClr val="accent1">
+                    <a:lumMod val="30000"/>
+                    <a:lumOff val="70000"/>
+                  </a:schemeClr>
+                </a:gs>
+              </a:gsLst>
+              <a:lin ang="5400000" scaled="1"/>
+            </a:gradFill>
+            <a:tailEnd type="triangle"/>
+          </a:ln>
+        </p:spPr>
+        <p:style>
+          <a:lnRef idx="1">
+            <a:schemeClr val="accent1"/>
+          </a:lnRef>
+          <a:fillRef idx="0">
+            <a:schemeClr val="accent1"/>
+          </a:fillRef>
+          <a:effectRef idx="0">
+            <a:schemeClr val="accent1"/>
+          </a:effectRef>
+          <a:fontRef idx="minor">
+            <a:schemeClr val="tx1"/>
+          </a:fontRef>
+        </p:style>
+      </p:cxnSp>
+      <p:sp>
+        <p:nvSpPr>
+          <p:cNvPr id="21" name="Rectangle 20"/>
+          <p:cNvSpPr/>
+          <p:nvPr/>
+        </p:nvSpPr>
+        <p:spPr>
+          <a:xfrm>
+            <a:off x="2644033" y="5092784"/>
+            <a:ext cx="2031903" cy="461665"/>
+          </a:xfrm>
+          <a:prstGeom prst="rect">
+            <a:avLst/>
+          </a:prstGeom>
+        </p:spPr>
+        <p:txBody>
+          <a:bodyPr wrap="none">
+            <a:spAutoFit/>
+          </a:bodyPr>
+          <a:lstStyle/>
+          <a:p>
+            <a:r>
+              <a:rPr lang="en-CA" sz="2400" smtClean="0"/>
+              <a:t>Your computer</a:t>
+            </a:r>
+            <a:endParaRPr lang="en-CA" sz="2400" dirty="0"/>
+          </a:p>
+        </p:txBody>
+      </p:sp>
+      <p:sp>
+        <p:nvSpPr>
+          <p:cNvPr id="22" name="Rectangle 21"/>
+          <p:cNvSpPr/>
+          <p:nvPr/>
+        </p:nvSpPr>
+        <p:spPr>
+          <a:xfrm>
+            <a:off x="8328129" y="5092784"/>
+            <a:ext cx="1037463" cy="461665"/>
+          </a:xfrm>
+          <a:prstGeom prst="rect">
+            <a:avLst/>
+          </a:prstGeom>
+        </p:spPr>
+        <p:txBody>
+          <a:bodyPr wrap="none">
+            <a:spAutoFit/>
+          </a:bodyPr>
+          <a:lstStyle/>
+          <a:p>
+            <a:r>
+              <a:rPr lang="en-CA" sz="2400" dirty="0" smtClean="0"/>
+              <a:t>Github</a:t>
+            </a:r>
+            <a:endParaRPr lang="en-CA" sz="2400" dirty="0"/>
+          </a:p>
+        </p:txBody>
+      </p:sp>
+      <p:sp>
+        <p:nvSpPr>
+          <p:cNvPr id="23" name="Rectangle 22">
+            <a:hlinkClick r:id="rId4"/>
+          </p:cNvPr>
+          <p:cNvSpPr/>
+          <p:nvPr/>
+        </p:nvSpPr>
+        <p:spPr>
+          <a:xfrm>
+            <a:off x="5358533" y="3001191"/>
+            <a:ext cx="2057679" cy="369332"/>
+          </a:xfrm>
+          <a:prstGeom prst="rect">
+            <a:avLst/>
+          </a:prstGeom>
+        </p:spPr>
+        <p:txBody>
+          <a:bodyPr wrap="none">
+            <a:spAutoFit/>
+          </a:bodyPr>
+          <a:lstStyle/>
+          <a:p>
+            <a:r>
+              <a:rPr lang="en-AU" dirty="0" err="1">
+                <a:hlinkClick r:id="rId5"/>
+              </a:rPr>
+              <a:t>desktop.github.com</a:t>
+            </a:r>
+            <a:endParaRPr lang="en-AU" dirty="0"/>
+          </a:p>
+        </p:txBody>
+      </p:sp>
+      <p:pic>
+        <p:nvPicPr>
+          <p:cNvPr id="24" name="Image 23"/>
+          <p:cNvPicPr>
+            <a:picLocks noChangeAspect="1"/>
+          </p:cNvPicPr>
+          <p:nvPr/>
+        </p:nvPicPr>
+        <p:blipFill>
+          <a:blip r:embed="rId6"/>
+          <a:stretch>
+            <a:fillRect/>
+          </a:stretch>
+        </p:blipFill>
+        <p:spPr>
+          <a:xfrm>
+            <a:off x="4726558" y="715191"/>
+            <a:ext cx="3321627" cy="2286000"/>
+          </a:xfrm>
+          <a:prstGeom prst="rect">
+            <a:avLst/>
+          </a:prstGeom>
+        </p:spPr>
       </p:pic>
       <p:sp>
         <p:nvSpPr>
-          <p:cNvPr id="3" name="ZoneTexte 2"/>
+          <p:cNvPr id="25" name="ZoneTexte 24"/>
           <p:cNvSpPr txBox="1"/>
           <p:nvPr/>
         </p:nvSpPr>
         <p:spPr>
           <a:xfrm>
-            <a:off x="145140" y="109331"/>
-            <a:ext cx="9506859" cy="769441"/>
+            <a:off x="8481099" y="863788"/>
+            <a:ext cx="3054713" cy="1815882"/>
           </a:xfrm>
           <a:prstGeom prst="rect">
             <a:avLst/>
@@ -3728,95 +4000,152 @@
           <a:lstStyle/>
           <a:p>
             <a:r>
-              <a:rPr lang="en-CA" sz="4400" dirty="0" smtClean="0">
-                <a:solidFill>
-                  <a:schemeClr val="accent2">
-                    <a:lumMod val="75000"/>
-                  </a:schemeClr>
-                </a:solidFill>
-              </a:rPr>
-              <a:t>3 - Knit the .</a:t>
-            </a:r>
-            <a:r>
-              <a:rPr lang="en-CA" sz="4400" dirty="0" err="1" smtClean="0">
-                <a:solidFill>
-                  <a:schemeClr val="accent2">
-                    <a:lumMod val="75000"/>
-                  </a:schemeClr>
-                </a:solidFill>
-              </a:rPr>
-              <a:t>Rmd</a:t>
-            </a:r>
-            <a:r>
-              <a:rPr lang="en-CA" sz="4400" dirty="0" smtClean="0">
-                <a:solidFill>
-                  <a:schemeClr val="accent2">
-                    <a:lumMod val="75000"/>
-                  </a:schemeClr>
-                </a:solidFill>
-              </a:rPr>
-              <a:t> file:</a:t>
-            </a:r>
-            <a:endParaRPr lang="en-CA" sz="4400" dirty="0">
+              <a:rPr lang="fr-FR" sz="1600" dirty="0" smtClean="0">
+                <a:solidFill>
+                  <a:srgbClr val="FF0000"/>
+                </a:solidFill>
+              </a:rPr>
+              <a:t>Github Desktop:</a:t>
+            </a:r>
+            <a:br>
+              <a:rPr lang="fr-FR" sz="1600" dirty="0" smtClean="0">
+                <a:solidFill>
+                  <a:srgbClr val="FF0000"/>
+                </a:solidFill>
+              </a:rPr>
+            </a:br>
+            <a:endParaRPr lang="fr-FR" sz="1600" dirty="0" smtClean="0">
               <a:solidFill>
-                <a:schemeClr val="accent2">
-                  <a:lumMod val="75000"/>
-                </a:schemeClr>
+                <a:srgbClr val="FF0000"/>
               </a:solidFill>
             </a:endParaRPr>
           </a:p>
-        </p:txBody>
-      </p:sp>
-      <p:sp>
-        <p:nvSpPr>
-          <p:cNvPr id="4" name="Ellipse 3"/>
-          <p:cNvSpPr/>
-          <p:nvPr/>
-        </p:nvSpPr>
-        <p:spPr>
-          <a:xfrm>
-            <a:off x="2766119" y="1870818"/>
-            <a:ext cx="955650" cy="647793"/>
-          </a:xfrm>
-          <a:prstGeom prst="ellipse">
-            <a:avLst/>
-          </a:prstGeom>
-          <a:noFill/>
-          <a:ln w="47625">
-            <a:solidFill>
-              <a:srgbClr val="FF0000"/>
-            </a:solidFill>
-          </a:ln>
-        </p:spPr>
-        <p:style>
-          <a:lnRef idx="2">
-            <a:schemeClr val="accent1">
-              <a:shade val="50000"/>
-            </a:schemeClr>
-          </a:lnRef>
-          <a:fillRef idx="1">
-            <a:schemeClr val="accent1"/>
-          </a:fillRef>
-          <a:effectRef idx="0">
-            <a:schemeClr val="accent1"/>
-          </a:effectRef>
-          <a:fontRef idx="minor">
-            <a:schemeClr val="lt1"/>
-          </a:fontRef>
-        </p:style>
-        <p:txBody>
-          <a:bodyPr rtlCol="0" anchor="ctr"/>
-          <a:lstStyle/>
-          <a:p>
-            <a:pPr algn="ctr"/>
-            <a:endParaRPr lang="fr-FR"/>
+          <a:p>
+            <a:r>
+              <a:rPr lang="fr-FR" sz="1600" dirty="0" smtClean="0">
+                <a:solidFill>
+                  <a:srgbClr val="FF0000"/>
+                </a:solidFill>
+              </a:rPr>
+              <a:t>- </a:t>
+            </a:r>
+            <a:r>
+              <a:rPr lang="fr-FR" sz="1600" dirty="0" err="1" smtClean="0">
+                <a:solidFill>
+                  <a:srgbClr val="FF0000"/>
+                </a:solidFill>
+              </a:rPr>
+              <a:t>controls</a:t>
+            </a:r>
+            <a:r>
+              <a:rPr lang="fr-FR" sz="1600" dirty="0" smtClean="0">
+                <a:solidFill>
+                  <a:srgbClr val="FF0000"/>
+                </a:solidFill>
+              </a:rPr>
+              <a:t> the </a:t>
+            </a:r>
+            <a:r>
+              <a:rPr lang="fr-FR" sz="1600" dirty="0" err="1" smtClean="0">
+                <a:solidFill>
+                  <a:srgbClr val="FF0000"/>
+                </a:solidFill>
+              </a:rPr>
+              <a:t>link</a:t>
+            </a:r>
+            <a:r>
+              <a:rPr lang="fr-FR" sz="1600" dirty="0" smtClean="0">
+                <a:solidFill>
+                  <a:srgbClr val="FF0000"/>
+                </a:solidFill>
+              </a:rPr>
+              <a:t> </a:t>
+            </a:r>
+            <a:r>
+              <a:rPr lang="fr-FR" sz="1600" dirty="0" err="1" smtClean="0">
+                <a:solidFill>
+                  <a:srgbClr val="FF0000"/>
+                </a:solidFill>
+              </a:rPr>
+              <a:t>between</a:t>
+            </a:r>
+            <a:r>
+              <a:rPr lang="fr-FR" sz="1600" dirty="0" smtClean="0">
+                <a:solidFill>
+                  <a:srgbClr val="FF0000"/>
+                </a:solidFill>
+              </a:rPr>
+              <a:t> </a:t>
+            </a:r>
+            <a:r>
+              <a:rPr lang="fr-FR" sz="1600" dirty="0" err="1" smtClean="0">
+                <a:solidFill>
+                  <a:srgbClr val="FF0000"/>
+                </a:solidFill>
+              </a:rPr>
+              <a:t>your</a:t>
+            </a:r>
+            <a:r>
+              <a:rPr lang="fr-FR" sz="1600" dirty="0" smtClean="0">
+                <a:solidFill>
+                  <a:srgbClr val="FF0000"/>
+                </a:solidFill>
+              </a:rPr>
+              <a:t> computer and </a:t>
+            </a:r>
+            <a:r>
+              <a:rPr lang="fr-FR" sz="1600" dirty="0" err="1" smtClean="0">
+                <a:solidFill>
+                  <a:srgbClr val="FF0000"/>
+                </a:solidFill>
+              </a:rPr>
+              <a:t>github.com</a:t>
+            </a:r>
+            <a:r>
+              <a:rPr lang="fr-FR" sz="1600" dirty="0" smtClean="0">
+                <a:solidFill>
+                  <a:srgbClr val="FF0000"/>
+                </a:solidFill>
+              </a:rPr>
+              <a:t>.</a:t>
+            </a:r>
+          </a:p>
+          <a:p>
+            <a:r>
+              <a:rPr lang="fr-FR" sz="1600" dirty="0" smtClean="0">
+                <a:solidFill>
+                  <a:srgbClr val="FF0000"/>
+                </a:solidFill>
+              </a:rPr>
+              <a:t/>
+            </a:r>
+            <a:br>
+              <a:rPr lang="fr-FR" sz="1600" dirty="0" smtClean="0">
+                <a:solidFill>
+                  <a:srgbClr val="FF0000"/>
+                </a:solidFill>
+              </a:rPr>
+            </a:br>
+            <a:r>
+              <a:rPr lang="fr-FR" sz="1600" dirty="0" smtClean="0">
+                <a:solidFill>
+                  <a:srgbClr val="FF0000"/>
+                </a:solidFill>
+              </a:rPr>
+              <a:t>- Just replace the the command line</a:t>
+            </a:r>
+            <a:endParaRPr lang="fr-FR" sz="1600" dirty="0" smtClean="0">
+              <a:solidFill>
+                <a:srgbClr val="FF0000"/>
+              </a:solidFill>
+            </a:endParaRPr>
           </a:p>
         </p:txBody>
       </p:sp>
     </p:spTree>
     <p:extLst>
       <p:ext uri="{BB962C8B-B14F-4D97-AF65-F5344CB8AC3E}">
-        <p14:creationId xmlns:p14="http://schemas.microsoft.com/office/powerpoint/2010/main" val="420362641"/>
+        <p14:creationId xmlns:p14="http://schemas.microsoft.com/office/powerpoint/2010/main" val="1167024625"/>
       </p:ext>
     </p:extLst>
   </p:cSld>
@@ -3852,81 +4181,55 @@
       </p:grpSpPr>
       <p:pic>
         <p:nvPicPr>
-          <p:cNvPr id="2" name="Image 1"/>
+          <p:cNvPr id="8" name="Image 7"/>
           <p:cNvPicPr>
             <a:picLocks noChangeAspect="1"/>
           </p:cNvPicPr>
           <p:nvPr/>
         </p:nvPicPr>
         <p:blipFill>
-          <a:blip r:embed="rId2"/>
+          <a:blip r:embed="rId2">
+            <a:alphaModFix amt="24000"/>
+            <a:extLst>
+              <a:ext uri="{28A0092B-C50C-407E-A947-70E740481C1C}">
+                <a14:useLocalDpi xmlns:a14="http://schemas.microsoft.com/office/drawing/2010/main" val="0"/>
+              </a:ext>
+            </a:extLst>
+          </a:blip>
           <a:stretch>
             <a:fillRect/>
           </a:stretch>
         </p:blipFill>
         <p:spPr>
           <a:xfrm>
-            <a:off x="4801115" y="2406314"/>
-            <a:ext cx="6765118" cy="4050632"/>
-          </a:xfrm>
-          <a:prstGeom prst="rect">
-            <a:avLst/>
-          </a:prstGeom>
-          <a:ln w="34925">
-            <a:solidFill>
-              <a:schemeClr val="tx1"/>
-            </a:solidFill>
-          </a:ln>
-        </p:spPr>
-      </p:pic>
-      <p:pic>
-        <p:nvPicPr>
-          <p:cNvPr id="3" name="Image 2"/>
-          <p:cNvPicPr>
-            <a:picLocks noChangeAspect="1"/>
-          </p:cNvPicPr>
-          <p:nvPr/>
-        </p:nvPicPr>
-        <p:blipFill>
-          <a:blip r:embed="rId3"/>
-          <a:stretch>
-            <a:fillRect/>
-          </a:stretch>
-        </p:blipFill>
-        <p:spPr>
-          <a:xfrm>
-            <a:off x="5057788" y="705184"/>
-            <a:ext cx="4787900" cy="635000"/>
-          </a:xfrm>
-          <a:prstGeom prst="rect">
-            <a:avLst/>
-          </a:prstGeom>
-          <a:ln w="34925">
-            <a:solidFill>
-              <a:schemeClr val="tx1"/>
-            </a:solidFill>
-          </a:ln>
+            <a:off x="-2411662" y="16042"/>
+            <a:ext cx="17808514" cy="6858000"/>
+          </a:xfrm>
+          <a:prstGeom prst="rect">
+            <a:avLst/>
+          </a:prstGeom>
         </p:spPr>
       </p:pic>
       <p:cxnSp>
         <p:nvCxnSpPr>
-          <p:cNvPr id="4" name="Connecteur droit avec flèche 3"/>
+          <p:cNvPr id="9" name="Connecteur droit 8"/>
           <p:cNvCxnSpPr/>
           <p:nvPr/>
         </p:nvCxnSpPr>
         <p:spPr>
-          <a:xfrm flipH="1">
-            <a:off x="10026314" y="929773"/>
-            <a:ext cx="914400" cy="0"/>
-          </a:xfrm>
-          <a:prstGeom prst="straightConnector1">
-            <a:avLst/>
-          </a:prstGeom>
-          <a:ln w="50800">
+          <a:xfrm>
+            <a:off x="3676696" y="3686627"/>
+            <a:ext cx="4702626" cy="0"/>
+          </a:xfrm>
+          <a:prstGeom prst="line">
+            <a:avLst/>
+          </a:prstGeom>
+          <a:ln>
             <a:solidFill>
-              <a:srgbClr val="FF0000"/>
+              <a:schemeClr val="bg2">
+                <a:lumMod val="50000"/>
+              </a:schemeClr>
             </a:solidFill>
-            <a:tailEnd type="triangle"/>
           </a:ln>
         </p:spPr>
         <p:style>
@@ -3946,14 +4249,14 @@
       </p:cxnSp>
       <p:sp>
         <p:nvSpPr>
-          <p:cNvPr id="5" name="ZoneTexte 4"/>
+          <p:cNvPr id="10" name="ZoneTexte 9"/>
           <p:cNvSpPr txBox="1"/>
           <p:nvPr/>
         </p:nvSpPr>
         <p:spPr>
           <a:xfrm>
-            <a:off x="11020926" y="689142"/>
-            <a:ext cx="1171074" cy="400110"/>
+            <a:off x="4585054" y="2760980"/>
+            <a:ext cx="2885909" cy="646331"/>
           </a:xfrm>
           <a:prstGeom prst="rect">
             <a:avLst/>
@@ -3967,62 +4270,27 @@
           <a:lstStyle/>
           <a:p>
             <a:r>
-              <a:rPr lang="fr-FR" sz="2000" b="1" dirty="0" smtClean="0">
-                <a:solidFill>
-                  <a:srgbClr val="FF0000"/>
-                </a:solidFill>
-              </a:rPr>
-              <a:t>.html</a:t>
-            </a:r>
-          </a:p>
-        </p:txBody>
-      </p:sp>
-      <p:cxnSp>
-        <p:nvCxnSpPr>
-          <p:cNvPr id="6" name="Connecteur droit avec flèche 5"/>
-          <p:cNvCxnSpPr/>
-          <p:nvPr/>
-        </p:nvCxnSpPr>
-        <p:spPr>
-          <a:xfrm flipH="1">
-            <a:off x="10106526" y="1226944"/>
-            <a:ext cx="914400" cy="0"/>
-          </a:xfrm>
-          <a:prstGeom prst="straightConnector1">
-            <a:avLst/>
-          </a:prstGeom>
-          <a:ln w="50800">
-            <a:solidFill>
-              <a:srgbClr val="FF0000"/>
-            </a:solidFill>
-            <a:tailEnd type="triangle"/>
-          </a:ln>
-        </p:spPr>
-        <p:style>
-          <a:lnRef idx="1">
-            <a:schemeClr val="accent1"/>
-          </a:lnRef>
-          <a:fillRef idx="0">
-            <a:schemeClr val="accent1"/>
-          </a:fillRef>
-          <a:effectRef idx="0">
-            <a:schemeClr val="accent1"/>
-          </a:effectRef>
-          <a:fontRef idx="minor">
-            <a:schemeClr val="tx1"/>
-          </a:fontRef>
-        </p:style>
-      </p:cxnSp>
-      <p:sp>
-        <p:nvSpPr>
-          <p:cNvPr id="7" name="ZoneTexte 6"/>
+              <a:rPr lang="fr-FR" sz="3600" dirty="0" err="1" smtClean="0"/>
+              <a:t>Your</a:t>
+            </a:r>
+            <a:r>
+              <a:rPr lang="fr-FR" sz="3600" dirty="0" smtClean="0"/>
+              <a:t> first repo</a:t>
+            </a:r>
+            <a:endParaRPr lang="fr-FR" sz="3600" dirty="0"/>
+          </a:p>
+        </p:txBody>
+      </p:sp>
+      <p:sp>
+        <p:nvSpPr>
+          <p:cNvPr id="5" name="ZoneTexte 4"/>
           <p:cNvSpPr txBox="1"/>
           <p:nvPr/>
         </p:nvSpPr>
         <p:spPr>
           <a:xfrm>
-            <a:off x="11101138" y="1002355"/>
-            <a:ext cx="1171074" cy="400110"/>
+            <a:off x="5163023" y="3812055"/>
+            <a:ext cx="1729970" cy="307777"/>
           </a:xfrm>
           <a:prstGeom prst="rect">
             <a:avLst/>
@@ -4036,484 +4304,21 @@
           <a:lstStyle/>
           <a:p>
             <a:r>
-              <a:rPr lang="fr-FR" sz="2000" b="1" dirty="0" smtClean="0">
-                <a:solidFill>
-                  <a:srgbClr val="FF0000"/>
-                </a:solidFill>
-              </a:rPr>
-              <a:t>.</a:t>
-            </a:r>
-            <a:r>
-              <a:rPr lang="fr-FR" sz="2000" b="1" dirty="0" err="1" smtClean="0">
-                <a:solidFill>
-                  <a:srgbClr val="FF0000"/>
-                </a:solidFill>
-              </a:rPr>
-              <a:t>rmd</a:t>
-            </a:r>
-            <a:endParaRPr lang="fr-FR" sz="2000" b="1" dirty="0" smtClean="0">
-              <a:solidFill>
-                <a:srgbClr val="FF0000"/>
-              </a:solidFill>
-            </a:endParaRPr>
-          </a:p>
-        </p:txBody>
-      </p:sp>
-      <p:sp>
-        <p:nvSpPr>
-          <p:cNvPr id="8" name="ZoneTexte 7"/>
-          <p:cNvSpPr txBox="1"/>
-          <p:nvPr/>
-        </p:nvSpPr>
-        <p:spPr>
-          <a:xfrm>
-            <a:off x="454064" y="889197"/>
-            <a:ext cx="3726050" cy="5755422"/>
-          </a:xfrm>
-          <a:prstGeom prst="rect">
-            <a:avLst/>
-          </a:prstGeom>
-          <a:noFill/>
-        </p:spPr>
-        <p:txBody>
-          <a:bodyPr wrap="square" rtlCol="0">
-            <a:spAutoFit/>
-          </a:bodyPr>
-          <a:lstStyle/>
-          <a:p>
-            <a:r>
-              <a:rPr lang="en-CA" sz="4400" dirty="0" smtClean="0">
-                <a:solidFill>
-                  <a:schemeClr val="accent2">
-                    <a:lumMod val="75000"/>
-                  </a:schemeClr>
-                </a:solidFill>
-              </a:rPr>
-              <a:t>4 - .HTML output is ready </a:t>
-            </a:r>
-          </a:p>
-          <a:p>
-            <a:endParaRPr lang="en-CA" sz="4400" dirty="0" smtClean="0">
-              <a:solidFill>
-                <a:schemeClr val="accent2">
-                  <a:lumMod val="75000"/>
-                </a:schemeClr>
-              </a:solidFill>
-            </a:endParaRPr>
-          </a:p>
-          <a:p>
-            <a:pPr marL="457200" indent="-457200">
-              <a:buFont typeface="Arial" charset="0"/>
-              <a:buChar char="•"/>
-            </a:pPr>
-            <a:r>
-              <a:rPr lang="en-CA" sz="3200" dirty="0" smtClean="0"/>
-              <a:t>Have a look to your current directory</a:t>
-            </a:r>
-          </a:p>
-          <a:p>
-            <a:endParaRPr lang="en-CA" sz="3200" dirty="0" smtClean="0"/>
-          </a:p>
-          <a:p>
-            <a:pPr marL="457200" indent="-457200">
-              <a:buFont typeface="Arial" charset="0"/>
-              <a:buChar char="•"/>
-            </a:pPr>
-            <a:r>
-              <a:rPr lang="en-CA" sz="3200" dirty="0" smtClean="0"/>
-              <a:t>Open the .html in a browser</a:t>
-            </a:r>
-            <a:endParaRPr lang="en-CA" sz="3200" dirty="0" smtClean="0">
-              <a:solidFill>
-                <a:schemeClr val="accent2">
-                  <a:lumMod val="75000"/>
-                </a:schemeClr>
-              </a:solidFill>
-            </a:endParaRPr>
-          </a:p>
-          <a:p>
-            <a:endParaRPr lang="en-CA" sz="4400" dirty="0">
-              <a:solidFill>
-                <a:schemeClr val="accent2">
-                  <a:lumMod val="75000"/>
-                </a:schemeClr>
-              </a:solidFill>
-            </a:endParaRPr>
-          </a:p>
-        </p:txBody>
-      </p:sp>
-      <p:cxnSp>
-        <p:nvCxnSpPr>
-          <p:cNvPr id="9" name="Connecteur droit avec flèche 8"/>
-          <p:cNvCxnSpPr/>
-          <p:nvPr/>
-        </p:nvCxnSpPr>
-        <p:spPr>
-          <a:xfrm flipH="1">
-            <a:off x="7018421" y="2887302"/>
-            <a:ext cx="914400" cy="0"/>
-          </a:xfrm>
-          <a:prstGeom prst="straightConnector1">
-            <a:avLst/>
-          </a:prstGeom>
-          <a:ln w="50800">
-            <a:solidFill>
-              <a:srgbClr val="FF0000"/>
-            </a:solidFill>
-            <a:tailEnd type="triangle"/>
-          </a:ln>
-        </p:spPr>
-        <p:style>
-          <a:lnRef idx="1">
-            <a:schemeClr val="accent1"/>
-          </a:lnRef>
-          <a:fillRef idx="0">
-            <a:schemeClr val="accent1"/>
-          </a:fillRef>
-          <a:effectRef idx="0">
-            <a:schemeClr val="accent1"/>
-          </a:effectRef>
-          <a:fontRef idx="minor">
-            <a:schemeClr val="tx1"/>
-          </a:fontRef>
-        </p:style>
-      </p:cxnSp>
-      <p:sp>
-        <p:nvSpPr>
-          <p:cNvPr id="10" name="ZoneTexte 9"/>
-          <p:cNvSpPr txBox="1"/>
-          <p:nvPr/>
-        </p:nvSpPr>
-        <p:spPr>
-          <a:xfrm>
-            <a:off x="8023254" y="2664795"/>
-            <a:ext cx="1171074" cy="400110"/>
-          </a:xfrm>
-          <a:prstGeom prst="rect">
-            <a:avLst/>
-          </a:prstGeom>
-          <a:noFill/>
-        </p:spPr>
-        <p:txBody>
-          <a:bodyPr wrap="square" rtlCol="0">
-            <a:spAutoFit/>
-          </a:bodyPr>
-          <a:lstStyle/>
-          <a:p>
-            <a:r>
-              <a:rPr lang="fr-FR" sz="2000" b="1" dirty="0" smtClean="0">
-                <a:solidFill>
-                  <a:srgbClr val="FF0000"/>
-                </a:solidFill>
-              </a:rPr>
-              <a:t>header</a:t>
-            </a:r>
-          </a:p>
-        </p:txBody>
-      </p:sp>
-      <p:sp>
-        <p:nvSpPr>
-          <p:cNvPr id="11" name="ZoneTexte 10"/>
-          <p:cNvSpPr txBox="1"/>
-          <p:nvPr/>
-        </p:nvSpPr>
-        <p:spPr>
-          <a:xfrm>
-            <a:off x="7401776" y="3193909"/>
-            <a:ext cx="1171074" cy="400110"/>
-          </a:xfrm>
-          <a:prstGeom prst="rect">
-            <a:avLst/>
-          </a:prstGeom>
-          <a:noFill/>
-        </p:spPr>
-        <p:txBody>
-          <a:bodyPr wrap="square" rtlCol="0">
-            <a:spAutoFit/>
-          </a:bodyPr>
-          <a:lstStyle/>
-          <a:p>
-            <a:r>
-              <a:rPr lang="fr-FR" sz="2000" b="1" dirty="0" err="1" smtClean="0">
-                <a:solidFill>
-                  <a:srgbClr val="FF0000"/>
-                </a:solidFill>
-              </a:rPr>
-              <a:t>Title</a:t>
-            </a:r>
-            <a:endParaRPr lang="fr-FR" sz="2000" b="1" dirty="0" smtClean="0">
-              <a:solidFill>
-                <a:srgbClr val="FF0000"/>
-              </a:solidFill>
-            </a:endParaRPr>
-          </a:p>
-        </p:txBody>
-      </p:sp>
-      <p:cxnSp>
-        <p:nvCxnSpPr>
-          <p:cNvPr id="12" name="Connecteur droit avec flèche 11"/>
-          <p:cNvCxnSpPr/>
-          <p:nvPr/>
-        </p:nvCxnSpPr>
-        <p:spPr>
-          <a:xfrm flipH="1">
-            <a:off x="6391124" y="3433792"/>
-            <a:ext cx="914400" cy="0"/>
-          </a:xfrm>
-          <a:prstGeom prst="straightConnector1">
-            <a:avLst/>
-          </a:prstGeom>
-          <a:ln w="50800">
-            <a:solidFill>
-              <a:srgbClr val="FF0000"/>
-            </a:solidFill>
-            <a:tailEnd type="triangle"/>
-          </a:ln>
-        </p:spPr>
-        <p:style>
-          <a:lnRef idx="1">
-            <a:schemeClr val="accent1"/>
-          </a:lnRef>
-          <a:fillRef idx="0">
-            <a:schemeClr val="accent1"/>
-          </a:fillRef>
-          <a:effectRef idx="0">
-            <a:schemeClr val="accent1"/>
-          </a:effectRef>
-          <a:fontRef idx="minor">
-            <a:schemeClr val="tx1"/>
-          </a:fontRef>
-        </p:style>
-      </p:cxnSp>
-      <p:sp>
-        <p:nvSpPr>
-          <p:cNvPr id="13" name="ZoneTexte 12"/>
-          <p:cNvSpPr txBox="1"/>
-          <p:nvPr/>
-        </p:nvSpPr>
-        <p:spPr>
-          <a:xfrm>
-            <a:off x="10587974" y="3594019"/>
-            <a:ext cx="1171074" cy="400110"/>
-          </a:xfrm>
-          <a:prstGeom prst="rect">
-            <a:avLst/>
-          </a:prstGeom>
-          <a:noFill/>
-        </p:spPr>
-        <p:txBody>
-          <a:bodyPr wrap="square" rtlCol="0">
-            <a:spAutoFit/>
-          </a:bodyPr>
-          <a:lstStyle/>
-          <a:p>
-            <a:r>
-              <a:rPr lang="fr-FR" sz="2000" b="1" smtClean="0">
-                <a:solidFill>
-                  <a:srgbClr val="FF0000"/>
-                </a:solidFill>
-              </a:rPr>
-              <a:t>Text</a:t>
-            </a:r>
-            <a:endParaRPr lang="fr-FR" sz="2000" b="1" dirty="0" smtClean="0">
-              <a:solidFill>
-                <a:srgbClr val="FF0000"/>
-              </a:solidFill>
-            </a:endParaRPr>
-          </a:p>
-        </p:txBody>
-      </p:sp>
-      <p:cxnSp>
-        <p:nvCxnSpPr>
-          <p:cNvPr id="14" name="Connecteur droit avec flèche 13"/>
-          <p:cNvCxnSpPr/>
-          <p:nvPr/>
-        </p:nvCxnSpPr>
-        <p:spPr>
-          <a:xfrm flipH="1">
-            <a:off x="9388488" y="3809839"/>
-            <a:ext cx="914400" cy="0"/>
-          </a:xfrm>
-          <a:prstGeom prst="straightConnector1">
-            <a:avLst/>
-          </a:prstGeom>
-          <a:ln w="50800">
-            <a:solidFill>
-              <a:srgbClr val="FF0000"/>
-            </a:solidFill>
-            <a:tailEnd type="triangle"/>
-          </a:ln>
-        </p:spPr>
-        <p:style>
-          <a:lnRef idx="1">
-            <a:schemeClr val="accent1"/>
-          </a:lnRef>
-          <a:fillRef idx="0">
-            <a:schemeClr val="accent1"/>
-          </a:fillRef>
-          <a:effectRef idx="0">
-            <a:schemeClr val="accent1"/>
-          </a:effectRef>
-          <a:fontRef idx="minor">
-            <a:schemeClr val="tx1"/>
-          </a:fontRef>
-        </p:style>
-      </p:cxnSp>
-      <p:cxnSp>
-        <p:nvCxnSpPr>
-          <p:cNvPr id="15" name="Connecteur droit avec flèche 14"/>
-          <p:cNvCxnSpPr/>
-          <p:nvPr/>
-        </p:nvCxnSpPr>
-        <p:spPr>
-          <a:xfrm flipH="1">
-            <a:off x="8931288" y="4431630"/>
-            <a:ext cx="914400" cy="0"/>
-          </a:xfrm>
-          <a:prstGeom prst="straightConnector1">
-            <a:avLst/>
-          </a:prstGeom>
-          <a:ln w="50800">
-            <a:solidFill>
-              <a:srgbClr val="FF0000"/>
-            </a:solidFill>
-            <a:tailEnd type="triangle"/>
-          </a:ln>
-        </p:spPr>
-        <p:style>
-          <a:lnRef idx="1">
-            <a:schemeClr val="accent1"/>
-          </a:lnRef>
-          <a:fillRef idx="0">
-            <a:schemeClr val="accent1"/>
-          </a:fillRef>
-          <a:effectRef idx="0">
-            <a:schemeClr val="accent1"/>
-          </a:effectRef>
-          <a:fontRef idx="minor">
-            <a:schemeClr val="tx1"/>
-          </a:fontRef>
-        </p:style>
-      </p:cxnSp>
-      <p:sp>
-        <p:nvSpPr>
-          <p:cNvPr id="16" name="ZoneTexte 15"/>
-          <p:cNvSpPr txBox="1"/>
-          <p:nvPr/>
-        </p:nvSpPr>
-        <p:spPr>
-          <a:xfrm>
-            <a:off x="9954031" y="4231575"/>
-            <a:ext cx="1171074" cy="400110"/>
-          </a:xfrm>
-          <a:prstGeom prst="rect">
-            <a:avLst/>
-          </a:prstGeom>
-          <a:noFill/>
-        </p:spPr>
-        <p:txBody>
-          <a:bodyPr wrap="square" rtlCol="0">
-            <a:spAutoFit/>
-          </a:bodyPr>
-          <a:lstStyle/>
-          <a:p>
-            <a:r>
-              <a:rPr lang="fr-FR" sz="2000" b="1" dirty="0" smtClean="0">
-                <a:solidFill>
-                  <a:srgbClr val="FF0000"/>
-                </a:solidFill>
-              </a:rPr>
-              <a:t>Code</a:t>
-            </a:r>
-          </a:p>
-        </p:txBody>
-      </p:sp>
-      <p:sp>
-        <p:nvSpPr>
-          <p:cNvPr id="17" name="ZoneTexte 16"/>
-          <p:cNvSpPr txBox="1"/>
-          <p:nvPr/>
-        </p:nvSpPr>
-        <p:spPr>
-          <a:xfrm>
-            <a:off x="9897977" y="4944150"/>
-            <a:ext cx="1171074" cy="707886"/>
-          </a:xfrm>
-          <a:prstGeom prst="rect">
-            <a:avLst/>
-          </a:prstGeom>
-          <a:noFill/>
-        </p:spPr>
-        <p:txBody>
-          <a:bodyPr wrap="square" rtlCol="0">
-            <a:spAutoFit/>
-          </a:bodyPr>
-          <a:lstStyle/>
-          <a:p>
-            <a:r>
-              <a:rPr lang="fr-FR" sz="2000" b="1" dirty="0" smtClean="0">
-                <a:solidFill>
-                  <a:srgbClr val="FF0000"/>
-                </a:solidFill>
-              </a:rPr>
-              <a:t>Code </a:t>
-            </a:r>
-            <a:r>
-              <a:rPr lang="fr-FR" sz="2000" b="1" dirty="0" err="1" smtClean="0">
-                <a:solidFill>
-                  <a:srgbClr val="FF0000"/>
-                </a:solidFill>
-              </a:rPr>
-              <a:t>result</a:t>
-            </a:r>
-            <a:endParaRPr lang="fr-FR" sz="2000" b="1" dirty="0" smtClean="0">
-              <a:solidFill>
-                <a:srgbClr val="FF0000"/>
-              </a:solidFill>
-            </a:endParaRPr>
-          </a:p>
-        </p:txBody>
-      </p:sp>
-      <p:cxnSp>
-        <p:nvCxnSpPr>
-          <p:cNvPr id="18" name="Connecteur droit avec flèche 17"/>
-          <p:cNvCxnSpPr/>
-          <p:nvPr/>
-        </p:nvCxnSpPr>
-        <p:spPr>
-          <a:xfrm flipH="1">
-            <a:off x="8737128" y="5144205"/>
-            <a:ext cx="914400" cy="0"/>
-          </a:xfrm>
-          <a:prstGeom prst="straightConnector1">
-            <a:avLst/>
-          </a:prstGeom>
-          <a:ln w="50800">
-            <a:solidFill>
-              <a:srgbClr val="FF0000"/>
-            </a:solidFill>
-            <a:tailEnd type="triangle"/>
-          </a:ln>
-        </p:spPr>
-        <p:style>
-          <a:lnRef idx="1">
-            <a:schemeClr val="accent1"/>
-          </a:lnRef>
-          <a:fillRef idx="0">
-            <a:schemeClr val="accent1"/>
-          </a:fillRef>
-          <a:effectRef idx="0">
-            <a:schemeClr val="accent1"/>
-          </a:effectRef>
-          <a:fontRef idx="minor">
-            <a:schemeClr val="tx1"/>
-          </a:fontRef>
-        </p:style>
-      </p:cxnSp>
+              <a:rPr lang="fr-FR" sz="1400" i="1" dirty="0" err="1" smtClean="0"/>
+              <a:t>Hopefully</a:t>
+            </a:r>
+            <a:r>
+              <a:rPr lang="fr-FR" sz="1400" i="1" dirty="0" smtClean="0"/>
+              <a:t> not the last</a:t>
+            </a:r>
+            <a:endParaRPr lang="fr-FR" sz="1400" i="1" dirty="0"/>
+          </a:p>
+        </p:txBody>
+      </p:sp>
     </p:spTree>
     <p:extLst>
       <p:ext uri="{BB962C8B-B14F-4D97-AF65-F5344CB8AC3E}">
-        <p14:creationId xmlns:p14="http://schemas.microsoft.com/office/powerpoint/2010/main" val="1884991369"/>
+        <p14:creationId xmlns:p14="http://schemas.microsoft.com/office/powerpoint/2010/main" val="1786452850"/>
       </p:ext>
     </p:extLst>
   </p:cSld>
@@ -4547,31 +4352,110 @@
           <a:chExt cx="0" cy="0"/>
         </a:xfrm>
       </p:grpSpPr>
+      <p:sp>
+        <p:nvSpPr>
+          <p:cNvPr id="5" name="ZoneTexte 4"/>
+          <p:cNvSpPr txBox="1"/>
+          <p:nvPr/>
+        </p:nvSpPr>
+        <p:spPr>
+          <a:xfrm>
+            <a:off x="421636" y="364000"/>
+            <a:ext cx="3063436" cy="400110"/>
+          </a:xfrm>
+          <a:prstGeom prst="rect">
+            <a:avLst/>
+          </a:prstGeom>
+          <a:noFill/>
+        </p:spPr>
+        <p:txBody>
+          <a:bodyPr wrap="square" rtlCol="0">
+            <a:spAutoFit/>
+          </a:bodyPr>
+          <a:lstStyle/>
+          <a:p>
+            <a:r>
+              <a:rPr lang="fr-FR" sz="2000" b="1" dirty="0" smtClean="0">
+                <a:solidFill>
+                  <a:srgbClr val="FF0000"/>
+                </a:solidFill>
+              </a:rPr>
+              <a:t>1 </a:t>
+            </a:r>
+            <a:r>
+              <a:rPr lang="mr-IN" sz="2000" b="1" dirty="0" smtClean="0">
+                <a:solidFill>
+                  <a:srgbClr val="FF0000"/>
+                </a:solidFill>
+              </a:rPr>
+              <a:t>–</a:t>
+            </a:r>
+            <a:r>
+              <a:rPr lang="fr-FR" sz="2000" b="1" dirty="0" smtClean="0">
+                <a:solidFill>
+                  <a:srgbClr val="FF0000"/>
+                </a:solidFill>
+              </a:rPr>
+              <a:t> </a:t>
+            </a:r>
+            <a:r>
+              <a:rPr lang="fr-FR" sz="2000" b="1" dirty="0" err="1">
+                <a:solidFill>
+                  <a:srgbClr val="FF0000"/>
+                </a:solidFill>
+              </a:rPr>
+              <a:t>C</a:t>
+            </a:r>
+            <a:r>
+              <a:rPr lang="fr-FR" sz="2000" b="1" dirty="0" err="1" smtClean="0">
+                <a:solidFill>
+                  <a:srgbClr val="FF0000"/>
+                </a:solidFill>
+              </a:rPr>
+              <a:t>reate</a:t>
+            </a:r>
+            <a:r>
+              <a:rPr lang="fr-FR" sz="2000" b="1" dirty="0" smtClean="0">
+                <a:solidFill>
+                  <a:srgbClr val="FF0000"/>
+                </a:solidFill>
+              </a:rPr>
+              <a:t> local </a:t>
+            </a:r>
+            <a:r>
+              <a:rPr lang="fr-FR" sz="2000" b="1" dirty="0" err="1" smtClean="0">
+                <a:solidFill>
+                  <a:srgbClr val="FF0000"/>
+                </a:solidFill>
+              </a:rPr>
+              <a:t>folder</a:t>
+            </a:r>
+            <a:endParaRPr lang="fr-FR" sz="2000" b="1" dirty="0" smtClean="0">
+              <a:solidFill>
+                <a:srgbClr val="FF0000"/>
+              </a:solidFill>
+            </a:endParaRPr>
+          </a:p>
+        </p:txBody>
+      </p:sp>
       <p:pic>
         <p:nvPicPr>
-          <p:cNvPr id="8" name="Image 7"/>
+          <p:cNvPr id="6" name="Image 5"/>
           <p:cNvPicPr>
             <a:picLocks noChangeAspect="1"/>
           </p:cNvPicPr>
           <p:nvPr/>
         </p:nvPicPr>
         <p:blipFill>
-          <a:blip r:embed="rId2">
-            <a:alphaModFix amt="24000"/>
-            <a:extLst>
-              <a:ext uri="{28A0092B-C50C-407E-A947-70E740481C1C}">
-                <a14:useLocalDpi xmlns:a14="http://schemas.microsoft.com/office/drawing/2010/main" val="0"/>
-              </a:ext>
-            </a:extLst>
-          </a:blip>
+          <a:blip r:embed="rId2"/>
           <a:stretch>
             <a:fillRect/>
           </a:stretch>
         </p:blipFill>
         <p:spPr>
           <a:xfrm>
-            <a:off x="-2411662" y="16042"/>
-            <a:ext cx="17808514" cy="6858000"/>
+            <a:off x="421636" y="921349"/>
+            <a:ext cx="4700593" cy="821188"/>
           </a:xfrm>
           <a:prstGeom prst="rect">
             <a:avLst/>
@@ -4580,24 +4464,23 @@
       </p:pic>
       <p:cxnSp>
         <p:nvCxnSpPr>
-          <p:cNvPr id="9" name="Connecteur droit 8"/>
+          <p:cNvPr id="7" name="Connecteur droit avec flèche 6"/>
           <p:cNvCxnSpPr/>
           <p:nvPr/>
         </p:nvCxnSpPr>
         <p:spPr>
-          <a:xfrm>
-            <a:off x="3676696" y="3686627"/>
-            <a:ext cx="4702626" cy="0"/>
-          </a:xfrm>
-          <a:prstGeom prst="line">
-            <a:avLst/>
-          </a:prstGeom>
-          <a:ln>
+          <a:xfrm flipH="1">
+            <a:off x="1708030" y="1689702"/>
+            <a:ext cx="1" cy="466902"/>
+          </a:xfrm>
+          <a:prstGeom prst="straightConnector1">
+            <a:avLst/>
+          </a:prstGeom>
+          <a:ln w="50800">
             <a:solidFill>
-              <a:schemeClr val="bg2">
-                <a:lumMod val="50000"/>
-              </a:schemeClr>
+              <a:srgbClr val="FF0000"/>
             </a:solidFill>
+            <a:tailEnd type="triangle"/>
           </a:ln>
         </p:spPr>
         <p:style>
@@ -4623,8 +4506,8 @@
         </p:nvSpPr>
         <p:spPr>
           <a:xfrm>
-            <a:off x="4605609" y="2831940"/>
-            <a:ext cx="4814161" cy="646331"/>
+            <a:off x="421635" y="2500587"/>
+            <a:ext cx="4012341" cy="400110"/>
           </a:xfrm>
           <a:prstGeom prst="rect">
             <a:avLst/>
@@ -4638,25 +4521,349 @@
           <a:lstStyle/>
           <a:p>
             <a:r>
-              <a:rPr lang="fr-FR" sz="3600" dirty="0" err="1" smtClean="0"/>
-              <a:t>Customize</a:t>
-            </a:r>
-            <a:r>
-              <a:rPr lang="fr-FR" sz="3600" dirty="0" smtClean="0"/>
+              <a:rPr lang="fr-FR" sz="2000" b="1" dirty="0">
+                <a:solidFill>
+                  <a:srgbClr val="FF0000"/>
+                </a:solidFill>
+              </a:rPr>
+              <a:t>2</a:t>
+            </a:r>
+            <a:r>
+              <a:rPr lang="fr-FR" sz="2000" b="1" dirty="0" smtClean="0">
+                <a:solidFill>
+                  <a:srgbClr val="FF0000"/>
+                </a:solidFill>
+              </a:rPr>
               <a:t> </a:t>
             </a:r>
             <a:r>
-              <a:rPr lang="fr-FR" sz="3600" dirty="0" err="1" smtClean="0"/>
-              <a:t>text</a:t>
-            </a:r>
-            <a:endParaRPr lang="fr-FR" sz="3600" dirty="0"/>
+              <a:rPr lang="mr-IN" sz="2000" b="1" dirty="0" smtClean="0">
+                <a:solidFill>
+                  <a:srgbClr val="FF0000"/>
+                </a:solidFill>
+              </a:rPr>
+              <a:t>–</a:t>
+            </a:r>
+            <a:r>
+              <a:rPr lang="fr-FR" sz="2000" b="1" dirty="0" smtClean="0">
+                <a:solidFill>
+                  <a:srgbClr val="FF0000"/>
+                </a:solidFill>
+              </a:rPr>
+              <a:t> </a:t>
+            </a:r>
+            <a:r>
+              <a:rPr lang="fr-FR" sz="2000" b="1" dirty="0" err="1" smtClean="0">
+                <a:solidFill>
+                  <a:srgbClr val="FF0000"/>
+                </a:solidFill>
+              </a:rPr>
+              <a:t>Transform</a:t>
+            </a:r>
+            <a:r>
+              <a:rPr lang="fr-FR" sz="2000" b="1" dirty="0" smtClean="0">
+                <a:solidFill>
+                  <a:srgbClr val="FF0000"/>
+                </a:solidFill>
+              </a:rPr>
+              <a:t> </a:t>
+            </a:r>
+            <a:r>
+              <a:rPr lang="fr-FR" sz="2000" b="1" dirty="0" err="1" smtClean="0">
+                <a:solidFill>
+                  <a:srgbClr val="FF0000"/>
+                </a:solidFill>
+              </a:rPr>
+              <a:t>it</a:t>
+            </a:r>
+            <a:r>
+              <a:rPr lang="fr-FR" sz="2000" b="1" dirty="0" smtClean="0">
+                <a:solidFill>
+                  <a:srgbClr val="FF0000"/>
+                </a:solidFill>
+              </a:rPr>
+              <a:t> in a Git </a:t>
+            </a:r>
+            <a:r>
+              <a:rPr lang="fr-FR" sz="2000" b="1" dirty="0" err="1" smtClean="0">
+                <a:solidFill>
+                  <a:srgbClr val="FF0000"/>
+                </a:solidFill>
+              </a:rPr>
+              <a:t>repository</a:t>
+            </a:r>
+            <a:endParaRPr lang="fr-FR" sz="2000" b="1" dirty="0" smtClean="0">
+              <a:solidFill>
+                <a:srgbClr val="FF0000"/>
+              </a:solidFill>
+            </a:endParaRPr>
+          </a:p>
+        </p:txBody>
+      </p:sp>
+      <p:pic>
+        <p:nvPicPr>
+          <p:cNvPr id="13" name="Image 12"/>
+          <p:cNvPicPr>
+            <a:picLocks noChangeAspect="1"/>
+          </p:cNvPicPr>
+          <p:nvPr/>
+        </p:nvPicPr>
+        <p:blipFill>
+          <a:blip r:embed="rId3"/>
+          <a:stretch>
+            <a:fillRect/>
+          </a:stretch>
+        </p:blipFill>
+        <p:spPr>
+          <a:xfrm>
+            <a:off x="421635" y="2979297"/>
+            <a:ext cx="4927600" cy="1358900"/>
+          </a:xfrm>
+          <a:prstGeom prst="rect">
+            <a:avLst/>
+          </a:prstGeom>
+        </p:spPr>
+      </p:pic>
+      <p:cxnSp>
+        <p:nvCxnSpPr>
+          <p:cNvPr id="15" name="Connecteur droit avec flèche 14"/>
+          <p:cNvCxnSpPr/>
+          <p:nvPr/>
+        </p:nvCxnSpPr>
+        <p:spPr>
+          <a:xfrm flipH="1">
+            <a:off x="1708030" y="4564017"/>
+            <a:ext cx="1" cy="466902"/>
+          </a:xfrm>
+          <a:prstGeom prst="straightConnector1">
+            <a:avLst/>
+          </a:prstGeom>
+          <a:ln w="50800">
+            <a:solidFill>
+              <a:srgbClr val="FF0000"/>
+            </a:solidFill>
+            <a:tailEnd type="triangle"/>
+          </a:ln>
+        </p:spPr>
+        <p:style>
+          <a:lnRef idx="1">
+            <a:schemeClr val="accent1"/>
+          </a:lnRef>
+          <a:fillRef idx="0">
+            <a:schemeClr val="accent1"/>
+          </a:fillRef>
+          <a:effectRef idx="0">
+            <a:schemeClr val="accent1"/>
+          </a:effectRef>
+          <a:fontRef idx="minor">
+            <a:schemeClr val="tx1"/>
+          </a:fontRef>
+        </p:style>
+      </p:cxnSp>
+      <p:sp>
+        <p:nvSpPr>
+          <p:cNvPr id="16" name="ZoneTexte 15"/>
+          <p:cNvSpPr txBox="1"/>
+          <p:nvPr/>
+        </p:nvSpPr>
+        <p:spPr>
+          <a:xfrm>
+            <a:off x="421635" y="5374902"/>
+            <a:ext cx="4012341" cy="400110"/>
+          </a:xfrm>
+          <a:prstGeom prst="rect">
+            <a:avLst/>
+          </a:prstGeom>
+          <a:noFill/>
+        </p:spPr>
+        <p:txBody>
+          <a:bodyPr wrap="square" rtlCol="0">
+            <a:spAutoFit/>
+          </a:bodyPr>
+          <a:lstStyle/>
+          <a:p>
+            <a:r>
+              <a:rPr lang="fr-FR" sz="2000" b="1" dirty="0" smtClean="0">
+                <a:solidFill>
+                  <a:srgbClr val="FF0000"/>
+                </a:solidFill>
+              </a:rPr>
+              <a:t>3 </a:t>
+            </a:r>
+            <a:r>
+              <a:rPr lang="mr-IN" sz="2000" b="1" dirty="0" smtClean="0">
+                <a:solidFill>
+                  <a:srgbClr val="FF0000"/>
+                </a:solidFill>
+              </a:rPr>
+              <a:t>–</a:t>
+            </a:r>
+            <a:r>
+              <a:rPr lang="fr-FR" sz="2000" b="1" dirty="0" smtClean="0">
+                <a:solidFill>
+                  <a:srgbClr val="FF0000"/>
+                </a:solidFill>
+              </a:rPr>
+              <a:t> </a:t>
+            </a:r>
+            <a:r>
+              <a:rPr lang="fr-FR" sz="2000" b="1" dirty="0" err="1" smtClean="0">
+                <a:solidFill>
+                  <a:srgbClr val="FF0000"/>
+                </a:solidFill>
+              </a:rPr>
+              <a:t>Publish</a:t>
+            </a:r>
+            <a:r>
+              <a:rPr lang="fr-FR" sz="2000" b="1" dirty="0" smtClean="0">
+                <a:solidFill>
+                  <a:srgbClr val="FF0000"/>
+                </a:solidFill>
+              </a:rPr>
+              <a:t> the repo</a:t>
+            </a:r>
+            <a:endParaRPr lang="fr-FR" sz="2000" b="1" dirty="0" smtClean="0">
+              <a:solidFill>
+                <a:srgbClr val="FF0000"/>
+              </a:solidFill>
+            </a:endParaRPr>
+          </a:p>
+        </p:txBody>
+      </p:sp>
+      <p:pic>
+        <p:nvPicPr>
+          <p:cNvPr id="17" name="Image 16"/>
+          <p:cNvPicPr>
+            <a:picLocks noChangeAspect="1"/>
+          </p:cNvPicPr>
+          <p:nvPr/>
+        </p:nvPicPr>
+        <p:blipFill>
+          <a:blip r:embed="rId4"/>
+          <a:stretch>
+            <a:fillRect/>
+          </a:stretch>
+        </p:blipFill>
+        <p:spPr>
+          <a:xfrm>
+            <a:off x="560358" y="5932817"/>
+            <a:ext cx="3238500" cy="685800"/>
+          </a:xfrm>
+          <a:prstGeom prst="rect">
+            <a:avLst/>
+          </a:prstGeom>
+        </p:spPr>
+      </p:pic>
+      <p:cxnSp>
+        <p:nvCxnSpPr>
+          <p:cNvPr id="18" name="Connecteur droit avec flèche 17"/>
+          <p:cNvCxnSpPr/>
+          <p:nvPr/>
+        </p:nvCxnSpPr>
+        <p:spPr>
+          <a:xfrm flipV="1">
+            <a:off x="4862424" y="6142008"/>
+            <a:ext cx="848263" cy="9707"/>
+          </a:xfrm>
+          <a:prstGeom prst="straightConnector1">
+            <a:avLst/>
+          </a:prstGeom>
+          <a:ln w="50800">
+            <a:solidFill>
+              <a:srgbClr val="FF0000"/>
+            </a:solidFill>
+            <a:tailEnd type="triangle"/>
+          </a:ln>
+        </p:spPr>
+        <p:style>
+          <a:lnRef idx="1">
+            <a:schemeClr val="accent1"/>
+          </a:lnRef>
+          <a:fillRef idx="0">
+            <a:schemeClr val="accent1"/>
+          </a:fillRef>
+          <a:effectRef idx="0">
+            <a:schemeClr val="accent1"/>
+          </a:effectRef>
+          <a:fontRef idx="minor">
+            <a:schemeClr val="tx1"/>
+          </a:fontRef>
+        </p:style>
+      </p:cxnSp>
+      <p:sp>
+        <p:nvSpPr>
+          <p:cNvPr id="20" name="ZoneTexte 19"/>
+          <p:cNvSpPr txBox="1"/>
+          <p:nvPr/>
+        </p:nvSpPr>
+        <p:spPr>
+          <a:xfrm>
+            <a:off x="6388239" y="5355493"/>
+            <a:ext cx="4012341" cy="400110"/>
+          </a:xfrm>
+          <a:prstGeom prst="rect">
+            <a:avLst/>
+          </a:prstGeom>
+          <a:noFill/>
+        </p:spPr>
+        <p:txBody>
+          <a:bodyPr wrap="square" rtlCol="0">
+            <a:spAutoFit/>
+          </a:bodyPr>
+          <a:lstStyle/>
+          <a:p>
+            <a:r>
+              <a:rPr lang="fr-FR" sz="2000" b="1" dirty="0" smtClean="0">
+                <a:solidFill>
+                  <a:srgbClr val="FF0000"/>
+                </a:solidFill>
+              </a:rPr>
+              <a:t>4</a:t>
+            </a:r>
+            <a:r>
+              <a:rPr lang="mr-IN" sz="2000" b="1" dirty="0" smtClean="0">
+                <a:solidFill>
+                  <a:srgbClr val="FF0000"/>
+                </a:solidFill>
+              </a:rPr>
+              <a:t>–</a:t>
+            </a:r>
+            <a:r>
+              <a:rPr lang="fr-FR" sz="2000" b="1" dirty="0" smtClean="0">
+                <a:solidFill>
+                  <a:srgbClr val="FF0000"/>
+                </a:solidFill>
+              </a:rPr>
+              <a:t> Have a look to </a:t>
+            </a:r>
+            <a:r>
+              <a:rPr lang="fr-FR" sz="2000" b="1" dirty="0" err="1" smtClean="0">
+                <a:solidFill>
+                  <a:srgbClr val="FF0000"/>
+                </a:solidFill>
+              </a:rPr>
+              <a:t>it</a:t>
+            </a:r>
+            <a:r>
+              <a:rPr lang="fr-FR" sz="2000" b="1" smtClean="0">
+                <a:solidFill>
+                  <a:srgbClr val="FF0000"/>
+                </a:solidFill>
+              </a:rPr>
+              <a:t> online</a:t>
+            </a:r>
+            <a:endParaRPr lang="fr-FR" sz="2000" b="1" dirty="0" smtClean="0">
+              <a:solidFill>
+                <a:srgbClr val="FF0000"/>
+              </a:solidFill>
+            </a:endParaRPr>
           </a:p>
         </p:txBody>
       </p:sp>
     </p:spTree>
     <p:extLst>
       <p:ext uri="{BB962C8B-B14F-4D97-AF65-F5344CB8AC3E}">
-        <p14:creationId xmlns:p14="http://schemas.microsoft.com/office/powerpoint/2010/main" val="734081744"/>
+        <p14:creationId xmlns:p14="http://schemas.microsoft.com/office/powerpoint/2010/main" val="420362641"/>
       </p:ext>
     </p:extLst>
   </p:cSld>
@@ -4690,43 +4897,9 @@
           <a:chExt cx="0" cy="0"/>
         </a:xfrm>
       </p:grpSpPr>
-      <p:sp>
-        <p:nvSpPr>
-          <p:cNvPr id="2" name="Rectangle 1"/>
-          <p:cNvSpPr/>
-          <p:nvPr/>
-        </p:nvSpPr>
-        <p:spPr>
-          <a:xfrm>
-            <a:off x="330105" y="1424701"/>
-            <a:ext cx="4069063" cy="707886"/>
-          </a:xfrm>
-          <a:prstGeom prst="rect">
-            <a:avLst/>
-          </a:prstGeom>
-        </p:spPr>
-        <p:txBody>
-          <a:bodyPr wrap="none">
-            <a:spAutoFit/>
-          </a:bodyPr>
-          <a:lstStyle/>
-          <a:p>
-            <a:r>
-              <a:rPr lang="en-CA" sz="4000" dirty="0" smtClean="0">
-                <a:solidFill>
-                  <a:schemeClr val="accent2">
-                    <a:lumMod val="75000"/>
-                  </a:schemeClr>
-                </a:solidFill>
-              </a:rPr>
-              <a:t>Customize the text</a:t>
-            </a:r>
-          </a:p>
-        </p:txBody>
-      </p:sp>
       <p:pic>
         <p:nvPicPr>
-          <p:cNvPr id="3" name="Image 2"/>
+          <p:cNvPr id="2" name="Image 1"/>
           <p:cNvPicPr>
             <a:picLocks noChangeAspect="1"/>
           </p:cNvPicPr>
@@ -4740,8 +4913,8 @@
         </p:blipFill>
         <p:spPr>
           <a:xfrm>
-            <a:off x="5017762" y="160420"/>
-            <a:ext cx="7047281" cy="6633411"/>
+            <a:off x="4801115" y="2406314"/>
+            <a:ext cx="6765118" cy="4050632"/>
           </a:xfrm>
           <a:prstGeom prst="rect">
             <a:avLst/>
@@ -4753,16 +4926,81 @@
           </a:ln>
         </p:spPr>
       </p:pic>
-      <p:sp>
-        <p:nvSpPr>
-          <p:cNvPr id="4" name="ZoneTexte 3"/>
+      <p:pic>
+        <p:nvPicPr>
+          <p:cNvPr id="3" name="Image 2"/>
+          <p:cNvPicPr>
+            <a:picLocks noChangeAspect="1"/>
+          </p:cNvPicPr>
+          <p:nvPr/>
+        </p:nvPicPr>
+        <p:blipFill>
+          <a:blip r:embed="rId3"/>
+          <a:stretch>
+            <a:fillRect/>
+          </a:stretch>
+        </p:blipFill>
+        <p:spPr>
+          <a:xfrm>
+            <a:off x="5057788" y="705184"/>
+            <a:ext cx="4787900" cy="635000"/>
+          </a:xfrm>
+          <a:prstGeom prst="rect">
+            <a:avLst/>
+          </a:prstGeom>
+          <a:ln w="34925">
+            <a:solidFill>
+              <a:schemeClr val="tx1"/>
+            </a:solidFill>
+          </a:ln>
+        </p:spPr>
+      </p:pic>
+      <p:cxnSp>
+        <p:nvCxnSpPr>
+          <p:cNvPr id="4" name="Connecteur droit avec flèche 3"/>
+          <p:cNvCxnSpPr/>
+          <p:nvPr/>
+        </p:nvCxnSpPr>
+        <p:spPr>
+          <a:xfrm flipH="1">
+            <a:off x="10026314" y="929773"/>
+            <a:ext cx="914400" cy="0"/>
+          </a:xfrm>
+          <a:prstGeom prst="straightConnector1">
+            <a:avLst/>
+          </a:prstGeom>
+          <a:ln w="50800">
+            <a:solidFill>
+              <a:srgbClr val="FF0000"/>
+            </a:solidFill>
+            <a:tailEnd type="triangle"/>
+          </a:ln>
+        </p:spPr>
+        <p:style>
+          <a:lnRef idx="1">
+            <a:schemeClr val="accent1"/>
+          </a:lnRef>
+          <a:fillRef idx="0">
+            <a:schemeClr val="accent1"/>
+          </a:fillRef>
+          <a:effectRef idx="0">
+            <a:schemeClr val="accent1"/>
+          </a:effectRef>
+          <a:fontRef idx="minor">
+            <a:schemeClr val="tx1"/>
+          </a:fontRef>
+        </p:style>
+      </p:cxnSp>
+      <p:sp>
+        <p:nvSpPr>
+          <p:cNvPr id="5" name="ZoneTexte 4"/>
           <p:cNvSpPr txBox="1"/>
           <p:nvPr/>
         </p:nvSpPr>
         <p:spPr>
           <a:xfrm>
-            <a:off x="416762" y="4150895"/>
-            <a:ext cx="3449053" cy="461665"/>
+            <a:off x="11020926" y="689142"/>
+            <a:ext cx="1171074" cy="400110"/>
           </a:xfrm>
           <a:prstGeom prst="rect">
             <a:avLst/>
@@ -4776,67 +5014,553 @@
           <a:lstStyle/>
           <a:p>
             <a:r>
-              <a:rPr lang="fr-FR" sz="2400" dirty="0" smtClean="0"/>
-              <a:t>R Markdown cheat sheet</a:t>
-            </a:r>
-          </a:p>
-        </p:txBody>
-      </p:sp>
-      <p:sp>
-        <p:nvSpPr>
-          <p:cNvPr id="5" name="Rectangle 4">
-            <a:hlinkClick r:id="rId3"/>
-          </p:cNvPr>
-          <p:cNvSpPr/>
-          <p:nvPr/>
-        </p:nvSpPr>
-        <p:spPr>
-          <a:xfrm>
-            <a:off x="937642" y="4855646"/>
-            <a:ext cx="1565365" cy="369332"/>
-          </a:xfrm>
-          <a:prstGeom prst="rect">
-            <a:avLst/>
-          </a:prstGeom>
-          <a:ln>
+              <a:rPr lang="fr-FR" sz="2000" b="1" dirty="0" smtClean="0">
+                <a:solidFill>
+                  <a:srgbClr val="FF0000"/>
+                </a:solidFill>
+              </a:rPr>
+              <a:t>.html</a:t>
+            </a:r>
+          </a:p>
+        </p:txBody>
+      </p:sp>
+      <p:cxnSp>
+        <p:nvCxnSpPr>
+          <p:cNvPr id="6" name="Connecteur droit avec flèche 5"/>
+          <p:cNvCxnSpPr/>
+          <p:nvPr/>
+        </p:nvCxnSpPr>
+        <p:spPr>
+          <a:xfrm flipH="1">
+            <a:off x="10106526" y="1226944"/>
+            <a:ext cx="914400" cy="0"/>
+          </a:xfrm>
+          <a:prstGeom prst="straightConnector1">
+            <a:avLst/>
+          </a:prstGeom>
+          <a:ln w="50800">
             <a:solidFill>
-              <a:schemeClr val="accent1"/>
+              <a:srgbClr val="FF0000"/>
             </a:solidFill>
+            <a:tailEnd type="triangle"/>
           </a:ln>
         </p:spPr>
-        <p:txBody>
-          <a:bodyPr wrap="none">
+        <p:style>
+          <a:lnRef idx="1">
+            <a:schemeClr val="accent1"/>
+          </a:lnRef>
+          <a:fillRef idx="0">
+            <a:schemeClr val="accent1"/>
+          </a:fillRef>
+          <a:effectRef idx="0">
+            <a:schemeClr val="accent1"/>
+          </a:effectRef>
+          <a:fontRef idx="minor">
+            <a:schemeClr val="tx1"/>
+          </a:fontRef>
+        </p:style>
+      </p:cxnSp>
+      <p:sp>
+        <p:nvSpPr>
+          <p:cNvPr id="7" name="ZoneTexte 6"/>
+          <p:cNvSpPr txBox="1"/>
+          <p:nvPr/>
+        </p:nvSpPr>
+        <p:spPr>
+          <a:xfrm>
+            <a:off x="11101138" y="1002355"/>
+            <a:ext cx="1171074" cy="400110"/>
+          </a:xfrm>
+          <a:prstGeom prst="rect">
+            <a:avLst/>
+          </a:prstGeom>
+          <a:noFill/>
+        </p:spPr>
+        <p:txBody>
+          <a:bodyPr wrap="square" rtlCol="0">
             <a:spAutoFit/>
           </a:bodyPr>
           <a:lstStyle/>
           <a:p>
             <a:r>
-              <a:rPr lang="fr-FR" dirty="0" err="1">
-                <a:solidFill>
-                  <a:schemeClr val="accent1">
+              <a:rPr lang="fr-FR" sz="2000" b="1" dirty="0" smtClean="0">
+                <a:solidFill>
+                  <a:srgbClr val="FF0000"/>
+                </a:solidFill>
+              </a:rPr>
+              <a:t>.</a:t>
+            </a:r>
+            <a:r>
+              <a:rPr lang="fr-FR" sz="2000" b="1" dirty="0" err="1" smtClean="0">
+                <a:solidFill>
+                  <a:srgbClr val="FF0000"/>
+                </a:solidFill>
+              </a:rPr>
+              <a:t>rmd</a:t>
+            </a:r>
+            <a:endParaRPr lang="fr-FR" sz="2000" b="1" dirty="0" smtClean="0">
+              <a:solidFill>
+                <a:srgbClr val="FF0000"/>
+              </a:solidFill>
+            </a:endParaRPr>
+          </a:p>
+        </p:txBody>
+      </p:sp>
+      <p:sp>
+        <p:nvSpPr>
+          <p:cNvPr id="8" name="ZoneTexte 7"/>
+          <p:cNvSpPr txBox="1"/>
+          <p:nvPr/>
+        </p:nvSpPr>
+        <p:spPr>
+          <a:xfrm>
+            <a:off x="454064" y="889197"/>
+            <a:ext cx="3726050" cy="5755422"/>
+          </a:xfrm>
+          <a:prstGeom prst="rect">
+            <a:avLst/>
+          </a:prstGeom>
+          <a:noFill/>
+        </p:spPr>
+        <p:txBody>
+          <a:bodyPr wrap="square" rtlCol="0">
+            <a:spAutoFit/>
+          </a:bodyPr>
+          <a:lstStyle/>
+          <a:p>
+            <a:r>
+              <a:rPr lang="en-CA" sz="4400" dirty="0" smtClean="0">
+                <a:solidFill>
+                  <a:schemeClr val="accent2">
                     <a:lumMod val="75000"/>
                   </a:schemeClr>
                 </a:solidFill>
               </a:rPr>
-              <a:t>bit.ly</a:t>
-            </a:r>
-            <a:r>
-              <a:rPr lang="fr-FR" dirty="0">
-                <a:solidFill>
-                  <a:schemeClr val="accent1">
-                    <a:lumMod val="75000"/>
-                  </a:schemeClr>
-                </a:solidFill>
-              </a:rPr>
-              <a:t>/1SuNTo9</a:t>
-            </a:r>
-          </a:p>
-        </p:txBody>
-      </p:sp>
+              <a:t>4 - .HTML output is ready </a:t>
+            </a:r>
+          </a:p>
+          <a:p>
+            <a:endParaRPr lang="en-CA" sz="4400" dirty="0" smtClean="0">
+              <a:solidFill>
+                <a:schemeClr val="accent2">
+                  <a:lumMod val="75000"/>
+                </a:schemeClr>
+              </a:solidFill>
+            </a:endParaRPr>
+          </a:p>
+          <a:p>
+            <a:pPr marL="457200" indent="-457200">
+              <a:buFont typeface="Arial" charset="0"/>
+              <a:buChar char="•"/>
+            </a:pPr>
+            <a:r>
+              <a:rPr lang="en-CA" sz="3200" dirty="0" smtClean="0"/>
+              <a:t>Have a look to your current directory</a:t>
+            </a:r>
+          </a:p>
+          <a:p>
+            <a:endParaRPr lang="en-CA" sz="3200" dirty="0" smtClean="0"/>
+          </a:p>
+          <a:p>
+            <a:pPr marL="457200" indent="-457200">
+              <a:buFont typeface="Arial" charset="0"/>
+              <a:buChar char="•"/>
+            </a:pPr>
+            <a:r>
+              <a:rPr lang="en-CA" sz="3200" dirty="0" smtClean="0"/>
+              <a:t>Open the .html in a browser</a:t>
+            </a:r>
+            <a:endParaRPr lang="en-CA" sz="3200" dirty="0" smtClean="0">
+              <a:solidFill>
+                <a:schemeClr val="accent2">
+                  <a:lumMod val="75000"/>
+                </a:schemeClr>
+              </a:solidFill>
+            </a:endParaRPr>
+          </a:p>
+          <a:p>
+            <a:endParaRPr lang="en-CA" sz="4400" dirty="0">
+              <a:solidFill>
+                <a:schemeClr val="accent2">
+                  <a:lumMod val="75000"/>
+                </a:schemeClr>
+              </a:solidFill>
+            </a:endParaRPr>
+          </a:p>
+        </p:txBody>
+      </p:sp>
+      <p:cxnSp>
+        <p:nvCxnSpPr>
+          <p:cNvPr id="9" name="Connecteur droit avec flèche 8"/>
+          <p:cNvCxnSpPr/>
+          <p:nvPr/>
+        </p:nvCxnSpPr>
+        <p:spPr>
+          <a:xfrm flipH="1">
+            <a:off x="7018421" y="2887302"/>
+            <a:ext cx="914400" cy="0"/>
+          </a:xfrm>
+          <a:prstGeom prst="straightConnector1">
+            <a:avLst/>
+          </a:prstGeom>
+          <a:ln w="50800">
+            <a:solidFill>
+              <a:srgbClr val="FF0000"/>
+            </a:solidFill>
+            <a:tailEnd type="triangle"/>
+          </a:ln>
+        </p:spPr>
+        <p:style>
+          <a:lnRef idx="1">
+            <a:schemeClr val="accent1"/>
+          </a:lnRef>
+          <a:fillRef idx="0">
+            <a:schemeClr val="accent1"/>
+          </a:fillRef>
+          <a:effectRef idx="0">
+            <a:schemeClr val="accent1"/>
+          </a:effectRef>
+          <a:fontRef idx="minor">
+            <a:schemeClr val="tx1"/>
+          </a:fontRef>
+        </p:style>
+      </p:cxnSp>
+      <p:sp>
+        <p:nvSpPr>
+          <p:cNvPr id="10" name="ZoneTexte 9"/>
+          <p:cNvSpPr txBox="1"/>
+          <p:nvPr/>
+        </p:nvSpPr>
+        <p:spPr>
+          <a:xfrm>
+            <a:off x="8023254" y="2664795"/>
+            <a:ext cx="1171074" cy="400110"/>
+          </a:xfrm>
+          <a:prstGeom prst="rect">
+            <a:avLst/>
+          </a:prstGeom>
+          <a:noFill/>
+        </p:spPr>
+        <p:txBody>
+          <a:bodyPr wrap="square" rtlCol="0">
+            <a:spAutoFit/>
+          </a:bodyPr>
+          <a:lstStyle/>
+          <a:p>
+            <a:r>
+              <a:rPr lang="fr-FR" sz="2000" b="1" dirty="0" smtClean="0">
+                <a:solidFill>
+                  <a:srgbClr val="FF0000"/>
+                </a:solidFill>
+              </a:rPr>
+              <a:t>header</a:t>
+            </a:r>
+          </a:p>
+        </p:txBody>
+      </p:sp>
+      <p:sp>
+        <p:nvSpPr>
+          <p:cNvPr id="11" name="ZoneTexte 10"/>
+          <p:cNvSpPr txBox="1"/>
+          <p:nvPr/>
+        </p:nvSpPr>
+        <p:spPr>
+          <a:xfrm>
+            <a:off x="7401776" y="3193909"/>
+            <a:ext cx="1171074" cy="400110"/>
+          </a:xfrm>
+          <a:prstGeom prst="rect">
+            <a:avLst/>
+          </a:prstGeom>
+          <a:noFill/>
+        </p:spPr>
+        <p:txBody>
+          <a:bodyPr wrap="square" rtlCol="0">
+            <a:spAutoFit/>
+          </a:bodyPr>
+          <a:lstStyle/>
+          <a:p>
+            <a:r>
+              <a:rPr lang="fr-FR" sz="2000" b="1" dirty="0" err="1" smtClean="0">
+                <a:solidFill>
+                  <a:srgbClr val="FF0000"/>
+                </a:solidFill>
+              </a:rPr>
+              <a:t>Title</a:t>
+            </a:r>
+            <a:endParaRPr lang="fr-FR" sz="2000" b="1" dirty="0" smtClean="0">
+              <a:solidFill>
+                <a:srgbClr val="FF0000"/>
+              </a:solidFill>
+            </a:endParaRPr>
+          </a:p>
+        </p:txBody>
+      </p:sp>
+      <p:cxnSp>
+        <p:nvCxnSpPr>
+          <p:cNvPr id="12" name="Connecteur droit avec flèche 11"/>
+          <p:cNvCxnSpPr/>
+          <p:nvPr/>
+        </p:nvCxnSpPr>
+        <p:spPr>
+          <a:xfrm flipH="1">
+            <a:off x="6391124" y="3433792"/>
+            <a:ext cx="914400" cy="0"/>
+          </a:xfrm>
+          <a:prstGeom prst="straightConnector1">
+            <a:avLst/>
+          </a:prstGeom>
+          <a:ln w="50800">
+            <a:solidFill>
+              <a:srgbClr val="FF0000"/>
+            </a:solidFill>
+            <a:tailEnd type="triangle"/>
+          </a:ln>
+        </p:spPr>
+        <p:style>
+          <a:lnRef idx="1">
+            <a:schemeClr val="accent1"/>
+          </a:lnRef>
+          <a:fillRef idx="0">
+            <a:schemeClr val="accent1"/>
+          </a:fillRef>
+          <a:effectRef idx="0">
+            <a:schemeClr val="accent1"/>
+          </a:effectRef>
+          <a:fontRef idx="minor">
+            <a:schemeClr val="tx1"/>
+          </a:fontRef>
+        </p:style>
+      </p:cxnSp>
+      <p:sp>
+        <p:nvSpPr>
+          <p:cNvPr id="13" name="ZoneTexte 12"/>
+          <p:cNvSpPr txBox="1"/>
+          <p:nvPr/>
+        </p:nvSpPr>
+        <p:spPr>
+          <a:xfrm>
+            <a:off x="10587974" y="3594019"/>
+            <a:ext cx="1171074" cy="400110"/>
+          </a:xfrm>
+          <a:prstGeom prst="rect">
+            <a:avLst/>
+          </a:prstGeom>
+          <a:noFill/>
+        </p:spPr>
+        <p:txBody>
+          <a:bodyPr wrap="square" rtlCol="0">
+            <a:spAutoFit/>
+          </a:bodyPr>
+          <a:lstStyle/>
+          <a:p>
+            <a:r>
+              <a:rPr lang="fr-FR" sz="2000" b="1" smtClean="0">
+                <a:solidFill>
+                  <a:srgbClr val="FF0000"/>
+                </a:solidFill>
+              </a:rPr>
+              <a:t>Text</a:t>
+            </a:r>
+            <a:endParaRPr lang="fr-FR" sz="2000" b="1" dirty="0" smtClean="0">
+              <a:solidFill>
+                <a:srgbClr val="FF0000"/>
+              </a:solidFill>
+            </a:endParaRPr>
+          </a:p>
+        </p:txBody>
+      </p:sp>
+      <p:cxnSp>
+        <p:nvCxnSpPr>
+          <p:cNvPr id="14" name="Connecteur droit avec flèche 13"/>
+          <p:cNvCxnSpPr/>
+          <p:nvPr/>
+        </p:nvCxnSpPr>
+        <p:spPr>
+          <a:xfrm flipH="1">
+            <a:off x="9388488" y="3809839"/>
+            <a:ext cx="914400" cy="0"/>
+          </a:xfrm>
+          <a:prstGeom prst="straightConnector1">
+            <a:avLst/>
+          </a:prstGeom>
+          <a:ln w="50800">
+            <a:solidFill>
+              <a:srgbClr val="FF0000"/>
+            </a:solidFill>
+            <a:tailEnd type="triangle"/>
+          </a:ln>
+        </p:spPr>
+        <p:style>
+          <a:lnRef idx="1">
+            <a:schemeClr val="accent1"/>
+          </a:lnRef>
+          <a:fillRef idx="0">
+            <a:schemeClr val="accent1"/>
+          </a:fillRef>
+          <a:effectRef idx="0">
+            <a:schemeClr val="accent1"/>
+          </a:effectRef>
+          <a:fontRef idx="minor">
+            <a:schemeClr val="tx1"/>
+          </a:fontRef>
+        </p:style>
+      </p:cxnSp>
+      <p:cxnSp>
+        <p:nvCxnSpPr>
+          <p:cNvPr id="15" name="Connecteur droit avec flèche 14"/>
+          <p:cNvCxnSpPr/>
+          <p:nvPr/>
+        </p:nvCxnSpPr>
+        <p:spPr>
+          <a:xfrm flipH="1">
+            <a:off x="8931288" y="4431630"/>
+            <a:ext cx="914400" cy="0"/>
+          </a:xfrm>
+          <a:prstGeom prst="straightConnector1">
+            <a:avLst/>
+          </a:prstGeom>
+          <a:ln w="50800">
+            <a:solidFill>
+              <a:srgbClr val="FF0000"/>
+            </a:solidFill>
+            <a:tailEnd type="triangle"/>
+          </a:ln>
+        </p:spPr>
+        <p:style>
+          <a:lnRef idx="1">
+            <a:schemeClr val="accent1"/>
+          </a:lnRef>
+          <a:fillRef idx="0">
+            <a:schemeClr val="accent1"/>
+          </a:fillRef>
+          <a:effectRef idx="0">
+            <a:schemeClr val="accent1"/>
+          </a:effectRef>
+          <a:fontRef idx="minor">
+            <a:schemeClr val="tx1"/>
+          </a:fontRef>
+        </p:style>
+      </p:cxnSp>
+      <p:sp>
+        <p:nvSpPr>
+          <p:cNvPr id="16" name="ZoneTexte 15"/>
+          <p:cNvSpPr txBox="1"/>
+          <p:nvPr/>
+        </p:nvSpPr>
+        <p:spPr>
+          <a:xfrm>
+            <a:off x="9954031" y="4231575"/>
+            <a:ext cx="1171074" cy="400110"/>
+          </a:xfrm>
+          <a:prstGeom prst="rect">
+            <a:avLst/>
+          </a:prstGeom>
+          <a:noFill/>
+        </p:spPr>
+        <p:txBody>
+          <a:bodyPr wrap="square" rtlCol="0">
+            <a:spAutoFit/>
+          </a:bodyPr>
+          <a:lstStyle/>
+          <a:p>
+            <a:r>
+              <a:rPr lang="fr-FR" sz="2000" b="1" dirty="0" smtClean="0">
+                <a:solidFill>
+                  <a:srgbClr val="FF0000"/>
+                </a:solidFill>
+              </a:rPr>
+              <a:t>Code</a:t>
+            </a:r>
+          </a:p>
+        </p:txBody>
+      </p:sp>
+      <p:sp>
+        <p:nvSpPr>
+          <p:cNvPr id="17" name="ZoneTexte 16"/>
+          <p:cNvSpPr txBox="1"/>
+          <p:nvPr/>
+        </p:nvSpPr>
+        <p:spPr>
+          <a:xfrm>
+            <a:off x="9897977" y="4944150"/>
+            <a:ext cx="1171074" cy="707886"/>
+          </a:xfrm>
+          <a:prstGeom prst="rect">
+            <a:avLst/>
+          </a:prstGeom>
+          <a:noFill/>
+        </p:spPr>
+        <p:txBody>
+          <a:bodyPr wrap="square" rtlCol="0">
+            <a:spAutoFit/>
+          </a:bodyPr>
+          <a:lstStyle/>
+          <a:p>
+            <a:r>
+              <a:rPr lang="fr-FR" sz="2000" b="1" dirty="0" smtClean="0">
+                <a:solidFill>
+                  <a:srgbClr val="FF0000"/>
+                </a:solidFill>
+              </a:rPr>
+              <a:t>Code </a:t>
+            </a:r>
+            <a:r>
+              <a:rPr lang="fr-FR" sz="2000" b="1" dirty="0" err="1" smtClean="0">
+                <a:solidFill>
+                  <a:srgbClr val="FF0000"/>
+                </a:solidFill>
+              </a:rPr>
+              <a:t>result</a:t>
+            </a:r>
+            <a:endParaRPr lang="fr-FR" sz="2000" b="1" dirty="0" smtClean="0">
+              <a:solidFill>
+                <a:srgbClr val="FF0000"/>
+              </a:solidFill>
+            </a:endParaRPr>
+          </a:p>
+        </p:txBody>
+      </p:sp>
+      <p:cxnSp>
+        <p:nvCxnSpPr>
+          <p:cNvPr id="18" name="Connecteur droit avec flèche 17"/>
+          <p:cNvCxnSpPr/>
+          <p:nvPr/>
+        </p:nvCxnSpPr>
+        <p:spPr>
+          <a:xfrm flipH="1">
+            <a:off x="8737128" y="5144205"/>
+            <a:ext cx="914400" cy="0"/>
+          </a:xfrm>
+          <a:prstGeom prst="straightConnector1">
+            <a:avLst/>
+          </a:prstGeom>
+          <a:ln w="50800">
+            <a:solidFill>
+              <a:srgbClr val="FF0000"/>
+            </a:solidFill>
+            <a:tailEnd type="triangle"/>
+          </a:ln>
+        </p:spPr>
+        <p:style>
+          <a:lnRef idx="1">
+            <a:schemeClr val="accent1"/>
+          </a:lnRef>
+          <a:fillRef idx="0">
+            <a:schemeClr val="accent1"/>
+          </a:fillRef>
+          <a:effectRef idx="0">
+            <a:schemeClr val="accent1"/>
+          </a:effectRef>
+          <a:fontRef idx="minor">
+            <a:schemeClr val="tx1"/>
+          </a:fontRef>
+        </p:style>
+      </p:cxnSp>
     </p:spTree>
     <p:extLst>
       <p:ext uri="{BB962C8B-B14F-4D97-AF65-F5344CB8AC3E}">
-        <p14:creationId xmlns:p14="http://schemas.microsoft.com/office/powerpoint/2010/main" val="1371178239"/>
+        <p14:creationId xmlns:p14="http://schemas.microsoft.com/office/powerpoint/2010/main" val="1884991369"/>
       </p:ext>
     </p:extLst>
   </p:cSld>
@@ -4946,7 +5670,7 @@
         </p:nvSpPr>
         <p:spPr>
           <a:xfrm>
-            <a:off x="3850867" y="2831940"/>
+            <a:off x="4605609" y="2831940"/>
             <a:ext cx="4814161" cy="646331"/>
           </a:xfrm>
           <a:prstGeom prst="rect">
@@ -4961,16 +5685,16 @@
           <a:lstStyle/>
           <a:p>
             <a:r>
+              <a:rPr lang="fr-FR" sz="3600" dirty="0" err="1" smtClean="0"/>
+              <a:t>Customize</a:t>
+            </a:r>
+            <a:r>
               <a:rPr lang="fr-FR" sz="3600" dirty="0" smtClean="0"/>
-              <a:t>Code </a:t>
+              <a:t> </a:t>
             </a:r>
             <a:r>
               <a:rPr lang="fr-FR" sz="3600" dirty="0" err="1" smtClean="0"/>
-              <a:t>chunk</a:t>
-            </a:r>
-            <a:r>
-              <a:rPr lang="fr-FR" sz="3600" dirty="0" smtClean="0"/>
-              <a:t> options</a:t>
+              <a:t>text</a:t>
             </a:r>
             <a:endParaRPr lang="fr-FR" sz="3600" dirty="0"/>
           </a:p>
@@ -4979,7 +5703,7 @@
     </p:spTree>
     <p:extLst>
       <p:ext uri="{BB962C8B-B14F-4D97-AF65-F5344CB8AC3E}">
-        <p14:creationId xmlns:p14="http://schemas.microsoft.com/office/powerpoint/2010/main" val="689489263"/>
+        <p14:creationId xmlns:p14="http://schemas.microsoft.com/office/powerpoint/2010/main" val="734081744"/>
       </p:ext>
     </p:extLst>
   </p:cSld>
@@ -5013,9 +5737,43 @@
           <a:chExt cx="0" cy="0"/>
         </a:xfrm>
       </p:grpSpPr>
+      <p:sp>
+        <p:nvSpPr>
+          <p:cNvPr id="2" name="Rectangle 1"/>
+          <p:cNvSpPr/>
+          <p:nvPr/>
+        </p:nvSpPr>
+        <p:spPr>
+          <a:xfrm>
+            <a:off x="330105" y="1424701"/>
+            <a:ext cx="4069063" cy="707886"/>
+          </a:xfrm>
+          <a:prstGeom prst="rect">
+            <a:avLst/>
+          </a:prstGeom>
+        </p:spPr>
+        <p:txBody>
+          <a:bodyPr wrap="none">
+            <a:spAutoFit/>
+          </a:bodyPr>
+          <a:lstStyle/>
+          <a:p>
+            <a:r>
+              <a:rPr lang="en-CA" sz="4000" dirty="0" smtClean="0">
+                <a:solidFill>
+                  <a:schemeClr val="accent2">
+                    <a:lumMod val="75000"/>
+                  </a:schemeClr>
+                </a:solidFill>
+              </a:rPr>
+              <a:t>Customize the text</a:t>
+            </a:r>
+          </a:p>
+        </p:txBody>
+      </p:sp>
       <p:pic>
         <p:nvPicPr>
-          <p:cNvPr id="4" name="Image 3"/>
+          <p:cNvPr id="3" name="Image 2"/>
           <p:cNvPicPr>
             <a:picLocks noChangeAspect="1"/>
           </p:cNvPicPr>
@@ -5029,24 +5787,29 @@
         </p:blipFill>
         <p:spPr>
           <a:xfrm>
-            <a:off x="410409" y="2422358"/>
-            <a:ext cx="10067886" cy="3545306"/>
-          </a:xfrm>
-          <a:prstGeom prst="rect">
-            <a:avLst/>
-          </a:prstGeom>
+            <a:off x="5017762" y="160420"/>
+            <a:ext cx="7047281" cy="6633411"/>
+          </a:xfrm>
+          <a:prstGeom prst="rect">
+            <a:avLst/>
+          </a:prstGeom>
+          <a:ln w="34925">
+            <a:solidFill>
+              <a:schemeClr val="tx1"/>
+            </a:solidFill>
+          </a:ln>
         </p:spPr>
       </p:pic>
       <p:sp>
         <p:nvSpPr>
-          <p:cNvPr id="3" name="ZoneTexte 2"/>
+          <p:cNvPr id="4" name="ZoneTexte 3"/>
           <p:cNvSpPr txBox="1"/>
           <p:nvPr/>
         </p:nvSpPr>
         <p:spPr>
           <a:xfrm>
-            <a:off x="145140" y="109331"/>
-            <a:ext cx="9506859" cy="769441"/>
+            <a:off x="416762" y="4150895"/>
+            <a:ext cx="3449053" cy="461665"/>
           </a:xfrm>
           <a:prstGeom prst="rect">
             <a:avLst/>
@@ -5060,586 +5823,59 @@
           <a:lstStyle/>
           <a:p>
             <a:r>
-              <a:rPr lang="en-CA" sz="4400" dirty="0" smtClean="0">
-                <a:solidFill>
-                  <a:schemeClr val="accent2">
+              <a:rPr lang="fr-FR" sz="2400" dirty="0" smtClean="0"/>
+              <a:t>R Markdown cheat sheet</a:t>
+            </a:r>
+          </a:p>
+        </p:txBody>
+      </p:sp>
+      <p:sp>
+        <p:nvSpPr>
+          <p:cNvPr id="5" name="Rectangle 4">
+            <a:hlinkClick r:id="rId3"/>
+          </p:cNvPr>
+          <p:cNvSpPr/>
+          <p:nvPr/>
+        </p:nvSpPr>
+        <p:spPr>
+          <a:xfrm>
+            <a:off x="937642" y="4855646"/>
+            <a:ext cx="1565365" cy="369332"/>
+          </a:xfrm>
+          <a:prstGeom prst="rect">
+            <a:avLst/>
+          </a:prstGeom>
+          <a:ln>
+            <a:solidFill>
+              <a:schemeClr val="accent1"/>
+            </a:solidFill>
+          </a:ln>
+        </p:spPr>
+        <p:txBody>
+          <a:bodyPr wrap="none">
+            <a:spAutoFit/>
+          </a:bodyPr>
+          <a:lstStyle/>
+          <a:p>
+            <a:r>
+              <a:rPr lang="fr-FR" dirty="0" err="1">
+                <a:solidFill>
+                  <a:schemeClr val="accent1">
                     <a:lumMod val="75000"/>
                   </a:schemeClr>
                 </a:solidFill>
               </a:rPr>
-              <a:t>Anatomy of a Code chunk:</a:t>
-            </a:r>
-            <a:endParaRPr lang="en-CA" sz="4400" dirty="0">
-              <a:solidFill>
-                <a:schemeClr val="accent2">
-                  <a:lumMod val="75000"/>
-                </a:schemeClr>
-              </a:solidFill>
-            </a:endParaRPr>
-          </a:p>
-        </p:txBody>
-      </p:sp>
-      <p:cxnSp>
-        <p:nvCxnSpPr>
-          <p:cNvPr id="9" name="Connecteur droit avec flèche 8"/>
-          <p:cNvCxnSpPr/>
-          <p:nvPr/>
-        </p:nvCxnSpPr>
-        <p:spPr>
-          <a:xfrm>
-            <a:off x="1320414" y="2171996"/>
-            <a:ext cx="682362" cy="597772"/>
-          </a:xfrm>
-          <a:prstGeom prst="straightConnector1">
-            <a:avLst/>
-          </a:prstGeom>
-          <a:ln w="50800">
-            <a:solidFill>
-              <a:srgbClr val="FF0000"/>
-            </a:solidFill>
-            <a:tailEnd type="triangle"/>
-          </a:ln>
-        </p:spPr>
-        <p:style>
-          <a:lnRef idx="1">
-            <a:schemeClr val="accent1"/>
-          </a:lnRef>
-          <a:fillRef idx="0">
-            <a:schemeClr val="accent1"/>
-          </a:fillRef>
-          <a:effectRef idx="0">
-            <a:schemeClr val="accent1"/>
-          </a:effectRef>
-          <a:fontRef idx="minor">
-            <a:schemeClr val="tx1"/>
-          </a:fontRef>
-        </p:style>
-      </p:cxnSp>
-      <p:sp>
-        <p:nvSpPr>
-          <p:cNvPr id="13" name="ZoneTexte 12"/>
-          <p:cNvSpPr txBox="1"/>
-          <p:nvPr/>
-        </p:nvSpPr>
-        <p:spPr>
-          <a:xfrm>
-            <a:off x="1757371" y="1353996"/>
-            <a:ext cx="1675257" cy="707886"/>
-          </a:xfrm>
-          <a:prstGeom prst="rect">
-            <a:avLst/>
-          </a:prstGeom>
-          <a:noFill/>
-        </p:spPr>
-        <p:txBody>
-          <a:bodyPr wrap="square" rtlCol="0">
-            <a:spAutoFit/>
-          </a:bodyPr>
-          <a:lstStyle/>
-          <a:p>
-            <a:r>
-              <a:rPr lang="fr-FR" sz="2000" b="1" dirty="0" err="1" smtClean="0">
-                <a:solidFill>
-                  <a:srgbClr val="FF0000"/>
-                </a:solidFill>
-              </a:rPr>
-              <a:t>Optional</a:t>
-            </a:r>
-            <a:r>
-              <a:rPr lang="fr-FR" sz="2000" b="1" dirty="0" smtClean="0">
-                <a:solidFill>
-                  <a:srgbClr val="FF0000"/>
-                </a:solidFill>
-              </a:rPr>
-              <a:t>: </a:t>
-            </a:r>
-            <a:r>
-              <a:rPr lang="fr-FR" sz="2000" b="1" dirty="0" err="1" smtClean="0">
-                <a:solidFill>
-                  <a:srgbClr val="FF0000"/>
-                </a:solidFill>
-              </a:rPr>
-              <a:t>chunk</a:t>
-            </a:r>
-            <a:r>
-              <a:rPr lang="fr-FR" sz="2000" b="1" dirty="0" smtClean="0">
-                <a:solidFill>
-                  <a:srgbClr val="FF0000"/>
-                </a:solidFill>
-              </a:rPr>
-              <a:t> </a:t>
-            </a:r>
-            <a:r>
-              <a:rPr lang="fr-FR" sz="2000" b="1" dirty="0" err="1" smtClean="0">
-                <a:solidFill>
-                  <a:srgbClr val="FF0000"/>
-                </a:solidFill>
-              </a:rPr>
-              <a:t>name</a:t>
-            </a:r>
-            <a:endParaRPr lang="fr-FR" sz="2000" b="1" dirty="0" smtClean="0">
-              <a:solidFill>
-                <a:srgbClr val="FF0000"/>
-              </a:solidFill>
-            </a:endParaRPr>
-          </a:p>
-        </p:txBody>
-      </p:sp>
-      <p:sp>
-        <p:nvSpPr>
-          <p:cNvPr id="16" name="ZoneTexte 15"/>
-          <p:cNvSpPr txBox="1"/>
-          <p:nvPr/>
-        </p:nvSpPr>
-        <p:spPr>
-          <a:xfrm>
-            <a:off x="270229" y="1701406"/>
-            <a:ext cx="1171074" cy="707886"/>
-          </a:xfrm>
-          <a:prstGeom prst="rect">
-            <a:avLst/>
-          </a:prstGeom>
-          <a:noFill/>
-        </p:spPr>
-        <p:txBody>
-          <a:bodyPr wrap="square" rtlCol="0">
-            <a:spAutoFit/>
-          </a:bodyPr>
-          <a:lstStyle/>
-          <a:p>
-            <a:r>
-              <a:rPr lang="fr-FR" sz="2000" b="1" dirty="0" smtClean="0">
-                <a:solidFill>
-                  <a:srgbClr val="FF0000"/>
-                </a:solidFill>
-              </a:rPr>
-              <a:t>R, </a:t>
-            </a:r>
-            <a:r>
-              <a:rPr lang="fr-FR" sz="2000" b="1" dirty="0" err="1" smtClean="0">
-                <a:solidFill>
-                  <a:srgbClr val="FF0000"/>
-                </a:solidFill>
-              </a:rPr>
-              <a:t>bash</a:t>
-            </a:r>
-            <a:r>
-              <a:rPr lang="fr-FR" sz="2000" b="1" dirty="0" smtClean="0">
-                <a:solidFill>
-                  <a:srgbClr val="FF0000"/>
-                </a:solidFill>
-              </a:rPr>
-              <a:t>, python?</a:t>
-            </a:r>
-          </a:p>
-        </p:txBody>
-      </p:sp>
-      <p:cxnSp>
-        <p:nvCxnSpPr>
-          <p:cNvPr id="17" name="Connecteur droit avec flèche 16"/>
-          <p:cNvCxnSpPr/>
-          <p:nvPr/>
-        </p:nvCxnSpPr>
-        <p:spPr>
-          <a:xfrm>
-            <a:off x="2351308" y="2221001"/>
-            <a:ext cx="6676" cy="519136"/>
-          </a:xfrm>
-          <a:prstGeom prst="straightConnector1">
-            <a:avLst/>
-          </a:prstGeom>
-          <a:ln w="50800">
-            <a:solidFill>
-              <a:srgbClr val="FF0000"/>
-            </a:solidFill>
-            <a:tailEnd type="triangle"/>
-          </a:ln>
-        </p:spPr>
-        <p:style>
-          <a:lnRef idx="1">
-            <a:schemeClr val="accent1"/>
-          </a:lnRef>
-          <a:fillRef idx="0">
-            <a:schemeClr val="accent1"/>
-          </a:fillRef>
-          <a:effectRef idx="0">
-            <a:schemeClr val="accent1"/>
-          </a:effectRef>
-          <a:fontRef idx="minor">
-            <a:schemeClr val="tx1"/>
-          </a:fontRef>
-        </p:style>
-      </p:cxnSp>
-      <p:sp>
-        <p:nvSpPr>
-          <p:cNvPr id="19" name="ZoneTexte 18"/>
-          <p:cNvSpPr txBox="1"/>
-          <p:nvPr/>
-        </p:nvSpPr>
-        <p:spPr>
-          <a:xfrm>
-            <a:off x="3769095" y="1347463"/>
-            <a:ext cx="1675257" cy="707886"/>
-          </a:xfrm>
-          <a:prstGeom prst="rect">
-            <a:avLst/>
-          </a:prstGeom>
-          <a:noFill/>
-        </p:spPr>
-        <p:txBody>
-          <a:bodyPr wrap="square" rtlCol="0">
-            <a:spAutoFit/>
-          </a:bodyPr>
-          <a:lstStyle/>
-          <a:p>
-            <a:r>
-              <a:rPr lang="fr-FR" sz="2000" b="1" dirty="0" err="1" smtClean="0">
-                <a:solidFill>
-                  <a:srgbClr val="FF0000"/>
-                </a:solidFill>
-              </a:rPr>
-              <a:t>Chunk</a:t>
-            </a:r>
-            <a:r>
-              <a:rPr lang="fr-FR" sz="2000" b="1" dirty="0" smtClean="0">
-                <a:solidFill>
-                  <a:srgbClr val="FF0000"/>
-                </a:solidFill>
-              </a:rPr>
-              <a:t> options</a:t>
-            </a:r>
-          </a:p>
-        </p:txBody>
-      </p:sp>
-      <p:cxnSp>
-        <p:nvCxnSpPr>
-          <p:cNvPr id="20" name="Connecteur droit avec flèche 19"/>
-          <p:cNvCxnSpPr/>
-          <p:nvPr/>
-        </p:nvCxnSpPr>
-        <p:spPr>
-          <a:xfrm>
-            <a:off x="4252297" y="2104418"/>
-            <a:ext cx="6676" cy="519136"/>
-          </a:xfrm>
-          <a:prstGeom prst="straightConnector1">
-            <a:avLst/>
-          </a:prstGeom>
-          <a:ln w="50800">
-            <a:solidFill>
-              <a:srgbClr val="FF0000"/>
-            </a:solidFill>
-            <a:tailEnd type="triangle"/>
-          </a:ln>
-        </p:spPr>
-        <p:style>
-          <a:lnRef idx="1">
-            <a:schemeClr val="accent1"/>
-          </a:lnRef>
-          <a:fillRef idx="0">
-            <a:schemeClr val="accent1"/>
-          </a:fillRef>
-          <a:effectRef idx="0">
-            <a:schemeClr val="accent1"/>
-          </a:effectRef>
-          <a:fontRef idx="minor">
-            <a:schemeClr val="tx1"/>
-          </a:fontRef>
-        </p:style>
-      </p:cxnSp>
-      <p:cxnSp>
-        <p:nvCxnSpPr>
-          <p:cNvPr id="21" name="Connecteur droit avec flèche 20"/>
-          <p:cNvCxnSpPr/>
-          <p:nvPr/>
-        </p:nvCxnSpPr>
-        <p:spPr>
-          <a:xfrm>
-            <a:off x="9645323" y="2051269"/>
-            <a:ext cx="6676" cy="519136"/>
-          </a:xfrm>
-          <a:prstGeom prst="straightConnector1">
-            <a:avLst/>
-          </a:prstGeom>
-          <a:ln w="50800">
-            <a:solidFill>
-              <a:srgbClr val="FF0000"/>
-            </a:solidFill>
-            <a:tailEnd type="triangle"/>
-          </a:ln>
-        </p:spPr>
-        <p:style>
-          <a:lnRef idx="1">
-            <a:schemeClr val="accent1"/>
-          </a:lnRef>
-          <a:fillRef idx="0">
-            <a:schemeClr val="accent1"/>
-          </a:fillRef>
-          <a:effectRef idx="0">
-            <a:schemeClr val="accent1"/>
-          </a:effectRef>
-          <a:fontRef idx="minor">
-            <a:schemeClr val="tx1"/>
-          </a:fontRef>
-        </p:style>
-      </p:cxnSp>
-      <p:cxnSp>
-        <p:nvCxnSpPr>
-          <p:cNvPr id="22" name="Connecteur droit avec flèche 21"/>
-          <p:cNvCxnSpPr/>
-          <p:nvPr/>
-        </p:nvCxnSpPr>
-        <p:spPr>
-          <a:xfrm flipH="1">
-            <a:off x="10213472" y="2112336"/>
-            <a:ext cx="548873" cy="511218"/>
-          </a:xfrm>
-          <a:prstGeom prst="straightConnector1">
-            <a:avLst/>
-          </a:prstGeom>
-          <a:ln w="50800">
-            <a:solidFill>
-              <a:srgbClr val="FF0000"/>
-            </a:solidFill>
-            <a:tailEnd type="triangle"/>
-          </a:ln>
-        </p:spPr>
-        <p:style>
-          <a:lnRef idx="1">
-            <a:schemeClr val="accent1"/>
-          </a:lnRef>
-          <a:fillRef idx="0">
-            <a:schemeClr val="accent1"/>
-          </a:fillRef>
-          <a:effectRef idx="0">
-            <a:schemeClr val="accent1"/>
-          </a:effectRef>
-          <a:fontRef idx="minor">
-            <a:schemeClr val="tx1"/>
-          </a:fontRef>
-        </p:style>
-      </p:cxnSp>
-      <p:sp>
-        <p:nvSpPr>
-          <p:cNvPr id="25" name="ZoneTexte 24"/>
-          <p:cNvSpPr txBox="1"/>
-          <p:nvPr/>
-        </p:nvSpPr>
-        <p:spPr>
-          <a:xfrm>
-            <a:off x="8974791" y="901167"/>
-            <a:ext cx="1179862" cy="1015663"/>
-          </a:xfrm>
-          <a:prstGeom prst="rect">
-            <a:avLst/>
-          </a:prstGeom>
-          <a:noFill/>
-        </p:spPr>
-        <p:txBody>
-          <a:bodyPr wrap="square" rtlCol="0">
-            <a:spAutoFit/>
-          </a:bodyPr>
-          <a:lstStyle/>
-          <a:p>
-            <a:r>
-              <a:rPr lang="fr-FR" sz="2000" b="1" dirty="0" err="1" smtClean="0">
-                <a:solidFill>
-                  <a:srgbClr val="FF0000"/>
-                </a:solidFill>
-              </a:rPr>
-              <a:t>Run</a:t>
-            </a:r>
-            <a:r>
-              <a:rPr lang="fr-FR" sz="2000" b="1" dirty="0" smtClean="0">
-                <a:solidFill>
-                  <a:srgbClr val="FF0000"/>
-                </a:solidFill>
-              </a:rPr>
-              <a:t> all </a:t>
-            </a:r>
-            <a:r>
-              <a:rPr lang="fr-FR" sz="2000" b="1" dirty="0" err="1" smtClean="0">
-                <a:solidFill>
-                  <a:srgbClr val="FF0000"/>
-                </a:solidFill>
-              </a:rPr>
-              <a:t>previous</a:t>
-            </a:r>
-            <a:r>
-              <a:rPr lang="fr-FR" sz="2000" b="1" dirty="0" smtClean="0">
-                <a:solidFill>
-                  <a:srgbClr val="FF0000"/>
-                </a:solidFill>
-              </a:rPr>
-              <a:t> </a:t>
-            </a:r>
-            <a:r>
-              <a:rPr lang="fr-FR" sz="2000" b="1" dirty="0" err="1" smtClean="0">
-                <a:solidFill>
-                  <a:srgbClr val="FF0000"/>
-                </a:solidFill>
-              </a:rPr>
-              <a:t>chunks</a:t>
-            </a:r>
-            <a:endParaRPr lang="fr-FR" sz="2000" b="1" dirty="0" smtClean="0">
-              <a:solidFill>
-                <a:srgbClr val="FF0000"/>
-              </a:solidFill>
-            </a:endParaRPr>
-          </a:p>
-        </p:txBody>
-      </p:sp>
-      <p:sp>
-        <p:nvSpPr>
-          <p:cNvPr id="26" name="ZoneTexte 25"/>
-          <p:cNvSpPr txBox="1"/>
-          <p:nvPr/>
-        </p:nvSpPr>
-        <p:spPr>
-          <a:xfrm>
-            <a:off x="10762345" y="1065164"/>
-            <a:ext cx="1179862" cy="707886"/>
-          </a:xfrm>
-          <a:prstGeom prst="rect">
-            <a:avLst/>
-          </a:prstGeom>
-          <a:noFill/>
-        </p:spPr>
-        <p:txBody>
-          <a:bodyPr wrap="square" rtlCol="0">
-            <a:spAutoFit/>
-          </a:bodyPr>
-          <a:lstStyle/>
-          <a:p>
-            <a:r>
-              <a:rPr lang="fr-FR" sz="2000" b="1" dirty="0" err="1" smtClean="0">
-                <a:solidFill>
-                  <a:srgbClr val="FF0000"/>
-                </a:solidFill>
-              </a:rPr>
-              <a:t>Run</a:t>
-            </a:r>
-            <a:r>
-              <a:rPr lang="fr-FR" sz="2000" b="1" dirty="0" smtClean="0">
-                <a:solidFill>
-                  <a:srgbClr val="FF0000"/>
-                </a:solidFill>
-              </a:rPr>
-              <a:t> </a:t>
-            </a:r>
-            <a:r>
-              <a:rPr lang="fr-FR" sz="2000" b="1" dirty="0" err="1" smtClean="0">
-                <a:solidFill>
-                  <a:srgbClr val="FF0000"/>
-                </a:solidFill>
-              </a:rPr>
-              <a:t>this</a:t>
-            </a:r>
-            <a:r>
-              <a:rPr lang="fr-FR" sz="2000" b="1" dirty="0" smtClean="0">
-                <a:solidFill>
-                  <a:srgbClr val="FF0000"/>
-                </a:solidFill>
-              </a:rPr>
-              <a:t> </a:t>
-            </a:r>
-            <a:r>
-              <a:rPr lang="fr-FR" sz="2000" b="1" dirty="0" err="1" smtClean="0">
-                <a:solidFill>
-                  <a:srgbClr val="FF0000"/>
-                </a:solidFill>
-              </a:rPr>
-              <a:t>chunk</a:t>
-            </a:r>
-            <a:endParaRPr lang="fr-FR" sz="2000" b="1" dirty="0" smtClean="0">
-              <a:solidFill>
-                <a:srgbClr val="FF0000"/>
-              </a:solidFill>
-            </a:endParaRPr>
-          </a:p>
-        </p:txBody>
-      </p:sp>
-      <p:cxnSp>
-        <p:nvCxnSpPr>
-          <p:cNvPr id="27" name="Connecteur droit avec flèche 26"/>
-          <p:cNvCxnSpPr/>
-          <p:nvPr/>
-        </p:nvCxnSpPr>
-        <p:spPr>
-          <a:xfrm flipH="1" flipV="1">
-            <a:off x="3915429" y="3419240"/>
-            <a:ext cx="673735" cy="179695"/>
-          </a:xfrm>
-          <a:prstGeom prst="straightConnector1">
-            <a:avLst/>
-          </a:prstGeom>
-          <a:ln w="50800">
-            <a:solidFill>
-              <a:srgbClr val="FF0000"/>
-            </a:solidFill>
-            <a:tailEnd type="triangle"/>
-          </a:ln>
-        </p:spPr>
-        <p:style>
-          <a:lnRef idx="1">
-            <a:schemeClr val="accent1"/>
-          </a:lnRef>
-          <a:fillRef idx="0">
-            <a:schemeClr val="accent1"/>
-          </a:fillRef>
-          <a:effectRef idx="0">
-            <a:schemeClr val="accent1"/>
-          </a:effectRef>
-          <a:fontRef idx="minor">
-            <a:schemeClr val="tx1"/>
-          </a:fontRef>
-        </p:style>
-      </p:cxnSp>
-      <p:sp>
-        <p:nvSpPr>
-          <p:cNvPr id="29" name="ZoneTexte 28"/>
-          <p:cNvSpPr txBox="1"/>
-          <p:nvPr/>
-        </p:nvSpPr>
-        <p:spPr>
-          <a:xfrm>
-            <a:off x="5001702" y="3487125"/>
-            <a:ext cx="2345582" cy="400110"/>
-          </a:xfrm>
-          <a:prstGeom prst="rect">
-            <a:avLst/>
-          </a:prstGeom>
-          <a:noFill/>
-        </p:spPr>
-        <p:txBody>
-          <a:bodyPr wrap="square" rtlCol="0">
-            <a:spAutoFit/>
-          </a:bodyPr>
-          <a:lstStyle/>
-          <a:p>
-            <a:r>
-              <a:rPr lang="fr-FR" sz="2000" b="1" dirty="0" smtClean="0">
-                <a:solidFill>
-                  <a:srgbClr val="FF0000"/>
-                </a:solidFill>
-              </a:rPr>
-              <a:t>Comment </a:t>
-            </a:r>
-            <a:r>
-              <a:rPr lang="fr-FR" sz="2000" b="1" dirty="0" err="1" smtClean="0">
-                <a:solidFill>
-                  <a:srgbClr val="FF0000"/>
-                </a:solidFill>
-              </a:rPr>
-              <a:t>your</a:t>
-            </a:r>
-            <a:r>
-              <a:rPr lang="fr-FR" sz="2000" b="1" dirty="0" smtClean="0">
-                <a:solidFill>
-                  <a:srgbClr val="FF0000"/>
-                </a:solidFill>
-              </a:rPr>
-              <a:t> code</a:t>
+              <a:t>bit.ly</a:t>
+            </a:r>
+            <a:r>
+              <a:rPr lang="fr-FR" dirty="0">
+                <a:solidFill>
+                  <a:schemeClr val="accent1">
+                    <a:lumMod val="75000"/>
+                  </a:schemeClr>
+                </a:solidFill>
+              </a:rPr>
+              <a:t>/1SuNTo9</a:t>
             </a:r>
           </a:p>
         </p:txBody>
@@ -5647,7 +5883,7 @@
     </p:spTree>
     <p:extLst>
       <p:ext uri="{BB962C8B-B14F-4D97-AF65-F5344CB8AC3E}">
-        <p14:creationId xmlns:p14="http://schemas.microsoft.com/office/powerpoint/2010/main" val="33611226"/>
+        <p14:creationId xmlns:p14="http://schemas.microsoft.com/office/powerpoint/2010/main" val="1371178239"/>
       </p:ext>
     </p:extLst>
   </p:cSld>
@@ -5681,76 +5917,116 @@
           <a:chExt cx="0" cy="0"/>
         </a:xfrm>
       </p:grpSpPr>
-      <p:sp>
-        <p:nvSpPr>
-          <p:cNvPr id="2" name="ZoneTexte 1"/>
-          <p:cNvSpPr txBox="1"/>
-          <p:nvPr/>
-        </p:nvSpPr>
-        <p:spPr>
-          <a:xfrm>
-            <a:off x="145140" y="109331"/>
-            <a:ext cx="9506859" cy="769441"/>
-          </a:xfrm>
-          <a:prstGeom prst="rect">
-            <a:avLst/>
-          </a:prstGeom>
-          <a:noFill/>
-        </p:spPr>
-        <p:txBody>
-          <a:bodyPr wrap="square" rtlCol="0">
-            <a:spAutoFit/>
-          </a:bodyPr>
-          <a:lstStyle/>
-          <a:p>
-            <a:r>
-              <a:rPr lang="en-CA" sz="4400" dirty="0" smtClean="0">
-                <a:solidFill>
-                  <a:schemeClr val="accent2">
-                    <a:lumMod val="75000"/>
-                  </a:schemeClr>
-                </a:solidFill>
-              </a:rPr>
-              <a:t>Code chunk options:</a:t>
-            </a:r>
-            <a:endParaRPr lang="en-CA" sz="4400" dirty="0">
-              <a:solidFill>
-                <a:schemeClr val="accent2">
-                  <a:lumMod val="75000"/>
-                </a:schemeClr>
-              </a:solidFill>
-            </a:endParaRPr>
-          </a:p>
-        </p:txBody>
-      </p:sp>
       <p:pic>
         <p:nvPicPr>
-          <p:cNvPr id="3" name="Image 2"/>
+          <p:cNvPr id="8" name="Image 7"/>
           <p:cNvPicPr>
             <a:picLocks noChangeAspect="1"/>
           </p:cNvPicPr>
           <p:nvPr/>
         </p:nvPicPr>
         <p:blipFill>
-          <a:blip r:embed="rId2"/>
+          <a:blip r:embed="rId2">
+            <a:alphaModFix amt="24000"/>
+            <a:extLst>
+              <a:ext uri="{28A0092B-C50C-407E-A947-70E740481C1C}">
+                <a14:useLocalDpi xmlns:a14="http://schemas.microsoft.com/office/drawing/2010/main" val="0"/>
+              </a:ext>
+            </a:extLst>
+          </a:blip>
           <a:stretch>
             <a:fillRect/>
           </a:stretch>
         </p:blipFill>
         <p:spPr>
           <a:xfrm>
-            <a:off x="1597192" y="1252954"/>
-            <a:ext cx="9164324" cy="4891171"/>
+            <a:off x="-2411662" y="16042"/>
+            <a:ext cx="17808514" cy="6858000"/>
           </a:xfrm>
           <a:prstGeom prst="rect">
             <a:avLst/>
           </a:prstGeom>
         </p:spPr>
       </p:pic>
+      <p:cxnSp>
+        <p:nvCxnSpPr>
+          <p:cNvPr id="9" name="Connecteur droit 8"/>
+          <p:cNvCxnSpPr/>
+          <p:nvPr/>
+        </p:nvCxnSpPr>
+        <p:spPr>
+          <a:xfrm>
+            <a:off x="3676696" y="3686627"/>
+            <a:ext cx="4702626" cy="0"/>
+          </a:xfrm>
+          <a:prstGeom prst="line">
+            <a:avLst/>
+          </a:prstGeom>
+          <a:ln>
+            <a:solidFill>
+              <a:schemeClr val="bg2">
+                <a:lumMod val="50000"/>
+              </a:schemeClr>
+            </a:solidFill>
+          </a:ln>
+        </p:spPr>
+        <p:style>
+          <a:lnRef idx="1">
+            <a:schemeClr val="accent1"/>
+          </a:lnRef>
+          <a:fillRef idx="0">
+            <a:schemeClr val="accent1"/>
+          </a:fillRef>
+          <a:effectRef idx="0">
+            <a:schemeClr val="accent1"/>
+          </a:effectRef>
+          <a:fontRef idx="minor">
+            <a:schemeClr val="tx1"/>
+          </a:fontRef>
+        </p:style>
+      </p:cxnSp>
+      <p:sp>
+        <p:nvSpPr>
+          <p:cNvPr id="10" name="ZoneTexte 9"/>
+          <p:cNvSpPr txBox="1"/>
+          <p:nvPr/>
+        </p:nvSpPr>
+        <p:spPr>
+          <a:xfrm>
+            <a:off x="3850867" y="2831940"/>
+            <a:ext cx="4814161" cy="646331"/>
+          </a:xfrm>
+          <a:prstGeom prst="rect">
+            <a:avLst/>
+          </a:prstGeom>
+          <a:noFill/>
+        </p:spPr>
+        <p:txBody>
+          <a:bodyPr wrap="square" rtlCol="0">
+            <a:spAutoFit/>
+          </a:bodyPr>
+          <a:lstStyle/>
+          <a:p>
+            <a:r>
+              <a:rPr lang="fr-FR" sz="3600" dirty="0" smtClean="0"/>
+              <a:t>Code </a:t>
+            </a:r>
+            <a:r>
+              <a:rPr lang="fr-FR" sz="3600" dirty="0" err="1" smtClean="0"/>
+              <a:t>chunk</a:t>
+            </a:r>
+            <a:r>
+              <a:rPr lang="fr-FR" sz="3600" dirty="0" smtClean="0"/>
+              <a:t> options</a:t>
+            </a:r>
+            <a:endParaRPr lang="fr-FR" sz="3600" dirty="0"/>
+          </a:p>
+        </p:txBody>
+      </p:sp>
     </p:spTree>
     <p:extLst>
       <p:ext uri="{BB962C8B-B14F-4D97-AF65-F5344CB8AC3E}">
-        <p14:creationId xmlns:p14="http://schemas.microsoft.com/office/powerpoint/2010/main" val="745646916"/>
+        <p14:creationId xmlns:p14="http://schemas.microsoft.com/office/powerpoint/2010/main" val="689489263"/>
       </p:ext>
     </p:extLst>
   </p:cSld>
@@ -5784,15 +6060,39 @@
           <a:chExt cx="0" cy="0"/>
         </a:xfrm>
       </p:grpSpPr>
-      <p:sp>
-        <p:nvSpPr>
-          <p:cNvPr id="2" name="ZoneTexte 1"/>
+      <p:pic>
+        <p:nvPicPr>
+          <p:cNvPr id="4" name="Image 3"/>
+          <p:cNvPicPr>
+            <a:picLocks noChangeAspect="1"/>
+          </p:cNvPicPr>
+          <p:nvPr/>
+        </p:nvPicPr>
+        <p:blipFill>
+          <a:blip r:embed="rId2"/>
+          <a:stretch>
+            <a:fillRect/>
+          </a:stretch>
+        </p:blipFill>
+        <p:spPr>
+          <a:xfrm>
+            <a:off x="410409" y="2422358"/>
+            <a:ext cx="10067886" cy="3545306"/>
+          </a:xfrm>
+          <a:prstGeom prst="rect">
+            <a:avLst/>
+          </a:prstGeom>
+        </p:spPr>
+      </p:pic>
+      <p:sp>
+        <p:nvSpPr>
+          <p:cNvPr id="3" name="ZoneTexte 2"/>
           <p:cNvSpPr txBox="1"/>
           <p:nvPr/>
         </p:nvSpPr>
         <p:spPr>
           <a:xfrm>
-            <a:off x="1432328" y="1654720"/>
+            <a:off x="145140" y="109331"/>
             <a:ext cx="9506859" cy="769441"/>
           </a:xfrm>
           <a:prstGeom prst="rect">
@@ -5814,17 +6114,7 @@
                   </a:schemeClr>
                 </a:solidFill>
               </a:rPr>
-              <a:t>Do not always run the </a:t>
-            </a:r>
-            <a:r>
-              <a:rPr lang="en-CA" sz="4400" smtClean="0">
-                <a:solidFill>
-                  <a:schemeClr val="accent2">
-                    <a:lumMod val="75000"/>
-                  </a:schemeClr>
-                </a:solidFill>
-              </a:rPr>
-              <a:t>whole document</a:t>
+              <a:t>Anatomy of a Code chunk:</a:t>
             </a:r>
             <a:endParaRPr lang="en-CA" sz="4400" dirty="0">
               <a:solidFill>
@@ -5836,53 +6126,575 @@
           </a:p>
         </p:txBody>
       </p:sp>
-      <p:sp>
-        <p:nvSpPr>
-          <p:cNvPr id="4" name="Rectangle 3"/>
-          <p:cNvSpPr/>
-          <p:nvPr/>
-        </p:nvSpPr>
-        <p:spPr>
-          <a:xfrm>
-            <a:off x="2278988" y="3966229"/>
-            <a:ext cx="7344383" cy="584775"/>
-          </a:xfrm>
-          <a:prstGeom prst="rect">
-            <a:avLst/>
-          </a:prstGeom>
-        </p:spPr>
-        <p:txBody>
-          <a:bodyPr wrap="none">
+      <p:cxnSp>
+        <p:nvCxnSpPr>
+          <p:cNvPr id="9" name="Connecteur droit avec flèche 8"/>
+          <p:cNvCxnSpPr/>
+          <p:nvPr/>
+        </p:nvCxnSpPr>
+        <p:spPr>
+          <a:xfrm>
+            <a:off x="1320414" y="2171996"/>
+            <a:ext cx="682362" cy="597772"/>
+          </a:xfrm>
+          <a:prstGeom prst="straightConnector1">
+            <a:avLst/>
+          </a:prstGeom>
+          <a:ln w="50800">
+            <a:solidFill>
+              <a:srgbClr val="FF0000"/>
+            </a:solidFill>
+            <a:tailEnd type="triangle"/>
+          </a:ln>
+        </p:spPr>
+        <p:style>
+          <a:lnRef idx="1">
+            <a:schemeClr val="accent1"/>
+          </a:lnRef>
+          <a:fillRef idx="0">
+            <a:schemeClr val="accent1"/>
+          </a:fillRef>
+          <a:effectRef idx="0">
+            <a:schemeClr val="accent1"/>
+          </a:effectRef>
+          <a:fontRef idx="minor">
+            <a:schemeClr val="tx1"/>
+          </a:fontRef>
+        </p:style>
+      </p:cxnSp>
+      <p:sp>
+        <p:nvSpPr>
+          <p:cNvPr id="13" name="ZoneTexte 12"/>
+          <p:cNvSpPr txBox="1"/>
+          <p:nvPr/>
+        </p:nvSpPr>
+        <p:spPr>
+          <a:xfrm>
+            <a:off x="1757371" y="1353996"/>
+            <a:ext cx="1675257" cy="707886"/>
+          </a:xfrm>
+          <a:prstGeom prst="rect">
+            <a:avLst/>
+          </a:prstGeom>
+          <a:noFill/>
+        </p:spPr>
+        <p:txBody>
+          <a:bodyPr wrap="square" rtlCol="0">
             <a:spAutoFit/>
           </a:bodyPr>
           <a:lstStyle/>
           <a:p>
             <a:r>
-              <a:rPr lang="fr-FR" sz="3200" dirty="0" smtClean="0">
-                <a:sym typeface="Wingdings"/>
-              </a:rPr>
-              <a:t> </a:t>
-            </a:r>
-            <a:r>
-              <a:rPr lang="fr-FR" sz="3200" dirty="0" smtClean="0"/>
-              <a:t>R Markdown document </a:t>
-            </a:r>
-            <a:r>
-              <a:rPr lang="fr-FR" sz="3200" dirty="0" err="1" smtClean="0"/>
-              <a:t>is</a:t>
-            </a:r>
-            <a:r>
-              <a:rPr lang="fr-FR" sz="3200" dirty="0" smtClean="0"/>
-              <a:t> a Notebook !!</a:t>
-            </a:r>
-            <a:endParaRPr lang="en-AU" sz="3200" dirty="0"/>
+              <a:rPr lang="fr-FR" sz="2000" b="1" dirty="0" err="1" smtClean="0">
+                <a:solidFill>
+                  <a:srgbClr val="FF0000"/>
+                </a:solidFill>
+              </a:rPr>
+              <a:t>Optional</a:t>
+            </a:r>
+            <a:r>
+              <a:rPr lang="fr-FR" sz="2000" b="1" dirty="0" smtClean="0">
+                <a:solidFill>
+                  <a:srgbClr val="FF0000"/>
+                </a:solidFill>
+              </a:rPr>
+              <a:t>: </a:t>
+            </a:r>
+            <a:r>
+              <a:rPr lang="fr-FR" sz="2000" b="1" dirty="0" err="1" smtClean="0">
+                <a:solidFill>
+                  <a:srgbClr val="FF0000"/>
+                </a:solidFill>
+              </a:rPr>
+              <a:t>chunk</a:t>
+            </a:r>
+            <a:r>
+              <a:rPr lang="fr-FR" sz="2000" b="1" dirty="0" smtClean="0">
+                <a:solidFill>
+                  <a:srgbClr val="FF0000"/>
+                </a:solidFill>
+              </a:rPr>
+              <a:t> </a:t>
+            </a:r>
+            <a:r>
+              <a:rPr lang="fr-FR" sz="2000" b="1" dirty="0" err="1" smtClean="0">
+                <a:solidFill>
+                  <a:srgbClr val="FF0000"/>
+                </a:solidFill>
+              </a:rPr>
+              <a:t>name</a:t>
+            </a:r>
+            <a:endParaRPr lang="fr-FR" sz="2000" b="1" dirty="0" smtClean="0">
+              <a:solidFill>
+                <a:srgbClr val="FF0000"/>
+              </a:solidFill>
+            </a:endParaRPr>
+          </a:p>
+        </p:txBody>
+      </p:sp>
+      <p:sp>
+        <p:nvSpPr>
+          <p:cNvPr id="16" name="ZoneTexte 15"/>
+          <p:cNvSpPr txBox="1"/>
+          <p:nvPr/>
+        </p:nvSpPr>
+        <p:spPr>
+          <a:xfrm>
+            <a:off x="270229" y="1701406"/>
+            <a:ext cx="1171074" cy="707886"/>
+          </a:xfrm>
+          <a:prstGeom prst="rect">
+            <a:avLst/>
+          </a:prstGeom>
+          <a:noFill/>
+        </p:spPr>
+        <p:txBody>
+          <a:bodyPr wrap="square" rtlCol="0">
+            <a:spAutoFit/>
+          </a:bodyPr>
+          <a:lstStyle/>
+          <a:p>
+            <a:r>
+              <a:rPr lang="fr-FR" sz="2000" b="1" dirty="0" smtClean="0">
+                <a:solidFill>
+                  <a:srgbClr val="FF0000"/>
+                </a:solidFill>
+              </a:rPr>
+              <a:t>R, </a:t>
+            </a:r>
+            <a:r>
+              <a:rPr lang="fr-FR" sz="2000" b="1" dirty="0" err="1" smtClean="0">
+                <a:solidFill>
+                  <a:srgbClr val="FF0000"/>
+                </a:solidFill>
+              </a:rPr>
+              <a:t>bash</a:t>
+            </a:r>
+            <a:r>
+              <a:rPr lang="fr-FR" sz="2000" b="1" dirty="0" smtClean="0">
+                <a:solidFill>
+                  <a:srgbClr val="FF0000"/>
+                </a:solidFill>
+              </a:rPr>
+              <a:t>, python?</a:t>
+            </a:r>
+          </a:p>
+        </p:txBody>
+      </p:sp>
+      <p:cxnSp>
+        <p:nvCxnSpPr>
+          <p:cNvPr id="17" name="Connecteur droit avec flèche 16"/>
+          <p:cNvCxnSpPr/>
+          <p:nvPr/>
+        </p:nvCxnSpPr>
+        <p:spPr>
+          <a:xfrm>
+            <a:off x="2351308" y="2221001"/>
+            <a:ext cx="6676" cy="519136"/>
+          </a:xfrm>
+          <a:prstGeom prst="straightConnector1">
+            <a:avLst/>
+          </a:prstGeom>
+          <a:ln w="50800">
+            <a:solidFill>
+              <a:srgbClr val="FF0000"/>
+            </a:solidFill>
+            <a:tailEnd type="triangle"/>
+          </a:ln>
+        </p:spPr>
+        <p:style>
+          <a:lnRef idx="1">
+            <a:schemeClr val="accent1"/>
+          </a:lnRef>
+          <a:fillRef idx="0">
+            <a:schemeClr val="accent1"/>
+          </a:fillRef>
+          <a:effectRef idx="0">
+            <a:schemeClr val="accent1"/>
+          </a:effectRef>
+          <a:fontRef idx="minor">
+            <a:schemeClr val="tx1"/>
+          </a:fontRef>
+        </p:style>
+      </p:cxnSp>
+      <p:sp>
+        <p:nvSpPr>
+          <p:cNvPr id="19" name="ZoneTexte 18"/>
+          <p:cNvSpPr txBox="1"/>
+          <p:nvPr/>
+        </p:nvSpPr>
+        <p:spPr>
+          <a:xfrm>
+            <a:off x="3769095" y="1347463"/>
+            <a:ext cx="1675257" cy="707886"/>
+          </a:xfrm>
+          <a:prstGeom prst="rect">
+            <a:avLst/>
+          </a:prstGeom>
+          <a:noFill/>
+        </p:spPr>
+        <p:txBody>
+          <a:bodyPr wrap="square" rtlCol="0">
+            <a:spAutoFit/>
+          </a:bodyPr>
+          <a:lstStyle/>
+          <a:p>
+            <a:r>
+              <a:rPr lang="fr-FR" sz="2000" b="1" dirty="0" err="1" smtClean="0">
+                <a:solidFill>
+                  <a:srgbClr val="FF0000"/>
+                </a:solidFill>
+              </a:rPr>
+              <a:t>Chunk</a:t>
+            </a:r>
+            <a:r>
+              <a:rPr lang="fr-FR" sz="2000" b="1" dirty="0" smtClean="0">
+                <a:solidFill>
+                  <a:srgbClr val="FF0000"/>
+                </a:solidFill>
+              </a:rPr>
+              <a:t> options</a:t>
+            </a:r>
+          </a:p>
+        </p:txBody>
+      </p:sp>
+      <p:cxnSp>
+        <p:nvCxnSpPr>
+          <p:cNvPr id="20" name="Connecteur droit avec flèche 19"/>
+          <p:cNvCxnSpPr/>
+          <p:nvPr/>
+        </p:nvCxnSpPr>
+        <p:spPr>
+          <a:xfrm>
+            <a:off x="4252297" y="2104418"/>
+            <a:ext cx="6676" cy="519136"/>
+          </a:xfrm>
+          <a:prstGeom prst="straightConnector1">
+            <a:avLst/>
+          </a:prstGeom>
+          <a:ln w="50800">
+            <a:solidFill>
+              <a:srgbClr val="FF0000"/>
+            </a:solidFill>
+            <a:tailEnd type="triangle"/>
+          </a:ln>
+        </p:spPr>
+        <p:style>
+          <a:lnRef idx="1">
+            <a:schemeClr val="accent1"/>
+          </a:lnRef>
+          <a:fillRef idx="0">
+            <a:schemeClr val="accent1"/>
+          </a:fillRef>
+          <a:effectRef idx="0">
+            <a:schemeClr val="accent1"/>
+          </a:effectRef>
+          <a:fontRef idx="minor">
+            <a:schemeClr val="tx1"/>
+          </a:fontRef>
+        </p:style>
+      </p:cxnSp>
+      <p:cxnSp>
+        <p:nvCxnSpPr>
+          <p:cNvPr id="21" name="Connecteur droit avec flèche 20"/>
+          <p:cNvCxnSpPr/>
+          <p:nvPr/>
+        </p:nvCxnSpPr>
+        <p:spPr>
+          <a:xfrm>
+            <a:off x="9645323" y="2051269"/>
+            <a:ext cx="6676" cy="519136"/>
+          </a:xfrm>
+          <a:prstGeom prst="straightConnector1">
+            <a:avLst/>
+          </a:prstGeom>
+          <a:ln w="50800">
+            <a:solidFill>
+              <a:srgbClr val="FF0000"/>
+            </a:solidFill>
+            <a:tailEnd type="triangle"/>
+          </a:ln>
+        </p:spPr>
+        <p:style>
+          <a:lnRef idx="1">
+            <a:schemeClr val="accent1"/>
+          </a:lnRef>
+          <a:fillRef idx="0">
+            <a:schemeClr val="accent1"/>
+          </a:fillRef>
+          <a:effectRef idx="0">
+            <a:schemeClr val="accent1"/>
+          </a:effectRef>
+          <a:fontRef idx="minor">
+            <a:schemeClr val="tx1"/>
+          </a:fontRef>
+        </p:style>
+      </p:cxnSp>
+      <p:cxnSp>
+        <p:nvCxnSpPr>
+          <p:cNvPr id="22" name="Connecteur droit avec flèche 21"/>
+          <p:cNvCxnSpPr/>
+          <p:nvPr/>
+        </p:nvCxnSpPr>
+        <p:spPr>
+          <a:xfrm flipH="1">
+            <a:off x="10213472" y="2112336"/>
+            <a:ext cx="548873" cy="511218"/>
+          </a:xfrm>
+          <a:prstGeom prst="straightConnector1">
+            <a:avLst/>
+          </a:prstGeom>
+          <a:ln w="50800">
+            <a:solidFill>
+              <a:srgbClr val="FF0000"/>
+            </a:solidFill>
+            <a:tailEnd type="triangle"/>
+          </a:ln>
+        </p:spPr>
+        <p:style>
+          <a:lnRef idx="1">
+            <a:schemeClr val="accent1"/>
+          </a:lnRef>
+          <a:fillRef idx="0">
+            <a:schemeClr val="accent1"/>
+          </a:fillRef>
+          <a:effectRef idx="0">
+            <a:schemeClr val="accent1"/>
+          </a:effectRef>
+          <a:fontRef idx="minor">
+            <a:schemeClr val="tx1"/>
+          </a:fontRef>
+        </p:style>
+      </p:cxnSp>
+      <p:sp>
+        <p:nvSpPr>
+          <p:cNvPr id="25" name="ZoneTexte 24"/>
+          <p:cNvSpPr txBox="1"/>
+          <p:nvPr/>
+        </p:nvSpPr>
+        <p:spPr>
+          <a:xfrm>
+            <a:off x="8974791" y="901167"/>
+            <a:ext cx="1179862" cy="1015663"/>
+          </a:xfrm>
+          <a:prstGeom prst="rect">
+            <a:avLst/>
+          </a:prstGeom>
+          <a:noFill/>
+        </p:spPr>
+        <p:txBody>
+          <a:bodyPr wrap="square" rtlCol="0">
+            <a:spAutoFit/>
+          </a:bodyPr>
+          <a:lstStyle/>
+          <a:p>
+            <a:r>
+              <a:rPr lang="fr-FR" sz="2000" b="1" dirty="0" err="1" smtClean="0">
+                <a:solidFill>
+                  <a:srgbClr val="FF0000"/>
+                </a:solidFill>
+              </a:rPr>
+              <a:t>Run</a:t>
+            </a:r>
+            <a:r>
+              <a:rPr lang="fr-FR" sz="2000" b="1" dirty="0" smtClean="0">
+                <a:solidFill>
+                  <a:srgbClr val="FF0000"/>
+                </a:solidFill>
+              </a:rPr>
+              <a:t> all </a:t>
+            </a:r>
+            <a:r>
+              <a:rPr lang="fr-FR" sz="2000" b="1" dirty="0" err="1" smtClean="0">
+                <a:solidFill>
+                  <a:srgbClr val="FF0000"/>
+                </a:solidFill>
+              </a:rPr>
+              <a:t>previous</a:t>
+            </a:r>
+            <a:r>
+              <a:rPr lang="fr-FR" sz="2000" b="1" dirty="0" smtClean="0">
+                <a:solidFill>
+                  <a:srgbClr val="FF0000"/>
+                </a:solidFill>
+              </a:rPr>
+              <a:t> </a:t>
+            </a:r>
+            <a:r>
+              <a:rPr lang="fr-FR" sz="2000" b="1" dirty="0" err="1" smtClean="0">
+                <a:solidFill>
+                  <a:srgbClr val="FF0000"/>
+                </a:solidFill>
+              </a:rPr>
+              <a:t>chunks</a:t>
+            </a:r>
+            <a:endParaRPr lang="fr-FR" sz="2000" b="1" dirty="0" smtClean="0">
+              <a:solidFill>
+                <a:srgbClr val="FF0000"/>
+              </a:solidFill>
+            </a:endParaRPr>
+          </a:p>
+        </p:txBody>
+      </p:sp>
+      <p:sp>
+        <p:nvSpPr>
+          <p:cNvPr id="26" name="ZoneTexte 25"/>
+          <p:cNvSpPr txBox="1"/>
+          <p:nvPr/>
+        </p:nvSpPr>
+        <p:spPr>
+          <a:xfrm>
+            <a:off x="10762345" y="1065164"/>
+            <a:ext cx="1179862" cy="707886"/>
+          </a:xfrm>
+          <a:prstGeom prst="rect">
+            <a:avLst/>
+          </a:prstGeom>
+          <a:noFill/>
+        </p:spPr>
+        <p:txBody>
+          <a:bodyPr wrap="square" rtlCol="0">
+            <a:spAutoFit/>
+          </a:bodyPr>
+          <a:lstStyle/>
+          <a:p>
+            <a:r>
+              <a:rPr lang="fr-FR" sz="2000" b="1" dirty="0" err="1" smtClean="0">
+                <a:solidFill>
+                  <a:srgbClr val="FF0000"/>
+                </a:solidFill>
+              </a:rPr>
+              <a:t>Run</a:t>
+            </a:r>
+            <a:r>
+              <a:rPr lang="fr-FR" sz="2000" b="1" dirty="0" smtClean="0">
+                <a:solidFill>
+                  <a:srgbClr val="FF0000"/>
+                </a:solidFill>
+              </a:rPr>
+              <a:t> </a:t>
+            </a:r>
+            <a:r>
+              <a:rPr lang="fr-FR" sz="2000" b="1" dirty="0" err="1" smtClean="0">
+                <a:solidFill>
+                  <a:srgbClr val="FF0000"/>
+                </a:solidFill>
+              </a:rPr>
+              <a:t>this</a:t>
+            </a:r>
+            <a:r>
+              <a:rPr lang="fr-FR" sz="2000" b="1" dirty="0" smtClean="0">
+                <a:solidFill>
+                  <a:srgbClr val="FF0000"/>
+                </a:solidFill>
+              </a:rPr>
+              <a:t> </a:t>
+            </a:r>
+            <a:r>
+              <a:rPr lang="fr-FR" sz="2000" b="1" dirty="0" err="1" smtClean="0">
+                <a:solidFill>
+                  <a:srgbClr val="FF0000"/>
+                </a:solidFill>
+              </a:rPr>
+              <a:t>chunk</a:t>
+            </a:r>
+            <a:endParaRPr lang="fr-FR" sz="2000" b="1" dirty="0" smtClean="0">
+              <a:solidFill>
+                <a:srgbClr val="FF0000"/>
+              </a:solidFill>
+            </a:endParaRPr>
+          </a:p>
+        </p:txBody>
+      </p:sp>
+      <p:cxnSp>
+        <p:nvCxnSpPr>
+          <p:cNvPr id="27" name="Connecteur droit avec flèche 26"/>
+          <p:cNvCxnSpPr/>
+          <p:nvPr/>
+        </p:nvCxnSpPr>
+        <p:spPr>
+          <a:xfrm flipH="1" flipV="1">
+            <a:off x="3915429" y="3419240"/>
+            <a:ext cx="673735" cy="179695"/>
+          </a:xfrm>
+          <a:prstGeom prst="straightConnector1">
+            <a:avLst/>
+          </a:prstGeom>
+          <a:ln w="50800">
+            <a:solidFill>
+              <a:srgbClr val="FF0000"/>
+            </a:solidFill>
+            <a:tailEnd type="triangle"/>
+          </a:ln>
+        </p:spPr>
+        <p:style>
+          <a:lnRef idx="1">
+            <a:schemeClr val="accent1"/>
+          </a:lnRef>
+          <a:fillRef idx="0">
+            <a:schemeClr val="accent1"/>
+          </a:fillRef>
+          <a:effectRef idx="0">
+            <a:schemeClr val="accent1"/>
+          </a:effectRef>
+          <a:fontRef idx="minor">
+            <a:schemeClr val="tx1"/>
+          </a:fontRef>
+        </p:style>
+      </p:cxnSp>
+      <p:sp>
+        <p:nvSpPr>
+          <p:cNvPr id="29" name="ZoneTexte 28"/>
+          <p:cNvSpPr txBox="1"/>
+          <p:nvPr/>
+        </p:nvSpPr>
+        <p:spPr>
+          <a:xfrm>
+            <a:off x="5001702" y="3487125"/>
+            <a:ext cx="2345582" cy="400110"/>
+          </a:xfrm>
+          <a:prstGeom prst="rect">
+            <a:avLst/>
+          </a:prstGeom>
+          <a:noFill/>
+        </p:spPr>
+        <p:txBody>
+          <a:bodyPr wrap="square" rtlCol="0">
+            <a:spAutoFit/>
+          </a:bodyPr>
+          <a:lstStyle/>
+          <a:p>
+            <a:r>
+              <a:rPr lang="fr-FR" sz="2000" b="1" dirty="0" smtClean="0">
+                <a:solidFill>
+                  <a:srgbClr val="FF0000"/>
+                </a:solidFill>
+              </a:rPr>
+              <a:t>Comment </a:t>
+            </a:r>
+            <a:r>
+              <a:rPr lang="fr-FR" sz="2000" b="1" dirty="0" err="1" smtClean="0">
+                <a:solidFill>
+                  <a:srgbClr val="FF0000"/>
+                </a:solidFill>
+              </a:rPr>
+              <a:t>your</a:t>
+            </a:r>
+            <a:r>
+              <a:rPr lang="fr-FR" sz="2000" b="1" dirty="0" smtClean="0">
+                <a:solidFill>
+                  <a:srgbClr val="FF0000"/>
+                </a:solidFill>
+              </a:rPr>
+              <a:t> code</a:t>
+            </a:r>
           </a:p>
         </p:txBody>
       </p:sp>
     </p:spTree>
     <p:extLst>
       <p:ext uri="{BB962C8B-B14F-4D97-AF65-F5344CB8AC3E}">
-        <p14:creationId xmlns:p14="http://schemas.microsoft.com/office/powerpoint/2010/main" val="1178945459"/>
+        <p14:creationId xmlns:p14="http://schemas.microsoft.com/office/powerpoint/2010/main" val="33611226"/>
       </p:ext>
     </p:extLst>
   </p:cSld>
@@ -5916,108 +6728,76 @@
           <a:chExt cx="0" cy="0"/>
         </a:xfrm>
       </p:grpSpPr>
+      <p:sp>
+        <p:nvSpPr>
+          <p:cNvPr id="2" name="ZoneTexte 1"/>
+          <p:cNvSpPr txBox="1"/>
+          <p:nvPr/>
+        </p:nvSpPr>
+        <p:spPr>
+          <a:xfrm>
+            <a:off x="145140" y="109331"/>
+            <a:ext cx="9506859" cy="769441"/>
+          </a:xfrm>
+          <a:prstGeom prst="rect">
+            <a:avLst/>
+          </a:prstGeom>
+          <a:noFill/>
+        </p:spPr>
+        <p:txBody>
+          <a:bodyPr wrap="square" rtlCol="0">
+            <a:spAutoFit/>
+          </a:bodyPr>
+          <a:lstStyle/>
+          <a:p>
+            <a:r>
+              <a:rPr lang="en-CA" sz="4400" dirty="0" smtClean="0">
+                <a:solidFill>
+                  <a:schemeClr val="accent2">
+                    <a:lumMod val="75000"/>
+                  </a:schemeClr>
+                </a:solidFill>
+              </a:rPr>
+              <a:t>Code chunk options:</a:t>
+            </a:r>
+            <a:endParaRPr lang="en-CA" sz="4400" dirty="0">
+              <a:solidFill>
+                <a:schemeClr val="accent2">
+                  <a:lumMod val="75000"/>
+                </a:schemeClr>
+              </a:solidFill>
+            </a:endParaRPr>
+          </a:p>
+        </p:txBody>
+      </p:sp>
       <p:pic>
         <p:nvPicPr>
-          <p:cNvPr id="8" name="Image 7"/>
+          <p:cNvPr id="3" name="Image 2"/>
           <p:cNvPicPr>
             <a:picLocks noChangeAspect="1"/>
           </p:cNvPicPr>
           <p:nvPr/>
         </p:nvPicPr>
         <p:blipFill>
-          <a:blip r:embed="rId2">
-            <a:alphaModFix amt="24000"/>
-            <a:extLst>
-              <a:ext uri="{28A0092B-C50C-407E-A947-70E740481C1C}">
-                <a14:useLocalDpi xmlns:a14="http://schemas.microsoft.com/office/drawing/2010/main" val="0"/>
-              </a:ext>
-            </a:extLst>
-          </a:blip>
+          <a:blip r:embed="rId2"/>
           <a:stretch>
             <a:fillRect/>
           </a:stretch>
         </p:blipFill>
         <p:spPr>
           <a:xfrm>
-            <a:off x="-2411662" y="16042"/>
-            <a:ext cx="17808514" cy="6858000"/>
+            <a:off x="1597192" y="1252954"/>
+            <a:ext cx="9164324" cy="4891171"/>
           </a:xfrm>
           <a:prstGeom prst="rect">
             <a:avLst/>
           </a:prstGeom>
         </p:spPr>
       </p:pic>
-      <p:cxnSp>
-        <p:nvCxnSpPr>
-          <p:cNvPr id="9" name="Connecteur droit 8"/>
-          <p:cNvCxnSpPr/>
-          <p:nvPr/>
-        </p:nvCxnSpPr>
-        <p:spPr>
-          <a:xfrm>
-            <a:off x="3676696" y="3686627"/>
-            <a:ext cx="4702626" cy="0"/>
-          </a:xfrm>
-          <a:prstGeom prst="line">
-            <a:avLst/>
-          </a:prstGeom>
-          <a:ln>
-            <a:solidFill>
-              <a:schemeClr val="bg2">
-                <a:lumMod val="50000"/>
-              </a:schemeClr>
-            </a:solidFill>
-          </a:ln>
-        </p:spPr>
-        <p:style>
-          <a:lnRef idx="1">
-            <a:schemeClr val="accent1"/>
-          </a:lnRef>
-          <a:fillRef idx="0">
-            <a:schemeClr val="accent1"/>
-          </a:fillRef>
-          <a:effectRef idx="0">
-            <a:schemeClr val="accent1"/>
-          </a:effectRef>
-          <a:fontRef idx="minor">
-            <a:schemeClr val="tx1"/>
-          </a:fontRef>
-        </p:style>
-      </p:cxnSp>
-      <p:sp>
-        <p:nvSpPr>
-          <p:cNvPr id="10" name="ZoneTexte 9"/>
-          <p:cNvSpPr txBox="1"/>
-          <p:nvPr/>
-        </p:nvSpPr>
-        <p:spPr>
-          <a:xfrm>
-            <a:off x="5273267" y="2798711"/>
-            <a:ext cx="4814161" cy="646331"/>
-          </a:xfrm>
-          <a:prstGeom prst="rect">
-            <a:avLst/>
-          </a:prstGeom>
-          <a:noFill/>
-        </p:spPr>
-        <p:txBody>
-          <a:bodyPr wrap="square" rtlCol="0">
-            <a:spAutoFit/>
-          </a:bodyPr>
-          <a:lstStyle/>
-          <a:p>
-            <a:r>
-              <a:rPr lang="fr-FR" sz="3600" smtClean="0"/>
-              <a:t>Header</a:t>
-            </a:r>
-            <a:endParaRPr lang="fr-FR" sz="3600" dirty="0"/>
-          </a:p>
-        </p:txBody>
-      </p:sp>
     </p:spTree>
     <p:extLst>
       <p:ext uri="{BB962C8B-B14F-4D97-AF65-F5344CB8AC3E}">
-        <p14:creationId xmlns:p14="http://schemas.microsoft.com/office/powerpoint/2010/main" val="1415638840"/>
+        <p14:creationId xmlns:p14="http://schemas.microsoft.com/office/powerpoint/2010/main" val="745646916"/>
       </p:ext>
     </p:extLst>
   </p:cSld>
@@ -6051,73 +6831,15 @@
           <a:chExt cx="0" cy="0"/>
         </a:xfrm>
       </p:grpSpPr>
-      <p:pic>
-        <p:nvPicPr>
-          <p:cNvPr id="5" name="Image 4"/>
-          <p:cNvPicPr>
-            <a:picLocks noChangeAspect="1"/>
-          </p:cNvPicPr>
-          <p:nvPr/>
-        </p:nvPicPr>
-        <p:blipFill>
-          <a:blip r:embed="rId2"/>
-          <a:stretch>
-            <a:fillRect/>
-          </a:stretch>
-        </p:blipFill>
-        <p:spPr>
-          <a:xfrm>
-            <a:off x="369970" y="2211470"/>
-            <a:ext cx="2950746" cy="2409063"/>
-          </a:xfrm>
-          <a:prstGeom prst="rect">
-            <a:avLst/>
-          </a:prstGeom>
-          <a:ln w="34925">
-            <a:solidFill>
-              <a:schemeClr val="tx1"/>
-            </a:solidFill>
-          </a:ln>
-        </p:spPr>
-      </p:pic>
-      <p:pic>
-        <p:nvPicPr>
-          <p:cNvPr id="2" name="Image 1"/>
-          <p:cNvPicPr>
-            <a:picLocks noChangeAspect="1"/>
-          </p:cNvPicPr>
-          <p:nvPr/>
-        </p:nvPicPr>
-        <p:blipFill>
-          <a:blip r:embed="rId3"/>
-          <a:stretch>
-            <a:fillRect/>
-          </a:stretch>
-        </p:blipFill>
-        <p:spPr>
-          <a:xfrm>
-            <a:off x="3985673" y="1201938"/>
-            <a:ext cx="8048598" cy="5217769"/>
-          </a:xfrm>
-          <a:prstGeom prst="rect">
-            <a:avLst/>
-          </a:prstGeom>
-          <a:ln w="34925">
-            <a:solidFill>
-              <a:schemeClr val="tx1"/>
-            </a:solidFill>
-          </a:ln>
-        </p:spPr>
-      </p:pic>
-      <p:sp>
-        <p:nvSpPr>
-          <p:cNvPr id="3" name="ZoneTexte 2"/>
+      <p:sp>
+        <p:nvSpPr>
+          <p:cNvPr id="2" name="ZoneTexte 1"/>
           <p:cNvSpPr txBox="1"/>
           <p:nvPr/>
         </p:nvSpPr>
         <p:spPr>
           <a:xfrm>
-            <a:off x="145140" y="109331"/>
+            <a:off x="1432328" y="1654720"/>
             <a:ext cx="9506859" cy="769441"/>
           </a:xfrm>
           <a:prstGeom prst="rect">
@@ -6139,7 +6861,17 @@
                   </a:schemeClr>
                 </a:solidFill>
               </a:rPr>
-              <a:t>Anatomy of the header:</a:t>
+              <a:t>Do not always run the </a:t>
+            </a:r>
+            <a:r>
+              <a:rPr lang="en-CA" sz="4400" smtClean="0">
+                <a:solidFill>
+                  <a:schemeClr val="accent2">
+                    <a:lumMod val="75000"/>
+                  </a:schemeClr>
+                </a:solidFill>
+              </a:rPr>
+              <a:t>whole document</a:t>
             </a:r>
             <a:endParaRPr lang="en-CA" sz="4400" dirty="0">
               <a:solidFill>
@@ -6151,118 +6883,53 @@
           </a:p>
         </p:txBody>
       </p:sp>
-      <p:cxnSp>
-        <p:nvCxnSpPr>
-          <p:cNvPr id="9" name="Connecteur droit avec flèche 8"/>
-          <p:cNvCxnSpPr/>
-          <p:nvPr/>
-        </p:nvCxnSpPr>
-        <p:spPr>
-          <a:xfrm flipV="1">
-            <a:off x="2005764" y="2422358"/>
-            <a:ext cx="2261436" cy="1324298"/>
-          </a:xfrm>
-          <a:prstGeom prst="straightConnector1">
-            <a:avLst/>
-          </a:prstGeom>
-          <a:ln w="50800">
-            <a:solidFill>
-              <a:srgbClr val="FF0000"/>
-            </a:solidFill>
-            <a:tailEnd type="triangle"/>
-          </a:ln>
-        </p:spPr>
-        <p:style>
-          <a:lnRef idx="1">
-            <a:schemeClr val="accent1"/>
-          </a:lnRef>
-          <a:fillRef idx="0">
-            <a:schemeClr val="accent1"/>
-          </a:fillRef>
-          <a:effectRef idx="0">
-            <a:schemeClr val="accent1"/>
-          </a:effectRef>
-          <a:fontRef idx="minor">
-            <a:schemeClr val="tx1"/>
-          </a:fontRef>
-        </p:style>
-      </p:cxnSp>
-      <p:cxnSp>
-        <p:nvCxnSpPr>
-          <p:cNvPr id="23" name="Connecteur droit avec flèche 22"/>
-          <p:cNvCxnSpPr/>
-          <p:nvPr/>
-        </p:nvCxnSpPr>
-        <p:spPr>
-          <a:xfrm>
-            <a:off x="3136482" y="3957544"/>
-            <a:ext cx="8269455" cy="1121810"/>
-          </a:xfrm>
-          <a:prstGeom prst="straightConnector1">
-            <a:avLst/>
-          </a:prstGeom>
-          <a:ln w="50800">
-            <a:solidFill>
-              <a:srgbClr val="FF0000"/>
-            </a:solidFill>
-            <a:tailEnd type="triangle"/>
-          </a:ln>
-        </p:spPr>
-        <p:style>
-          <a:lnRef idx="1">
-            <a:schemeClr val="accent1"/>
-          </a:lnRef>
-          <a:fillRef idx="0">
-            <a:schemeClr val="accent1"/>
-          </a:fillRef>
-          <a:effectRef idx="0">
-            <a:schemeClr val="accent1"/>
-          </a:effectRef>
-          <a:fontRef idx="minor">
-            <a:schemeClr val="tx1"/>
-          </a:fontRef>
-        </p:style>
-      </p:cxnSp>
-      <p:cxnSp>
-        <p:nvCxnSpPr>
-          <p:cNvPr id="24" name="Connecteur droit avec flèche 23"/>
-          <p:cNvCxnSpPr/>
-          <p:nvPr/>
-        </p:nvCxnSpPr>
-        <p:spPr>
-          <a:xfrm>
-            <a:off x="3136481" y="4226708"/>
-            <a:ext cx="1130719" cy="269859"/>
-          </a:xfrm>
-          <a:prstGeom prst="straightConnector1">
-            <a:avLst/>
-          </a:prstGeom>
-          <a:ln w="50800">
-            <a:solidFill>
-              <a:srgbClr val="FF0000"/>
-            </a:solidFill>
-            <a:tailEnd type="triangle"/>
-          </a:ln>
-        </p:spPr>
-        <p:style>
-          <a:lnRef idx="1">
-            <a:schemeClr val="accent1"/>
-          </a:lnRef>
-          <a:fillRef idx="0">
-            <a:schemeClr val="accent1"/>
-          </a:fillRef>
-          <a:effectRef idx="0">
-            <a:schemeClr val="accent1"/>
-          </a:effectRef>
-          <a:fontRef idx="minor">
-            <a:schemeClr val="tx1"/>
-          </a:fontRef>
-        </p:style>
-      </p:cxnSp>
+      <p:sp>
+        <p:nvSpPr>
+          <p:cNvPr id="4" name="Rectangle 3"/>
+          <p:cNvSpPr/>
+          <p:nvPr/>
+        </p:nvSpPr>
+        <p:spPr>
+          <a:xfrm>
+            <a:off x="2278988" y="3966229"/>
+            <a:ext cx="7344383" cy="584775"/>
+          </a:xfrm>
+          <a:prstGeom prst="rect">
+            <a:avLst/>
+          </a:prstGeom>
+        </p:spPr>
+        <p:txBody>
+          <a:bodyPr wrap="none">
+            <a:spAutoFit/>
+          </a:bodyPr>
+          <a:lstStyle/>
+          <a:p>
+            <a:r>
+              <a:rPr lang="fr-FR" sz="3200" dirty="0" smtClean="0">
+                <a:sym typeface="Wingdings"/>
+              </a:rPr>
+              <a:t> </a:t>
+            </a:r>
+            <a:r>
+              <a:rPr lang="fr-FR" sz="3200" dirty="0" smtClean="0"/>
+              <a:t>R Markdown document </a:t>
+            </a:r>
+            <a:r>
+              <a:rPr lang="fr-FR" sz="3200" dirty="0" err="1" smtClean="0"/>
+              <a:t>is</a:t>
+            </a:r>
+            <a:r>
+              <a:rPr lang="fr-FR" sz="3200" dirty="0" smtClean="0"/>
+              <a:t> a Notebook !!</a:t>
+            </a:r>
+            <a:endParaRPr lang="en-AU" sz="3200" dirty="0"/>
+          </a:p>
+        </p:txBody>
+      </p:sp>
     </p:spTree>
     <p:extLst>
       <p:ext uri="{BB962C8B-B14F-4D97-AF65-F5344CB8AC3E}">
-        <p14:creationId xmlns:p14="http://schemas.microsoft.com/office/powerpoint/2010/main" val="772918118"/>
+        <p14:creationId xmlns:p14="http://schemas.microsoft.com/office/powerpoint/2010/main" val="1178945459"/>
       </p:ext>
     </p:extLst>
   </p:cSld>
@@ -6602,7 +7269,7 @@
         </p:nvSpPr>
         <p:spPr>
           <a:xfrm>
-            <a:off x="4387895" y="2798711"/>
+            <a:off x="5273267" y="2798711"/>
             <a:ext cx="4814161" cy="646331"/>
           </a:xfrm>
           <a:prstGeom prst="rect">
@@ -6617,16 +7284,8 @@
           <a:lstStyle/>
           <a:p>
             <a:r>
-              <a:rPr lang="fr-FR" sz="3600" dirty="0" err="1" smtClean="0"/>
-              <a:t>Going</a:t>
-            </a:r>
-            <a:r>
-              <a:rPr lang="fr-FR" sz="3600" dirty="0" smtClean="0"/>
-              <a:t> </a:t>
-            </a:r>
-            <a:r>
-              <a:rPr lang="fr-FR" sz="3600" dirty="0" err="1" smtClean="0"/>
-              <a:t>further</a:t>
+              <a:rPr lang="fr-FR" sz="3600" smtClean="0"/>
+              <a:t>Header</a:t>
             </a:r>
             <a:endParaRPr lang="fr-FR" sz="3600" dirty="0"/>
           </a:p>
@@ -6635,7 +7294,7 @@
     </p:spTree>
     <p:extLst>
       <p:ext uri="{BB962C8B-B14F-4D97-AF65-F5344CB8AC3E}">
-        <p14:creationId xmlns:p14="http://schemas.microsoft.com/office/powerpoint/2010/main" val="1379499793"/>
+        <p14:creationId xmlns:p14="http://schemas.microsoft.com/office/powerpoint/2010/main" val="1415638840"/>
       </p:ext>
     </p:extLst>
   </p:cSld>
@@ -6671,7 +7330,7 @@
       </p:grpSpPr>
       <p:pic>
         <p:nvPicPr>
-          <p:cNvPr id="11" name="Image 10"/>
+          <p:cNvPr id="5" name="Image 4"/>
           <p:cNvPicPr>
             <a:picLocks noChangeAspect="1"/>
           </p:cNvPicPr>
@@ -6685,12 +7344,46 @@
         </p:blipFill>
         <p:spPr>
           <a:xfrm>
-            <a:off x="1285707" y="3008982"/>
-            <a:ext cx="9419443" cy="3600365"/>
-          </a:xfrm>
-          <a:prstGeom prst="rect">
-            <a:avLst/>
-          </a:prstGeom>
+            <a:off x="369970" y="2211470"/>
+            <a:ext cx="2950746" cy="2409063"/>
+          </a:xfrm>
+          <a:prstGeom prst="rect">
+            <a:avLst/>
+          </a:prstGeom>
+          <a:ln w="34925">
+            <a:solidFill>
+              <a:schemeClr val="tx1"/>
+            </a:solidFill>
+          </a:ln>
+        </p:spPr>
+      </p:pic>
+      <p:pic>
+        <p:nvPicPr>
+          <p:cNvPr id="2" name="Image 1"/>
+          <p:cNvPicPr>
+            <a:picLocks noChangeAspect="1"/>
+          </p:cNvPicPr>
+          <p:nvPr/>
+        </p:nvPicPr>
+        <p:blipFill>
+          <a:blip r:embed="rId3"/>
+          <a:stretch>
+            <a:fillRect/>
+          </a:stretch>
+        </p:blipFill>
+        <p:spPr>
+          <a:xfrm>
+            <a:off x="3985673" y="1201938"/>
+            <a:ext cx="8048598" cy="5217769"/>
+          </a:xfrm>
+          <a:prstGeom prst="rect">
+            <a:avLst/>
+          </a:prstGeom>
+          <a:ln w="34925">
+            <a:solidFill>
+              <a:schemeClr val="tx1"/>
+            </a:solidFill>
+          </a:ln>
         </p:spPr>
       </p:pic>
       <p:sp>
@@ -6723,7 +7416,7 @@
                   </a:schemeClr>
                 </a:solidFill>
               </a:rPr>
-              <a:t>Insert a table: the DT library</a:t>
+              <a:t>Anatomy of the header:</a:t>
             </a:r>
             <a:endParaRPr lang="en-CA" sz="4400" dirty="0">
               <a:solidFill>
@@ -6735,40 +7428,16 @@
           </a:p>
         </p:txBody>
       </p:sp>
-      <p:pic>
-        <p:nvPicPr>
-          <p:cNvPr id="4" name="Image 3"/>
-          <p:cNvPicPr>
-            <a:picLocks noChangeAspect="1"/>
-          </p:cNvPicPr>
-          <p:nvPr/>
-        </p:nvPicPr>
-        <p:blipFill>
-          <a:blip r:embed="rId3"/>
-          <a:stretch>
-            <a:fillRect/>
-          </a:stretch>
-        </p:blipFill>
-        <p:spPr>
-          <a:xfrm>
-            <a:off x="145140" y="1208581"/>
-            <a:ext cx="11838313" cy="1247063"/>
-          </a:xfrm>
-          <a:prstGeom prst="rect">
-            <a:avLst/>
-          </a:prstGeom>
-        </p:spPr>
-      </p:pic>
       <p:cxnSp>
         <p:nvCxnSpPr>
-          <p:cNvPr id="24" name="Connecteur droit avec flèche 23"/>
+          <p:cNvPr id="9" name="Connecteur droit avec flèche 8"/>
           <p:cNvCxnSpPr/>
           <p:nvPr/>
         </p:nvCxnSpPr>
         <p:spPr>
-          <a:xfrm>
-            <a:off x="5494421" y="2146930"/>
-            <a:ext cx="1147011" cy="2056102"/>
+          <a:xfrm flipV="1">
+            <a:off x="2005764" y="2422358"/>
+            <a:ext cx="2261436" cy="1324298"/>
           </a:xfrm>
           <a:prstGeom prst="straightConnector1">
             <a:avLst/>
@@ -6795,49 +7464,52 @@
           </a:fontRef>
         </p:style>
       </p:cxnSp>
-      <p:sp>
-        <p:nvSpPr>
-          <p:cNvPr id="12" name="ZoneTexte 11"/>
-          <p:cNvSpPr txBox="1"/>
-          <p:nvPr/>
-        </p:nvSpPr>
-        <p:spPr>
-          <a:xfrm>
-            <a:off x="114633" y="2467095"/>
-            <a:ext cx="1171074" cy="707886"/>
-          </a:xfrm>
-          <a:prstGeom prst="rect">
-            <a:avLst/>
-          </a:prstGeom>
-          <a:noFill/>
-        </p:spPr>
-        <p:txBody>
-          <a:bodyPr wrap="square" rtlCol="0">
-            <a:spAutoFit/>
-          </a:bodyPr>
-          <a:lstStyle/>
-          <a:p>
-            <a:r>
-              <a:rPr lang="fr-FR" sz="2000" b="1" dirty="0" smtClean="0">
-                <a:solidFill>
-                  <a:srgbClr val="FF0000"/>
-                </a:solidFill>
-              </a:rPr>
-              <a:t>Data frame</a:t>
-            </a:r>
-          </a:p>
-        </p:txBody>
-      </p:sp>
       <p:cxnSp>
         <p:nvCxnSpPr>
-          <p:cNvPr id="17" name="Connecteur droit avec flèche 16"/>
+          <p:cNvPr id="23" name="Connecteur droit avec flèche 22"/>
           <p:cNvCxnSpPr/>
           <p:nvPr/>
         </p:nvCxnSpPr>
         <p:spPr>
-          <a:xfrm flipV="1">
-            <a:off x="1171074" y="2146930"/>
-            <a:ext cx="516020" cy="308714"/>
+          <a:xfrm>
+            <a:off x="3136482" y="3957544"/>
+            <a:ext cx="8269455" cy="1121810"/>
+          </a:xfrm>
+          <a:prstGeom prst="straightConnector1">
+            <a:avLst/>
+          </a:prstGeom>
+          <a:ln w="50800">
+            <a:solidFill>
+              <a:srgbClr val="FF0000"/>
+            </a:solidFill>
+            <a:tailEnd type="triangle"/>
+          </a:ln>
+        </p:spPr>
+        <p:style>
+          <a:lnRef idx="1">
+            <a:schemeClr val="accent1"/>
+          </a:lnRef>
+          <a:fillRef idx="0">
+            <a:schemeClr val="accent1"/>
+          </a:fillRef>
+          <a:effectRef idx="0">
+            <a:schemeClr val="accent1"/>
+          </a:effectRef>
+          <a:fontRef idx="minor">
+            <a:schemeClr val="tx1"/>
+          </a:fontRef>
+        </p:style>
+      </p:cxnSp>
+      <p:cxnSp>
+        <p:nvCxnSpPr>
+          <p:cNvPr id="24" name="Connecteur droit avec flèche 23"/>
+          <p:cNvCxnSpPr/>
+          <p:nvPr/>
+        </p:nvCxnSpPr>
+        <p:spPr>
+          <a:xfrm>
+            <a:off x="3136481" y="4226708"/>
+            <a:ext cx="1130719" cy="269859"/>
           </a:xfrm>
           <a:prstGeom prst="straightConnector1">
             <a:avLst/>
@@ -6867,7 +7539,7 @@
     </p:spTree>
     <p:extLst>
       <p:ext uri="{BB962C8B-B14F-4D97-AF65-F5344CB8AC3E}">
-        <p14:creationId xmlns:p14="http://schemas.microsoft.com/office/powerpoint/2010/main" val="1729119071"/>
+        <p14:creationId xmlns:p14="http://schemas.microsoft.com/office/powerpoint/2010/main" val="772918118"/>
       </p:ext>
     </p:extLst>
   </p:cSld>
@@ -6903,167 +7575,55 @@
       </p:grpSpPr>
       <p:pic>
         <p:nvPicPr>
-          <p:cNvPr id="2" name="Image 1"/>
+          <p:cNvPr id="8" name="Image 7"/>
           <p:cNvPicPr>
             <a:picLocks noChangeAspect="1"/>
           </p:cNvPicPr>
           <p:nvPr/>
         </p:nvPicPr>
         <p:blipFill>
-          <a:blip r:embed="rId2"/>
+          <a:blip r:embed="rId2">
+            <a:alphaModFix amt="24000"/>
+            <a:extLst>
+              <a:ext uri="{28A0092B-C50C-407E-A947-70E740481C1C}">
+                <a14:useLocalDpi xmlns:a14="http://schemas.microsoft.com/office/drawing/2010/main" val="0"/>
+              </a:ext>
+            </a:extLst>
+          </a:blip>
           <a:stretch>
             <a:fillRect/>
           </a:stretch>
         </p:blipFill>
         <p:spPr>
           <a:xfrm>
-            <a:off x="145140" y="1208504"/>
-            <a:ext cx="7100762" cy="4871453"/>
+            <a:off x="-2411662" y="16042"/>
+            <a:ext cx="17808514" cy="6858000"/>
           </a:xfrm>
           <a:prstGeom prst="rect">
             <a:avLst/>
           </a:prstGeom>
         </p:spPr>
       </p:pic>
-      <p:pic>
-        <p:nvPicPr>
-          <p:cNvPr id="5" name="Image 4"/>
-          <p:cNvPicPr>
-            <a:picLocks noChangeAspect="1"/>
-          </p:cNvPicPr>
-          <p:nvPr/>
-        </p:nvPicPr>
-        <p:blipFill>
-          <a:blip r:embed="rId3"/>
-          <a:stretch>
-            <a:fillRect/>
-          </a:stretch>
-        </p:blipFill>
-        <p:spPr>
-          <a:xfrm>
-            <a:off x="7658084" y="2085472"/>
-            <a:ext cx="4524520" cy="2775286"/>
-          </a:xfrm>
-          <a:prstGeom prst="rect">
-            <a:avLst/>
-          </a:prstGeom>
-        </p:spPr>
-      </p:pic>
-      <p:sp>
-        <p:nvSpPr>
-          <p:cNvPr id="3" name="ZoneTexte 2"/>
-          <p:cNvSpPr txBox="1"/>
-          <p:nvPr/>
-        </p:nvSpPr>
-        <p:spPr>
-          <a:xfrm>
-            <a:off x="145140" y="109331"/>
-            <a:ext cx="9506859" cy="769441"/>
-          </a:xfrm>
-          <a:prstGeom prst="rect">
-            <a:avLst/>
-          </a:prstGeom>
-          <a:noFill/>
-        </p:spPr>
-        <p:txBody>
-          <a:bodyPr wrap="square" rtlCol="0">
-            <a:spAutoFit/>
-          </a:bodyPr>
-          <a:lstStyle/>
-          <a:p>
-            <a:r>
-              <a:rPr lang="en-CA" sz="4400" dirty="0" smtClean="0">
-                <a:solidFill>
-                  <a:schemeClr val="accent2">
-                    <a:lumMod val="75000"/>
-                  </a:schemeClr>
-                </a:solidFill>
-              </a:rPr>
-              <a:t>Use Interactive charts</a:t>
-            </a:r>
-            <a:endParaRPr lang="en-CA" sz="4400" dirty="0">
-              <a:solidFill>
-                <a:schemeClr val="accent2">
-                  <a:lumMod val="75000"/>
-                </a:schemeClr>
-              </a:solidFill>
-            </a:endParaRPr>
-          </a:p>
-        </p:txBody>
-      </p:sp>
-      <p:sp>
-        <p:nvSpPr>
-          <p:cNvPr id="12" name="ZoneTexte 11"/>
-          <p:cNvSpPr txBox="1"/>
-          <p:nvPr/>
-        </p:nvSpPr>
-        <p:spPr>
-          <a:xfrm>
-            <a:off x="3462638" y="2270048"/>
-            <a:ext cx="3989355" cy="400110"/>
-          </a:xfrm>
-          <a:prstGeom prst="rect">
-            <a:avLst/>
-          </a:prstGeom>
-          <a:noFill/>
-        </p:spPr>
-        <p:txBody>
-          <a:bodyPr wrap="square" rtlCol="0">
-            <a:spAutoFit/>
-          </a:bodyPr>
-          <a:lstStyle/>
-          <a:p>
-            <a:r>
-              <a:rPr lang="fr-FR" sz="2000" b="1" dirty="0" err="1" smtClean="0">
-                <a:solidFill>
-                  <a:srgbClr val="FF0000"/>
-                </a:solidFill>
-              </a:rPr>
-              <a:t>Plotly</a:t>
-            </a:r>
-            <a:r>
-              <a:rPr lang="fr-FR" sz="2000" b="1" dirty="0" smtClean="0">
-                <a:solidFill>
-                  <a:srgbClr val="FF0000"/>
-                </a:solidFill>
-              </a:rPr>
-              <a:t> </a:t>
-            </a:r>
-            <a:r>
-              <a:rPr lang="fr-FR" sz="2000" b="1" dirty="0" err="1" smtClean="0">
-                <a:solidFill>
-                  <a:srgbClr val="FF0000"/>
-                </a:solidFill>
-              </a:rPr>
-              <a:t>library</a:t>
-            </a:r>
-            <a:endParaRPr lang="fr-FR" sz="2000" b="1" dirty="0" smtClean="0">
-              <a:solidFill>
-                <a:srgbClr val="FF0000"/>
-              </a:solidFill>
-            </a:endParaRPr>
-          </a:p>
-        </p:txBody>
-      </p:sp>
       <p:cxnSp>
         <p:nvCxnSpPr>
-          <p:cNvPr id="13" name="Connecteur droit avec flèche 12"/>
+          <p:cNvPr id="9" name="Connecteur droit 8"/>
           <p:cNvCxnSpPr/>
           <p:nvPr/>
         </p:nvCxnSpPr>
         <p:spPr>
-          <a:xfrm flipH="1">
-            <a:off x="2630905" y="2510908"/>
-            <a:ext cx="609600" cy="0"/>
-          </a:xfrm>
-          <a:prstGeom prst="straightConnector1">
-            <a:avLst/>
-          </a:prstGeom>
-          <a:ln w="50800">
+          <a:xfrm>
+            <a:off x="3676696" y="3686627"/>
+            <a:ext cx="4702626" cy="0"/>
+          </a:xfrm>
+          <a:prstGeom prst="line">
+            <a:avLst/>
+          </a:prstGeom>
+          <a:ln>
             <a:solidFill>
-              <a:srgbClr val="FF0000"/>
+              <a:schemeClr val="bg2">
+                <a:lumMod val="50000"/>
+              </a:schemeClr>
             </a:solidFill>
-            <a:tailEnd type="triangle"/>
           </a:ln>
         </p:spPr>
         <p:style>
@@ -7081,52 +7641,16 @@
           </a:fontRef>
         </p:style>
       </p:cxnSp>
-      <p:cxnSp>
-        <p:nvCxnSpPr>
-          <p:cNvPr id="16" name="Connecteur droit avec flèche 15"/>
-          <p:cNvCxnSpPr/>
-          <p:nvPr/>
-        </p:nvCxnSpPr>
-        <p:spPr>
-          <a:xfrm flipH="1">
-            <a:off x="2853038" y="4331687"/>
-            <a:ext cx="609600" cy="0"/>
-          </a:xfrm>
-          <a:prstGeom prst="straightConnector1">
-            <a:avLst/>
-          </a:prstGeom>
-          <a:ln w="50800">
-            <a:solidFill>
-              <a:srgbClr val="FF0000"/>
-            </a:solidFill>
-            <a:tailEnd type="triangle"/>
-          </a:ln>
-        </p:spPr>
-        <p:style>
-          <a:lnRef idx="1">
-            <a:schemeClr val="accent1"/>
-          </a:lnRef>
-          <a:fillRef idx="0">
-            <a:schemeClr val="accent1"/>
-          </a:fillRef>
-          <a:effectRef idx="0">
-            <a:schemeClr val="accent1"/>
-          </a:effectRef>
-          <a:fontRef idx="minor">
-            <a:schemeClr val="tx1"/>
-          </a:fontRef>
-        </p:style>
-      </p:cxnSp>
-      <p:sp>
-        <p:nvSpPr>
-          <p:cNvPr id="18" name="ZoneTexte 17"/>
+      <p:sp>
+        <p:nvSpPr>
+          <p:cNvPr id="10" name="ZoneTexte 9"/>
           <p:cNvSpPr txBox="1"/>
           <p:nvPr/>
         </p:nvSpPr>
         <p:spPr>
           <a:xfrm>
-            <a:off x="3695521" y="4019184"/>
-            <a:ext cx="3989355" cy="400110"/>
+            <a:off x="4387895" y="2798711"/>
+            <a:ext cx="4814161" cy="646331"/>
           </a:xfrm>
           <a:prstGeom prst="rect">
             <a:avLst/>
@@ -7140,218 +7664,25 @@
           <a:lstStyle/>
           <a:p>
             <a:r>
-              <a:rPr lang="fr-FR" sz="2000" b="1" dirty="0" smtClean="0">
-                <a:solidFill>
-                  <a:srgbClr val="FF0000"/>
-                </a:solidFill>
-              </a:rPr>
-              <a:t>Basic ggplot2 </a:t>
-            </a:r>
-            <a:r>
-              <a:rPr lang="fr-FR" sz="2000" b="1" dirty="0" err="1" smtClean="0">
-                <a:solidFill>
-                  <a:srgbClr val="FF0000"/>
-                </a:solidFill>
-              </a:rPr>
-              <a:t>graphic</a:t>
-            </a:r>
-            <a:endParaRPr lang="fr-FR" sz="2000" b="1" dirty="0" smtClean="0">
-              <a:solidFill>
-                <a:srgbClr val="FF0000"/>
-              </a:solidFill>
-            </a:endParaRPr>
-          </a:p>
-        </p:txBody>
-      </p:sp>
-      <p:sp>
-        <p:nvSpPr>
-          <p:cNvPr id="19" name="ZoneTexte 18"/>
-          <p:cNvSpPr txBox="1"/>
-          <p:nvPr/>
-        </p:nvSpPr>
-        <p:spPr>
-          <a:xfrm>
-            <a:off x="2853038" y="5125243"/>
-            <a:ext cx="3989355" cy="400110"/>
-          </a:xfrm>
-          <a:prstGeom prst="rect">
-            <a:avLst/>
-          </a:prstGeom>
-          <a:noFill/>
-        </p:spPr>
-        <p:txBody>
-          <a:bodyPr wrap="square" rtlCol="0">
-            <a:spAutoFit/>
-          </a:bodyPr>
-          <a:lstStyle/>
-          <a:p>
-            <a:r>
-              <a:rPr lang="fr-FR" sz="2000" b="1" dirty="0" err="1" smtClean="0">
-                <a:solidFill>
-                  <a:srgbClr val="FF0000"/>
-                </a:solidFill>
-              </a:rPr>
-              <a:t>Ggplotly</a:t>
-            </a:r>
-            <a:r>
-              <a:rPr lang="fr-FR" sz="2000" b="1" dirty="0" smtClean="0">
-                <a:solidFill>
-                  <a:srgbClr val="FF0000"/>
-                </a:solidFill>
-              </a:rPr>
+              <a:rPr lang="fr-FR" sz="3600" dirty="0" err="1" smtClean="0"/>
+              <a:t>Going</a:t>
+            </a:r>
+            <a:r>
+              <a:rPr lang="fr-FR" sz="3600" dirty="0" smtClean="0"/>
               <a:t> </a:t>
             </a:r>
             <a:r>
-              <a:rPr lang="fr-FR" sz="2000" b="1" dirty="0" err="1" smtClean="0">
-                <a:solidFill>
-                  <a:srgbClr val="FF0000"/>
-                </a:solidFill>
-              </a:rPr>
-              <a:t>turn</a:t>
-            </a:r>
-            <a:r>
-              <a:rPr lang="fr-FR" sz="2000" b="1" dirty="0" smtClean="0">
-                <a:solidFill>
-                  <a:srgbClr val="FF0000"/>
-                </a:solidFill>
-              </a:rPr>
-              <a:t> the plot interactive</a:t>
-            </a:r>
-          </a:p>
-        </p:txBody>
-      </p:sp>
-      <p:cxnSp>
-        <p:nvCxnSpPr>
-          <p:cNvPr id="20" name="Connecteur droit avec flèche 19"/>
-          <p:cNvCxnSpPr/>
-          <p:nvPr/>
-        </p:nvCxnSpPr>
-        <p:spPr>
-          <a:xfrm flipH="1">
-            <a:off x="2021305" y="5341340"/>
-            <a:ext cx="609600" cy="0"/>
-          </a:xfrm>
-          <a:prstGeom prst="straightConnector1">
-            <a:avLst/>
-          </a:prstGeom>
-          <a:ln w="50800">
-            <a:solidFill>
-              <a:srgbClr val="FF0000"/>
-            </a:solidFill>
-            <a:tailEnd type="triangle"/>
-          </a:ln>
-        </p:spPr>
-        <p:style>
-          <a:lnRef idx="1">
-            <a:schemeClr val="accent1"/>
-          </a:lnRef>
-          <a:fillRef idx="0">
-            <a:schemeClr val="accent1"/>
-          </a:fillRef>
-          <a:effectRef idx="0">
-            <a:schemeClr val="accent1"/>
-          </a:effectRef>
-          <a:fontRef idx="minor">
-            <a:schemeClr val="tx1"/>
-          </a:fontRef>
-        </p:style>
-      </p:cxnSp>
-      <p:sp>
-        <p:nvSpPr>
-          <p:cNvPr id="21" name="ZoneTexte 20"/>
-          <p:cNvSpPr txBox="1"/>
-          <p:nvPr/>
-        </p:nvSpPr>
-        <p:spPr>
-          <a:xfrm>
-            <a:off x="8165432" y="1507749"/>
-            <a:ext cx="4017172" cy="707886"/>
-          </a:xfrm>
-          <a:prstGeom prst="rect">
-            <a:avLst/>
-          </a:prstGeom>
-          <a:noFill/>
-        </p:spPr>
-        <p:txBody>
-          <a:bodyPr wrap="square" rtlCol="0">
-            <a:spAutoFit/>
-          </a:bodyPr>
-          <a:lstStyle/>
-          <a:p>
-            <a:r>
-              <a:rPr lang="fr-FR" sz="2000" b="1" dirty="0" err="1" smtClean="0">
-                <a:solidFill>
-                  <a:srgbClr val="FF0000"/>
-                </a:solidFill>
-              </a:rPr>
-              <a:t>Result</a:t>
-            </a:r>
-            <a:r>
-              <a:rPr lang="fr-FR" sz="2000" b="1" dirty="0" smtClean="0">
-                <a:solidFill>
-                  <a:srgbClr val="FF0000"/>
-                </a:solidFill>
-              </a:rPr>
-              <a:t>: zoom / </a:t>
-            </a:r>
-            <a:r>
-              <a:rPr lang="fr-FR" sz="2000" b="1" dirty="0" err="1" smtClean="0">
-                <a:solidFill>
-                  <a:srgbClr val="FF0000"/>
-                </a:solidFill>
-              </a:rPr>
-              <a:t>hover</a:t>
-            </a:r>
-            <a:r>
-              <a:rPr lang="fr-FR" sz="2000" b="1" dirty="0" smtClean="0">
-                <a:solidFill>
-                  <a:srgbClr val="FF0000"/>
-                </a:solidFill>
-              </a:rPr>
-              <a:t> / export .. And more</a:t>
-            </a:r>
-          </a:p>
-        </p:txBody>
-      </p:sp>
-      <p:sp>
-        <p:nvSpPr>
-          <p:cNvPr id="4" name="Rectangle 3"/>
-          <p:cNvSpPr/>
-          <p:nvPr/>
-        </p:nvSpPr>
-        <p:spPr>
-          <a:xfrm>
-            <a:off x="9125731" y="6379420"/>
-            <a:ext cx="2939394" cy="369332"/>
-          </a:xfrm>
-          <a:prstGeom prst="rect">
-            <a:avLst/>
-          </a:prstGeom>
-        </p:spPr>
-        <p:txBody>
-          <a:bodyPr wrap="none">
-            <a:spAutoFit/>
-          </a:bodyPr>
-          <a:lstStyle/>
-          <a:p>
-            <a:r>
-              <a:rPr lang="fr-FR" dirty="0">
-                <a:hlinkClick r:id="rId4"/>
-              </a:rPr>
-              <a:t>http://www.htmlwidgets.org</a:t>
-            </a:r>
-            <a:r>
-              <a:rPr lang="fr-FR" dirty="0"/>
-              <a:t> </a:t>
-            </a:r>
-            <a:endParaRPr lang="en-AU" dirty="0"/>
+              <a:rPr lang="fr-FR" sz="3600" dirty="0" err="1" smtClean="0"/>
+              <a:t>further</a:t>
+            </a:r>
+            <a:endParaRPr lang="fr-FR" sz="3600" dirty="0"/>
           </a:p>
         </p:txBody>
       </p:sp>
     </p:spTree>
     <p:extLst>
       <p:ext uri="{BB962C8B-B14F-4D97-AF65-F5344CB8AC3E}">
-        <p14:creationId xmlns:p14="http://schemas.microsoft.com/office/powerpoint/2010/main" val="968261103"/>
+        <p14:creationId xmlns:p14="http://schemas.microsoft.com/office/powerpoint/2010/main" val="1379499793"/>
       </p:ext>
     </p:extLst>
   </p:cSld>
@@ -7385,6 +7716,30 @@
           <a:chExt cx="0" cy="0"/>
         </a:xfrm>
       </p:grpSpPr>
+      <p:pic>
+        <p:nvPicPr>
+          <p:cNvPr id="11" name="Image 10"/>
+          <p:cNvPicPr>
+            <a:picLocks noChangeAspect="1"/>
+          </p:cNvPicPr>
+          <p:nvPr/>
+        </p:nvPicPr>
+        <p:blipFill>
+          <a:blip r:embed="rId2"/>
+          <a:stretch>
+            <a:fillRect/>
+          </a:stretch>
+        </p:blipFill>
+        <p:spPr>
+          <a:xfrm>
+            <a:off x="1285707" y="3008982"/>
+            <a:ext cx="9419443" cy="3600365"/>
+          </a:xfrm>
+          <a:prstGeom prst="rect">
+            <a:avLst/>
+          </a:prstGeom>
+        </p:spPr>
+      </p:pic>
       <p:sp>
         <p:nvSpPr>
           <p:cNvPr id="3" name="ZoneTexte 2"/>
@@ -7393,7 +7748,7 @@
         </p:nvSpPr>
         <p:spPr>
           <a:xfrm>
-            <a:off x="16804" y="-2963"/>
+            <a:off x="145140" y="109331"/>
             <a:ext cx="9506859" cy="769441"/>
           </a:xfrm>
           <a:prstGeom prst="rect">
@@ -7415,7 +7770,7 @@
                   </a:schemeClr>
                 </a:solidFill>
               </a:rPr>
-              <a:t>Use a template</a:t>
+              <a:t>Insert a table: the DT library</a:t>
             </a:r>
             <a:endParaRPr lang="en-CA" sz="4400" dirty="0">
               <a:solidFill>
@@ -7427,60 +7782,9 @@
           </a:p>
         </p:txBody>
       </p:sp>
-      <p:sp>
-        <p:nvSpPr>
-          <p:cNvPr id="5" name="ZoneTexte 4"/>
-          <p:cNvSpPr txBox="1"/>
-          <p:nvPr/>
-        </p:nvSpPr>
-        <p:spPr>
-          <a:xfrm>
-            <a:off x="1122946" y="866275"/>
-            <a:ext cx="8293769" cy="523220"/>
-          </a:xfrm>
-          <a:prstGeom prst="rect">
-            <a:avLst/>
-          </a:prstGeom>
-          <a:noFill/>
-        </p:spPr>
-        <p:txBody>
-          <a:bodyPr wrap="square" rtlCol="0">
-            <a:spAutoFit/>
-          </a:bodyPr>
-          <a:lstStyle/>
-          <a:p>
-            <a:pPr marL="285750" indent="-285750">
-              <a:buFont typeface="Arial" charset="0"/>
-              <a:buChar char="•"/>
-            </a:pPr>
-            <a:r>
-              <a:rPr lang="fr-FR" sz="2800" dirty="0" smtClean="0"/>
-              <a:t>The PCTG </a:t>
-            </a:r>
-            <a:r>
-              <a:rPr lang="fr-FR" sz="2800" dirty="0" err="1" smtClean="0"/>
-              <a:t>template</a:t>
-            </a:r>
-            <a:r>
-              <a:rPr lang="fr-FR" sz="2800" dirty="0" smtClean="0"/>
-              <a:t>: </a:t>
-            </a:r>
-            <a:r>
-              <a:rPr lang="fr-FR" sz="2800" dirty="0" smtClean="0">
-                <a:hlinkClick r:id="rId2"/>
-              </a:rPr>
-              <a:t>www.github.com/holtzy/epuRate</a:t>
-            </a:r>
-            <a:r>
-              <a:rPr lang="fr-FR" sz="2800" dirty="0" smtClean="0"/>
-              <a:t>  </a:t>
-            </a:r>
-          </a:p>
-        </p:txBody>
-      </p:sp>
       <p:pic>
         <p:nvPicPr>
-          <p:cNvPr id="2" name="Image 1"/>
+          <p:cNvPr id="4" name="Image 3"/>
           <p:cNvPicPr>
             <a:picLocks noChangeAspect="1"/>
           </p:cNvPicPr>
@@ -7494,90 +7798,123 @@
         </p:blipFill>
         <p:spPr>
           <a:xfrm>
-            <a:off x="1536030" y="1837157"/>
-            <a:ext cx="5006734" cy="1515644"/>
+            <a:off x="145140" y="1208581"/>
+            <a:ext cx="11838313" cy="1247063"/>
           </a:xfrm>
           <a:prstGeom prst="rect">
             <a:avLst/>
           </a:prstGeom>
         </p:spPr>
       </p:pic>
-      <p:pic>
-        <p:nvPicPr>
-          <p:cNvPr id="6" name="Image 5"/>
-          <p:cNvPicPr>
-            <a:picLocks noChangeAspect="1"/>
-          </p:cNvPicPr>
-          <p:nvPr/>
-        </p:nvPicPr>
-        <p:blipFill>
-          <a:blip r:embed="rId4"/>
-          <a:stretch>
-            <a:fillRect/>
-          </a:stretch>
-        </p:blipFill>
-        <p:spPr>
-          <a:xfrm>
-            <a:off x="1171072" y="5227100"/>
-            <a:ext cx="292100" cy="241300"/>
-          </a:xfrm>
-          <a:prstGeom prst="rect">
-            <a:avLst/>
-          </a:prstGeom>
-        </p:spPr>
-      </p:pic>
-      <p:pic>
-        <p:nvPicPr>
-          <p:cNvPr id="7" name="Image 6"/>
-          <p:cNvPicPr>
-            <a:picLocks noChangeAspect="1"/>
-          </p:cNvPicPr>
-          <p:nvPr/>
-        </p:nvPicPr>
-        <p:blipFill>
-          <a:blip r:embed="rId5"/>
-          <a:stretch>
-            <a:fillRect/>
-          </a:stretch>
-        </p:blipFill>
-        <p:spPr>
-          <a:xfrm>
-            <a:off x="1681747" y="3739147"/>
-            <a:ext cx="6807200" cy="2844800"/>
-          </a:xfrm>
-          <a:prstGeom prst="rect">
-            <a:avLst/>
-          </a:prstGeom>
-        </p:spPr>
-      </p:pic>
-      <p:pic>
-        <p:nvPicPr>
-          <p:cNvPr id="8" name="Image 7"/>
-          <p:cNvPicPr>
-            <a:picLocks noChangeAspect="1"/>
-          </p:cNvPicPr>
-          <p:nvPr/>
-        </p:nvPicPr>
-        <p:blipFill>
-          <a:blip r:embed="rId4"/>
-          <a:stretch>
-            <a:fillRect/>
-          </a:stretch>
-        </p:blipFill>
-        <p:spPr>
-          <a:xfrm>
-            <a:off x="1130968" y="2620258"/>
-            <a:ext cx="292100" cy="241300"/>
-          </a:xfrm>
-          <a:prstGeom prst="rect">
-            <a:avLst/>
-          </a:prstGeom>
-        </p:spPr>
-      </p:pic>
+      <p:cxnSp>
+        <p:nvCxnSpPr>
+          <p:cNvPr id="24" name="Connecteur droit avec flèche 23"/>
+          <p:cNvCxnSpPr/>
+          <p:nvPr/>
+        </p:nvCxnSpPr>
+        <p:spPr>
+          <a:xfrm>
+            <a:off x="5494421" y="2146930"/>
+            <a:ext cx="1147011" cy="2056102"/>
+          </a:xfrm>
+          <a:prstGeom prst="straightConnector1">
+            <a:avLst/>
+          </a:prstGeom>
+          <a:ln w="50800">
+            <a:solidFill>
+              <a:srgbClr val="FF0000"/>
+            </a:solidFill>
+            <a:tailEnd type="triangle"/>
+          </a:ln>
+        </p:spPr>
+        <p:style>
+          <a:lnRef idx="1">
+            <a:schemeClr val="accent1"/>
+          </a:lnRef>
+          <a:fillRef idx="0">
+            <a:schemeClr val="accent1"/>
+          </a:fillRef>
+          <a:effectRef idx="0">
+            <a:schemeClr val="accent1"/>
+          </a:effectRef>
+          <a:fontRef idx="minor">
+            <a:schemeClr val="tx1"/>
+          </a:fontRef>
+        </p:style>
+      </p:cxnSp>
+      <p:sp>
+        <p:nvSpPr>
+          <p:cNvPr id="12" name="ZoneTexte 11"/>
+          <p:cNvSpPr txBox="1"/>
+          <p:nvPr/>
+        </p:nvSpPr>
+        <p:spPr>
+          <a:xfrm>
+            <a:off x="114633" y="2467095"/>
+            <a:ext cx="1171074" cy="707886"/>
+          </a:xfrm>
+          <a:prstGeom prst="rect">
+            <a:avLst/>
+          </a:prstGeom>
+          <a:noFill/>
+        </p:spPr>
+        <p:txBody>
+          <a:bodyPr wrap="square" rtlCol="0">
+            <a:spAutoFit/>
+          </a:bodyPr>
+          <a:lstStyle/>
+          <a:p>
+            <a:r>
+              <a:rPr lang="fr-FR" sz="2000" b="1" dirty="0" smtClean="0">
+                <a:solidFill>
+                  <a:srgbClr val="FF0000"/>
+                </a:solidFill>
+              </a:rPr>
+              <a:t>Data frame</a:t>
+            </a:r>
+          </a:p>
+        </p:txBody>
+      </p:sp>
+      <p:cxnSp>
+        <p:nvCxnSpPr>
+          <p:cNvPr id="17" name="Connecteur droit avec flèche 16"/>
+          <p:cNvCxnSpPr/>
+          <p:nvPr/>
+        </p:nvCxnSpPr>
+        <p:spPr>
+          <a:xfrm flipV="1">
+            <a:off x="1171074" y="2146930"/>
+            <a:ext cx="516020" cy="308714"/>
+          </a:xfrm>
+          <a:prstGeom prst="straightConnector1">
+            <a:avLst/>
+          </a:prstGeom>
+          <a:ln w="50800">
+            <a:solidFill>
+              <a:srgbClr val="FF0000"/>
+            </a:solidFill>
+            <a:tailEnd type="triangle"/>
+          </a:ln>
+        </p:spPr>
+        <p:style>
+          <a:lnRef idx="1">
+            <a:schemeClr val="accent1"/>
+          </a:lnRef>
+          <a:fillRef idx="0">
+            <a:schemeClr val="accent1"/>
+          </a:fillRef>
+          <a:effectRef idx="0">
+            <a:schemeClr val="accent1"/>
+          </a:effectRef>
+          <a:fontRef idx="minor">
+            <a:schemeClr val="tx1"/>
+          </a:fontRef>
+        </p:style>
+      </p:cxnSp>
     </p:spTree>
     <p:extLst>
       <p:ext uri="{BB962C8B-B14F-4D97-AF65-F5344CB8AC3E}">
-        <p14:creationId xmlns:p14="http://schemas.microsoft.com/office/powerpoint/2010/main" val="26843591"/>
+        <p14:creationId xmlns:p14="http://schemas.microsoft.com/office/powerpoint/2010/main" val="1729119071"/>
       </p:ext>
     </p:extLst>
   </p:cSld>
@@ -7611,6 +7948,54 @@
           <a:chExt cx="0" cy="0"/>
         </a:xfrm>
       </p:grpSpPr>
+      <p:pic>
+        <p:nvPicPr>
+          <p:cNvPr id="2" name="Image 1"/>
+          <p:cNvPicPr>
+            <a:picLocks noChangeAspect="1"/>
+          </p:cNvPicPr>
+          <p:nvPr/>
+        </p:nvPicPr>
+        <p:blipFill>
+          <a:blip r:embed="rId2"/>
+          <a:stretch>
+            <a:fillRect/>
+          </a:stretch>
+        </p:blipFill>
+        <p:spPr>
+          <a:xfrm>
+            <a:off x="145140" y="1208504"/>
+            <a:ext cx="7100762" cy="4871453"/>
+          </a:xfrm>
+          <a:prstGeom prst="rect">
+            <a:avLst/>
+          </a:prstGeom>
+        </p:spPr>
+      </p:pic>
+      <p:pic>
+        <p:nvPicPr>
+          <p:cNvPr id="5" name="Image 4"/>
+          <p:cNvPicPr>
+            <a:picLocks noChangeAspect="1"/>
+          </p:cNvPicPr>
+          <p:nvPr/>
+        </p:nvPicPr>
+        <p:blipFill>
+          <a:blip r:embed="rId3"/>
+          <a:stretch>
+            <a:fillRect/>
+          </a:stretch>
+        </p:blipFill>
+        <p:spPr>
+          <a:xfrm>
+            <a:off x="7658084" y="2085472"/>
+            <a:ext cx="4524520" cy="2775286"/>
+          </a:xfrm>
+          <a:prstGeom prst="rect">
+            <a:avLst/>
+          </a:prstGeom>
+        </p:spPr>
+      </p:pic>
       <p:sp>
         <p:nvSpPr>
           <p:cNvPr id="3" name="ZoneTexte 2"/>
@@ -7619,7 +8004,7 @@
         </p:nvSpPr>
         <p:spPr>
           <a:xfrm>
-            <a:off x="16804" y="-2963"/>
+            <a:off x="145140" y="109331"/>
             <a:ext cx="9506859" cy="769441"/>
           </a:xfrm>
           <a:prstGeom prst="rect">
@@ -7641,17 +8026,7 @@
                   </a:schemeClr>
                 </a:solidFill>
               </a:rPr>
-              <a:t>Pimp my .</a:t>
-            </a:r>
-            <a:r>
-              <a:rPr lang="en-CA" sz="4400" dirty="0" err="1" smtClean="0">
-                <a:solidFill>
-                  <a:schemeClr val="accent2">
-                    <a:lumMod val="75000"/>
-                  </a:schemeClr>
-                </a:solidFill>
-              </a:rPr>
-              <a:t>Rmd</a:t>
+              <a:t>Use Interactive charts</a:t>
             </a:r>
             <a:endParaRPr lang="en-CA" sz="4400" dirty="0">
               <a:solidFill>
@@ -7665,14 +8040,14 @@
       </p:sp>
       <p:sp>
         <p:nvSpPr>
-          <p:cNvPr id="4" name="ZoneTexte 3"/>
+          <p:cNvPr id="12" name="ZoneTexte 11"/>
           <p:cNvSpPr txBox="1"/>
           <p:nvPr/>
         </p:nvSpPr>
         <p:spPr>
           <a:xfrm>
-            <a:off x="2614863" y="1507958"/>
-            <a:ext cx="5261810" cy="3970318"/>
+            <a:off x="3462638" y="2270048"/>
+            <a:ext cx="3989355" cy="400110"/>
           </a:xfrm>
           <a:prstGeom prst="rect">
             <a:avLst/>
@@ -7685,120 +8060,345 @@
           </a:bodyPr>
           <a:lstStyle/>
           <a:p>
-            <a:pPr marL="285750" indent="-285750">
-              <a:buFont typeface="Arial" charset="0"/>
-              <a:buChar char="•"/>
-            </a:pPr>
-            <a:r>
-              <a:rPr lang="fr-FR" sz="2800" dirty="0">
-                <a:hlinkClick r:id="rId2"/>
-              </a:rPr>
-              <a:t>holtzy.github.io/Pimp-my-rmd</a:t>
-            </a:r>
-            <a:r>
-              <a:rPr lang="fr-FR" sz="2800" dirty="0" smtClean="0">
-                <a:hlinkClick r:id="rId2"/>
-              </a:rPr>
-              <a:t>/</a:t>
-            </a:r>
-            <a:endParaRPr lang="fr-FR" sz="2800" dirty="0" smtClean="0"/>
-          </a:p>
-          <a:p>
-            <a:pPr marL="285750" indent="-285750">
-              <a:buFont typeface="Arial" charset="0"/>
-              <a:buChar char="•"/>
-            </a:pPr>
-            <a:endParaRPr lang="fr-FR" sz="2800" dirty="0"/>
-          </a:p>
-          <a:p>
-            <a:pPr marL="285750" indent="-285750">
-              <a:buFont typeface="Arial" charset="0"/>
-              <a:buChar char="•"/>
-            </a:pPr>
-            <a:r>
-              <a:rPr lang="fr-FR" sz="2800" dirty="0" err="1" smtClean="0"/>
-              <a:t>Everything</a:t>
-            </a:r>
-            <a:r>
-              <a:rPr lang="fr-FR" sz="2800" dirty="0" smtClean="0"/>
+            <a:r>
+              <a:rPr lang="fr-FR" sz="2000" b="1" dirty="0" err="1" smtClean="0">
+                <a:solidFill>
+                  <a:srgbClr val="FF0000"/>
+                </a:solidFill>
+              </a:rPr>
+              <a:t>Plotly</a:t>
+            </a:r>
+            <a:r>
+              <a:rPr lang="fr-FR" sz="2000" b="1" dirty="0" smtClean="0">
+                <a:solidFill>
+                  <a:srgbClr val="FF0000"/>
+                </a:solidFill>
+              </a:rPr>
               <a:t> </a:t>
             </a:r>
             <a:r>
-              <a:rPr lang="fr-FR" sz="2800" dirty="0" err="1" smtClean="0"/>
-              <a:t>is</a:t>
-            </a:r>
-            <a:r>
-              <a:rPr lang="fr-FR" sz="2800" dirty="0" smtClean="0"/>
-              <a:t> possible</a:t>
-            </a:r>
-          </a:p>
-          <a:p>
-            <a:pPr marL="285750" indent="-285750">
-              <a:buFont typeface="Arial" charset="0"/>
-              <a:buChar char="•"/>
-            </a:pPr>
-            <a:endParaRPr lang="fr-FR" sz="2800" dirty="0"/>
-          </a:p>
-          <a:p>
-            <a:pPr marL="285750" indent="-285750">
-              <a:buFont typeface="Arial" charset="0"/>
-              <a:buChar char="•"/>
-            </a:pPr>
-            <a:r>
-              <a:rPr lang="fr-FR" sz="2800" dirty="0" smtClean="0"/>
-              <a:t>Use CSS and HTML code</a:t>
-            </a:r>
-          </a:p>
-          <a:p>
-            <a:pPr marL="285750" indent="-285750">
-              <a:buFont typeface="Arial" charset="0"/>
-              <a:buChar char="•"/>
-            </a:pPr>
-            <a:endParaRPr lang="fr-FR" sz="2800" dirty="0"/>
-          </a:p>
-          <a:p>
-            <a:pPr marL="285750" indent="-285750">
-              <a:buFont typeface="Arial" charset="0"/>
-              <a:buChar char="•"/>
-            </a:pPr>
-            <a:r>
-              <a:rPr lang="fr-FR" sz="2800" dirty="0" err="1" smtClean="0"/>
-              <a:t>Add</a:t>
-            </a:r>
-            <a:r>
-              <a:rPr lang="fr-FR" sz="2800" dirty="0" smtClean="0"/>
-              <a:t> header and </a:t>
-            </a:r>
-            <a:r>
-              <a:rPr lang="fr-FR" sz="2800" dirty="0" err="1" smtClean="0"/>
-              <a:t>footer</a:t>
-            </a:r>
-            <a:endParaRPr lang="fr-FR" sz="2800" dirty="0" smtClean="0"/>
-          </a:p>
-          <a:p>
-            <a:pPr marL="285750" indent="-285750">
-              <a:buFont typeface="Arial" charset="0"/>
-              <a:buChar char="•"/>
-            </a:pPr>
-            <a:endParaRPr lang="fr-FR" sz="2800" dirty="0"/>
-          </a:p>
-          <a:p>
-            <a:pPr marL="285750" indent="-285750">
-              <a:buFont typeface="Arial" charset="0"/>
-              <a:buChar char="•"/>
-            </a:pPr>
-            <a:r>
-              <a:rPr lang="fr-FR" sz="2800" dirty="0" smtClean="0"/>
-              <a:t>More</a:t>
-            </a:r>
-            <a:endParaRPr lang="fr-FR" sz="2800" dirty="0"/>
+              <a:rPr lang="fr-FR" sz="2000" b="1" dirty="0" err="1" smtClean="0">
+                <a:solidFill>
+                  <a:srgbClr val="FF0000"/>
+                </a:solidFill>
+              </a:rPr>
+              <a:t>library</a:t>
+            </a:r>
+            <a:endParaRPr lang="fr-FR" sz="2000" b="1" dirty="0" smtClean="0">
+              <a:solidFill>
+                <a:srgbClr val="FF0000"/>
+              </a:solidFill>
+            </a:endParaRPr>
+          </a:p>
+        </p:txBody>
+      </p:sp>
+      <p:cxnSp>
+        <p:nvCxnSpPr>
+          <p:cNvPr id="13" name="Connecteur droit avec flèche 12"/>
+          <p:cNvCxnSpPr/>
+          <p:nvPr/>
+        </p:nvCxnSpPr>
+        <p:spPr>
+          <a:xfrm flipH="1">
+            <a:off x="2630905" y="2510908"/>
+            <a:ext cx="609600" cy="0"/>
+          </a:xfrm>
+          <a:prstGeom prst="straightConnector1">
+            <a:avLst/>
+          </a:prstGeom>
+          <a:ln w="50800">
+            <a:solidFill>
+              <a:srgbClr val="FF0000"/>
+            </a:solidFill>
+            <a:tailEnd type="triangle"/>
+          </a:ln>
+        </p:spPr>
+        <p:style>
+          <a:lnRef idx="1">
+            <a:schemeClr val="accent1"/>
+          </a:lnRef>
+          <a:fillRef idx="0">
+            <a:schemeClr val="accent1"/>
+          </a:fillRef>
+          <a:effectRef idx="0">
+            <a:schemeClr val="accent1"/>
+          </a:effectRef>
+          <a:fontRef idx="minor">
+            <a:schemeClr val="tx1"/>
+          </a:fontRef>
+        </p:style>
+      </p:cxnSp>
+      <p:cxnSp>
+        <p:nvCxnSpPr>
+          <p:cNvPr id="16" name="Connecteur droit avec flèche 15"/>
+          <p:cNvCxnSpPr/>
+          <p:nvPr/>
+        </p:nvCxnSpPr>
+        <p:spPr>
+          <a:xfrm flipH="1">
+            <a:off x="2853038" y="4331687"/>
+            <a:ext cx="609600" cy="0"/>
+          </a:xfrm>
+          <a:prstGeom prst="straightConnector1">
+            <a:avLst/>
+          </a:prstGeom>
+          <a:ln w="50800">
+            <a:solidFill>
+              <a:srgbClr val="FF0000"/>
+            </a:solidFill>
+            <a:tailEnd type="triangle"/>
+          </a:ln>
+        </p:spPr>
+        <p:style>
+          <a:lnRef idx="1">
+            <a:schemeClr val="accent1"/>
+          </a:lnRef>
+          <a:fillRef idx="0">
+            <a:schemeClr val="accent1"/>
+          </a:fillRef>
+          <a:effectRef idx="0">
+            <a:schemeClr val="accent1"/>
+          </a:effectRef>
+          <a:fontRef idx="minor">
+            <a:schemeClr val="tx1"/>
+          </a:fontRef>
+        </p:style>
+      </p:cxnSp>
+      <p:sp>
+        <p:nvSpPr>
+          <p:cNvPr id="18" name="ZoneTexte 17"/>
+          <p:cNvSpPr txBox="1"/>
+          <p:nvPr/>
+        </p:nvSpPr>
+        <p:spPr>
+          <a:xfrm>
+            <a:off x="3695521" y="4019184"/>
+            <a:ext cx="3989355" cy="400110"/>
+          </a:xfrm>
+          <a:prstGeom prst="rect">
+            <a:avLst/>
+          </a:prstGeom>
+          <a:noFill/>
+        </p:spPr>
+        <p:txBody>
+          <a:bodyPr wrap="square" rtlCol="0">
+            <a:spAutoFit/>
+          </a:bodyPr>
+          <a:lstStyle/>
+          <a:p>
+            <a:r>
+              <a:rPr lang="fr-FR" sz="2000" b="1" dirty="0" smtClean="0">
+                <a:solidFill>
+                  <a:srgbClr val="FF0000"/>
+                </a:solidFill>
+              </a:rPr>
+              <a:t>Basic ggplot2 </a:t>
+            </a:r>
+            <a:r>
+              <a:rPr lang="fr-FR" sz="2000" b="1" dirty="0" err="1" smtClean="0">
+                <a:solidFill>
+                  <a:srgbClr val="FF0000"/>
+                </a:solidFill>
+              </a:rPr>
+              <a:t>graphic</a:t>
+            </a:r>
+            <a:endParaRPr lang="fr-FR" sz="2000" b="1" dirty="0" smtClean="0">
+              <a:solidFill>
+                <a:srgbClr val="FF0000"/>
+              </a:solidFill>
+            </a:endParaRPr>
+          </a:p>
+        </p:txBody>
+      </p:sp>
+      <p:sp>
+        <p:nvSpPr>
+          <p:cNvPr id="19" name="ZoneTexte 18"/>
+          <p:cNvSpPr txBox="1"/>
+          <p:nvPr/>
+        </p:nvSpPr>
+        <p:spPr>
+          <a:xfrm>
+            <a:off x="2853038" y="5125243"/>
+            <a:ext cx="3989355" cy="400110"/>
+          </a:xfrm>
+          <a:prstGeom prst="rect">
+            <a:avLst/>
+          </a:prstGeom>
+          <a:noFill/>
+        </p:spPr>
+        <p:txBody>
+          <a:bodyPr wrap="square" rtlCol="0">
+            <a:spAutoFit/>
+          </a:bodyPr>
+          <a:lstStyle/>
+          <a:p>
+            <a:r>
+              <a:rPr lang="fr-FR" sz="2000" b="1" dirty="0" err="1" smtClean="0">
+                <a:solidFill>
+                  <a:srgbClr val="FF0000"/>
+                </a:solidFill>
+              </a:rPr>
+              <a:t>Ggplotly</a:t>
+            </a:r>
+            <a:r>
+              <a:rPr lang="fr-FR" sz="2000" b="1" dirty="0" smtClean="0">
+                <a:solidFill>
+                  <a:srgbClr val="FF0000"/>
+                </a:solidFill>
+              </a:rPr>
+              <a:t> </a:t>
+            </a:r>
+            <a:r>
+              <a:rPr lang="fr-FR" sz="2000" b="1" dirty="0" err="1" smtClean="0">
+                <a:solidFill>
+                  <a:srgbClr val="FF0000"/>
+                </a:solidFill>
+              </a:rPr>
+              <a:t>turn</a:t>
+            </a:r>
+            <a:r>
+              <a:rPr lang="fr-FR" sz="2000" b="1" dirty="0" smtClean="0">
+                <a:solidFill>
+                  <a:srgbClr val="FF0000"/>
+                </a:solidFill>
+              </a:rPr>
+              <a:t> the plot interactive</a:t>
+            </a:r>
+          </a:p>
+        </p:txBody>
+      </p:sp>
+      <p:cxnSp>
+        <p:nvCxnSpPr>
+          <p:cNvPr id="20" name="Connecteur droit avec flèche 19"/>
+          <p:cNvCxnSpPr/>
+          <p:nvPr/>
+        </p:nvCxnSpPr>
+        <p:spPr>
+          <a:xfrm flipH="1">
+            <a:off x="2021305" y="5341340"/>
+            <a:ext cx="609600" cy="0"/>
+          </a:xfrm>
+          <a:prstGeom prst="straightConnector1">
+            <a:avLst/>
+          </a:prstGeom>
+          <a:ln w="50800">
+            <a:solidFill>
+              <a:srgbClr val="FF0000"/>
+            </a:solidFill>
+            <a:tailEnd type="triangle"/>
+          </a:ln>
+        </p:spPr>
+        <p:style>
+          <a:lnRef idx="1">
+            <a:schemeClr val="accent1"/>
+          </a:lnRef>
+          <a:fillRef idx="0">
+            <a:schemeClr val="accent1"/>
+          </a:fillRef>
+          <a:effectRef idx="0">
+            <a:schemeClr val="accent1"/>
+          </a:effectRef>
+          <a:fontRef idx="minor">
+            <a:schemeClr val="tx1"/>
+          </a:fontRef>
+        </p:style>
+      </p:cxnSp>
+      <p:sp>
+        <p:nvSpPr>
+          <p:cNvPr id="21" name="ZoneTexte 20"/>
+          <p:cNvSpPr txBox="1"/>
+          <p:nvPr/>
+        </p:nvSpPr>
+        <p:spPr>
+          <a:xfrm>
+            <a:off x="8165432" y="1507749"/>
+            <a:ext cx="4017172" cy="707886"/>
+          </a:xfrm>
+          <a:prstGeom prst="rect">
+            <a:avLst/>
+          </a:prstGeom>
+          <a:noFill/>
+        </p:spPr>
+        <p:txBody>
+          <a:bodyPr wrap="square" rtlCol="0">
+            <a:spAutoFit/>
+          </a:bodyPr>
+          <a:lstStyle/>
+          <a:p>
+            <a:r>
+              <a:rPr lang="fr-FR" sz="2000" b="1" dirty="0" err="1" smtClean="0">
+                <a:solidFill>
+                  <a:srgbClr val="FF0000"/>
+                </a:solidFill>
+              </a:rPr>
+              <a:t>Result</a:t>
+            </a:r>
+            <a:r>
+              <a:rPr lang="fr-FR" sz="2000" b="1" dirty="0" smtClean="0">
+                <a:solidFill>
+                  <a:srgbClr val="FF0000"/>
+                </a:solidFill>
+              </a:rPr>
+              <a:t>: zoom / </a:t>
+            </a:r>
+            <a:r>
+              <a:rPr lang="fr-FR" sz="2000" b="1" dirty="0" err="1" smtClean="0">
+                <a:solidFill>
+                  <a:srgbClr val="FF0000"/>
+                </a:solidFill>
+              </a:rPr>
+              <a:t>hover</a:t>
+            </a:r>
+            <a:r>
+              <a:rPr lang="fr-FR" sz="2000" b="1" dirty="0" smtClean="0">
+                <a:solidFill>
+                  <a:srgbClr val="FF0000"/>
+                </a:solidFill>
+              </a:rPr>
+              <a:t> / export .. And more</a:t>
+            </a:r>
+          </a:p>
+        </p:txBody>
+      </p:sp>
+      <p:sp>
+        <p:nvSpPr>
+          <p:cNvPr id="4" name="Rectangle 3"/>
+          <p:cNvSpPr/>
+          <p:nvPr/>
+        </p:nvSpPr>
+        <p:spPr>
+          <a:xfrm>
+            <a:off x="9125731" y="6379420"/>
+            <a:ext cx="2939394" cy="369332"/>
+          </a:xfrm>
+          <a:prstGeom prst="rect">
+            <a:avLst/>
+          </a:prstGeom>
+        </p:spPr>
+        <p:txBody>
+          <a:bodyPr wrap="none">
+            <a:spAutoFit/>
+          </a:bodyPr>
+          <a:lstStyle/>
+          <a:p>
+            <a:r>
+              <a:rPr lang="fr-FR" dirty="0">
+                <a:hlinkClick r:id="rId4"/>
+              </a:rPr>
+              <a:t>http://www.htmlwidgets.org</a:t>
+            </a:r>
+            <a:r>
+              <a:rPr lang="fr-FR" dirty="0"/>
+              <a:t> </a:t>
+            </a:r>
+            <a:endParaRPr lang="en-AU" dirty="0"/>
           </a:p>
         </p:txBody>
       </p:sp>
     </p:spTree>
     <p:extLst>
       <p:ext uri="{BB962C8B-B14F-4D97-AF65-F5344CB8AC3E}">
-        <p14:creationId xmlns:p14="http://schemas.microsoft.com/office/powerpoint/2010/main" val="712497051"/>
+        <p14:creationId xmlns:p14="http://schemas.microsoft.com/office/powerpoint/2010/main" val="968261103"/>
       </p:ext>
     </p:extLst>
   </p:cSld>
@@ -7832,6 +8432,171 @@
           <a:chExt cx="0" cy="0"/>
         </a:xfrm>
       </p:grpSpPr>
+      <p:sp>
+        <p:nvSpPr>
+          <p:cNvPr id="3" name="ZoneTexte 2"/>
+          <p:cNvSpPr txBox="1"/>
+          <p:nvPr/>
+        </p:nvSpPr>
+        <p:spPr>
+          <a:xfrm>
+            <a:off x="16804" y="-2963"/>
+            <a:ext cx="9506859" cy="769441"/>
+          </a:xfrm>
+          <a:prstGeom prst="rect">
+            <a:avLst/>
+          </a:prstGeom>
+          <a:noFill/>
+        </p:spPr>
+        <p:txBody>
+          <a:bodyPr wrap="square" rtlCol="0">
+            <a:spAutoFit/>
+          </a:bodyPr>
+          <a:lstStyle/>
+          <a:p>
+            <a:r>
+              <a:rPr lang="en-CA" sz="4400" dirty="0" smtClean="0">
+                <a:solidFill>
+                  <a:schemeClr val="accent2">
+                    <a:lumMod val="75000"/>
+                  </a:schemeClr>
+                </a:solidFill>
+              </a:rPr>
+              <a:t>Use a template</a:t>
+            </a:r>
+            <a:endParaRPr lang="en-CA" sz="4400" dirty="0">
+              <a:solidFill>
+                <a:schemeClr val="accent2">
+                  <a:lumMod val="75000"/>
+                </a:schemeClr>
+              </a:solidFill>
+            </a:endParaRPr>
+          </a:p>
+        </p:txBody>
+      </p:sp>
+      <p:sp>
+        <p:nvSpPr>
+          <p:cNvPr id="5" name="ZoneTexte 4"/>
+          <p:cNvSpPr txBox="1"/>
+          <p:nvPr/>
+        </p:nvSpPr>
+        <p:spPr>
+          <a:xfrm>
+            <a:off x="1122946" y="866275"/>
+            <a:ext cx="8293769" cy="523220"/>
+          </a:xfrm>
+          <a:prstGeom prst="rect">
+            <a:avLst/>
+          </a:prstGeom>
+          <a:noFill/>
+        </p:spPr>
+        <p:txBody>
+          <a:bodyPr wrap="square" rtlCol="0">
+            <a:spAutoFit/>
+          </a:bodyPr>
+          <a:lstStyle/>
+          <a:p>
+            <a:pPr marL="285750" indent="-285750">
+              <a:buFont typeface="Arial" charset="0"/>
+              <a:buChar char="•"/>
+            </a:pPr>
+            <a:r>
+              <a:rPr lang="fr-FR" sz="2800" dirty="0" smtClean="0"/>
+              <a:t>The PCTG </a:t>
+            </a:r>
+            <a:r>
+              <a:rPr lang="fr-FR" sz="2800" dirty="0" err="1" smtClean="0"/>
+              <a:t>template</a:t>
+            </a:r>
+            <a:r>
+              <a:rPr lang="fr-FR" sz="2800" dirty="0" smtClean="0"/>
+              <a:t>: </a:t>
+            </a:r>
+            <a:r>
+              <a:rPr lang="fr-FR" sz="2800" dirty="0" smtClean="0">
+                <a:hlinkClick r:id="rId2"/>
+              </a:rPr>
+              <a:t>www.github.com/holtzy/epuRate</a:t>
+            </a:r>
+            <a:r>
+              <a:rPr lang="fr-FR" sz="2800" dirty="0" smtClean="0"/>
+              <a:t>  </a:t>
+            </a:r>
+          </a:p>
+        </p:txBody>
+      </p:sp>
+      <p:pic>
+        <p:nvPicPr>
+          <p:cNvPr id="2" name="Image 1"/>
+          <p:cNvPicPr>
+            <a:picLocks noChangeAspect="1"/>
+          </p:cNvPicPr>
+          <p:nvPr/>
+        </p:nvPicPr>
+        <p:blipFill>
+          <a:blip r:embed="rId3"/>
+          <a:stretch>
+            <a:fillRect/>
+          </a:stretch>
+        </p:blipFill>
+        <p:spPr>
+          <a:xfrm>
+            <a:off x="1536030" y="1837157"/>
+            <a:ext cx="5006734" cy="1515644"/>
+          </a:xfrm>
+          <a:prstGeom prst="rect">
+            <a:avLst/>
+          </a:prstGeom>
+        </p:spPr>
+      </p:pic>
+      <p:pic>
+        <p:nvPicPr>
+          <p:cNvPr id="6" name="Image 5"/>
+          <p:cNvPicPr>
+            <a:picLocks noChangeAspect="1"/>
+          </p:cNvPicPr>
+          <p:nvPr/>
+        </p:nvPicPr>
+        <p:blipFill>
+          <a:blip r:embed="rId4"/>
+          <a:stretch>
+            <a:fillRect/>
+          </a:stretch>
+        </p:blipFill>
+        <p:spPr>
+          <a:xfrm>
+            <a:off x="1171072" y="5227100"/>
+            <a:ext cx="292100" cy="241300"/>
+          </a:xfrm>
+          <a:prstGeom prst="rect">
+            <a:avLst/>
+          </a:prstGeom>
+        </p:spPr>
+      </p:pic>
+      <p:pic>
+        <p:nvPicPr>
+          <p:cNvPr id="7" name="Image 6"/>
+          <p:cNvPicPr>
+            <a:picLocks noChangeAspect="1"/>
+          </p:cNvPicPr>
+          <p:nvPr/>
+        </p:nvPicPr>
+        <p:blipFill>
+          <a:blip r:embed="rId5"/>
+          <a:stretch>
+            <a:fillRect/>
+          </a:stretch>
+        </p:blipFill>
+        <p:spPr>
+          <a:xfrm>
+            <a:off x="1681747" y="3739147"/>
+            <a:ext cx="6807200" cy="2844800"/>
+          </a:xfrm>
+          <a:prstGeom prst="rect">
+            <a:avLst/>
+          </a:prstGeom>
+        </p:spPr>
+      </p:pic>
       <p:pic>
         <p:nvPicPr>
           <p:cNvPr id="8" name="Image 7"/>
@@ -7841,99 +8606,25 @@
           <p:nvPr/>
         </p:nvPicPr>
         <p:blipFill>
-          <a:blip r:embed="rId2">
-            <a:alphaModFix amt="24000"/>
-            <a:extLst>
-              <a:ext uri="{28A0092B-C50C-407E-A947-70E740481C1C}">
-                <a14:useLocalDpi xmlns:a14="http://schemas.microsoft.com/office/drawing/2010/main" val="0"/>
-              </a:ext>
-            </a:extLst>
-          </a:blip>
+          <a:blip r:embed="rId4"/>
           <a:stretch>
             <a:fillRect/>
           </a:stretch>
         </p:blipFill>
         <p:spPr>
           <a:xfrm>
-            <a:off x="-2411662" y="16042"/>
-            <a:ext cx="17808514" cy="6858000"/>
+            <a:off x="1130968" y="2620258"/>
+            <a:ext cx="292100" cy="241300"/>
           </a:xfrm>
           <a:prstGeom prst="rect">
             <a:avLst/>
           </a:prstGeom>
         </p:spPr>
       </p:pic>
-      <p:cxnSp>
-        <p:nvCxnSpPr>
-          <p:cNvPr id="9" name="Connecteur droit 8"/>
-          <p:cNvCxnSpPr/>
-          <p:nvPr/>
-        </p:nvCxnSpPr>
-        <p:spPr>
-          <a:xfrm>
-            <a:off x="3676696" y="3686627"/>
-            <a:ext cx="4702626" cy="0"/>
-          </a:xfrm>
-          <a:prstGeom prst="line">
-            <a:avLst/>
-          </a:prstGeom>
-          <a:ln>
-            <a:solidFill>
-              <a:schemeClr val="bg2">
-                <a:lumMod val="50000"/>
-              </a:schemeClr>
-            </a:solidFill>
-          </a:ln>
-        </p:spPr>
-        <p:style>
-          <a:lnRef idx="1">
-            <a:schemeClr val="accent1"/>
-          </a:lnRef>
-          <a:fillRef idx="0">
-            <a:schemeClr val="accent1"/>
-          </a:fillRef>
-          <a:effectRef idx="0">
-            <a:schemeClr val="accent1"/>
-          </a:effectRef>
-          <a:fontRef idx="minor">
-            <a:schemeClr val="tx1"/>
-          </a:fontRef>
-        </p:style>
-      </p:cxnSp>
-      <p:sp>
-        <p:nvSpPr>
-          <p:cNvPr id="10" name="ZoneTexte 9"/>
-          <p:cNvSpPr txBox="1"/>
-          <p:nvPr/>
-        </p:nvSpPr>
-        <p:spPr>
-          <a:xfrm>
-            <a:off x="4997495" y="2798711"/>
-            <a:ext cx="4814161" cy="646331"/>
-          </a:xfrm>
-          <a:prstGeom prst="rect">
-            <a:avLst/>
-          </a:prstGeom>
-          <a:noFill/>
-        </p:spPr>
-        <p:txBody>
-          <a:bodyPr wrap="square" rtlCol="0">
-            <a:spAutoFit/>
-          </a:bodyPr>
-          <a:lstStyle/>
-          <a:p>
-            <a:r>
-              <a:rPr lang="fr-FR" sz="3600" dirty="0" smtClean="0"/>
-              <a:t>Sharing</a:t>
-            </a:r>
-            <a:endParaRPr lang="fr-FR" sz="3600" dirty="0"/>
-          </a:p>
-        </p:txBody>
-      </p:sp>
     </p:spTree>
     <p:extLst>
       <p:ext uri="{BB962C8B-B14F-4D97-AF65-F5344CB8AC3E}">
-        <p14:creationId xmlns:p14="http://schemas.microsoft.com/office/powerpoint/2010/main" val="481190062"/>
+        <p14:creationId xmlns:p14="http://schemas.microsoft.com/office/powerpoint/2010/main" val="26843591"/>
       </p:ext>
     </p:extLst>
   </p:cSld>
@@ -7997,7 +8688,17 @@
                   </a:schemeClr>
                 </a:solidFill>
               </a:rPr>
-              <a:t>Output format?</a:t>
+              <a:t>Pimp my .</a:t>
+            </a:r>
+            <a:r>
+              <a:rPr lang="en-CA" sz="4400" dirty="0" err="1" smtClean="0">
+                <a:solidFill>
+                  <a:schemeClr val="accent2">
+                    <a:lumMod val="75000"/>
+                  </a:schemeClr>
+                </a:solidFill>
+              </a:rPr>
+              <a:t>Rmd</a:t>
             </a:r>
             <a:endParaRPr lang="en-CA" sz="4400" dirty="0">
               <a:solidFill>
@@ -8009,40 +8710,16 @@
           </a:p>
         </p:txBody>
       </p:sp>
-      <p:pic>
-        <p:nvPicPr>
-          <p:cNvPr id="4" name="Image 3"/>
-          <p:cNvPicPr>
-            <a:picLocks noChangeAspect="1"/>
-          </p:cNvPicPr>
-          <p:nvPr/>
-        </p:nvPicPr>
-        <p:blipFill>
-          <a:blip r:embed="rId2"/>
-          <a:stretch>
-            <a:fillRect/>
-          </a:stretch>
-        </p:blipFill>
-        <p:spPr>
-          <a:xfrm>
-            <a:off x="2273968" y="590015"/>
-            <a:ext cx="7126706" cy="6111342"/>
-          </a:xfrm>
-          <a:prstGeom prst="rect">
-            <a:avLst/>
-          </a:prstGeom>
-        </p:spPr>
-      </p:pic>
-      <p:sp>
-        <p:nvSpPr>
-          <p:cNvPr id="9" name="ZoneTexte 8"/>
+      <p:sp>
+        <p:nvSpPr>
+          <p:cNvPr id="4" name="ZoneTexte 3"/>
           <p:cNvSpPr txBox="1"/>
           <p:nvPr/>
         </p:nvSpPr>
         <p:spPr>
           <a:xfrm>
-            <a:off x="1862221" y="1917121"/>
-            <a:ext cx="1779337" cy="400110"/>
+            <a:off x="2614863" y="1507958"/>
+            <a:ext cx="5261810" cy="3970318"/>
           </a:xfrm>
           <a:prstGeom prst="rect">
             <a:avLst/>
@@ -8055,242 +8732,120 @@
           </a:bodyPr>
           <a:lstStyle/>
           <a:p>
-            <a:r>
-              <a:rPr lang="fr-FR" sz="2000" b="1" dirty="0" smtClean="0">
-                <a:solidFill>
-                  <a:srgbClr val="FF0000"/>
-                </a:solidFill>
-              </a:rPr>
-              <a:t>Word .doc</a:t>
-            </a:r>
-          </a:p>
-        </p:txBody>
-      </p:sp>
-      <p:sp>
-        <p:nvSpPr>
-          <p:cNvPr id="10" name="ZoneTexte 9"/>
-          <p:cNvSpPr txBox="1"/>
-          <p:nvPr/>
-        </p:nvSpPr>
-        <p:spPr>
-          <a:xfrm>
-            <a:off x="8200860" y="1717066"/>
-            <a:ext cx="814803" cy="400110"/>
-          </a:xfrm>
-          <a:prstGeom prst="rect">
-            <a:avLst/>
-          </a:prstGeom>
-          <a:noFill/>
-        </p:spPr>
-        <p:txBody>
-          <a:bodyPr wrap="square" rtlCol="0">
-            <a:spAutoFit/>
-          </a:bodyPr>
-          <a:lstStyle/>
-          <a:p>
-            <a:r>
-              <a:rPr lang="fr-FR" sz="2000" b="1" dirty="0" smtClean="0">
-                <a:solidFill>
-                  <a:srgbClr val="FF0000"/>
-                </a:solidFill>
-              </a:rPr>
-              <a:t>.</a:t>
-            </a:r>
-            <a:r>
-              <a:rPr lang="fr-FR" sz="2000" b="1" dirty="0" err="1" smtClean="0">
-                <a:solidFill>
-                  <a:srgbClr val="FF0000"/>
-                </a:solidFill>
-              </a:rPr>
-              <a:t>pdf</a:t>
-            </a:r>
-            <a:endParaRPr lang="fr-FR" sz="2000" b="1" dirty="0" smtClean="0">
-              <a:solidFill>
-                <a:srgbClr val="FF0000"/>
-              </a:solidFill>
-            </a:endParaRPr>
-          </a:p>
-        </p:txBody>
-      </p:sp>
-      <p:sp>
-        <p:nvSpPr>
-          <p:cNvPr id="11" name="ZoneTexte 10"/>
-          <p:cNvSpPr txBox="1"/>
-          <p:nvPr/>
-        </p:nvSpPr>
-        <p:spPr>
-          <a:xfrm>
-            <a:off x="5273176" y="93471"/>
-            <a:ext cx="814803" cy="400110"/>
-          </a:xfrm>
-          <a:prstGeom prst="rect">
-            <a:avLst/>
-          </a:prstGeom>
-          <a:noFill/>
-        </p:spPr>
-        <p:txBody>
-          <a:bodyPr wrap="square" rtlCol="0">
-            <a:spAutoFit/>
-          </a:bodyPr>
-          <a:lstStyle/>
-          <a:p>
-            <a:r>
-              <a:rPr lang="fr-FR" sz="2000" b="1" dirty="0" smtClean="0">
-                <a:solidFill>
-                  <a:srgbClr val="FF0000"/>
-                </a:solidFill>
-              </a:rPr>
-              <a:t>Book</a:t>
-            </a:r>
-          </a:p>
-        </p:txBody>
-      </p:sp>
-      <p:sp>
-        <p:nvSpPr>
-          <p:cNvPr id="12" name="ZoneTexte 11"/>
-          <p:cNvSpPr txBox="1"/>
-          <p:nvPr/>
-        </p:nvSpPr>
-        <p:spPr>
-          <a:xfrm>
-            <a:off x="8993272" y="3333807"/>
-            <a:ext cx="1161381" cy="400110"/>
-          </a:xfrm>
-          <a:prstGeom prst="rect">
-            <a:avLst/>
-          </a:prstGeom>
-          <a:noFill/>
-        </p:spPr>
-        <p:txBody>
-          <a:bodyPr wrap="square" rtlCol="0">
-            <a:spAutoFit/>
-          </a:bodyPr>
-          <a:lstStyle/>
-          <a:p>
-            <a:r>
-              <a:rPr lang="fr-FR" sz="2000" b="1" dirty="0" smtClean="0">
-                <a:solidFill>
-                  <a:srgbClr val="FF0000"/>
-                </a:solidFill>
-              </a:rPr>
-              <a:t>Template</a:t>
-            </a:r>
-          </a:p>
-        </p:txBody>
-      </p:sp>
-      <p:sp>
-        <p:nvSpPr>
-          <p:cNvPr id="13" name="ZoneTexte 12"/>
-          <p:cNvSpPr txBox="1"/>
-          <p:nvPr/>
-        </p:nvSpPr>
-        <p:spPr>
-          <a:xfrm>
-            <a:off x="1299411" y="3333807"/>
-            <a:ext cx="1452479" cy="400110"/>
-          </a:xfrm>
-          <a:prstGeom prst="rect">
-            <a:avLst/>
-          </a:prstGeom>
-          <a:noFill/>
-        </p:spPr>
-        <p:txBody>
-          <a:bodyPr wrap="square" rtlCol="0">
-            <a:spAutoFit/>
-          </a:bodyPr>
-          <a:lstStyle/>
-          <a:p>
-            <a:r>
-              <a:rPr lang="fr-FR" sz="2000" b="1" smtClean="0">
-                <a:solidFill>
-                  <a:srgbClr val="FF0000"/>
-                </a:solidFill>
-              </a:rPr>
-              <a:t>Dashboard</a:t>
-            </a:r>
-            <a:endParaRPr lang="fr-FR" sz="2000" b="1" dirty="0" smtClean="0">
-              <a:solidFill>
-                <a:srgbClr val="FF0000"/>
-              </a:solidFill>
-            </a:endParaRPr>
-          </a:p>
-        </p:txBody>
-      </p:sp>
-      <p:sp>
-        <p:nvSpPr>
-          <p:cNvPr id="14" name="ZoneTexte 13"/>
-          <p:cNvSpPr txBox="1"/>
-          <p:nvPr/>
-        </p:nvSpPr>
-        <p:spPr>
-          <a:xfrm>
-            <a:off x="2150979" y="4817527"/>
-            <a:ext cx="1452479" cy="400110"/>
-          </a:xfrm>
-          <a:prstGeom prst="rect">
-            <a:avLst/>
-          </a:prstGeom>
-          <a:noFill/>
-        </p:spPr>
-        <p:txBody>
-          <a:bodyPr wrap="square" rtlCol="0">
-            <a:spAutoFit/>
-          </a:bodyPr>
-          <a:lstStyle/>
-          <a:p>
-            <a:r>
-              <a:rPr lang="fr-FR" sz="2000" b="1" dirty="0" smtClean="0">
-                <a:solidFill>
-                  <a:srgbClr val="FF0000"/>
-                </a:solidFill>
-              </a:rPr>
-              <a:t>Slides</a:t>
-            </a:r>
-          </a:p>
-        </p:txBody>
-      </p:sp>
-      <p:sp>
-        <p:nvSpPr>
-          <p:cNvPr id="15" name="ZoneTexte 14"/>
-          <p:cNvSpPr txBox="1"/>
-          <p:nvPr/>
-        </p:nvSpPr>
-        <p:spPr>
-          <a:xfrm>
-            <a:off x="5507288" y="6397681"/>
-            <a:ext cx="1161381" cy="400110"/>
-          </a:xfrm>
-          <a:prstGeom prst="rect">
-            <a:avLst/>
-          </a:prstGeom>
-          <a:noFill/>
-        </p:spPr>
-        <p:txBody>
-          <a:bodyPr wrap="square" rtlCol="0">
-            <a:spAutoFit/>
-          </a:bodyPr>
-          <a:lstStyle/>
-          <a:p>
-            <a:r>
-              <a:rPr lang="fr-FR" sz="2000" b="1" smtClean="0">
-                <a:solidFill>
-                  <a:srgbClr val="FF0000"/>
-                </a:solidFill>
-              </a:rPr>
-              <a:t>Blog</a:t>
-            </a:r>
-            <a:endParaRPr lang="fr-FR" sz="2000" b="1" dirty="0" smtClean="0">
-              <a:solidFill>
-                <a:srgbClr val="FF0000"/>
-              </a:solidFill>
-            </a:endParaRPr>
+            <a:pPr marL="285750" indent="-285750">
+              <a:buFont typeface="Arial" charset="0"/>
+              <a:buChar char="•"/>
+            </a:pPr>
+            <a:r>
+              <a:rPr lang="fr-FR" sz="2800" dirty="0">
+                <a:hlinkClick r:id="rId2"/>
+              </a:rPr>
+              <a:t>holtzy.github.io/Pimp-my-rmd</a:t>
+            </a:r>
+            <a:r>
+              <a:rPr lang="fr-FR" sz="2800" dirty="0" smtClean="0">
+                <a:hlinkClick r:id="rId2"/>
+              </a:rPr>
+              <a:t>/</a:t>
+            </a:r>
+            <a:endParaRPr lang="fr-FR" sz="2800" dirty="0" smtClean="0"/>
+          </a:p>
+          <a:p>
+            <a:pPr marL="285750" indent="-285750">
+              <a:buFont typeface="Arial" charset="0"/>
+              <a:buChar char="•"/>
+            </a:pPr>
+            <a:endParaRPr lang="fr-FR" sz="2800" dirty="0"/>
+          </a:p>
+          <a:p>
+            <a:pPr marL="285750" indent="-285750">
+              <a:buFont typeface="Arial" charset="0"/>
+              <a:buChar char="•"/>
+            </a:pPr>
+            <a:r>
+              <a:rPr lang="fr-FR" sz="2800" dirty="0" err="1" smtClean="0"/>
+              <a:t>Everything</a:t>
+            </a:r>
+            <a:r>
+              <a:rPr lang="fr-FR" sz="2800" dirty="0" smtClean="0"/>
+              <a:t> </a:t>
+            </a:r>
+            <a:r>
+              <a:rPr lang="fr-FR" sz="2800" dirty="0" err="1" smtClean="0"/>
+              <a:t>is</a:t>
+            </a:r>
+            <a:r>
+              <a:rPr lang="fr-FR" sz="2800" dirty="0" smtClean="0"/>
+              <a:t> possible</a:t>
+            </a:r>
+          </a:p>
+          <a:p>
+            <a:pPr marL="285750" indent="-285750">
+              <a:buFont typeface="Arial" charset="0"/>
+              <a:buChar char="•"/>
+            </a:pPr>
+            <a:endParaRPr lang="fr-FR" sz="2800" dirty="0"/>
+          </a:p>
+          <a:p>
+            <a:pPr marL="285750" indent="-285750">
+              <a:buFont typeface="Arial" charset="0"/>
+              <a:buChar char="•"/>
+            </a:pPr>
+            <a:r>
+              <a:rPr lang="fr-FR" sz="2800" dirty="0" smtClean="0"/>
+              <a:t>Use CSS and HTML code</a:t>
+            </a:r>
+          </a:p>
+          <a:p>
+            <a:pPr marL="285750" indent="-285750">
+              <a:buFont typeface="Arial" charset="0"/>
+              <a:buChar char="•"/>
+            </a:pPr>
+            <a:endParaRPr lang="fr-FR" sz="2800" dirty="0"/>
+          </a:p>
+          <a:p>
+            <a:pPr marL="285750" indent="-285750">
+              <a:buFont typeface="Arial" charset="0"/>
+              <a:buChar char="•"/>
+            </a:pPr>
+            <a:r>
+              <a:rPr lang="fr-FR" sz="2800" dirty="0" err="1" smtClean="0"/>
+              <a:t>Add</a:t>
+            </a:r>
+            <a:r>
+              <a:rPr lang="fr-FR" sz="2800" dirty="0" smtClean="0"/>
+              <a:t> header and </a:t>
+            </a:r>
+            <a:r>
+              <a:rPr lang="fr-FR" sz="2800" dirty="0" err="1" smtClean="0"/>
+              <a:t>footer</a:t>
+            </a:r>
+            <a:endParaRPr lang="fr-FR" sz="2800" dirty="0" smtClean="0"/>
+          </a:p>
+          <a:p>
+            <a:pPr marL="285750" indent="-285750">
+              <a:buFont typeface="Arial" charset="0"/>
+              <a:buChar char="•"/>
+            </a:pPr>
+            <a:endParaRPr lang="fr-FR" sz="2800" dirty="0"/>
+          </a:p>
+          <a:p>
+            <a:pPr marL="285750" indent="-285750">
+              <a:buFont typeface="Arial" charset="0"/>
+              <a:buChar char="•"/>
+            </a:pPr>
+            <a:r>
+              <a:rPr lang="fr-FR" sz="2800" dirty="0" smtClean="0"/>
+              <a:t>More</a:t>
+            </a:r>
+            <a:endParaRPr lang="fr-FR" sz="2800" dirty="0"/>
           </a:p>
         </p:txBody>
       </p:sp>
     </p:spTree>
     <p:extLst>
       <p:ext uri="{BB962C8B-B14F-4D97-AF65-F5344CB8AC3E}">
-        <p14:creationId xmlns:p14="http://schemas.microsoft.com/office/powerpoint/2010/main" val="341273363"/>
+        <p14:creationId xmlns:p14="http://schemas.microsoft.com/office/powerpoint/2010/main" val="712497051"/>
       </p:ext>
     </p:extLst>
   </p:cSld>
@@ -8324,191 +8879,108 @@
           <a:chExt cx="0" cy="0"/>
         </a:xfrm>
       </p:grpSpPr>
-      <p:sp>
-        <p:nvSpPr>
-          <p:cNvPr id="3" name="ZoneTexte 2"/>
-          <p:cNvSpPr txBox="1"/>
-          <p:nvPr/>
-        </p:nvSpPr>
-        <p:spPr>
-          <a:xfrm>
-            <a:off x="145140" y="109331"/>
-            <a:ext cx="9506859" cy="769441"/>
-          </a:xfrm>
-          <a:prstGeom prst="rect">
-            <a:avLst/>
-          </a:prstGeom>
-          <a:noFill/>
-        </p:spPr>
-        <p:txBody>
-          <a:bodyPr wrap="square" rtlCol="0">
-            <a:spAutoFit/>
-          </a:bodyPr>
-          <a:lstStyle/>
-          <a:p>
-            <a:r>
-              <a:rPr lang="en-CA" sz="4400" dirty="0" smtClean="0">
-                <a:solidFill>
-                  <a:schemeClr val="accent2">
-                    <a:lumMod val="75000"/>
-                  </a:schemeClr>
-                </a:solidFill>
-              </a:rPr>
-              <a:t>Share your analysis</a:t>
-            </a:r>
-            <a:endParaRPr lang="en-CA" sz="4400" dirty="0">
-              <a:solidFill>
-                <a:schemeClr val="accent2">
-                  <a:lumMod val="75000"/>
-                </a:schemeClr>
-              </a:solidFill>
-            </a:endParaRPr>
-          </a:p>
-        </p:txBody>
-      </p:sp>
-      <p:sp>
-        <p:nvSpPr>
-          <p:cNvPr id="4" name="ZoneTexte 3"/>
-          <p:cNvSpPr txBox="1"/>
-          <p:nvPr/>
-        </p:nvSpPr>
-        <p:spPr>
-          <a:xfrm>
-            <a:off x="3329882" y="1951789"/>
-            <a:ext cx="6978316" cy="3108543"/>
-          </a:xfrm>
-          <a:prstGeom prst="rect">
-            <a:avLst/>
-          </a:prstGeom>
-          <a:noFill/>
-        </p:spPr>
-        <p:txBody>
-          <a:bodyPr wrap="square" rtlCol="0">
-            <a:spAutoFit/>
-          </a:bodyPr>
-          <a:lstStyle/>
-          <a:p>
-            <a:pPr marL="285750" indent="-285750">
-              <a:buFont typeface="Arial" charset="0"/>
-              <a:buChar char="•"/>
-            </a:pPr>
-            <a:r>
-              <a:rPr lang="en-CA" sz="2800" dirty="0" smtClean="0"/>
-              <a:t>Mail with colleagues, supervisor</a:t>
-            </a:r>
-          </a:p>
-          <a:p>
-            <a:endParaRPr lang="en-CA" sz="2800" dirty="0" smtClean="0"/>
-          </a:p>
-          <a:p>
-            <a:pPr marL="285750" indent="-285750">
-              <a:buFont typeface="Arial" charset="0"/>
-              <a:buChar char="•"/>
-            </a:pPr>
-            <a:r>
-              <a:rPr lang="en-CA" sz="2800" dirty="0" smtClean="0"/>
-              <a:t>Publication as a supplementary material</a:t>
-            </a:r>
-          </a:p>
-          <a:p>
-            <a:pPr marL="285750" indent="-285750">
-              <a:buFont typeface="Arial" charset="0"/>
-              <a:buChar char="•"/>
-            </a:pPr>
-            <a:endParaRPr lang="en-CA" sz="2800" dirty="0" smtClean="0"/>
-          </a:p>
-          <a:p>
-            <a:pPr marL="285750" indent="-285750">
-              <a:buFont typeface="Arial" charset="0"/>
-              <a:buChar char="•"/>
-            </a:pPr>
-            <a:r>
-              <a:rPr lang="en-CA" sz="2800" dirty="0" err="1" smtClean="0"/>
-              <a:t>Github</a:t>
-            </a:r>
-            <a:r>
-              <a:rPr lang="en-CA" sz="2800" dirty="0" smtClean="0"/>
-              <a:t>: </a:t>
-            </a:r>
-            <a:r>
-              <a:rPr lang="en-CA" sz="2800" dirty="0" smtClean="0">
-                <a:hlinkClick r:id="rId2"/>
-              </a:rPr>
-              <a:t>www.github.com</a:t>
-            </a:r>
-            <a:r>
-              <a:rPr lang="en-CA" sz="2800" dirty="0" smtClean="0"/>
-              <a:t> </a:t>
-            </a:r>
-          </a:p>
-          <a:p>
-            <a:endParaRPr lang="en-CA" sz="2800" dirty="0" smtClean="0"/>
-          </a:p>
-          <a:p>
-            <a:pPr marL="285750" indent="-285750">
-              <a:buFont typeface="Arial" charset="0"/>
-              <a:buChar char="•"/>
-            </a:pPr>
-            <a:r>
-              <a:rPr lang="en-CA" sz="2800" dirty="0" smtClean="0"/>
-              <a:t>Website</a:t>
-            </a:r>
-            <a:endParaRPr lang="en-CA" sz="2800" dirty="0"/>
-          </a:p>
-        </p:txBody>
-      </p:sp>
       <p:pic>
         <p:nvPicPr>
-          <p:cNvPr id="2" name="Image 1"/>
+          <p:cNvPr id="8" name="Image 7"/>
           <p:cNvPicPr>
             <a:picLocks noChangeAspect="1"/>
           </p:cNvPicPr>
           <p:nvPr/>
         </p:nvPicPr>
         <p:blipFill>
-          <a:blip r:embed="rId3"/>
+          <a:blip r:embed="rId2">
+            <a:alphaModFix amt="24000"/>
+            <a:extLst>
+              <a:ext uri="{28A0092B-C50C-407E-A947-70E740481C1C}">
+                <a14:useLocalDpi xmlns:a14="http://schemas.microsoft.com/office/drawing/2010/main" val="0"/>
+              </a:ext>
+            </a:extLst>
+          </a:blip>
           <a:stretch>
             <a:fillRect/>
           </a:stretch>
         </p:blipFill>
         <p:spPr>
           <a:xfrm>
-            <a:off x="2206935" y="3506060"/>
-            <a:ext cx="962526" cy="886822"/>
+            <a:off x="-2411662" y="16042"/>
+            <a:ext cx="17808514" cy="6858000"/>
           </a:xfrm>
           <a:prstGeom prst="rect">
             <a:avLst/>
           </a:prstGeom>
         </p:spPr>
       </p:pic>
-      <p:pic>
-        <p:nvPicPr>
-          <p:cNvPr id="5" name="Image 4"/>
-          <p:cNvPicPr>
-            <a:picLocks noChangeAspect="1"/>
-          </p:cNvPicPr>
-          <p:nvPr/>
-        </p:nvPicPr>
-        <p:blipFill>
-          <a:blip r:embed="rId3"/>
-          <a:stretch>
-            <a:fillRect/>
-          </a:stretch>
-        </p:blipFill>
-        <p:spPr>
-          <a:xfrm>
-            <a:off x="7605104" y="3492710"/>
-            <a:ext cx="962526" cy="886822"/>
-          </a:xfrm>
-          <a:prstGeom prst="rect">
-            <a:avLst/>
-          </a:prstGeom>
-        </p:spPr>
-      </p:pic>
+      <p:cxnSp>
+        <p:nvCxnSpPr>
+          <p:cNvPr id="9" name="Connecteur droit 8"/>
+          <p:cNvCxnSpPr/>
+          <p:nvPr/>
+        </p:nvCxnSpPr>
+        <p:spPr>
+          <a:xfrm>
+            <a:off x="3676696" y="3686627"/>
+            <a:ext cx="4702626" cy="0"/>
+          </a:xfrm>
+          <a:prstGeom prst="line">
+            <a:avLst/>
+          </a:prstGeom>
+          <a:ln>
+            <a:solidFill>
+              <a:schemeClr val="bg2">
+                <a:lumMod val="50000"/>
+              </a:schemeClr>
+            </a:solidFill>
+          </a:ln>
+        </p:spPr>
+        <p:style>
+          <a:lnRef idx="1">
+            <a:schemeClr val="accent1"/>
+          </a:lnRef>
+          <a:fillRef idx="0">
+            <a:schemeClr val="accent1"/>
+          </a:fillRef>
+          <a:effectRef idx="0">
+            <a:schemeClr val="accent1"/>
+          </a:effectRef>
+          <a:fontRef idx="minor">
+            <a:schemeClr val="tx1"/>
+          </a:fontRef>
+        </p:style>
+      </p:cxnSp>
+      <p:sp>
+        <p:nvSpPr>
+          <p:cNvPr id="10" name="ZoneTexte 9"/>
+          <p:cNvSpPr txBox="1"/>
+          <p:nvPr/>
+        </p:nvSpPr>
+        <p:spPr>
+          <a:xfrm>
+            <a:off x="4997495" y="2798711"/>
+            <a:ext cx="4814161" cy="646331"/>
+          </a:xfrm>
+          <a:prstGeom prst="rect">
+            <a:avLst/>
+          </a:prstGeom>
+          <a:noFill/>
+        </p:spPr>
+        <p:txBody>
+          <a:bodyPr wrap="square" rtlCol="0">
+            <a:spAutoFit/>
+          </a:bodyPr>
+          <a:lstStyle/>
+          <a:p>
+            <a:r>
+              <a:rPr lang="fr-FR" sz="3600" dirty="0" smtClean="0"/>
+              <a:t>Sharing</a:t>
+            </a:r>
+            <a:endParaRPr lang="fr-FR" sz="3600" dirty="0"/>
+          </a:p>
+        </p:txBody>
+      </p:sp>
     </p:spTree>
     <p:extLst>
       <p:ext uri="{BB962C8B-B14F-4D97-AF65-F5344CB8AC3E}">
-        <p14:creationId xmlns:p14="http://schemas.microsoft.com/office/powerpoint/2010/main" val="2015079022"/>
+        <p14:creationId xmlns:p14="http://schemas.microsoft.com/office/powerpoint/2010/main" val="481190062"/>
       </p:ext>
     </p:extLst>
   </p:cSld>
@@ -8542,84 +9014,82 @@
           <a:chExt cx="0" cy="0"/>
         </a:xfrm>
       </p:grpSpPr>
+      <p:sp>
+        <p:nvSpPr>
+          <p:cNvPr id="3" name="ZoneTexte 2"/>
+          <p:cNvSpPr txBox="1"/>
+          <p:nvPr/>
+        </p:nvSpPr>
+        <p:spPr>
+          <a:xfrm>
+            <a:off x="16804" y="-2963"/>
+            <a:ext cx="9506859" cy="769441"/>
+          </a:xfrm>
+          <a:prstGeom prst="rect">
+            <a:avLst/>
+          </a:prstGeom>
+          <a:noFill/>
+        </p:spPr>
+        <p:txBody>
+          <a:bodyPr wrap="square" rtlCol="0">
+            <a:spAutoFit/>
+          </a:bodyPr>
+          <a:lstStyle/>
+          <a:p>
+            <a:r>
+              <a:rPr lang="en-CA" sz="4400" dirty="0" smtClean="0">
+                <a:solidFill>
+                  <a:schemeClr val="accent2">
+                    <a:lumMod val="75000"/>
+                  </a:schemeClr>
+                </a:solidFill>
+              </a:rPr>
+              <a:t>Output format?</a:t>
+            </a:r>
+            <a:endParaRPr lang="en-CA" sz="4400" dirty="0">
+              <a:solidFill>
+                <a:schemeClr val="accent2">
+                  <a:lumMod val="75000"/>
+                </a:schemeClr>
+              </a:solidFill>
+            </a:endParaRPr>
+          </a:p>
+        </p:txBody>
+      </p:sp>
       <p:pic>
         <p:nvPicPr>
-          <p:cNvPr id="8" name="Image 7"/>
+          <p:cNvPr id="4" name="Image 3"/>
           <p:cNvPicPr>
             <a:picLocks noChangeAspect="1"/>
           </p:cNvPicPr>
           <p:nvPr/>
         </p:nvPicPr>
         <p:blipFill>
-          <a:blip r:embed="rId2">
-            <a:alphaModFix amt="24000"/>
-            <a:extLst>
-              <a:ext uri="{28A0092B-C50C-407E-A947-70E740481C1C}">
-                <a14:useLocalDpi xmlns:a14="http://schemas.microsoft.com/office/drawing/2010/main" val="0"/>
-              </a:ext>
-            </a:extLst>
-          </a:blip>
+          <a:blip r:embed="rId2"/>
           <a:stretch>
             <a:fillRect/>
           </a:stretch>
         </p:blipFill>
         <p:spPr>
           <a:xfrm>
-            <a:off x="-2411662" y="16042"/>
-            <a:ext cx="17808514" cy="6858000"/>
+            <a:off x="2273968" y="590015"/>
+            <a:ext cx="7126706" cy="6111342"/>
           </a:xfrm>
           <a:prstGeom prst="rect">
             <a:avLst/>
           </a:prstGeom>
         </p:spPr>
       </p:pic>
-      <p:cxnSp>
-        <p:nvCxnSpPr>
-          <p:cNvPr id="9" name="Connecteur droit 8"/>
-          <p:cNvCxnSpPr/>
-          <p:nvPr/>
-        </p:nvCxnSpPr>
-        <p:spPr>
-          <a:xfrm>
-            <a:off x="3676696" y="3686627"/>
-            <a:ext cx="4702626" cy="0"/>
-          </a:xfrm>
-          <a:prstGeom prst="line">
-            <a:avLst/>
-          </a:prstGeom>
-          <a:ln>
-            <a:solidFill>
-              <a:schemeClr val="bg2">
-                <a:lumMod val="50000"/>
-              </a:schemeClr>
-            </a:solidFill>
-          </a:ln>
-        </p:spPr>
-        <p:style>
-          <a:lnRef idx="1">
-            <a:schemeClr val="accent1"/>
-          </a:lnRef>
-          <a:fillRef idx="0">
-            <a:schemeClr val="accent1"/>
-          </a:fillRef>
-          <a:effectRef idx="0">
-            <a:schemeClr val="accent1"/>
-          </a:effectRef>
-          <a:fontRef idx="minor">
-            <a:schemeClr val="tx1"/>
-          </a:fontRef>
-        </p:style>
-      </p:cxnSp>
-      <p:sp>
-        <p:nvSpPr>
-          <p:cNvPr id="10" name="ZoneTexte 9"/>
+      <p:sp>
+        <p:nvSpPr>
+          <p:cNvPr id="9" name="ZoneTexte 8"/>
           <p:cNvSpPr txBox="1"/>
           <p:nvPr/>
         </p:nvSpPr>
         <p:spPr>
           <a:xfrm>
-            <a:off x="4808810" y="2798711"/>
-            <a:ext cx="4814161" cy="646331"/>
+            <a:off x="1862221" y="1917121"/>
+            <a:ext cx="1779337" cy="400110"/>
           </a:xfrm>
           <a:prstGeom prst="rect">
             <a:avLst/>
@@ -8633,17 +9103,241 @@
           <a:lstStyle/>
           <a:p>
             <a:r>
-              <a:rPr lang="fr-FR" sz="3600" smtClean="0"/>
-              <a:t>Example</a:t>
-            </a:r>
-            <a:endParaRPr lang="fr-FR" sz="3600" dirty="0"/>
+              <a:rPr lang="fr-FR" sz="2000" b="1" dirty="0" smtClean="0">
+                <a:solidFill>
+                  <a:srgbClr val="FF0000"/>
+                </a:solidFill>
+              </a:rPr>
+              <a:t>Word .doc</a:t>
+            </a:r>
+          </a:p>
+        </p:txBody>
+      </p:sp>
+      <p:sp>
+        <p:nvSpPr>
+          <p:cNvPr id="10" name="ZoneTexte 9"/>
+          <p:cNvSpPr txBox="1"/>
+          <p:nvPr/>
+        </p:nvSpPr>
+        <p:spPr>
+          <a:xfrm>
+            <a:off x="8200860" y="1717066"/>
+            <a:ext cx="814803" cy="400110"/>
+          </a:xfrm>
+          <a:prstGeom prst="rect">
+            <a:avLst/>
+          </a:prstGeom>
+          <a:noFill/>
+        </p:spPr>
+        <p:txBody>
+          <a:bodyPr wrap="square" rtlCol="0">
+            <a:spAutoFit/>
+          </a:bodyPr>
+          <a:lstStyle/>
+          <a:p>
+            <a:r>
+              <a:rPr lang="fr-FR" sz="2000" b="1" dirty="0" smtClean="0">
+                <a:solidFill>
+                  <a:srgbClr val="FF0000"/>
+                </a:solidFill>
+              </a:rPr>
+              <a:t>.</a:t>
+            </a:r>
+            <a:r>
+              <a:rPr lang="fr-FR" sz="2000" b="1" dirty="0" err="1" smtClean="0">
+                <a:solidFill>
+                  <a:srgbClr val="FF0000"/>
+                </a:solidFill>
+              </a:rPr>
+              <a:t>pdf</a:t>
+            </a:r>
+            <a:endParaRPr lang="fr-FR" sz="2000" b="1" dirty="0" smtClean="0">
+              <a:solidFill>
+                <a:srgbClr val="FF0000"/>
+              </a:solidFill>
+            </a:endParaRPr>
+          </a:p>
+        </p:txBody>
+      </p:sp>
+      <p:sp>
+        <p:nvSpPr>
+          <p:cNvPr id="11" name="ZoneTexte 10"/>
+          <p:cNvSpPr txBox="1"/>
+          <p:nvPr/>
+        </p:nvSpPr>
+        <p:spPr>
+          <a:xfrm>
+            <a:off x="5273176" y="93471"/>
+            <a:ext cx="814803" cy="400110"/>
+          </a:xfrm>
+          <a:prstGeom prst="rect">
+            <a:avLst/>
+          </a:prstGeom>
+          <a:noFill/>
+        </p:spPr>
+        <p:txBody>
+          <a:bodyPr wrap="square" rtlCol="0">
+            <a:spAutoFit/>
+          </a:bodyPr>
+          <a:lstStyle/>
+          <a:p>
+            <a:r>
+              <a:rPr lang="fr-FR" sz="2000" b="1" dirty="0" smtClean="0">
+                <a:solidFill>
+                  <a:srgbClr val="FF0000"/>
+                </a:solidFill>
+              </a:rPr>
+              <a:t>Book</a:t>
+            </a:r>
+          </a:p>
+        </p:txBody>
+      </p:sp>
+      <p:sp>
+        <p:nvSpPr>
+          <p:cNvPr id="12" name="ZoneTexte 11"/>
+          <p:cNvSpPr txBox="1"/>
+          <p:nvPr/>
+        </p:nvSpPr>
+        <p:spPr>
+          <a:xfrm>
+            <a:off x="8993272" y="3333807"/>
+            <a:ext cx="1161381" cy="400110"/>
+          </a:xfrm>
+          <a:prstGeom prst="rect">
+            <a:avLst/>
+          </a:prstGeom>
+          <a:noFill/>
+        </p:spPr>
+        <p:txBody>
+          <a:bodyPr wrap="square" rtlCol="0">
+            <a:spAutoFit/>
+          </a:bodyPr>
+          <a:lstStyle/>
+          <a:p>
+            <a:r>
+              <a:rPr lang="fr-FR" sz="2000" b="1" dirty="0" smtClean="0">
+                <a:solidFill>
+                  <a:srgbClr val="FF0000"/>
+                </a:solidFill>
+              </a:rPr>
+              <a:t>Template</a:t>
+            </a:r>
+          </a:p>
+        </p:txBody>
+      </p:sp>
+      <p:sp>
+        <p:nvSpPr>
+          <p:cNvPr id="13" name="ZoneTexte 12"/>
+          <p:cNvSpPr txBox="1"/>
+          <p:nvPr/>
+        </p:nvSpPr>
+        <p:spPr>
+          <a:xfrm>
+            <a:off x="1299411" y="3333807"/>
+            <a:ext cx="1452479" cy="400110"/>
+          </a:xfrm>
+          <a:prstGeom prst="rect">
+            <a:avLst/>
+          </a:prstGeom>
+          <a:noFill/>
+        </p:spPr>
+        <p:txBody>
+          <a:bodyPr wrap="square" rtlCol="0">
+            <a:spAutoFit/>
+          </a:bodyPr>
+          <a:lstStyle/>
+          <a:p>
+            <a:r>
+              <a:rPr lang="fr-FR" sz="2000" b="1" smtClean="0">
+                <a:solidFill>
+                  <a:srgbClr val="FF0000"/>
+                </a:solidFill>
+              </a:rPr>
+              <a:t>Dashboard</a:t>
+            </a:r>
+            <a:endParaRPr lang="fr-FR" sz="2000" b="1" dirty="0" smtClean="0">
+              <a:solidFill>
+                <a:srgbClr val="FF0000"/>
+              </a:solidFill>
+            </a:endParaRPr>
+          </a:p>
+        </p:txBody>
+      </p:sp>
+      <p:sp>
+        <p:nvSpPr>
+          <p:cNvPr id="14" name="ZoneTexte 13"/>
+          <p:cNvSpPr txBox="1"/>
+          <p:nvPr/>
+        </p:nvSpPr>
+        <p:spPr>
+          <a:xfrm>
+            <a:off x="2150979" y="4817527"/>
+            <a:ext cx="1452479" cy="400110"/>
+          </a:xfrm>
+          <a:prstGeom prst="rect">
+            <a:avLst/>
+          </a:prstGeom>
+          <a:noFill/>
+        </p:spPr>
+        <p:txBody>
+          <a:bodyPr wrap="square" rtlCol="0">
+            <a:spAutoFit/>
+          </a:bodyPr>
+          <a:lstStyle/>
+          <a:p>
+            <a:r>
+              <a:rPr lang="fr-FR" sz="2000" b="1" dirty="0" smtClean="0">
+                <a:solidFill>
+                  <a:srgbClr val="FF0000"/>
+                </a:solidFill>
+              </a:rPr>
+              <a:t>Slides</a:t>
+            </a:r>
+          </a:p>
+        </p:txBody>
+      </p:sp>
+      <p:sp>
+        <p:nvSpPr>
+          <p:cNvPr id="15" name="ZoneTexte 14"/>
+          <p:cNvSpPr txBox="1"/>
+          <p:nvPr/>
+        </p:nvSpPr>
+        <p:spPr>
+          <a:xfrm>
+            <a:off x="5507288" y="6397681"/>
+            <a:ext cx="1161381" cy="400110"/>
+          </a:xfrm>
+          <a:prstGeom prst="rect">
+            <a:avLst/>
+          </a:prstGeom>
+          <a:noFill/>
+        </p:spPr>
+        <p:txBody>
+          <a:bodyPr wrap="square" rtlCol="0">
+            <a:spAutoFit/>
+          </a:bodyPr>
+          <a:lstStyle/>
+          <a:p>
+            <a:r>
+              <a:rPr lang="fr-FR" sz="2000" b="1" smtClean="0">
+                <a:solidFill>
+                  <a:srgbClr val="FF0000"/>
+                </a:solidFill>
+              </a:rPr>
+              <a:t>Blog</a:t>
+            </a:r>
+            <a:endParaRPr lang="fr-FR" sz="2000" b="1" dirty="0" smtClean="0">
+              <a:solidFill>
+                <a:srgbClr val="FF0000"/>
+              </a:solidFill>
+            </a:endParaRPr>
           </a:p>
         </p:txBody>
       </p:sp>
     </p:spTree>
     <p:extLst>
       <p:ext uri="{BB962C8B-B14F-4D97-AF65-F5344CB8AC3E}">
-        <p14:creationId xmlns:p14="http://schemas.microsoft.com/office/powerpoint/2010/main" val="1085065883"/>
+        <p14:creationId xmlns:p14="http://schemas.microsoft.com/office/powerpoint/2010/main" val="341273363"/>
       </p:ext>
     </p:extLst>
   </p:cSld>
@@ -8685,7 +9379,7 @@
         </p:nvSpPr>
         <p:spPr>
           <a:xfrm>
-            <a:off x="304797" y="312531"/>
+            <a:off x="145140" y="109331"/>
             <a:ext cx="9506859" cy="769441"/>
           </a:xfrm>
           <a:prstGeom prst="rect">
@@ -8707,27 +9401,7 @@
                   </a:schemeClr>
                 </a:solidFill>
               </a:rPr>
-              <a:t>An example: my </a:t>
-            </a:r>
-            <a:r>
-              <a:rPr lang="en-CA" sz="4400" dirty="0" err="1" smtClean="0">
-                <a:solidFill>
-                  <a:schemeClr val="accent2">
-                    <a:lumMod val="75000"/>
-                  </a:schemeClr>
-                </a:solidFill>
-              </a:rPr>
-              <a:t>bioinfo</a:t>
-            </a:r>
-            <a:r>
-              <a:rPr lang="en-CA" sz="4400" dirty="0" smtClean="0">
-                <a:solidFill>
-                  <a:schemeClr val="accent2">
-                    <a:lumMod val="75000"/>
-                  </a:schemeClr>
-                </a:solidFill>
-              </a:rPr>
-              <a:t> pipeline:</a:t>
+              <a:t>Share your analysis</a:t>
             </a:r>
             <a:endParaRPr lang="en-CA" sz="4400" dirty="0">
               <a:solidFill>
@@ -8747,7 +9421,7 @@
         </p:nvSpPr>
         <p:spPr>
           <a:xfrm>
-            <a:off x="1805882" y="1995332"/>
+            <a:off x="3329882" y="1951789"/>
             <a:ext cx="6978316" cy="3108543"/>
           </a:xfrm>
           <a:prstGeom prst="rect">
@@ -8766,20 +9440,12 @@
               <a:buChar char="•"/>
             </a:pPr>
             <a:r>
-              <a:rPr lang="fr-FR" sz="2800" dirty="0" smtClean="0"/>
-              <a:t>Interaction </a:t>
-            </a:r>
-            <a:r>
-              <a:rPr lang="fr-FR" sz="2800" dirty="0" err="1" smtClean="0"/>
-              <a:t>with</a:t>
-            </a:r>
-            <a:r>
-              <a:rPr lang="fr-FR" sz="2800" dirty="0" smtClean="0"/>
-              <a:t> clusters</a:t>
-            </a:r>
-          </a:p>
-          <a:p>
-            <a:endParaRPr lang="fr-FR" sz="2800" dirty="0" smtClean="0"/>
+              <a:rPr lang="en-CA" sz="2800" dirty="0" smtClean="0"/>
+              <a:t>Mail with colleagues, supervisor</a:t>
+            </a:r>
+          </a:p>
+          <a:p>
+            <a:endParaRPr lang="en-CA" sz="2800" dirty="0" smtClean="0"/>
           </a:p>
           <a:p>
             <a:pPr marL="285750" indent="-285750">
@@ -8787,21 +9453,16 @@
               <a:buChar char="•"/>
             </a:pPr>
             <a:r>
-              <a:rPr lang="fr-FR" sz="2800" dirty="0" smtClean="0"/>
-              <a:t>One unique </a:t>
-            </a:r>
-            <a:r>
-              <a:rPr lang="fr-FR" sz="2800" dirty="0" err="1" smtClean="0"/>
-              <a:t>folder</a:t>
-            </a:r>
-            <a:endParaRPr lang="fr-FR" sz="2800" dirty="0" smtClean="0"/>
+              <a:rPr lang="en-CA" sz="2800" dirty="0" smtClean="0"/>
+              <a:t>Publication as a supplementary material</a:t>
+            </a:r>
           </a:p>
           <a:p>
             <a:pPr marL="285750" indent="-285750">
               <a:buFont typeface="Arial" charset="0"/>
               <a:buChar char="•"/>
             </a:pPr>
-            <a:endParaRPr lang="fr-FR" sz="2800" dirty="0"/>
+            <a:endParaRPr lang="en-CA" sz="2800" dirty="0" smtClean="0"/>
           </a:p>
           <a:p>
             <a:pPr marL="285750" indent="-285750">
@@ -8809,43 +9470,26 @@
               <a:buChar char="•"/>
             </a:pPr>
             <a:r>
-              <a:rPr lang="fr-FR" sz="2800" dirty="0" err="1" smtClean="0"/>
-              <a:t>Several</a:t>
-            </a:r>
-            <a:r>
-              <a:rPr lang="fr-FR" sz="2800" dirty="0" smtClean="0"/>
-              <a:t> .</a:t>
-            </a:r>
-            <a:r>
-              <a:rPr lang="fr-FR" sz="2800" dirty="0" err="1" smtClean="0"/>
-              <a:t>rmd</a:t>
-            </a:r>
-            <a:r>
-              <a:rPr lang="fr-FR" sz="2800" dirty="0" smtClean="0"/>
+              <a:rPr lang="en-CA" sz="2800" dirty="0" err="1" smtClean="0"/>
+              <a:t>Github</a:t>
+            </a:r>
+            <a:r>
+              <a:rPr lang="en-CA" sz="2800" dirty="0" smtClean="0"/>
+              <a:t>: </a:t>
+            </a:r>
+            <a:r>
+              <a:rPr lang="en-CA" sz="2800" dirty="0" smtClean="0">
+                <a:hlinkClick r:id="rId2"/>
+              </a:rPr>
+              <a:t>www.github.com</a:t>
+            </a:r>
+            <a:r>
+              <a:rPr lang="en-CA" sz="2800" dirty="0" smtClean="0"/>
               <a:t> </a:t>
             </a:r>
-            <a:r>
-              <a:rPr lang="fr-FR" sz="2800" dirty="0" err="1" smtClean="0"/>
-              <a:t>wrapped</a:t>
-            </a:r>
-            <a:r>
-              <a:rPr lang="fr-FR" sz="2800" dirty="0" smtClean="0"/>
-              <a:t> in a </a:t>
-            </a:r>
-            <a:r>
-              <a:rPr lang="fr-FR" sz="2800" dirty="0" err="1" smtClean="0"/>
-              <a:t>website</a:t>
-            </a:r>
-            <a:endParaRPr lang="fr-FR" sz="2800" b="1" dirty="0" smtClean="0">
-              <a:solidFill>
-                <a:schemeClr val="accent6">
-                  <a:lumMod val="75000"/>
-                </a:schemeClr>
-              </a:solidFill>
-            </a:endParaRPr>
-          </a:p>
-          <a:p>
-            <a:endParaRPr lang="fr-FR" sz="2800" dirty="0"/>
+          </a:p>
+          <a:p>
+            <a:endParaRPr lang="en-CA" sz="2800" dirty="0" smtClean="0"/>
           </a:p>
           <a:p>
             <a:pPr marL="285750" indent="-285750">
@@ -8853,21 +9497,65 @@
               <a:buChar char="•"/>
             </a:pPr>
             <a:r>
-              <a:rPr lang="fr-FR" sz="2800" dirty="0" err="1" smtClean="0"/>
-              <a:t>Shared</a:t>
-            </a:r>
-            <a:r>
-              <a:rPr lang="fr-FR" sz="2800" dirty="0" smtClean="0"/>
-              <a:t> online</a:t>
-            </a:r>
-            <a:endParaRPr lang="fr-FR" sz="2800" dirty="0"/>
-          </a:p>
-        </p:txBody>
-      </p:sp>
+              <a:rPr lang="en-CA" sz="2800" dirty="0" smtClean="0"/>
+              <a:t>Website</a:t>
+            </a:r>
+            <a:endParaRPr lang="en-CA" sz="2800" dirty="0"/>
+          </a:p>
+        </p:txBody>
+      </p:sp>
+      <p:pic>
+        <p:nvPicPr>
+          <p:cNvPr id="2" name="Image 1"/>
+          <p:cNvPicPr>
+            <a:picLocks noChangeAspect="1"/>
+          </p:cNvPicPr>
+          <p:nvPr/>
+        </p:nvPicPr>
+        <p:blipFill>
+          <a:blip r:embed="rId3"/>
+          <a:stretch>
+            <a:fillRect/>
+          </a:stretch>
+        </p:blipFill>
+        <p:spPr>
+          <a:xfrm>
+            <a:off x="2206935" y="3506060"/>
+            <a:ext cx="962526" cy="886822"/>
+          </a:xfrm>
+          <a:prstGeom prst="rect">
+            <a:avLst/>
+          </a:prstGeom>
+        </p:spPr>
+      </p:pic>
+      <p:pic>
+        <p:nvPicPr>
+          <p:cNvPr id="5" name="Image 4"/>
+          <p:cNvPicPr>
+            <a:picLocks noChangeAspect="1"/>
+          </p:cNvPicPr>
+          <p:nvPr/>
+        </p:nvPicPr>
+        <p:blipFill>
+          <a:blip r:embed="rId3"/>
+          <a:stretch>
+            <a:fillRect/>
+          </a:stretch>
+        </p:blipFill>
+        <p:spPr>
+          <a:xfrm>
+            <a:off x="7605104" y="3492710"/>
+            <a:ext cx="962526" cy="886822"/>
+          </a:xfrm>
+          <a:prstGeom prst="rect">
+            <a:avLst/>
+          </a:prstGeom>
+        </p:spPr>
+      </p:pic>
     </p:spTree>
     <p:extLst>
       <p:ext uri="{BB962C8B-B14F-4D97-AF65-F5344CB8AC3E}">
-        <p14:creationId xmlns:p14="http://schemas.microsoft.com/office/powerpoint/2010/main" val="1001020317"/>
+        <p14:creationId xmlns:p14="http://schemas.microsoft.com/office/powerpoint/2010/main" val="2015079022"/>
       </p:ext>
     </p:extLst>
   </p:cSld>
@@ -9394,6 +10082,365 @@
 </file>
 
 <file path=ppt/slides/slide30.xml><?xml version="1.0" encoding="utf-8"?>
+<p:sld xmlns:a="http://schemas.openxmlformats.org/drawingml/2006/main" xmlns:r="http://schemas.openxmlformats.org/officeDocument/2006/relationships" xmlns:p="http://schemas.openxmlformats.org/presentationml/2006/main">
+  <p:cSld>
+    <p:spTree>
+      <p:nvGrpSpPr>
+        <p:cNvPr id="1" name=""/>
+        <p:cNvGrpSpPr/>
+        <p:nvPr/>
+      </p:nvGrpSpPr>
+      <p:grpSpPr>
+        <a:xfrm>
+          <a:off x="0" y="0"/>
+          <a:ext cx="0" cy="0"/>
+          <a:chOff x="0" y="0"/>
+          <a:chExt cx="0" cy="0"/>
+        </a:xfrm>
+      </p:grpSpPr>
+      <p:pic>
+        <p:nvPicPr>
+          <p:cNvPr id="8" name="Image 7"/>
+          <p:cNvPicPr>
+            <a:picLocks noChangeAspect="1"/>
+          </p:cNvPicPr>
+          <p:nvPr/>
+        </p:nvPicPr>
+        <p:blipFill>
+          <a:blip r:embed="rId2">
+            <a:alphaModFix amt="24000"/>
+            <a:extLst>
+              <a:ext uri="{28A0092B-C50C-407E-A947-70E740481C1C}">
+                <a14:useLocalDpi xmlns:a14="http://schemas.microsoft.com/office/drawing/2010/main" val="0"/>
+              </a:ext>
+            </a:extLst>
+          </a:blip>
+          <a:stretch>
+            <a:fillRect/>
+          </a:stretch>
+        </p:blipFill>
+        <p:spPr>
+          <a:xfrm>
+            <a:off x="-2411662" y="16042"/>
+            <a:ext cx="17808514" cy="6858000"/>
+          </a:xfrm>
+          <a:prstGeom prst="rect">
+            <a:avLst/>
+          </a:prstGeom>
+        </p:spPr>
+      </p:pic>
+      <p:cxnSp>
+        <p:nvCxnSpPr>
+          <p:cNvPr id="9" name="Connecteur droit 8"/>
+          <p:cNvCxnSpPr/>
+          <p:nvPr/>
+        </p:nvCxnSpPr>
+        <p:spPr>
+          <a:xfrm>
+            <a:off x="3676696" y="3686627"/>
+            <a:ext cx="4702626" cy="0"/>
+          </a:xfrm>
+          <a:prstGeom prst="line">
+            <a:avLst/>
+          </a:prstGeom>
+          <a:ln>
+            <a:solidFill>
+              <a:schemeClr val="bg2">
+                <a:lumMod val="50000"/>
+              </a:schemeClr>
+            </a:solidFill>
+          </a:ln>
+        </p:spPr>
+        <p:style>
+          <a:lnRef idx="1">
+            <a:schemeClr val="accent1"/>
+          </a:lnRef>
+          <a:fillRef idx="0">
+            <a:schemeClr val="accent1"/>
+          </a:fillRef>
+          <a:effectRef idx="0">
+            <a:schemeClr val="accent1"/>
+          </a:effectRef>
+          <a:fontRef idx="minor">
+            <a:schemeClr val="tx1"/>
+          </a:fontRef>
+        </p:style>
+      </p:cxnSp>
+      <p:sp>
+        <p:nvSpPr>
+          <p:cNvPr id="10" name="ZoneTexte 9"/>
+          <p:cNvSpPr txBox="1"/>
+          <p:nvPr/>
+        </p:nvSpPr>
+        <p:spPr>
+          <a:xfrm>
+            <a:off x="4808810" y="2798711"/>
+            <a:ext cx="4814161" cy="646331"/>
+          </a:xfrm>
+          <a:prstGeom prst="rect">
+            <a:avLst/>
+          </a:prstGeom>
+          <a:noFill/>
+        </p:spPr>
+        <p:txBody>
+          <a:bodyPr wrap="square" rtlCol="0">
+            <a:spAutoFit/>
+          </a:bodyPr>
+          <a:lstStyle/>
+          <a:p>
+            <a:r>
+              <a:rPr lang="fr-FR" sz="3600" smtClean="0"/>
+              <a:t>Example</a:t>
+            </a:r>
+            <a:endParaRPr lang="fr-FR" sz="3600" dirty="0"/>
+          </a:p>
+        </p:txBody>
+      </p:sp>
+    </p:spTree>
+    <p:extLst>
+      <p:ext uri="{BB962C8B-B14F-4D97-AF65-F5344CB8AC3E}">
+        <p14:creationId xmlns:p14="http://schemas.microsoft.com/office/powerpoint/2010/main" val="1085065883"/>
+      </p:ext>
+    </p:extLst>
+  </p:cSld>
+  <p:clrMapOvr>
+    <a:masterClrMapping/>
+  </p:clrMapOvr>
+  <p:timing>
+    <p:tnLst>
+      <p:par>
+        <p:cTn id="1" dur="indefinite" restart="never" nodeType="tmRoot"/>
+      </p:par>
+    </p:tnLst>
+  </p:timing>
+</p:sld>
+</file>
+
+<file path=ppt/slides/slide31.xml><?xml version="1.0" encoding="utf-8"?>
+<p:sld xmlns:a="http://schemas.openxmlformats.org/drawingml/2006/main" xmlns:r="http://schemas.openxmlformats.org/officeDocument/2006/relationships" xmlns:p="http://schemas.openxmlformats.org/presentationml/2006/main">
+  <p:cSld>
+    <p:spTree>
+      <p:nvGrpSpPr>
+        <p:cNvPr id="1" name=""/>
+        <p:cNvGrpSpPr/>
+        <p:nvPr/>
+      </p:nvGrpSpPr>
+      <p:grpSpPr>
+        <a:xfrm>
+          <a:off x="0" y="0"/>
+          <a:ext cx="0" cy="0"/>
+          <a:chOff x="0" y="0"/>
+          <a:chExt cx="0" cy="0"/>
+        </a:xfrm>
+      </p:grpSpPr>
+      <p:sp>
+        <p:nvSpPr>
+          <p:cNvPr id="3" name="ZoneTexte 2"/>
+          <p:cNvSpPr txBox="1"/>
+          <p:nvPr/>
+        </p:nvSpPr>
+        <p:spPr>
+          <a:xfrm>
+            <a:off x="304797" y="312531"/>
+            <a:ext cx="9506859" cy="769441"/>
+          </a:xfrm>
+          <a:prstGeom prst="rect">
+            <a:avLst/>
+          </a:prstGeom>
+          <a:noFill/>
+        </p:spPr>
+        <p:txBody>
+          <a:bodyPr wrap="square" rtlCol="0">
+            <a:spAutoFit/>
+          </a:bodyPr>
+          <a:lstStyle/>
+          <a:p>
+            <a:r>
+              <a:rPr lang="en-CA" sz="4400" dirty="0" smtClean="0">
+                <a:solidFill>
+                  <a:schemeClr val="accent2">
+                    <a:lumMod val="75000"/>
+                  </a:schemeClr>
+                </a:solidFill>
+              </a:rPr>
+              <a:t>An example: my </a:t>
+            </a:r>
+            <a:r>
+              <a:rPr lang="en-CA" sz="4400" dirty="0" err="1" smtClean="0">
+                <a:solidFill>
+                  <a:schemeClr val="accent2">
+                    <a:lumMod val="75000"/>
+                  </a:schemeClr>
+                </a:solidFill>
+              </a:rPr>
+              <a:t>bioinfo</a:t>
+            </a:r>
+            <a:r>
+              <a:rPr lang="en-CA" sz="4400" dirty="0" smtClean="0">
+                <a:solidFill>
+                  <a:schemeClr val="accent2">
+                    <a:lumMod val="75000"/>
+                  </a:schemeClr>
+                </a:solidFill>
+              </a:rPr>
+              <a:t> pipeline:</a:t>
+            </a:r>
+            <a:endParaRPr lang="en-CA" sz="4400" dirty="0">
+              <a:solidFill>
+                <a:schemeClr val="accent2">
+                  <a:lumMod val="75000"/>
+                </a:schemeClr>
+              </a:solidFill>
+            </a:endParaRPr>
+          </a:p>
+        </p:txBody>
+      </p:sp>
+      <p:sp>
+        <p:nvSpPr>
+          <p:cNvPr id="4" name="ZoneTexte 3"/>
+          <p:cNvSpPr txBox="1"/>
+          <p:nvPr/>
+        </p:nvSpPr>
+        <p:spPr>
+          <a:xfrm>
+            <a:off x="1805882" y="1995332"/>
+            <a:ext cx="6978316" cy="3108543"/>
+          </a:xfrm>
+          <a:prstGeom prst="rect">
+            <a:avLst/>
+          </a:prstGeom>
+          <a:noFill/>
+        </p:spPr>
+        <p:txBody>
+          <a:bodyPr wrap="square" rtlCol="0">
+            <a:spAutoFit/>
+          </a:bodyPr>
+          <a:lstStyle/>
+          <a:p>
+            <a:pPr marL="285750" indent="-285750">
+              <a:buFont typeface="Arial" charset="0"/>
+              <a:buChar char="•"/>
+            </a:pPr>
+            <a:r>
+              <a:rPr lang="fr-FR" sz="2800" dirty="0" smtClean="0"/>
+              <a:t>Interaction </a:t>
+            </a:r>
+            <a:r>
+              <a:rPr lang="fr-FR" sz="2800" dirty="0" err="1" smtClean="0"/>
+              <a:t>with</a:t>
+            </a:r>
+            <a:r>
+              <a:rPr lang="fr-FR" sz="2800" dirty="0" smtClean="0"/>
+              <a:t> clusters</a:t>
+            </a:r>
+          </a:p>
+          <a:p>
+            <a:endParaRPr lang="fr-FR" sz="2800" dirty="0" smtClean="0"/>
+          </a:p>
+          <a:p>
+            <a:pPr marL="285750" indent="-285750">
+              <a:buFont typeface="Arial" charset="0"/>
+              <a:buChar char="•"/>
+            </a:pPr>
+            <a:r>
+              <a:rPr lang="fr-FR" sz="2800" dirty="0" smtClean="0"/>
+              <a:t>One unique </a:t>
+            </a:r>
+            <a:r>
+              <a:rPr lang="fr-FR" sz="2800" dirty="0" err="1" smtClean="0"/>
+              <a:t>folder</a:t>
+            </a:r>
+            <a:endParaRPr lang="fr-FR" sz="2800" dirty="0" smtClean="0"/>
+          </a:p>
+          <a:p>
+            <a:pPr marL="285750" indent="-285750">
+              <a:buFont typeface="Arial" charset="0"/>
+              <a:buChar char="•"/>
+            </a:pPr>
+            <a:endParaRPr lang="fr-FR" sz="2800" dirty="0"/>
+          </a:p>
+          <a:p>
+            <a:pPr marL="285750" indent="-285750">
+              <a:buFont typeface="Arial" charset="0"/>
+              <a:buChar char="•"/>
+            </a:pPr>
+            <a:r>
+              <a:rPr lang="fr-FR" sz="2800" dirty="0" err="1" smtClean="0"/>
+              <a:t>Several</a:t>
+            </a:r>
+            <a:r>
+              <a:rPr lang="fr-FR" sz="2800" dirty="0" smtClean="0"/>
+              <a:t> .</a:t>
+            </a:r>
+            <a:r>
+              <a:rPr lang="fr-FR" sz="2800" dirty="0" err="1" smtClean="0"/>
+              <a:t>rmd</a:t>
+            </a:r>
+            <a:r>
+              <a:rPr lang="fr-FR" sz="2800" dirty="0" smtClean="0"/>
+              <a:t> </a:t>
+            </a:r>
+            <a:r>
+              <a:rPr lang="fr-FR" sz="2800" dirty="0" err="1" smtClean="0"/>
+              <a:t>wrapped</a:t>
+            </a:r>
+            <a:r>
+              <a:rPr lang="fr-FR" sz="2800" dirty="0" smtClean="0"/>
+              <a:t> in a </a:t>
+            </a:r>
+            <a:r>
+              <a:rPr lang="fr-FR" sz="2800" dirty="0" err="1" smtClean="0"/>
+              <a:t>website</a:t>
+            </a:r>
+            <a:endParaRPr lang="fr-FR" sz="2800" b="1" dirty="0" smtClean="0">
+              <a:solidFill>
+                <a:schemeClr val="accent6">
+                  <a:lumMod val="75000"/>
+                </a:schemeClr>
+              </a:solidFill>
+            </a:endParaRPr>
+          </a:p>
+          <a:p>
+            <a:endParaRPr lang="fr-FR" sz="2800" dirty="0"/>
+          </a:p>
+          <a:p>
+            <a:pPr marL="285750" indent="-285750">
+              <a:buFont typeface="Arial" charset="0"/>
+              <a:buChar char="•"/>
+            </a:pPr>
+            <a:r>
+              <a:rPr lang="fr-FR" sz="2800" dirty="0" err="1" smtClean="0"/>
+              <a:t>Shared</a:t>
+            </a:r>
+            <a:r>
+              <a:rPr lang="fr-FR" sz="2800" dirty="0" smtClean="0"/>
+              <a:t> online</a:t>
+            </a:r>
+            <a:endParaRPr lang="fr-FR" sz="2800" dirty="0"/>
+          </a:p>
+        </p:txBody>
+      </p:sp>
+    </p:spTree>
+    <p:extLst>
+      <p:ext uri="{BB962C8B-B14F-4D97-AF65-F5344CB8AC3E}">
+        <p14:creationId xmlns:p14="http://schemas.microsoft.com/office/powerpoint/2010/main" val="1001020317"/>
+      </p:ext>
+    </p:extLst>
+  </p:cSld>
+  <p:clrMapOvr>
+    <a:masterClrMapping/>
+  </p:clrMapOvr>
+  <p:timing>
+    <p:tnLst>
+      <p:par>
+        <p:cTn id="1" dur="indefinite" restart="never" nodeType="tmRoot"/>
+      </p:par>
+    </p:tnLst>
+  </p:timing>
+</p:sld>
+</file>
+
+<file path=ppt/slides/slide32.xml><?xml version="1.0" encoding="utf-8"?>
 <p:sld xmlns:a="http://schemas.openxmlformats.org/drawingml/2006/main" xmlns:r="http://schemas.openxmlformats.org/officeDocument/2006/relationships" xmlns:p="http://schemas.openxmlformats.org/presentationml/2006/main">
   <p:cSld>
     <p:spTree>
@@ -11201,7 +12248,7 @@
         </p:blipFill>
         <p:spPr>
           <a:xfrm>
-            <a:off x="1973580" y="3790376"/>
+            <a:off x="2749953" y="3790376"/>
             <a:ext cx="1633220" cy="1302408"/>
           </a:xfrm>
           <a:prstGeom prst="rect">
@@ -11231,7 +12278,7 @@
         </p:blipFill>
         <p:spPr>
           <a:xfrm>
-            <a:off x="7406584" y="3764976"/>
+            <a:off x="8182957" y="3764976"/>
             <a:ext cx="1327808" cy="1327808"/>
           </a:xfrm>
           <a:prstGeom prst="rect">
@@ -11247,7 +12294,7 @@
         </p:nvCxnSpPr>
         <p:spPr>
           <a:xfrm flipH="1">
-            <a:off x="4582160" y="4114800"/>
+            <a:off x="5358533" y="4114800"/>
             <a:ext cx="2082801" cy="0"/>
           </a:xfrm>
           <a:prstGeom prst="straightConnector1">
@@ -11309,7 +12356,7 @@
         </p:nvCxnSpPr>
         <p:spPr>
           <a:xfrm flipV="1">
-            <a:off x="4663441" y="4693920"/>
+            <a:off x="5439814" y="4693920"/>
             <a:ext cx="2092959" cy="10160"/>
           </a:xfrm>
           <a:prstGeom prst="straightConnector1">
@@ -11371,7 +12418,7 @@
         </p:nvSpPr>
         <p:spPr>
           <a:xfrm>
-            <a:off x="1867660" y="5092784"/>
+            <a:off x="2644033" y="5092784"/>
             <a:ext cx="2031903" cy="461665"/>
           </a:xfrm>
           <a:prstGeom prst="rect">
@@ -11400,7 +12447,7 @@
         </p:nvSpPr>
         <p:spPr>
           <a:xfrm>
-            <a:off x="7551756" y="5092784"/>
+            <a:off x="8328129" y="5092784"/>
             <a:ext cx="1037463" cy="461665"/>
           </a:xfrm>
           <a:prstGeom prst="rect">
@@ -11421,43 +12468,10 @@
           </a:p>
         </p:txBody>
       </p:sp>
-      <p:sp>
-        <p:nvSpPr>
-          <p:cNvPr id="23" name="Rectangle 22">
-            <a:hlinkClick r:id="rId4"/>
-          </p:cNvPr>
-          <p:cNvSpPr/>
-          <p:nvPr/>
-        </p:nvSpPr>
-        <p:spPr>
-          <a:xfrm>
-            <a:off x="4594720" y="3091934"/>
-            <a:ext cx="2057679" cy="369332"/>
-          </a:xfrm>
-          <a:prstGeom prst="rect">
-            <a:avLst/>
-          </a:prstGeom>
-        </p:spPr>
-        <p:txBody>
-          <a:bodyPr wrap="none">
-            <a:spAutoFit/>
-          </a:bodyPr>
-          <a:lstStyle/>
-          <a:p>
-            <a:r>
-              <a:rPr lang="en-AU" dirty="0" err="1">
-                <a:hlinkClick r:id="rId5"/>
-              </a:rPr>
-              <a:t>desktop.github.com</a:t>
-            </a:r>
-            <a:endParaRPr lang="en-AU" dirty="0"/>
-          </a:p>
-        </p:txBody>
-      </p:sp>
     </p:spTree>
     <p:extLst>
       <p:ext uri="{BB962C8B-B14F-4D97-AF65-F5344CB8AC3E}">
-        <p14:creationId xmlns:p14="http://schemas.microsoft.com/office/powerpoint/2010/main" val="351360596"/>
+        <p14:creationId xmlns:p14="http://schemas.microsoft.com/office/powerpoint/2010/main" val="1296814396"/>
       </p:ext>
     </p:extLst>
   </p:cSld>

--- a/Intro_Github.pptx
+++ b/Intro_Github.pptx
@@ -5,7 +5,7 @@
     <p:sldMasterId id="2147483648" r:id="rId1"/>
   </p:sldMasterIdLst>
   <p:notesMasterIdLst>
-    <p:notesMasterId r:id="rId34"/>
+    <p:notesMasterId r:id="rId20"/>
   </p:notesMasterIdLst>
   <p:sldIdLst>
     <p:sldId id="256" r:id="rId2"/>
@@ -21,25 +21,11 @@
     <p:sldId id="289" r:id="rId12"/>
     <p:sldId id="264" r:id="rId13"/>
     <p:sldId id="261" r:id="rId14"/>
-    <p:sldId id="276" r:id="rId15"/>
-    <p:sldId id="262" r:id="rId16"/>
-    <p:sldId id="277" r:id="rId17"/>
-    <p:sldId id="265" r:id="rId18"/>
-    <p:sldId id="263" r:id="rId19"/>
-    <p:sldId id="278" r:id="rId20"/>
-    <p:sldId id="279" r:id="rId21"/>
-    <p:sldId id="266" r:id="rId22"/>
-    <p:sldId id="281" r:id="rId23"/>
-    <p:sldId id="267" r:id="rId24"/>
-    <p:sldId id="268" r:id="rId25"/>
-    <p:sldId id="270" r:id="rId26"/>
-    <p:sldId id="274" r:id="rId27"/>
-    <p:sldId id="282" r:id="rId28"/>
-    <p:sldId id="271" r:id="rId29"/>
-    <p:sldId id="272" r:id="rId30"/>
-    <p:sldId id="280" r:id="rId31"/>
-    <p:sldId id="273" r:id="rId32"/>
-    <p:sldId id="283" r:id="rId33"/>
+    <p:sldId id="290" r:id="rId15"/>
+    <p:sldId id="292" r:id="rId16"/>
+    <p:sldId id="276" r:id="rId17"/>
+    <p:sldId id="291" r:id="rId18"/>
+    <p:sldId id="283" r:id="rId19"/>
   </p:sldIdLst>
   <p:sldSz cx="12192000" cy="6858000"/>
   <p:notesSz cx="6858000" cy="9144000"/>
@@ -561,7 +547,7 @@
           <a:p>
             <a:fld id="{3C97A14E-500E-A148-99C8-B80307C7DE72}" type="slidenum">
               <a:rPr lang="en-AU" smtClean="0"/>
-              <a:t>32</a:t>
+              <a:t>18</a:t>
             </a:fld>
             <a:endParaRPr lang="en-AU"/>
           </a:p>
@@ -4361,7 +4347,7 @@
         <p:spPr>
           <a:xfrm>
             <a:off x="421636" y="364000"/>
-            <a:ext cx="3063436" cy="400110"/>
+            <a:ext cx="4012340" cy="400110"/>
           </a:xfrm>
           <a:prstGeom prst="rect">
             <a:avLst/>
@@ -4420,7 +4406,7 @@
                   <a:srgbClr val="FF0000"/>
                 </a:solidFill>
               </a:rPr>
-              <a:t> local </a:t>
+              <a:t> a new </a:t>
             </a:r>
             <a:r>
               <a:rPr lang="fr-FR" sz="2000" b="1" dirty="0" err="1" smtClean="0">
@@ -4428,7 +4414,23 @@
                   <a:srgbClr val="FF0000"/>
                 </a:solidFill>
               </a:rPr>
-              <a:t>folder</a:t>
+              <a:t>github</a:t>
+            </a:r>
+            <a:r>
+              <a:rPr lang="fr-FR" sz="2000" b="1" dirty="0" smtClean="0">
+                <a:solidFill>
+                  <a:srgbClr val="FF0000"/>
+                </a:solidFill>
+              </a:rPr>
+              <a:t> </a:t>
+            </a:r>
+            <a:r>
+              <a:rPr lang="fr-FR" sz="2000" b="1" dirty="0" err="1" smtClean="0">
+                <a:solidFill>
+                  <a:srgbClr val="FF0000"/>
+                </a:solidFill>
+              </a:rPr>
+              <a:t>repositoy</a:t>
             </a:r>
             <a:endParaRPr lang="fr-FR" sz="2000" b="1" dirty="0" smtClean="0">
               <a:solidFill>
@@ -4454,7 +4456,7 @@
         </p:blipFill>
         <p:spPr>
           <a:xfrm>
-            <a:off x="421636" y="921349"/>
+            <a:off x="560358" y="3637584"/>
             <a:ext cx="4700593" cy="821188"/>
           </a:xfrm>
           <a:prstGeom prst="rect">
@@ -4470,7 +4472,7 @@
         </p:nvCxnSpPr>
         <p:spPr>
           <a:xfrm flipH="1">
-            <a:off x="1708030" y="1689702"/>
+            <a:off x="1705152" y="2390558"/>
             <a:ext cx="1" cy="466902"/>
           </a:xfrm>
           <a:prstGeom prst="straightConnector1">
@@ -4506,7 +4508,7 @@
         </p:nvSpPr>
         <p:spPr>
           <a:xfrm>
-            <a:off x="421635" y="2500587"/>
+            <a:off x="421635" y="3094691"/>
             <a:ext cx="4012341" cy="400110"/>
           </a:xfrm>
           <a:prstGeom prst="rect">
@@ -4553,20 +4555,12 @@
               <a:t> </a:t>
             </a:r>
             <a:r>
-              <a:rPr lang="fr-FR" sz="2000" b="1" dirty="0" err="1" smtClean="0">
-                <a:solidFill>
-                  <a:srgbClr val="FF0000"/>
-                </a:solidFill>
-              </a:rPr>
-              <a:t>Transform</a:t>
-            </a:r>
-            <a:r>
               <a:rPr lang="fr-FR" sz="2000" b="1" dirty="0" smtClean="0">
                 <a:solidFill>
                   <a:srgbClr val="FF0000"/>
                 </a:solidFill>
               </a:rPr>
-              <a:t> </a:t>
+              <a:t>Put a few files in </a:t>
             </a:r>
             <a:r>
               <a:rPr lang="fr-FR" sz="2000" b="1" dirty="0" err="1" smtClean="0">
@@ -4575,22 +4569,6 @@
                 </a:solidFill>
               </a:rPr>
               <a:t>it</a:t>
-            </a:r>
-            <a:r>
-              <a:rPr lang="fr-FR" sz="2000" b="1" dirty="0" smtClean="0">
-                <a:solidFill>
-                  <a:srgbClr val="FF0000"/>
-                </a:solidFill>
-              </a:rPr>
-              <a:t> in a Git </a:t>
-            </a:r>
-            <a:r>
-              <a:rPr lang="fr-FR" sz="2000" b="1" dirty="0" err="1" smtClean="0">
-                <a:solidFill>
-                  <a:srgbClr val="FF0000"/>
-                </a:solidFill>
-              </a:rPr>
-              <a:t>repository</a:t>
             </a:r>
             <a:endParaRPr lang="fr-FR" sz="2000" b="1" dirty="0" smtClean="0">
               <a:solidFill>
@@ -4616,7 +4594,7 @@
         </p:blipFill>
         <p:spPr>
           <a:xfrm>
-            <a:off x="421635" y="2979297"/>
+            <a:off x="560358" y="877754"/>
             <a:ext cx="4927600" cy="1358900"/>
           </a:xfrm>
           <a:prstGeom prst="rect">
@@ -4845,7 +4823,7 @@
               <a:t>it</a:t>
             </a:r>
             <a:r>
-              <a:rPr lang="fr-FR" sz="2000" b="1" smtClean="0">
+              <a:rPr lang="fr-FR" sz="2000" b="1" dirty="0" smtClean="0">
                 <a:solidFill>
                   <a:srgbClr val="FF0000"/>
                 </a:solidFill>
@@ -5670,8 +5648,8 @@
         </p:nvSpPr>
         <p:spPr>
           <a:xfrm>
-            <a:off x="4605609" y="2831940"/>
-            <a:ext cx="4814161" cy="646331"/>
+            <a:off x="4239001" y="2798711"/>
+            <a:ext cx="4507188" cy="646331"/>
           </a:xfrm>
           <a:prstGeom prst="rect">
             <a:avLst/>
@@ -5686,15 +5664,11 @@
           <a:p>
             <a:r>
               <a:rPr lang="fr-FR" sz="3600" dirty="0" err="1" smtClean="0"/>
-              <a:t>Customize</a:t>
+              <a:t>Your</a:t>
             </a:r>
             <a:r>
               <a:rPr lang="fr-FR" sz="3600" dirty="0" smtClean="0"/>
-              <a:t> </a:t>
-            </a:r>
-            <a:r>
-              <a:rPr lang="fr-FR" sz="3600" dirty="0" err="1" smtClean="0"/>
-              <a:t>text</a:t>
+              <a:t> first ‘commit’</a:t>
             </a:r>
             <a:endParaRPr lang="fr-FR" sz="3600" dirty="0"/>
           </a:p>
@@ -5703,7 +5677,7 @@
     </p:spTree>
     <p:extLst>
       <p:ext uri="{BB962C8B-B14F-4D97-AF65-F5344CB8AC3E}">
-        <p14:creationId xmlns:p14="http://schemas.microsoft.com/office/powerpoint/2010/main" val="734081744"/>
+        <p14:creationId xmlns:p14="http://schemas.microsoft.com/office/powerpoint/2010/main" val="1155505288"/>
       </p:ext>
     </p:extLst>
   </p:cSld>
@@ -5737,79 +5711,84 @@
           <a:chExt cx="0" cy="0"/>
         </a:xfrm>
       </p:grpSpPr>
-      <p:sp>
-        <p:nvSpPr>
-          <p:cNvPr id="2" name="Rectangle 1"/>
-          <p:cNvSpPr/>
-          <p:nvPr/>
-        </p:nvSpPr>
-        <p:spPr>
-          <a:xfrm>
-            <a:off x="330105" y="1424701"/>
-            <a:ext cx="4069063" cy="707886"/>
-          </a:xfrm>
-          <a:prstGeom prst="rect">
-            <a:avLst/>
-          </a:prstGeom>
-        </p:spPr>
-        <p:txBody>
-          <a:bodyPr wrap="none">
-            <a:spAutoFit/>
-          </a:bodyPr>
-          <a:lstStyle/>
-          <a:p>
-            <a:r>
-              <a:rPr lang="en-CA" sz="4000" dirty="0" smtClean="0">
-                <a:solidFill>
-                  <a:schemeClr val="accent2">
-                    <a:lumMod val="75000"/>
-                  </a:schemeClr>
-                </a:solidFill>
-              </a:rPr>
-              <a:t>Customize the text</a:t>
-            </a:r>
-          </a:p>
-        </p:txBody>
-      </p:sp>
       <p:pic>
         <p:nvPicPr>
-          <p:cNvPr id="3" name="Image 2"/>
+          <p:cNvPr id="8" name="Image 7"/>
           <p:cNvPicPr>
             <a:picLocks noChangeAspect="1"/>
           </p:cNvPicPr>
           <p:nvPr/>
         </p:nvPicPr>
         <p:blipFill>
-          <a:blip r:embed="rId2"/>
+          <a:blip r:embed="rId2">
+            <a:alphaModFix amt="24000"/>
+            <a:extLst>
+              <a:ext uri="{28A0092B-C50C-407E-A947-70E740481C1C}">
+                <a14:useLocalDpi xmlns:a14="http://schemas.microsoft.com/office/drawing/2010/main" val="0"/>
+              </a:ext>
+            </a:extLst>
+          </a:blip>
           <a:stretch>
             <a:fillRect/>
           </a:stretch>
         </p:blipFill>
         <p:spPr>
           <a:xfrm>
-            <a:off x="5017762" y="160420"/>
-            <a:ext cx="7047281" cy="6633411"/>
+            <a:off x="-2411662" y="16042"/>
+            <a:ext cx="17808514" cy="6858000"/>
           </a:xfrm>
           <a:prstGeom prst="rect">
             <a:avLst/>
           </a:prstGeom>
-          <a:ln w="34925">
+        </p:spPr>
+      </p:pic>
+      <p:cxnSp>
+        <p:nvCxnSpPr>
+          <p:cNvPr id="9" name="Connecteur droit 8"/>
+          <p:cNvCxnSpPr/>
+          <p:nvPr/>
+        </p:nvCxnSpPr>
+        <p:spPr>
+          <a:xfrm>
+            <a:off x="3676696" y="3686627"/>
+            <a:ext cx="4702626" cy="0"/>
+          </a:xfrm>
+          <a:prstGeom prst="line">
+            <a:avLst/>
+          </a:prstGeom>
+          <a:ln>
             <a:solidFill>
-              <a:schemeClr val="tx1"/>
+              <a:schemeClr val="bg2">
+                <a:lumMod val="50000"/>
+              </a:schemeClr>
             </a:solidFill>
           </a:ln>
         </p:spPr>
-      </p:pic>
-      <p:sp>
-        <p:nvSpPr>
-          <p:cNvPr id="4" name="ZoneTexte 3"/>
+        <p:style>
+          <a:lnRef idx="1">
+            <a:schemeClr val="accent1"/>
+          </a:lnRef>
+          <a:fillRef idx="0">
+            <a:schemeClr val="accent1"/>
+          </a:fillRef>
+          <a:effectRef idx="0">
+            <a:schemeClr val="accent1"/>
+          </a:effectRef>
+          <a:fontRef idx="minor">
+            <a:schemeClr val="tx1"/>
+          </a:fontRef>
+        </p:style>
+      </p:cxnSp>
+      <p:sp>
+        <p:nvSpPr>
+          <p:cNvPr id="10" name="ZoneTexte 9"/>
           <p:cNvSpPr txBox="1"/>
           <p:nvPr/>
         </p:nvSpPr>
         <p:spPr>
           <a:xfrm>
-            <a:off x="416762" y="4150895"/>
-            <a:ext cx="3449053" cy="461665"/>
+            <a:off x="3872134" y="2798711"/>
+            <a:ext cx="4507188" cy="646331"/>
           </a:xfrm>
           <a:prstGeom prst="rect">
             <a:avLst/>
@@ -5823,67 +5802,33 @@
           <a:lstStyle/>
           <a:p>
             <a:r>
-              <a:rPr lang="fr-FR" sz="2400" dirty="0" smtClean="0"/>
-              <a:t>R Markdown cheat sheet</a:t>
-            </a:r>
-          </a:p>
-        </p:txBody>
-      </p:sp>
-      <p:sp>
-        <p:nvSpPr>
-          <p:cNvPr id="5" name="Rectangle 4">
-            <a:hlinkClick r:id="rId3"/>
-          </p:cNvPr>
-          <p:cNvSpPr/>
-          <p:nvPr/>
-        </p:nvSpPr>
-        <p:spPr>
-          <a:xfrm>
-            <a:off x="937642" y="4855646"/>
-            <a:ext cx="1565365" cy="369332"/>
-          </a:xfrm>
-          <a:prstGeom prst="rect">
-            <a:avLst/>
-          </a:prstGeom>
-          <a:ln>
-            <a:solidFill>
-              <a:schemeClr val="accent1"/>
-            </a:solidFill>
-          </a:ln>
-        </p:spPr>
-        <p:txBody>
-          <a:bodyPr wrap="none">
-            <a:spAutoFit/>
-          </a:bodyPr>
-          <a:lstStyle/>
-          <a:p>
-            <a:r>
-              <a:rPr lang="fr-FR" dirty="0" err="1">
-                <a:solidFill>
-                  <a:schemeClr val="accent1">
-                    <a:lumMod val="75000"/>
-                  </a:schemeClr>
-                </a:solidFill>
-              </a:rPr>
-              <a:t>bit.ly</a:t>
-            </a:r>
-            <a:r>
-              <a:rPr lang="fr-FR" dirty="0">
-                <a:solidFill>
-                  <a:schemeClr val="accent1">
-                    <a:lumMod val="75000"/>
-                  </a:schemeClr>
-                </a:solidFill>
-              </a:rPr>
-              <a:t>/1SuNTo9</a:t>
-            </a:r>
+              <a:rPr lang="fr-FR" sz="3600" dirty="0" err="1" smtClean="0"/>
+              <a:t>Always</a:t>
+            </a:r>
+            <a:r>
+              <a:rPr lang="fr-FR" sz="3600" dirty="0" smtClean="0"/>
+              <a:t> </a:t>
+            </a:r>
+            <a:r>
+              <a:rPr lang="fr-FR" sz="3600" dirty="0" err="1" smtClean="0"/>
+              <a:t>add</a:t>
+            </a:r>
+            <a:r>
+              <a:rPr lang="fr-FR" sz="3600" dirty="0" smtClean="0"/>
+              <a:t> a </a:t>
+            </a:r>
+            <a:r>
+              <a:rPr lang="fr-FR" sz="3600" dirty="0" err="1" smtClean="0"/>
+              <a:t>readMe</a:t>
+            </a:r>
+            <a:endParaRPr lang="fr-FR" sz="3600" dirty="0"/>
           </a:p>
         </p:txBody>
       </p:sp>
     </p:spTree>
     <p:extLst>
       <p:ext uri="{BB962C8B-B14F-4D97-AF65-F5344CB8AC3E}">
-        <p14:creationId xmlns:p14="http://schemas.microsoft.com/office/powerpoint/2010/main" val="1371178239"/>
+        <p14:creationId xmlns:p14="http://schemas.microsoft.com/office/powerpoint/2010/main" val="1795235846"/>
       </p:ext>
     </p:extLst>
   </p:cSld>
@@ -5993,7 +5938,7 @@
         </p:nvSpPr>
         <p:spPr>
           <a:xfrm>
-            <a:off x="3850867" y="2831940"/>
+            <a:off x="4553850" y="2798711"/>
             <a:ext cx="4814161" cy="646331"/>
           </a:xfrm>
           <a:prstGeom prst="rect">
@@ -6008,16 +5953,12 @@
           <a:lstStyle/>
           <a:p>
             <a:r>
+              <a:rPr lang="fr-FR" sz="3600" dirty="0" err="1" smtClean="0"/>
+              <a:t>Your</a:t>
+            </a:r>
+            <a:r>
               <a:rPr lang="fr-FR" sz="3600" dirty="0" smtClean="0"/>
-              <a:t>Code </a:t>
-            </a:r>
-            <a:r>
-              <a:rPr lang="fr-FR" sz="3600" dirty="0" err="1" smtClean="0"/>
-              <a:t>chunk</a:t>
-            </a:r>
-            <a:r>
-              <a:rPr lang="fr-FR" sz="3600" dirty="0" smtClean="0"/>
-              <a:t> options</a:t>
+              <a:t> first issue</a:t>
             </a:r>
             <a:endParaRPr lang="fr-FR" sz="3600" dirty="0"/>
           </a:p>
@@ -6026,7 +5967,7 @@
     </p:spTree>
     <p:extLst>
       <p:ext uri="{BB962C8B-B14F-4D97-AF65-F5344CB8AC3E}">
-        <p14:creationId xmlns:p14="http://schemas.microsoft.com/office/powerpoint/2010/main" val="689489263"/>
+        <p14:creationId xmlns:p14="http://schemas.microsoft.com/office/powerpoint/2010/main" val="734081744"/>
       </p:ext>
     </p:extLst>
   </p:cSld>
@@ -6062,89 +6003,55 @@
       </p:grpSpPr>
       <p:pic>
         <p:nvPicPr>
-          <p:cNvPr id="4" name="Image 3"/>
+          <p:cNvPr id="8" name="Image 7"/>
           <p:cNvPicPr>
             <a:picLocks noChangeAspect="1"/>
           </p:cNvPicPr>
           <p:nvPr/>
         </p:nvPicPr>
         <p:blipFill>
-          <a:blip r:embed="rId2"/>
+          <a:blip r:embed="rId2">
+            <a:alphaModFix amt="24000"/>
+            <a:extLst>
+              <a:ext uri="{28A0092B-C50C-407E-A947-70E740481C1C}">
+                <a14:useLocalDpi xmlns:a14="http://schemas.microsoft.com/office/drawing/2010/main" val="0"/>
+              </a:ext>
+            </a:extLst>
+          </a:blip>
           <a:stretch>
             <a:fillRect/>
           </a:stretch>
         </p:blipFill>
         <p:spPr>
           <a:xfrm>
-            <a:off x="410409" y="2422358"/>
-            <a:ext cx="10067886" cy="3545306"/>
+            <a:off x="-2411662" y="16042"/>
+            <a:ext cx="17808514" cy="6858000"/>
           </a:xfrm>
           <a:prstGeom prst="rect">
             <a:avLst/>
           </a:prstGeom>
         </p:spPr>
       </p:pic>
-      <p:sp>
-        <p:nvSpPr>
-          <p:cNvPr id="3" name="ZoneTexte 2"/>
-          <p:cNvSpPr txBox="1"/>
-          <p:nvPr/>
-        </p:nvSpPr>
-        <p:spPr>
-          <a:xfrm>
-            <a:off x="145140" y="109331"/>
-            <a:ext cx="9506859" cy="769441"/>
-          </a:xfrm>
-          <a:prstGeom prst="rect">
-            <a:avLst/>
-          </a:prstGeom>
-          <a:noFill/>
-        </p:spPr>
-        <p:txBody>
-          <a:bodyPr wrap="square" rtlCol="0">
-            <a:spAutoFit/>
-          </a:bodyPr>
-          <a:lstStyle/>
-          <a:p>
-            <a:r>
-              <a:rPr lang="en-CA" sz="4400" dirty="0" smtClean="0">
-                <a:solidFill>
-                  <a:schemeClr val="accent2">
-                    <a:lumMod val="75000"/>
-                  </a:schemeClr>
-                </a:solidFill>
-              </a:rPr>
-              <a:t>Anatomy of a Code chunk:</a:t>
-            </a:r>
-            <a:endParaRPr lang="en-CA" sz="4400" dirty="0">
-              <a:solidFill>
-                <a:schemeClr val="accent2">
-                  <a:lumMod val="75000"/>
-                </a:schemeClr>
-              </a:solidFill>
-            </a:endParaRPr>
-          </a:p>
-        </p:txBody>
-      </p:sp>
       <p:cxnSp>
         <p:nvCxnSpPr>
-          <p:cNvPr id="9" name="Connecteur droit avec flèche 8"/>
+          <p:cNvPr id="9" name="Connecteur droit 8"/>
           <p:cNvCxnSpPr/>
           <p:nvPr/>
         </p:nvCxnSpPr>
         <p:spPr>
           <a:xfrm>
-            <a:off x="1320414" y="2171996"/>
-            <a:ext cx="682362" cy="597772"/>
-          </a:xfrm>
-          <a:prstGeom prst="straightConnector1">
-            <a:avLst/>
-          </a:prstGeom>
-          <a:ln w="50800">
+            <a:off x="3676696" y="3686627"/>
+            <a:ext cx="4702626" cy="0"/>
+          </a:xfrm>
+          <a:prstGeom prst="line">
+            <a:avLst/>
+          </a:prstGeom>
+          <a:ln>
             <a:solidFill>
-              <a:srgbClr val="FF0000"/>
+              <a:schemeClr val="bg2">
+                <a:lumMod val="50000"/>
+              </a:schemeClr>
             </a:solidFill>
-            <a:tailEnd type="triangle"/>
           </a:ln>
         </p:spPr>
         <p:style>
@@ -6164,14 +6071,14 @@
       </p:cxnSp>
       <p:sp>
         <p:nvSpPr>
-          <p:cNvPr id="13" name="ZoneTexte 12"/>
+          <p:cNvPr id="10" name="ZoneTexte 9"/>
           <p:cNvSpPr txBox="1"/>
           <p:nvPr/>
         </p:nvSpPr>
         <p:spPr>
           <a:xfrm>
-            <a:off x="1757371" y="1353996"/>
-            <a:ext cx="1675257" cy="707886"/>
+            <a:off x="3485073" y="2798711"/>
+            <a:ext cx="5365354" cy="646331"/>
           </a:xfrm>
           <a:prstGeom prst="rect">
             <a:avLst/>
@@ -6185,516 +6092,25 @@
           <a:lstStyle/>
           <a:p>
             <a:r>
-              <a:rPr lang="fr-FR" sz="2000" b="1" dirty="0" err="1" smtClean="0">
-                <a:solidFill>
-                  <a:srgbClr val="FF0000"/>
-                </a:solidFill>
-              </a:rPr>
-              <a:t>Optional</a:t>
-            </a:r>
-            <a:r>
-              <a:rPr lang="fr-FR" sz="2000" b="1" dirty="0" smtClean="0">
-                <a:solidFill>
-                  <a:srgbClr val="FF0000"/>
-                </a:solidFill>
-              </a:rPr>
-              <a:t>: </a:t>
-            </a:r>
-            <a:r>
-              <a:rPr lang="fr-FR" sz="2000" b="1" dirty="0" err="1" smtClean="0">
-                <a:solidFill>
-                  <a:srgbClr val="FF0000"/>
-                </a:solidFill>
-              </a:rPr>
-              <a:t>chunk</a:t>
-            </a:r>
-            <a:r>
-              <a:rPr lang="fr-FR" sz="2000" b="1" dirty="0" smtClean="0">
-                <a:solidFill>
-                  <a:srgbClr val="FF0000"/>
-                </a:solidFill>
-              </a:rPr>
-              <a:t> </a:t>
-            </a:r>
-            <a:r>
-              <a:rPr lang="fr-FR" sz="2000" b="1" dirty="0" err="1" smtClean="0">
-                <a:solidFill>
-                  <a:srgbClr val="FF0000"/>
-                </a:solidFill>
-              </a:rPr>
-              <a:t>name</a:t>
-            </a:r>
-            <a:endParaRPr lang="fr-FR" sz="2000" b="1" dirty="0" smtClean="0">
-              <a:solidFill>
-                <a:srgbClr val="FF0000"/>
-              </a:solidFill>
-            </a:endParaRPr>
-          </a:p>
-        </p:txBody>
-      </p:sp>
-      <p:sp>
-        <p:nvSpPr>
-          <p:cNvPr id="16" name="ZoneTexte 15"/>
-          <p:cNvSpPr txBox="1"/>
-          <p:nvPr/>
-        </p:nvSpPr>
-        <p:spPr>
-          <a:xfrm>
-            <a:off x="270229" y="1701406"/>
-            <a:ext cx="1171074" cy="707886"/>
-          </a:xfrm>
-          <a:prstGeom prst="rect">
-            <a:avLst/>
-          </a:prstGeom>
-          <a:noFill/>
-        </p:spPr>
-        <p:txBody>
-          <a:bodyPr wrap="square" rtlCol="0">
-            <a:spAutoFit/>
-          </a:bodyPr>
-          <a:lstStyle/>
-          <a:p>
-            <a:r>
-              <a:rPr lang="fr-FR" sz="2000" b="1" dirty="0" smtClean="0">
-                <a:solidFill>
-                  <a:srgbClr val="FF0000"/>
-                </a:solidFill>
-              </a:rPr>
-              <a:t>R, </a:t>
-            </a:r>
-            <a:r>
-              <a:rPr lang="fr-FR" sz="2000" b="1" dirty="0" err="1" smtClean="0">
-                <a:solidFill>
-                  <a:srgbClr val="FF0000"/>
-                </a:solidFill>
-              </a:rPr>
-              <a:t>bash</a:t>
-            </a:r>
-            <a:r>
-              <a:rPr lang="fr-FR" sz="2000" b="1" dirty="0" smtClean="0">
-                <a:solidFill>
-                  <a:srgbClr val="FF0000"/>
-                </a:solidFill>
-              </a:rPr>
-              <a:t>, python?</a:t>
-            </a:r>
-          </a:p>
-        </p:txBody>
-      </p:sp>
-      <p:cxnSp>
-        <p:nvCxnSpPr>
-          <p:cNvPr id="17" name="Connecteur droit avec flèche 16"/>
-          <p:cNvCxnSpPr/>
-          <p:nvPr/>
-        </p:nvCxnSpPr>
-        <p:spPr>
-          <a:xfrm>
-            <a:off x="2351308" y="2221001"/>
-            <a:ext cx="6676" cy="519136"/>
-          </a:xfrm>
-          <a:prstGeom prst="straightConnector1">
-            <a:avLst/>
-          </a:prstGeom>
-          <a:ln w="50800">
-            <a:solidFill>
-              <a:srgbClr val="FF0000"/>
-            </a:solidFill>
-            <a:tailEnd type="triangle"/>
-          </a:ln>
-        </p:spPr>
-        <p:style>
-          <a:lnRef idx="1">
-            <a:schemeClr val="accent1"/>
-          </a:lnRef>
-          <a:fillRef idx="0">
-            <a:schemeClr val="accent1"/>
-          </a:fillRef>
-          <a:effectRef idx="0">
-            <a:schemeClr val="accent1"/>
-          </a:effectRef>
-          <a:fontRef idx="minor">
-            <a:schemeClr val="tx1"/>
-          </a:fontRef>
-        </p:style>
-      </p:cxnSp>
-      <p:sp>
-        <p:nvSpPr>
-          <p:cNvPr id="19" name="ZoneTexte 18"/>
-          <p:cNvSpPr txBox="1"/>
-          <p:nvPr/>
-        </p:nvSpPr>
-        <p:spPr>
-          <a:xfrm>
-            <a:off x="3769095" y="1347463"/>
-            <a:ext cx="1675257" cy="707886"/>
-          </a:xfrm>
-          <a:prstGeom prst="rect">
-            <a:avLst/>
-          </a:prstGeom>
-          <a:noFill/>
-        </p:spPr>
-        <p:txBody>
-          <a:bodyPr wrap="square" rtlCol="0">
-            <a:spAutoFit/>
-          </a:bodyPr>
-          <a:lstStyle/>
-          <a:p>
-            <a:r>
-              <a:rPr lang="fr-FR" sz="2000" b="1" dirty="0" err="1" smtClean="0">
-                <a:solidFill>
-                  <a:srgbClr val="FF0000"/>
-                </a:solidFill>
-              </a:rPr>
-              <a:t>Chunk</a:t>
-            </a:r>
-            <a:r>
-              <a:rPr lang="fr-FR" sz="2000" b="1" dirty="0" smtClean="0">
-                <a:solidFill>
-                  <a:srgbClr val="FF0000"/>
-                </a:solidFill>
-              </a:rPr>
-              <a:t> options</a:t>
-            </a:r>
-          </a:p>
-        </p:txBody>
-      </p:sp>
-      <p:cxnSp>
-        <p:nvCxnSpPr>
-          <p:cNvPr id="20" name="Connecteur droit avec flèche 19"/>
-          <p:cNvCxnSpPr/>
-          <p:nvPr/>
-        </p:nvCxnSpPr>
-        <p:spPr>
-          <a:xfrm>
-            <a:off x="4252297" y="2104418"/>
-            <a:ext cx="6676" cy="519136"/>
-          </a:xfrm>
-          <a:prstGeom prst="straightConnector1">
-            <a:avLst/>
-          </a:prstGeom>
-          <a:ln w="50800">
-            <a:solidFill>
-              <a:srgbClr val="FF0000"/>
-            </a:solidFill>
-            <a:tailEnd type="triangle"/>
-          </a:ln>
-        </p:spPr>
-        <p:style>
-          <a:lnRef idx="1">
-            <a:schemeClr val="accent1"/>
-          </a:lnRef>
-          <a:fillRef idx="0">
-            <a:schemeClr val="accent1"/>
-          </a:fillRef>
-          <a:effectRef idx="0">
-            <a:schemeClr val="accent1"/>
-          </a:effectRef>
-          <a:fontRef idx="minor">
-            <a:schemeClr val="tx1"/>
-          </a:fontRef>
-        </p:style>
-      </p:cxnSp>
-      <p:cxnSp>
-        <p:nvCxnSpPr>
-          <p:cNvPr id="21" name="Connecteur droit avec flèche 20"/>
-          <p:cNvCxnSpPr/>
-          <p:nvPr/>
-        </p:nvCxnSpPr>
-        <p:spPr>
-          <a:xfrm>
-            <a:off x="9645323" y="2051269"/>
-            <a:ext cx="6676" cy="519136"/>
-          </a:xfrm>
-          <a:prstGeom prst="straightConnector1">
-            <a:avLst/>
-          </a:prstGeom>
-          <a:ln w="50800">
-            <a:solidFill>
-              <a:srgbClr val="FF0000"/>
-            </a:solidFill>
-            <a:tailEnd type="triangle"/>
-          </a:ln>
-        </p:spPr>
-        <p:style>
-          <a:lnRef idx="1">
-            <a:schemeClr val="accent1"/>
-          </a:lnRef>
-          <a:fillRef idx="0">
-            <a:schemeClr val="accent1"/>
-          </a:fillRef>
-          <a:effectRef idx="0">
-            <a:schemeClr val="accent1"/>
-          </a:effectRef>
-          <a:fontRef idx="minor">
-            <a:schemeClr val="tx1"/>
-          </a:fontRef>
-        </p:style>
-      </p:cxnSp>
-      <p:cxnSp>
-        <p:nvCxnSpPr>
-          <p:cNvPr id="22" name="Connecteur droit avec flèche 21"/>
-          <p:cNvCxnSpPr/>
-          <p:nvPr/>
-        </p:nvCxnSpPr>
-        <p:spPr>
-          <a:xfrm flipH="1">
-            <a:off x="10213472" y="2112336"/>
-            <a:ext cx="548873" cy="511218"/>
-          </a:xfrm>
-          <a:prstGeom prst="straightConnector1">
-            <a:avLst/>
-          </a:prstGeom>
-          <a:ln w="50800">
-            <a:solidFill>
-              <a:srgbClr val="FF0000"/>
-            </a:solidFill>
-            <a:tailEnd type="triangle"/>
-          </a:ln>
-        </p:spPr>
-        <p:style>
-          <a:lnRef idx="1">
-            <a:schemeClr val="accent1"/>
-          </a:lnRef>
-          <a:fillRef idx="0">
-            <a:schemeClr val="accent1"/>
-          </a:fillRef>
-          <a:effectRef idx="0">
-            <a:schemeClr val="accent1"/>
-          </a:effectRef>
-          <a:fontRef idx="minor">
-            <a:schemeClr val="tx1"/>
-          </a:fontRef>
-        </p:style>
-      </p:cxnSp>
-      <p:sp>
-        <p:nvSpPr>
-          <p:cNvPr id="25" name="ZoneTexte 24"/>
-          <p:cNvSpPr txBox="1"/>
-          <p:nvPr/>
-        </p:nvSpPr>
-        <p:spPr>
-          <a:xfrm>
-            <a:off x="8974791" y="901167"/>
-            <a:ext cx="1179862" cy="1015663"/>
-          </a:xfrm>
-          <a:prstGeom prst="rect">
-            <a:avLst/>
-          </a:prstGeom>
-          <a:noFill/>
-        </p:spPr>
-        <p:txBody>
-          <a:bodyPr wrap="square" rtlCol="0">
-            <a:spAutoFit/>
-          </a:bodyPr>
-          <a:lstStyle/>
-          <a:p>
-            <a:r>
-              <a:rPr lang="fr-FR" sz="2000" b="1" dirty="0" err="1" smtClean="0">
-                <a:solidFill>
-                  <a:srgbClr val="FF0000"/>
-                </a:solidFill>
-              </a:rPr>
-              <a:t>Run</a:t>
-            </a:r>
-            <a:r>
-              <a:rPr lang="fr-FR" sz="2000" b="1" dirty="0" smtClean="0">
-                <a:solidFill>
-                  <a:srgbClr val="FF0000"/>
-                </a:solidFill>
-              </a:rPr>
-              <a:t> all </a:t>
-            </a:r>
-            <a:r>
-              <a:rPr lang="fr-FR" sz="2000" b="1" dirty="0" err="1" smtClean="0">
-                <a:solidFill>
-                  <a:srgbClr val="FF0000"/>
-                </a:solidFill>
-              </a:rPr>
-              <a:t>previous</a:t>
-            </a:r>
-            <a:r>
-              <a:rPr lang="fr-FR" sz="2000" b="1" dirty="0" smtClean="0">
-                <a:solidFill>
-                  <a:srgbClr val="FF0000"/>
-                </a:solidFill>
-              </a:rPr>
-              <a:t> </a:t>
-            </a:r>
-            <a:r>
-              <a:rPr lang="fr-FR" sz="2000" b="1" dirty="0" err="1" smtClean="0">
-                <a:solidFill>
-                  <a:srgbClr val="FF0000"/>
-                </a:solidFill>
-              </a:rPr>
-              <a:t>chunks</a:t>
-            </a:r>
-            <a:endParaRPr lang="fr-FR" sz="2000" b="1" dirty="0" smtClean="0">
-              <a:solidFill>
-                <a:srgbClr val="FF0000"/>
-              </a:solidFill>
-            </a:endParaRPr>
-          </a:p>
-        </p:txBody>
-      </p:sp>
-      <p:sp>
-        <p:nvSpPr>
-          <p:cNvPr id="26" name="ZoneTexte 25"/>
-          <p:cNvSpPr txBox="1"/>
-          <p:nvPr/>
-        </p:nvSpPr>
-        <p:spPr>
-          <a:xfrm>
-            <a:off x="10762345" y="1065164"/>
-            <a:ext cx="1179862" cy="707886"/>
-          </a:xfrm>
-          <a:prstGeom prst="rect">
-            <a:avLst/>
-          </a:prstGeom>
-          <a:noFill/>
-        </p:spPr>
-        <p:txBody>
-          <a:bodyPr wrap="square" rtlCol="0">
-            <a:spAutoFit/>
-          </a:bodyPr>
-          <a:lstStyle/>
-          <a:p>
-            <a:r>
-              <a:rPr lang="fr-FR" sz="2000" b="1" dirty="0" err="1" smtClean="0">
-                <a:solidFill>
-                  <a:srgbClr val="FF0000"/>
-                </a:solidFill>
-              </a:rPr>
-              <a:t>Run</a:t>
-            </a:r>
-            <a:r>
-              <a:rPr lang="fr-FR" sz="2000" b="1" dirty="0" smtClean="0">
-                <a:solidFill>
-                  <a:srgbClr val="FF0000"/>
-                </a:solidFill>
-              </a:rPr>
-              <a:t> </a:t>
-            </a:r>
-            <a:r>
-              <a:rPr lang="fr-FR" sz="2000" b="1" dirty="0" err="1" smtClean="0">
-                <a:solidFill>
-                  <a:srgbClr val="FF0000"/>
-                </a:solidFill>
-              </a:rPr>
-              <a:t>this</a:t>
-            </a:r>
-            <a:r>
-              <a:rPr lang="fr-FR" sz="2000" b="1" dirty="0" smtClean="0">
-                <a:solidFill>
-                  <a:srgbClr val="FF0000"/>
-                </a:solidFill>
-              </a:rPr>
-              <a:t> </a:t>
-            </a:r>
-            <a:r>
-              <a:rPr lang="fr-FR" sz="2000" b="1" dirty="0" err="1" smtClean="0">
-                <a:solidFill>
-                  <a:srgbClr val="FF0000"/>
-                </a:solidFill>
-              </a:rPr>
-              <a:t>chunk</a:t>
-            </a:r>
-            <a:endParaRPr lang="fr-FR" sz="2000" b="1" dirty="0" smtClean="0">
-              <a:solidFill>
-                <a:srgbClr val="FF0000"/>
-              </a:solidFill>
-            </a:endParaRPr>
-          </a:p>
-        </p:txBody>
-      </p:sp>
-      <p:cxnSp>
-        <p:nvCxnSpPr>
-          <p:cNvPr id="27" name="Connecteur droit avec flèche 26"/>
-          <p:cNvCxnSpPr/>
-          <p:nvPr/>
-        </p:nvCxnSpPr>
-        <p:spPr>
-          <a:xfrm flipH="1" flipV="1">
-            <a:off x="3915429" y="3419240"/>
-            <a:ext cx="673735" cy="179695"/>
-          </a:xfrm>
-          <a:prstGeom prst="straightConnector1">
-            <a:avLst/>
-          </a:prstGeom>
-          <a:ln w="50800">
-            <a:solidFill>
-              <a:srgbClr val="FF0000"/>
-            </a:solidFill>
-            <a:tailEnd type="triangle"/>
-          </a:ln>
-        </p:spPr>
-        <p:style>
-          <a:lnRef idx="1">
-            <a:schemeClr val="accent1"/>
-          </a:lnRef>
-          <a:fillRef idx="0">
-            <a:schemeClr val="accent1"/>
-          </a:fillRef>
-          <a:effectRef idx="0">
-            <a:schemeClr val="accent1"/>
-          </a:effectRef>
-          <a:fontRef idx="minor">
-            <a:schemeClr val="tx1"/>
-          </a:fontRef>
-        </p:style>
-      </p:cxnSp>
-      <p:sp>
-        <p:nvSpPr>
-          <p:cNvPr id="29" name="ZoneTexte 28"/>
-          <p:cNvSpPr txBox="1"/>
-          <p:nvPr/>
-        </p:nvSpPr>
-        <p:spPr>
-          <a:xfrm>
-            <a:off x="5001702" y="3487125"/>
-            <a:ext cx="2345582" cy="400110"/>
-          </a:xfrm>
-          <a:prstGeom prst="rect">
-            <a:avLst/>
-          </a:prstGeom>
-          <a:noFill/>
-        </p:spPr>
-        <p:txBody>
-          <a:bodyPr wrap="square" rtlCol="0">
-            <a:spAutoFit/>
-          </a:bodyPr>
-          <a:lstStyle/>
-          <a:p>
-            <a:r>
-              <a:rPr lang="fr-FR" sz="2000" b="1" dirty="0" smtClean="0">
-                <a:solidFill>
-                  <a:srgbClr val="FF0000"/>
-                </a:solidFill>
-              </a:rPr>
-              <a:t>Comment </a:t>
-            </a:r>
-            <a:r>
-              <a:rPr lang="fr-FR" sz="2000" b="1" dirty="0" err="1" smtClean="0">
-                <a:solidFill>
-                  <a:srgbClr val="FF0000"/>
-                </a:solidFill>
-              </a:rPr>
+              <a:rPr lang="fr-FR" sz="3600" dirty="0" smtClean="0"/>
+              <a:t>Store </a:t>
+            </a:r>
+            <a:r>
+              <a:rPr lang="fr-FR" sz="3600" dirty="0" err="1" smtClean="0"/>
               <a:t>your</a:t>
             </a:r>
             <a:r>
-              <a:rPr lang="fr-FR" sz="2000" b="1" dirty="0" smtClean="0">
-                <a:solidFill>
-                  <a:srgbClr val="FF0000"/>
-                </a:solidFill>
-              </a:rPr>
-              <a:t> code</a:t>
-            </a:r>
+              <a:rPr lang="fr-FR" sz="3600" dirty="0" smtClean="0"/>
+              <a:t> .html file online</a:t>
+            </a:r>
+            <a:endParaRPr lang="fr-FR" sz="3600" dirty="0"/>
           </a:p>
         </p:txBody>
       </p:sp>
     </p:spTree>
     <p:extLst>
       <p:ext uri="{BB962C8B-B14F-4D97-AF65-F5344CB8AC3E}">
-        <p14:creationId xmlns:p14="http://schemas.microsoft.com/office/powerpoint/2010/main" val="33611226"/>
+        <p14:creationId xmlns:p14="http://schemas.microsoft.com/office/powerpoint/2010/main" val="2022577371"/>
       </p:ext>
     </p:extLst>
   </p:cSld>
@@ -6728,16 +6144,84 @@
           <a:chExt cx="0" cy="0"/>
         </a:xfrm>
       </p:grpSpPr>
-      <p:sp>
-        <p:nvSpPr>
-          <p:cNvPr id="2" name="ZoneTexte 1"/>
+      <p:pic>
+        <p:nvPicPr>
+          <p:cNvPr id="8" name="Image 7"/>
+          <p:cNvPicPr>
+            <a:picLocks noChangeAspect="1"/>
+          </p:cNvPicPr>
+          <p:nvPr/>
+        </p:nvPicPr>
+        <p:blipFill>
+          <a:blip r:embed="rId3">
+            <a:alphaModFix amt="24000"/>
+            <a:extLst>
+              <a:ext uri="{28A0092B-C50C-407E-A947-70E740481C1C}">
+                <a14:useLocalDpi xmlns:a14="http://schemas.microsoft.com/office/drawing/2010/main" val="0"/>
+              </a:ext>
+            </a:extLst>
+          </a:blip>
+          <a:stretch>
+            <a:fillRect/>
+          </a:stretch>
+        </p:blipFill>
+        <p:spPr>
+          <a:xfrm>
+            <a:off x="-2411662" y="16042"/>
+            <a:ext cx="17808514" cy="6858000"/>
+          </a:xfrm>
+          <a:prstGeom prst="rect">
+            <a:avLst/>
+          </a:prstGeom>
+        </p:spPr>
+      </p:pic>
+      <p:cxnSp>
+        <p:nvCxnSpPr>
+          <p:cNvPr id="9" name="Connecteur droit 8"/>
+          <p:cNvCxnSpPr/>
+          <p:nvPr/>
+        </p:nvCxnSpPr>
+        <p:spPr>
+          <a:xfrm>
+            <a:off x="3837117" y="1809700"/>
+            <a:ext cx="4702626" cy="0"/>
+          </a:xfrm>
+          <a:prstGeom prst="line">
+            <a:avLst/>
+          </a:prstGeom>
+          <a:ln>
+            <a:solidFill>
+              <a:schemeClr val="bg2">
+                <a:lumMod val="50000"/>
+              </a:schemeClr>
+            </a:solidFill>
+          </a:ln>
+        </p:spPr>
+        <p:style>
+          <a:lnRef idx="1">
+            <a:schemeClr val="accent1"/>
+          </a:lnRef>
+          <a:fillRef idx="0">
+            <a:schemeClr val="accent1"/>
+          </a:fillRef>
+          <a:effectRef idx="0">
+            <a:schemeClr val="accent1"/>
+          </a:effectRef>
+          <a:fontRef idx="minor">
+            <a:schemeClr val="tx1"/>
+          </a:fontRef>
+        </p:style>
+      </p:cxnSp>
+      <p:sp>
+        <p:nvSpPr>
+          <p:cNvPr id="10" name="ZoneTexte 9"/>
           <p:cNvSpPr txBox="1"/>
           <p:nvPr/>
         </p:nvSpPr>
         <p:spPr>
           <a:xfrm>
-            <a:off x="145140" y="109331"/>
-            <a:ext cx="9506859" cy="769441"/>
+            <a:off x="4969231" y="921784"/>
+            <a:ext cx="4814161" cy="646331"/>
           </a:xfrm>
           <a:prstGeom prst="rect">
             <a:avLst/>
@@ -6751,18 +6235,74 @@
           <a:lstStyle/>
           <a:p>
             <a:r>
-              <a:rPr lang="en-CA" sz="4400" dirty="0" smtClean="0">
+              <a:rPr lang="fr-FR" sz="3600" dirty="0" err="1" smtClean="0"/>
+              <a:t>Thanks</a:t>
+            </a:r>
+            <a:endParaRPr lang="fr-FR" sz="3600" dirty="0"/>
+          </a:p>
+        </p:txBody>
+      </p:sp>
+      <p:sp>
+        <p:nvSpPr>
+          <p:cNvPr id="5" name="Rectangle 4">
+            <a:hlinkClick r:id="rId4"/>
+          </p:cNvPr>
+          <p:cNvSpPr/>
+          <p:nvPr/>
+        </p:nvSpPr>
+        <p:spPr>
+          <a:xfrm>
+            <a:off x="3839643" y="3514793"/>
+            <a:ext cx="1943481" cy="369332"/>
+          </a:xfrm>
+          <a:prstGeom prst="rect">
+            <a:avLst/>
+          </a:prstGeom>
+          <a:ln>
+            <a:solidFill>
+              <a:schemeClr val="accent1"/>
+            </a:solidFill>
+          </a:ln>
+        </p:spPr>
+        <p:txBody>
+          <a:bodyPr wrap="none">
+            <a:spAutoFit/>
+          </a:bodyPr>
+          <a:lstStyle/>
+          <a:p>
+            <a:r>
+              <a:rPr lang="en-AU" dirty="0" smtClean="0">
                 <a:solidFill>
-                  <a:schemeClr val="accent2">
+                  <a:schemeClr val="accent1">
                     <a:lumMod val="75000"/>
                   </a:schemeClr>
                 </a:solidFill>
               </a:rPr>
-              <a:t>Code chunk options:</a:t>
-            </a:r>
-            <a:endParaRPr lang="en-CA" sz="4400" dirty="0">
+              <a:t>Yan-</a:t>
+            </a:r>
+            <a:r>
+              <a:rPr lang="en-AU" dirty="0" err="1" smtClean="0">
+                <a:solidFill>
+                  <a:schemeClr val="accent1">
+                    <a:lumMod val="75000"/>
+                  </a:schemeClr>
+                </a:solidFill>
+              </a:rPr>
+              <a:t>holtz</a:t>
+            </a:r>
+            <a:r>
+              <a:rPr lang="en-AU" dirty="0" smtClean="0">
+                <a:solidFill>
+                  <a:schemeClr val="accent1">
+                    <a:lumMod val="75000"/>
+                  </a:schemeClr>
+                </a:solidFill>
+              </a:rPr>
+              <a:t>/teaching</a:t>
+            </a:r>
+            <a:endParaRPr lang="en-AU" dirty="0">
               <a:solidFill>
-                <a:schemeClr val="accent2">
+                <a:schemeClr val="accent1">
                   <a:lumMod val="75000"/>
                 </a:schemeClr>
               </a:solidFill>
@@ -6770,77 +6310,164 @@
           </a:p>
         </p:txBody>
       </p:sp>
+      <p:sp>
+        <p:nvSpPr>
+          <p:cNvPr id="2" name="Rectangle 1"/>
+          <p:cNvSpPr/>
+          <p:nvPr/>
+        </p:nvSpPr>
+        <p:spPr>
+          <a:xfrm>
+            <a:off x="2423024" y="3437849"/>
+            <a:ext cx="1117614" cy="523220"/>
+          </a:xfrm>
+          <a:prstGeom prst="rect">
+            <a:avLst/>
+          </a:prstGeom>
+        </p:spPr>
+        <p:txBody>
+          <a:bodyPr wrap="none">
+            <a:spAutoFit/>
+          </a:bodyPr>
+          <a:lstStyle/>
+          <a:p>
+            <a:r>
+              <a:rPr lang="fr-FR" sz="2800" dirty="0" smtClean="0"/>
+              <a:t>Slides:</a:t>
+            </a:r>
+            <a:endParaRPr lang="fr-FR" sz="2800" dirty="0"/>
+          </a:p>
+        </p:txBody>
+      </p:sp>
+      <p:sp>
+        <p:nvSpPr>
+          <p:cNvPr id="11" name="Rectangle 10"/>
+          <p:cNvSpPr/>
+          <p:nvPr/>
+        </p:nvSpPr>
+        <p:spPr>
+          <a:xfrm>
+            <a:off x="2258951" y="4267056"/>
+            <a:ext cx="1385917" cy="523220"/>
+          </a:xfrm>
+          <a:prstGeom prst="rect">
+            <a:avLst/>
+          </a:prstGeom>
+        </p:spPr>
+        <p:txBody>
+          <a:bodyPr wrap="square">
+            <a:spAutoFit/>
+          </a:bodyPr>
+          <a:lstStyle/>
+          <a:p>
+            <a:r>
+              <a:rPr lang="fr-FR" sz="2800" smtClean="0"/>
+              <a:t>Github:</a:t>
+            </a:r>
+            <a:endParaRPr lang="fr-FR" sz="2800" dirty="0"/>
+          </a:p>
+        </p:txBody>
+      </p:sp>
+      <p:sp>
+        <p:nvSpPr>
+          <p:cNvPr id="14" name="TextBox 6"/>
+          <p:cNvSpPr txBox="1"/>
+          <p:nvPr/>
+        </p:nvSpPr>
+        <p:spPr>
+          <a:xfrm>
+            <a:off x="7703068" y="2759996"/>
+            <a:ext cx="3485856" cy="1200329"/>
+          </a:xfrm>
+          <a:prstGeom prst="rect">
+            <a:avLst/>
+          </a:prstGeom>
+          <a:noFill/>
+        </p:spPr>
+        <p:txBody>
+          <a:bodyPr wrap="square" rtlCol="0">
+            <a:spAutoFit/>
+          </a:bodyPr>
+          <a:lstStyle/>
+          <a:p>
+            <a:r>
+              <a:rPr lang="en-US" sz="2400" dirty="0" smtClean="0">
+                <a:hlinkClick r:id="rId5"/>
+              </a:rPr>
+              <a:t>Yan.holtz.data@gmail.com</a:t>
+            </a:r>
+            <a:endParaRPr lang="en-US" sz="2400" dirty="0" smtClean="0"/>
+          </a:p>
+          <a:p>
+            <a:endParaRPr lang="en-US" sz="2400" dirty="0"/>
+          </a:p>
+          <a:p>
+            <a:r>
+              <a:rPr lang="en-US" sz="2400" dirty="0" err="1" smtClean="0"/>
+              <a:t>www.yan-holtz.com</a:t>
+            </a:r>
+            <a:endParaRPr lang="en-US" sz="2400" dirty="0"/>
+          </a:p>
+        </p:txBody>
+      </p:sp>
       <p:pic>
         <p:nvPicPr>
-          <p:cNvPr id="3" name="Image 2"/>
+          <p:cNvPr id="15" name="Picture 8"/>
           <p:cNvPicPr>
             <a:picLocks noChangeAspect="1"/>
           </p:cNvPicPr>
           <p:nvPr/>
         </p:nvPicPr>
         <p:blipFill>
-          <a:blip r:embed="rId2"/>
+          <a:blip r:embed="rId6"/>
           <a:stretch>
             <a:fillRect/>
           </a:stretch>
         </p:blipFill>
         <p:spPr>
           <a:xfrm>
-            <a:off x="1597192" y="1252954"/>
-            <a:ext cx="9164324" cy="4891171"/>
+            <a:off x="6866161" y="4242277"/>
+            <a:ext cx="406182" cy="363025"/>
           </a:xfrm>
           <a:prstGeom prst="rect">
             <a:avLst/>
           </a:prstGeom>
         </p:spPr>
       </p:pic>
-    </p:spTree>
-    <p:extLst>
-      <p:ext uri="{BB962C8B-B14F-4D97-AF65-F5344CB8AC3E}">
-        <p14:creationId xmlns:p14="http://schemas.microsoft.com/office/powerpoint/2010/main" val="745646916"/>
-      </p:ext>
-    </p:extLst>
-  </p:cSld>
-  <p:clrMapOvr>
-    <a:masterClrMapping/>
-  </p:clrMapOvr>
-  <p:timing>
-    <p:tnLst>
-      <p:par>
-        <p:cTn id="1" dur="indefinite" restart="never" nodeType="tmRoot"/>
-      </p:par>
-    </p:tnLst>
-  </p:timing>
-</p:sld>
-</file>
-
-<file path=ppt/slides/slide19.xml><?xml version="1.0" encoding="utf-8"?>
-<p:sld xmlns:a="http://schemas.openxmlformats.org/drawingml/2006/main" xmlns:r="http://schemas.openxmlformats.org/officeDocument/2006/relationships" xmlns:p="http://schemas.openxmlformats.org/presentationml/2006/main">
-  <p:cSld>
-    <p:spTree>
-      <p:nvGrpSpPr>
-        <p:cNvPr id="1" name=""/>
-        <p:cNvGrpSpPr/>
-        <p:nvPr/>
-      </p:nvGrpSpPr>
-      <p:grpSpPr>
-        <a:xfrm>
-          <a:off x="0" y="0"/>
-          <a:ext cx="0" cy="0"/>
-          <a:chOff x="0" y="0"/>
-          <a:chExt cx="0" cy="0"/>
-        </a:xfrm>
-      </p:grpSpPr>
-      <p:sp>
-        <p:nvSpPr>
-          <p:cNvPr id="2" name="ZoneTexte 1"/>
+      <p:pic>
+        <p:nvPicPr>
+          <p:cNvPr id="16" name="Picture 9"/>
+          <p:cNvPicPr>
+            <a:picLocks noChangeAspect="1"/>
+          </p:cNvPicPr>
+          <p:nvPr/>
+        </p:nvPicPr>
+        <p:blipFill>
+          <a:blip r:embed="rId7"/>
+          <a:stretch>
+            <a:fillRect/>
+          </a:stretch>
+        </p:blipFill>
+        <p:spPr>
+          <a:xfrm>
+            <a:off x="6866161" y="2839447"/>
+            <a:ext cx="379473" cy="294937"/>
+          </a:xfrm>
+          <a:prstGeom prst="rect">
+            <a:avLst/>
+          </a:prstGeom>
+        </p:spPr>
+      </p:pic>
+      <p:sp>
+        <p:nvSpPr>
+          <p:cNvPr id="17" name="TextBox 11"/>
           <p:cNvSpPr txBox="1"/>
           <p:nvPr/>
         </p:nvSpPr>
         <p:spPr>
           <a:xfrm>
-            <a:off x="1432328" y="1654720"/>
-            <a:ext cx="9506859" cy="769441"/>
+            <a:off x="7511253" y="4198897"/>
+            <a:ext cx="3485856" cy="1200329"/>
           </a:xfrm>
           <a:prstGeom prst="rect">
             <a:avLst/>
@@ -6854,28 +6481,135 @@
           <a:lstStyle/>
           <a:p>
             <a:r>
-              <a:rPr lang="en-CA" sz="4400" dirty="0" smtClean="0">
+              <a:rPr lang="en-US" sz="2400" dirty="0" smtClean="0"/>
+              <a:t>@</a:t>
+            </a:r>
+            <a:r>
+              <a:rPr lang="en-US" sz="2400" dirty="0" err="1" smtClean="0"/>
+              <a:t>R_Graph_Gallery</a:t>
+            </a:r>
+            <a:r>
+              <a:rPr lang="en-US" sz="2400" dirty="0" smtClean="0"/>
+              <a:t> </a:t>
+            </a:r>
+          </a:p>
+          <a:p>
+            <a:endParaRPr lang="en-US" sz="2400" dirty="0"/>
+          </a:p>
+          <a:p>
+            <a:r>
+              <a:rPr lang="en-US" sz="2400" dirty="0" smtClean="0">
+                <a:hlinkClick r:id="rId5"/>
+              </a:rPr>
+              <a:t>github.com/holtzy</a:t>
+            </a:r>
+            <a:endParaRPr lang="en-US" sz="2400" dirty="0">
+              <a:hlinkClick r:id="rId5"/>
+            </a:endParaRPr>
+          </a:p>
+        </p:txBody>
+      </p:sp>
+      <p:pic>
+        <p:nvPicPr>
+          <p:cNvPr id="18" name="Picture 14"/>
+          <p:cNvPicPr>
+            <a:picLocks noChangeAspect="1"/>
+          </p:cNvPicPr>
+          <p:nvPr/>
+        </p:nvPicPr>
+        <p:blipFill>
+          <a:blip r:embed="rId8">
+            <a:extLst>
+              <a:ext uri="{28A0092B-C50C-407E-A947-70E740481C1C}">
+                <a14:useLocalDpi xmlns:a14="http://schemas.microsoft.com/office/drawing/2010/main" val="0"/>
+              </a:ext>
+            </a:extLst>
+          </a:blip>
+          <a:stretch>
+            <a:fillRect/>
+          </a:stretch>
+        </p:blipFill>
+        <p:spPr>
+          <a:xfrm>
+            <a:off x="6892566" y="3477725"/>
+            <a:ext cx="390782" cy="398756"/>
+          </a:xfrm>
+          <a:prstGeom prst="rect">
+            <a:avLst/>
+          </a:prstGeom>
+        </p:spPr>
+      </p:pic>
+      <p:pic>
+        <p:nvPicPr>
+          <p:cNvPr id="19" name="Image 18"/>
+          <p:cNvPicPr>
+            <a:picLocks noChangeAspect="1"/>
+          </p:cNvPicPr>
+          <p:nvPr/>
+        </p:nvPicPr>
+        <p:blipFill>
+          <a:blip r:embed="rId9">
+            <a:extLst>
+              <a:ext uri="{28A0092B-C50C-407E-A947-70E740481C1C}">
+                <a14:useLocalDpi xmlns:a14="http://schemas.microsoft.com/office/drawing/2010/main" val="0"/>
+              </a:ext>
+            </a:extLst>
+          </a:blip>
+          <a:stretch>
+            <a:fillRect/>
+          </a:stretch>
+        </p:blipFill>
+        <p:spPr>
+          <a:xfrm>
+            <a:off x="6844972" y="4916626"/>
+            <a:ext cx="466558" cy="466558"/>
+          </a:xfrm>
+          <a:prstGeom prst="rect">
+            <a:avLst/>
+          </a:prstGeom>
+        </p:spPr>
+      </p:pic>
+      <p:sp>
+        <p:nvSpPr>
+          <p:cNvPr id="20" name="Rectangle 19">
+            <a:hlinkClick r:id="rId4"/>
+          </p:cNvPr>
+          <p:cNvSpPr/>
+          <p:nvPr/>
+        </p:nvSpPr>
+        <p:spPr>
+          <a:xfrm>
+            <a:off x="3837117" y="4337463"/>
+            <a:ext cx="1285673" cy="369332"/>
+          </a:xfrm>
+          <a:prstGeom prst="rect">
+            <a:avLst/>
+          </a:prstGeom>
+          <a:ln>
+            <a:solidFill>
+              <a:schemeClr val="accent1"/>
+            </a:solidFill>
+          </a:ln>
+        </p:spPr>
+        <p:txBody>
+          <a:bodyPr wrap="none">
+            <a:spAutoFit/>
+          </a:bodyPr>
+          <a:lstStyle/>
+          <a:p>
+            <a:r>
+              <a:rPr lang="en-AU" dirty="0" err="1" smtClean="0">
                 <a:solidFill>
-                  <a:schemeClr val="accent2">
+                  <a:schemeClr val="accent1">
                     <a:lumMod val="75000"/>
                   </a:schemeClr>
                 </a:solidFill>
               </a:rPr>
-              <a:t>Do not always run the </a:t>
-            </a:r>
-            <a:r>
-              <a:rPr lang="en-CA" sz="4400" smtClean="0">
-                <a:solidFill>
-                  <a:schemeClr val="accent2">
-                    <a:lumMod val="75000"/>
-                  </a:schemeClr>
-                </a:solidFill>
-              </a:rPr>
-              <a:t>whole document</a:t>
-            </a:r>
-            <a:endParaRPr lang="en-CA" sz="4400" dirty="0">
+              <a:t>Github.com</a:t>
+            </a:r>
+            <a:endParaRPr lang="en-AU" dirty="0">
               <a:solidFill>
-                <a:schemeClr val="accent2">
+                <a:schemeClr val="accent1">
                   <a:lumMod val="75000"/>
                 </a:schemeClr>
               </a:solidFill>
@@ -6883,53 +6617,10 @@
           </a:p>
         </p:txBody>
       </p:sp>
-      <p:sp>
-        <p:nvSpPr>
-          <p:cNvPr id="4" name="Rectangle 3"/>
-          <p:cNvSpPr/>
-          <p:nvPr/>
-        </p:nvSpPr>
-        <p:spPr>
-          <a:xfrm>
-            <a:off x="2278988" y="3966229"/>
-            <a:ext cx="7344383" cy="584775"/>
-          </a:xfrm>
-          <a:prstGeom prst="rect">
-            <a:avLst/>
-          </a:prstGeom>
-        </p:spPr>
-        <p:txBody>
-          <a:bodyPr wrap="none">
-            <a:spAutoFit/>
-          </a:bodyPr>
-          <a:lstStyle/>
-          <a:p>
-            <a:r>
-              <a:rPr lang="fr-FR" sz="3200" dirty="0" smtClean="0">
-                <a:sym typeface="Wingdings"/>
-              </a:rPr>
-              <a:t> </a:t>
-            </a:r>
-            <a:r>
-              <a:rPr lang="fr-FR" sz="3200" dirty="0" smtClean="0"/>
-              <a:t>R Markdown document </a:t>
-            </a:r>
-            <a:r>
-              <a:rPr lang="fr-FR" sz="3200" dirty="0" err="1" smtClean="0"/>
-              <a:t>is</a:t>
-            </a:r>
-            <a:r>
-              <a:rPr lang="fr-FR" sz="3200" dirty="0" smtClean="0"/>
-              <a:t> a Notebook !!</a:t>
-            </a:r>
-            <a:endParaRPr lang="en-AU" sz="3200" dirty="0"/>
-          </a:p>
-        </p:txBody>
-      </p:sp>
     </p:spTree>
     <p:extLst>
       <p:ext uri="{BB962C8B-B14F-4D97-AF65-F5344CB8AC3E}">
-        <p14:creationId xmlns:p14="http://schemas.microsoft.com/office/powerpoint/2010/main" val="1178945459"/>
+        <p14:creationId xmlns:p14="http://schemas.microsoft.com/office/powerpoint/2010/main" val="565921796"/>
       </p:ext>
     </p:extLst>
   </p:cSld>
@@ -7176,2402 +6867,6 @@
 </p:sld>
 </file>
 
-<file path=ppt/slides/slide20.xml><?xml version="1.0" encoding="utf-8"?>
-<p:sld xmlns:a="http://schemas.openxmlformats.org/drawingml/2006/main" xmlns:r="http://schemas.openxmlformats.org/officeDocument/2006/relationships" xmlns:p="http://schemas.openxmlformats.org/presentationml/2006/main">
-  <p:cSld>
-    <p:spTree>
-      <p:nvGrpSpPr>
-        <p:cNvPr id="1" name=""/>
-        <p:cNvGrpSpPr/>
-        <p:nvPr/>
-      </p:nvGrpSpPr>
-      <p:grpSpPr>
-        <a:xfrm>
-          <a:off x="0" y="0"/>
-          <a:ext cx="0" cy="0"/>
-          <a:chOff x="0" y="0"/>
-          <a:chExt cx="0" cy="0"/>
-        </a:xfrm>
-      </p:grpSpPr>
-      <p:pic>
-        <p:nvPicPr>
-          <p:cNvPr id="8" name="Image 7"/>
-          <p:cNvPicPr>
-            <a:picLocks noChangeAspect="1"/>
-          </p:cNvPicPr>
-          <p:nvPr/>
-        </p:nvPicPr>
-        <p:blipFill>
-          <a:blip r:embed="rId2">
-            <a:alphaModFix amt="24000"/>
-            <a:extLst>
-              <a:ext uri="{28A0092B-C50C-407E-A947-70E740481C1C}">
-                <a14:useLocalDpi xmlns:a14="http://schemas.microsoft.com/office/drawing/2010/main" val="0"/>
-              </a:ext>
-            </a:extLst>
-          </a:blip>
-          <a:stretch>
-            <a:fillRect/>
-          </a:stretch>
-        </p:blipFill>
-        <p:spPr>
-          <a:xfrm>
-            <a:off x="-2411662" y="16042"/>
-            <a:ext cx="17808514" cy="6858000"/>
-          </a:xfrm>
-          <a:prstGeom prst="rect">
-            <a:avLst/>
-          </a:prstGeom>
-        </p:spPr>
-      </p:pic>
-      <p:cxnSp>
-        <p:nvCxnSpPr>
-          <p:cNvPr id="9" name="Connecteur droit 8"/>
-          <p:cNvCxnSpPr/>
-          <p:nvPr/>
-        </p:nvCxnSpPr>
-        <p:spPr>
-          <a:xfrm>
-            <a:off x="3676696" y="3686627"/>
-            <a:ext cx="4702626" cy="0"/>
-          </a:xfrm>
-          <a:prstGeom prst="line">
-            <a:avLst/>
-          </a:prstGeom>
-          <a:ln>
-            <a:solidFill>
-              <a:schemeClr val="bg2">
-                <a:lumMod val="50000"/>
-              </a:schemeClr>
-            </a:solidFill>
-          </a:ln>
-        </p:spPr>
-        <p:style>
-          <a:lnRef idx="1">
-            <a:schemeClr val="accent1"/>
-          </a:lnRef>
-          <a:fillRef idx="0">
-            <a:schemeClr val="accent1"/>
-          </a:fillRef>
-          <a:effectRef idx="0">
-            <a:schemeClr val="accent1"/>
-          </a:effectRef>
-          <a:fontRef idx="minor">
-            <a:schemeClr val="tx1"/>
-          </a:fontRef>
-        </p:style>
-      </p:cxnSp>
-      <p:sp>
-        <p:nvSpPr>
-          <p:cNvPr id="10" name="ZoneTexte 9"/>
-          <p:cNvSpPr txBox="1"/>
-          <p:nvPr/>
-        </p:nvSpPr>
-        <p:spPr>
-          <a:xfrm>
-            <a:off x="5273267" y="2798711"/>
-            <a:ext cx="4814161" cy="646331"/>
-          </a:xfrm>
-          <a:prstGeom prst="rect">
-            <a:avLst/>
-          </a:prstGeom>
-          <a:noFill/>
-        </p:spPr>
-        <p:txBody>
-          <a:bodyPr wrap="square" rtlCol="0">
-            <a:spAutoFit/>
-          </a:bodyPr>
-          <a:lstStyle/>
-          <a:p>
-            <a:r>
-              <a:rPr lang="fr-FR" sz="3600" smtClean="0"/>
-              <a:t>Header</a:t>
-            </a:r>
-            <a:endParaRPr lang="fr-FR" sz="3600" dirty="0"/>
-          </a:p>
-        </p:txBody>
-      </p:sp>
-    </p:spTree>
-    <p:extLst>
-      <p:ext uri="{BB962C8B-B14F-4D97-AF65-F5344CB8AC3E}">
-        <p14:creationId xmlns:p14="http://schemas.microsoft.com/office/powerpoint/2010/main" val="1415638840"/>
-      </p:ext>
-    </p:extLst>
-  </p:cSld>
-  <p:clrMapOvr>
-    <a:masterClrMapping/>
-  </p:clrMapOvr>
-  <p:timing>
-    <p:tnLst>
-      <p:par>
-        <p:cTn id="1" dur="indefinite" restart="never" nodeType="tmRoot"/>
-      </p:par>
-    </p:tnLst>
-  </p:timing>
-</p:sld>
-</file>
-
-<file path=ppt/slides/slide21.xml><?xml version="1.0" encoding="utf-8"?>
-<p:sld xmlns:a="http://schemas.openxmlformats.org/drawingml/2006/main" xmlns:r="http://schemas.openxmlformats.org/officeDocument/2006/relationships" xmlns:p="http://schemas.openxmlformats.org/presentationml/2006/main">
-  <p:cSld>
-    <p:spTree>
-      <p:nvGrpSpPr>
-        <p:cNvPr id="1" name=""/>
-        <p:cNvGrpSpPr/>
-        <p:nvPr/>
-      </p:nvGrpSpPr>
-      <p:grpSpPr>
-        <a:xfrm>
-          <a:off x="0" y="0"/>
-          <a:ext cx="0" cy="0"/>
-          <a:chOff x="0" y="0"/>
-          <a:chExt cx="0" cy="0"/>
-        </a:xfrm>
-      </p:grpSpPr>
-      <p:pic>
-        <p:nvPicPr>
-          <p:cNvPr id="5" name="Image 4"/>
-          <p:cNvPicPr>
-            <a:picLocks noChangeAspect="1"/>
-          </p:cNvPicPr>
-          <p:nvPr/>
-        </p:nvPicPr>
-        <p:blipFill>
-          <a:blip r:embed="rId2"/>
-          <a:stretch>
-            <a:fillRect/>
-          </a:stretch>
-        </p:blipFill>
-        <p:spPr>
-          <a:xfrm>
-            <a:off x="369970" y="2211470"/>
-            <a:ext cx="2950746" cy="2409063"/>
-          </a:xfrm>
-          <a:prstGeom prst="rect">
-            <a:avLst/>
-          </a:prstGeom>
-          <a:ln w="34925">
-            <a:solidFill>
-              <a:schemeClr val="tx1"/>
-            </a:solidFill>
-          </a:ln>
-        </p:spPr>
-      </p:pic>
-      <p:pic>
-        <p:nvPicPr>
-          <p:cNvPr id="2" name="Image 1"/>
-          <p:cNvPicPr>
-            <a:picLocks noChangeAspect="1"/>
-          </p:cNvPicPr>
-          <p:nvPr/>
-        </p:nvPicPr>
-        <p:blipFill>
-          <a:blip r:embed="rId3"/>
-          <a:stretch>
-            <a:fillRect/>
-          </a:stretch>
-        </p:blipFill>
-        <p:spPr>
-          <a:xfrm>
-            <a:off x="3985673" y="1201938"/>
-            <a:ext cx="8048598" cy="5217769"/>
-          </a:xfrm>
-          <a:prstGeom prst="rect">
-            <a:avLst/>
-          </a:prstGeom>
-          <a:ln w="34925">
-            <a:solidFill>
-              <a:schemeClr val="tx1"/>
-            </a:solidFill>
-          </a:ln>
-        </p:spPr>
-      </p:pic>
-      <p:sp>
-        <p:nvSpPr>
-          <p:cNvPr id="3" name="ZoneTexte 2"/>
-          <p:cNvSpPr txBox="1"/>
-          <p:nvPr/>
-        </p:nvSpPr>
-        <p:spPr>
-          <a:xfrm>
-            <a:off x="145140" y="109331"/>
-            <a:ext cx="9506859" cy="769441"/>
-          </a:xfrm>
-          <a:prstGeom prst="rect">
-            <a:avLst/>
-          </a:prstGeom>
-          <a:noFill/>
-        </p:spPr>
-        <p:txBody>
-          <a:bodyPr wrap="square" rtlCol="0">
-            <a:spAutoFit/>
-          </a:bodyPr>
-          <a:lstStyle/>
-          <a:p>
-            <a:r>
-              <a:rPr lang="en-CA" sz="4400" dirty="0" smtClean="0">
-                <a:solidFill>
-                  <a:schemeClr val="accent2">
-                    <a:lumMod val="75000"/>
-                  </a:schemeClr>
-                </a:solidFill>
-              </a:rPr>
-              <a:t>Anatomy of the header:</a:t>
-            </a:r>
-            <a:endParaRPr lang="en-CA" sz="4400" dirty="0">
-              <a:solidFill>
-                <a:schemeClr val="accent2">
-                  <a:lumMod val="75000"/>
-                </a:schemeClr>
-              </a:solidFill>
-            </a:endParaRPr>
-          </a:p>
-        </p:txBody>
-      </p:sp>
-      <p:cxnSp>
-        <p:nvCxnSpPr>
-          <p:cNvPr id="9" name="Connecteur droit avec flèche 8"/>
-          <p:cNvCxnSpPr/>
-          <p:nvPr/>
-        </p:nvCxnSpPr>
-        <p:spPr>
-          <a:xfrm flipV="1">
-            <a:off x="2005764" y="2422358"/>
-            <a:ext cx="2261436" cy="1324298"/>
-          </a:xfrm>
-          <a:prstGeom prst="straightConnector1">
-            <a:avLst/>
-          </a:prstGeom>
-          <a:ln w="50800">
-            <a:solidFill>
-              <a:srgbClr val="FF0000"/>
-            </a:solidFill>
-            <a:tailEnd type="triangle"/>
-          </a:ln>
-        </p:spPr>
-        <p:style>
-          <a:lnRef idx="1">
-            <a:schemeClr val="accent1"/>
-          </a:lnRef>
-          <a:fillRef idx="0">
-            <a:schemeClr val="accent1"/>
-          </a:fillRef>
-          <a:effectRef idx="0">
-            <a:schemeClr val="accent1"/>
-          </a:effectRef>
-          <a:fontRef idx="minor">
-            <a:schemeClr val="tx1"/>
-          </a:fontRef>
-        </p:style>
-      </p:cxnSp>
-      <p:cxnSp>
-        <p:nvCxnSpPr>
-          <p:cNvPr id="23" name="Connecteur droit avec flèche 22"/>
-          <p:cNvCxnSpPr/>
-          <p:nvPr/>
-        </p:nvCxnSpPr>
-        <p:spPr>
-          <a:xfrm>
-            <a:off x="3136482" y="3957544"/>
-            <a:ext cx="8269455" cy="1121810"/>
-          </a:xfrm>
-          <a:prstGeom prst="straightConnector1">
-            <a:avLst/>
-          </a:prstGeom>
-          <a:ln w="50800">
-            <a:solidFill>
-              <a:srgbClr val="FF0000"/>
-            </a:solidFill>
-            <a:tailEnd type="triangle"/>
-          </a:ln>
-        </p:spPr>
-        <p:style>
-          <a:lnRef idx="1">
-            <a:schemeClr val="accent1"/>
-          </a:lnRef>
-          <a:fillRef idx="0">
-            <a:schemeClr val="accent1"/>
-          </a:fillRef>
-          <a:effectRef idx="0">
-            <a:schemeClr val="accent1"/>
-          </a:effectRef>
-          <a:fontRef idx="minor">
-            <a:schemeClr val="tx1"/>
-          </a:fontRef>
-        </p:style>
-      </p:cxnSp>
-      <p:cxnSp>
-        <p:nvCxnSpPr>
-          <p:cNvPr id="24" name="Connecteur droit avec flèche 23"/>
-          <p:cNvCxnSpPr/>
-          <p:nvPr/>
-        </p:nvCxnSpPr>
-        <p:spPr>
-          <a:xfrm>
-            <a:off x="3136481" y="4226708"/>
-            <a:ext cx="1130719" cy="269859"/>
-          </a:xfrm>
-          <a:prstGeom prst="straightConnector1">
-            <a:avLst/>
-          </a:prstGeom>
-          <a:ln w="50800">
-            <a:solidFill>
-              <a:srgbClr val="FF0000"/>
-            </a:solidFill>
-            <a:tailEnd type="triangle"/>
-          </a:ln>
-        </p:spPr>
-        <p:style>
-          <a:lnRef idx="1">
-            <a:schemeClr val="accent1"/>
-          </a:lnRef>
-          <a:fillRef idx="0">
-            <a:schemeClr val="accent1"/>
-          </a:fillRef>
-          <a:effectRef idx="0">
-            <a:schemeClr val="accent1"/>
-          </a:effectRef>
-          <a:fontRef idx="minor">
-            <a:schemeClr val="tx1"/>
-          </a:fontRef>
-        </p:style>
-      </p:cxnSp>
-    </p:spTree>
-    <p:extLst>
-      <p:ext uri="{BB962C8B-B14F-4D97-AF65-F5344CB8AC3E}">
-        <p14:creationId xmlns:p14="http://schemas.microsoft.com/office/powerpoint/2010/main" val="772918118"/>
-      </p:ext>
-    </p:extLst>
-  </p:cSld>
-  <p:clrMapOvr>
-    <a:masterClrMapping/>
-  </p:clrMapOvr>
-  <p:timing>
-    <p:tnLst>
-      <p:par>
-        <p:cTn id="1" dur="indefinite" restart="never" nodeType="tmRoot"/>
-      </p:par>
-    </p:tnLst>
-  </p:timing>
-</p:sld>
-</file>
-
-<file path=ppt/slides/slide22.xml><?xml version="1.0" encoding="utf-8"?>
-<p:sld xmlns:a="http://schemas.openxmlformats.org/drawingml/2006/main" xmlns:r="http://schemas.openxmlformats.org/officeDocument/2006/relationships" xmlns:p="http://schemas.openxmlformats.org/presentationml/2006/main">
-  <p:cSld>
-    <p:spTree>
-      <p:nvGrpSpPr>
-        <p:cNvPr id="1" name=""/>
-        <p:cNvGrpSpPr/>
-        <p:nvPr/>
-      </p:nvGrpSpPr>
-      <p:grpSpPr>
-        <a:xfrm>
-          <a:off x="0" y="0"/>
-          <a:ext cx="0" cy="0"/>
-          <a:chOff x="0" y="0"/>
-          <a:chExt cx="0" cy="0"/>
-        </a:xfrm>
-      </p:grpSpPr>
-      <p:pic>
-        <p:nvPicPr>
-          <p:cNvPr id="8" name="Image 7"/>
-          <p:cNvPicPr>
-            <a:picLocks noChangeAspect="1"/>
-          </p:cNvPicPr>
-          <p:nvPr/>
-        </p:nvPicPr>
-        <p:blipFill>
-          <a:blip r:embed="rId2">
-            <a:alphaModFix amt="24000"/>
-            <a:extLst>
-              <a:ext uri="{28A0092B-C50C-407E-A947-70E740481C1C}">
-                <a14:useLocalDpi xmlns:a14="http://schemas.microsoft.com/office/drawing/2010/main" val="0"/>
-              </a:ext>
-            </a:extLst>
-          </a:blip>
-          <a:stretch>
-            <a:fillRect/>
-          </a:stretch>
-        </p:blipFill>
-        <p:spPr>
-          <a:xfrm>
-            <a:off x="-2411662" y="16042"/>
-            <a:ext cx="17808514" cy="6858000"/>
-          </a:xfrm>
-          <a:prstGeom prst="rect">
-            <a:avLst/>
-          </a:prstGeom>
-        </p:spPr>
-      </p:pic>
-      <p:cxnSp>
-        <p:nvCxnSpPr>
-          <p:cNvPr id="9" name="Connecteur droit 8"/>
-          <p:cNvCxnSpPr/>
-          <p:nvPr/>
-        </p:nvCxnSpPr>
-        <p:spPr>
-          <a:xfrm>
-            <a:off x="3676696" y="3686627"/>
-            <a:ext cx="4702626" cy="0"/>
-          </a:xfrm>
-          <a:prstGeom prst="line">
-            <a:avLst/>
-          </a:prstGeom>
-          <a:ln>
-            <a:solidFill>
-              <a:schemeClr val="bg2">
-                <a:lumMod val="50000"/>
-              </a:schemeClr>
-            </a:solidFill>
-          </a:ln>
-        </p:spPr>
-        <p:style>
-          <a:lnRef idx="1">
-            <a:schemeClr val="accent1"/>
-          </a:lnRef>
-          <a:fillRef idx="0">
-            <a:schemeClr val="accent1"/>
-          </a:fillRef>
-          <a:effectRef idx="0">
-            <a:schemeClr val="accent1"/>
-          </a:effectRef>
-          <a:fontRef idx="minor">
-            <a:schemeClr val="tx1"/>
-          </a:fontRef>
-        </p:style>
-      </p:cxnSp>
-      <p:sp>
-        <p:nvSpPr>
-          <p:cNvPr id="10" name="ZoneTexte 9"/>
-          <p:cNvSpPr txBox="1"/>
-          <p:nvPr/>
-        </p:nvSpPr>
-        <p:spPr>
-          <a:xfrm>
-            <a:off x="4387895" y="2798711"/>
-            <a:ext cx="4814161" cy="646331"/>
-          </a:xfrm>
-          <a:prstGeom prst="rect">
-            <a:avLst/>
-          </a:prstGeom>
-          <a:noFill/>
-        </p:spPr>
-        <p:txBody>
-          <a:bodyPr wrap="square" rtlCol="0">
-            <a:spAutoFit/>
-          </a:bodyPr>
-          <a:lstStyle/>
-          <a:p>
-            <a:r>
-              <a:rPr lang="fr-FR" sz="3600" dirty="0" err="1" smtClean="0"/>
-              <a:t>Going</a:t>
-            </a:r>
-            <a:r>
-              <a:rPr lang="fr-FR" sz="3600" dirty="0" smtClean="0"/>
-              <a:t> </a:t>
-            </a:r>
-            <a:r>
-              <a:rPr lang="fr-FR" sz="3600" dirty="0" err="1" smtClean="0"/>
-              <a:t>further</a:t>
-            </a:r>
-            <a:endParaRPr lang="fr-FR" sz="3600" dirty="0"/>
-          </a:p>
-        </p:txBody>
-      </p:sp>
-    </p:spTree>
-    <p:extLst>
-      <p:ext uri="{BB962C8B-B14F-4D97-AF65-F5344CB8AC3E}">
-        <p14:creationId xmlns:p14="http://schemas.microsoft.com/office/powerpoint/2010/main" val="1379499793"/>
-      </p:ext>
-    </p:extLst>
-  </p:cSld>
-  <p:clrMapOvr>
-    <a:masterClrMapping/>
-  </p:clrMapOvr>
-  <p:timing>
-    <p:tnLst>
-      <p:par>
-        <p:cTn id="1" dur="indefinite" restart="never" nodeType="tmRoot"/>
-      </p:par>
-    </p:tnLst>
-  </p:timing>
-</p:sld>
-</file>
-
-<file path=ppt/slides/slide23.xml><?xml version="1.0" encoding="utf-8"?>
-<p:sld xmlns:a="http://schemas.openxmlformats.org/drawingml/2006/main" xmlns:r="http://schemas.openxmlformats.org/officeDocument/2006/relationships" xmlns:p="http://schemas.openxmlformats.org/presentationml/2006/main">
-  <p:cSld>
-    <p:spTree>
-      <p:nvGrpSpPr>
-        <p:cNvPr id="1" name=""/>
-        <p:cNvGrpSpPr/>
-        <p:nvPr/>
-      </p:nvGrpSpPr>
-      <p:grpSpPr>
-        <a:xfrm>
-          <a:off x="0" y="0"/>
-          <a:ext cx="0" cy="0"/>
-          <a:chOff x="0" y="0"/>
-          <a:chExt cx="0" cy="0"/>
-        </a:xfrm>
-      </p:grpSpPr>
-      <p:pic>
-        <p:nvPicPr>
-          <p:cNvPr id="11" name="Image 10"/>
-          <p:cNvPicPr>
-            <a:picLocks noChangeAspect="1"/>
-          </p:cNvPicPr>
-          <p:nvPr/>
-        </p:nvPicPr>
-        <p:blipFill>
-          <a:blip r:embed="rId2"/>
-          <a:stretch>
-            <a:fillRect/>
-          </a:stretch>
-        </p:blipFill>
-        <p:spPr>
-          <a:xfrm>
-            <a:off x="1285707" y="3008982"/>
-            <a:ext cx="9419443" cy="3600365"/>
-          </a:xfrm>
-          <a:prstGeom prst="rect">
-            <a:avLst/>
-          </a:prstGeom>
-        </p:spPr>
-      </p:pic>
-      <p:sp>
-        <p:nvSpPr>
-          <p:cNvPr id="3" name="ZoneTexte 2"/>
-          <p:cNvSpPr txBox="1"/>
-          <p:nvPr/>
-        </p:nvSpPr>
-        <p:spPr>
-          <a:xfrm>
-            <a:off x="145140" y="109331"/>
-            <a:ext cx="9506859" cy="769441"/>
-          </a:xfrm>
-          <a:prstGeom prst="rect">
-            <a:avLst/>
-          </a:prstGeom>
-          <a:noFill/>
-        </p:spPr>
-        <p:txBody>
-          <a:bodyPr wrap="square" rtlCol="0">
-            <a:spAutoFit/>
-          </a:bodyPr>
-          <a:lstStyle/>
-          <a:p>
-            <a:r>
-              <a:rPr lang="en-CA" sz="4400" dirty="0" smtClean="0">
-                <a:solidFill>
-                  <a:schemeClr val="accent2">
-                    <a:lumMod val="75000"/>
-                  </a:schemeClr>
-                </a:solidFill>
-              </a:rPr>
-              <a:t>Insert a table: the DT library</a:t>
-            </a:r>
-            <a:endParaRPr lang="en-CA" sz="4400" dirty="0">
-              <a:solidFill>
-                <a:schemeClr val="accent2">
-                  <a:lumMod val="75000"/>
-                </a:schemeClr>
-              </a:solidFill>
-            </a:endParaRPr>
-          </a:p>
-        </p:txBody>
-      </p:sp>
-      <p:pic>
-        <p:nvPicPr>
-          <p:cNvPr id="4" name="Image 3"/>
-          <p:cNvPicPr>
-            <a:picLocks noChangeAspect="1"/>
-          </p:cNvPicPr>
-          <p:nvPr/>
-        </p:nvPicPr>
-        <p:blipFill>
-          <a:blip r:embed="rId3"/>
-          <a:stretch>
-            <a:fillRect/>
-          </a:stretch>
-        </p:blipFill>
-        <p:spPr>
-          <a:xfrm>
-            <a:off x="145140" y="1208581"/>
-            <a:ext cx="11838313" cy="1247063"/>
-          </a:xfrm>
-          <a:prstGeom prst="rect">
-            <a:avLst/>
-          </a:prstGeom>
-        </p:spPr>
-      </p:pic>
-      <p:cxnSp>
-        <p:nvCxnSpPr>
-          <p:cNvPr id="24" name="Connecteur droit avec flèche 23"/>
-          <p:cNvCxnSpPr/>
-          <p:nvPr/>
-        </p:nvCxnSpPr>
-        <p:spPr>
-          <a:xfrm>
-            <a:off x="5494421" y="2146930"/>
-            <a:ext cx="1147011" cy="2056102"/>
-          </a:xfrm>
-          <a:prstGeom prst="straightConnector1">
-            <a:avLst/>
-          </a:prstGeom>
-          <a:ln w="50800">
-            <a:solidFill>
-              <a:srgbClr val="FF0000"/>
-            </a:solidFill>
-            <a:tailEnd type="triangle"/>
-          </a:ln>
-        </p:spPr>
-        <p:style>
-          <a:lnRef idx="1">
-            <a:schemeClr val="accent1"/>
-          </a:lnRef>
-          <a:fillRef idx="0">
-            <a:schemeClr val="accent1"/>
-          </a:fillRef>
-          <a:effectRef idx="0">
-            <a:schemeClr val="accent1"/>
-          </a:effectRef>
-          <a:fontRef idx="minor">
-            <a:schemeClr val="tx1"/>
-          </a:fontRef>
-        </p:style>
-      </p:cxnSp>
-      <p:sp>
-        <p:nvSpPr>
-          <p:cNvPr id="12" name="ZoneTexte 11"/>
-          <p:cNvSpPr txBox="1"/>
-          <p:nvPr/>
-        </p:nvSpPr>
-        <p:spPr>
-          <a:xfrm>
-            <a:off x="114633" y="2467095"/>
-            <a:ext cx="1171074" cy="707886"/>
-          </a:xfrm>
-          <a:prstGeom prst="rect">
-            <a:avLst/>
-          </a:prstGeom>
-          <a:noFill/>
-        </p:spPr>
-        <p:txBody>
-          <a:bodyPr wrap="square" rtlCol="0">
-            <a:spAutoFit/>
-          </a:bodyPr>
-          <a:lstStyle/>
-          <a:p>
-            <a:r>
-              <a:rPr lang="fr-FR" sz="2000" b="1" dirty="0" smtClean="0">
-                <a:solidFill>
-                  <a:srgbClr val="FF0000"/>
-                </a:solidFill>
-              </a:rPr>
-              <a:t>Data frame</a:t>
-            </a:r>
-          </a:p>
-        </p:txBody>
-      </p:sp>
-      <p:cxnSp>
-        <p:nvCxnSpPr>
-          <p:cNvPr id="17" name="Connecteur droit avec flèche 16"/>
-          <p:cNvCxnSpPr/>
-          <p:nvPr/>
-        </p:nvCxnSpPr>
-        <p:spPr>
-          <a:xfrm flipV="1">
-            <a:off x="1171074" y="2146930"/>
-            <a:ext cx="516020" cy="308714"/>
-          </a:xfrm>
-          <a:prstGeom prst="straightConnector1">
-            <a:avLst/>
-          </a:prstGeom>
-          <a:ln w="50800">
-            <a:solidFill>
-              <a:srgbClr val="FF0000"/>
-            </a:solidFill>
-            <a:tailEnd type="triangle"/>
-          </a:ln>
-        </p:spPr>
-        <p:style>
-          <a:lnRef idx="1">
-            <a:schemeClr val="accent1"/>
-          </a:lnRef>
-          <a:fillRef idx="0">
-            <a:schemeClr val="accent1"/>
-          </a:fillRef>
-          <a:effectRef idx="0">
-            <a:schemeClr val="accent1"/>
-          </a:effectRef>
-          <a:fontRef idx="minor">
-            <a:schemeClr val="tx1"/>
-          </a:fontRef>
-        </p:style>
-      </p:cxnSp>
-    </p:spTree>
-    <p:extLst>
-      <p:ext uri="{BB962C8B-B14F-4D97-AF65-F5344CB8AC3E}">
-        <p14:creationId xmlns:p14="http://schemas.microsoft.com/office/powerpoint/2010/main" val="1729119071"/>
-      </p:ext>
-    </p:extLst>
-  </p:cSld>
-  <p:clrMapOvr>
-    <a:masterClrMapping/>
-  </p:clrMapOvr>
-  <p:timing>
-    <p:tnLst>
-      <p:par>
-        <p:cTn id="1" dur="indefinite" restart="never" nodeType="tmRoot"/>
-      </p:par>
-    </p:tnLst>
-  </p:timing>
-</p:sld>
-</file>
-
-<file path=ppt/slides/slide24.xml><?xml version="1.0" encoding="utf-8"?>
-<p:sld xmlns:a="http://schemas.openxmlformats.org/drawingml/2006/main" xmlns:r="http://schemas.openxmlformats.org/officeDocument/2006/relationships" xmlns:p="http://schemas.openxmlformats.org/presentationml/2006/main">
-  <p:cSld>
-    <p:spTree>
-      <p:nvGrpSpPr>
-        <p:cNvPr id="1" name=""/>
-        <p:cNvGrpSpPr/>
-        <p:nvPr/>
-      </p:nvGrpSpPr>
-      <p:grpSpPr>
-        <a:xfrm>
-          <a:off x="0" y="0"/>
-          <a:ext cx="0" cy="0"/>
-          <a:chOff x="0" y="0"/>
-          <a:chExt cx="0" cy="0"/>
-        </a:xfrm>
-      </p:grpSpPr>
-      <p:pic>
-        <p:nvPicPr>
-          <p:cNvPr id="2" name="Image 1"/>
-          <p:cNvPicPr>
-            <a:picLocks noChangeAspect="1"/>
-          </p:cNvPicPr>
-          <p:nvPr/>
-        </p:nvPicPr>
-        <p:blipFill>
-          <a:blip r:embed="rId2"/>
-          <a:stretch>
-            <a:fillRect/>
-          </a:stretch>
-        </p:blipFill>
-        <p:spPr>
-          <a:xfrm>
-            <a:off x="145140" y="1208504"/>
-            <a:ext cx="7100762" cy="4871453"/>
-          </a:xfrm>
-          <a:prstGeom prst="rect">
-            <a:avLst/>
-          </a:prstGeom>
-        </p:spPr>
-      </p:pic>
-      <p:pic>
-        <p:nvPicPr>
-          <p:cNvPr id="5" name="Image 4"/>
-          <p:cNvPicPr>
-            <a:picLocks noChangeAspect="1"/>
-          </p:cNvPicPr>
-          <p:nvPr/>
-        </p:nvPicPr>
-        <p:blipFill>
-          <a:blip r:embed="rId3"/>
-          <a:stretch>
-            <a:fillRect/>
-          </a:stretch>
-        </p:blipFill>
-        <p:spPr>
-          <a:xfrm>
-            <a:off x="7658084" y="2085472"/>
-            <a:ext cx="4524520" cy="2775286"/>
-          </a:xfrm>
-          <a:prstGeom prst="rect">
-            <a:avLst/>
-          </a:prstGeom>
-        </p:spPr>
-      </p:pic>
-      <p:sp>
-        <p:nvSpPr>
-          <p:cNvPr id="3" name="ZoneTexte 2"/>
-          <p:cNvSpPr txBox="1"/>
-          <p:nvPr/>
-        </p:nvSpPr>
-        <p:spPr>
-          <a:xfrm>
-            <a:off x="145140" y="109331"/>
-            <a:ext cx="9506859" cy="769441"/>
-          </a:xfrm>
-          <a:prstGeom prst="rect">
-            <a:avLst/>
-          </a:prstGeom>
-          <a:noFill/>
-        </p:spPr>
-        <p:txBody>
-          <a:bodyPr wrap="square" rtlCol="0">
-            <a:spAutoFit/>
-          </a:bodyPr>
-          <a:lstStyle/>
-          <a:p>
-            <a:r>
-              <a:rPr lang="en-CA" sz="4400" dirty="0" smtClean="0">
-                <a:solidFill>
-                  <a:schemeClr val="accent2">
-                    <a:lumMod val="75000"/>
-                  </a:schemeClr>
-                </a:solidFill>
-              </a:rPr>
-              <a:t>Use Interactive charts</a:t>
-            </a:r>
-            <a:endParaRPr lang="en-CA" sz="4400" dirty="0">
-              <a:solidFill>
-                <a:schemeClr val="accent2">
-                  <a:lumMod val="75000"/>
-                </a:schemeClr>
-              </a:solidFill>
-            </a:endParaRPr>
-          </a:p>
-        </p:txBody>
-      </p:sp>
-      <p:sp>
-        <p:nvSpPr>
-          <p:cNvPr id="12" name="ZoneTexte 11"/>
-          <p:cNvSpPr txBox="1"/>
-          <p:nvPr/>
-        </p:nvSpPr>
-        <p:spPr>
-          <a:xfrm>
-            <a:off x="3462638" y="2270048"/>
-            <a:ext cx="3989355" cy="400110"/>
-          </a:xfrm>
-          <a:prstGeom prst="rect">
-            <a:avLst/>
-          </a:prstGeom>
-          <a:noFill/>
-        </p:spPr>
-        <p:txBody>
-          <a:bodyPr wrap="square" rtlCol="0">
-            <a:spAutoFit/>
-          </a:bodyPr>
-          <a:lstStyle/>
-          <a:p>
-            <a:r>
-              <a:rPr lang="fr-FR" sz="2000" b="1" dirty="0" err="1" smtClean="0">
-                <a:solidFill>
-                  <a:srgbClr val="FF0000"/>
-                </a:solidFill>
-              </a:rPr>
-              <a:t>Plotly</a:t>
-            </a:r>
-            <a:r>
-              <a:rPr lang="fr-FR" sz="2000" b="1" dirty="0" smtClean="0">
-                <a:solidFill>
-                  <a:srgbClr val="FF0000"/>
-                </a:solidFill>
-              </a:rPr>
-              <a:t> </a:t>
-            </a:r>
-            <a:r>
-              <a:rPr lang="fr-FR" sz="2000" b="1" dirty="0" err="1" smtClean="0">
-                <a:solidFill>
-                  <a:srgbClr val="FF0000"/>
-                </a:solidFill>
-              </a:rPr>
-              <a:t>library</a:t>
-            </a:r>
-            <a:endParaRPr lang="fr-FR" sz="2000" b="1" dirty="0" smtClean="0">
-              <a:solidFill>
-                <a:srgbClr val="FF0000"/>
-              </a:solidFill>
-            </a:endParaRPr>
-          </a:p>
-        </p:txBody>
-      </p:sp>
-      <p:cxnSp>
-        <p:nvCxnSpPr>
-          <p:cNvPr id="13" name="Connecteur droit avec flèche 12"/>
-          <p:cNvCxnSpPr/>
-          <p:nvPr/>
-        </p:nvCxnSpPr>
-        <p:spPr>
-          <a:xfrm flipH="1">
-            <a:off x="2630905" y="2510908"/>
-            <a:ext cx="609600" cy="0"/>
-          </a:xfrm>
-          <a:prstGeom prst="straightConnector1">
-            <a:avLst/>
-          </a:prstGeom>
-          <a:ln w="50800">
-            <a:solidFill>
-              <a:srgbClr val="FF0000"/>
-            </a:solidFill>
-            <a:tailEnd type="triangle"/>
-          </a:ln>
-        </p:spPr>
-        <p:style>
-          <a:lnRef idx="1">
-            <a:schemeClr val="accent1"/>
-          </a:lnRef>
-          <a:fillRef idx="0">
-            <a:schemeClr val="accent1"/>
-          </a:fillRef>
-          <a:effectRef idx="0">
-            <a:schemeClr val="accent1"/>
-          </a:effectRef>
-          <a:fontRef idx="minor">
-            <a:schemeClr val="tx1"/>
-          </a:fontRef>
-        </p:style>
-      </p:cxnSp>
-      <p:cxnSp>
-        <p:nvCxnSpPr>
-          <p:cNvPr id="16" name="Connecteur droit avec flèche 15"/>
-          <p:cNvCxnSpPr/>
-          <p:nvPr/>
-        </p:nvCxnSpPr>
-        <p:spPr>
-          <a:xfrm flipH="1">
-            <a:off x="2853038" y="4331687"/>
-            <a:ext cx="609600" cy="0"/>
-          </a:xfrm>
-          <a:prstGeom prst="straightConnector1">
-            <a:avLst/>
-          </a:prstGeom>
-          <a:ln w="50800">
-            <a:solidFill>
-              <a:srgbClr val="FF0000"/>
-            </a:solidFill>
-            <a:tailEnd type="triangle"/>
-          </a:ln>
-        </p:spPr>
-        <p:style>
-          <a:lnRef idx="1">
-            <a:schemeClr val="accent1"/>
-          </a:lnRef>
-          <a:fillRef idx="0">
-            <a:schemeClr val="accent1"/>
-          </a:fillRef>
-          <a:effectRef idx="0">
-            <a:schemeClr val="accent1"/>
-          </a:effectRef>
-          <a:fontRef idx="minor">
-            <a:schemeClr val="tx1"/>
-          </a:fontRef>
-        </p:style>
-      </p:cxnSp>
-      <p:sp>
-        <p:nvSpPr>
-          <p:cNvPr id="18" name="ZoneTexte 17"/>
-          <p:cNvSpPr txBox="1"/>
-          <p:nvPr/>
-        </p:nvSpPr>
-        <p:spPr>
-          <a:xfrm>
-            <a:off x="3695521" y="4019184"/>
-            <a:ext cx="3989355" cy="400110"/>
-          </a:xfrm>
-          <a:prstGeom prst="rect">
-            <a:avLst/>
-          </a:prstGeom>
-          <a:noFill/>
-        </p:spPr>
-        <p:txBody>
-          <a:bodyPr wrap="square" rtlCol="0">
-            <a:spAutoFit/>
-          </a:bodyPr>
-          <a:lstStyle/>
-          <a:p>
-            <a:r>
-              <a:rPr lang="fr-FR" sz="2000" b="1" dirty="0" smtClean="0">
-                <a:solidFill>
-                  <a:srgbClr val="FF0000"/>
-                </a:solidFill>
-              </a:rPr>
-              <a:t>Basic ggplot2 </a:t>
-            </a:r>
-            <a:r>
-              <a:rPr lang="fr-FR" sz="2000" b="1" dirty="0" err="1" smtClean="0">
-                <a:solidFill>
-                  <a:srgbClr val="FF0000"/>
-                </a:solidFill>
-              </a:rPr>
-              <a:t>graphic</a:t>
-            </a:r>
-            <a:endParaRPr lang="fr-FR" sz="2000" b="1" dirty="0" smtClean="0">
-              <a:solidFill>
-                <a:srgbClr val="FF0000"/>
-              </a:solidFill>
-            </a:endParaRPr>
-          </a:p>
-        </p:txBody>
-      </p:sp>
-      <p:sp>
-        <p:nvSpPr>
-          <p:cNvPr id="19" name="ZoneTexte 18"/>
-          <p:cNvSpPr txBox="1"/>
-          <p:nvPr/>
-        </p:nvSpPr>
-        <p:spPr>
-          <a:xfrm>
-            <a:off x="2853038" y="5125243"/>
-            <a:ext cx="3989355" cy="400110"/>
-          </a:xfrm>
-          <a:prstGeom prst="rect">
-            <a:avLst/>
-          </a:prstGeom>
-          <a:noFill/>
-        </p:spPr>
-        <p:txBody>
-          <a:bodyPr wrap="square" rtlCol="0">
-            <a:spAutoFit/>
-          </a:bodyPr>
-          <a:lstStyle/>
-          <a:p>
-            <a:r>
-              <a:rPr lang="fr-FR" sz="2000" b="1" dirty="0" err="1" smtClean="0">
-                <a:solidFill>
-                  <a:srgbClr val="FF0000"/>
-                </a:solidFill>
-              </a:rPr>
-              <a:t>Ggplotly</a:t>
-            </a:r>
-            <a:r>
-              <a:rPr lang="fr-FR" sz="2000" b="1" dirty="0" smtClean="0">
-                <a:solidFill>
-                  <a:srgbClr val="FF0000"/>
-                </a:solidFill>
-              </a:rPr>
-              <a:t> </a:t>
-            </a:r>
-            <a:r>
-              <a:rPr lang="fr-FR" sz="2000" b="1" dirty="0" err="1" smtClean="0">
-                <a:solidFill>
-                  <a:srgbClr val="FF0000"/>
-                </a:solidFill>
-              </a:rPr>
-              <a:t>turn</a:t>
-            </a:r>
-            <a:r>
-              <a:rPr lang="fr-FR" sz="2000" b="1" dirty="0" smtClean="0">
-                <a:solidFill>
-                  <a:srgbClr val="FF0000"/>
-                </a:solidFill>
-              </a:rPr>
-              <a:t> the plot interactive</a:t>
-            </a:r>
-          </a:p>
-        </p:txBody>
-      </p:sp>
-      <p:cxnSp>
-        <p:nvCxnSpPr>
-          <p:cNvPr id="20" name="Connecteur droit avec flèche 19"/>
-          <p:cNvCxnSpPr/>
-          <p:nvPr/>
-        </p:nvCxnSpPr>
-        <p:spPr>
-          <a:xfrm flipH="1">
-            <a:off x="2021305" y="5341340"/>
-            <a:ext cx="609600" cy="0"/>
-          </a:xfrm>
-          <a:prstGeom prst="straightConnector1">
-            <a:avLst/>
-          </a:prstGeom>
-          <a:ln w="50800">
-            <a:solidFill>
-              <a:srgbClr val="FF0000"/>
-            </a:solidFill>
-            <a:tailEnd type="triangle"/>
-          </a:ln>
-        </p:spPr>
-        <p:style>
-          <a:lnRef idx="1">
-            <a:schemeClr val="accent1"/>
-          </a:lnRef>
-          <a:fillRef idx="0">
-            <a:schemeClr val="accent1"/>
-          </a:fillRef>
-          <a:effectRef idx="0">
-            <a:schemeClr val="accent1"/>
-          </a:effectRef>
-          <a:fontRef idx="minor">
-            <a:schemeClr val="tx1"/>
-          </a:fontRef>
-        </p:style>
-      </p:cxnSp>
-      <p:sp>
-        <p:nvSpPr>
-          <p:cNvPr id="21" name="ZoneTexte 20"/>
-          <p:cNvSpPr txBox="1"/>
-          <p:nvPr/>
-        </p:nvSpPr>
-        <p:spPr>
-          <a:xfrm>
-            <a:off x="8165432" y="1507749"/>
-            <a:ext cx="4017172" cy="707886"/>
-          </a:xfrm>
-          <a:prstGeom prst="rect">
-            <a:avLst/>
-          </a:prstGeom>
-          <a:noFill/>
-        </p:spPr>
-        <p:txBody>
-          <a:bodyPr wrap="square" rtlCol="0">
-            <a:spAutoFit/>
-          </a:bodyPr>
-          <a:lstStyle/>
-          <a:p>
-            <a:r>
-              <a:rPr lang="fr-FR" sz="2000" b="1" dirty="0" err="1" smtClean="0">
-                <a:solidFill>
-                  <a:srgbClr val="FF0000"/>
-                </a:solidFill>
-              </a:rPr>
-              <a:t>Result</a:t>
-            </a:r>
-            <a:r>
-              <a:rPr lang="fr-FR" sz="2000" b="1" dirty="0" smtClean="0">
-                <a:solidFill>
-                  <a:srgbClr val="FF0000"/>
-                </a:solidFill>
-              </a:rPr>
-              <a:t>: zoom / </a:t>
-            </a:r>
-            <a:r>
-              <a:rPr lang="fr-FR" sz="2000" b="1" dirty="0" err="1" smtClean="0">
-                <a:solidFill>
-                  <a:srgbClr val="FF0000"/>
-                </a:solidFill>
-              </a:rPr>
-              <a:t>hover</a:t>
-            </a:r>
-            <a:r>
-              <a:rPr lang="fr-FR" sz="2000" b="1" dirty="0" smtClean="0">
-                <a:solidFill>
-                  <a:srgbClr val="FF0000"/>
-                </a:solidFill>
-              </a:rPr>
-              <a:t> / export .. And more</a:t>
-            </a:r>
-          </a:p>
-        </p:txBody>
-      </p:sp>
-      <p:sp>
-        <p:nvSpPr>
-          <p:cNvPr id="4" name="Rectangle 3"/>
-          <p:cNvSpPr/>
-          <p:nvPr/>
-        </p:nvSpPr>
-        <p:spPr>
-          <a:xfrm>
-            <a:off x="9125731" y="6379420"/>
-            <a:ext cx="2939394" cy="369332"/>
-          </a:xfrm>
-          <a:prstGeom prst="rect">
-            <a:avLst/>
-          </a:prstGeom>
-        </p:spPr>
-        <p:txBody>
-          <a:bodyPr wrap="none">
-            <a:spAutoFit/>
-          </a:bodyPr>
-          <a:lstStyle/>
-          <a:p>
-            <a:r>
-              <a:rPr lang="fr-FR" dirty="0">
-                <a:hlinkClick r:id="rId4"/>
-              </a:rPr>
-              <a:t>http://www.htmlwidgets.org</a:t>
-            </a:r>
-            <a:r>
-              <a:rPr lang="fr-FR" dirty="0"/>
-              <a:t> </a:t>
-            </a:r>
-            <a:endParaRPr lang="en-AU" dirty="0"/>
-          </a:p>
-        </p:txBody>
-      </p:sp>
-    </p:spTree>
-    <p:extLst>
-      <p:ext uri="{BB962C8B-B14F-4D97-AF65-F5344CB8AC3E}">
-        <p14:creationId xmlns:p14="http://schemas.microsoft.com/office/powerpoint/2010/main" val="968261103"/>
-      </p:ext>
-    </p:extLst>
-  </p:cSld>
-  <p:clrMapOvr>
-    <a:masterClrMapping/>
-  </p:clrMapOvr>
-  <p:timing>
-    <p:tnLst>
-      <p:par>
-        <p:cTn id="1" dur="indefinite" restart="never" nodeType="tmRoot"/>
-      </p:par>
-    </p:tnLst>
-  </p:timing>
-</p:sld>
-</file>
-
-<file path=ppt/slides/slide25.xml><?xml version="1.0" encoding="utf-8"?>
-<p:sld xmlns:a="http://schemas.openxmlformats.org/drawingml/2006/main" xmlns:r="http://schemas.openxmlformats.org/officeDocument/2006/relationships" xmlns:p="http://schemas.openxmlformats.org/presentationml/2006/main">
-  <p:cSld>
-    <p:spTree>
-      <p:nvGrpSpPr>
-        <p:cNvPr id="1" name=""/>
-        <p:cNvGrpSpPr/>
-        <p:nvPr/>
-      </p:nvGrpSpPr>
-      <p:grpSpPr>
-        <a:xfrm>
-          <a:off x="0" y="0"/>
-          <a:ext cx="0" cy="0"/>
-          <a:chOff x="0" y="0"/>
-          <a:chExt cx="0" cy="0"/>
-        </a:xfrm>
-      </p:grpSpPr>
-      <p:sp>
-        <p:nvSpPr>
-          <p:cNvPr id="3" name="ZoneTexte 2"/>
-          <p:cNvSpPr txBox="1"/>
-          <p:nvPr/>
-        </p:nvSpPr>
-        <p:spPr>
-          <a:xfrm>
-            <a:off x="16804" y="-2963"/>
-            <a:ext cx="9506859" cy="769441"/>
-          </a:xfrm>
-          <a:prstGeom prst="rect">
-            <a:avLst/>
-          </a:prstGeom>
-          <a:noFill/>
-        </p:spPr>
-        <p:txBody>
-          <a:bodyPr wrap="square" rtlCol="0">
-            <a:spAutoFit/>
-          </a:bodyPr>
-          <a:lstStyle/>
-          <a:p>
-            <a:r>
-              <a:rPr lang="en-CA" sz="4400" dirty="0" smtClean="0">
-                <a:solidFill>
-                  <a:schemeClr val="accent2">
-                    <a:lumMod val="75000"/>
-                  </a:schemeClr>
-                </a:solidFill>
-              </a:rPr>
-              <a:t>Use a template</a:t>
-            </a:r>
-            <a:endParaRPr lang="en-CA" sz="4400" dirty="0">
-              <a:solidFill>
-                <a:schemeClr val="accent2">
-                  <a:lumMod val="75000"/>
-                </a:schemeClr>
-              </a:solidFill>
-            </a:endParaRPr>
-          </a:p>
-        </p:txBody>
-      </p:sp>
-      <p:sp>
-        <p:nvSpPr>
-          <p:cNvPr id="5" name="ZoneTexte 4"/>
-          <p:cNvSpPr txBox="1"/>
-          <p:nvPr/>
-        </p:nvSpPr>
-        <p:spPr>
-          <a:xfrm>
-            <a:off x="1122946" y="866275"/>
-            <a:ext cx="8293769" cy="523220"/>
-          </a:xfrm>
-          <a:prstGeom prst="rect">
-            <a:avLst/>
-          </a:prstGeom>
-          <a:noFill/>
-        </p:spPr>
-        <p:txBody>
-          <a:bodyPr wrap="square" rtlCol="0">
-            <a:spAutoFit/>
-          </a:bodyPr>
-          <a:lstStyle/>
-          <a:p>
-            <a:pPr marL="285750" indent="-285750">
-              <a:buFont typeface="Arial" charset="0"/>
-              <a:buChar char="•"/>
-            </a:pPr>
-            <a:r>
-              <a:rPr lang="fr-FR" sz="2800" dirty="0" smtClean="0"/>
-              <a:t>The PCTG </a:t>
-            </a:r>
-            <a:r>
-              <a:rPr lang="fr-FR" sz="2800" dirty="0" err="1" smtClean="0"/>
-              <a:t>template</a:t>
-            </a:r>
-            <a:r>
-              <a:rPr lang="fr-FR" sz="2800" dirty="0" smtClean="0"/>
-              <a:t>: </a:t>
-            </a:r>
-            <a:r>
-              <a:rPr lang="fr-FR" sz="2800" dirty="0" smtClean="0">
-                <a:hlinkClick r:id="rId2"/>
-              </a:rPr>
-              <a:t>www.github.com/holtzy/epuRate</a:t>
-            </a:r>
-            <a:r>
-              <a:rPr lang="fr-FR" sz="2800" dirty="0" smtClean="0"/>
-              <a:t>  </a:t>
-            </a:r>
-          </a:p>
-        </p:txBody>
-      </p:sp>
-      <p:pic>
-        <p:nvPicPr>
-          <p:cNvPr id="2" name="Image 1"/>
-          <p:cNvPicPr>
-            <a:picLocks noChangeAspect="1"/>
-          </p:cNvPicPr>
-          <p:nvPr/>
-        </p:nvPicPr>
-        <p:blipFill>
-          <a:blip r:embed="rId3"/>
-          <a:stretch>
-            <a:fillRect/>
-          </a:stretch>
-        </p:blipFill>
-        <p:spPr>
-          <a:xfrm>
-            <a:off x="1536030" y="1837157"/>
-            <a:ext cx="5006734" cy="1515644"/>
-          </a:xfrm>
-          <a:prstGeom prst="rect">
-            <a:avLst/>
-          </a:prstGeom>
-        </p:spPr>
-      </p:pic>
-      <p:pic>
-        <p:nvPicPr>
-          <p:cNvPr id="6" name="Image 5"/>
-          <p:cNvPicPr>
-            <a:picLocks noChangeAspect="1"/>
-          </p:cNvPicPr>
-          <p:nvPr/>
-        </p:nvPicPr>
-        <p:blipFill>
-          <a:blip r:embed="rId4"/>
-          <a:stretch>
-            <a:fillRect/>
-          </a:stretch>
-        </p:blipFill>
-        <p:spPr>
-          <a:xfrm>
-            <a:off x="1171072" y="5227100"/>
-            <a:ext cx="292100" cy="241300"/>
-          </a:xfrm>
-          <a:prstGeom prst="rect">
-            <a:avLst/>
-          </a:prstGeom>
-        </p:spPr>
-      </p:pic>
-      <p:pic>
-        <p:nvPicPr>
-          <p:cNvPr id="7" name="Image 6"/>
-          <p:cNvPicPr>
-            <a:picLocks noChangeAspect="1"/>
-          </p:cNvPicPr>
-          <p:nvPr/>
-        </p:nvPicPr>
-        <p:blipFill>
-          <a:blip r:embed="rId5"/>
-          <a:stretch>
-            <a:fillRect/>
-          </a:stretch>
-        </p:blipFill>
-        <p:spPr>
-          <a:xfrm>
-            <a:off x="1681747" y="3739147"/>
-            <a:ext cx="6807200" cy="2844800"/>
-          </a:xfrm>
-          <a:prstGeom prst="rect">
-            <a:avLst/>
-          </a:prstGeom>
-        </p:spPr>
-      </p:pic>
-      <p:pic>
-        <p:nvPicPr>
-          <p:cNvPr id="8" name="Image 7"/>
-          <p:cNvPicPr>
-            <a:picLocks noChangeAspect="1"/>
-          </p:cNvPicPr>
-          <p:nvPr/>
-        </p:nvPicPr>
-        <p:blipFill>
-          <a:blip r:embed="rId4"/>
-          <a:stretch>
-            <a:fillRect/>
-          </a:stretch>
-        </p:blipFill>
-        <p:spPr>
-          <a:xfrm>
-            <a:off x="1130968" y="2620258"/>
-            <a:ext cx="292100" cy="241300"/>
-          </a:xfrm>
-          <a:prstGeom prst="rect">
-            <a:avLst/>
-          </a:prstGeom>
-        </p:spPr>
-      </p:pic>
-    </p:spTree>
-    <p:extLst>
-      <p:ext uri="{BB962C8B-B14F-4D97-AF65-F5344CB8AC3E}">
-        <p14:creationId xmlns:p14="http://schemas.microsoft.com/office/powerpoint/2010/main" val="26843591"/>
-      </p:ext>
-    </p:extLst>
-  </p:cSld>
-  <p:clrMapOvr>
-    <a:masterClrMapping/>
-  </p:clrMapOvr>
-  <p:timing>
-    <p:tnLst>
-      <p:par>
-        <p:cTn id="1" dur="indefinite" restart="never" nodeType="tmRoot"/>
-      </p:par>
-    </p:tnLst>
-  </p:timing>
-</p:sld>
-</file>
-
-<file path=ppt/slides/slide26.xml><?xml version="1.0" encoding="utf-8"?>
-<p:sld xmlns:a="http://schemas.openxmlformats.org/drawingml/2006/main" xmlns:r="http://schemas.openxmlformats.org/officeDocument/2006/relationships" xmlns:p="http://schemas.openxmlformats.org/presentationml/2006/main">
-  <p:cSld>
-    <p:spTree>
-      <p:nvGrpSpPr>
-        <p:cNvPr id="1" name=""/>
-        <p:cNvGrpSpPr/>
-        <p:nvPr/>
-      </p:nvGrpSpPr>
-      <p:grpSpPr>
-        <a:xfrm>
-          <a:off x="0" y="0"/>
-          <a:ext cx="0" cy="0"/>
-          <a:chOff x="0" y="0"/>
-          <a:chExt cx="0" cy="0"/>
-        </a:xfrm>
-      </p:grpSpPr>
-      <p:sp>
-        <p:nvSpPr>
-          <p:cNvPr id="3" name="ZoneTexte 2"/>
-          <p:cNvSpPr txBox="1"/>
-          <p:nvPr/>
-        </p:nvSpPr>
-        <p:spPr>
-          <a:xfrm>
-            <a:off x="16804" y="-2963"/>
-            <a:ext cx="9506859" cy="769441"/>
-          </a:xfrm>
-          <a:prstGeom prst="rect">
-            <a:avLst/>
-          </a:prstGeom>
-          <a:noFill/>
-        </p:spPr>
-        <p:txBody>
-          <a:bodyPr wrap="square" rtlCol="0">
-            <a:spAutoFit/>
-          </a:bodyPr>
-          <a:lstStyle/>
-          <a:p>
-            <a:r>
-              <a:rPr lang="en-CA" sz="4400" dirty="0" smtClean="0">
-                <a:solidFill>
-                  <a:schemeClr val="accent2">
-                    <a:lumMod val="75000"/>
-                  </a:schemeClr>
-                </a:solidFill>
-              </a:rPr>
-              <a:t>Pimp my .</a:t>
-            </a:r>
-            <a:r>
-              <a:rPr lang="en-CA" sz="4400" dirty="0" err="1" smtClean="0">
-                <a:solidFill>
-                  <a:schemeClr val="accent2">
-                    <a:lumMod val="75000"/>
-                  </a:schemeClr>
-                </a:solidFill>
-              </a:rPr>
-              <a:t>Rmd</a:t>
-            </a:r>
-            <a:endParaRPr lang="en-CA" sz="4400" dirty="0">
-              <a:solidFill>
-                <a:schemeClr val="accent2">
-                  <a:lumMod val="75000"/>
-                </a:schemeClr>
-              </a:solidFill>
-            </a:endParaRPr>
-          </a:p>
-        </p:txBody>
-      </p:sp>
-      <p:sp>
-        <p:nvSpPr>
-          <p:cNvPr id="4" name="ZoneTexte 3"/>
-          <p:cNvSpPr txBox="1"/>
-          <p:nvPr/>
-        </p:nvSpPr>
-        <p:spPr>
-          <a:xfrm>
-            <a:off x="2614863" y="1507958"/>
-            <a:ext cx="5261810" cy="3970318"/>
-          </a:xfrm>
-          <a:prstGeom prst="rect">
-            <a:avLst/>
-          </a:prstGeom>
-          <a:noFill/>
-        </p:spPr>
-        <p:txBody>
-          <a:bodyPr wrap="square" rtlCol="0">
-            <a:spAutoFit/>
-          </a:bodyPr>
-          <a:lstStyle/>
-          <a:p>
-            <a:pPr marL="285750" indent="-285750">
-              <a:buFont typeface="Arial" charset="0"/>
-              <a:buChar char="•"/>
-            </a:pPr>
-            <a:r>
-              <a:rPr lang="fr-FR" sz="2800" dirty="0">
-                <a:hlinkClick r:id="rId2"/>
-              </a:rPr>
-              <a:t>holtzy.github.io/Pimp-my-rmd</a:t>
-            </a:r>
-            <a:r>
-              <a:rPr lang="fr-FR" sz="2800" dirty="0" smtClean="0">
-                <a:hlinkClick r:id="rId2"/>
-              </a:rPr>
-              <a:t>/</a:t>
-            </a:r>
-            <a:endParaRPr lang="fr-FR" sz="2800" dirty="0" smtClean="0"/>
-          </a:p>
-          <a:p>
-            <a:pPr marL="285750" indent="-285750">
-              <a:buFont typeface="Arial" charset="0"/>
-              <a:buChar char="•"/>
-            </a:pPr>
-            <a:endParaRPr lang="fr-FR" sz="2800" dirty="0"/>
-          </a:p>
-          <a:p>
-            <a:pPr marL="285750" indent="-285750">
-              <a:buFont typeface="Arial" charset="0"/>
-              <a:buChar char="•"/>
-            </a:pPr>
-            <a:r>
-              <a:rPr lang="fr-FR" sz="2800" dirty="0" err="1" smtClean="0"/>
-              <a:t>Everything</a:t>
-            </a:r>
-            <a:r>
-              <a:rPr lang="fr-FR" sz="2800" dirty="0" smtClean="0"/>
-              <a:t> </a:t>
-            </a:r>
-            <a:r>
-              <a:rPr lang="fr-FR" sz="2800" dirty="0" err="1" smtClean="0"/>
-              <a:t>is</a:t>
-            </a:r>
-            <a:r>
-              <a:rPr lang="fr-FR" sz="2800" dirty="0" smtClean="0"/>
-              <a:t> possible</a:t>
-            </a:r>
-          </a:p>
-          <a:p>
-            <a:pPr marL="285750" indent="-285750">
-              <a:buFont typeface="Arial" charset="0"/>
-              <a:buChar char="•"/>
-            </a:pPr>
-            <a:endParaRPr lang="fr-FR" sz="2800" dirty="0"/>
-          </a:p>
-          <a:p>
-            <a:pPr marL="285750" indent="-285750">
-              <a:buFont typeface="Arial" charset="0"/>
-              <a:buChar char="•"/>
-            </a:pPr>
-            <a:r>
-              <a:rPr lang="fr-FR" sz="2800" dirty="0" smtClean="0"/>
-              <a:t>Use CSS and HTML code</a:t>
-            </a:r>
-          </a:p>
-          <a:p>
-            <a:pPr marL="285750" indent="-285750">
-              <a:buFont typeface="Arial" charset="0"/>
-              <a:buChar char="•"/>
-            </a:pPr>
-            <a:endParaRPr lang="fr-FR" sz="2800" dirty="0"/>
-          </a:p>
-          <a:p>
-            <a:pPr marL="285750" indent="-285750">
-              <a:buFont typeface="Arial" charset="0"/>
-              <a:buChar char="•"/>
-            </a:pPr>
-            <a:r>
-              <a:rPr lang="fr-FR" sz="2800" dirty="0" err="1" smtClean="0"/>
-              <a:t>Add</a:t>
-            </a:r>
-            <a:r>
-              <a:rPr lang="fr-FR" sz="2800" dirty="0" smtClean="0"/>
-              <a:t> header and </a:t>
-            </a:r>
-            <a:r>
-              <a:rPr lang="fr-FR" sz="2800" dirty="0" err="1" smtClean="0"/>
-              <a:t>footer</a:t>
-            </a:r>
-            <a:endParaRPr lang="fr-FR" sz="2800" dirty="0" smtClean="0"/>
-          </a:p>
-          <a:p>
-            <a:pPr marL="285750" indent="-285750">
-              <a:buFont typeface="Arial" charset="0"/>
-              <a:buChar char="•"/>
-            </a:pPr>
-            <a:endParaRPr lang="fr-FR" sz="2800" dirty="0"/>
-          </a:p>
-          <a:p>
-            <a:pPr marL="285750" indent="-285750">
-              <a:buFont typeface="Arial" charset="0"/>
-              <a:buChar char="•"/>
-            </a:pPr>
-            <a:r>
-              <a:rPr lang="fr-FR" sz="2800" dirty="0" smtClean="0"/>
-              <a:t>More</a:t>
-            </a:r>
-            <a:endParaRPr lang="fr-FR" sz="2800" dirty="0"/>
-          </a:p>
-        </p:txBody>
-      </p:sp>
-    </p:spTree>
-    <p:extLst>
-      <p:ext uri="{BB962C8B-B14F-4D97-AF65-F5344CB8AC3E}">
-        <p14:creationId xmlns:p14="http://schemas.microsoft.com/office/powerpoint/2010/main" val="712497051"/>
-      </p:ext>
-    </p:extLst>
-  </p:cSld>
-  <p:clrMapOvr>
-    <a:masterClrMapping/>
-  </p:clrMapOvr>
-  <p:timing>
-    <p:tnLst>
-      <p:par>
-        <p:cTn id="1" dur="indefinite" restart="never" nodeType="tmRoot"/>
-      </p:par>
-    </p:tnLst>
-  </p:timing>
-</p:sld>
-</file>
-
-<file path=ppt/slides/slide27.xml><?xml version="1.0" encoding="utf-8"?>
-<p:sld xmlns:a="http://schemas.openxmlformats.org/drawingml/2006/main" xmlns:r="http://schemas.openxmlformats.org/officeDocument/2006/relationships" xmlns:p="http://schemas.openxmlformats.org/presentationml/2006/main">
-  <p:cSld>
-    <p:spTree>
-      <p:nvGrpSpPr>
-        <p:cNvPr id="1" name=""/>
-        <p:cNvGrpSpPr/>
-        <p:nvPr/>
-      </p:nvGrpSpPr>
-      <p:grpSpPr>
-        <a:xfrm>
-          <a:off x="0" y="0"/>
-          <a:ext cx="0" cy="0"/>
-          <a:chOff x="0" y="0"/>
-          <a:chExt cx="0" cy="0"/>
-        </a:xfrm>
-      </p:grpSpPr>
-      <p:pic>
-        <p:nvPicPr>
-          <p:cNvPr id="8" name="Image 7"/>
-          <p:cNvPicPr>
-            <a:picLocks noChangeAspect="1"/>
-          </p:cNvPicPr>
-          <p:nvPr/>
-        </p:nvPicPr>
-        <p:blipFill>
-          <a:blip r:embed="rId2">
-            <a:alphaModFix amt="24000"/>
-            <a:extLst>
-              <a:ext uri="{28A0092B-C50C-407E-A947-70E740481C1C}">
-                <a14:useLocalDpi xmlns:a14="http://schemas.microsoft.com/office/drawing/2010/main" val="0"/>
-              </a:ext>
-            </a:extLst>
-          </a:blip>
-          <a:stretch>
-            <a:fillRect/>
-          </a:stretch>
-        </p:blipFill>
-        <p:spPr>
-          <a:xfrm>
-            <a:off x="-2411662" y="16042"/>
-            <a:ext cx="17808514" cy="6858000"/>
-          </a:xfrm>
-          <a:prstGeom prst="rect">
-            <a:avLst/>
-          </a:prstGeom>
-        </p:spPr>
-      </p:pic>
-      <p:cxnSp>
-        <p:nvCxnSpPr>
-          <p:cNvPr id="9" name="Connecteur droit 8"/>
-          <p:cNvCxnSpPr/>
-          <p:nvPr/>
-        </p:nvCxnSpPr>
-        <p:spPr>
-          <a:xfrm>
-            <a:off x="3676696" y="3686627"/>
-            <a:ext cx="4702626" cy="0"/>
-          </a:xfrm>
-          <a:prstGeom prst="line">
-            <a:avLst/>
-          </a:prstGeom>
-          <a:ln>
-            <a:solidFill>
-              <a:schemeClr val="bg2">
-                <a:lumMod val="50000"/>
-              </a:schemeClr>
-            </a:solidFill>
-          </a:ln>
-        </p:spPr>
-        <p:style>
-          <a:lnRef idx="1">
-            <a:schemeClr val="accent1"/>
-          </a:lnRef>
-          <a:fillRef idx="0">
-            <a:schemeClr val="accent1"/>
-          </a:fillRef>
-          <a:effectRef idx="0">
-            <a:schemeClr val="accent1"/>
-          </a:effectRef>
-          <a:fontRef idx="minor">
-            <a:schemeClr val="tx1"/>
-          </a:fontRef>
-        </p:style>
-      </p:cxnSp>
-      <p:sp>
-        <p:nvSpPr>
-          <p:cNvPr id="10" name="ZoneTexte 9"/>
-          <p:cNvSpPr txBox="1"/>
-          <p:nvPr/>
-        </p:nvSpPr>
-        <p:spPr>
-          <a:xfrm>
-            <a:off x="4997495" y="2798711"/>
-            <a:ext cx="4814161" cy="646331"/>
-          </a:xfrm>
-          <a:prstGeom prst="rect">
-            <a:avLst/>
-          </a:prstGeom>
-          <a:noFill/>
-        </p:spPr>
-        <p:txBody>
-          <a:bodyPr wrap="square" rtlCol="0">
-            <a:spAutoFit/>
-          </a:bodyPr>
-          <a:lstStyle/>
-          <a:p>
-            <a:r>
-              <a:rPr lang="fr-FR" sz="3600" dirty="0" smtClean="0"/>
-              <a:t>Sharing</a:t>
-            </a:r>
-            <a:endParaRPr lang="fr-FR" sz="3600" dirty="0"/>
-          </a:p>
-        </p:txBody>
-      </p:sp>
-    </p:spTree>
-    <p:extLst>
-      <p:ext uri="{BB962C8B-B14F-4D97-AF65-F5344CB8AC3E}">
-        <p14:creationId xmlns:p14="http://schemas.microsoft.com/office/powerpoint/2010/main" val="481190062"/>
-      </p:ext>
-    </p:extLst>
-  </p:cSld>
-  <p:clrMapOvr>
-    <a:masterClrMapping/>
-  </p:clrMapOvr>
-  <p:timing>
-    <p:tnLst>
-      <p:par>
-        <p:cTn id="1" dur="indefinite" restart="never" nodeType="tmRoot"/>
-      </p:par>
-    </p:tnLst>
-  </p:timing>
-</p:sld>
-</file>
-
-<file path=ppt/slides/slide28.xml><?xml version="1.0" encoding="utf-8"?>
-<p:sld xmlns:a="http://schemas.openxmlformats.org/drawingml/2006/main" xmlns:r="http://schemas.openxmlformats.org/officeDocument/2006/relationships" xmlns:p="http://schemas.openxmlformats.org/presentationml/2006/main">
-  <p:cSld>
-    <p:spTree>
-      <p:nvGrpSpPr>
-        <p:cNvPr id="1" name=""/>
-        <p:cNvGrpSpPr/>
-        <p:nvPr/>
-      </p:nvGrpSpPr>
-      <p:grpSpPr>
-        <a:xfrm>
-          <a:off x="0" y="0"/>
-          <a:ext cx="0" cy="0"/>
-          <a:chOff x="0" y="0"/>
-          <a:chExt cx="0" cy="0"/>
-        </a:xfrm>
-      </p:grpSpPr>
-      <p:sp>
-        <p:nvSpPr>
-          <p:cNvPr id="3" name="ZoneTexte 2"/>
-          <p:cNvSpPr txBox="1"/>
-          <p:nvPr/>
-        </p:nvSpPr>
-        <p:spPr>
-          <a:xfrm>
-            <a:off x="16804" y="-2963"/>
-            <a:ext cx="9506859" cy="769441"/>
-          </a:xfrm>
-          <a:prstGeom prst="rect">
-            <a:avLst/>
-          </a:prstGeom>
-          <a:noFill/>
-        </p:spPr>
-        <p:txBody>
-          <a:bodyPr wrap="square" rtlCol="0">
-            <a:spAutoFit/>
-          </a:bodyPr>
-          <a:lstStyle/>
-          <a:p>
-            <a:r>
-              <a:rPr lang="en-CA" sz="4400" dirty="0" smtClean="0">
-                <a:solidFill>
-                  <a:schemeClr val="accent2">
-                    <a:lumMod val="75000"/>
-                  </a:schemeClr>
-                </a:solidFill>
-              </a:rPr>
-              <a:t>Output format?</a:t>
-            </a:r>
-            <a:endParaRPr lang="en-CA" sz="4400" dirty="0">
-              <a:solidFill>
-                <a:schemeClr val="accent2">
-                  <a:lumMod val="75000"/>
-                </a:schemeClr>
-              </a:solidFill>
-            </a:endParaRPr>
-          </a:p>
-        </p:txBody>
-      </p:sp>
-      <p:pic>
-        <p:nvPicPr>
-          <p:cNvPr id="4" name="Image 3"/>
-          <p:cNvPicPr>
-            <a:picLocks noChangeAspect="1"/>
-          </p:cNvPicPr>
-          <p:nvPr/>
-        </p:nvPicPr>
-        <p:blipFill>
-          <a:blip r:embed="rId2"/>
-          <a:stretch>
-            <a:fillRect/>
-          </a:stretch>
-        </p:blipFill>
-        <p:spPr>
-          <a:xfrm>
-            <a:off x="2273968" y="590015"/>
-            <a:ext cx="7126706" cy="6111342"/>
-          </a:xfrm>
-          <a:prstGeom prst="rect">
-            <a:avLst/>
-          </a:prstGeom>
-        </p:spPr>
-      </p:pic>
-      <p:sp>
-        <p:nvSpPr>
-          <p:cNvPr id="9" name="ZoneTexte 8"/>
-          <p:cNvSpPr txBox="1"/>
-          <p:nvPr/>
-        </p:nvSpPr>
-        <p:spPr>
-          <a:xfrm>
-            <a:off x="1862221" y="1917121"/>
-            <a:ext cx="1779337" cy="400110"/>
-          </a:xfrm>
-          <a:prstGeom prst="rect">
-            <a:avLst/>
-          </a:prstGeom>
-          <a:noFill/>
-        </p:spPr>
-        <p:txBody>
-          <a:bodyPr wrap="square" rtlCol="0">
-            <a:spAutoFit/>
-          </a:bodyPr>
-          <a:lstStyle/>
-          <a:p>
-            <a:r>
-              <a:rPr lang="fr-FR" sz="2000" b="1" dirty="0" smtClean="0">
-                <a:solidFill>
-                  <a:srgbClr val="FF0000"/>
-                </a:solidFill>
-              </a:rPr>
-              <a:t>Word .doc</a:t>
-            </a:r>
-          </a:p>
-        </p:txBody>
-      </p:sp>
-      <p:sp>
-        <p:nvSpPr>
-          <p:cNvPr id="10" name="ZoneTexte 9"/>
-          <p:cNvSpPr txBox="1"/>
-          <p:nvPr/>
-        </p:nvSpPr>
-        <p:spPr>
-          <a:xfrm>
-            <a:off x="8200860" y="1717066"/>
-            <a:ext cx="814803" cy="400110"/>
-          </a:xfrm>
-          <a:prstGeom prst="rect">
-            <a:avLst/>
-          </a:prstGeom>
-          <a:noFill/>
-        </p:spPr>
-        <p:txBody>
-          <a:bodyPr wrap="square" rtlCol="0">
-            <a:spAutoFit/>
-          </a:bodyPr>
-          <a:lstStyle/>
-          <a:p>
-            <a:r>
-              <a:rPr lang="fr-FR" sz="2000" b="1" dirty="0" smtClean="0">
-                <a:solidFill>
-                  <a:srgbClr val="FF0000"/>
-                </a:solidFill>
-              </a:rPr>
-              <a:t>.</a:t>
-            </a:r>
-            <a:r>
-              <a:rPr lang="fr-FR" sz="2000" b="1" dirty="0" err="1" smtClean="0">
-                <a:solidFill>
-                  <a:srgbClr val="FF0000"/>
-                </a:solidFill>
-              </a:rPr>
-              <a:t>pdf</a:t>
-            </a:r>
-            <a:endParaRPr lang="fr-FR" sz="2000" b="1" dirty="0" smtClean="0">
-              <a:solidFill>
-                <a:srgbClr val="FF0000"/>
-              </a:solidFill>
-            </a:endParaRPr>
-          </a:p>
-        </p:txBody>
-      </p:sp>
-      <p:sp>
-        <p:nvSpPr>
-          <p:cNvPr id="11" name="ZoneTexte 10"/>
-          <p:cNvSpPr txBox="1"/>
-          <p:nvPr/>
-        </p:nvSpPr>
-        <p:spPr>
-          <a:xfrm>
-            <a:off x="5273176" y="93471"/>
-            <a:ext cx="814803" cy="400110"/>
-          </a:xfrm>
-          <a:prstGeom prst="rect">
-            <a:avLst/>
-          </a:prstGeom>
-          <a:noFill/>
-        </p:spPr>
-        <p:txBody>
-          <a:bodyPr wrap="square" rtlCol="0">
-            <a:spAutoFit/>
-          </a:bodyPr>
-          <a:lstStyle/>
-          <a:p>
-            <a:r>
-              <a:rPr lang="fr-FR" sz="2000" b="1" dirty="0" smtClean="0">
-                <a:solidFill>
-                  <a:srgbClr val="FF0000"/>
-                </a:solidFill>
-              </a:rPr>
-              <a:t>Book</a:t>
-            </a:r>
-          </a:p>
-        </p:txBody>
-      </p:sp>
-      <p:sp>
-        <p:nvSpPr>
-          <p:cNvPr id="12" name="ZoneTexte 11"/>
-          <p:cNvSpPr txBox="1"/>
-          <p:nvPr/>
-        </p:nvSpPr>
-        <p:spPr>
-          <a:xfrm>
-            <a:off x="8993272" y="3333807"/>
-            <a:ext cx="1161381" cy="400110"/>
-          </a:xfrm>
-          <a:prstGeom prst="rect">
-            <a:avLst/>
-          </a:prstGeom>
-          <a:noFill/>
-        </p:spPr>
-        <p:txBody>
-          <a:bodyPr wrap="square" rtlCol="0">
-            <a:spAutoFit/>
-          </a:bodyPr>
-          <a:lstStyle/>
-          <a:p>
-            <a:r>
-              <a:rPr lang="fr-FR" sz="2000" b="1" dirty="0" smtClean="0">
-                <a:solidFill>
-                  <a:srgbClr val="FF0000"/>
-                </a:solidFill>
-              </a:rPr>
-              <a:t>Template</a:t>
-            </a:r>
-          </a:p>
-        </p:txBody>
-      </p:sp>
-      <p:sp>
-        <p:nvSpPr>
-          <p:cNvPr id="13" name="ZoneTexte 12"/>
-          <p:cNvSpPr txBox="1"/>
-          <p:nvPr/>
-        </p:nvSpPr>
-        <p:spPr>
-          <a:xfrm>
-            <a:off x="1299411" y="3333807"/>
-            <a:ext cx="1452479" cy="400110"/>
-          </a:xfrm>
-          <a:prstGeom prst="rect">
-            <a:avLst/>
-          </a:prstGeom>
-          <a:noFill/>
-        </p:spPr>
-        <p:txBody>
-          <a:bodyPr wrap="square" rtlCol="0">
-            <a:spAutoFit/>
-          </a:bodyPr>
-          <a:lstStyle/>
-          <a:p>
-            <a:r>
-              <a:rPr lang="fr-FR" sz="2000" b="1" smtClean="0">
-                <a:solidFill>
-                  <a:srgbClr val="FF0000"/>
-                </a:solidFill>
-              </a:rPr>
-              <a:t>Dashboard</a:t>
-            </a:r>
-            <a:endParaRPr lang="fr-FR" sz="2000" b="1" dirty="0" smtClean="0">
-              <a:solidFill>
-                <a:srgbClr val="FF0000"/>
-              </a:solidFill>
-            </a:endParaRPr>
-          </a:p>
-        </p:txBody>
-      </p:sp>
-      <p:sp>
-        <p:nvSpPr>
-          <p:cNvPr id="14" name="ZoneTexte 13"/>
-          <p:cNvSpPr txBox="1"/>
-          <p:nvPr/>
-        </p:nvSpPr>
-        <p:spPr>
-          <a:xfrm>
-            <a:off x="2150979" y="4817527"/>
-            <a:ext cx="1452479" cy="400110"/>
-          </a:xfrm>
-          <a:prstGeom prst="rect">
-            <a:avLst/>
-          </a:prstGeom>
-          <a:noFill/>
-        </p:spPr>
-        <p:txBody>
-          <a:bodyPr wrap="square" rtlCol="0">
-            <a:spAutoFit/>
-          </a:bodyPr>
-          <a:lstStyle/>
-          <a:p>
-            <a:r>
-              <a:rPr lang="fr-FR" sz="2000" b="1" dirty="0" smtClean="0">
-                <a:solidFill>
-                  <a:srgbClr val="FF0000"/>
-                </a:solidFill>
-              </a:rPr>
-              <a:t>Slides</a:t>
-            </a:r>
-          </a:p>
-        </p:txBody>
-      </p:sp>
-      <p:sp>
-        <p:nvSpPr>
-          <p:cNvPr id="15" name="ZoneTexte 14"/>
-          <p:cNvSpPr txBox="1"/>
-          <p:nvPr/>
-        </p:nvSpPr>
-        <p:spPr>
-          <a:xfrm>
-            <a:off x="5507288" y="6397681"/>
-            <a:ext cx="1161381" cy="400110"/>
-          </a:xfrm>
-          <a:prstGeom prst="rect">
-            <a:avLst/>
-          </a:prstGeom>
-          <a:noFill/>
-        </p:spPr>
-        <p:txBody>
-          <a:bodyPr wrap="square" rtlCol="0">
-            <a:spAutoFit/>
-          </a:bodyPr>
-          <a:lstStyle/>
-          <a:p>
-            <a:r>
-              <a:rPr lang="fr-FR" sz="2000" b="1" smtClean="0">
-                <a:solidFill>
-                  <a:srgbClr val="FF0000"/>
-                </a:solidFill>
-              </a:rPr>
-              <a:t>Blog</a:t>
-            </a:r>
-            <a:endParaRPr lang="fr-FR" sz="2000" b="1" dirty="0" smtClean="0">
-              <a:solidFill>
-                <a:srgbClr val="FF0000"/>
-              </a:solidFill>
-            </a:endParaRPr>
-          </a:p>
-        </p:txBody>
-      </p:sp>
-    </p:spTree>
-    <p:extLst>
-      <p:ext uri="{BB962C8B-B14F-4D97-AF65-F5344CB8AC3E}">
-        <p14:creationId xmlns:p14="http://schemas.microsoft.com/office/powerpoint/2010/main" val="341273363"/>
-      </p:ext>
-    </p:extLst>
-  </p:cSld>
-  <p:clrMapOvr>
-    <a:masterClrMapping/>
-  </p:clrMapOvr>
-  <p:timing>
-    <p:tnLst>
-      <p:par>
-        <p:cTn id="1" dur="indefinite" restart="never" nodeType="tmRoot"/>
-      </p:par>
-    </p:tnLst>
-  </p:timing>
-</p:sld>
-</file>
-
-<file path=ppt/slides/slide29.xml><?xml version="1.0" encoding="utf-8"?>
-<p:sld xmlns:a="http://schemas.openxmlformats.org/drawingml/2006/main" xmlns:r="http://schemas.openxmlformats.org/officeDocument/2006/relationships" xmlns:p="http://schemas.openxmlformats.org/presentationml/2006/main">
-  <p:cSld>
-    <p:spTree>
-      <p:nvGrpSpPr>
-        <p:cNvPr id="1" name=""/>
-        <p:cNvGrpSpPr/>
-        <p:nvPr/>
-      </p:nvGrpSpPr>
-      <p:grpSpPr>
-        <a:xfrm>
-          <a:off x="0" y="0"/>
-          <a:ext cx="0" cy="0"/>
-          <a:chOff x="0" y="0"/>
-          <a:chExt cx="0" cy="0"/>
-        </a:xfrm>
-      </p:grpSpPr>
-      <p:sp>
-        <p:nvSpPr>
-          <p:cNvPr id="3" name="ZoneTexte 2"/>
-          <p:cNvSpPr txBox="1"/>
-          <p:nvPr/>
-        </p:nvSpPr>
-        <p:spPr>
-          <a:xfrm>
-            <a:off x="145140" y="109331"/>
-            <a:ext cx="9506859" cy="769441"/>
-          </a:xfrm>
-          <a:prstGeom prst="rect">
-            <a:avLst/>
-          </a:prstGeom>
-          <a:noFill/>
-        </p:spPr>
-        <p:txBody>
-          <a:bodyPr wrap="square" rtlCol="0">
-            <a:spAutoFit/>
-          </a:bodyPr>
-          <a:lstStyle/>
-          <a:p>
-            <a:r>
-              <a:rPr lang="en-CA" sz="4400" dirty="0" smtClean="0">
-                <a:solidFill>
-                  <a:schemeClr val="accent2">
-                    <a:lumMod val="75000"/>
-                  </a:schemeClr>
-                </a:solidFill>
-              </a:rPr>
-              <a:t>Share your analysis</a:t>
-            </a:r>
-            <a:endParaRPr lang="en-CA" sz="4400" dirty="0">
-              <a:solidFill>
-                <a:schemeClr val="accent2">
-                  <a:lumMod val="75000"/>
-                </a:schemeClr>
-              </a:solidFill>
-            </a:endParaRPr>
-          </a:p>
-        </p:txBody>
-      </p:sp>
-      <p:sp>
-        <p:nvSpPr>
-          <p:cNvPr id="4" name="ZoneTexte 3"/>
-          <p:cNvSpPr txBox="1"/>
-          <p:nvPr/>
-        </p:nvSpPr>
-        <p:spPr>
-          <a:xfrm>
-            <a:off x="3329882" y="1951789"/>
-            <a:ext cx="6978316" cy="3108543"/>
-          </a:xfrm>
-          <a:prstGeom prst="rect">
-            <a:avLst/>
-          </a:prstGeom>
-          <a:noFill/>
-        </p:spPr>
-        <p:txBody>
-          <a:bodyPr wrap="square" rtlCol="0">
-            <a:spAutoFit/>
-          </a:bodyPr>
-          <a:lstStyle/>
-          <a:p>
-            <a:pPr marL="285750" indent="-285750">
-              <a:buFont typeface="Arial" charset="0"/>
-              <a:buChar char="•"/>
-            </a:pPr>
-            <a:r>
-              <a:rPr lang="en-CA" sz="2800" dirty="0" smtClean="0"/>
-              <a:t>Mail with colleagues, supervisor</a:t>
-            </a:r>
-          </a:p>
-          <a:p>
-            <a:endParaRPr lang="en-CA" sz="2800" dirty="0" smtClean="0"/>
-          </a:p>
-          <a:p>
-            <a:pPr marL="285750" indent="-285750">
-              <a:buFont typeface="Arial" charset="0"/>
-              <a:buChar char="•"/>
-            </a:pPr>
-            <a:r>
-              <a:rPr lang="en-CA" sz="2800" dirty="0" smtClean="0"/>
-              <a:t>Publication as a supplementary material</a:t>
-            </a:r>
-          </a:p>
-          <a:p>
-            <a:pPr marL="285750" indent="-285750">
-              <a:buFont typeface="Arial" charset="0"/>
-              <a:buChar char="•"/>
-            </a:pPr>
-            <a:endParaRPr lang="en-CA" sz="2800" dirty="0" smtClean="0"/>
-          </a:p>
-          <a:p>
-            <a:pPr marL="285750" indent="-285750">
-              <a:buFont typeface="Arial" charset="0"/>
-              <a:buChar char="•"/>
-            </a:pPr>
-            <a:r>
-              <a:rPr lang="en-CA" sz="2800" dirty="0" err="1" smtClean="0"/>
-              <a:t>Github</a:t>
-            </a:r>
-            <a:r>
-              <a:rPr lang="en-CA" sz="2800" dirty="0" smtClean="0"/>
-              <a:t>: </a:t>
-            </a:r>
-            <a:r>
-              <a:rPr lang="en-CA" sz="2800" dirty="0" smtClean="0">
-                <a:hlinkClick r:id="rId2"/>
-              </a:rPr>
-              <a:t>www.github.com</a:t>
-            </a:r>
-            <a:r>
-              <a:rPr lang="en-CA" sz="2800" dirty="0" smtClean="0"/>
-              <a:t> </a:t>
-            </a:r>
-          </a:p>
-          <a:p>
-            <a:endParaRPr lang="en-CA" sz="2800" dirty="0" smtClean="0"/>
-          </a:p>
-          <a:p>
-            <a:pPr marL="285750" indent="-285750">
-              <a:buFont typeface="Arial" charset="0"/>
-              <a:buChar char="•"/>
-            </a:pPr>
-            <a:r>
-              <a:rPr lang="en-CA" sz="2800" dirty="0" smtClean="0"/>
-              <a:t>Website</a:t>
-            </a:r>
-            <a:endParaRPr lang="en-CA" sz="2800" dirty="0"/>
-          </a:p>
-        </p:txBody>
-      </p:sp>
-      <p:pic>
-        <p:nvPicPr>
-          <p:cNvPr id="2" name="Image 1"/>
-          <p:cNvPicPr>
-            <a:picLocks noChangeAspect="1"/>
-          </p:cNvPicPr>
-          <p:nvPr/>
-        </p:nvPicPr>
-        <p:blipFill>
-          <a:blip r:embed="rId3"/>
-          <a:stretch>
-            <a:fillRect/>
-          </a:stretch>
-        </p:blipFill>
-        <p:spPr>
-          <a:xfrm>
-            <a:off x="2206935" y="3506060"/>
-            <a:ext cx="962526" cy="886822"/>
-          </a:xfrm>
-          <a:prstGeom prst="rect">
-            <a:avLst/>
-          </a:prstGeom>
-        </p:spPr>
-      </p:pic>
-      <p:pic>
-        <p:nvPicPr>
-          <p:cNvPr id="5" name="Image 4"/>
-          <p:cNvPicPr>
-            <a:picLocks noChangeAspect="1"/>
-          </p:cNvPicPr>
-          <p:nvPr/>
-        </p:nvPicPr>
-        <p:blipFill>
-          <a:blip r:embed="rId3"/>
-          <a:stretch>
-            <a:fillRect/>
-          </a:stretch>
-        </p:blipFill>
-        <p:spPr>
-          <a:xfrm>
-            <a:off x="7605104" y="3492710"/>
-            <a:ext cx="962526" cy="886822"/>
-          </a:xfrm>
-          <a:prstGeom prst="rect">
-            <a:avLst/>
-          </a:prstGeom>
-        </p:spPr>
-      </p:pic>
-    </p:spTree>
-    <p:extLst>
-      <p:ext uri="{BB962C8B-B14F-4D97-AF65-F5344CB8AC3E}">
-        <p14:creationId xmlns:p14="http://schemas.microsoft.com/office/powerpoint/2010/main" val="2015079022"/>
-      </p:ext>
-    </p:extLst>
-  </p:cSld>
-  <p:clrMapOvr>
-    <a:masterClrMapping/>
-  </p:clrMapOvr>
-  <p:timing>
-    <p:tnLst>
-      <p:par>
-        <p:cTn id="1" dur="indefinite" restart="never" nodeType="tmRoot"/>
-      </p:par>
-    </p:tnLst>
-  </p:timing>
-</p:sld>
-</file>
-
 <file path=ppt/slides/slide3.xml><?xml version="1.0" encoding="utf-8"?>
 <p:sld xmlns:a="http://schemas.openxmlformats.org/drawingml/2006/main" xmlns:r="http://schemas.openxmlformats.org/officeDocument/2006/relationships" xmlns:p="http://schemas.openxmlformats.org/presentationml/2006/main">
   <p:cSld>
@@ -10065,994 +7360,6 @@
     <p:extLst>
       <p:ext uri="{BB962C8B-B14F-4D97-AF65-F5344CB8AC3E}">
         <p14:creationId xmlns:p14="http://schemas.microsoft.com/office/powerpoint/2010/main" val="1080794389"/>
-      </p:ext>
-    </p:extLst>
-  </p:cSld>
-  <p:clrMapOvr>
-    <a:masterClrMapping/>
-  </p:clrMapOvr>
-  <p:timing>
-    <p:tnLst>
-      <p:par>
-        <p:cTn id="1" dur="indefinite" restart="never" nodeType="tmRoot"/>
-      </p:par>
-    </p:tnLst>
-  </p:timing>
-</p:sld>
-</file>
-
-<file path=ppt/slides/slide30.xml><?xml version="1.0" encoding="utf-8"?>
-<p:sld xmlns:a="http://schemas.openxmlformats.org/drawingml/2006/main" xmlns:r="http://schemas.openxmlformats.org/officeDocument/2006/relationships" xmlns:p="http://schemas.openxmlformats.org/presentationml/2006/main">
-  <p:cSld>
-    <p:spTree>
-      <p:nvGrpSpPr>
-        <p:cNvPr id="1" name=""/>
-        <p:cNvGrpSpPr/>
-        <p:nvPr/>
-      </p:nvGrpSpPr>
-      <p:grpSpPr>
-        <a:xfrm>
-          <a:off x="0" y="0"/>
-          <a:ext cx="0" cy="0"/>
-          <a:chOff x="0" y="0"/>
-          <a:chExt cx="0" cy="0"/>
-        </a:xfrm>
-      </p:grpSpPr>
-      <p:pic>
-        <p:nvPicPr>
-          <p:cNvPr id="8" name="Image 7"/>
-          <p:cNvPicPr>
-            <a:picLocks noChangeAspect="1"/>
-          </p:cNvPicPr>
-          <p:nvPr/>
-        </p:nvPicPr>
-        <p:blipFill>
-          <a:blip r:embed="rId2">
-            <a:alphaModFix amt="24000"/>
-            <a:extLst>
-              <a:ext uri="{28A0092B-C50C-407E-A947-70E740481C1C}">
-                <a14:useLocalDpi xmlns:a14="http://schemas.microsoft.com/office/drawing/2010/main" val="0"/>
-              </a:ext>
-            </a:extLst>
-          </a:blip>
-          <a:stretch>
-            <a:fillRect/>
-          </a:stretch>
-        </p:blipFill>
-        <p:spPr>
-          <a:xfrm>
-            <a:off x="-2411662" y="16042"/>
-            <a:ext cx="17808514" cy="6858000"/>
-          </a:xfrm>
-          <a:prstGeom prst="rect">
-            <a:avLst/>
-          </a:prstGeom>
-        </p:spPr>
-      </p:pic>
-      <p:cxnSp>
-        <p:nvCxnSpPr>
-          <p:cNvPr id="9" name="Connecteur droit 8"/>
-          <p:cNvCxnSpPr/>
-          <p:nvPr/>
-        </p:nvCxnSpPr>
-        <p:spPr>
-          <a:xfrm>
-            <a:off x="3676696" y="3686627"/>
-            <a:ext cx="4702626" cy="0"/>
-          </a:xfrm>
-          <a:prstGeom prst="line">
-            <a:avLst/>
-          </a:prstGeom>
-          <a:ln>
-            <a:solidFill>
-              <a:schemeClr val="bg2">
-                <a:lumMod val="50000"/>
-              </a:schemeClr>
-            </a:solidFill>
-          </a:ln>
-        </p:spPr>
-        <p:style>
-          <a:lnRef idx="1">
-            <a:schemeClr val="accent1"/>
-          </a:lnRef>
-          <a:fillRef idx="0">
-            <a:schemeClr val="accent1"/>
-          </a:fillRef>
-          <a:effectRef idx="0">
-            <a:schemeClr val="accent1"/>
-          </a:effectRef>
-          <a:fontRef idx="minor">
-            <a:schemeClr val="tx1"/>
-          </a:fontRef>
-        </p:style>
-      </p:cxnSp>
-      <p:sp>
-        <p:nvSpPr>
-          <p:cNvPr id="10" name="ZoneTexte 9"/>
-          <p:cNvSpPr txBox="1"/>
-          <p:nvPr/>
-        </p:nvSpPr>
-        <p:spPr>
-          <a:xfrm>
-            <a:off x="4808810" y="2798711"/>
-            <a:ext cx="4814161" cy="646331"/>
-          </a:xfrm>
-          <a:prstGeom prst="rect">
-            <a:avLst/>
-          </a:prstGeom>
-          <a:noFill/>
-        </p:spPr>
-        <p:txBody>
-          <a:bodyPr wrap="square" rtlCol="0">
-            <a:spAutoFit/>
-          </a:bodyPr>
-          <a:lstStyle/>
-          <a:p>
-            <a:r>
-              <a:rPr lang="fr-FR" sz="3600" smtClean="0"/>
-              <a:t>Example</a:t>
-            </a:r>
-            <a:endParaRPr lang="fr-FR" sz="3600" dirty="0"/>
-          </a:p>
-        </p:txBody>
-      </p:sp>
-    </p:spTree>
-    <p:extLst>
-      <p:ext uri="{BB962C8B-B14F-4D97-AF65-F5344CB8AC3E}">
-        <p14:creationId xmlns:p14="http://schemas.microsoft.com/office/powerpoint/2010/main" val="1085065883"/>
-      </p:ext>
-    </p:extLst>
-  </p:cSld>
-  <p:clrMapOvr>
-    <a:masterClrMapping/>
-  </p:clrMapOvr>
-  <p:timing>
-    <p:tnLst>
-      <p:par>
-        <p:cTn id="1" dur="indefinite" restart="never" nodeType="tmRoot"/>
-      </p:par>
-    </p:tnLst>
-  </p:timing>
-</p:sld>
-</file>
-
-<file path=ppt/slides/slide31.xml><?xml version="1.0" encoding="utf-8"?>
-<p:sld xmlns:a="http://schemas.openxmlformats.org/drawingml/2006/main" xmlns:r="http://schemas.openxmlformats.org/officeDocument/2006/relationships" xmlns:p="http://schemas.openxmlformats.org/presentationml/2006/main">
-  <p:cSld>
-    <p:spTree>
-      <p:nvGrpSpPr>
-        <p:cNvPr id="1" name=""/>
-        <p:cNvGrpSpPr/>
-        <p:nvPr/>
-      </p:nvGrpSpPr>
-      <p:grpSpPr>
-        <a:xfrm>
-          <a:off x="0" y="0"/>
-          <a:ext cx="0" cy="0"/>
-          <a:chOff x="0" y="0"/>
-          <a:chExt cx="0" cy="0"/>
-        </a:xfrm>
-      </p:grpSpPr>
-      <p:sp>
-        <p:nvSpPr>
-          <p:cNvPr id="3" name="ZoneTexte 2"/>
-          <p:cNvSpPr txBox="1"/>
-          <p:nvPr/>
-        </p:nvSpPr>
-        <p:spPr>
-          <a:xfrm>
-            <a:off x="304797" y="312531"/>
-            <a:ext cx="9506859" cy="769441"/>
-          </a:xfrm>
-          <a:prstGeom prst="rect">
-            <a:avLst/>
-          </a:prstGeom>
-          <a:noFill/>
-        </p:spPr>
-        <p:txBody>
-          <a:bodyPr wrap="square" rtlCol="0">
-            <a:spAutoFit/>
-          </a:bodyPr>
-          <a:lstStyle/>
-          <a:p>
-            <a:r>
-              <a:rPr lang="en-CA" sz="4400" dirty="0" smtClean="0">
-                <a:solidFill>
-                  <a:schemeClr val="accent2">
-                    <a:lumMod val="75000"/>
-                  </a:schemeClr>
-                </a:solidFill>
-              </a:rPr>
-              <a:t>An example: my </a:t>
-            </a:r>
-            <a:r>
-              <a:rPr lang="en-CA" sz="4400" dirty="0" err="1" smtClean="0">
-                <a:solidFill>
-                  <a:schemeClr val="accent2">
-                    <a:lumMod val="75000"/>
-                  </a:schemeClr>
-                </a:solidFill>
-              </a:rPr>
-              <a:t>bioinfo</a:t>
-            </a:r>
-            <a:r>
-              <a:rPr lang="en-CA" sz="4400" dirty="0" smtClean="0">
-                <a:solidFill>
-                  <a:schemeClr val="accent2">
-                    <a:lumMod val="75000"/>
-                  </a:schemeClr>
-                </a:solidFill>
-              </a:rPr>
-              <a:t> pipeline:</a:t>
-            </a:r>
-            <a:endParaRPr lang="en-CA" sz="4400" dirty="0">
-              <a:solidFill>
-                <a:schemeClr val="accent2">
-                  <a:lumMod val="75000"/>
-                </a:schemeClr>
-              </a:solidFill>
-            </a:endParaRPr>
-          </a:p>
-        </p:txBody>
-      </p:sp>
-      <p:sp>
-        <p:nvSpPr>
-          <p:cNvPr id="4" name="ZoneTexte 3"/>
-          <p:cNvSpPr txBox="1"/>
-          <p:nvPr/>
-        </p:nvSpPr>
-        <p:spPr>
-          <a:xfrm>
-            <a:off x="1805882" y="1995332"/>
-            <a:ext cx="6978316" cy="3108543"/>
-          </a:xfrm>
-          <a:prstGeom prst="rect">
-            <a:avLst/>
-          </a:prstGeom>
-          <a:noFill/>
-        </p:spPr>
-        <p:txBody>
-          <a:bodyPr wrap="square" rtlCol="0">
-            <a:spAutoFit/>
-          </a:bodyPr>
-          <a:lstStyle/>
-          <a:p>
-            <a:pPr marL="285750" indent="-285750">
-              <a:buFont typeface="Arial" charset="0"/>
-              <a:buChar char="•"/>
-            </a:pPr>
-            <a:r>
-              <a:rPr lang="fr-FR" sz="2800" dirty="0" smtClean="0"/>
-              <a:t>Interaction </a:t>
-            </a:r>
-            <a:r>
-              <a:rPr lang="fr-FR" sz="2800" dirty="0" err="1" smtClean="0"/>
-              <a:t>with</a:t>
-            </a:r>
-            <a:r>
-              <a:rPr lang="fr-FR" sz="2800" dirty="0" smtClean="0"/>
-              <a:t> clusters</a:t>
-            </a:r>
-          </a:p>
-          <a:p>
-            <a:endParaRPr lang="fr-FR" sz="2800" dirty="0" smtClean="0"/>
-          </a:p>
-          <a:p>
-            <a:pPr marL="285750" indent="-285750">
-              <a:buFont typeface="Arial" charset="0"/>
-              <a:buChar char="•"/>
-            </a:pPr>
-            <a:r>
-              <a:rPr lang="fr-FR" sz="2800" dirty="0" smtClean="0"/>
-              <a:t>One unique </a:t>
-            </a:r>
-            <a:r>
-              <a:rPr lang="fr-FR" sz="2800" dirty="0" err="1" smtClean="0"/>
-              <a:t>folder</a:t>
-            </a:r>
-            <a:endParaRPr lang="fr-FR" sz="2800" dirty="0" smtClean="0"/>
-          </a:p>
-          <a:p>
-            <a:pPr marL="285750" indent="-285750">
-              <a:buFont typeface="Arial" charset="0"/>
-              <a:buChar char="•"/>
-            </a:pPr>
-            <a:endParaRPr lang="fr-FR" sz="2800" dirty="0"/>
-          </a:p>
-          <a:p>
-            <a:pPr marL="285750" indent="-285750">
-              <a:buFont typeface="Arial" charset="0"/>
-              <a:buChar char="•"/>
-            </a:pPr>
-            <a:r>
-              <a:rPr lang="fr-FR" sz="2800" dirty="0" err="1" smtClean="0"/>
-              <a:t>Several</a:t>
-            </a:r>
-            <a:r>
-              <a:rPr lang="fr-FR" sz="2800" dirty="0" smtClean="0"/>
-              <a:t> .</a:t>
-            </a:r>
-            <a:r>
-              <a:rPr lang="fr-FR" sz="2800" dirty="0" err="1" smtClean="0"/>
-              <a:t>rmd</a:t>
-            </a:r>
-            <a:r>
-              <a:rPr lang="fr-FR" sz="2800" dirty="0" smtClean="0"/>
-              <a:t> </a:t>
-            </a:r>
-            <a:r>
-              <a:rPr lang="fr-FR" sz="2800" dirty="0" err="1" smtClean="0"/>
-              <a:t>wrapped</a:t>
-            </a:r>
-            <a:r>
-              <a:rPr lang="fr-FR" sz="2800" dirty="0" smtClean="0"/>
-              <a:t> in a </a:t>
-            </a:r>
-            <a:r>
-              <a:rPr lang="fr-FR" sz="2800" dirty="0" err="1" smtClean="0"/>
-              <a:t>website</a:t>
-            </a:r>
-            <a:endParaRPr lang="fr-FR" sz="2800" b="1" dirty="0" smtClean="0">
-              <a:solidFill>
-                <a:schemeClr val="accent6">
-                  <a:lumMod val="75000"/>
-                </a:schemeClr>
-              </a:solidFill>
-            </a:endParaRPr>
-          </a:p>
-          <a:p>
-            <a:endParaRPr lang="fr-FR" sz="2800" dirty="0"/>
-          </a:p>
-          <a:p>
-            <a:pPr marL="285750" indent="-285750">
-              <a:buFont typeface="Arial" charset="0"/>
-              <a:buChar char="•"/>
-            </a:pPr>
-            <a:r>
-              <a:rPr lang="fr-FR" sz="2800" dirty="0" err="1" smtClean="0"/>
-              <a:t>Shared</a:t>
-            </a:r>
-            <a:r>
-              <a:rPr lang="fr-FR" sz="2800" dirty="0" smtClean="0"/>
-              <a:t> online</a:t>
-            </a:r>
-            <a:endParaRPr lang="fr-FR" sz="2800" dirty="0"/>
-          </a:p>
-        </p:txBody>
-      </p:sp>
-    </p:spTree>
-    <p:extLst>
-      <p:ext uri="{BB962C8B-B14F-4D97-AF65-F5344CB8AC3E}">
-        <p14:creationId xmlns:p14="http://schemas.microsoft.com/office/powerpoint/2010/main" val="1001020317"/>
-      </p:ext>
-    </p:extLst>
-  </p:cSld>
-  <p:clrMapOvr>
-    <a:masterClrMapping/>
-  </p:clrMapOvr>
-  <p:timing>
-    <p:tnLst>
-      <p:par>
-        <p:cTn id="1" dur="indefinite" restart="never" nodeType="tmRoot"/>
-      </p:par>
-    </p:tnLst>
-  </p:timing>
-</p:sld>
-</file>
-
-<file path=ppt/slides/slide32.xml><?xml version="1.0" encoding="utf-8"?>
-<p:sld xmlns:a="http://schemas.openxmlformats.org/drawingml/2006/main" xmlns:r="http://schemas.openxmlformats.org/officeDocument/2006/relationships" xmlns:p="http://schemas.openxmlformats.org/presentationml/2006/main">
-  <p:cSld>
-    <p:spTree>
-      <p:nvGrpSpPr>
-        <p:cNvPr id="1" name=""/>
-        <p:cNvGrpSpPr/>
-        <p:nvPr/>
-      </p:nvGrpSpPr>
-      <p:grpSpPr>
-        <a:xfrm>
-          <a:off x="0" y="0"/>
-          <a:ext cx="0" cy="0"/>
-          <a:chOff x="0" y="0"/>
-          <a:chExt cx="0" cy="0"/>
-        </a:xfrm>
-      </p:grpSpPr>
-      <p:pic>
-        <p:nvPicPr>
-          <p:cNvPr id="8" name="Image 7"/>
-          <p:cNvPicPr>
-            <a:picLocks noChangeAspect="1"/>
-          </p:cNvPicPr>
-          <p:nvPr/>
-        </p:nvPicPr>
-        <p:blipFill>
-          <a:blip r:embed="rId3">
-            <a:alphaModFix amt="24000"/>
-            <a:extLst>
-              <a:ext uri="{28A0092B-C50C-407E-A947-70E740481C1C}">
-                <a14:useLocalDpi xmlns:a14="http://schemas.microsoft.com/office/drawing/2010/main" val="0"/>
-              </a:ext>
-            </a:extLst>
-          </a:blip>
-          <a:stretch>
-            <a:fillRect/>
-          </a:stretch>
-        </p:blipFill>
-        <p:spPr>
-          <a:xfrm>
-            <a:off x="-2411662" y="16042"/>
-            <a:ext cx="17808514" cy="6858000"/>
-          </a:xfrm>
-          <a:prstGeom prst="rect">
-            <a:avLst/>
-          </a:prstGeom>
-        </p:spPr>
-      </p:pic>
-      <p:cxnSp>
-        <p:nvCxnSpPr>
-          <p:cNvPr id="9" name="Connecteur droit 8"/>
-          <p:cNvCxnSpPr/>
-          <p:nvPr/>
-        </p:nvCxnSpPr>
-        <p:spPr>
-          <a:xfrm>
-            <a:off x="3837117" y="1809700"/>
-            <a:ext cx="4702626" cy="0"/>
-          </a:xfrm>
-          <a:prstGeom prst="line">
-            <a:avLst/>
-          </a:prstGeom>
-          <a:ln>
-            <a:solidFill>
-              <a:schemeClr val="bg2">
-                <a:lumMod val="50000"/>
-              </a:schemeClr>
-            </a:solidFill>
-          </a:ln>
-        </p:spPr>
-        <p:style>
-          <a:lnRef idx="1">
-            <a:schemeClr val="accent1"/>
-          </a:lnRef>
-          <a:fillRef idx="0">
-            <a:schemeClr val="accent1"/>
-          </a:fillRef>
-          <a:effectRef idx="0">
-            <a:schemeClr val="accent1"/>
-          </a:effectRef>
-          <a:fontRef idx="minor">
-            <a:schemeClr val="tx1"/>
-          </a:fontRef>
-        </p:style>
-      </p:cxnSp>
-      <p:sp>
-        <p:nvSpPr>
-          <p:cNvPr id="10" name="ZoneTexte 9"/>
-          <p:cNvSpPr txBox="1"/>
-          <p:nvPr/>
-        </p:nvSpPr>
-        <p:spPr>
-          <a:xfrm>
-            <a:off x="4969231" y="921784"/>
-            <a:ext cx="4814161" cy="646331"/>
-          </a:xfrm>
-          <a:prstGeom prst="rect">
-            <a:avLst/>
-          </a:prstGeom>
-          <a:noFill/>
-        </p:spPr>
-        <p:txBody>
-          <a:bodyPr wrap="square" rtlCol="0">
-            <a:spAutoFit/>
-          </a:bodyPr>
-          <a:lstStyle/>
-          <a:p>
-            <a:r>
-              <a:rPr lang="fr-FR" sz="3600" dirty="0" err="1" smtClean="0"/>
-              <a:t>Thanks</a:t>
-            </a:r>
-            <a:endParaRPr lang="fr-FR" sz="3600" dirty="0"/>
-          </a:p>
-        </p:txBody>
-      </p:sp>
-      <p:sp>
-        <p:nvSpPr>
-          <p:cNvPr id="5" name="Rectangle 4">
-            <a:hlinkClick r:id="rId4"/>
-          </p:cNvPr>
-          <p:cNvSpPr/>
-          <p:nvPr/>
-        </p:nvSpPr>
-        <p:spPr>
-          <a:xfrm>
-            <a:off x="3437529" y="3137655"/>
-            <a:ext cx="1426994" cy="369332"/>
-          </a:xfrm>
-          <a:prstGeom prst="rect">
-            <a:avLst/>
-          </a:prstGeom>
-          <a:ln>
-            <a:solidFill>
-              <a:schemeClr val="accent1"/>
-            </a:solidFill>
-          </a:ln>
-        </p:spPr>
-        <p:txBody>
-          <a:bodyPr wrap="none">
-            <a:spAutoFit/>
-          </a:bodyPr>
-          <a:lstStyle/>
-          <a:p>
-            <a:r>
-              <a:rPr lang="en-AU" dirty="0" err="1" smtClean="0">
-                <a:solidFill>
-                  <a:schemeClr val="accent1">
-                    <a:lumMod val="75000"/>
-                  </a:schemeClr>
-                </a:solidFill>
-              </a:rPr>
-              <a:t>bit.ly</a:t>
-            </a:r>
-            <a:r>
-              <a:rPr lang="en-AU" dirty="0" smtClean="0">
-                <a:solidFill>
-                  <a:schemeClr val="accent1">
-                    <a:lumMod val="75000"/>
-                  </a:schemeClr>
-                </a:solidFill>
-              </a:rPr>
-              <a:t>/2SxJFlV</a:t>
-            </a:r>
-            <a:endParaRPr lang="en-AU" dirty="0">
-              <a:solidFill>
-                <a:schemeClr val="accent1">
-                  <a:lumMod val="75000"/>
-                </a:schemeClr>
-              </a:solidFill>
-            </a:endParaRPr>
-          </a:p>
-        </p:txBody>
-      </p:sp>
-      <p:sp>
-        <p:nvSpPr>
-          <p:cNvPr id="2" name="Rectangle 1"/>
-          <p:cNvSpPr/>
-          <p:nvPr/>
-        </p:nvSpPr>
-        <p:spPr>
-          <a:xfrm>
-            <a:off x="2020910" y="3060711"/>
-            <a:ext cx="1117614" cy="523220"/>
-          </a:xfrm>
-          <a:prstGeom prst="rect">
-            <a:avLst/>
-          </a:prstGeom>
-        </p:spPr>
-        <p:txBody>
-          <a:bodyPr wrap="none">
-            <a:spAutoFit/>
-          </a:bodyPr>
-          <a:lstStyle/>
-          <a:p>
-            <a:r>
-              <a:rPr lang="fr-FR" sz="2800" dirty="0" smtClean="0"/>
-              <a:t>Slides:</a:t>
-            </a:r>
-            <a:endParaRPr lang="fr-FR" sz="2800" dirty="0"/>
-          </a:p>
-        </p:txBody>
-      </p:sp>
-      <p:sp>
-        <p:nvSpPr>
-          <p:cNvPr id="7" name="Rectangle 6">
-            <a:hlinkClick r:id="rId5"/>
-          </p:cNvPr>
-          <p:cNvSpPr/>
-          <p:nvPr/>
-        </p:nvSpPr>
-        <p:spPr>
-          <a:xfrm>
-            <a:off x="3437529" y="3949007"/>
-            <a:ext cx="1543051" cy="369332"/>
-          </a:xfrm>
-          <a:prstGeom prst="rect">
-            <a:avLst/>
-          </a:prstGeom>
-          <a:ln>
-            <a:solidFill>
-              <a:schemeClr val="accent1"/>
-            </a:solidFill>
-          </a:ln>
-        </p:spPr>
-        <p:txBody>
-          <a:bodyPr wrap="none">
-            <a:spAutoFit/>
-          </a:bodyPr>
-          <a:lstStyle/>
-          <a:p>
-            <a:r>
-              <a:rPr lang="fr-FR" dirty="0" err="1">
-                <a:solidFill>
-                  <a:schemeClr val="accent1">
-                    <a:lumMod val="75000"/>
-                  </a:schemeClr>
-                </a:solidFill>
-              </a:rPr>
-              <a:t>bit.ly</a:t>
-            </a:r>
-            <a:r>
-              <a:rPr lang="fr-FR" dirty="0">
-                <a:solidFill>
-                  <a:schemeClr val="accent1">
-                    <a:lumMod val="75000"/>
-                  </a:schemeClr>
-                </a:solidFill>
-              </a:rPr>
-              <a:t>/2AZySd9</a:t>
-            </a:r>
-            <a:endParaRPr lang="en-AU" dirty="0">
-              <a:solidFill>
-                <a:schemeClr val="accent1">
-                  <a:lumMod val="75000"/>
-                </a:schemeClr>
-              </a:solidFill>
-            </a:endParaRPr>
-          </a:p>
-        </p:txBody>
-      </p:sp>
-      <p:sp>
-        <p:nvSpPr>
-          <p:cNvPr id="11" name="Rectangle 10"/>
-          <p:cNvSpPr/>
-          <p:nvPr/>
-        </p:nvSpPr>
-        <p:spPr>
-          <a:xfrm>
-            <a:off x="1106906" y="3871809"/>
-            <a:ext cx="2113372" cy="523220"/>
-          </a:xfrm>
-          <a:prstGeom prst="rect">
-            <a:avLst/>
-          </a:prstGeom>
-        </p:spPr>
-        <p:txBody>
-          <a:bodyPr wrap="square">
-            <a:spAutoFit/>
-          </a:bodyPr>
-          <a:lstStyle/>
-          <a:p>
-            <a:r>
-              <a:rPr lang="fr-FR" sz="2800" dirty="0" err="1" smtClean="0"/>
-              <a:t>Cheat</a:t>
-            </a:r>
-            <a:r>
-              <a:rPr lang="fr-FR" sz="2800" dirty="0" smtClean="0"/>
-              <a:t> </a:t>
-            </a:r>
-            <a:r>
-              <a:rPr lang="fr-FR" sz="2800" dirty="0" err="1" smtClean="0"/>
-              <a:t>Sheet</a:t>
-            </a:r>
-            <a:r>
-              <a:rPr lang="fr-FR" sz="2800" dirty="0" smtClean="0"/>
-              <a:t>:</a:t>
-            </a:r>
-            <a:endParaRPr lang="fr-FR" sz="2800" dirty="0"/>
-          </a:p>
-        </p:txBody>
-      </p:sp>
-      <p:sp>
-        <p:nvSpPr>
-          <p:cNvPr id="12" name="Rectangle 11">
-            <a:hlinkClick r:id="rId6"/>
-          </p:cNvPr>
-          <p:cNvSpPr/>
-          <p:nvPr/>
-        </p:nvSpPr>
-        <p:spPr>
-          <a:xfrm>
-            <a:off x="3437529" y="4760359"/>
-            <a:ext cx="1625510" cy="369332"/>
-          </a:xfrm>
-          <a:prstGeom prst="rect">
-            <a:avLst/>
-          </a:prstGeom>
-          <a:ln>
-            <a:solidFill>
-              <a:schemeClr val="accent1"/>
-            </a:solidFill>
-          </a:ln>
-        </p:spPr>
-        <p:txBody>
-          <a:bodyPr wrap="none">
-            <a:spAutoFit/>
-          </a:bodyPr>
-          <a:lstStyle/>
-          <a:p>
-            <a:r>
-              <a:rPr lang="fr-FR" dirty="0" err="1">
-                <a:solidFill>
-                  <a:schemeClr val="accent1">
-                    <a:lumMod val="75000"/>
-                  </a:schemeClr>
-                </a:solidFill>
-              </a:rPr>
-              <a:t>bit.ly</a:t>
-            </a:r>
-            <a:r>
-              <a:rPr lang="fr-FR" dirty="0">
-                <a:solidFill>
-                  <a:schemeClr val="accent1">
-                    <a:lumMod val="75000"/>
-                  </a:schemeClr>
-                </a:solidFill>
-              </a:rPr>
-              <a:t>/2QDX7Hz</a:t>
-            </a:r>
-            <a:endParaRPr lang="en-AU" dirty="0">
-              <a:solidFill>
-                <a:schemeClr val="accent1">
-                  <a:lumMod val="75000"/>
-                </a:schemeClr>
-              </a:solidFill>
-            </a:endParaRPr>
-          </a:p>
-        </p:txBody>
-      </p:sp>
-      <p:sp>
-        <p:nvSpPr>
-          <p:cNvPr id="13" name="Rectangle 12"/>
-          <p:cNvSpPr/>
-          <p:nvPr/>
-        </p:nvSpPr>
-        <p:spPr>
-          <a:xfrm>
-            <a:off x="906887" y="4692408"/>
-            <a:ext cx="2231637" cy="523220"/>
-          </a:xfrm>
-          <a:prstGeom prst="rect">
-            <a:avLst/>
-          </a:prstGeom>
-        </p:spPr>
-        <p:txBody>
-          <a:bodyPr wrap="none">
-            <a:spAutoFit/>
-          </a:bodyPr>
-          <a:lstStyle/>
-          <a:p>
-            <a:r>
-              <a:rPr lang="fr-FR" sz="2800" dirty="0" err="1" smtClean="0"/>
-              <a:t>Pimp</a:t>
-            </a:r>
-            <a:r>
-              <a:rPr lang="fr-FR" sz="2800" dirty="0" smtClean="0"/>
-              <a:t> </a:t>
-            </a:r>
-            <a:r>
-              <a:rPr lang="fr-FR" sz="2800" dirty="0" err="1" smtClean="0"/>
-              <a:t>my</a:t>
-            </a:r>
-            <a:r>
-              <a:rPr lang="fr-FR" sz="2800" dirty="0" smtClean="0"/>
-              <a:t> </a:t>
-            </a:r>
-            <a:r>
-              <a:rPr lang="fr-FR" sz="2800" dirty="0" err="1" smtClean="0"/>
-              <a:t>rmd</a:t>
-            </a:r>
-            <a:r>
-              <a:rPr lang="fr-FR" sz="2800" dirty="0" smtClean="0"/>
-              <a:t>:</a:t>
-            </a:r>
-            <a:endParaRPr lang="fr-FR" sz="2800" dirty="0"/>
-          </a:p>
-        </p:txBody>
-      </p:sp>
-      <p:sp>
-        <p:nvSpPr>
-          <p:cNvPr id="14" name="TextBox 6"/>
-          <p:cNvSpPr txBox="1"/>
-          <p:nvPr/>
-        </p:nvSpPr>
-        <p:spPr>
-          <a:xfrm>
-            <a:off x="7703068" y="2759996"/>
-            <a:ext cx="3485856" cy="1200329"/>
-          </a:xfrm>
-          <a:prstGeom prst="rect">
-            <a:avLst/>
-          </a:prstGeom>
-          <a:noFill/>
-        </p:spPr>
-        <p:txBody>
-          <a:bodyPr wrap="square" rtlCol="0">
-            <a:spAutoFit/>
-          </a:bodyPr>
-          <a:lstStyle/>
-          <a:p>
-            <a:r>
-              <a:rPr lang="en-US" sz="2400" dirty="0" smtClean="0">
-                <a:hlinkClick r:id="rId7"/>
-              </a:rPr>
-              <a:t>Yan.holtz.data@gmail.com</a:t>
-            </a:r>
-            <a:endParaRPr lang="en-US" sz="2400" dirty="0" smtClean="0"/>
-          </a:p>
-          <a:p>
-            <a:endParaRPr lang="en-US" sz="2400" dirty="0"/>
-          </a:p>
-          <a:p>
-            <a:r>
-              <a:rPr lang="en-US" sz="2400" dirty="0" err="1" smtClean="0"/>
-              <a:t>www.yan-holtz.com</a:t>
-            </a:r>
-            <a:endParaRPr lang="en-US" sz="2400" dirty="0"/>
-          </a:p>
-        </p:txBody>
-      </p:sp>
-      <p:pic>
-        <p:nvPicPr>
-          <p:cNvPr id="15" name="Picture 8"/>
-          <p:cNvPicPr>
-            <a:picLocks noChangeAspect="1"/>
-          </p:cNvPicPr>
-          <p:nvPr/>
-        </p:nvPicPr>
-        <p:blipFill>
-          <a:blip r:embed="rId8"/>
-          <a:stretch>
-            <a:fillRect/>
-          </a:stretch>
-        </p:blipFill>
-        <p:spPr>
-          <a:xfrm>
-            <a:off x="6866161" y="4242277"/>
-            <a:ext cx="406182" cy="363025"/>
-          </a:xfrm>
-          <a:prstGeom prst="rect">
-            <a:avLst/>
-          </a:prstGeom>
-        </p:spPr>
-      </p:pic>
-      <p:pic>
-        <p:nvPicPr>
-          <p:cNvPr id="16" name="Picture 9"/>
-          <p:cNvPicPr>
-            <a:picLocks noChangeAspect="1"/>
-          </p:cNvPicPr>
-          <p:nvPr/>
-        </p:nvPicPr>
-        <p:blipFill>
-          <a:blip r:embed="rId9"/>
-          <a:stretch>
-            <a:fillRect/>
-          </a:stretch>
-        </p:blipFill>
-        <p:spPr>
-          <a:xfrm>
-            <a:off x="6866161" y="2839447"/>
-            <a:ext cx="379473" cy="294937"/>
-          </a:xfrm>
-          <a:prstGeom prst="rect">
-            <a:avLst/>
-          </a:prstGeom>
-        </p:spPr>
-      </p:pic>
-      <p:sp>
-        <p:nvSpPr>
-          <p:cNvPr id="17" name="TextBox 11"/>
-          <p:cNvSpPr txBox="1"/>
-          <p:nvPr/>
-        </p:nvSpPr>
-        <p:spPr>
-          <a:xfrm>
-            <a:off x="7511253" y="4198897"/>
-            <a:ext cx="3485856" cy="1200329"/>
-          </a:xfrm>
-          <a:prstGeom prst="rect">
-            <a:avLst/>
-          </a:prstGeom>
-          <a:noFill/>
-        </p:spPr>
-        <p:txBody>
-          <a:bodyPr wrap="square" rtlCol="0">
-            <a:spAutoFit/>
-          </a:bodyPr>
-          <a:lstStyle/>
-          <a:p>
-            <a:r>
-              <a:rPr lang="en-US" sz="2400" dirty="0" smtClean="0"/>
-              <a:t>@</a:t>
-            </a:r>
-            <a:r>
-              <a:rPr lang="en-US" sz="2400" dirty="0" err="1" smtClean="0"/>
-              <a:t>R_Graph_Gallery</a:t>
-            </a:r>
-            <a:r>
-              <a:rPr lang="en-US" sz="2400" dirty="0" smtClean="0"/>
-              <a:t> </a:t>
-            </a:r>
-          </a:p>
-          <a:p>
-            <a:endParaRPr lang="en-US" sz="2400" dirty="0"/>
-          </a:p>
-          <a:p>
-            <a:r>
-              <a:rPr lang="en-US" sz="2400" dirty="0" smtClean="0">
-                <a:hlinkClick r:id="rId7"/>
-              </a:rPr>
-              <a:t>github.com/holtzy</a:t>
-            </a:r>
-            <a:endParaRPr lang="en-US" sz="2400" dirty="0">
-              <a:hlinkClick r:id="rId7"/>
-            </a:endParaRPr>
-          </a:p>
-        </p:txBody>
-      </p:sp>
-      <p:pic>
-        <p:nvPicPr>
-          <p:cNvPr id="18" name="Picture 14"/>
-          <p:cNvPicPr>
-            <a:picLocks noChangeAspect="1"/>
-          </p:cNvPicPr>
-          <p:nvPr/>
-        </p:nvPicPr>
-        <p:blipFill>
-          <a:blip r:embed="rId10">
-            <a:extLst>
-              <a:ext uri="{28A0092B-C50C-407E-A947-70E740481C1C}">
-                <a14:useLocalDpi xmlns:a14="http://schemas.microsoft.com/office/drawing/2010/main" val="0"/>
-              </a:ext>
-            </a:extLst>
-          </a:blip>
-          <a:stretch>
-            <a:fillRect/>
-          </a:stretch>
-        </p:blipFill>
-        <p:spPr>
-          <a:xfrm>
-            <a:off x="6892566" y="3477725"/>
-            <a:ext cx="390782" cy="398756"/>
-          </a:xfrm>
-          <a:prstGeom prst="rect">
-            <a:avLst/>
-          </a:prstGeom>
-        </p:spPr>
-      </p:pic>
-      <p:pic>
-        <p:nvPicPr>
-          <p:cNvPr id="19" name="Image 18"/>
-          <p:cNvPicPr>
-            <a:picLocks noChangeAspect="1"/>
-          </p:cNvPicPr>
-          <p:nvPr/>
-        </p:nvPicPr>
-        <p:blipFill>
-          <a:blip r:embed="rId11">
-            <a:extLst>
-              <a:ext uri="{28A0092B-C50C-407E-A947-70E740481C1C}">
-                <a14:useLocalDpi xmlns:a14="http://schemas.microsoft.com/office/drawing/2010/main" val="0"/>
-              </a:ext>
-            </a:extLst>
-          </a:blip>
-          <a:stretch>
-            <a:fillRect/>
-          </a:stretch>
-        </p:blipFill>
-        <p:spPr>
-          <a:xfrm>
-            <a:off x="6844972" y="4916626"/>
-            <a:ext cx="466558" cy="466558"/>
-          </a:xfrm>
-          <a:prstGeom prst="rect">
-            <a:avLst/>
-          </a:prstGeom>
-        </p:spPr>
-      </p:pic>
-    </p:spTree>
-    <p:extLst>
-      <p:ext uri="{BB962C8B-B14F-4D97-AF65-F5344CB8AC3E}">
-        <p14:creationId xmlns:p14="http://schemas.microsoft.com/office/powerpoint/2010/main" val="565921796"/>
       </p:ext>
     </p:extLst>
   </p:cSld>

--- a/Intro_Github.pptx
+++ b/Intro_Github.pptx
@@ -5,7 +5,7 @@
     <p:sldMasterId id="2147483648" r:id="rId1"/>
   </p:sldMasterIdLst>
   <p:notesMasterIdLst>
-    <p:notesMasterId r:id="rId20"/>
+    <p:notesMasterId r:id="rId24"/>
   </p:notesMasterIdLst>
   <p:sldIdLst>
     <p:sldId id="256" r:id="rId2"/>
@@ -20,12 +20,16 @@
     <p:sldId id="288" r:id="rId11"/>
     <p:sldId id="289" r:id="rId12"/>
     <p:sldId id="264" r:id="rId13"/>
-    <p:sldId id="261" r:id="rId14"/>
-    <p:sldId id="290" r:id="rId15"/>
+    <p:sldId id="290" r:id="rId14"/>
+    <p:sldId id="293" r:id="rId15"/>
     <p:sldId id="292" r:id="rId16"/>
-    <p:sldId id="276" r:id="rId17"/>
-    <p:sldId id="291" r:id="rId18"/>
-    <p:sldId id="283" r:id="rId19"/>
+    <p:sldId id="294" r:id="rId17"/>
+    <p:sldId id="276" r:id="rId18"/>
+    <p:sldId id="291" r:id="rId19"/>
+    <p:sldId id="295" r:id="rId20"/>
+    <p:sldId id="296" r:id="rId21"/>
+    <p:sldId id="297" r:id="rId22"/>
+    <p:sldId id="283" r:id="rId23"/>
   </p:sldIdLst>
   <p:sldSz cx="12192000" cy="6858000"/>
   <p:notesSz cx="6858000" cy="9144000"/>
@@ -214,7 +218,7 @@
           <a:p>
             <a:fld id="{DE24B45D-B38B-5348-97F2-91F5A5915D4C}" type="datetimeFigureOut">
               <a:rPr lang="en-AU" smtClean="0"/>
-              <a:t>12/3/19</a:t>
+              <a:t>11/4/19</a:t>
             </a:fld>
             <a:endParaRPr lang="en-AU"/>
           </a:p>
@@ -547,7 +551,7 @@
           <a:p>
             <a:fld id="{3C97A14E-500E-A148-99C8-B80307C7DE72}" type="slidenum">
               <a:rPr lang="en-AU" smtClean="0"/>
-              <a:t>18</a:t>
+              <a:t>22</a:t>
             </a:fld>
             <a:endParaRPr lang="en-AU"/>
           </a:p>
@@ -697,7 +701,7 @@
           <a:p>
             <a:fld id="{95F34277-3EED-7A4D-A803-67027078CA3E}" type="datetimeFigureOut">
               <a:rPr lang="fr-FR" smtClean="0"/>
-              <a:t>12/03/2019</a:t>
+              <a:t>11/04/2019</a:t>
             </a:fld>
             <a:endParaRPr lang="fr-FR"/>
           </a:p>
@@ -867,7 +871,7 @@
           <a:p>
             <a:fld id="{95F34277-3EED-7A4D-A803-67027078CA3E}" type="datetimeFigureOut">
               <a:rPr lang="fr-FR" smtClean="0"/>
-              <a:t>12/03/2019</a:t>
+              <a:t>11/04/2019</a:t>
             </a:fld>
             <a:endParaRPr lang="fr-FR"/>
           </a:p>
@@ -1047,7 +1051,7 @@
           <a:p>
             <a:fld id="{95F34277-3EED-7A4D-A803-67027078CA3E}" type="datetimeFigureOut">
               <a:rPr lang="fr-FR" smtClean="0"/>
-              <a:t>12/03/2019</a:t>
+              <a:t>11/04/2019</a:t>
             </a:fld>
             <a:endParaRPr lang="fr-FR"/>
           </a:p>
@@ -1217,7 +1221,7 @@
           <a:p>
             <a:fld id="{95F34277-3EED-7A4D-A803-67027078CA3E}" type="datetimeFigureOut">
               <a:rPr lang="fr-FR" smtClean="0"/>
-              <a:t>12/03/2019</a:t>
+              <a:t>11/04/2019</a:t>
             </a:fld>
             <a:endParaRPr lang="fr-FR"/>
           </a:p>
@@ -1463,7 +1467,7 @@
           <a:p>
             <a:fld id="{95F34277-3EED-7A4D-A803-67027078CA3E}" type="datetimeFigureOut">
               <a:rPr lang="fr-FR" smtClean="0"/>
-              <a:t>12/03/2019</a:t>
+              <a:t>11/04/2019</a:t>
             </a:fld>
             <a:endParaRPr lang="fr-FR"/>
           </a:p>
@@ -1695,7 +1699,7 @@
           <a:p>
             <a:fld id="{95F34277-3EED-7A4D-A803-67027078CA3E}" type="datetimeFigureOut">
               <a:rPr lang="fr-FR" smtClean="0"/>
-              <a:t>12/03/2019</a:t>
+              <a:t>11/04/2019</a:t>
             </a:fld>
             <a:endParaRPr lang="fr-FR"/>
           </a:p>
@@ -2062,7 +2066,7 @@
           <a:p>
             <a:fld id="{95F34277-3EED-7A4D-A803-67027078CA3E}" type="datetimeFigureOut">
               <a:rPr lang="fr-FR" smtClean="0"/>
-              <a:t>12/03/2019</a:t>
+              <a:t>11/04/2019</a:t>
             </a:fld>
             <a:endParaRPr lang="fr-FR"/>
           </a:p>
@@ -2180,7 +2184,7 @@
           <a:p>
             <a:fld id="{95F34277-3EED-7A4D-A803-67027078CA3E}" type="datetimeFigureOut">
               <a:rPr lang="fr-FR" smtClean="0"/>
-              <a:t>12/03/2019</a:t>
+              <a:t>11/04/2019</a:t>
             </a:fld>
             <a:endParaRPr lang="fr-FR"/>
           </a:p>
@@ -2275,7 +2279,7 @@
           <a:p>
             <a:fld id="{95F34277-3EED-7A4D-A803-67027078CA3E}" type="datetimeFigureOut">
               <a:rPr lang="fr-FR" smtClean="0"/>
-              <a:t>12/03/2019</a:t>
+              <a:t>11/04/2019</a:t>
             </a:fld>
             <a:endParaRPr lang="fr-FR"/>
           </a:p>
@@ -2552,7 +2556,7 @@
           <a:p>
             <a:fld id="{95F34277-3EED-7A4D-A803-67027078CA3E}" type="datetimeFigureOut">
               <a:rPr lang="fr-FR" smtClean="0"/>
-              <a:t>12/03/2019</a:t>
+              <a:t>11/04/2019</a:t>
             </a:fld>
             <a:endParaRPr lang="fr-FR"/>
           </a:p>
@@ -2805,7 +2809,7 @@
           <a:p>
             <a:fld id="{95F34277-3EED-7A4D-A803-67027078CA3E}" type="datetimeFigureOut">
               <a:rPr lang="fr-FR" smtClean="0"/>
-              <a:t>12/03/2019</a:t>
+              <a:t>11/04/2019</a:t>
             </a:fld>
             <a:endParaRPr lang="fr-FR"/>
           </a:p>
@@ -3018,7 +3022,7 @@
           <a:p>
             <a:fld id="{95F34277-3EED-7A4D-A803-67027078CA3E}" type="datetimeFigureOut">
               <a:rPr lang="fr-FR" smtClean="0"/>
-              <a:t>12/03/2019</a:t>
+              <a:t>11/04/2019</a:t>
             </a:fld>
             <a:endParaRPr lang="fr-FR"/>
           </a:p>
@@ -3425,7 +3429,7 @@
       </p:grpSpPr>
       <p:pic>
         <p:nvPicPr>
-          <p:cNvPr id="8" name="Image 7"/>
+          <p:cNvPr id="11" name="Image 10"/>
           <p:cNvPicPr>
             <a:picLocks noChangeAspect="1"/>
           </p:cNvPicPr>
@@ -3433,7 +3437,6 @@
         </p:nvPicPr>
         <p:blipFill>
           <a:blip r:embed="rId2">
-            <a:alphaModFix amt="24000"/>
             <a:extLst>
               <a:ext uri="{28A0092B-C50C-407E-A947-70E740481C1C}">
                 <a14:useLocalDpi xmlns:a14="http://schemas.microsoft.com/office/drawing/2010/main" val="0"/>
@@ -3446,8 +3449,8 @@
         </p:blipFill>
         <p:spPr>
           <a:xfrm>
-            <a:off x="-2411662" y="16042"/>
-            <a:ext cx="17808514" cy="6858000"/>
+            <a:off x="-2729949" y="6684"/>
+            <a:ext cx="16408795" cy="6858000"/>
           </a:xfrm>
           <a:prstGeom prst="rect">
             <a:avLst/>
@@ -3479,8 +3482,9 @@
             <a:pPr algn="ctr"/>
             <a:r>
               <a:rPr lang="en-CA" i="1" dirty="0" smtClean="0"/>
-              <a:t>Building interactive and reproducible reports in minutes</a:t>
-            </a:r>
+              <a:t>Store code + version control + share it online + collaboration</a:t>
+            </a:r>
+            <a:endParaRPr lang="en-CA" i="1" dirty="0" smtClean="0"/>
           </a:p>
         </p:txBody>
       </p:sp>
@@ -3549,11 +3553,7 @@
             </a:r>
             <a:r>
               <a:rPr lang="fr-FR" sz="3600" smtClean="0"/>
-              <a:t>to </a:t>
-            </a:r>
-            <a:r>
-              <a:rPr lang="fr-FR" sz="3600" smtClean="0"/>
-              <a:t>Github</a:t>
+              <a:t>to Github</a:t>
             </a:r>
             <a:endParaRPr lang="fr-FR" sz="3600" dirty="0"/>
           </a:p>
@@ -3686,7 +3686,7 @@
         </p:blipFill>
         <p:spPr>
           <a:xfrm>
-            <a:off x="2749953" y="3790376"/>
+            <a:off x="714119" y="3790376"/>
             <a:ext cx="1633220" cy="1302408"/>
           </a:xfrm>
           <a:prstGeom prst="rect">
@@ -3716,7 +3716,7 @@
         </p:blipFill>
         <p:spPr>
           <a:xfrm>
-            <a:off x="8182957" y="3764976"/>
+            <a:off x="6147123" y="3764976"/>
             <a:ext cx="1327808" cy="1327808"/>
           </a:xfrm>
           <a:prstGeom prst="rect">
@@ -3732,7 +3732,7 @@
         </p:nvCxnSpPr>
         <p:spPr>
           <a:xfrm flipH="1">
-            <a:off x="5358533" y="4114800"/>
+            <a:off x="3322699" y="4114800"/>
             <a:ext cx="2082801" cy="0"/>
           </a:xfrm>
           <a:prstGeom prst="straightConnector1">
@@ -3794,7 +3794,7 @@
         </p:nvCxnSpPr>
         <p:spPr>
           <a:xfrm flipV="1">
-            <a:off x="5439814" y="4693920"/>
+            <a:off x="3403980" y="4693920"/>
             <a:ext cx="2092959" cy="10160"/>
           </a:xfrm>
           <a:prstGeom prst="straightConnector1">
@@ -3856,7 +3856,7 @@
         </p:nvSpPr>
         <p:spPr>
           <a:xfrm>
-            <a:off x="2644033" y="5092784"/>
+            <a:off x="608199" y="5092784"/>
             <a:ext cx="2031903" cy="461665"/>
           </a:xfrm>
           <a:prstGeom prst="rect">
@@ -3885,7 +3885,7 @@
         </p:nvSpPr>
         <p:spPr>
           <a:xfrm>
-            <a:off x="8328129" y="5092784"/>
+            <a:off x="6292295" y="5092784"/>
             <a:ext cx="1037463" cy="461665"/>
           </a:xfrm>
           <a:prstGeom prst="rect">
@@ -3916,7 +3916,7 @@
         </p:nvSpPr>
         <p:spPr>
           <a:xfrm>
-            <a:off x="5358533" y="3001191"/>
+            <a:off x="3322699" y="3001191"/>
             <a:ext cx="2057679" cy="369332"/>
           </a:xfrm>
           <a:prstGeom prst="rect">
@@ -3955,7 +3955,7 @@
         </p:blipFill>
         <p:spPr>
           <a:xfrm>
-            <a:off x="4726558" y="715191"/>
+            <a:off x="2690724" y="715191"/>
             <a:ext cx="3321627" cy="2286000"/>
           </a:xfrm>
           <a:prstGeom prst="rect">
@@ -3971,8 +3971,8 @@
         </p:nvSpPr>
         <p:spPr>
           <a:xfrm>
-            <a:off x="8481099" y="863788"/>
-            <a:ext cx="3054713" cy="1815882"/>
+            <a:off x="6987711" y="715191"/>
+            <a:ext cx="5204289" cy="2554545"/>
           </a:xfrm>
           <a:prstGeom prst="rect">
             <a:avLst/>
@@ -3986,7 +3986,7 @@
           <a:lstStyle/>
           <a:p>
             <a:r>
-              <a:rPr lang="fr-FR" sz="1600" dirty="0" smtClean="0">
+              <a:rPr lang="fr-FR" sz="3200" dirty="0" smtClean="0">
                 <a:solidFill>
                   <a:srgbClr val="FF0000"/>
                 </a:solidFill>
@@ -3994,13 +3994,13 @@
               <a:t>Github Desktop:</a:t>
             </a:r>
             <a:br>
-              <a:rPr lang="fr-FR" sz="1600" dirty="0" smtClean="0">
+              <a:rPr lang="fr-FR" sz="3200" dirty="0" smtClean="0">
                 <a:solidFill>
                   <a:srgbClr val="FF0000"/>
                 </a:solidFill>
               </a:rPr>
             </a:br>
-            <a:endParaRPr lang="fr-FR" sz="1600" dirty="0" smtClean="0">
+            <a:endParaRPr lang="fr-FR" sz="3200" dirty="0" smtClean="0">
               <a:solidFill>
                 <a:srgbClr val="FF0000"/>
               </a:solidFill>
@@ -4008,7 +4008,7 @@
           </a:p>
           <a:p>
             <a:r>
-              <a:rPr lang="fr-FR" sz="1600" dirty="0" smtClean="0">
+              <a:rPr lang="fr-FR" sz="3200" dirty="0" smtClean="0">
                 <a:solidFill>
                   <a:srgbClr val="FF0000"/>
                 </a:solidFill>
@@ -4016,71 +4016,15 @@
               <a:t>- </a:t>
             </a:r>
             <a:r>
-              <a:rPr lang="fr-FR" sz="1600" dirty="0" err="1" smtClean="0">
-                <a:solidFill>
-                  <a:srgbClr val="FF0000"/>
-                </a:solidFill>
-              </a:rPr>
-              <a:t>controls</a:t>
-            </a:r>
-            <a:r>
-              <a:rPr lang="fr-FR" sz="1600" dirty="0" smtClean="0">
-                <a:solidFill>
-                  <a:srgbClr val="FF0000"/>
-                </a:solidFill>
-              </a:rPr>
-              <a:t> the </a:t>
-            </a:r>
-            <a:r>
-              <a:rPr lang="fr-FR" sz="1600" dirty="0" err="1" smtClean="0">
-                <a:solidFill>
-                  <a:srgbClr val="FF0000"/>
-                </a:solidFill>
-              </a:rPr>
-              <a:t>link</a:t>
-            </a:r>
-            <a:r>
-              <a:rPr lang="fr-FR" sz="1600" dirty="0" smtClean="0">
-                <a:solidFill>
-                  <a:srgbClr val="FF0000"/>
-                </a:solidFill>
-              </a:rPr>
-              <a:t> </a:t>
-            </a:r>
-            <a:r>
-              <a:rPr lang="fr-FR" sz="1600" dirty="0" err="1" smtClean="0">
-                <a:solidFill>
-                  <a:srgbClr val="FF0000"/>
-                </a:solidFill>
-              </a:rPr>
-              <a:t>between</a:t>
-            </a:r>
-            <a:r>
-              <a:rPr lang="fr-FR" sz="1600" dirty="0" smtClean="0">
-                <a:solidFill>
-                  <a:srgbClr val="FF0000"/>
-                </a:solidFill>
-              </a:rPr>
-              <a:t> </a:t>
-            </a:r>
-            <a:r>
-              <a:rPr lang="fr-FR" sz="1600" dirty="0" err="1" smtClean="0">
-                <a:solidFill>
-                  <a:srgbClr val="FF0000"/>
-                </a:solidFill>
-              </a:rPr>
-              <a:t>your</a:t>
-            </a:r>
-            <a:r>
-              <a:rPr lang="fr-FR" sz="1600" dirty="0" smtClean="0">
-                <a:solidFill>
-                  <a:srgbClr val="FF0000"/>
-                </a:solidFill>
-              </a:rPr>
-              <a:t> computer and </a:t>
-            </a:r>
-            <a:r>
-              <a:rPr lang="fr-FR" sz="1600" dirty="0" err="1" smtClean="0">
+              <a:rPr lang="fr-FR" sz="3200" dirty="0" smtClean="0">
+                <a:solidFill>
+                  <a:srgbClr val="FF0000"/>
+                </a:solidFill>
+              </a:rPr>
+              <a:t>Link computer - </a:t>
+            </a:r>
+            <a:r>
+              <a:rPr lang="fr-FR" sz="3200" dirty="0" err="1" smtClean="0">
                 <a:solidFill>
                   <a:srgbClr val="FF0000"/>
                 </a:solidFill>
@@ -4088,7 +4032,7 @@
               <a:t>github.com</a:t>
             </a:r>
             <a:r>
-              <a:rPr lang="fr-FR" sz="1600" dirty="0" smtClean="0">
+              <a:rPr lang="fr-FR" sz="3200" dirty="0" smtClean="0">
                 <a:solidFill>
                   <a:srgbClr val="FF0000"/>
                 </a:solidFill>
@@ -4098,7 +4042,7 @@
           </a:p>
           <a:p>
             <a:r>
-              <a:rPr lang="fr-FR" sz="1600" dirty="0" smtClean="0">
+              <a:rPr lang="fr-FR" sz="3200" dirty="0" smtClean="0">
                 <a:solidFill>
                   <a:srgbClr val="FF0000"/>
                 </a:solidFill>
@@ -4106,25 +4050,36 @@
               <a:t/>
             </a:r>
             <a:br>
-              <a:rPr lang="fr-FR" sz="1600" dirty="0" smtClean="0">
+              <a:rPr lang="fr-FR" sz="3200" dirty="0" smtClean="0">
                 <a:solidFill>
                   <a:srgbClr val="FF0000"/>
                 </a:solidFill>
               </a:rPr>
             </a:br>
             <a:r>
-              <a:rPr lang="fr-FR" sz="1600" dirty="0" smtClean="0">
-                <a:solidFill>
-                  <a:srgbClr val="FF0000"/>
-                </a:solidFill>
-              </a:rPr>
-              <a:t>- Just replace the the command line</a:t>
-            </a:r>
-            <a:endParaRPr lang="fr-FR" sz="1600" dirty="0" smtClean="0">
-              <a:solidFill>
-                <a:srgbClr val="FF0000"/>
-              </a:solidFill>
-            </a:endParaRPr>
+              <a:rPr lang="fr-FR" sz="3200" dirty="0" smtClean="0">
+                <a:solidFill>
+                  <a:srgbClr val="FF0000"/>
+                </a:solidFill>
+              </a:rPr>
+              <a:t>- </a:t>
+            </a:r>
+            <a:r>
+              <a:rPr lang="fr-FR" sz="3200" dirty="0" smtClean="0">
+                <a:solidFill>
+                  <a:srgbClr val="FF0000"/>
+                </a:solidFill>
+              </a:rPr>
+              <a:t>Replace the </a:t>
+            </a:r>
+            <a:r>
+              <a:rPr lang="fr-FR" sz="3200" dirty="0" smtClean="0">
+                <a:solidFill>
+                  <a:srgbClr val="FF0000"/>
+                </a:solidFill>
+              </a:rPr>
+              <a:t>command line</a:t>
+            </a:r>
           </a:p>
         </p:txBody>
       </p:sp>
@@ -4167,7 +4122,7 @@
       </p:grpSpPr>
       <p:pic>
         <p:nvPicPr>
-          <p:cNvPr id="8" name="Image 7"/>
+          <p:cNvPr id="7" name="Image 6"/>
           <p:cNvPicPr>
             <a:picLocks noChangeAspect="1"/>
           </p:cNvPicPr>
@@ -4175,7 +4130,6 @@
         </p:nvPicPr>
         <p:blipFill>
           <a:blip r:embed="rId2">
-            <a:alphaModFix amt="24000"/>
             <a:extLst>
               <a:ext uri="{28A0092B-C50C-407E-A947-70E740481C1C}">
                 <a14:useLocalDpi xmlns:a14="http://schemas.microsoft.com/office/drawing/2010/main" val="0"/>
@@ -4188,8 +4142,8 @@
         </p:blipFill>
         <p:spPr>
           <a:xfrm>
-            <a:off x="-2411662" y="16042"/>
-            <a:ext cx="17808514" cy="6858000"/>
+            <a:off x="-2729949" y="6684"/>
+            <a:ext cx="16408795" cy="6858000"/>
           </a:xfrm>
           <a:prstGeom prst="rect">
             <a:avLst/>
@@ -4552,15 +4506,7 @@
                   <a:srgbClr val="FF0000"/>
                 </a:solidFill>
               </a:rPr>
-              <a:t> </a:t>
-            </a:r>
-            <a:r>
-              <a:rPr lang="fr-FR" sz="2000" b="1" dirty="0" smtClean="0">
-                <a:solidFill>
-                  <a:srgbClr val="FF0000"/>
-                </a:solidFill>
-              </a:rPr>
-              <a:t>Put a few files in </a:t>
+              <a:t> Put a few files in </a:t>
             </a:r>
             <a:r>
               <a:rPr lang="fr-FR" sz="2000" b="1" dirty="0" err="1" smtClean="0">
@@ -4700,11 +4646,6 @@
               </a:rPr>
               <a:t> the repo</a:t>
             </a:r>
-            <a:endParaRPr lang="fr-FR" sz="2000" b="1" dirty="0" smtClean="0">
-              <a:solidFill>
-                <a:srgbClr val="FF0000"/>
-              </a:solidFill>
-            </a:endParaRPr>
           </a:p>
         </p:txBody>
       </p:sp>
@@ -4776,7 +4717,7 @@
         </p:nvSpPr>
         <p:spPr>
           <a:xfrm>
-            <a:off x="6388239" y="5355493"/>
+            <a:off x="6474503" y="5941953"/>
             <a:ext cx="4012341" cy="400110"/>
           </a:xfrm>
           <a:prstGeom prst="rect">
@@ -4830,11 +4771,6 @@
               </a:rPr>
               <a:t> online</a:t>
             </a:r>
-            <a:endParaRPr lang="fr-FR" sz="2000" b="1" dirty="0" smtClean="0">
-              <a:solidFill>
-                <a:srgbClr val="FF0000"/>
-              </a:solidFill>
-            </a:endParaRPr>
           </a:p>
         </p:txBody>
       </p:sp>
@@ -4877,81 +4813,54 @@
       </p:grpSpPr>
       <p:pic>
         <p:nvPicPr>
-          <p:cNvPr id="2" name="Image 1"/>
+          <p:cNvPr id="6" name="Image 5"/>
           <p:cNvPicPr>
             <a:picLocks noChangeAspect="1"/>
           </p:cNvPicPr>
           <p:nvPr/>
         </p:nvPicPr>
         <p:blipFill>
-          <a:blip r:embed="rId2"/>
+          <a:blip r:embed="rId2">
+            <a:extLst>
+              <a:ext uri="{28A0092B-C50C-407E-A947-70E740481C1C}">
+                <a14:useLocalDpi xmlns:a14="http://schemas.microsoft.com/office/drawing/2010/main" val="0"/>
+              </a:ext>
+            </a:extLst>
+          </a:blip>
           <a:stretch>
             <a:fillRect/>
           </a:stretch>
         </p:blipFill>
         <p:spPr>
           <a:xfrm>
-            <a:off x="4801115" y="2406314"/>
-            <a:ext cx="6765118" cy="4050632"/>
+            <a:off x="-2729949" y="6684"/>
+            <a:ext cx="16408795" cy="6858000"/>
           </a:xfrm>
           <a:prstGeom prst="rect">
             <a:avLst/>
           </a:prstGeom>
-          <a:ln w="34925">
-            <a:solidFill>
-              <a:schemeClr val="tx1"/>
-            </a:solidFill>
-          </a:ln>
-        </p:spPr>
-      </p:pic>
-      <p:pic>
-        <p:nvPicPr>
-          <p:cNvPr id="3" name="Image 2"/>
-          <p:cNvPicPr>
-            <a:picLocks noChangeAspect="1"/>
-          </p:cNvPicPr>
-          <p:nvPr/>
-        </p:nvPicPr>
-        <p:blipFill>
-          <a:blip r:embed="rId3"/>
-          <a:stretch>
-            <a:fillRect/>
-          </a:stretch>
-        </p:blipFill>
-        <p:spPr>
-          <a:xfrm>
-            <a:off x="5057788" y="705184"/>
-            <a:ext cx="4787900" cy="635000"/>
-          </a:xfrm>
-          <a:prstGeom prst="rect">
-            <a:avLst/>
-          </a:prstGeom>
-          <a:ln w="34925">
-            <a:solidFill>
-              <a:schemeClr val="tx1"/>
-            </a:solidFill>
-          </a:ln>
         </p:spPr>
       </p:pic>
       <p:cxnSp>
         <p:nvCxnSpPr>
-          <p:cNvPr id="4" name="Connecteur droit avec flèche 3"/>
+          <p:cNvPr id="9" name="Connecteur droit 8"/>
           <p:cNvCxnSpPr/>
           <p:nvPr/>
         </p:nvCxnSpPr>
         <p:spPr>
-          <a:xfrm flipH="1">
-            <a:off x="10026314" y="929773"/>
-            <a:ext cx="914400" cy="0"/>
-          </a:xfrm>
-          <a:prstGeom prst="straightConnector1">
-            <a:avLst/>
-          </a:prstGeom>
-          <a:ln w="50800">
+          <a:xfrm>
+            <a:off x="3676696" y="3686627"/>
+            <a:ext cx="4702626" cy="0"/>
+          </a:xfrm>
+          <a:prstGeom prst="line">
+            <a:avLst/>
+          </a:prstGeom>
+          <a:ln>
             <a:solidFill>
-              <a:srgbClr val="FF0000"/>
+              <a:schemeClr val="bg2">
+                <a:lumMod val="50000"/>
+              </a:schemeClr>
             </a:solidFill>
-            <a:tailEnd type="triangle"/>
           </a:ln>
         </p:spPr>
         <p:style>
@@ -4971,14 +4880,14 @@
       </p:cxnSp>
       <p:sp>
         <p:nvSpPr>
-          <p:cNvPr id="5" name="ZoneTexte 4"/>
+          <p:cNvPr id="10" name="ZoneTexte 9"/>
           <p:cNvSpPr txBox="1"/>
           <p:nvPr/>
         </p:nvSpPr>
         <p:spPr>
           <a:xfrm>
-            <a:off x="11020926" y="689142"/>
-            <a:ext cx="1171074" cy="400110"/>
+            <a:off x="4239001" y="2798711"/>
+            <a:ext cx="4507188" cy="646331"/>
           </a:xfrm>
           <a:prstGeom prst="rect">
             <a:avLst/>
@@ -4992,553 +4901,21 @@
           <a:lstStyle/>
           <a:p>
             <a:r>
-              <a:rPr lang="fr-FR" sz="2000" b="1" dirty="0" smtClean="0">
-                <a:solidFill>
-                  <a:srgbClr val="FF0000"/>
-                </a:solidFill>
-              </a:rPr>
-              <a:t>.html</a:t>
-            </a:r>
-          </a:p>
-        </p:txBody>
-      </p:sp>
-      <p:cxnSp>
-        <p:nvCxnSpPr>
-          <p:cNvPr id="6" name="Connecteur droit avec flèche 5"/>
-          <p:cNvCxnSpPr/>
-          <p:nvPr/>
-        </p:nvCxnSpPr>
-        <p:spPr>
-          <a:xfrm flipH="1">
-            <a:off x="10106526" y="1226944"/>
-            <a:ext cx="914400" cy="0"/>
-          </a:xfrm>
-          <a:prstGeom prst="straightConnector1">
-            <a:avLst/>
-          </a:prstGeom>
-          <a:ln w="50800">
-            <a:solidFill>
-              <a:srgbClr val="FF0000"/>
-            </a:solidFill>
-            <a:tailEnd type="triangle"/>
-          </a:ln>
-        </p:spPr>
-        <p:style>
-          <a:lnRef idx="1">
-            <a:schemeClr val="accent1"/>
-          </a:lnRef>
-          <a:fillRef idx="0">
-            <a:schemeClr val="accent1"/>
-          </a:fillRef>
-          <a:effectRef idx="0">
-            <a:schemeClr val="accent1"/>
-          </a:effectRef>
-          <a:fontRef idx="minor">
-            <a:schemeClr val="tx1"/>
-          </a:fontRef>
-        </p:style>
-      </p:cxnSp>
-      <p:sp>
-        <p:nvSpPr>
-          <p:cNvPr id="7" name="ZoneTexte 6"/>
-          <p:cNvSpPr txBox="1"/>
-          <p:nvPr/>
-        </p:nvSpPr>
-        <p:spPr>
-          <a:xfrm>
-            <a:off x="11101138" y="1002355"/>
-            <a:ext cx="1171074" cy="400110"/>
-          </a:xfrm>
-          <a:prstGeom prst="rect">
-            <a:avLst/>
-          </a:prstGeom>
-          <a:noFill/>
-        </p:spPr>
-        <p:txBody>
-          <a:bodyPr wrap="square" rtlCol="0">
-            <a:spAutoFit/>
-          </a:bodyPr>
-          <a:lstStyle/>
-          <a:p>
-            <a:r>
-              <a:rPr lang="fr-FR" sz="2000" b="1" dirty="0" smtClean="0">
-                <a:solidFill>
-                  <a:srgbClr val="FF0000"/>
-                </a:solidFill>
-              </a:rPr>
-              <a:t>.</a:t>
-            </a:r>
-            <a:r>
-              <a:rPr lang="fr-FR" sz="2000" b="1" dirty="0" err="1" smtClean="0">
-                <a:solidFill>
-                  <a:srgbClr val="FF0000"/>
-                </a:solidFill>
-              </a:rPr>
-              <a:t>rmd</a:t>
-            </a:r>
-            <a:endParaRPr lang="fr-FR" sz="2000" b="1" dirty="0" smtClean="0">
-              <a:solidFill>
-                <a:srgbClr val="FF0000"/>
-              </a:solidFill>
-            </a:endParaRPr>
-          </a:p>
-        </p:txBody>
-      </p:sp>
-      <p:sp>
-        <p:nvSpPr>
-          <p:cNvPr id="8" name="ZoneTexte 7"/>
-          <p:cNvSpPr txBox="1"/>
-          <p:nvPr/>
-        </p:nvSpPr>
-        <p:spPr>
-          <a:xfrm>
-            <a:off x="454064" y="889197"/>
-            <a:ext cx="3726050" cy="5755422"/>
-          </a:xfrm>
-          <a:prstGeom prst="rect">
-            <a:avLst/>
-          </a:prstGeom>
-          <a:noFill/>
-        </p:spPr>
-        <p:txBody>
-          <a:bodyPr wrap="square" rtlCol="0">
-            <a:spAutoFit/>
-          </a:bodyPr>
-          <a:lstStyle/>
-          <a:p>
-            <a:r>
-              <a:rPr lang="en-CA" sz="4400" dirty="0" smtClean="0">
-                <a:solidFill>
-                  <a:schemeClr val="accent2">
-                    <a:lumMod val="75000"/>
-                  </a:schemeClr>
-                </a:solidFill>
-              </a:rPr>
-              <a:t>4 - .HTML output is ready </a:t>
-            </a:r>
-          </a:p>
-          <a:p>
-            <a:endParaRPr lang="en-CA" sz="4400" dirty="0" smtClean="0">
-              <a:solidFill>
-                <a:schemeClr val="accent2">
-                  <a:lumMod val="75000"/>
-                </a:schemeClr>
-              </a:solidFill>
-            </a:endParaRPr>
-          </a:p>
-          <a:p>
-            <a:pPr marL="457200" indent="-457200">
-              <a:buFont typeface="Arial" charset="0"/>
-              <a:buChar char="•"/>
-            </a:pPr>
-            <a:r>
-              <a:rPr lang="en-CA" sz="3200" dirty="0" smtClean="0"/>
-              <a:t>Have a look to your current directory</a:t>
-            </a:r>
-          </a:p>
-          <a:p>
-            <a:endParaRPr lang="en-CA" sz="3200" dirty="0" smtClean="0"/>
-          </a:p>
-          <a:p>
-            <a:pPr marL="457200" indent="-457200">
-              <a:buFont typeface="Arial" charset="0"/>
-              <a:buChar char="•"/>
-            </a:pPr>
-            <a:r>
-              <a:rPr lang="en-CA" sz="3200" dirty="0" smtClean="0"/>
-              <a:t>Open the .html in a browser</a:t>
-            </a:r>
-            <a:endParaRPr lang="en-CA" sz="3200" dirty="0" smtClean="0">
-              <a:solidFill>
-                <a:schemeClr val="accent2">
-                  <a:lumMod val="75000"/>
-                </a:schemeClr>
-              </a:solidFill>
-            </a:endParaRPr>
-          </a:p>
-          <a:p>
-            <a:endParaRPr lang="en-CA" sz="4400" dirty="0">
-              <a:solidFill>
-                <a:schemeClr val="accent2">
-                  <a:lumMod val="75000"/>
-                </a:schemeClr>
-              </a:solidFill>
-            </a:endParaRPr>
-          </a:p>
-        </p:txBody>
-      </p:sp>
-      <p:cxnSp>
-        <p:nvCxnSpPr>
-          <p:cNvPr id="9" name="Connecteur droit avec flèche 8"/>
-          <p:cNvCxnSpPr/>
-          <p:nvPr/>
-        </p:nvCxnSpPr>
-        <p:spPr>
-          <a:xfrm flipH="1">
-            <a:off x="7018421" y="2887302"/>
-            <a:ext cx="914400" cy="0"/>
-          </a:xfrm>
-          <a:prstGeom prst="straightConnector1">
-            <a:avLst/>
-          </a:prstGeom>
-          <a:ln w="50800">
-            <a:solidFill>
-              <a:srgbClr val="FF0000"/>
-            </a:solidFill>
-            <a:tailEnd type="triangle"/>
-          </a:ln>
-        </p:spPr>
-        <p:style>
-          <a:lnRef idx="1">
-            <a:schemeClr val="accent1"/>
-          </a:lnRef>
-          <a:fillRef idx="0">
-            <a:schemeClr val="accent1"/>
-          </a:fillRef>
-          <a:effectRef idx="0">
-            <a:schemeClr val="accent1"/>
-          </a:effectRef>
-          <a:fontRef idx="minor">
-            <a:schemeClr val="tx1"/>
-          </a:fontRef>
-        </p:style>
-      </p:cxnSp>
-      <p:sp>
-        <p:nvSpPr>
-          <p:cNvPr id="10" name="ZoneTexte 9"/>
-          <p:cNvSpPr txBox="1"/>
-          <p:nvPr/>
-        </p:nvSpPr>
-        <p:spPr>
-          <a:xfrm>
-            <a:off x="8023254" y="2664795"/>
-            <a:ext cx="1171074" cy="400110"/>
-          </a:xfrm>
-          <a:prstGeom prst="rect">
-            <a:avLst/>
-          </a:prstGeom>
-          <a:noFill/>
-        </p:spPr>
-        <p:txBody>
-          <a:bodyPr wrap="square" rtlCol="0">
-            <a:spAutoFit/>
-          </a:bodyPr>
-          <a:lstStyle/>
-          <a:p>
-            <a:r>
-              <a:rPr lang="fr-FR" sz="2000" b="1" dirty="0" smtClean="0">
-                <a:solidFill>
-                  <a:srgbClr val="FF0000"/>
-                </a:solidFill>
-              </a:rPr>
-              <a:t>header</a:t>
-            </a:r>
-          </a:p>
-        </p:txBody>
-      </p:sp>
-      <p:sp>
-        <p:nvSpPr>
-          <p:cNvPr id="11" name="ZoneTexte 10"/>
-          <p:cNvSpPr txBox="1"/>
-          <p:nvPr/>
-        </p:nvSpPr>
-        <p:spPr>
-          <a:xfrm>
-            <a:off x="7401776" y="3193909"/>
-            <a:ext cx="1171074" cy="400110"/>
-          </a:xfrm>
-          <a:prstGeom prst="rect">
-            <a:avLst/>
-          </a:prstGeom>
-          <a:noFill/>
-        </p:spPr>
-        <p:txBody>
-          <a:bodyPr wrap="square" rtlCol="0">
-            <a:spAutoFit/>
-          </a:bodyPr>
-          <a:lstStyle/>
-          <a:p>
-            <a:r>
-              <a:rPr lang="fr-FR" sz="2000" b="1" dirty="0" err="1" smtClean="0">
-                <a:solidFill>
-                  <a:srgbClr val="FF0000"/>
-                </a:solidFill>
-              </a:rPr>
-              <a:t>Title</a:t>
-            </a:r>
-            <a:endParaRPr lang="fr-FR" sz="2000" b="1" dirty="0" smtClean="0">
-              <a:solidFill>
-                <a:srgbClr val="FF0000"/>
-              </a:solidFill>
-            </a:endParaRPr>
-          </a:p>
-        </p:txBody>
-      </p:sp>
-      <p:cxnSp>
-        <p:nvCxnSpPr>
-          <p:cNvPr id="12" name="Connecteur droit avec flèche 11"/>
-          <p:cNvCxnSpPr/>
-          <p:nvPr/>
-        </p:nvCxnSpPr>
-        <p:spPr>
-          <a:xfrm flipH="1">
-            <a:off x="6391124" y="3433792"/>
-            <a:ext cx="914400" cy="0"/>
-          </a:xfrm>
-          <a:prstGeom prst="straightConnector1">
-            <a:avLst/>
-          </a:prstGeom>
-          <a:ln w="50800">
-            <a:solidFill>
-              <a:srgbClr val="FF0000"/>
-            </a:solidFill>
-            <a:tailEnd type="triangle"/>
-          </a:ln>
-        </p:spPr>
-        <p:style>
-          <a:lnRef idx="1">
-            <a:schemeClr val="accent1"/>
-          </a:lnRef>
-          <a:fillRef idx="0">
-            <a:schemeClr val="accent1"/>
-          </a:fillRef>
-          <a:effectRef idx="0">
-            <a:schemeClr val="accent1"/>
-          </a:effectRef>
-          <a:fontRef idx="minor">
-            <a:schemeClr val="tx1"/>
-          </a:fontRef>
-        </p:style>
-      </p:cxnSp>
-      <p:sp>
-        <p:nvSpPr>
-          <p:cNvPr id="13" name="ZoneTexte 12"/>
-          <p:cNvSpPr txBox="1"/>
-          <p:nvPr/>
-        </p:nvSpPr>
-        <p:spPr>
-          <a:xfrm>
-            <a:off x="10587974" y="3594019"/>
-            <a:ext cx="1171074" cy="400110"/>
-          </a:xfrm>
-          <a:prstGeom prst="rect">
-            <a:avLst/>
-          </a:prstGeom>
-          <a:noFill/>
-        </p:spPr>
-        <p:txBody>
-          <a:bodyPr wrap="square" rtlCol="0">
-            <a:spAutoFit/>
-          </a:bodyPr>
-          <a:lstStyle/>
-          <a:p>
-            <a:r>
-              <a:rPr lang="fr-FR" sz="2000" b="1" smtClean="0">
-                <a:solidFill>
-                  <a:srgbClr val="FF0000"/>
-                </a:solidFill>
-              </a:rPr>
-              <a:t>Text</a:t>
-            </a:r>
-            <a:endParaRPr lang="fr-FR" sz="2000" b="1" dirty="0" smtClean="0">
-              <a:solidFill>
-                <a:srgbClr val="FF0000"/>
-              </a:solidFill>
-            </a:endParaRPr>
-          </a:p>
-        </p:txBody>
-      </p:sp>
-      <p:cxnSp>
-        <p:nvCxnSpPr>
-          <p:cNvPr id="14" name="Connecteur droit avec flèche 13"/>
-          <p:cNvCxnSpPr/>
-          <p:nvPr/>
-        </p:nvCxnSpPr>
-        <p:spPr>
-          <a:xfrm flipH="1">
-            <a:off x="9388488" y="3809839"/>
-            <a:ext cx="914400" cy="0"/>
-          </a:xfrm>
-          <a:prstGeom prst="straightConnector1">
-            <a:avLst/>
-          </a:prstGeom>
-          <a:ln w="50800">
-            <a:solidFill>
-              <a:srgbClr val="FF0000"/>
-            </a:solidFill>
-            <a:tailEnd type="triangle"/>
-          </a:ln>
-        </p:spPr>
-        <p:style>
-          <a:lnRef idx="1">
-            <a:schemeClr val="accent1"/>
-          </a:lnRef>
-          <a:fillRef idx="0">
-            <a:schemeClr val="accent1"/>
-          </a:fillRef>
-          <a:effectRef idx="0">
-            <a:schemeClr val="accent1"/>
-          </a:effectRef>
-          <a:fontRef idx="minor">
-            <a:schemeClr val="tx1"/>
-          </a:fontRef>
-        </p:style>
-      </p:cxnSp>
-      <p:cxnSp>
-        <p:nvCxnSpPr>
-          <p:cNvPr id="15" name="Connecteur droit avec flèche 14"/>
-          <p:cNvCxnSpPr/>
-          <p:nvPr/>
-        </p:nvCxnSpPr>
-        <p:spPr>
-          <a:xfrm flipH="1">
-            <a:off x="8931288" y="4431630"/>
-            <a:ext cx="914400" cy="0"/>
-          </a:xfrm>
-          <a:prstGeom prst="straightConnector1">
-            <a:avLst/>
-          </a:prstGeom>
-          <a:ln w="50800">
-            <a:solidFill>
-              <a:srgbClr val="FF0000"/>
-            </a:solidFill>
-            <a:tailEnd type="triangle"/>
-          </a:ln>
-        </p:spPr>
-        <p:style>
-          <a:lnRef idx="1">
-            <a:schemeClr val="accent1"/>
-          </a:lnRef>
-          <a:fillRef idx="0">
-            <a:schemeClr val="accent1"/>
-          </a:fillRef>
-          <a:effectRef idx="0">
-            <a:schemeClr val="accent1"/>
-          </a:effectRef>
-          <a:fontRef idx="minor">
-            <a:schemeClr val="tx1"/>
-          </a:fontRef>
-        </p:style>
-      </p:cxnSp>
-      <p:sp>
-        <p:nvSpPr>
-          <p:cNvPr id="16" name="ZoneTexte 15"/>
-          <p:cNvSpPr txBox="1"/>
-          <p:nvPr/>
-        </p:nvSpPr>
-        <p:spPr>
-          <a:xfrm>
-            <a:off x="9954031" y="4231575"/>
-            <a:ext cx="1171074" cy="400110"/>
-          </a:xfrm>
-          <a:prstGeom prst="rect">
-            <a:avLst/>
-          </a:prstGeom>
-          <a:noFill/>
-        </p:spPr>
-        <p:txBody>
-          <a:bodyPr wrap="square" rtlCol="0">
-            <a:spAutoFit/>
-          </a:bodyPr>
-          <a:lstStyle/>
-          <a:p>
-            <a:r>
-              <a:rPr lang="fr-FR" sz="2000" b="1" dirty="0" smtClean="0">
-                <a:solidFill>
-                  <a:srgbClr val="FF0000"/>
-                </a:solidFill>
-              </a:rPr>
-              <a:t>Code</a:t>
-            </a:r>
-          </a:p>
-        </p:txBody>
-      </p:sp>
-      <p:sp>
-        <p:nvSpPr>
-          <p:cNvPr id="17" name="ZoneTexte 16"/>
-          <p:cNvSpPr txBox="1"/>
-          <p:nvPr/>
-        </p:nvSpPr>
-        <p:spPr>
-          <a:xfrm>
-            <a:off x="9897977" y="4944150"/>
-            <a:ext cx="1171074" cy="707886"/>
-          </a:xfrm>
-          <a:prstGeom prst="rect">
-            <a:avLst/>
-          </a:prstGeom>
-          <a:noFill/>
-        </p:spPr>
-        <p:txBody>
-          <a:bodyPr wrap="square" rtlCol="0">
-            <a:spAutoFit/>
-          </a:bodyPr>
-          <a:lstStyle/>
-          <a:p>
-            <a:r>
-              <a:rPr lang="fr-FR" sz="2000" b="1" dirty="0" smtClean="0">
-                <a:solidFill>
-                  <a:srgbClr val="FF0000"/>
-                </a:solidFill>
-              </a:rPr>
-              <a:t>Code </a:t>
-            </a:r>
-            <a:r>
-              <a:rPr lang="fr-FR" sz="2000" b="1" dirty="0" err="1" smtClean="0">
-                <a:solidFill>
-                  <a:srgbClr val="FF0000"/>
-                </a:solidFill>
-              </a:rPr>
-              <a:t>result</a:t>
-            </a:r>
-            <a:endParaRPr lang="fr-FR" sz="2000" b="1" dirty="0" smtClean="0">
-              <a:solidFill>
-                <a:srgbClr val="FF0000"/>
-              </a:solidFill>
-            </a:endParaRPr>
-          </a:p>
-        </p:txBody>
-      </p:sp>
-      <p:cxnSp>
-        <p:nvCxnSpPr>
-          <p:cNvPr id="18" name="Connecteur droit avec flèche 17"/>
-          <p:cNvCxnSpPr/>
-          <p:nvPr/>
-        </p:nvCxnSpPr>
-        <p:spPr>
-          <a:xfrm flipH="1">
-            <a:off x="8737128" y="5144205"/>
-            <a:ext cx="914400" cy="0"/>
-          </a:xfrm>
-          <a:prstGeom prst="straightConnector1">
-            <a:avLst/>
-          </a:prstGeom>
-          <a:ln w="50800">
-            <a:solidFill>
-              <a:srgbClr val="FF0000"/>
-            </a:solidFill>
-            <a:tailEnd type="triangle"/>
-          </a:ln>
-        </p:spPr>
-        <p:style>
-          <a:lnRef idx="1">
-            <a:schemeClr val="accent1"/>
-          </a:lnRef>
-          <a:fillRef idx="0">
-            <a:schemeClr val="accent1"/>
-          </a:fillRef>
-          <a:effectRef idx="0">
-            <a:schemeClr val="accent1"/>
-          </a:effectRef>
-          <a:fontRef idx="minor">
-            <a:schemeClr val="tx1"/>
-          </a:fontRef>
-        </p:style>
-      </p:cxnSp>
+              <a:rPr lang="fr-FR" sz="3600" dirty="0" err="1" smtClean="0"/>
+              <a:t>Your</a:t>
+            </a:r>
+            <a:r>
+              <a:rPr lang="fr-FR" sz="3600" dirty="0" smtClean="0"/>
+              <a:t> first ‘commit’</a:t>
+            </a:r>
+            <a:endParaRPr lang="fr-FR" sz="3600" dirty="0"/>
+          </a:p>
+        </p:txBody>
+      </p:sp>
     </p:spTree>
     <p:extLst>
       <p:ext uri="{BB962C8B-B14F-4D97-AF65-F5344CB8AC3E}">
-        <p14:creationId xmlns:p14="http://schemas.microsoft.com/office/powerpoint/2010/main" val="1884991369"/>
+        <p14:creationId xmlns:p14="http://schemas.microsoft.com/office/powerpoint/2010/main" val="1155505288"/>
       </p:ext>
     </p:extLst>
   </p:cSld>
@@ -5572,57 +4949,199 @@
           <a:chExt cx="0" cy="0"/>
         </a:xfrm>
       </p:grpSpPr>
+      <p:sp>
+        <p:nvSpPr>
+          <p:cNvPr id="5" name="ZoneTexte 4"/>
+          <p:cNvSpPr txBox="1"/>
+          <p:nvPr/>
+        </p:nvSpPr>
+        <p:spPr>
+          <a:xfrm>
+            <a:off x="0" y="211988"/>
+            <a:ext cx="2294626" cy="1384995"/>
+          </a:xfrm>
+          <a:prstGeom prst="rect">
+            <a:avLst/>
+          </a:prstGeom>
+          <a:noFill/>
+        </p:spPr>
+        <p:txBody>
+          <a:bodyPr wrap="square" rtlCol="0">
+            <a:spAutoFit/>
+          </a:bodyPr>
+          <a:lstStyle/>
+          <a:p>
+            <a:pPr algn="ctr"/>
+            <a:r>
+              <a:rPr lang="fr-FR" sz="2800" b="1" dirty="0" smtClean="0">
+                <a:solidFill>
+                  <a:srgbClr val="FF0000"/>
+                </a:solidFill>
+              </a:rPr>
+              <a:t>1 </a:t>
+            </a:r>
+            <a:r>
+              <a:rPr lang="mr-IN" sz="2800" b="1" dirty="0" smtClean="0">
+                <a:solidFill>
+                  <a:srgbClr val="FF0000"/>
+                </a:solidFill>
+              </a:rPr>
+              <a:t>–</a:t>
+            </a:r>
+            <a:r>
+              <a:rPr lang="fr-FR" sz="2800" b="1" dirty="0" smtClean="0">
+                <a:solidFill>
+                  <a:srgbClr val="FF0000"/>
+                </a:solidFill>
+              </a:rPr>
+              <a:t> </a:t>
+            </a:r>
+            <a:r>
+              <a:rPr lang="fr-FR" sz="2800" b="1" dirty="0" err="1" smtClean="0">
+                <a:solidFill>
+                  <a:srgbClr val="FF0000"/>
+                </a:solidFill>
+              </a:rPr>
+              <a:t>Make</a:t>
+            </a:r>
+            <a:r>
+              <a:rPr lang="fr-FR" sz="2800" b="1" dirty="0" smtClean="0">
+                <a:solidFill>
+                  <a:srgbClr val="FF0000"/>
+                </a:solidFill>
+              </a:rPr>
+              <a:t> a change in the local </a:t>
+            </a:r>
+            <a:r>
+              <a:rPr lang="fr-FR" sz="2800" b="1" dirty="0" err="1" smtClean="0">
+                <a:solidFill>
+                  <a:srgbClr val="FF0000"/>
+                </a:solidFill>
+              </a:rPr>
+              <a:t>folder</a:t>
+            </a:r>
+            <a:endParaRPr lang="fr-FR" sz="2800" b="1" dirty="0" smtClean="0">
+              <a:solidFill>
+                <a:srgbClr val="FF0000"/>
+              </a:solidFill>
+            </a:endParaRPr>
+          </a:p>
+        </p:txBody>
+      </p:sp>
       <p:pic>
         <p:nvPicPr>
-          <p:cNvPr id="8" name="Image 7"/>
+          <p:cNvPr id="2" name="Image 1"/>
           <p:cNvPicPr>
             <a:picLocks noChangeAspect="1"/>
           </p:cNvPicPr>
           <p:nvPr/>
         </p:nvPicPr>
         <p:blipFill>
-          <a:blip r:embed="rId2">
-            <a:alphaModFix amt="24000"/>
-            <a:extLst>
-              <a:ext uri="{28A0092B-C50C-407E-A947-70E740481C1C}">
-                <a14:useLocalDpi xmlns:a14="http://schemas.microsoft.com/office/drawing/2010/main" val="0"/>
-              </a:ext>
-            </a:extLst>
-          </a:blip>
+          <a:blip r:embed="rId2"/>
           <a:stretch>
             <a:fillRect/>
           </a:stretch>
         </p:blipFill>
         <p:spPr>
           <a:xfrm>
-            <a:off x="-2411662" y="16042"/>
-            <a:ext cx="17808514" cy="6858000"/>
+            <a:off x="2566393" y="211988"/>
+            <a:ext cx="9625607" cy="6646012"/>
           </a:xfrm>
           <a:prstGeom prst="rect">
             <a:avLst/>
           </a:prstGeom>
         </p:spPr>
       </p:pic>
+      <p:sp>
+        <p:nvSpPr>
+          <p:cNvPr id="14" name="ZoneTexte 13"/>
+          <p:cNvSpPr txBox="1"/>
+          <p:nvPr/>
+        </p:nvSpPr>
+        <p:spPr>
+          <a:xfrm>
+            <a:off x="0" y="4056493"/>
+            <a:ext cx="2294626" cy="1384995"/>
+          </a:xfrm>
+          <a:prstGeom prst="rect">
+            <a:avLst/>
+          </a:prstGeom>
+          <a:noFill/>
+        </p:spPr>
+        <p:txBody>
+          <a:bodyPr wrap="square" rtlCol="0">
+            <a:spAutoFit/>
+          </a:bodyPr>
+          <a:lstStyle/>
+          <a:p>
+            <a:pPr algn="ctr"/>
+            <a:r>
+              <a:rPr lang="fr-FR" sz="2800" b="1" dirty="0" smtClean="0">
+                <a:solidFill>
+                  <a:srgbClr val="FF0000"/>
+                </a:solidFill>
+              </a:rPr>
+              <a:t>2 </a:t>
+            </a:r>
+            <a:r>
+              <a:rPr lang="mr-IN" sz="2800" b="1" dirty="0" smtClean="0">
+                <a:solidFill>
+                  <a:srgbClr val="FF0000"/>
+                </a:solidFill>
+              </a:rPr>
+              <a:t>–</a:t>
+            </a:r>
+            <a:r>
+              <a:rPr lang="fr-FR" sz="2800" b="1" dirty="0" smtClean="0">
+                <a:solidFill>
+                  <a:srgbClr val="FF0000"/>
+                </a:solidFill>
+              </a:rPr>
+              <a:t> </a:t>
+            </a:r>
+            <a:r>
+              <a:rPr lang="fr-FR" sz="2800" b="1" dirty="0" err="1" smtClean="0">
+                <a:solidFill>
+                  <a:srgbClr val="FF0000"/>
+                </a:solidFill>
+              </a:rPr>
+              <a:t>Create</a:t>
+            </a:r>
+            <a:r>
+              <a:rPr lang="fr-FR" sz="2800" b="1" dirty="0" smtClean="0">
+                <a:solidFill>
+                  <a:srgbClr val="FF0000"/>
+                </a:solidFill>
+              </a:rPr>
+              <a:t> commit message</a:t>
+            </a:r>
+            <a:endParaRPr lang="fr-FR" sz="2800" b="1" dirty="0" smtClean="0">
+              <a:solidFill>
+                <a:srgbClr val="FF0000"/>
+              </a:solidFill>
+            </a:endParaRPr>
+          </a:p>
+        </p:txBody>
+      </p:sp>
       <p:cxnSp>
         <p:nvCxnSpPr>
-          <p:cNvPr id="9" name="Connecteur droit 8"/>
+          <p:cNvPr id="19" name="Connecteur droit avec flèche 18"/>
           <p:cNvCxnSpPr/>
           <p:nvPr/>
         </p:nvCxnSpPr>
         <p:spPr>
           <a:xfrm>
-            <a:off x="3676696" y="3686627"/>
-            <a:ext cx="4702626" cy="0"/>
-          </a:xfrm>
-          <a:prstGeom prst="line">
-            <a:avLst/>
-          </a:prstGeom>
-          <a:ln>
+            <a:off x="2084716" y="4748990"/>
+            <a:ext cx="481677" cy="0"/>
+          </a:xfrm>
+          <a:prstGeom prst="straightConnector1">
+            <a:avLst/>
+          </a:prstGeom>
+          <a:ln w="50800">
             <a:solidFill>
-              <a:schemeClr val="bg2">
-                <a:lumMod val="50000"/>
-              </a:schemeClr>
+              <a:srgbClr val="FF0000"/>
             </a:solidFill>
+            <a:tailEnd type="triangle"/>
           </a:ln>
         </p:spPr>
         <p:style>
@@ -5642,14 +5161,14 @@
       </p:cxnSp>
       <p:sp>
         <p:nvSpPr>
-          <p:cNvPr id="10" name="ZoneTexte 9"/>
+          <p:cNvPr id="21" name="ZoneTexte 20"/>
           <p:cNvSpPr txBox="1"/>
           <p:nvPr/>
         </p:nvSpPr>
         <p:spPr>
           <a:xfrm>
-            <a:off x="4239001" y="2798711"/>
-            <a:ext cx="4507188" cy="646331"/>
+            <a:off x="0" y="6306515"/>
+            <a:ext cx="2294626" cy="523220"/>
           </a:xfrm>
           <a:prstGeom prst="rect">
             <a:avLst/>
@@ -5662,22 +5181,253 @@
           </a:bodyPr>
           <a:lstStyle/>
           <a:p>
-            <a:r>
-              <a:rPr lang="fr-FR" sz="3600" dirty="0" err="1" smtClean="0"/>
-              <a:t>Your</a:t>
-            </a:r>
-            <a:r>
-              <a:rPr lang="fr-FR" sz="3600" dirty="0" smtClean="0"/>
-              <a:t> first ‘commit’</a:t>
-            </a:r>
-            <a:endParaRPr lang="fr-FR" sz="3600" dirty="0"/>
-          </a:p>
-        </p:txBody>
-      </p:sp>
+            <a:pPr algn="ctr"/>
+            <a:r>
+              <a:rPr lang="fr-FR" sz="2800" b="1" smtClean="0">
+                <a:solidFill>
+                  <a:srgbClr val="FF0000"/>
+                </a:solidFill>
+              </a:rPr>
+              <a:t>3 - Commit</a:t>
+            </a:r>
+            <a:endParaRPr lang="fr-FR" sz="2800" b="1" dirty="0" smtClean="0">
+              <a:solidFill>
+                <a:srgbClr val="FF0000"/>
+              </a:solidFill>
+            </a:endParaRPr>
+          </a:p>
+        </p:txBody>
+      </p:sp>
+      <p:cxnSp>
+        <p:nvCxnSpPr>
+          <p:cNvPr id="22" name="Connecteur droit avec flèche 21"/>
+          <p:cNvCxnSpPr/>
+          <p:nvPr/>
+        </p:nvCxnSpPr>
+        <p:spPr>
+          <a:xfrm>
+            <a:off x="2147274" y="6605446"/>
+            <a:ext cx="481677" cy="0"/>
+          </a:xfrm>
+          <a:prstGeom prst="straightConnector1">
+            <a:avLst/>
+          </a:prstGeom>
+          <a:ln w="50800">
+            <a:solidFill>
+              <a:srgbClr val="FF0000"/>
+            </a:solidFill>
+            <a:tailEnd type="triangle"/>
+          </a:ln>
+        </p:spPr>
+        <p:style>
+          <a:lnRef idx="1">
+            <a:schemeClr val="accent1"/>
+          </a:lnRef>
+          <a:fillRef idx="0">
+            <a:schemeClr val="accent1"/>
+          </a:fillRef>
+          <a:effectRef idx="0">
+            <a:schemeClr val="accent1"/>
+          </a:effectRef>
+          <a:fontRef idx="minor">
+            <a:schemeClr val="tx1"/>
+          </a:fontRef>
+        </p:style>
+      </p:cxnSp>
+      <p:sp>
+        <p:nvSpPr>
+          <p:cNvPr id="23" name="ZoneTexte 22"/>
+          <p:cNvSpPr txBox="1"/>
+          <p:nvPr/>
+        </p:nvSpPr>
+        <p:spPr>
+          <a:xfrm>
+            <a:off x="6656717" y="211988"/>
+            <a:ext cx="2294626" cy="523220"/>
+          </a:xfrm>
+          <a:prstGeom prst="rect">
+            <a:avLst/>
+          </a:prstGeom>
+          <a:noFill/>
+        </p:spPr>
+        <p:txBody>
+          <a:bodyPr wrap="square" rtlCol="0">
+            <a:spAutoFit/>
+          </a:bodyPr>
+          <a:lstStyle/>
+          <a:p>
+            <a:pPr algn="ctr"/>
+            <a:r>
+              <a:rPr lang="fr-FR" sz="2800" b="1" dirty="0">
+                <a:solidFill>
+                  <a:srgbClr val="FF0000"/>
+                </a:solidFill>
+              </a:rPr>
+              <a:t>4</a:t>
+            </a:r>
+            <a:r>
+              <a:rPr lang="fr-FR" sz="2800" b="1" dirty="0" smtClean="0">
+                <a:solidFill>
+                  <a:srgbClr val="FF0000"/>
+                </a:solidFill>
+              </a:rPr>
+              <a:t> - Push</a:t>
+            </a:r>
+            <a:endParaRPr lang="fr-FR" sz="2800" b="1" dirty="0" smtClean="0">
+              <a:solidFill>
+                <a:srgbClr val="FF0000"/>
+              </a:solidFill>
+            </a:endParaRPr>
+          </a:p>
+        </p:txBody>
+      </p:sp>
+      <p:cxnSp>
+        <p:nvCxnSpPr>
+          <p:cNvPr id="24" name="Connecteur droit avec flèche 23"/>
+          <p:cNvCxnSpPr/>
+          <p:nvPr/>
+        </p:nvCxnSpPr>
+        <p:spPr>
+          <a:xfrm>
+            <a:off x="8540151" y="603849"/>
+            <a:ext cx="411192" cy="131359"/>
+          </a:xfrm>
+          <a:prstGeom prst="straightConnector1">
+            <a:avLst/>
+          </a:prstGeom>
+          <a:ln w="50800">
+            <a:solidFill>
+              <a:srgbClr val="FF0000"/>
+            </a:solidFill>
+            <a:tailEnd type="triangle"/>
+          </a:ln>
+        </p:spPr>
+        <p:style>
+          <a:lnRef idx="1">
+            <a:schemeClr val="accent1"/>
+          </a:lnRef>
+          <a:fillRef idx="0">
+            <a:schemeClr val="accent1"/>
+          </a:fillRef>
+          <a:effectRef idx="0">
+            <a:schemeClr val="accent1"/>
+          </a:effectRef>
+          <a:fontRef idx="minor">
+            <a:schemeClr val="tx1"/>
+          </a:fontRef>
+        </p:style>
+      </p:cxnSp>
+      <p:sp>
+        <p:nvSpPr>
+          <p:cNvPr id="25" name="ZoneTexte 24"/>
+          <p:cNvSpPr txBox="1"/>
+          <p:nvPr/>
+        </p:nvSpPr>
+        <p:spPr>
+          <a:xfrm>
+            <a:off x="7392838" y="3534994"/>
+            <a:ext cx="2294626" cy="1384995"/>
+          </a:xfrm>
+          <a:prstGeom prst="rect">
+            <a:avLst/>
+          </a:prstGeom>
+          <a:noFill/>
+        </p:spPr>
+        <p:txBody>
+          <a:bodyPr wrap="square" rtlCol="0">
+            <a:spAutoFit/>
+          </a:bodyPr>
+          <a:lstStyle/>
+          <a:p>
+            <a:pPr algn="ctr"/>
+            <a:r>
+              <a:rPr lang="fr-FR" sz="2800" b="1" dirty="0" err="1" smtClean="0">
+                <a:solidFill>
+                  <a:srgbClr val="FF0000"/>
+                </a:solidFill>
+              </a:rPr>
+              <a:t>Differences</a:t>
+            </a:r>
+            <a:r>
+              <a:rPr lang="fr-FR" sz="2800" b="1" dirty="0" smtClean="0">
+                <a:solidFill>
+                  <a:srgbClr val="FF0000"/>
+                </a:solidFill>
+              </a:rPr>
+              <a:t> are </a:t>
+            </a:r>
+            <a:r>
+              <a:rPr lang="fr-FR" sz="2800" b="1" dirty="0" err="1" smtClean="0">
+                <a:solidFill>
+                  <a:srgbClr val="FF0000"/>
+                </a:solidFill>
+              </a:rPr>
+              <a:t>shown</a:t>
+            </a:r>
+            <a:r>
+              <a:rPr lang="fr-FR" sz="2800" b="1" dirty="0" smtClean="0">
+                <a:solidFill>
+                  <a:srgbClr val="FF0000"/>
+                </a:solidFill>
+              </a:rPr>
+              <a:t> </a:t>
+            </a:r>
+            <a:r>
+              <a:rPr lang="fr-FR" sz="2800" b="1" dirty="0" err="1" smtClean="0">
+                <a:solidFill>
+                  <a:srgbClr val="FF0000"/>
+                </a:solidFill>
+              </a:rPr>
+              <a:t>here</a:t>
+            </a:r>
+            <a:endParaRPr lang="fr-FR" sz="2800" b="1" dirty="0" smtClean="0">
+              <a:solidFill>
+                <a:srgbClr val="FF0000"/>
+              </a:solidFill>
+            </a:endParaRPr>
+          </a:p>
+        </p:txBody>
+      </p:sp>
+      <p:cxnSp>
+        <p:nvCxnSpPr>
+          <p:cNvPr id="26" name="Connecteur droit avec flèche 25"/>
+          <p:cNvCxnSpPr/>
+          <p:nvPr/>
+        </p:nvCxnSpPr>
+        <p:spPr>
+          <a:xfrm flipH="1" flipV="1">
+            <a:off x="8384875" y="2881223"/>
+            <a:ext cx="33068" cy="522412"/>
+          </a:xfrm>
+          <a:prstGeom prst="straightConnector1">
+            <a:avLst/>
+          </a:prstGeom>
+          <a:ln w="50800">
+            <a:solidFill>
+              <a:srgbClr val="FF0000"/>
+            </a:solidFill>
+            <a:tailEnd type="triangle"/>
+          </a:ln>
+        </p:spPr>
+        <p:style>
+          <a:lnRef idx="1">
+            <a:schemeClr val="accent1"/>
+          </a:lnRef>
+          <a:fillRef idx="0">
+            <a:schemeClr val="accent1"/>
+          </a:fillRef>
+          <a:effectRef idx="0">
+            <a:schemeClr val="accent1"/>
+          </a:effectRef>
+          <a:fontRef idx="minor">
+            <a:schemeClr val="tx1"/>
+          </a:fontRef>
+        </p:style>
+      </p:cxnSp>
     </p:spTree>
     <p:extLst>
       <p:ext uri="{BB962C8B-B14F-4D97-AF65-F5344CB8AC3E}">
-        <p14:creationId xmlns:p14="http://schemas.microsoft.com/office/powerpoint/2010/main" val="1155505288"/>
+        <p14:creationId xmlns:p14="http://schemas.microsoft.com/office/powerpoint/2010/main" val="2075686085"/>
       </p:ext>
     </p:extLst>
   </p:cSld>
@@ -5713,7 +5463,7 @@
       </p:grpSpPr>
       <p:pic>
         <p:nvPicPr>
-          <p:cNvPr id="8" name="Image 7"/>
+          <p:cNvPr id="6" name="Image 5"/>
           <p:cNvPicPr>
             <a:picLocks noChangeAspect="1"/>
           </p:cNvPicPr>
@@ -5721,7 +5471,6 @@
         </p:nvPicPr>
         <p:blipFill>
           <a:blip r:embed="rId2">
-            <a:alphaModFix amt="24000"/>
             <a:extLst>
               <a:ext uri="{28A0092B-C50C-407E-A947-70E740481C1C}">
                 <a14:useLocalDpi xmlns:a14="http://schemas.microsoft.com/office/drawing/2010/main" val="0"/>
@@ -5734,8 +5483,8 @@
         </p:blipFill>
         <p:spPr>
           <a:xfrm>
-            <a:off x="-2411662" y="16042"/>
-            <a:ext cx="17808514" cy="6858000"/>
+            <a:off x="-2729949" y="6684"/>
+            <a:ext cx="16408795" cy="6858000"/>
           </a:xfrm>
           <a:prstGeom prst="rect">
             <a:avLst/>
@@ -5864,82 +5613,62 @@
       </p:grpSpPr>
       <p:pic>
         <p:nvPicPr>
-          <p:cNvPr id="8" name="Image 7"/>
+          <p:cNvPr id="5" name="Image 4"/>
           <p:cNvPicPr>
             <a:picLocks noChangeAspect="1"/>
           </p:cNvPicPr>
           <p:nvPr/>
         </p:nvPicPr>
         <p:blipFill>
-          <a:blip r:embed="rId2">
-            <a:alphaModFix amt="24000"/>
-            <a:extLst>
-              <a:ext uri="{28A0092B-C50C-407E-A947-70E740481C1C}">
-                <a14:useLocalDpi xmlns:a14="http://schemas.microsoft.com/office/drawing/2010/main" val="0"/>
-              </a:ext>
-            </a:extLst>
-          </a:blip>
+          <a:blip r:embed="rId2"/>
           <a:stretch>
             <a:fillRect/>
           </a:stretch>
         </p:blipFill>
         <p:spPr>
           <a:xfrm>
-            <a:off x="-2411662" y="16042"/>
-            <a:ext cx="17808514" cy="6858000"/>
+            <a:off x="0" y="1587261"/>
+            <a:ext cx="6789327" cy="4787660"/>
           </a:xfrm>
           <a:prstGeom prst="rect">
             <a:avLst/>
           </a:prstGeom>
         </p:spPr>
       </p:pic>
-      <p:cxnSp>
-        <p:nvCxnSpPr>
-          <p:cNvPr id="9" name="Connecteur droit 8"/>
-          <p:cNvCxnSpPr/>
-          <p:nvPr/>
-        </p:nvCxnSpPr>
-        <p:spPr>
-          <a:xfrm>
-            <a:off x="3676696" y="3686627"/>
-            <a:ext cx="4702626" cy="0"/>
-          </a:xfrm>
-          <a:prstGeom prst="line">
-            <a:avLst/>
-          </a:prstGeom>
-          <a:ln>
-            <a:solidFill>
-              <a:schemeClr val="bg2">
-                <a:lumMod val="50000"/>
-              </a:schemeClr>
-            </a:solidFill>
-          </a:ln>
-        </p:spPr>
-        <p:style>
-          <a:lnRef idx="1">
-            <a:schemeClr val="accent1"/>
-          </a:lnRef>
-          <a:fillRef idx="0">
-            <a:schemeClr val="accent1"/>
-          </a:fillRef>
-          <a:effectRef idx="0">
-            <a:schemeClr val="accent1"/>
-          </a:effectRef>
-          <a:fontRef idx="minor">
-            <a:schemeClr val="tx1"/>
-          </a:fontRef>
-        </p:style>
-      </p:cxnSp>
-      <p:sp>
-        <p:nvSpPr>
-          <p:cNvPr id="10" name="ZoneTexte 9"/>
+      <p:pic>
+        <p:nvPicPr>
+          <p:cNvPr id="4" name="Image 3"/>
+          <p:cNvPicPr>
+            <a:picLocks noChangeAspect="1"/>
+          </p:cNvPicPr>
+          <p:nvPr/>
+        </p:nvPicPr>
+        <p:blipFill>
+          <a:blip r:embed="rId3"/>
+          <a:stretch>
+            <a:fillRect/>
+          </a:stretch>
+        </p:blipFill>
+        <p:spPr>
+          <a:xfrm>
+            <a:off x="5493575" y="1587261"/>
+            <a:ext cx="6836448" cy="4787660"/>
+          </a:xfrm>
+          <a:prstGeom prst="rect">
+            <a:avLst/>
+          </a:prstGeom>
+        </p:spPr>
+      </p:pic>
+      <p:sp>
+        <p:nvSpPr>
+          <p:cNvPr id="6" name="ZoneTexte 5"/>
           <p:cNvSpPr txBox="1"/>
           <p:nvPr/>
         </p:nvSpPr>
         <p:spPr>
           <a:xfrm>
-            <a:off x="4553850" y="2798711"/>
-            <a:ext cx="4814161" cy="646331"/>
+            <a:off x="1100037" y="34506"/>
+            <a:ext cx="2294626" cy="954107"/>
           </a:xfrm>
           <a:prstGeom prst="rect">
             <a:avLst/>
@@ -5952,35 +5681,135 @@
           </a:bodyPr>
           <a:lstStyle/>
           <a:p>
-            <a:r>
-              <a:rPr lang="fr-FR" sz="3600" dirty="0" err="1" smtClean="0"/>
-              <a:t>Your</a:t>
-            </a:r>
-            <a:r>
-              <a:rPr lang="fr-FR" sz="3600" dirty="0" smtClean="0"/>
-              <a:t> first issue</a:t>
-            </a:r>
-            <a:endParaRPr lang="fr-FR" sz="3600" dirty="0"/>
+            <a:pPr algn="ctr"/>
+            <a:r>
+              <a:rPr lang="fr-FR" sz="2800" b="1" dirty="0" err="1" smtClean="0">
+                <a:solidFill>
+                  <a:srgbClr val="FF0000"/>
+                </a:solidFill>
+              </a:rPr>
+              <a:t>Readme.md</a:t>
+            </a:r>
+            <a:r>
+              <a:rPr lang="fr-FR" sz="2800" b="1" dirty="0" smtClean="0">
+                <a:solidFill>
+                  <a:srgbClr val="FF0000"/>
+                </a:solidFill>
+              </a:rPr>
+              <a:t> in </a:t>
+            </a:r>
+            <a:r>
+              <a:rPr lang="fr-FR" sz="2800" b="1" dirty="0" err="1" smtClean="0">
+                <a:solidFill>
+                  <a:srgbClr val="FF0000"/>
+                </a:solidFill>
+              </a:rPr>
+              <a:t>your</a:t>
+            </a:r>
+            <a:r>
+              <a:rPr lang="fr-FR" sz="2800" b="1" dirty="0" smtClean="0">
+                <a:solidFill>
+                  <a:srgbClr val="FF0000"/>
+                </a:solidFill>
+              </a:rPr>
+              <a:t> </a:t>
+            </a:r>
+            <a:r>
+              <a:rPr lang="fr-FR" sz="2800" b="1" dirty="0" err="1" smtClean="0">
+                <a:solidFill>
+                  <a:srgbClr val="FF0000"/>
+                </a:solidFill>
+              </a:rPr>
+              <a:t>folder</a:t>
+            </a:r>
+            <a:endParaRPr lang="fr-FR" sz="2800" b="1" dirty="0" smtClean="0">
+              <a:solidFill>
+                <a:srgbClr val="FF0000"/>
+              </a:solidFill>
+            </a:endParaRPr>
+          </a:p>
+        </p:txBody>
+      </p:sp>
+      <p:sp>
+        <p:nvSpPr>
+          <p:cNvPr id="7" name="ZoneTexte 6"/>
+          <p:cNvSpPr txBox="1"/>
+          <p:nvPr/>
+        </p:nvSpPr>
+        <p:spPr>
+          <a:xfrm>
+            <a:off x="7066640" y="-8023"/>
+            <a:ext cx="3612861" cy="954107"/>
+          </a:xfrm>
+          <a:prstGeom prst="rect">
+            <a:avLst/>
+          </a:prstGeom>
+          <a:noFill/>
+        </p:spPr>
+        <p:txBody>
+          <a:bodyPr wrap="square" rtlCol="0">
+            <a:spAutoFit/>
+          </a:bodyPr>
+          <a:lstStyle/>
+          <a:p>
+            <a:pPr algn="ctr"/>
+            <a:r>
+              <a:rPr lang="fr-FR" sz="2800" b="1" dirty="0" err="1" smtClean="0">
+                <a:solidFill>
+                  <a:srgbClr val="FF0000"/>
+                </a:solidFill>
+              </a:rPr>
+              <a:t>Readme</a:t>
+            </a:r>
+            <a:r>
+              <a:rPr lang="fr-FR" sz="2800" b="1" dirty="0" smtClean="0">
+                <a:solidFill>
+                  <a:srgbClr val="FF0000"/>
+                </a:solidFill>
+              </a:rPr>
+              <a:t/>
+            </a:r>
+            <a:br>
+              <a:rPr lang="fr-FR" sz="2800" b="1" dirty="0" smtClean="0">
+                <a:solidFill>
+                  <a:srgbClr val="FF0000"/>
+                </a:solidFill>
+              </a:rPr>
+            </a:br>
+            <a:r>
+              <a:rPr lang="fr-FR" sz="2800" b="1" dirty="0" err="1" smtClean="0">
+                <a:solidFill>
+                  <a:srgbClr val="FF0000"/>
+                </a:solidFill>
+              </a:rPr>
+              <a:t>seen</a:t>
+            </a:r>
+            <a:r>
+              <a:rPr lang="fr-FR" sz="2800" b="1" dirty="0" smtClean="0">
+                <a:solidFill>
+                  <a:srgbClr val="FF0000"/>
+                </a:solidFill>
+              </a:rPr>
+              <a:t> on Github</a:t>
+            </a:r>
+            <a:endParaRPr lang="fr-FR" sz="2800" b="1" dirty="0" smtClean="0">
+              <a:solidFill>
+                <a:srgbClr val="FF0000"/>
+              </a:solidFill>
+            </a:endParaRPr>
           </a:p>
         </p:txBody>
       </p:sp>
     </p:spTree>
     <p:extLst>
       <p:ext uri="{BB962C8B-B14F-4D97-AF65-F5344CB8AC3E}">
-        <p14:creationId xmlns:p14="http://schemas.microsoft.com/office/powerpoint/2010/main" val="734081744"/>
+        <p14:creationId xmlns:p14="http://schemas.microsoft.com/office/powerpoint/2010/main" val="2130057407"/>
       </p:ext>
     </p:extLst>
   </p:cSld>
   <p:clrMapOvr>
     <a:masterClrMapping/>
   </p:clrMapOvr>
-  <p:timing>
-    <p:tnLst>
-      <p:par>
-        <p:cTn id="1" dur="indefinite" restart="never" nodeType="tmRoot"/>
-      </p:par>
-    </p:tnLst>
-  </p:timing>
 </p:sld>
 </file>
 
@@ -6003,7 +5832,7 @@
       </p:grpSpPr>
       <p:pic>
         <p:nvPicPr>
-          <p:cNvPr id="8" name="Image 7"/>
+          <p:cNvPr id="6" name="Image 5"/>
           <p:cNvPicPr>
             <a:picLocks noChangeAspect="1"/>
           </p:cNvPicPr>
@@ -6011,7 +5840,6 @@
         </p:nvPicPr>
         <p:blipFill>
           <a:blip r:embed="rId2">
-            <a:alphaModFix amt="24000"/>
             <a:extLst>
               <a:ext uri="{28A0092B-C50C-407E-A947-70E740481C1C}">
                 <a14:useLocalDpi xmlns:a14="http://schemas.microsoft.com/office/drawing/2010/main" val="0"/>
@@ -6024,8 +5852,8 @@
         </p:blipFill>
         <p:spPr>
           <a:xfrm>
-            <a:off x="-2411662" y="16042"/>
-            <a:ext cx="17808514" cy="6858000"/>
+            <a:off x="-2729949" y="6684"/>
+            <a:ext cx="16408795" cy="6858000"/>
           </a:xfrm>
           <a:prstGeom prst="rect">
             <a:avLst/>
@@ -6077,8 +5905,8 @@
         </p:nvSpPr>
         <p:spPr>
           <a:xfrm>
-            <a:off x="3485073" y="2798711"/>
-            <a:ext cx="5365354" cy="646331"/>
+            <a:off x="4398575" y="2798711"/>
+            <a:ext cx="4814161" cy="646331"/>
           </a:xfrm>
           <a:prstGeom prst="rect">
             <a:avLst/>
@@ -6092,16 +5920,12 @@
           <a:lstStyle/>
           <a:p>
             <a:r>
+              <a:rPr lang="fr-FR" sz="3600" dirty="0" err="1" smtClean="0"/>
+              <a:t>Submit</a:t>
+            </a:r>
+            <a:r>
               <a:rPr lang="fr-FR" sz="3600" dirty="0" smtClean="0"/>
-              <a:t>Store </a:t>
-            </a:r>
-            <a:r>
-              <a:rPr lang="fr-FR" sz="3600" dirty="0" err="1" smtClean="0"/>
-              <a:t>your</a:t>
-            </a:r>
-            <a:r>
-              <a:rPr lang="fr-FR" sz="3600" dirty="0" smtClean="0"/>
-              <a:t> .html file online</a:t>
+              <a:t> an issue</a:t>
             </a:r>
             <a:endParaRPr lang="fr-FR" sz="3600" dirty="0"/>
           </a:p>
@@ -6110,7 +5934,7 @@
     </p:spTree>
     <p:extLst>
       <p:ext uri="{BB962C8B-B14F-4D97-AF65-F5344CB8AC3E}">
-        <p14:creationId xmlns:p14="http://schemas.microsoft.com/office/powerpoint/2010/main" val="2022577371"/>
+        <p14:creationId xmlns:p14="http://schemas.microsoft.com/office/powerpoint/2010/main" val="734081744"/>
       </p:ext>
     </p:extLst>
   </p:cSld>
@@ -6146,15 +5970,14 @@
       </p:grpSpPr>
       <p:pic>
         <p:nvPicPr>
-          <p:cNvPr id="8" name="Image 7"/>
+          <p:cNvPr id="6" name="Image 5"/>
           <p:cNvPicPr>
             <a:picLocks noChangeAspect="1"/>
           </p:cNvPicPr>
           <p:nvPr/>
         </p:nvPicPr>
         <p:blipFill>
-          <a:blip r:embed="rId3">
-            <a:alphaModFix amt="24000"/>
+          <a:blip r:embed="rId2">
             <a:extLst>
               <a:ext uri="{28A0092B-C50C-407E-A947-70E740481C1C}">
                 <a14:useLocalDpi xmlns:a14="http://schemas.microsoft.com/office/drawing/2010/main" val="0"/>
@@ -6167,8 +5990,8 @@
         </p:blipFill>
         <p:spPr>
           <a:xfrm>
-            <a:off x="-2411662" y="16042"/>
-            <a:ext cx="17808514" cy="6858000"/>
+            <a:off x="-2729949" y="6684"/>
+            <a:ext cx="16408795" cy="6858000"/>
           </a:xfrm>
           <a:prstGeom prst="rect">
             <a:avLst/>
@@ -6183,7 +6006,7 @@
         </p:nvCxnSpPr>
         <p:spPr>
           <a:xfrm>
-            <a:off x="3837117" y="1809700"/>
+            <a:off x="3676696" y="3686627"/>
             <a:ext cx="4702626" cy="0"/>
           </a:xfrm>
           <a:prstGeom prst="line">
@@ -6220,8 +6043,8 @@
         </p:nvSpPr>
         <p:spPr>
           <a:xfrm>
-            <a:off x="4969231" y="921784"/>
-            <a:ext cx="4814161" cy="646331"/>
+            <a:off x="2967487" y="2798711"/>
+            <a:ext cx="6866625" cy="646331"/>
           </a:xfrm>
           <a:prstGeom prst="rect">
             <a:avLst/>
@@ -6236,391 +6059,48 @@
           <a:p>
             <a:r>
               <a:rPr lang="fr-FR" sz="3600" dirty="0" err="1" smtClean="0"/>
-              <a:t>Thanks</a:t>
+              <a:t>Create</a:t>
+            </a:r>
+            <a:r>
+              <a:rPr lang="fr-FR" sz="3600" dirty="0" smtClean="0"/>
+              <a:t> a </a:t>
+            </a:r>
+            <a:r>
+              <a:rPr lang="fr-FR" sz="3600" dirty="0" err="1" smtClean="0"/>
+              <a:t>website</a:t>
+            </a:r>
+            <a:r>
+              <a:rPr lang="fr-FR" sz="3600" dirty="0" smtClean="0"/>
+              <a:t> </a:t>
+            </a:r>
+            <a:r>
+              <a:rPr lang="fr-FR" sz="3600" dirty="0" err="1" smtClean="0"/>
+              <a:t>with</a:t>
+            </a:r>
+            <a:r>
+              <a:rPr lang="fr-FR" sz="3600" dirty="0" smtClean="0"/>
+              <a:t> </a:t>
+            </a:r>
+            <a:r>
+              <a:rPr lang="fr-FR" sz="3600" dirty="0" err="1" smtClean="0"/>
+              <a:t>your</a:t>
+            </a:r>
+            <a:r>
+              <a:rPr lang="fr-FR" sz="3600" dirty="0" smtClean="0"/>
+              <a:t> </a:t>
+            </a:r>
+            <a:r>
+              <a:rPr lang="fr-FR" sz="3600" dirty="0" err="1" smtClean="0"/>
+              <a:t>analysis</a:t>
             </a:r>
             <a:endParaRPr lang="fr-FR" sz="3600" dirty="0"/>
-          </a:p>
-        </p:txBody>
-      </p:sp>
-      <p:sp>
-        <p:nvSpPr>
-          <p:cNvPr id="5" name="Rectangle 4">
-            <a:hlinkClick r:id="rId4"/>
-          </p:cNvPr>
-          <p:cNvSpPr/>
-          <p:nvPr/>
-        </p:nvSpPr>
-        <p:spPr>
-          <a:xfrm>
-            <a:off x="3839643" y="3514793"/>
-            <a:ext cx="1943481" cy="369332"/>
-          </a:xfrm>
-          <a:prstGeom prst="rect">
-            <a:avLst/>
-          </a:prstGeom>
-          <a:ln>
-            <a:solidFill>
-              <a:schemeClr val="accent1"/>
-            </a:solidFill>
-          </a:ln>
-        </p:spPr>
-        <p:txBody>
-          <a:bodyPr wrap="none">
-            <a:spAutoFit/>
-          </a:bodyPr>
-          <a:lstStyle/>
-          <a:p>
-            <a:r>
-              <a:rPr lang="en-AU" dirty="0" smtClean="0">
-                <a:solidFill>
-                  <a:schemeClr val="accent1">
-                    <a:lumMod val="75000"/>
-                  </a:schemeClr>
-                </a:solidFill>
-              </a:rPr>
-              <a:t>Yan-</a:t>
-            </a:r>
-            <a:r>
-              <a:rPr lang="en-AU" dirty="0" err="1" smtClean="0">
-                <a:solidFill>
-                  <a:schemeClr val="accent1">
-                    <a:lumMod val="75000"/>
-                  </a:schemeClr>
-                </a:solidFill>
-              </a:rPr>
-              <a:t>holtz</a:t>
-            </a:r>
-            <a:r>
-              <a:rPr lang="en-AU" dirty="0" smtClean="0">
-                <a:solidFill>
-                  <a:schemeClr val="accent1">
-                    <a:lumMod val="75000"/>
-                  </a:schemeClr>
-                </a:solidFill>
-              </a:rPr>
-              <a:t>/teaching</a:t>
-            </a:r>
-            <a:endParaRPr lang="en-AU" dirty="0">
-              <a:solidFill>
-                <a:schemeClr val="accent1">
-                  <a:lumMod val="75000"/>
-                </a:schemeClr>
-              </a:solidFill>
-            </a:endParaRPr>
-          </a:p>
-        </p:txBody>
-      </p:sp>
-      <p:sp>
-        <p:nvSpPr>
-          <p:cNvPr id="2" name="Rectangle 1"/>
-          <p:cNvSpPr/>
-          <p:nvPr/>
-        </p:nvSpPr>
-        <p:spPr>
-          <a:xfrm>
-            <a:off x="2423024" y="3437849"/>
-            <a:ext cx="1117614" cy="523220"/>
-          </a:xfrm>
-          <a:prstGeom prst="rect">
-            <a:avLst/>
-          </a:prstGeom>
-        </p:spPr>
-        <p:txBody>
-          <a:bodyPr wrap="none">
-            <a:spAutoFit/>
-          </a:bodyPr>
-          <a:lstStyle/>
-          <a:p>
-            <a:r>
-              <a:rPr lang="fr-FR" sz="2800" dirty="0" smtClean="0"/>
-              <a:t>Slides:</a:t>
-            </a:r>
-            <a:endParaRPr lang="fr-FR" sz="2800" dirty="0"/>
-          </a:p>
-        </p:txBody>
-      </p:sp>
-      <p:sp>
-        <p:nvSpPr>
-          <p:cNvPr id="11" name="Rectangle 10"/>
-          <p:cNvSpPr/>
-          <p:nvPr/>
-        </p:nvSpPr>
-        <p:spPr>
-          <a:xfrm>
-            <a:off x="2258951" y="4267056"/>
-            <a:ext cx="1385917" cy="523220"/>
-          </a:xfrm>
-          <a:prstGeom prst="rect">
-            <a:avLst/>
-          </a:prstGeom>
-        </p:spPr>
-        <p:txBody>
-          <a:bodyPr wrap="square">
-            <a:spAutoFit/>
-          </a:bodyPr>
-          <a:lstStyle/>
-          <a:p>
-            <a:r>
-              <a:rPr lang="fr-FR" sz="2800" smtClean="0"/>
-              <a:t>Github:</a:t>
-            </a:r>
-            <a:endParaRPr lang="fr-FR" sz="2800" dirty="0"/>
-          </a:p>
-        </p:txBody>
-      </p:sp>
-      <p:sp>
-        <p:nvSpPr>
-          <p:cNvPr id="14" name="TextBox 6"/>
-          <p:cNvSpPr txBox="1"/>
-          <p:nvPr/>
-        </p:nvSpPr>
-        <p:spPr>
-          <a:xfrm>
-            <a:off x="7703068" y="2759996"/>
-            <a:ext cx="3485856" cy="1200329"/>
-          </a:xfrm>
-          <a:prstGeom prst="rect">
-            <a:avLst/>
-          </a:prstGeom>
-          <a:noFill/>
-        </p:spPr>
-        <p:txBody>
-          <a:bodyPr wrap="square" rtlCol="0">
-            <a:spAutoFit/>
-          </a:bodyPr>
-          <a:lstStyle/>
-          <a:p>
-            <a:r>
-              <a:rPr lang="en-US" sz="2400" dirty="0" smtClean="0">
-                <a:hlinkClick r:id="rId5"/>
-              </a:rPr>
-              <a:t>Yan.holtz.data@gmail.com</a:t>
-            </a:r>
-            <a:endParaRPr lang="en-US" sz="2400" dirty="0" smtClean="0"/>
-          </a:p>
-          <a:p>
-            <a:endParaRPr lang="en-US" sz="2400" dirty="0"/>
-          </a:p>
-          <a:p>
-            <a:r>
-              <a:rPr lang="en-US" sz="2400" dirty="0" err="1" smtClean="0"/>
-              <a:t>www.yan-holtz.com</a:t>
-            </a:r>
-            <a:endParaRPr lang="en-US" sz="2400" dirty="0"/>
-          </a:p>
-        </p:txBody>
-      </p:sp>
-      <p:pic>
-        <p:nvPicPr>
-          <p:cNvPr id="15" name="Picture 8"/>
-          <p:cNvPicPr>
-            <a:picLocks noChangeAspect="1"/>
-          </p:cNvPicPr>
-          <p:nvPr/>
-        </p:nvPicPr>
-        <p:blipFill>
-          <a:blip r:embed="rId6"/>
-          <a:stretch>
-            <a:fillRect/>
-          </a:stretch>
-        </p:blipFill>
-        <p:spPr>
-          <a:xfrm>
-            <a:off x="6866161" y="4242277"/>
-            <a:ext cx="406182" cy="363025"/>
-          </a:xfrm>
-          <a:prstGeom prst="rect">
-            <a:avLst/>
-          </a:prstGeom>
-        </p:spPr>
-      </p:pic>
-      <p:pic>
-        <p:nvPicPr>
-          <p:cNvPr id="16" name="Picture 9"/>
-          <p:cNvPicPr>
-            <a:picLocks noChangeAspect="1"/>
-          </p:cNvPicPr>
-          <p:nvPr/>
-        </p:nvPicPr>
-        <p:blipFill>
-          <a:blip r:embed="rId7"/>
-          <a:stretch>
-            <a:fillRect/>
-          </a:stretch>
-        </p:blipFill>
-        <p:spPr>
-          <a:xfrm>
-            <a:off x="6866161" y="2839447"/>
-            <a:ext cx="379473" cy="294937"/>
-          </a:xfrm>
-          <a:prstGeom prst="rect">
-            <a:avLst/>
-          </a:prstGeom>
-        </p:spPr>
-      </p:pic>
-      <p:sp>
-        <p:nvSpPr>
-          <p:cNvPr id="17" name="TextBox 11"/>
-          <p:cNvSpPr txBox="1"/>
-          <p:nvPr/>
-        </p:nvSpPr>
-        <p:spPr>
-          <a:xfrm>
-            <a:off x="7511253" y="4198897"/>
-            <a:ext cx="3485856" cy="1200329"/>
-          </a:xfrm>
-          <a:prstGeom prst="rect">
-            <a:avLst/>
-          </a:prstGeom>
-          <a:noFill/>
-        </p:spPr>
-        <p:txBody>
-          <a:bodyPr wrap="square" rtlCol="0">
-            <a:spAutoFit/>
-          </a:bodyPr>
-          <a:lstStyle/>
-          <a:p>
-            <a:r>
-              <a:rPr lang="en-US" sz="2400" dirty="0" smtClean="0"/>
-              <a:t>@</a:t>
-            </a:r>
-            <a:r>
-              <a:rPr lang="en-US" sz="2400" dirty="0" err="1" smtClean="0"/>
-              <a:t>R_Graph_Gallery</a:t>
-            </a:r>
-            <a:r>
-              <a:rPr lang="en-US" sz="2400" dirty="0" smtClean="0"/>
-              <a:t> </a:t>
-            </a:r>
-          </a:p>
-          <a:p>
-            <a:endParaRPr lang="en-US" sz="2400" dirty="0"/>
-          </a:p>
-          <a:p>
-            <a:r>
-              <a:rPr lang="en-US" sz="2400" dirty="0" smtClean="0">
-                <a:hlinkClick r:id="rId5"/>
-              </a:rPr>
-              <a:t>github.com/holtzy</a:t>
-            </a:r>
-            <a:endParaRPr lang="en-US" sz="2400" dirty="0">
-              <a:hlinkClick r:id="rId5"/>
-            </a:endParaRPr>
-          </a:p>
-        </p:txBody>
-      </p:sp>
-      <p:pic>
-        <p:nvPicPr>
-          <p:cNvPr id="18" name="Picture 14"/>
-          <p:cNvPicPr>
-            <a:picLocks noChangeAspect="1"/>
-          </p:cNvPicPr>
-          <p:nvPr/>
-        </p:nvPicPr>
-        <p:blipFill>
-          <a:blip r:embed="rId8">
-            <a:extLst>
-              <a:ext uri="{28A0092B-C50C-407E-A947-70E740481C1C}">
-                <a14:useLocalDpi xmlns:a14="http://schemas.microsoft.com/office/drawing/2010/main" val="0"/>
-              </a:ext>
-            </a:extLst>
-          </a:blip>
-          <a:stretch>
-            <a:fillRect/>
-          </a:stretch>
-        </p:blipFill>
-        <p:spPr>
-          <a:xfrm>
-            <a:off x="6892566" y="3477725"/>
-            <a:ext cx="390782" cy="398756"/>
-          </a:xfrm>
-          <a:prstGeom prst="rect">
-            <a:avLst/>
-          </a:prstGeom>
-        </p:spPr>
-      </p:pic>
-      <p:pic>
-        <p:nvPicPr>
-          <p:cNvPr id="19" name="Image 18"/>
-          <p:cNvPicPr>
-            <a:picLocks noChangeAspect="1"/>
-          </p:cNvPicPr>
-          <p:nvPr/>
-        </p:nvPicPr>
-        <p:blipFill>
-          <a:blip r:embed="rId9">
-            <a:extLst>
-              <a:ext uri="{28A0092B-C50C-407E-A947-70E740481C1C}">
-                <a14:useLocalDpi xmlns:a14="http://schemas.microsoft.com/office/drawing/2010/main" val="0"/>
-              </a:ext>
-            </a:extLst>
-          </a:blip>
-          <a:stretch>
-            <a:fillRect/>
-          </a:stretch>
-        </p:blipFill>
-        <p:spPr>
-          <a:xfrm>
-            <a:off x="6844972" y="4916626"/>
-            <a:ext cx="466558" cy="466558"/>
-          </a:xfrm>
-          <a:prstGeom prst="rect">
-            <a:avLst/>
-          </a:prstGeom>
-        </p:spPr>
-      </p:pic>
-      <p:sp>
-        <p:nvSpPr>
-          <p:cNvPr id="20" name="Rectangle 19">
-            <a:hlinkClick r:id="rId4"/>
-          </p:cNvPr>
-          <p:cNvSpPr/>
-          <p:nvPr/>
-        </p:nvSpPr>
-        <p:spPr>
-          <a:xfrm>
-            <a:off x="3837117" y="4337463"/>
-            <a:ext cx="1285673" cy="369332"/>
-          </a:xfrm>
-          <a:prstGeom prst="rect">
-            <a:avLst/>
-          </a:prstGeom>
-          <a:ln>
-            <a:solidFill>
-              <a:schemeClr val="accent1"/>
-            </a:solidFill>
-          </a:ln>
-        </p:spPr>
-        <p:txBody>
-          <a:bodyPr wrap="none">
-            <a:spAutoFit/>
-          </a:bodyPr>
-          <a:lstStyle/>
-          <a:p>
-            <a:r>
-              <a:rPr lang="en-AU" dirty="0" err="1" smtClean="0">
-                <a:solidFill>
-                  <a:schemeClr val="accent1">
-                    <a:lumMod val="75000"/>
-                  </a:schemeClr>
-                </a:solidFill>
-              </a:rPr>
-              <a:t>Github.com</a:t>
-            </a:r>
-            <a:endParaRPr lang="en-AU" dirty="0">
-              <a:solidFill>
-                <a:schemeClr val="accent1">
-                  <a:lumMod val="75000"/>
-                </a:schemeClr>
-              </a:solidFill>
-            </a:endParaRPr>
           </a:p>
         </p:txBody>
       </p:sp>
     </p:spTree>
     <p:extLst>
       <p:ext uri="{BB962C8B-B14F-4D97-AF65-F5344CB8AC3E}">
-        <p14:creationId xmlns:p14="http://schemas.microsoft.com/office/powerpoint/2010/main" val="565921796"/>
+        <p14:creationId xmlns:p14="http://schemas.microsoft.com/office/powerpoint/2010/main" val="2022577371"/>
       </p:ext>
     </p:extLst>
   </p:cSld>
@@ -6634,6 +6114,254 @@
       </p:par>
     </p:tnLst>
   </p:timing>
+</p:sld>
+</file>
+
+<file path=ppt/slides/slide19.xml><?xml version="1.0" encoding="utf-8"?>
+<p:sld xmlns:a="http://schemas.openxmlformats.org/drawingml/2006/main" xmlns:r="http://schemas.openxmlformats.org/officeDocument/2006/relationships" xmlns:p="http://schemas.openxmlformats.org/presentationml/2006/main">
+  <p:cSld>
+    <p:spTree>
+      <p:nvGrpSpPr>
+        <p:cNvPr id="1" name=""/>
+        <p:cNvGrpSpPr/>
+        <p:nvPr/>
+      </p:nvGrpSpPr>
+      <p:grpSpPr>
+        <a:xfrm>
+          <a:off x="0" y="0"/>
+          <a:ext cx="0" cy="0"/>
+          <a:chOff x="0" y="0"/>
+          <a:chExt cx="0" cy="0"/>
+        </a:xfrm>
+      </p:grpSpPr>
+      <p:pic>
+        <p:nvPicPr>
+          <p:cNvPr id="4" name="Image 3"/>
+          <p:cNvPicPr>
+            <a:picLocks noChangeAspect="1"/>
+          </p:cNvPicPr>
+          <p:nvPr/>
+        </p:nvPicPr>
+        <p:blipFill>
+          <a:blip r:embed="rId2"/>
+          <a:stretch>
+            <a:fillRect/>
+          </a:stretch>
+        </p:blipFill>
+        <p:spPr>
+          <a:xfrm>
+            <a:off x="431320" y="1630870"/>
+            <a:ext cx="9947447" cy="2958384"/>
+          </a:xfrm>
+          <a:prstGeom prst="rect">
+            <a:avLst/>
+          </a:prstGeom>
+        </p:spPr>
+      </p:pic>
+      <p:sp>
+        <p:nvSpPr>
+          <p:cNvPr id="5" name="ZoneTexte 4"/>
+          <p:cNvSpPr txBox="1"/>
+          <p:nvPr/>
+        </p:nvSpPr>
+        <p:spPr>
+          <a:xfrm>
+            <a:off x="-149526" y="131438"/>
+            <a:ext cx="4468483" cy="954107"/>
+          </a:xfrm>
+          <a:prstGeom prst="rect">
+            <a:avLst/>
+          </a:prstGeom>
+          <a:noFill/>
+        </p:spPr>
+        <p:txBody>
+          <a:bodyPr wrap="square" rtlCol="0">
+            <a:spAutoFit/>
+          </a:bodyPr>
+          <a:lstStyle/>
+          <a:p>
+            <a:pPr algn="ctr"/>
+            <a:r>
+              <a:rPr lang="fr-FR" sz="2800" b="1" dirty="0" smtClean="0">
+                <a:solidFill>
+                  <a:srgbClr val="FF0000"/>
+                </a:solidFill>
+              </a:rPr>
+              <a:t>1 </a:t>
+            </a:r>
+            <a:r>
+              <a:rPr lang="mr-IN" sz="2800" b="1" dirty="0" smtClean="0">
+                <a:solidFill>
+                  <a:srgbClr val="FF0000"/>
+                </a:solidFill>
+              </a:rPr>
+              <a:t>–</a:t>
+            </a:r>
+            <a:r>
+              <a:rPr lang="fr-FR" sz="2800" b="1" dirty="0" smtClean="0">
+                <a:solidFill>
+                  <a:srgbClr val="FF0000"/>
+                </a:solidFill>
+              </a:rPr>
+              <a:t> call </a:t>
+            </a:r>
+            <a:r>
+              <a:rPr lang="fr-FR" sz="2800" b="1" dirty="0" err="1" smtClean="0">
+                <a:solidFill>
+                  <a:srgbClr val="FF0000"/>
+                </a:solidFill>
+              </a:rPr>
+              <a:t>your</a:t>
+            </a:r>
+            <a:r>
+              <a:rPr lang="fr-FR" sz="2800" b="1" dirty="0" smtClean="0">
+                <a:solidFill>
+                  <a:srgbClr val="FF0000"/>
+                </a:solidFill>
+              </a:rPr>
+              <a:t> </a:t>
+            </a:r>
+            <a:r>
+              <a:rPr lang="fr-FR" sz="2800" b="1" dirty="0" err="1" smtClean="0">
+                <a:solidFill>
+                  <a:srgbClr val="FF0000"/>
+                </a:solidFill>
+              </a:rPr>
+              <a:t>Rmd</a:t>
+            </a:r>
+            <a:r>
+              <a:rPr lang="fr-FR" sz="2800" b="1" dirty="0" smtClean="0">
+                <a:solidFill>
+                  <a:srgbClr val="FF0000"/>
+                </a:solidFill>
+              </a:rPr>
+              <a:t> output </a:t>
+            </a:r>
+            <a:r>
+              <a:rPr lang="fr-FR" sz="2800" b="1" dirty="0" err="1" smtClean="0">
+                <a:solidFill>
+                  <a:srgbClr val="FF0000"/>
+                </a:solidFill>
+              </a:rPr>
+              <a:t>index.html</a:t>
+            </a:r>
+            <a:endParaRPr lang="fr-FR" sz="2800" b="1" dirty="0" smtClean="0">
+              <a:solidFill>
+                <a:srgbClr val="FF0000"/>
+              </a:solidFill>
+            </a:endParaRPr>
+          </a:p>
+        </p:txBody>
+      </p:sp>
+      <p:cxnSp>
+        <p:nvCxnSpPr>
+          <p:cNvPr id="6" name="Connecteur droit avec flèche 5"/>
+          <p:cNvCxnSpPr/>
+          <p:nvPr/>
+        </p:nvCxnSpPr>
+        <p:spPr>
+          <a:xfrm flipH="1">
+            <a:off x="7577498" y="1259457"/>
+            <a:ext cx="928147" cy="815524"/>
+          </a:xfrm>
+          <a:prstGeom prst="straightConnector1">
+            <a:avLst/>
+          </a:prstGeom>
+          <a:ln w="50800">
+            <a:solidFill>
+              <a:srgbClr val="FF0000"/>
+            </a:solidFill>
+            <a:tailEnd type="triangle"/>
+          </a:ln>
+        </p:spPr>
+        <p:style>
+          <a:lnRef idx="1">
+            <a:schemeClr val="accent1"/>
+          </a:lnRef>
+          <a:fillRef idx="0">
+            <a:schemeClr val="accent1"/>
+          </a:fillRef>
+          <a:effectRef idx="0">
+            <a:schemeClr val="accent1"/>
+          </a:effectRef>
+          <a:fontRef idx="minor">
+            <a:schemeClr val="tx1"/>
+          </a:fontRef>
+        </p:style>
+      </p:cxnSp>
+      <p:sp>
+        <p:nvSpPr>
+          <p:cNvPr id="7" name="ZoneTexte 6"/>
+          <p:cNvSpPr txBox="1"/>
+          <p:nvPr/>
+        </p:nvSpPr>
+        <p:spPr>
+          <a:xfrm>
+            <a:off x="6972808" y="526869"/>
+            <a:ext cx="4468483" cy="523220"/>
+          </a:xfrm>
+          <a:prstGeom prst="rect">
+            <a:avLst/>
+          </a:prstGeom>
+          <a:noFill/>
+        </p:spPr>
+        <p:txBody>
+          <a:bodyPr wrap="square" rtlCol="0">
+            <a:spAutoFit/>
+          </a:bodyPr>
+          <a:lstStyle/>
+          <a:p>
+            <a:pPr algn="ctr"/>
+            <a:r>
+              <a:rPr lang="fr-FR" sz="2800" b="1" dirty="0">
+                <a:solidFill>
+                  <a:srgbClr val="FF0000"/>
+                </a:solidFill>
+              </a:rPr>
+              <a:t>2</a:t>
+            </a:r>
+            <a:r>
+              <a:rPr lang="fr-FR" sz="2800" b="1" dirty="0" smtClean="0">
+                <a:solidFill>
+                  <a:srgbClr val="FF0000"/>
+                </a:solidFill>
+              </a:rPr>
+              <a:t> </a:t>
+            </a:r>
+            <a:r>
+              <a:rPr lang="mr-IN" sz="2800" b="1" dirty="0" smtClean="0">
+                <a:solidFill>
+                  <a:srgbClr val="FF0000"/>
+                </a:solidFill>
+              </a:rPr>
+              <a:t>–</a:t>
+            </a:r>
+            <a:r>
+              <a:rPr lang="fr-FR" sz="2800" b="1" dirty="0" smtClean="0">
+                <a:solidFill>
+                  <a:srgbClr val="FF0000"/>
+                </a:solidFill>
+              </a:rPr>
+              <a:t> Click settings</a:t>
+            </a:r>
+            <a:endParaRPr lang="fr-FR" sz="2800" b="1" dirty="0" smtClean="0">
+              <a:solidFill>
+                <a:srgbClr val="FF0000"/>
+              </a:solidFill>
+            </a:endParaRPr>
+          </a:p>
+        </p:txBody>
+      </p:sp>
+    </p:spTree>
+    <p:extLst>
+      <p:ext uri="{BB962C8B-B14F-4D97-AF65-F5344CB8AC3E}">
+        <p14:creationId xmlns:p14="http://schemas.microsoft.com/office/powerpoint/2010/main" val="1257139449"/>
+      </p:ext>
+    </p:extLst>
+  </p:cSld>
+  <p:clrMapOvr>
+    <a:masterClrMapping/>
+  </p:clrMapOvr>
 </p:sld>
 </file>
 
@@ -6851,6 +6579,898 @@
     <p:extLst>
       <p:ext uri="{BB962C8B-B14F-4D97-AF65-F5344CB8AC3E}">
         <p14:creationId xmlns:p14="http://schemas.microsoft.com/office/powerpoint/2010/main" val="184119509"/>
+      </p:ext>
+    </p:extLst>
+  </p:cSld>
+  <p:clrMapOvr>
+    <a:masterClrMapping/>
+  </p:clrMapOvr>
+  <p:timing>
+    <p:tnLst>
+      <p:par>
+        <p:cTn id="1" dur="indefinite" restart="never" nodeType="tmRoot"/>
+      </p:par>
+    </p:tnLst>
+  </p:timing>
+</p:sld>
+</file>
+
+<file path=ppt/slides/slide20.xml><?xml version="1.0" encoding="utf-8"?>
+<p:sld xmlns:a="http://schemas.openxmlformats.org/drawingml/2006/main" xmlns:r="http://schemas.openxmlformats.org/officeDocument/2006/relationships" xmlns:p="http://schemas.openxmlformats.org/presentationml/2006/main">
+  <p:cSld>
+    <p:spTree>
+      <p:nvGrpSpPr>
+        <p:cNvPr id="1" name=""/>
+        <p:cNvGrpSpPr/>
+        <p:nvPr/>
+      </p:nvGrpSpPr>
+      <p:grpSpPr>
+        <a:xfrm>
+          <a:off x="0" y="0"/>
+          <a:ext cx="0" cy="0"/>
+          <a:chOff x="0" y="0"/>
+          <a:chExt cx="0" cy="0"/>
+        </a:xfrm>
+      </p:grpSpPr>
+      <p:pic>
+        <p:nvPicPr>
+          <p:cNvPr id="4" name="Image 3"/>
+          <p:cNvPicPr>
+            <a:picLocks noChangeAspect="1"/>
+          </p:cNvPicPr>
+          <p:nvPr/>
+        </p:nvPicPr>
+        <p:blipFill>
+          <a:blip r:embed="rId2"/>
+          <a:stretch>
+            <a:fillRect/>
+          </a:stretch>
+        </p:blipFill>
+        <p:spPr>
+          <a:xfrm>
+            <a:off x="1104181" y="1134279"/>
+            <a:ext cx="9613780" cy="5080453"/>
+          </a:xfrm>
+          <a:prstGeom prst="rect">
+            <a:avLst/>
+          </a:prstGeom>
+        </p:spPr>
+      </p:pic>
+      <p:cxnSp>
+        <p:nvCxnSpPr>
+          <p:cNvPr id="5" name="Connecteur droit avec flèche 4"/>
+          <p:cNvCxnSpPr/>
+          <p:nvPr/>
+        </p:nvCxnSpPr>
+        <p:spPr>
+          <a:xfrm flipH="1">
+            <a:off x="7577498" y="1259457"/>
+            <a:ext cx="928147" cy="815524"/>
+          </a:xfrm>
+          <a:prstGeom prst="straightConnector1">
+            <a:avLst/>
+          </a:prstGeom>
+          <a:ln w="50800">
+            <a:solidFill>
+              <a:srgbClr val="FF0000"/>
+            </a:solidFill>
+            <a:tailEnd type="triangle"/>
+          </a:ln>
+        </p:spPr>
+        <p:style>
+          <a:lnRef idx="1">
+            <a:schemeClr val="accent1"/>
+          </a:lnRef>
+          <a:fillRef idx="0">
+            <a:schemeClr val="accent1"/>
+          </a:fillRef>
+          <a:effectRef idx="0">
+            <a:schemeClr val="accent1"/>
+          </a:effectRef>
+          <a:fontRef idx="minor">
+            <a:schemeClr val="tx1"/>
+          </a:fontRef>
+        </p:style>
+      </p:cxnSp>
+      <p:sp>
+        <p:nvSpPr>
+          <p:cNvPr id="6" name="ZoneTexte 5"/>
+          <p:cNvSpPr txBox="1"/>
+          <p:nvPr/>
+        </p:nvSpPr>
+        <p:spPr>
+          <a:xfrm>
+            <a:off x="6972808" y="526869"/>
+            <a:ext cx="4468483" cy="954107"/>
+          </a:xfrm>
+          <a:prstGeom prst="rect">
+            <a:avLst/>
+          </a:prstGeom>
+          <a:noFill/>
+        </p:spPr>
+        <p:txBody>
+          <a:bodyPr wrap="square" rtlCol="0">
+            <a:spAutoFit/>
+          </a:bodyPr>
+          <a:lstStyle/>
+          <a:p>
+            <a:pPr algn="ctr"/>
+            <a:r>
+              <a:rPr lang="fr-FR" sz="2800" b="1" dirty="0" smtClean="0">
+                <a:solidFill>
+                  <a:srgbClr val="FF0000"/>
+                </a:solidFill>
+              </a:rPr>
+              <a:t>3 </a:t>
+            </a:r>
+            <a:r>
+              <a:rPr lang="mr-IN" sz="2800" b="1" dirty="0" smtClean="0">
+                <a:solidFill>
+                  <a:srgbClr val="FF0000"/>
+                </a:solidFill>
+              </a:rPr>
+              <a:t>–</a:t>
+            </a:r>
+            <a:r>
+              <a:rPr lang="fr-FR" sz="2800" b="1" dirty="0" smtClean="0">
+                <a:solidFill>
+                  <a:srgbClr val="FF0000"/>
+                </a:solidFill>
+              </a:rPr>
+              <a:t> Github Pages: Master </a:t>
+            </a:r>
+            <a:r>
+              <a:rPr lang="fr-FR" sz="2800" b="1" dirty="0" err="1" smtClean="0">
+                <a:solidFill>
+                  <a:srgbClr val="FF0000"/>
+                </a:solidFill>
+              </a:rPr>
+              <a:t>branch</a:t>
+            </a:r>
+            <a:endParaRPr lang="fr-FR" sz="2800" b="1" dirty="0" smtClean="0">
+              <a:solidFill>
+                <a:srgbClr val="FF0000"/>
+              </a:solidFill>
+            </a:endParaRPr>
+          </a:p>
+        </p:txBody>
+      </p:sp>
+    </p:spTree>
+    <p:extLst>
+      <p:ext uri="{BB962C8B-B14F-4D97-AF65-F5344CB8AC3E}">
+        <p14:creationId xmlns:p14="http://schemas.microsoft.com/office/powerpoint/2010/main" val="1905725153"/>
+      </p:ext>
+    </p:extLst>
+  </p:cSld>
+  <p:clrMapOvr>
+    <a:masterClrMapping/>
+  </p:clrMapOvr>
+</p:sld>
+</file>
+
+<file path=ppt/slides/slide21.xml><?xml version="1.0" encoding="utf-8"?>
+<p:sld xmlns:a="http://schemas.openxmlformats.org/drawingml/2006/main" xmlns:r="http://schemas.openxmlformats.org/officeDocument/2006/relationships" xmlns:p="http://schemas.openxmlformats.org/presentationml/2006/main">
+  <p:cSld>
+    <p:spTree>
+      <p:nvGrpSpPr>
+        <p:cNvPr id="1" name=""/>
+        <p:cNvGrpSpPr/>
+        <p:nvPr/>
+      </p:nvGrpSpPr>
+      <p:grpSpPr>
+        <a:xfrm>
+          <a:off x="0" y="0"/>
+          <a:ext cx="0" cy="0"/>
+          <a:chOff x="0" y="0"/>
+          <a:chExt cx="0" cy="0"/>
+        </a:xfrm>
+      </p:grpSpPr>
+      <p:sp>
+        <p:nvSpPr>
+          <p:cNvPr id="5" name="ZoneTexte 4"/>
+          <p:cNvSpPr txBox="1"/>
+          <p:nvPr/>
+        </p:nvSpPr>
+        <p:spPr>
+          <a:xfrm>
+            <a:off x="2676854" y="2631714"/>
+            <a:ext cx="7623086" cy="1384995"/>
+          </a:xfrm>
+          <a:prstGeom prst="rect">
+            <a:avLst/>
+          </a:prstGeom>
+          <a:noFill/>
+        </p:spPr>
+        <p:txBody>
+          <a:bodyPr wrap="square" rtlCol="0">
+            <a:spAutoFit/>
+          </a:bodyPr>
+          <a:lstStyle/>
+          <a:p>
+            <a:pPr algn="ctr"/>
+            <a:r>
+              <a:rPr lang="fr-FR" sz="2800" b="1" dirty="0">
+                <a:solidFill>
+                  <a:srgbClr val="FF0000"/>
+                </a:solidFill>
+              </a:rPr>
+              <a:t>4</a:t>
+            </a:r>
+            <a:r>
+              <a:rPr lang="fr-FR" sz="2800" b="1" dirty="0" smtClean="0">
+                <a:solidFill>
+                  <a:srgbClr val="FF0000"/>
+                </a:solidFill>
+              </a:rPr>
+              <a:t> </a:t>
+            </a:r>
+            <a:r>
+              <a:rPr lang="mr-IN" sz="2800" b="1" dirty="0" smtClean="0">
+                <a:solidFill>
+                  <a:srgbClr val="FF0000"/>
+                </a:solidFill>
+              </a:rPr>
+              <a:t>–</a:t>
+            </a:r>
+            <a:r>
+              <a:rPr lang="fr-FR" sz="2800" b="1" dirty="0" smtClean="0">
+                <a:solidFill>
+                  <a:srgbClr val="FF0000"/>
+                </a:solidFill>
+              </a:rPr>
+              <a:t> </a:t>
+            </a:r>
+            <a:r>
+              <a:rPr lang="fr-FR" sz="2800" b="1" dirty="0" err="1" smtClean="0">
+                <a:solidFill>
+                  <a:srgbClr val="FF0000"/>
+                </a:solidFill>
+              </a:rPr>
+              <a:t>Your</a:t>
+            </a:r>
+            <a:r>
+              <a:rPr lang="fr-FR" sz="2800" b="1" dirty="0" smtClean="0">
+                <a:solidFill>
+                  <a:srgbClr val="FF0000"/>
+                </a:solidFill>
+              </a:rPr>
+              <a:t> </a:t>
+            </a:r>
+            <a:r>
+              <a:rPr lang="fr-FR" sz="2800" b="1" dirty="0" err="1" smtClean="0">
+                <a:solidFill>
+                  <a:srgbClr val="FF0000"/>
+                </a:solidFill>
+              </a:rPr>
+              <a:t>index.html</a:t>
+            </a:r>
+            <a:r>
+              <a:rPr lang="fr-FR" sz="2800" b="1" dirty="0" smtClean="0">
+                <a:solidFill>
+                  <a:srgbClr val="FF0000"/>
+                </a:solidFill>
+              </a:rPr>
+              <a:t> file </a:t>
+            </a:r>
+            <a:r>
+              <a:rPr lang="fr-FR" sz="2800" b="1" dirty="0" err="1" smtClean="0">
+                <a:solidFill>
+                  <a:srgbClr val="FF0000"/>
+                </a:solidFill>
+              </a:rPr>
+              <a:t>is</a:t>
+            </a:r>
+            <a:r>
+              <a:rPr lang="fr-FR" sz="2800" b="1" dirty="0" smtClean="0">
+                <a:solidFill>
+                  <a:srgbClr val="FF0000"/>
+                </a:solidFill>
+              </a:rPr>
+              <a:t> </a:t>
+            </a:r>
+            <a:r>
+              <a:rPr lang="fr-FR" sz="2800" b="1" dirty="0" err="1" smtClean="0">
+                <a:solidFill>
+                  <a:srgbClr val="FF0000"/>
+                </a:solidFill>
+              </a:rPr>
+              <a:t>now</a:t>
+            </a:r>
+            <a:r>
+              <a:rPr lang="fr-FR" sz="2800" b="1" dirty="0" smtClean="0">
+                <a:solidFill>
+                  <a:srgbClr val="FF0000"/>
+                </a:solidFill>
+              </a:rPr>
+              <a:t> a </a:t>
+            </a:r>
+            <a:r>
+              <a:rPr lang="fr-FR" sz="2800" b="1" dirty="0" err="1" smtClean="0">
+                <a:solidFill>
+                  <a:srgbClr val="FF0000"/>
+                </a:solidFill>
+              </a:rPr>
+              <a:t>website</a:t>
+            </a:r>
+            <a:r>
+              <a:rPr lang="fr-FR" sz="2800" b="1" dirty="0" smtClean="0">
+                <a:solidFill>
+                  <a:srgbClr val="FF0000"/>
+                </a:solidFill>
+              </a:rPr>
+              <a:t>.</a:t>
+            </a:r>
+          </a:p>
+          <a:p>
+            <a:pPr algn="ctr"/>
+            <a:endParaRPr lang="fr-FR" sz="2800" b="1" dirty="0">
+              <a:solidFill>
+                <a:srgbClr val="FF0000"/>
+              </a:solidFill>
+            </a:endParaRPr>
+          </a:p>
+          <a:p>
+            <a:pPr algn="ctr"/>
+            <a:r>
+              <a:rPr lang="fr-FR" sz="2800" b="1" dirty="0" smtClean="0">
+                <a:solidFill>
+                  <a:srgbClr val="FF0000"/>
+                </a:solidFill>
+              </a:rPr>
+              <a:t>url: </a:t>
+            </a:r>
+            <a:r>
+              <a:rPr lang="fr-FR" sz="2800" dirty="0"/>
+              <a:t> </a:t>
+            </a:r>
+            <a:r>
+              <a:rPr lang="fr-FR" sz="2800" b="1" dirty="0">
+                <a:solidFill>
+                  <a:srgbClr val="FF0000"/>
+                </a:solidFill>
+                <a:hlinkClick r:id="rId2"/>
+              </a:rPr>
+              <a:t>https</a:t>
+            </a:r>
+            <a:r>
+              <a:rPr lang="fr-FR" sz="2800" b="1" dirty="0">
+                <a:solidFill>
+                  <a:srgbClr val="FF0000"/>
+                </a:solidFill>
+                <a:hlinkClick r:id="rId2"/>
+              </a:rPr>
+              <a:t>://</a:t>
+            </a:r>
+            <a:r>
+              <a:rPr lang="fr-FR" sz="2800" b="1" dirty="0">
+                <a:solidFill>
+                  <a:srgbClr val="FF0000"/>
+                </a:solidFill>
+                <a:hlinkClick r:id="rId2"/>
+              </a:rPr>
+              <a:t>username.github.io/</a:t>
+            </a:r>
+            <a:r>
+              <a:rPr lang="fr-FR" sz="2800" b="1" dirty="0" err="1">
+                <a:solidFill>
+                  <a:srgbClr val="FF0000"/>
+                </a:solidFill>
+              </a:rPr>
+              <a:t>repoName</a:t>
+            </a:r>
+            <a:r>
+              <a:rPr lang="fr-FR" sz="2800" dirty="0"/>
+              <a:t>.</a:t>
+            </a:r>
+          </a:p>
+        </p:txBody>
+      </p:sp>
+    </p:spTree>
+    <p:extLst>
+      <p:ext uri="{BB962C8B-B14F-4D97-AF65-F5344CB8AC3E}">
+        <p14:creationId xmlns:p14="http://schemas.microsoft.com/office/powerpoint/2010/main" val="99877106"/>
+      </p:ext>
+    </p:extLst>
+  </p:cSld>
+  <p:clrMapOvr>
+    <a:masterClrMapping/>
+  </p:clrMapOvr>
+</p:sld>
+</file>
+
+<file path=ppt/slides/slide22.xml><?xml version="1.0" encoding="utf-8"?>
+<p:sld xmlns:a="http://schemas.openxmlformats.org/drawingml/2006/main" xmlns:r="http://schemas.openxmlformats.org/officeDocument/2006/relationships" xmlns:p="http://schemas.openxmlformats.org/presentationml/2006/main">
+  <p:cSld>
+    <p:spTree>
+      <p:nvGrpSpPr>
+        <p:cNvPr id="1" name=""/>
+        <p:cNvGrpSpPr/>
+        <p:nvPr/>
+      </p:nvGrpSpPr>
+      <p:grpSpPr>
+        <a:xfrm>
+          <a:off x="0" y="0"/>
+          <a:ext cx="0" cy="0"/>
+          <a:chOff x="0" y="0"/>
+          <a:chExt cx="0" cy="0"/>
+        </a:xfrm>
+      </p:grpSpPr>
+      <p:pic>
+        <p:nvPicPr>
+          <p:cNvPr id="22" name="Image 21"/>
+          <p:cNvPicPr>
+            <a:picLocks noChangeAspect="1"/>
+          </p:cNvPicPr>
+          <p:nvPr/>
+        </p:nvPicPr>
+        <p:blipFill>
+          <a:blip r:embed="rId3">
+            <a:extLst>
+              <a:ext uri="{28A0092B-C50C-407E-A947-70E740481C1C}">
+                <a14:useLocalDpi xmlns:a14="http://schemas.microsoft.com/office/drawing/2010/main" val="0"/>
+              </a:ext>
+            </a:extLst>
+          </a:blip>
+          <a:stretch>
+            <a:fillRect/>
+          </a:stretch>
+        </p:blipFill>
+        <p:spPr>
+          <a:xfrm>
+            <a:off x="-2729949" y="6684"/>
+            <a:ext cx="16408795" cy="6858000"/>
+          </a:xfrm>
+          <a:prstGeom prst="rect">
+            <a:avLst/>
+          </a:prstGeom>
+        </p:spPr>
+      </p:pic>
+      <p:cxnSp>
+        <p:nvCxnSpPr>
+          <p:cNvPr id="9" name="Connecteur droit 8"/>
+          <p:cNvCxnSpPr/>
+          <p:nvPr/>
+        </p:nvCxnSpPr>
+        <p:spPr>
+          <a:xfrm>
+            <a:off x="3837117" y="1809700"/>
+            <a:ext cx="4702626" cy="0"/>
+          </a:xfrm>
+          <a:prstGeom prst="line">
+            <a:avLst/>
+          </a:prstGeom>
+          <a:ln>
+            <a:solidFill>
+              <a:schemeClr val="bg2">
+                <a:lumMod val="50000"/>
+              </a:schemeClr>
+            </a:solidFill>
+          </a:ln>
+        </p:spPr>
+        <p:style>
+          <a:lnRef idx="1">
+            <a:schemeClr val="accent1"/>
+          </a:lnRef>
+          <a:fillRef idx="0">
+            <a:schemeClr val="accent1"/>
+          </a:fillRef>
+          <a:effectRef idx="0">
+            <a:schemeClr val="accent1"/>
+          </a:effectRef>
+          <a:fontRef idx="minor">
+            <a:schemeClr val="tx1"/>
+          </a:fontRef>
+        </p:style>
+      </p:cxnSp>
+      <p:sp>
+        <p:nvSpPr>
+          <p:cNvPr id="10" name="ZoneTexte 9"/>
+          <p:cNvSpPr txBox="1"/>
+          <p:nvPr/>
+        </p:nvSpPr>
+        <p:spPr>
+          <a:xfrm>
+            <a:off x="4969231" y="921784"/>
+            <a:ext cx="4814161" cy="646331"/>
+          </a:xfrm>
+          <a:prstGeom prst="rect">
+            <a:avLst/>
+          </a:prstGeom>
+          <a:noFill/>
+        </p:spPr>
+        <p:txBody>
+          <a:bodyPr wrap="square" rtlCol="0">
+            <a:spAutoFit/>
+          </a:bodyPr>
+          <a:lstStyle/>
+          <a:p>
+            <a:r>
+              <a:rPr lang="fr-FR" sz="3600" dirty="0" err="1" smtClean="0"/>
+              <a:t>Thanks</a:t>
+            </a:r>
+            <a:endParaRPr lang="fr-FR" sz="3600" dirty="0"/>
+          </a:p>
+        </p:txBody>
+      </p:sp>
+      <p:sp>
+        <p:nvSpPr>
+          <p:cNvPr id="5" name="Rectangle 4">
+            <a:hlinkClick r:id="rId4"/>
+          </p:cNvPr>
+          <p:cNvSpPr/>
+          <p:nvPr/>
+        </p:nvSpPr>
+        <p:spPr>
+          <a:xfrm>
+            <a:off x="3839643" y="3514793"/>
+            <a:ext cx="1943481" cy="369332"/>
+          </a:xfrm>
+          <a:prstGeom prst="rect">
+            <a:avLst/>
+          </a:prstGeom>
+          <a:ln>
+            <a:solidFill>
+              <a:schemeClr val="accent1"/>
+            </a:solidFill>
+          </a:ln>
+        </p:spPr>
+        <p:txBody>
+          <a:bodyPr wrap="none">
+            <a:spAutoFit/>
+          </a:bodyPr>
+          <a:lstStyle/>
+          <a:p>
+            <a:r>
+              <a:rPr lang="en-AU" dirty="0" smtClean="0">
+                <a:solidFill>
+                  <a:schemeClr val="accent1">
+                    <a:lumMod val="75000"/>
+                  </a:schemeClr>
+                </a:solidFill>
+              </a:rPr>
+              <a:t>Yan-</a:t>
+            </a:r>
+            <a:r>
+              <a:rPr lang="en-AU" dirty="0" err="1" smtClean="0">
+                <a:solidFill>
+                  <a:schemeClr val="accent1">
+                    <a:lumMod val="75000"/>
+                  </a:schemeClr>
+                </a:solidFill>
+              </a:rPr>
+              <a:t>holtz</a:t>
+            </a:r>
+            <a:r>
+              <a:rPr lang="en-AU" dirty="0" smtClean="0">
+                <a:solidFill>
+                  <a:schemeClr val="accent1">
+                    <a:lumMod val="75000"/>
+                  </a:schemeClr>
+                </a:solidFill>
+              </a:rPr>
+              <a:t>/teaching</a:t>
+            </a:r>
+            <a:endParaRPr lang="en-AU" dirty="0">
+              <a:solidFill>
+                <a:schemeClr val="accent1">
+                  <a:lumMod val="75000"/>
+                </a:schemeClr>
+              </a:solidFill>
+            </a:endParaRPr>
+          </a:p>
+        </p:txBody>
+      </p:sp>
+      <p:sp>
+        <p:nvSpPr>
+          <p:cNvPr id="2" name="Rectangle 1"/>
+          <p:cNvSpPr/>
+          <p:nvPr/>
+        </p:nvSpPr>
+        <p:spPr>
+          <a:xfrm>
+            <a:off x="2423024" y="3437849"/>
+            <a:ext cx="1117614" cy="523220"/>
+          </a:xfrm>
+          <a:prstGeom prst="rect">
+            <a:avLst/>
+          </a:prstGeom>
+        </p:spPr>
+        <p:txBody>
+          <a:bodyPr wrap="none">
+            <a:spAutoFit/>
+          </a:bodyPr>
+          <a:lstStyle/>
+          <a:p>
+            <a:r>
+              <a:rPr lang="fr-FR" sz="2800" dirty="0" smtClean="0"/>
+              <a:t>Slides:</a:t>
+            </a:r>
+            <a:endParaRPr lang="fr-FR" sz="2800" dirty="0"/>
+          </a:p>
+        </p:txBody>
+      </p:sp>
+      <p:sp>
+        <p:nvSpPr>
+          <p:cNvPr id="11" name="Rectangle 10"/>
+          <p:cNvSpPr/>
+          <p:nvPr/>
+        </p:nvSpPr>
+        <p:spPr>
+          <a:xfrm>
+            <a:off x="2258951" y="4267056"/>
+            <a:ext cx="1385917" cy="523220"/>
+          </a:xfrm>
+          <a:prstGeom prst="rect">
+            <a:avLst/>
+          </a:prstGeom>
+        </p:spPr>
+        <p:txBody>
+          <a:bodyPr wrap="square">
+            <a:spAutoFit/>
+          </a:bodyPr>
+          <a:lstStyle/>
+          <a:p>
+            <a:r>
+              <a:rPr lang="fr-FR" sz="2800" smtClean="0"/>
+              <a:t>Github:</a:t>
+            </a:r>
+            <a:endParaRPr lang="fr-FR" sz="2800" dirty="0"/>
+          </a:p>
+        </p:txBody>
+      </p:sp>
+      <p:sp>
+        <p:nvSpPr>
+          <p:cNvPr id="14" name="TextBox 6"/>
+          <p:cNvSpPr txBox="1"/>
+          <p:nvPr/>
+        </p:nvSpPr>
+        <p:spPr>
+          <a:xfrm>
+            <a:off x="7703068" y="2759996"/>
+            <a:ext cx="3485856" cy="1200329"/>
+          </a:xfrm>
+          <a:prstGeom prst="rect">
+            <a:avLst/>
+          </a:prstGeom>
+          <a:noFill/>
+        </p:spPr>
+        <p:txBody>
+          <a:bodyPr wrap="square" rtlCol="0">
+            <a:spAutoFit/>
+          </a:bodyPr>
+          <a:lstStyle/>
+          <a:p>
+            <a:r>
+              <a:rPr lang="en-US" sz="2400" dirty="0" smtClean="0">
+                <a:hlinkClick r:id="rId5"/>
+              </a:rPr>
+              <a:t>Yan.holtz.data@gmail.com</a:t>
+            </a:r>
+            <a:endParaRPr lang="en-US" sz="2400" dirty="0" smtClean="0"/>
+          </a:p>
+          <a:p>
+            <a:endParaRPr lang="en-US" sz="2400" dirty="0"/>
+          </a:p>
+          <a:p>
+            <a:r>
+              <a:rPr lang="en-US" sz="2400" dirty="0" err="1" smtClean="0"/>
+              <a:t>www.yan-holtz.com</a:t>
+            </a:r>
+            <a:endParaRPr lang="en-US" sz="2400" dirty="0"/>
+          </a:p>
+        </p:txBody>
+      </p:sp>
+      <p:pic>
+        <p:nvPicPr>
+          <p:cNvPr id="15" name="Picture 8"/>
+          <p:cNvPicPr>
+            <a:picLocks noChangeAspect="1"/>
+          </p:cNvPicPr>
+          <p:nvPr/>
+        </p:nvPicPr>
+        <p:blipFill>
+          <a:blip r:embed="rId6"/>
+          <a:stretch>
+            <a:fillRect/>
+          </a:stretch>
+        </p:blipFill>
+        <p:spPr>
+          <a:xfrm>
+            <a:off x="6866161" y="4242277"/>
+            <a:ext cx="406182" cy="363025"/>
+          </a:xfrm>
+          <a:prstGeom prst="rect">
+            <a:avLst/>
+          </a:prstGeom>
+        </p:spPr>
+      </p:pic>
+      <p:pic>
+        <p:nvPicPr>
+          <p:cNvPr id="16" name="Picture 9"/>
+          <p:cNvPicPr>
+            <a:picLocks noChangeAspect="1"/>
+          </p:cNvPicPr>
+          <p:nvPr/>
+        </p:nvPicPr>
+        <p:blipFill>
+          <a:blip r:embed="rId7"/>
+          <a:stretch>
+            <a:fillRect/>
+          </a:stretch>
+        </p:blipFill>
+        <p:spPr>
+          <a:xfrm>
+            <a:off x="6866161" y="2839447"/>
+            <a:ext cx="379473" cy="294937"/>
+          </a:xfrm>
+          <a:prstGeom prst="rect">
+            <a:avLst/>
+          </a:prstGeom>
+        </p:spPr>
+      </p:pic>
+      <p:sp>
+        <p:nvSpPr>
+          <p:cNvPr id="17" name="TextBox 11"/>
+          <p:cNvSpPr txBox="1"/>
+          <p:nvPr/>
+        </p:nvSpPr>
+        <p:spPr>
+          <a:xfrm>
+            <a:off x="7511253" y="4198897"/>
+            <a:ext cx="3485856" cy="1200329"/>
+          </a:xfrm>
+          <a:prstGeom prst="rect">
+            <a:avLst/>
+          </a:prstGeom>
+          <a:noFill/>
+        </p:spPr>
+        <p:txBody>
+          <a:bodyPr wrap="square" rtlCol="0">
+            <a:spAutoFit/>
+          </a:bodyPr>
+          <a:lstStyle/>
+          <a:p>
+            <a:r>
+              <a:rPr lang="en-US" sz="2400" dirty="0" smtClean="0"/>
+              <a:t>@</a:t>
+            </a:r>
+            <a:r>
+              <a:rPr lang="en-US" sz="2400" dirty="0" err="1" smtClean="0"/>
+              <a:t>R_Graph_Gallery</a:t>
+            </a:r>
+            <a:r>
+              <a:rPr lang="en-US" sz="2400" dirty="0" smtClean="0"/>
+              <a:t> </a:t>
+            </a:r>
+          </a:p>
+          <a:p>
+            <a:endParaRPr lang="en-US" sz="2400" dirty="0"/>
+          </a:p>
+          <a:p>
+            <a:r>
+              <a:rPr lang="en-US" sz="2400" dirty="0" smtClean="0">
+                <a:hlinkClick r:id="rId5"/>
+              </a:rPr>
+              <a:t>github.com/holtzy</a:t>
+            </a:r>
+            <a:endParaRPr lang="en-US" sz="2400" dirty="0">
+              <a:hlinkClick r:id="rId5"/>
+            </a:endParaRPr>
+          </a:p>
+        </p:txBody>
+      </p:sp>
+      <p:pic>
+        <p:nvPicPr>
+          <p:cNvPr id="18" name="Picture 14"/>
+          <p:cNvPicPr>
+            <a:picLocks noChangeAspect="1"/>
+          </p:cNvPicPr>
+          <p:nvPr/>
+        </p:nvPicPr>
+        <p:blipFill>
+          <a:blip r:embed="rId8">
+            <a:extLst>
+              <a:ext uri="{28A0092B-C50C-407E-A947-70E740481C1C}">
+                <a14:useLocalDpi xmlns:a14="http://schemas.microsoft.com/office/drawing/2010/main" val="0"/>
+              </a:ext>
+            </a:extLst>
+          </a:blip>
+          <a:stretch>
+            <a:fillRect/>
+          </a:stretch>
+        </p:blipFill>
+        <p:spPr>
+          <a:xfrm>
+            <a:off x="6892566" y="3477725"/>
+            <a:ext cx="390782" cy="398756"/>
+          </a:xfrm>
+          <a:prstGeom prst="rect">
+            <a:avLst/>
+          </a:prstGeom>
+        </p:spPr>
+      </p:pic>
+      <p:pic>
+        <p:nvPicPr>
+          <p:cNvPr id="19" name="Image 18"/>
+          <p:cNvPicPr>
+            <a:picLocks noChangeAspect="1"/>
+          </p:cNvPicPr>
+          <p:nvPr/>
+        </p:nvPicPr>
+        <p:blipFill>
+          <a:blip r:embed="rId9">
+            <a:extLst>
+              <a:ext uri="{28A0092B-C50C-407E-A947-70E740481C1C}">
+                <a14:useLocalDpi xmlns:a14="http://schemas.microsoft.com/office/drawing/2010/main" val="0"/>
+              </a:ext>
+            </a:extLst>
+          </a:blip>
+          <a:stretch>
+            <a:fillRect/>
+          </a:stretch>
+        </p:blipFill>
+        <p:spPr>
+          <a:xfrm>
+            <a:off x="6844972" y="4916626"/>
+            <a:ext cx="466558" cy="466558"/>
+          </a:xfrm>
+          <a:prstGeom prst="rect">
+            <a:avLst/>
+          </a:prstGeom>
+        </p:spPr>
+      </p:pic>
+      <p:sp>
+        <p:nvSpPr>
+          <p:cNvPr id="20" name="Rectangle 19">
+            <a:hlinkClick r:id="rId4"/>
+          </p:cNvPr>
+          <p:cNvSpPr/>
+          <p:nvPr/>
+        </p:nvSpPr>
+        <p:spPr>
+          <a:xfrm>
+            <a:off x="3837117" y="4337463"/>
+            <a:ext cx="1285673" cy="369332"/>
+          </a:xfrm>
+          <a:prstGeom prst="rect">
+            <a:avLst/>
+          </a:prstGeom>
+          <a:ln>
+            <a:solidFill>
+              <a:schemeClr val="accent1"/>
+            </a:solidFill>
+          </a:ln>
+        </p:spPr>
+        <p:txBody>
+          <a:bodyPr wrap="none">
+            <a:spAutoFit/>
+          </a:bodyPr>
+          <a:lstStyle/>
+          <a:p>
+            <a:r>
+              <a:rPr lang="en-AU" dirty="0" err="1" smtClean="0">
+                <a:solidFill>
+                  <a:schemeClr val="accent1">
+                    <a:lumMod val="75000"/>
+                  </a:schemeClr>
+                </a:solidFill>
+              </a:rPr>
+              <a:t>Github.com</a:t>
+            </a:r>
+            <a:endParaRPr lang="en-AU" dirty="0">
+              <a:solidFill>
+                <a:schemeClr val="accent1">
+                  <a:lumMod val="75000"/>
+                </a:schemeClr>
+              </a:solidFill>
+            </a:endParaRPr>
+          </a:p>
+        </p:txBody>
+      </p:sp>
+    </p:spTree>
+    <p:extLst>
+      <p:ext uri="{BB962C8B-B14F-4D97-AF65-F5344CB8AC3E}">
+        <p14:creationId xmlns:p14="http://schemas.microsoft.com/office/powerpoint/2010/main" val="565921796"/>
       </p:ext>
     </p:extLst>
   </p:cSld>
@@ -6937,13 +7557,6 @@
               </a:rPr>
               <a:t> is a code hosting platform for version control and collaboration. It lets you and others work together on projects from anywhere  »</a:t>
             </a:r>
-            <a:endParaRPr lang="en-CA" sz="3200" dirty="0" smtClean="0">
-              <a:solidFill>
-                <a:schemeClr val="tx1">
-                  <a:alpha val="14000"/>
-                </a:schemeClr>
-              </a:solidFill>
-            </a:endParaRPr>
           </a:p>
           <a:p>
             <a:pPr marL="457200" indent="-457200" algn="ctr">
@@ -7395,7 +8008,7 @@
       </p:grpSpPr>
       <p:pic>
         <p:nvPicPr>
-          <p:cNvPr id="8" name="Image 7"/>
+          <p:cNvPr id="6" name="Image 5"/>
           <p:cNvPicPr>
             <a:picLocks noChangeAspect="1"/>
           </p:cNvPicPr>
@@ -7403,7 +8016,6 @@
         </p:nvPicPr>
         <p:blipFill>
           <a:blip r:embed="rId2">
-            <a:alphaModFix amt="24000"/>
             <a:extLst>
               <a:ext uri="{28A0092B-C50C-407E-A947-70E740481C1C}">
                 <a14:useLocalDpi xmlns:a14="http://schemas.microsoft.com/office/drawing/2010/main" val="0"/>
@@ -7416,8 +8028,8 @@
         </p:blipFill>
         <p:spPr>
           <a:xfrm>
-            <a:off x="-2411662" y="16042"/>
-            <a:ext cx="17808514" cy="6858000"/>
+            <a:off x="-2729949" y="6684"/>
+            <a:ext cx="16408795" cy="6858000"/>
           </a:xfrm>
           <a:prstGeom prst="rect">
             <a:avLst/>
@@ -7722,11 +8334,6 @@
               </a:rPr>
               <a:t>ID</a:t>
             </a:r>
-            <a:endParaRPr lang="fr-FR" sz="2000" b="1" dirty="0" smtClean="0">
-              <a:solidFill>
-                <a:srgbClr val="FF0000"/>
-              </a:solidFill>
-            </a:endParaRPr>
           </a:p>
         </p:txBody>
       </p:sp>
@@ -8110,11 +8717,6 @@
               </a:rPr>
               <a:t> Activity</a:t>
             </a:r>
-            <a:endParaRPr lang="fr-FR" sz="2000" b="1" dirty="0" smtClean="0">
-              <a:solidFill>
-                <a:srgbClr val="FF0000"/>
-              </a:solidFill>
-            </a:endParaRPr>
           </a:p>
         </p:txBody>
       </p:sp>
@@ -8295,11 +8897,6 @@
               </a:rPr>
               <a:t> CV !</a:t>
             </a:r>
-            <a:endParaRPr lang="fr-FR" sz="2800" b="1" dirty="0" smtClean="0">
-              <a:solidFill>
-                <a:srgbClr val="FF0000"/>
-              </a:solidFill>
-            </a:endParaRPr>
           </a:p>
         </p:txBody>
       </p:sp>
@@ -8340,9 +8937,134 @@
           <a:chExt cx="0" cy="0"/>
         </a:xfrm>
       </p:grpSpPr>
+      <p:cxnSp>
+        <p:nvCxnSpPr>
+          <p:cNvPr id="9" name="Connecteur droit 8"/>
+          <p:cNvCxnSpPr/>
+          <p:nvPr/>
+        </p:nvCxnSpPr>
+        <p:spPr>
+          <a:xfrm>
+            <a:off x="3676696" y="3686627"/>
+            <a:ext cx="4702626" cy="0"/>
+          </a:xfrm>
+          <a:prstGeom prst="line">
+            <a:avLst/>
+          </a:prstGeom>
+          <a:ln>
+            <a:solidFill>
+              <a:schemeClr val="bg2">
+                <a:lumMod val="50000"/>
+              </a:schemeClr>
+            </a:solidFill>
+          </a:ln>
+        </p:spPr>
+        <p:style>
+          <a:lnRef idx="1">
+            <a:schemeClr val="accent1"/>
+          </a:lnRef>
+          <a:fillRef idx="0">
+            <a:schemeClr val="accent1"/>
+          </a:fillRef>
+          <a:effectRef idx="0">
+            <a:schemeClr val="accent1"/>
+          </a:effectRef>
+          <a:fontRef idx="minor">
+            <a:schemeClr val="tx1"/>
+          </a:fontRef>
+        </p:style>
+      </p:cxnSp>
+      <p:sp>
+        <p:nvSpPr>
+          <p:cNvPr id="10" name="ZoneTexte 9"/>
+          <p:cNvSpPr txBox="1"/>
+          <p:nvPr/>
+        </p:nvSpPr>
+        <p:spPr>
+          <a:xfrm>
+            <a:off x="4187751" y="2798711"/>
+            <a:ext cx="4814161" cy="646331"/>
+          </a:xfrm>
+          <a:prstGeom prst="rect">
+            <a:avLst/>
+          </a:prstGeom>
+          <a:noFill/>
+        </p:spPr>
+        <p:txBody>
+          <a:bodyPr wrap="square" rtlCol="0">
+            <a:spAutoFit/>
+          </a:bodyPr>
+          <a:lstStyle/>
+          <a:p>
+            <a:r>
+              <a:rPr lang="fr-FR" sz="3600" dirty="0" smtClean="0"/>
+              <a:t>Github Desktop</a:t>
+            </a:r>
+            <a:endParaRPr lang="fr-FR" sz="3600" dirty="0"/>
+          </a:p>
+        </p:txBody>
+      </p:sp>
+      <p:sp>
+        <p:nvSpPr>
+          <p:cNvPr id="5" name="ZoneTexte 4"/>
+          <p:cNvSpPr txBox="1"/>
+          <p:nvPr/>
+        </p:nvSpPr>
+        <p:spPr>
+          <a:xfrm>
+            <a:off x="4187751" y="3774324"/>
+            <a:ext cx="4814161" cy="307777"/>
+          </a:xfrm>
+          <a:prstGeom prst="rect">
+            <a:avLst/>
+          </a:prstGeom>
+          <a:noFill/>
+        </p:spPr>
+        <p:txBody>
+          <a:bodyPr wrap="square" rtlCol="0">
+            <a:spAutoFit/>
+          </a:bodyPr>
+          <a:lstStyle/>
+          <a:p>
+            <a:r>
+              <a:rPr lang="fr-FR" sz="1400" i="1" dirty="0" smtClean="0"/>
+              <a:t>The </a:t>
+            </a:r>
+            <a:r>
+              <a:rPr lang="fr-FR" sz="1400" i="1" dirty="0" err="1" smtClean="0"/>
+              <a:t>link</a:t>
+            </a:r>
+            <a:r>
+              <a:rPr lang="fr-FR" sz="1400" i="1" dirty="0" smtClean="0"/>
+              <a:t> </a:t>
+            </a:r>
+            <a:r>
+              <a:rPr lang="fr-FR" sz="1400" i="1" dirty="0" err="1" smtClean="0"/>
+              <a:t>between</a:t>
+            </a:r>
+            <a:r>
+              <a:rPr lang="fr-FR" sz="1400" i="1" dirty="0" smtClean="0"/>
+              <a:t> </a:t>
+            </a:r>
+            <a:r>
+              <a:rPr lang="fr-FR" sz="1400" i="1" dirty="0" err="1" smtClean="0"/>
+              <a:t>your</a:t>
+            </a:r>
+            <a:r>
+              <a:rPr lang="fr-FR" sz="1400" i="1" dirty="0" smtClean="0"/>
+              <a:t> laptop and </a:t>
+            </a:r>
+            <a:r>
+              <a:rPr lang="fr-FR" sz="1400" i="1" dirty="0" err="1" smtClean="0"/>
+              <a:t>github</a:t>
+            </a:r>
+            <a:endParaRPr lang="fr-FR" sz="1400" i="1" dirty="0"/>
+          </a:p>
+        </p:txBody>
+      </p:sp>
       <p:pic>
         <p:nvPicPr>
-          <p:cNvPr id="8" name="Image 7"/>
+          <p:cNvPr id="6" name="Image 5"/>
           <p:cNvPicPr>
             <a:picLocks noChangeAspect="1"/>
           </p:cNvPicPr>
@@ -8371,131 +9093,6 @@
           </a:prstGeom>
         </p:spPr>
       </p:pic>
-      <p:cxnSp>
-        <p:nvCxnSpPr>
-          <p:cNvPr id="9" name="Connecteur droit 8"/>
-          <p:cNvCxnSpPr/>
-          <p:nvPr/>
-        </p:nvCxnSpPr>
-        <p:spPr>
-          <a:xfrm>
-            <a:off x="3676696" y="3686627"/>
-            <a:ext cx="4702626" cy="0"/>
-          </a:xfrm>
-          <a:prstGeom prst="line">
-            <a:avLst/>
-          </a:prstGeom>
-          <a:ln>
-            <a:solidFill>
-              <a:schemeClr val="bg2">
-                <a:lumMod val="50000"/>
-              </a:schemeClr>
-            </a:solidFill>
-          </a:ln>
-        </p:spPr>
-        <p:style>
-          <a:lnRef idx="1">
-            <a:schemeClr val="accent1"/>
-          </a:lnRef>
-          <a:fillRef idx="0">
-            <a:schemeClr val="accent1"/>
-          </a:fillRef>
-          <a:effectRef idx="0">
-            <a:schemeClr val="accent1"/>
-          </a:effectRef>
-          <a:fontRef idx="minor">
-            <a:schemeClr val="tx1"/>
-          </a:fontRef>
-        </p:style>
-      </p:cxnSp>
-      <p:sp>
-        <p:nvSpPr>
-          <p:cNvPr id="10" name="ZoneTexte 9"/>
-          <p:cNvSpPr txBox="1"/>
-          <p:nvPr/>
-        </p:nvSpPr>
-        <p:spPr>
-          <a:xfrm>
-            <a:off x="4187751" y="2798711"/>
-            <a:ext cx="4814161" cy="646331"/>
-          </a:xfrm>
-          <a:prstGeom prst="rect">
-            <a:avLst/>
-          </a:prstGeom>
-          <a:noFill/>
-        </p:spPr>
-        <p:txBody>
-          <a:bodyPr wrap="square" rtlCol="0">
-            <a:spAutoFit/>
-          </a:bodyPr>
-          <a:lstStyle/>
-          <a:p>
-            <a:r>
-              <a:rPr lang="fr-FR" sz="3600" dirty="0" smtClean="0"/>
-              <a:t>Github Desktop</a:t>
-            </a:r>
-            <a:endParaRPr lang="fr-FR" sz="3600" dirty="0"/>
-          </a:p>
-        </p:txBody>
-      </p:sp>
-      <p:sp>
-        <p:nvSpPr>
-          <p:cNvPr id="5" name="ZoneTexte 4"/>
-          <p:cNvSpPr txBox="1"/>
-          <p:nvPr/>
-        </p:nvSpPr>
-        <p:spPr>
-          <a:xfrm>
-            <a:off x="4187751" y="3774324"/>
-            <a:ext cx="4814161" cy="307777"/>
-          </a:xfrm>
-          <a:prstGeom prst="rect">
-            <a:avLst/>
-          </a:prstGeom>
-          <a:noFill/>
-        </p:spPr>
-        <p:txBody>
-          <a:bodyPr wrap="square" rtlCol="0">
-            <a:spAutoFit/>
-          </a:bodyPr>
-          <a:lstStyle/>
-          <a:p>
-            <a:r>
-              <a:rPr lang="fr-FR" sz="1400" i="1" dirty="0" smtClean="0"/>
-              <a:t>The </a:t>
-            </a:r>
-            <a:r>
-              <a:rPr lang="fr-FR" sz="1400" i="1" dirty="0" err="1" smtClean="0"/>
-              <a:t>link</a:t>
-            </a:r>
-            <a:r>
-              <a:rPr lang="fr-FR" sz="1400" i="1" dirty="0" smtClean="0"/>
-              <a:t> </a:t>
-            </a:r>
-            <a:r>
-              <a:rPr lang="fr-FR" sz="1400" i="1" dirty="0" err="1" smtClean="0"/>
-              <a:t>between</a:t>
-            </a:r>
-            <a:r>
-              <a:rPr lang="fr-FR" sz="1400" i="1" dirty="0" smtClean="0"/>
-              <a:t> </a:t>
-            </a:r>
-            <a:r>
-              <a:rPr lang="fr-FR" sz="1400" i="1" dirty="0" err="1" smtClean="0"/>
-              <a:t>your</a:t>
-            </a:r>
-            <a:r>
-              <a:rPr lang="fr-FR" sz="1400" i="1" dirty="0" smtClean="0"/>
-              <a:t> laptop and </a:t>
-            </a:r>
-            <a:r>
-              <a:rPr lang="fr-FR" sz="1400" i="1" dirty="0" err="1" smtClean="0"/>
-              <a:t>github</a:t>
-            </a:r>
-            <a:endParaRPr lang="fr-FR" sz="1400" i="1" dirty="0"/>
-          </a:p>
-        </p:txBody>
-      </p:sp>
     </p:spTree>
     <p:extLst>
       <p:ext uri="{BB962C8B-B14F-4D97-AF65-F5344CB8AC3E}">
